--- a/tutorial-10-load_balancing.pptx
+++ b/tutorial-10-load_balancing.pptx
@@ -224,7 +224,7 @@
           <a:p>
             <a:fld id="{775CE290-E0F5-444C-B849-A8F17CD4104C}" type="datetimeFigureOut">
               <a:rPr lang="en-US" smtClean="0"/>
-              <a:t>9/8/14</a:t>
+              <a:t>9/9/14</a:t>
             </a:fld>
             <a:endParaRPr lang="en-US"/>
           </a:p>
@@ -390,7 +390,7 @@
           <a:p>
             <a:fld id="{AD53A24C-4135-094C-957B-35852E7EDFA4}" type="datetimeFigureOut">
               <a:rPr lang="en-US" smtClean="0"/>
-              <a:t>9/8/14</a:t>
+              <a:t>9/9/14</a:t>
             </a:fld>
             <a:endParaRPr lang="en-US"/>
           </a:p>
@@ -851,7 +851,7 @@
           <a:p>
             <a:fld id="{B594EA25-E4F4-3746-A0BA-A11E27330E0F}" type="datetime2">
               <a:rPr lang="en-US" smtClean="0"/>
-              <a:t>Monday, September 8, 14</a:t>
+              <a:t>Tuesday, September 9, 14</a:t>
             </a:fld>
             <a:endParaRPr lang="en-US"/>
           </a:p>
@@ -1154,7 +1154,7 @@
                 <a:latin typeface="Times New Roman"/>
                 <a:cs typeface="Times New Roman"/>
               </a:rPr>
-              <a:t>September 8, 2014</a:t>
+              <a:t>September 9, 2014</a:t>
             </a:fld>
             <a:endParaRPr lang="en-US" dirty="0">
               <a:latin typeface="Times New Roman"/>
@@ -1441,7 +1441,7 @@
           <a:p>
             <a:fld id="{EA699BF9-66CB-F244-8E74-7B1BE1C77046}" type="datetime2">
               <a:rPr lang="en-US" smtClean="0"/>
-              <a:t>Monday, September 8, 14</a:t>
+              <a:t>Tuesday, September 9, 14</a:t>
             </a:fld>
             <a:endParaRPr lang="en-US"/>
           </a:p>
@@ -1752,7 +1752,7 @@
           <a:p>
             <a:fld id="{D300BE84-9843-8B4F-B3C8-647B06AC46C9}" type="datetime2">
               <a:rPr lang="en-US" smtClean="0"/>
-              <a:t>Monday, September 8, 14</a:t>
+              <a:t>Tuesday, September 9, 14</a:t>
             </a:fld>
             <a:endParaRPr lang="en-US"/>
           </a:p>
@@ -1923,7 +1923,7 @@
           <a:p>
             <a:fld id="{C460AE39-2092-A945-8296-F25085B9A0F1}" type="datetime2">
               <a:rPr lang="en-US" smtClean="0"/>
-              <a:t>Monday, September 8, 14</a:t>
+              <a:t>Tuesday, September 9, 14</a:t>
             </a:fld>
             <a:endParaRPr lang="en-US"/>
           </a:p>
@@ -2104,7 +2104,7 @@
           <a:p>
             <a:fld id="{63BC7E9D-3218-5E49-A867-E087AB2F4618}" type="datetime2">
               <a:rPr lang="en-US" smtClean="0"/>
-              <a:t>Monday, September 8, 14</a:t>
+              <a:t>Tuesday, September 9, 14</a:t>
             </a:fld>
             <a:endParaRPr lang="en-US"/>
           </a:p>
@@ -2275,7 +2275,7 @@
           <a:p>
             <a:fld id="{34621E95-60A9-FF44-9869-513D9D7A859F}" type="datetime2">
               <a:rPr lang="en-US" smtClean="0"/>
-              <a:t>Monday, September 8, 14</a:t>
+              <a:t>Tuesday, September 9, 14</a:t>
             </a:fld>
             <a:endParaRPr lang="en-US"/>
           </a:p>
@@ -2394,7 +2394,7 @@
           <a:p>
             <a:fld id="{BD5AFB16-13FE-DF4A-8CB7-09756A57B2EA}" type="datetime2">
               <a:rPr lang="en-US" smtClean="0"/>
-              <a:t>Monday, September 8, 14</a:t>
+              <a:t>Tuesday, September 9, 14</a:t>
             </a:fld>
             <a:endParaRPr lang="en-US" dirty="0"/>
           </a:p>
@@ -2881,7 +2881,7 @@
           <a:p>
             <a:fld id="{1BDEC705-8EA9-6C46-8E3B-2CAC7E2C0F7D}" type="datetime2">
               <a:rPr lang="en-US" smtClean="0"/>
-              <a:t>Monday, September 8, 14</a:t>
+              <a:t>Tuesday, September 9, 14</a:t>
             </a:fld>
             <a:endParaRPr lang="en-US"/>
           </a:p>
@@ -3212,7 +3212,7 @@
           <a:p>
             <a:fld id="{BF613BD3-C5FD-9543-B738-679BF38D8C83}" type="datetime2">
               <a:rPr lang="en-US" smtClean="0"/>
-              <a:t>Monday, September 8, 14</a:t>
+              <a:t>Tuesday, September 9, 14</a:t>
             </a:fld>
             <a:endParaRPr lang="en-US" dirty="0"/>
           </a:p>
@@ -3691,7 +3691,7 @@
           <a:p>
             <a:fld id="{4B5E4F0C-9A9C-5448-99FD-D30288B385C9}" type="datetime2">
               <a:rPr lang="en-US" smtClean="0"/>
-              <a:t>Monday, September 8, 14</a:t>
+              <a:t>Tuesday, September 9, 14</a:t>
             </a:fld>
             <a:endParaRPr lang="en-US"/>
           </a:p>
@@ -3987,7 +3987,7 @@
           <a:p>
             <a:fld id="{30545249-FD76-6844-B252-CAB05FC2DAA8}" type="datetime2">
               <a:rPr lang="en-US" smtClean="0"/>
-              <a:t>Monday, September 8, 14</a:t>
+              <a:t>Tuesday, September 9, 14</a:t>
             </a:fld>
             <a:endParaRPr lang="en-US" dirty="0"/>
           </a:p>
@@ -4231,7 +4231,7 @@
           <a:p>
             <a:fld id="{CC859171-EEDD-0B48-A5C0-E7218AE20EA7}" type="datetime2">
               <a:rPr lang="en-US" smtClean="0"/>
-              <a:t>Monday, September 8, 14</a:t>
+              <a:t>Tuesday, September 9, 14</a:t>
             </a:fld>
             <a:endParaRPr lang="en-US"/>
           </a:p>
@@ -4327,7 +4327,7 @@
           <a:p>
             <a:fld id="{C32F9216-0342-7440-9504-BD6C1382BF27}" type="datetime2">
               <a:rPr lang="en-US" smtClean="0"/>
-              <a:t>Monday, September 8, 14</a:t>
+              <a:t>Tuesday, September 9, 14</a:t>
             </a:fld>
             <a:endParaRPr lang="en-US"/>
           </a:p>
@@ -4598,7 +4598,7 @@
           <a:p>
             <a:fld id="{D36DC8F2-AD63-E841-8C23-5DC3A41041BE}" type="datetime2">
               <a:rPr lang="en-US" smtClean="0"/>
-              <a:t>Monday, September 8, 14</a:t>
+              <a:t>Tuesday, September 9, 14</a:t>
             </a:fld>
             <a:endParaRPr lang="en-US" dirty="0"/>
           </a:p>
@@ -5317,7 +5317,7 @@
           <a:p>
             <a:fld id="{7DCE861A-EA6B-EA43-8AA5-DB216DBB40BC}" type="datetime2">
               <a:rPr lang="en-US" smtClean="0"/>
-              <a:t>Monday, September 8, 14</a:t>
+              <a:t>Tuesday, September 9, 14</a:t>
             </a:fld>
             <a:endParaRPr lang="en-US"/>
           </a:p>
@@ -5672,7 +5672,7 @@
           <a:p>
             <a:fld id="{34621E95-60A9-FF44-9869-513D9D7A859F}" type="datetime2">
               <a:rPr lang="en-US" smtClean="0"/>
-              <a:t>Monday, September 8, 14</a:t>
+              <a:t>Tuesday, September 9, 14</a:t>
             </a:fld>
             <a:endParaRPr lang="en-US"/>
           </a:p>
@@ -5820,8 +5820,13 @@
             </a:r>
             <a:r>
               <a:rPr lang="en-US" dirty="0"/>
-              <a:t>: because Particles move.</a:t>
-            </a:r>
+              <a:t>: because Particles </a:t>
+            </a:r>
+            <a:r>
+              <a:rPr lang="en-US" dirty="0" smtClean="0"/>
+              <a:t>move</a:t>
+            </a:r>
+            <a:endParaRPr lang="en-US" dirty="0"/>
           </a:p>
           <a:p>
             <a:pPr lvl="2"/>
@@ -5896,7 +5901,7 @@
           <a:p>
             <a:fld id="{34621E95-60A9-FF44-9869-513D9D7A859F}" type="datetime2">
               <a:rPr lang="en-US" smtClean="0"/>
-              <a:t>Monday, September 8, 14</a:t>
+              <a:t>Tuesday, September 9, 14</a:t>
             </a:fld>
             <a:endParaRPr lang="en-US"/>
           </a:p>
@@ -6168,7 +6173,7 @@
           <a:p>
             <a:fld id="{34621E95-60A9-FF44-9869-513D9D7A859F}" type="datetime2">
               <a:rPr lang="en-US" smtClean="0"/>
-              <a:t>Monday, September 8, 14</a:t>
+              <a:t>Tuesday, September 9, 14</a:t>
             </a:fld>
             <a:endParaRPr lang="en-US"/>
           </a:p>
@@ -6311,15 +6316,11 @@
           <a:p>
             <a:r>
               <a:rPr lang="en-US" dirty="0" smtClean="0"/>
-              <a:t>Processor </a:t>
-            </a:r>
-            <a:r>
-              <a:rPr lang="en-US" dirty="0" err="1"/>
-              <a:t>dont</a:t>
-            </a:r>
-            <a:r>
-              <a:rPr lang="en-US" dirty="0"/>
-              <a:t> need to be a power of 2:</a:t>
+              <a:t>Processors don’t </a:t>
+            </a:r>
+            <a:r>
+              <a:rPr lang="en-US" dirty="0"/>
+              <a:t>need to be a power of 2:</a:t>
             </a:r>
           </a:p>
           <a:p>
@@ -6454,7 +6455,7 @@
           <a:p>
             <a:fld id="{34621E95-60A9-FF44-9869-513D9D7A859F}" type="datetime2">
               <a:rPr lang="en-US" smtClean="0"/>
-              <a:t>Monday, September 8, 14</a:t>
+              <a:t>Tuesday, September 9, 14</a:t>
             </a:fld>
             <a:endParaRPr lang="en-US"/>
           </a:p>
@@ -6697,7 +6698,7 @@
           <a:p>
             <a:fld id="{34621E95-60A9-FF44-9869-513D9D7A859F}" type="datetime2">
               <a:rPr lang="en-US" smtClean="0"/>
-              <a:t>Monday, September 8, 14</a:t>
+              <a:t>Tuesday, September 9, 14</a:t>
             </a:fld>
             <a:endParaRPr lang="en-US"/>
           </a:p>
@@ -6901,74 +6902,71 @@
             </a:r>
             <a:r>
               <a:rPr lang="en-US" dirty="0"/>
-              <a:t>each step:</a:t>
+              <a:t>each </a:t>
+            </a:r>
+            <a:r>
+              <a:rPr lang="en-US" dirty="0" smtClean="0"/>
+              <a:t>step: assign </a:t>
+            </a:r>
+            <a:r>
+              <a:rPr lang="en-US" dirty="0"/>
+              <a:t>the heaviest remaining object to the least loaded processor</a:t>
+            </a:r>
+          </a:p>
+          <a:p>
+            <a:pPr lvl="1"/>
+            <a:r>
+              <a:rPr lang="en-US" dirty="0" smtClean="0"/>
+              <a:t>With </a:t>
+            </a:r>
+            <a:r>
+              <a:rPr lang="en-US" dirty="0"/>
+              <a:t>small-to-moderate communication cost:</a:t>
             </a:r>
           </a:p>
           <a:p>
             <a:pPr lvl="2"/>
             <a:r>
               <a:rPr lang="en-US" dirty="0" smtClean="0"/>
-              <a:t>assign </a:t>
-            </a:r>
-            <a:r>
-              <a:rPr lang="en-US" dirty="0"/>
-              <a:t>the heaviest remaining object to the least loaded processor</a:t>
-            </a:r>
+              <a:t>Same </a:t>
+            </a:r>
+            <a:r>
+              <a:rPr lang="en-US" dirty="0"/>
+              <a:t>strategy, but add communication costs as you add an object to </a:t>
+            </a:r>
+            <a:r>
+              <a:rPr lang="en-US" dirty="0" smtClean="0"/>
+              <a:t>a processor</a:t>
+            </a:r>
+            <a:endParaRPr lang="en-US" dirty="0"/>
           </a:p>
           <a:p>
             <a:pPr lvl="1"/>
             <a:r>
               <a:rPr lang="en-US" dirty="0" smtClean="0"/>
-              <a:t>With </a:t>
-            </a:r>
-            <a:r>
-              <a:rPr lang="en-US" dirty="0"/>
-              <a:t>small-to-moderate communication cost:</a:t>
+              <a:t>Always </a:t>
+            </a:r>
+            <a:r>
+              <a:rPr lang="en-US" dirty="0"/>
+              <a:t>add a refinement step at the end:</a:t>
             </a:r>
           </a:p>
           <a:p>
             <a:pPr lvl="2"/>
             <a:r>
               <a:rPr lang="en-US" dirty="0" smtClean="0"/>
-              <a:t>Same </a:t>
-            </a:r>
-            <a:r>
-              <a:rPr lang="en-US" dirty="0"/>
-              <a:t>strategy, but add communication costs as you add an object to </a:t>
-            </a:r>
-            <a:r>
-              <a:rPr lang="en-US" dirty="0" smtClean="0"/>
-              <a:t>a processor</a:t>
-            </a:r>
-            <a:endParaRPr lang="en-US" dirty="0"/>
-          </a:p>
-          <a:p>
-            <a:pPr lvl="1"/>
-            <a:r>
-              <a:rPr lang="en-US" dirty="0" smtClean="0"/>
-              <a:t>Always </a:t>
-            </a:r>
-            <a:r>
-              <a:rPr lang="en-US" dirty="0"/>
-              <a:t>add a refinement step at the end:</a:t>
-            </a:r>
+              <a:t>Swap </a:t>
+            </a:r>
+            <a:r>
+              <a:rPr lang="en-US" dirty="0"/>
+              <a:t>work from heaviest loaded processor to “some other processor” </a:t>
+            </a:r>
+            <a:endParaRPr lang="en-US" dirty="0" smtClean="0"/>
           </a:p>
           <a:p>
             <a:pPr lvl="2"/>
             <a:r>
               <a:rPr lang="en-US" dirty="0" smtClean="0"/>
-              <a:t>Swap </a:t>
-            </a:r>
-            <a:r>
-              <a:rPr lang="en-US" dirty="0"/>
-              <a:t>work from heaviest loaded processor to “some other processor” </a:t>
-            </a:r>
-            <a:endParaRPr lang="en-US" dirty="0" smtClean="0"/>
-          </a:p>
-          <a:p>
-            <a:pPr lvl="2"/>
-            <a:r>
-              <a:rPr lang="en-US" dirty="0" smtClean="0"/>
               <a:t>Repeat </a:t>
             </a:r>
             <a:r>
@@ -6995,7 +6993,7 @@
           <a:p>
             <a:fld id="{34621E95-60A9-FF44-9869-513D9D7A859F}" type="datetime2">
               <a:rPr lang="en-US" smtClean="0"/>
-              <a:t>Monday, September 8, 14</a:t>
+              <a:t>Tuesday, September 9, 14</a:t>
             </a:fld>
             <a:endParaRPr lang="en-US"/>
           </a:p>
@@ -7234,7 +7232,7 @@
           <a:p>
             <a:fld id="{34621E95-60A9-FF44-9869-513D9D7A859F}" type="datetime2">
               <a:rPr lang="en-US" smtClean="0"/>
-              <a:t>Monday, September 8, 14</a:t>
+              <a:t>Tuesday, September 9, 14</a:t>
             </a:fld>
             <a:endParaRPr lang="en-US"/>
           </a:p>
@@ -7368,12 +7366,16 @@
               <a:t>Decomposition into 16 chunks (left) and 128 chunks, 8 for each PE (right). The middle area contains cohesive elements. Both decompositions obtained using Metis. Pictures: S. </a:t>
             </a:r>
             <a:r>
-              <a:rPr lang="en-US" sz="2000" dirty="0" err="1"/>
+              <a:rPr lang="en-US" sz="2000" dirty="0" err="1" smtClean="0"/>
               <a:t>Breitenfeld</a:t>
             </a:r>
             <a:r>
+              <a:rPr lang="en-US" sz="2000" dirty="0" smtClean="0"/>
+              <a:t> </a:t>
+            </a:r>
+            <a:r>
               <a:rPr lang="en-US" sz="2000" dirty="0"/>
-              <a:t>, and P. </a:t>
+              <a:t>and P. </a:t>
             </a:r>
             <a:r>
               <a:rPr lang="en-US" sz="2000" dirty="0" err="1"/>
@@ -7417,7 +7419,7 @@
           <a:p>
             <a:fld id="{34621E95-60A9-FF44-9869-513D9D7A859F}" type="datetime2">
               <a:rPr lang="en-US" smtClean="0"/>
-              <a:t>Monday, September 8, 14</a:t>
+              <a:t>Tuesday, September 9, 14</a:t>
             </a:fld>
             <a:endParaRPr lang="en-US"/>
           </a:p>
@@ -7523,7 +7525,7 @@
         </p:blipFill>
         <p:spPr>
           <a:xfrm>
-            <a:off x="5437411" y="678664"/>
+            <a:off x="5437411" y="678666"/>
             <a:ext cx="3249389" cy="3888089"/>
           </a:xfrm>
           <a:prstGeom prst="rect">
@@ -7541,6 +7543,13 @@
   <p:clrMapOvr>
     <a:masterClrMapping/>
   </p:clrMapOvr>
+  <p:timing>
+    <p:tnLst>
+      <p:par>
+        <p:cTn xmlns:p14="http://schemas.microsoft.com/office/powerpoint/2010/main" id="1" dur="indefinite" restart="never" nodeType="tmRoot"/>
+      </p:par>
+    </p:tnLst>
+  </p:timing>
 </p:sld>
 </file>
 
@@ -7627,7 +7636,7 @@
           <a:p>
             <a:fld id="{34621E95-60A9-FF44-9869-513D9D7A859F}" type="datetime2">
               <a:rPr lang="en-US" smtClean="0"/>
-              <a:t>Monday, September 8, 14</a:t>
+              <a:t>Tuesday, September 9, 14</a:t>
             </a:fld>
             <a:endParaRPr lang="en-US"/>
           </a:p>
@@ -7691,6 +7700,13 @@
   <p:clrMapOvr>
     <a:masterClrMapping/>
   </p:clrMapOvr>
+  <p:timing>
+    <p:tnLst>
+      <p:par>
+        <p:cTn xmlns:p14="http://schemas.microsoft.com/office/powerpoint/2010/main" id="1" dur="indefinite" restart="never" nodeType="tmRoot"/>
+      </p:par>
+    </p:tnLst>
+  </p:timing>
 </p:sld>
 </file>
 
@@ -7913,7 +7929,7 @@
           <a:p>
             <a:fld id="{34621E95-60A9-FF44-9869-513D9D7A859F}" type="datetime2">
               <a:rPr lang="en-US" smtClean="0"/>
-              <a:t>Monday, September 8, 14</a:t>
+              <a:t>Tuesday, September 9, 14</a:t>
             </a:fld>
             <a:endParaRPr lang="en-US"/>
           </a:p>
@@ -7977,11 +7993,18 @@
   <p:clrMapOvr>
     <a:masterClrMapping/>
   </p:clrMapOvr>
+  <p:timing>
+    <p:tnLst>
+      <p:par>
+        <p:cTn xmlns:p14="http://schemas.microsoft.com/office/powerpoint/2010/main" id="1" dur="indefinite" restart="never" nodeType="tmRoot"/>
+      </p:par>
+    </p:tnLst>
+  </p:timing>
 </p:sld>
 </file>
 
 <file path=ppt/slides/slide2.xml><?xml version="1.0" encoding="utf-8"?>
-<p:sld xmlns:a="http://schemas.openxmlformats.org/drawingml/2006/main" xmlns:r="http://schemas.openxmlformats.org/officeDocument/2006/relationships" xmlns:p="http://schemas.openxmlformats.org/presentationml/2006/main">
+<p:sld xmlns:a="http://schemas.openxmlformats.org/drawingml/2006/main" xmlns:r="http://schemas.openxmlformats.org/officeDocument/2006/relationships" xmlns:p="http://schemas.openxmlformats.org/presentationml/2006/main" show="0">
   <p:cSld>
     <p:spTree>
       <p:nvGrpSpPr>
@@ -8014,7 +8037,7 @@
           <a:p>
             <a:fld id="{C32F9216-0342-7440-9504-BD6C1382BF27}" type="datetime2">
               <a:rPr lang="en-US" smtClean="0"/>
-              <a:t>Monday, September 8, 14</a:t>
+              <a:t>Tuesday, September 9, 14</a:t>
             </a:fld>
             <a:endParaRPr lang="en-US"/>
           </a:p>
@@ -8108,6 +8131,14 @@
   <p:clrMapOvr>
     <a:masterClrMapping/>
   </p:clrMapOvr>
+  <mc:AlternateContent xmlns:mc="http://schemas.openxmlformats.org/markup-compatibility/2006">
+    <mc:Choice xmlns:p14="http://schemas.microsoft.com/office/powerpoint/2010/main" Requires="p14">
+      <p:transition spd="slow" p14:dur="2000"/>
+    </mc:Choice>
+    <mc:Fallback>
+      <p:transition xmlns:p14="http://schemas.microsoft.com/office/powerpoint/2010/main" spd="slow"/>
+    </mc:Fallback>
+  </mc:AlternateContent>
 </p:sld>
 </file>
 
@@ -8172,12 +8203,12 @@
               <a:t>Centralized load balancing strategies </a:t>
             </a:r>
             <a:r>
-              <a:rPr lang="en-US" dirty="0" err="1"/>
-              <a:t>dont</a:t>
-            </a:r>
-            <a:r>
-              <a:rPr lang="en-US" dirty="0"/>
-              <a:t> scale on extremely large machines</a:t>
+              <a:rPr lang="en-US" dirty="0" smtClean="0"/>
+              <a:t>don’t </a:t>
+            </a:r>
+            <a:r>
+              <a:rPr lang="en-US" dirty="0"/>
+              <a:t>scale on extremely large machines</a:t>
             </a:r>
           </a:p>
           <a:p>
@@ -8242,7 +8273,7 @@
           <a:p>
             <a:fld id="{34621E95-60A9-FF44-9869-513D9D7A859F}" type="datetime2">
               <a:rPr lang="en-US" smtClean="0"/>
-              <a:t>Monday, September 8, 14</a:t>
+              <a:t>Tuesday, September 9, 14</a:t>
             </a:fld>
             <a:endParaRPr lang="en-US"/>
           </a:p>
@@ -8406,7 +8437,7 @@
           <a:p>
             <a:fld id="{34621E95-60A9-FF44-9869-513D9D7A859F}" type="datetime2">
               <a:rPr lang="en-US" smtClean="0"/>
-              <a:t>Monday, September 8, 14</a:t>
+              <a:t>Tuesday, September 9, 14</a:t>
             </a:fld>
             <a:endParaRPr lang="en-US"/>
           </a:p>
@@ -8556,7 +8587,7 @@
           <a:p>
             <a:fld id="{34621E95-60A9-FF44-9869-513D9D7A859F}" type="datetime2">
               <a:rPr lang="en-US" smtClean="0"/>
-              <a:t>Monday, September 8, 14</a:t>
+              <a:t>Tuesday, September 9, 14</a:t>
             </a:fld>
             <a:endParaRPr lang="en-US"/>
           </a:p>
@@ -8783,7 +8814,7 @@
           <a:p>
             <a:fld id="{34621E95-60A9-FF44-9869-513D9D7A859F}" type="datetime2">
               <a:rPr lang="en-US" smtClean="0"/>
-              <a:t>Monday, September 8, 14</a:t>
+              <a:t>Tuesday, September 9, 14</a:t>
             </a:fld>
             <a:endParaRPr lang="en-US"/>
           </a:p>
@@ -8947,7 +8978,7 @@
           <a:p>
             <a:fld id="{34621E95-60A9-FF44-9869-513D9D7A859F}" type="datetime2">
               <a:rPr lang="en-US" smtClean="0"/>
-              <a:t>Monday, September 8, 14</a:t>
+              <a:t>Tuesday, September 9, 14</a:t>
             </a:fld>
             <a:endParaRPr lang="en-US"/>
           </a:p>
@@ -9168,7 +9199,7 @@
           <a:p>
             <a:fld id="{34621E95-60A9-FF44-9869-513D9D7A859F}" type="datetime2">
               <a:rPr lang="en-US" smtClean="0"/>
-              <a:t>Monday, September 8, 14</a:t>
+              <a:t>Tuesday, September 9, 14</a:t>
             </a:fld>
             <a:endParaRPr lang="en-US"/>
           </a:p>
@@ -9318,7 +9349,7 @@
           <a:p>
             <a:fld id="{34621E95-60A9-FF44-9869-513D9D7A859F}" type="datetime2">
               <a:rPr lang="en-US" smtClean="0"/>
-              <a:t>Monday, September 8, 14</a:t>
+              <a:t>Tuesday, September 9, 14</a:t>
             </a:fld>
             <a:endParaRPr lang="en-US"/>
           </a:p>
@@ -9461,7 +9492,7 @@
                 <a:latin typeface="Lucida Console"/>
                 <a:cs typeface="Lucida Console"/>
               </a:rPr>
-              <a:t>if (</a:t>
+              <a:t>if(</a:t>
             </a:r>
             <a:r>
               <a:rPr lang="en-US" dirty="0" err="1" smtClean="0">
@@ -9475,7 +9506,14 @@
                 <a:latin typeface="Lucida Console"/>
                 <a:cs typeface="Lucida Console"/>
               </a:rPr>
-              <a:t>) At Sync(); </a:t>
+              <a:t>) At Sync();</a:t>
+            </a:r>
+            <a:r>
+              <a:rPr lang="en-US" dirty="0" smtClean="0">
+                <a:latin typeface="+mn-lt"/>
+                <a:cs typeface="Lucida Console"/>
+              </a:rPr>
+              <a:t> </a:t>
             </a:r>
             <a:r>
               <a:rPr lang="en-US" dirty="0" smtClean="0"/>
@@ -9503,7 +9541,14 @@
                 <a:latin typeface="Lucida Console"/>
                 <a:cs typeface="Lucida Console"/>
               </a:rPr>
-              <a:t>() </a:t>
+              <a:t>()</a:t>
+            </a:r>
+            <a:r>
+              <a:rPr lang="en-US" dirty="0" smtClean="0">
+                <a:latin typeface="+mn-lt"/>
+                <a:cs typeface="Lucida Console"/>
+              </a:rPr>
+              <a:t> </a:t>
             </a:r>
             <a:r>
               <a:rPr lang="en-US" dirty="0" smtClean="0"/>
@@ -9552,7 +9597,7 @@
           <a:p>
             <a:fld id="{34621E95-60A9-FF44-9869-513D9D7A859F}" type="datetime2">
               <a:rPr lang="en-US" smtClean="0"/>
-              <a:t>Monday, September 8, 14</a:t>
+              <a:t>Tuesday, September 9, 14</a:t>
             </a:fld>
             <a:endParaRPr lang="en-US"/>
           </a:p>
@@ -9753,7 +9798,34 @@
                 <a:latin typeface="Lucida Console"/>
                 <a:cs typeface="Lucida Console"/>
               </a:rPr>
-              <a:t>-</a:t>
+              <a:t>-balancer </a:t>
+            </a:r>
+            <a:r>
+              <a:rPr lang="en-US" dirty="0" err="1" smtClean="0">
+                <a:latin typeface="Lucida Console"/>
+                <a:cs typeface="Lucida Console"/>
+              </a:rPr>
+              <a:t>RefineLB</a:t>
+            </a:r>
+            <a:endParaRPr lang="en-US" dirty="0">
+              <a:latin typeface="Lucida Console"/>
+              <a:cs typeface="Lucida Console"/>
+            </a:endParaRPr>
+          </a:p>
+          <a:p>
+            <a:r>
+              <a:rPr lang="en-US" dirty="0"/>
+              <a:t>runtime option</a:t>
+            </a:r>
+          </a:p>
+          <a:p>
+            <a:pPr lvl="1"/>
+            <a:r>
+              <a:rPr lang="en-US" dirty="0" smtClean="0">
+                <a:latin typeface="Lucida Console"/>
+                <a:cs typeface="Lucida Console"/>
+              </a:rPr>
+              <a:t>+</a:t>
             </a:r>
             <a:r>
               <a:rPr lang="en-US" dirty="0">
@@ -9774,34 +9846,6 @@
               <a:cs typeface="Lucida Console"/>
             </a:endParaRPr>
           </a:p>
-          <a:p>
-            <a:pPr lvl="1"/>
-            <a:r>
-              <a:rPr lang="en-US" dirty="0"/>
-              <a:t>runtime option</a:t>
-            </a:r>
-          </a:p>
-          <a:p>
-            <a:pPr lvl="1"/>
-            <a:r>
-              <a:rPr lang="en-US" dirty="0">
-                <a:latin typeface="Lucida Console"/>
-                <a:cs typeface="Lucida Console"/>
-              </a:rPr>
-              <a:t> +balancer </a:t>
-            </a:r>
-            <a:r>
-              <a:rPr lang="en-US" dirty="0" err="1">
-                <a:latin typeface="Lucida Console"/>
-                <a:cs typeface="Lucida Console"/>
-              </a:rPr>
-              <a:t>RefineLB</a:t>
-            </a:r>
-            <a:endParaRPr lang="en-US" dirty="0">
-              <a:latin typeface="Lucida Console"/>
-              <a:cs typeface="Lucida Console"/>
-            </a:endParaRPr>
-          </a:p>
         </p:txBody>
       </p:sp>
       <p:sp>
@@ -9821,7 +9865,7 @@
           <a:p>
             <a:fld id="{34621E95-60A9-FF44-9869-513D9D7A859F}" type="datetime2">
               <a:rPr lang="en-US" smtClean="0"/>
-              <a:t>Monday, September 8, 14</a:t>
+              <a:t>Tuesday, September 9, 14</a:t>
             </a:fld>
             <a:endParaRPr lang="en-US"/>
           </a:p>
@@ -10084,15 +10128,15 @@
             </a:r>
             <a:r>
               <a:rPr lang="en-US" dirty="0"/>
-              <a:t>(x1),</a:t>
-            </a:r>
-            <a:r>
-              <a:rPr lang="en-US" dirty="0" err="1"/>
-              <a:t>y,z</a:t>
-            </a:r>
-            <a:r>
-              <a:rPr lang="en-US" dirty="0"/>
-              <a:t>).</a:t>
+              <a:t>(</a:t>
+            </a:r>
+            <a:r>
+              <a:rPr lang="en-US" dirty="0" smtClean="0"/>
+              <a:t>x - 1), y, z)</a:t>
+            </a:r>
+            <a:r>
+              <a:rPr lang="en-US" dirty="0"/>
+              <a:t>.</a:t>
             </a:r>
             <a:r>
               <a:rPr lang="en-US" dirty="0" err="1"/>
@@ -10168,15 +10212,27 @@
             </a:r>
             <a:r>
               <a:rPr lang="en-US" dirty="0"/>
+              <a:t>(x</a:t>
+            </a:r>
+            <a:r>
+              <a:rPr lang="en-US" dirty="0" smtClean="0"/>
+              <a:t>, y, </a:t>
+            </a:r>
+            <a:r>
+              <a:rPr lang="en-US" dirty="0" err="1" smtClean="0"/>
+              <a:t>wrapZ</a:t>
+            </a:r>
+            <a:r>
+              <a:rPr lang="en-US" dirty="0"/>
               <a:t>(</a:t>
             </a:r>
             <a:r>
-              <a:rPr lang="en-US" dirty="0" err="1"/>
-              <a:t>x,y,wrapZ</a:t>
-            </a:r>
-            <a:r>
-              <a:rPr lang="en-US" dirty="0"/>
-              <a:t>(z+1)).</a:t>
+              <a:rPr lang="en-US" dirty="0" smtClean="0"/>
+              <a:t>z + 1</a:t>
+            </a:r>
+            <a:r>
+              <a:rPr lang="en-US" dirty="0"/>
+              <a:t>)).</a:t>
             </a:r>
             <a:r>
               <a:rPr lang="en-US" dirty="0" err="1"/>
@@ -10505,8 +10561,20 @@
               <a:t>if </a:t>
             </a:r>
             <a:r>
-              <a:rPr lang="en-US" dirty="0"/>
-              <a:t>(i%5 == 1) contribute(</a:t>
+              <a:rPr lang="en-US" dirty="0" smtClean="0"/>
+              <a:t>(</a:t>
+            </a:r>
+            <a:r>
+              <a:rPr lang="en-US" dirty="0" err="1" smtClean="0"/>
+              <a:t>i</a:t>
+            </a:r>
+            <a:r>
+              <a:rPr lang="en-US" dirty="0" smtClean="0"/>
+              <a:t> % 5 </a:t>
+            </a:r>
+            <a:r>
+              <a:rPr lang="en-US" dirty="0"/>
+              <a:t>== 1) contribute(</a:t>
             </a:r>
             <a:r>
               <a:rPr lang="en-US" b="1" dirty="0" err="1"/>
@@ -10522,7 +10590,15 @@
             </a:r>
             <a:r>
               <a:rPr lang="en-US" dirty="0"/>
-              <a:t>), \&amp;c, </a:t>
+              <a:t>), </a:t>
+            </a:r>
+            <a:r>
+              <a:rPr lang="en-US" dirty="0" smtClean="0"/>
+              <a:t>&amp;</a:t>
+            </a:r>
+            <a:r>
+              <a:rPr lang="en-US" dirty="0"/>
+              <a:t>c, </a:t>
             </a:r>
             <a:r>
               <a:rPr lang="en-US" dirty="0" err="1"/>
@@ -10530,7 +10606,15 @@
             </a:r>
             <a:r>
               <a:rPr lang="en-US" dirty="0"/>
-              <a:t>::logical and, </a:t>
+              <a:t>::</a:t>
+            </a:r>
+            <a:r>
+              <a:rPr lang="en-US" dirty="0" err="1" smtClean="0"/>
+              <a:t>logical_and</a:t>
+            </a:r>
+            <a:r>
+              <a:rPr lang="en-US" dirty="0"/>
+              <a:t>, </a:t>
             </a:r>
             <a:r>
               <a:rPr lang="en-US" dirty="0" err="1"/>
@@ -10664,12 +10748,20 @@
               <a:t>(</a:t>
             </a:r>
             <a:r>
-              <a:rPr lang="en-US" dirty="0" err="1"/>
+              <a:rPr lang="en-US" b="1" dirty="0" err="1"/>
               <a:t>bool</a:t>
             </a:r>
             <a:r>
               <a:rPr lang="en-US" dirty="0"/>
-              <a:t> result) serial { </a:t>
+              <a:t> result) </a:t>
+            </a:r>
+            <a:r>
+              <a:rPr lang="en-US" b="1" dirty="0"/>
+              <a:t>serial</a:t>
+            </a:r>
+            <a:r>
+              <a:rPr lang="en-US" dirty="0"/>
+              <a:t> { </a:t>
             </a:r>
           </a:p>
           <a:p>
@@ -10763,7 +10855,7 @@
           <a:p>
             <a:fld id="{34621E95-60A9-FF44-9869-513D9D7A859F}" type="datetime2">
               <a:rPr lang="en-US" smtClean="0"/>
-              <a:t>Monday, September 8, 14</a:t>
+              <a:t>Tuesday, September 9, 14</a:t>
             </a:fld>
             <a:endParaRPr lang="en-US"/>
           </a:p>
@@ -10827,6 +10919,13 @@
   <p:clrMapOvr>
     <a:masterClrMapping/>
   </p:clrMapOvr>
+  <p:timing>
+    <p:tnLst>
+      <p:par>
+        <p:cTn xmlns:p14="http://schemas.microsoft.com/office/powerpoint/2010/main" id="1" dur="indefinite" restart="never" nodeType="tmRoot"/>
+      </p:par>
+    </p:tnLst>
+  </p:timing>
 </p:sld>
 </file>
 
@@ -10984,7 +11083,7 @@
           <a:p>
             <a:fld id="{34621E95-60A9-FF44-9869-513D9D7A859F}" type="datetime2">
               <a:rPr lang="en-US" smtClean="0"/>
-              <a:t>Monday, September 8, 14</a:t>
+              <a:t>Tuesday, September 9, 14</a:t>
             </a:fld>
             <a:endParaRPr lang="en-US"/>
           </a:p>
@@ -11048,6 +11147,13 @@
   <p:clrMapOvr>
     <a:masterClrMapping/>
   </p:clrMapOvr>
+  <p:timing>
+    <p:tnLst>
+      <p:par>
+        <p:cTn xmlns:p14="http://schemas.microsoft.com/office/powerpoint/2010/main" id="1" dur="indefinite" restart="never" nodeType="tmRoot"/>
+      </p:par>
+    </p:tnLst>
+  </p:timing>
 </p:sld>
 </file>
 
@@ -11181,7 +11287,7 @@
           <a:p>
             <a:fld id="{34621E95-60A9-FF44-9869-513D9D7A859F}" type="datetime2">
               <a:rPr lang="en-US" smtClean="0"/>
-              <a:t>Monday, September 8, 14</a:t>
+              <a:t>Tuesday, September 9, 14</a:t>
             </a:fld>
             <a:endParaRPr lang="en-US"/>
           </a:p>
@@ -11245,6 +11351,13 @@
   <p:clrMapOvr>
     <a:masterClrMapping/>
   </p:clrMapOvr>
+  <p:timing>
+    <p:tnLst>
+      <p:par>
+        <p:cTn xmlns:p14="http://schemas.microsoft.com/office/powerpoint/2010/main" id="1" dur="indefinite" restart="never" nodeType="tmRoot"/>
+      </p:par>
+    </p:tnLst>
+  </p:timing>
 </p:sld>
 </file>
 

--- a/tutorial-10-load_balancing.pptx
+++ b/tutorial-10-load_balancing.pptx
@@ -2,39 +2,38 @@
 <file path=ppt/presentation.xml><?xml version="1.0" encoding="utf-8"?>
 <p:presentation xmlns:a="http://schemas.openxmlformats.org/drawingml/2006/main" xmlns:r="http://schemas.openxmlformats.org/officeDocument/2006/relationships" xmlns:p="http://schemas.openxmlformats.org/presentationml/2006/main" showSpecialPlsOnTitleSld="0" saveSubsetFonts="1">
   <p:sldMasterIdLst>
-    <p:sldMasterId id="2147483960" r:id="rId1"/>
+    <p:sldMasterId id="2147483974" r:id="rId1"/>
   </p:sldMasterIdLst>
   <p:notesMasterIdLst>
-    <p:notesMasterId r:id="rId26"/>
+    <p:notesMasterId r:id="rId25"/>
   </p:notesMasterIdLst>
   <p:handoutMasterIdLst>
-    <p:handoutMasterId r:id="rId27"/>
+    <p:handoutMasterId r:id="rId26"/>
   </p:handoutMasterIdLst>
   <p:sldIdLst>
     <p:sldId id="431" r:id="rId2"/>
-    <p:sldId id="432" r:id="rId3"/>
-    <p:sldId id="433" r:id="rId4"/>
-    <p:sldId id="434" r:id="rId5"/>
-    <p:sldId id="435" r:id="rId6"/>
-    <p:sldId id="436" r:id="rId7"/>
-    <p:sldId id="437" r:id="rId8"/>
-    <p:sldId id="438" r:id="rId9"/>
-    <p:sldId id="439" r:id="rId10"/>
-    <p:sldId id="440" r:id="rId11"/>
-    <p:sldId id="441" r:id="rId12"/>
-    <p:sldId id="442" r:id="rId13"/>
-    <p:sldId id="443" r:id="rId14"/>
-    <p:sldId id="444" r:id="rId15"/>
-    <p:sldId id="445" r:id="rId16"/>
-    <p:sldId id="447" r:id="rId17"/>
-    <p:sldId id="448" r:id="rId18"/>
-    <p:sldId id="449" r:id="rId19"/>
-    <p:sldId id="450" r:id="rId20"/>
-    <p:sldId id="451" r:id="rId21"/>
-    <p:sldId id="452" r:id="rId22"/>
-    <p:sldId id="453" r:id="rId23"/>
-    <p:sldId id="454" r:id="rId24"/>
-    <p:sldId id="455" r:id="rId25"/>
+    <p:sldId id="433" r:id="rId3"/>
+    <p:sldId id="434" r:id="rId4"/>
+    <p:sldId id="435" r:id="rId5"/>
+    <p:sldId id="436" r:id="rId6"/>
+    <p:sldId id="437" r:id="rId7"/>
+    <p:sldId id="438" r:id="rId8"/>
+    <p:sldId id="439" r:id="rId9"/>
+    <p:sldId id="440" r:id="rId10"/>
+    <p:sldId id="441" r:id="rId11"/>
+    <p:sldId id="442" r:id="rId12"/>
+    <p:sldId id="443" r:id="rId13"/>
+    <p:sldId id="444" r:id="rId14"/>
+    <p:sldId id="445" r:id="rId15"/>
+    <p:sldId id="447" r:id="rId16"/>
+    <p:sldId id="448" r:id="rId17"/>
+    <p:sldId id="449" r:id="rId18"/>
+    <p:sldId id="450" r:id="rId19"/>
+    <p:sldId id="451" r:id="rId20"/>
+    <p:sldId id="452" r:id="rId21"/>
+    <p:sldId id="453" r:id="rId22"/>
+    <p:sldId id="454" r:id="rId23"/>
+    <p:sldId id="455" r:id="rId24"/>
   </p:sldIdLst>
   <p:sldSz cx="9144000" cy="6858000" type="screen4x3"/>
   <p:notesSz cx="6858000" cy="9144000"/>
@@ -224,7 +223,7 @@
           <a:p>
             <a:fld id="{775CE290-E0F5-444C-B849-A8F17CD4104C}" type="datetimeFigureOut">
               <a:rPr lang="en-US" smtClean="0"/>
-              <a:t>9/9/14</a:t>
+              <a:t>9/10/14</a:t>
             </a:fld>
             <a:endParaRPr lang="en-US"/>
           </a:p>
@@ -390,7 +389,7 @@
           <a:p>
             <a:fld id="{AD53A24C-4135-094C-957B-35852E7EDFA4}" type="datetimeFigureOut">
               <a:rPr lang="en-US" smtClean="0"/>
-              <a:t>9/9/14</a:t>
+              <a:t>9/10/14</a:t>
             </a:fld>
             <a:endParaRPr lang="en-US"/>
           </a:p>
@@ -660,7 +659,7 @@
 </file>
 
 <file path=ppt/slideLayouts/slideLayout1.xml><?xml version="1.0" encoding="utf-8"?>
-<p:sldLayout xmlns:a="http://schemas.openxmlformats.org/drawingml/2006/main" xmlns:r="http://schemas.openxmlformats.org/officeDocument/2006/relationships" xmlns:p="http://schemas.openxmlformats.org/presentationml/2006/main" preserve="1" userDrawn="1">
+<p:sldLayout xmlns:a="http://schemas.openxmlformats.org/drawingml/2006/main" xmlns:r="http://schemas.openxmlformats.org/officeDocument/2006/relationships" xmlns:p="http://schemas.openxmlformats.org/presentationml/2006/main" preserve="1">
   <p:cSld name="Title Slide">
     <p:spTree>
       <p:nvGrpSpPr>
@@ -707,7 +706,7 @@
           </a:lstStyle>
           <a:p>
             <a:r>
-              <a:rPr lang="en-US" dirty="0" smtClean="0"/>
+              <a:rPr lang="en-US" smtClean="0"/>
               <a:t>Click to edit Master title style</a:t>
             </a:r>
             <a:endParaRPr lang="en-US" dirty="0"/>
@@ -827,7 +826,7 @@
           </a:lstStyle>
           <a:p>
             <a:r>
-              <a:rPr lang="en-US" dirty="0" smtClean="0"/>
+              <a:rPr lang="en-US" smtClean="0"/>
               <a:t>Click to edit Master subtitle style</a:t>
             </a:r>
             <a:endParaRPr lang="en-US" dirty="0"/>
@@ -851,7 +850,7 @@
           <a:p>
             <a:fld id="{B594EA25-E4F4-3746-A0BA-A11E27330E0F}" type="datetime2">
               <a:rPr lang="en-US" smtClean="0"/>
-              <a:t>Tuesday, September 9, 14</a:t>
+              <a:t>Wednesday, September 10, 14</a:t>
             </a:fld>
             <a:endParaRPr lang="en-US"/>
           </a:p>
@@ -946,7 +945,7 @@
           <p:cNvSpPr txBox="1">
             <a:spLocks/>
           </p:cNvSpPr>
-          <p:nvPr userDrawn="1"/>
+          <p:nvPr/>
         </p:nvSpPr>
         <p:spPr>
           <a:xfrm>
@@ -1154,7 +1153,7 @@
                 <a:latin typeface="Times New Roman"/>
                 <a:cs typeface="Times New Roman"/>
               </a:rPr>
-              <a:t>September 9, 2014</a:t>
+              <a:t>September 10, 2014</a:t>
             </a:fld>
             <a:endParaRPr lang="en-US" dirty="0">
               <a:latin typeface="Times New Roman"/>
@@ -1208,10 +1207,232 @@
           <a:p>
             <a:pPr lvl="0"/>
             <a:r>
-              <a:rPr lang="en-US" dirty="0" smtClean="0"/>
+              <a:rPr lang="en-US" smtClean="0"/>
               <a:t>Click to edit Master text styles</a:t>
             </a:r>
-            <a:endParaRPr lang="en-US" dirty="0"/>
+          </a:p>
+        </p:txBody>
+      </p:sp>
+      <p:sp>
+        <p:nvSpPr>
+          <p:cNvPr id="11" name="Subtitle 2"/>
+          <p:cNvSpPr txBox="1">
+            <a:spLocks/>
+          </p:cNvSpPr>
+          <p:nvPr userDrawn="1"/>
+        </p:nvSpPr>
+        <p:spPr>
+          <a:xfrm>
+            <a:off x="1404926" y="4774277"/>
+            <a:ext cx="6400800" cy="700402"/>
+          </a:xfrm>
+          <a:prstGeom prst="rect">
+            <a:avLst/>
+          </a:prstGeom>
+        </p:spPr>
+        <p:txBody>
+          <a:bodyPr vert="horz" lIns="91440" tIns="45720" rIns="91440" bIns="45720" rtlCol="0">
+            <a:normAutofit/>
+          </a:bodyPr>
+          <a:lstStyle>
+            <a:lvl1pPr marL="0" indent="0" algn="ctr" defTabSz="914400" rtl="0" eaLnBrk="1" latinLnBrk="0" hangingPunct="1">
+              <a:spcBef>
+                <a:spcPct val="20000"/>
+              </a:spcBef>
+              <a:buClr>
+                <a:schemeClr val="accent1"/>
+              </a:buClr>
+              <a:buSzPct val="85000"/>
+              <a:buFont typeface="Arial" pitchFamily="34" charset="0"/>
+              <a:buNone/>
+              <a:defRPr sz="2400" kern="1200">
+                <a:solidFill>
+                  <a:schemeClr val="tx1">
+                    <a:lumMod val="75000"/>
+                    <a:lumOff val="25000"/>
+                  </a:schemeClr>
+                </a:solidFill>
+                <a:latin typeface="+mn-lt"/>
+                <a:ea typeface="+mn-ea"/>
+                <a:cs typeface="+mn-cs"/>
+              </a:defRPr>
+            </a:lvl1pPr>
+            <a:lvl2pPr marL="457200" indent="0" algn="ctr" defTabSz="914400" rtl="0" eaLnBrk="1" latinLnBrk="0" hangingPunct="1">
+              <a:spcBef>
+                <a:spcPct val="20000"/>
+              </a:spcBef>
+              <a:buClr>
+                <a:schemeClr val="accent1"/>
+              </a:buClr>
+              <a:buSzPct val="85000"/>
+              <a:buFont typeface="Arial" pitchFamily="34" charset="0"/>
+              <a:buNone/>
+              <a:defRPr sz="2000" kern="1200">
+                <a:solidFill>
+                  <a:schemeClr val="tx1">
+                    <a:tint val="75000"/>
+                  </a:schemeClr>
+                </a:solidFill>
+                <a:latin typeface="+mn-lt"/>
+                <a:ea typeface="+mn-ea"/>
+                <a:cs typeface="+mn-cs"/>
+              </a:defRPr>
+            </a:lvl2pPr>
+            <a:lvl3pPr marL="914400" indent="0" algn="ctr" defTabSz="914400" rtl="0" eaLnBrk="1" latinLnBrk="0" hangingPunct="1">
+              <a:spcBef>
+                <a:spcPct val="20000"/>
+              </a:spcBef>
+              <a:buClr>
+                <a:schemeClr val="accent1"/>
+              </a:buClr>
+              <a:buSzPct val="90000"/>
+              <a:buFont typeface="Arial" pitchFamily="34" charset="0"/>
+              <a:buNone/>
+              <a:defRPr sz="1800" kern="1200">
+                <a:solidFill>
+                  <a:schemeClr val="tx1">
+                    <a:tint val="75000"/>
+                  </a:schemeClr>
+                </a:solidFill>
+                <a:latin typeface="+mn-lt"/>
+                <a:ea typeface="+mn-ea"/>
+                <a:cs typeface="+mn-cs"/>
+              </a:defRPr>
+            </a:lvl3pPr>
+            <a:lvl4pPr marL="1371600" indent="0" algn="ctr" defTabSz="914400" rtl="0" eaLnBrk="1" latinLnBrk="0" hangingPunct="1">
+              <a:spcBef>
+                <a:spcPct val="20000"/>
+              </a:spcBef>
+              <a:buClr>
+                <a:schemeClr val="accent1"/>
+              </a:buClr>
+              <a:buFont typeface="Arial" pitchFamily="34" charset="0"/>
+              <a:buNone/>
+              <a:defRPr sz="1600" kern="1200">
+                <a:solidFill>
+                  <a:schemeClr val="tx1">
+                    <a:tint val="75000"/>
+                  </a:schemeClr>
+                </a:solidFill>
+                <a:latin typeface="+mn-lt"/>
+                <a:ea typeface="+mn-ea"/>
+                <a:cs typeface="+mn-cs"/>
+              </a:defRPr>
+            </a:lvl4pPr>
+            <a:lvl5pPr marL="1828800" indent="0" algn="ctr" defTabSz="914400" rtl="0" eaLnBrk="1" latinLnBrk="0" hangingPunct="1">
+              <a:spcBef>
+                <a:spcPct val="20000"/>
+              </a:spcBef>
+              <a:buClr>
+                <a:schemeClr val="accent1"/>
+              </a:buClr>
+              <a:buSzPct val="100000"/>
+              <a:buFont typeface="Arial" pitchFamily="34" charset="0"/>
+              <a:buNone/>
+              <a:defRPr sz="1400" kern="1200" baseline="0">
+                <a:solidFill>
+                  <a:schemeClr val="tx1">
+                    <a:tint val="75000"/>
+                  </a:schemeClr>
+                </a:solidFill>
+                <a:latin typeface="+mn-lt"/>
+                <a:ea typeface="+mn-ea"/>
+                <a:cs typeface="+mn-cs"/>
+              </a:defRPr>
+            </a:lvl5pPr>
+            <a:lvl6pPr marL="2286000" indent="0" algn="ctr" defTabSz="914400" rtl="0" eaLnBrk="1" latinLnBrk="0" hangingPunct="1">
+              <a:spcBef>
+                <a:spcPct val="20000"/>
+              </a:spcBef>
+              <a:buClr>
+                <a:schemeClr val="accent1"/>
+              </a:buClr>
+              <a:buFont typeface="Arial" pitchFamily="34" charset="0"/>
+              <a:buNone/>
+              <a:defRPr sz="1300" kern="1200">
+                <a:solidFill>
+                  <a:schemeClr val="tx1">
+                    <a:tint val="75000"/>
+                  </a:schemeClr>
+                </a:solidFill>
+                <a:latin typeface="+mn-lt"/>
+                <a:ea typeface="+mn-ea"/>
+                <a:cs typeface="+mn-cs"/>
+              </a:defRPr>
+            </a:lvl6pPr>
+            <a:lvl7pPr marL="2743200" indent="0" algn="ctr" defTabSz="914400" rtl="0" eaLnBrk="1" latinLnBrk="0" hangingPunct="1">
+              <a:spcBef>
+                <a:spcPct val="20000"/>
+              </a:spcBef>
+              <a:buClr>
+                <a:schemeClr val="accent1"/>
+              </a:buClr>
+              <a:buFont typeface="Arial" pitchFamily="34" charset="0"/>
+              <a:buNone/>
+              <a:defRPr sz="1300" kern="1200">
+                <a:solidFill>
+                  <a:schemeClr val="tx1">
+                    <a:tint val="75000"/>
+                  </a:schemeClr>
+                </a:solidFill>
+                <a:latin typeface="+mn-lt"/>
+                <a:ea typeface="+mn-ea"/>
+                <a:cs typeface="+mn-cs"/>
+              </a:defRPr>
+            </a:lvl7pPr>
+            <a:lvl8pPr marL="3200400" indent="0" algn="ctr" defTabSz="914400" rtl="0" eaLnBrk="1" latinLnBrk="0" hangingPunct="1">
+              <a:spcBef>
+                <a:spcPct val="20000"/>
+              </a:spcBef>
+              <a:buClr>
+                <a:schemeClr val="accent1"/>
+              </a:buClr>
+              <a:buFont typeface="Arial" pitchFamily="34" charset="0"/>
+              <a:buNone/>
+              <a:defRPr sz="1300" kern="1200">
+                <a:solidFill>
+                  <a:schemeClr val="tx1">
+                    <a:tint val="75000"/>
+                  </a:schemeClr>
+                </a:solidFill>
+                <a:latin typeface="+mn-lt"/>
+                <a:ea typeface="+mn-ea"/>
+                <a:cs typeface="+mn-cs"/>
+              </a:defRPr>
+            </a:lvl8pPr>
+            <a:lvl9pPr marL="3657600" indent="0" algn="ctr" defTabSz="914400" rtl="0" eaLnBrk="1" latinLnBrk="0" hangingPunct="1">
+              <a:spcBef>
+                <a:spcPct val="20000"/>
+              </a:spcBef>
+              <a:buClr>
+                <a:schemeClr val="accent1"/>
+              </a:buClr>
+              <a:buFont typeface="Arial" pitchFamily="34" charset="0"/>
+              <a:buNone/>
+              <a:defRPr sz="1300" kern="1200">
+                <a:solidFill>
+                  <a:schemeClr val="tx1">
+                    <a:tint val="75000"/>
+                  </a:schemeClr>
+                </a:solidFill>
+                <a:latin typeface="+mn-lt"/>
+                <a:ea typeface="+mn-ea"/>
+                <a:cs typeface="+mn-cs"/>
+              </a:defRPr>
+            </a:lvl9pPr>
+          </a:lstStyle>
+          <a:p>
+            <a:fld id="{B07CD00D-ECE2-B341-910C-3E5E7B4740E6}" type="datetime4">
+              <a:rPr lang="en-US" smtClean="0">
+                <a:latin typeface="Times New Roman"/>
+                <a:cs typeface="Times New Roman"/>
+              </a:rPr>
+              <a:t>September 10, 2014</a:t>
+            </a:fld>
+            <a:endParaRPr lang="en-US" dirty="0">
+              <a:latin typeface="Times New Roman"/>
+              <a:cs typeface="Times New Roman"/>
+            </a:endParaRPr>
           </a:p>
         </p:txBody>
       </p:sp>
@@ -1252,8 +1473,8 @@
         </p:nvSpPr>
         <p:spPr>
           <a:xfrm>
-            <a:off x="457200" y="792080"/>
-            <a:ext cx="2139696" cy="1261872"/>
+            <a:off x="261865" y="161144"/>
+            <a:ext cx="2335031" cy="1261872"/>
           </a:xfrm>
         </p:spPr>
         <p:txBody>
@@ -1286,8 +1507,8 @@
         </p:nvSpPr>
         <p:spPr>
           <a:xfrm>
-            <a:off x="2971800" y="792080"/>
-            <a:ext cx="5715000" cy="5577840"/>
+            <a:off x="2971799" y="161144"/>
+            <a:ext cx="5905425" cy="6208776"/>
           </a:xfrm>
         </p:spPr>
         <p:txBody>
@@ -1371,8 +1592,8 @@
         </p:nvSpPr>
         <p:spPr>
           <a:xfrm>
-            <a:off x="457201" y="2130552"/>
-            <a:ext cx="2139696" cy="4243615"/>
+            <a:off x="261865" y="1625600"/>
+            <a:ext cx="2335032" cy="4748567"/>
           </a:xfrm>
         </p:spPr>
         <p:txBody>
@@ -1441,7 +1662,7 @@
           <a:p>
             <a:fld id="{EA699BF9-66CB-F244-8E74-7B1BE1C77046}" type="datetime2">
               <a:rPr lang="en-US" smtClean="0"/>
-              <a:t>Tuesday, September 9, 14</a:t>
+              <a:t>Wednesday, September 10, 14</a:t>
             </a:fld>
             <a:endParaRPr lang="en-US"/>
           </a:p>
@@ -1502,9 +1723,9 @@
           <p:nvPr/>
         </p:nvCxnSpPr>
         <p:spPr>
-          <a:xfrm rot="5400000">
-            <a:off x="-13116" y="3580206"/>
-            <a:ext cx="5577840" cy="1588"/>
+          <a:xfrm>
+            <a:off x="2775010" y="161144"/>
+            <a:ext cx="0" cy="6208776"/>
           </a:xfrm>
           <a:prstGeom prst="line">
             <a:avLst/>
@@ -1567,8 +1788,8 @@
         </p:nvSpPr>
         <p:spPr>
           <a:xfrm>
-            <a:off x="457200" y="792480"/>
-            <a:ext cx="2142680" cy="1264920"/>
+            <a:off x="258881" y="160020"/>
+            <a:ext cx="2338015" cy="1264920"/>
           </a:xfrm>
         </p:spPr>
         <p:txBody>
@@ -1601,8 +1822,8 @@
         </p:nvSpPr>
         <p:spPr>
           <a:xfrm>
-            <a:off x="2858610" y="838201"/>
-            <a:ext cx="5904390" cy="5500456"/>
+            <a:off x="2858609" y="160020"/>
+            <a:ext cx="6018615" cy="6178637"/>
           </a:xfrm>
           <a:solidFill>
             <a:schemeClr val="bg2"/>
@@ -1682,8 +1903,8 @@
         </p:nvSpPr>
         <p:spPr>
           <a:xfrm>
-            <a:off x="457200" y="2133600"/>
-            <a:ext cx="2139696" cy="4242816"/>
+            <a:off x="261865" y="1663700"/>
+            <a:ext cx="2335031" cy="4712716"/>
           </a:xfrm>
         </p:spPr>
         <p:txBody>
@@ -1752,7 +1973,7 @@
           <a:p>
             <a:fld id="{D300BE84-9843-8B4F-B3C8-647B06AC46C9}" type="datetime2">
               <a:rPr lang="en-US" smtClean="0"/>
-              <a:t>Tuesday, September 9, 14</a:t>
+              <a:t>Wednesday, September 10, 14</a:t>
             </a:fld>
             <a:endParaRPr lang="en-US"/>
           </a:p>
@@ -1923,7 +2144,7 @@
           <a:p>
             <a:fld id="{C460AE39-2092-A945-8296-F25085B9A0F1}" type="datetime2">
               <a:rPr lang="en-US" smtClean="0"/>
-              <a:t>Tuesday, September 9, 14</a:t>
+              <a:t>Wednesday, September 10, 14</a:t>
             </a:fld>
             <a:endParaRPr lang="en-US"/>
           </a:p>
@@ -2014,7 +2235,7 @@
         </p:nvSpPr>
         <p:spPr>
           <a:xfrm>
-            <a:off x="6629400" y="609600"/>
+            <a:off x="6819825" y="508000"/>
             <a:ext cx="2057400" cy="5867400"/>
           </a:xfrm>
         </p:spPr>
@@ -2042,8 +2263,8 @@
         </p:nvSpPr>
         <p:spPr>
           <a:xfrm>
-            <a:off x="457200" y="609600"/>
-            <a:ext cx="6019800" cy="5867400"/>
+            <a:off x="261865" y="508000"/>
+            <a:ext cx="6405635" cy="5867400"/>
           </a:xfrm>
         </p:spPr>
         <p:txBody>
@@ -2104,7 +2325,7 @@
           <a:p>
             <a:fld id="{63BC7E9D-3218-5E49-A867-E087AB2F4618}" type="datetime2">
               <a:rPr lang="en-US" smtClean="0"/>
-              <a:t>Tuesday, September 9, 14</a:t>
+              <a:t>Wednesday, September 10, 14</a:t>
             </a:fld>
             <a:endParaRPr lang="en-US"/>
           </a:p>
@@ -2159,6 +2380,1343 @@
         </p:txBody>
       </p:sp>
     </p:spTree>
+  </p:cSld>
+  <p:clrMapOvr>
+    <a:masterClrMapping/>
+  </p:clrMapOvr>
+</p:sldLayout>
+</file>
+
+<file path=ppt/slideLayouts/slideLayout14.xml><?xml version="1.0" encoding="utf-8"?>
+<p:sldLayout xmlns:a="http://schemas.openxmlformats.org/drawingml/2006/main" xmlns:r="http://schemas.openxmlformats.org/officeDocument/2006/relationships" xmlns:p="http://schemas.openxmlformats.org/presentationml/2006/main" preserve="1" userDrawn="1">
+  <p:cSld name="1_Title Slide">
+    <p:spTree>
+      <p:nvGrpSpPr>
+        <p:cNvPr id="1" name=""/>
+        <p:cNvGrpSpPr/>
+        <p:nvPr/>
+      </p:nvGrpSpPr>
+      <p:grpSpPr>
+        <a:xfrm>
+          <a:off x="0" y="0"/>
+          <a:ext cx="0" cy="0"/>
+          <a:chOff x="0" y="0"/>
+          <a:chExt cx="0" cy="0"/>
+        </a:xfrm>
+      </p:grpSpPr>
+      <p:sp>
+        <p:nvSpPr>
+          <p:cNvPr id="2" name="Title 1"/>
+          <p:cNvSpPr>
+            <a:spLocks noGrp="1"/>
+          </p:cNvSpPr>
+          <p:nvPr>
+            <p:ph type="ctrTitle"/>
+          </p:nvPr>
+        </p:nvSpPr>
+        <p:spPr>
+          <a:xfrm>
+            <a:off x="107103" y="1734127"/>
+            <a:ext cx="8904929" cy="698493"/>
+          </a:xfrm>
+        </p:spPr>
+        <p:txBody>
+          <a:bodyPr anchor="b">
+            <a:normAutofit/>
+          </a:bodyPr>
+          <a:lstStyle>
+            <a:lvl1pPr algn="ctr">
+              <a:defRPr sz="4400" cap="small" baseline="0">
+                <a:solidFill>
+                  <a:schemeClr val="tx2"/>
+                </a:solidFill>
+              </a:defRPr>
+            </a:lvl1pPr>
+          </a:lstStyle>
+          <a:p>
+            <a:r>
+              <a:rPr lang="en-US" dirty="0" smtClean="0"/>
+              <a:t>Click to edit Master title style</a:t>
+            </a:r>
+            <a:endParaRPr lang="en-US" dirty="0"/>
+          </a:p>
+        </p:txBody>
+      </p:sp>
+      <p:sp>
+        <p:nvSpPr>
+          <p:cNvPr id="3" name="Subtitle 2"/>
+          <p:cNvSpPr>
+            <a:spLocks noGrp="1"/>
+          </p:cNvSpPr>
+          <p:nvPr>
+            <p:ph type="subTitle" idx="1"/>
+          </p:nvPr>
+        </p:nvSpPr>
+        <p:spPr>
+          <a:xfrm>
+            <a:off x="1404926" y="2849782"/>
+            <a:ext cx="6400800" cy="700402"/>
+          </a:xfrm>
+        </p:spPr>
+        <p:txBody>
+          <a:bodyPr/>
+          <a:lstStyle>
+            <a:lvl1pPr marL="0" indent="0" algn="ctr">
+              <a:buNone/>
+              <a:defRPr>
+                <a:solidFill>
+                  <a:schemeClr val="tx1">
+                    <a:lumMod val="75000"/>
+                    <a:lumOff val="25000"/>
+                  </a:schemeClr>
+                </a:solidFill>
+              </a:defRPr>
+            </a:lvl1pPr>
+            <a:lvl2pPr marL="457200" indent="0" algn="ctr">
+              <a:buNone/>
+              <a:defRPr>
+                <a:solidFill>
+                  <a:schemeClr val="tx1">
+                    <a:tint val="75000"/>
+                  </a:schemeClr>
+                </a:solidFill>
+              </a:defRPr>
+            </a:lvl2pPr>
+            <a:lvl3pPr marL="914400" indent="0" algn="ctr">
+              <a:buNone/>
+              <a:defRPr>
+                <a:solidFill>
+                  <a:schemeClr val="tx1">
+                    <a:tint val="75000"/>
+                  </a:schemeClr>
+                </a:solidFill>
+              </a:defRPr>
+            </a:lvl3pPr>
+            <a:lvl4pPr marL="1371600" indent="0" algn="ctr">
+              <a:buNone/>
+              <a:defRPr>
+                <a:solidFill>
+                  <a:schemeClr val="tx1">
+                    <a:tint val="75000"/>
+                  </a:schemeClr>
+                </a:solidFill>
+              </a:defRPr>
+            </a:lvl4pPr>
+            <a:lvl5pPr marL="1828800" indent="0" algn="ctr">
+              <a:buNone/>
+              <a:defRPr>
+                <a:solidFill>
+                  <a:schemeClr val="tx1">
+                    <a:tint val="75000"/>
+                  </a:schemeClr>
+                </a:solidFill>
+              </a:defRPr>
+            </a:lvl5pPr>
+            <a:lvl6pPr marL="2286000" indent="0" algn="ctr">
+              <a:buNone/>
+              <a:defRPr>
+                <a:solidFill>
+                  <a:schemeClr val="tx1">
+                    <a:tint val="75000"/>
+                  </a:schemeClr>
+                </a:solidFill>
+              </a:defRPr>
+            </a:lvl6pPr>
+            <a:lvl7pPr marL="2743200" indent="0" algn="ctr">
+              <a:buNone/>
+              <a:defRPr>
+                <a:solidFill>
+                  <a:schemeClr val="tx1">
+                    <a:tint val="75000"/>
+                  </a:schemeClr>
+                </a:solidFill>
+              </a:defRPr>
+            </a:lvl7pPr>
+            <a:lvl8pPr marL="3200400" indent="0" algn="ctr">
+              <a:buNone/>
+              <a:defRPr>
+                <a:solidFill>
+                  <a:schemeClr val="tx1">
+                    <a:tint val="75000"/>
+                  </a:schemeClr>
+                </a:solidFill>
+              </a:defRPr>
+            </a:lvl8pPr>
+            <a:lvl9pPr marL="3657600" indent="0" algn="ctr">
+              <a:buNone/>
+              <a:defRPr>
+                <a:solidFill>
+                  <a:schemeClr val="tx1">
+                    <a:tint val="75000"/>
+                  </a:schemeClr>
+                </a:solidFill>
+              </a:defRPr>
+            </a:lvl9pPr>
+          </a:lstStyle>
+          <a:p>
+            <a:r>
+              <a:rPr lang="en-US" dirty="0" smtClean="0"/>
+              <a:t>Click to edit Master subtitle style</a:t>
+            </a:r>
+            <a:endParaRPr lang="en-US" dirty="0"/>
+          </a:p>
+        </p:txBody>
+      </p:sp>
+      <p:sp>
+        <p:nvSpPr>
+          <p:cNvPr id="4" name="Date Placeholder 3"/>
+          <p:cNvSpPr>
+            <a:spLocks noGrp="1"/>
+          </p:cNvSpPr>
+          <p:nvPr>
+            <p:ph type="dt" sz="half" idx="10"/>
+          </p:nvPr>
+        </p:nvSpPr>
+        <p:spPr/>
+        <p:txBody>
+          <a:bodyPr/>
+          <a:lstStyle/>
+          <a:p>
+            <a:fld id="{B594EA25-E4F4-3746-A0BA-A11E27330E0F}" type="datetime2">
+              <a:rPr lang="en-US" smtClean="0"/>
+              <a:t>Wednesday, September 10, 14</a:t>
+            </a:fld>
+            <a:endParaRPr lang="en-US"/>
+          </a:p>
+        </p:txBody>
+      </p:sp>
+      <p:sp>
+        <p:nvSpPr>
+          <p:cNvPr id="5" name="Footer Placeholder 4"/>
+          <p:cNvSpPr>
+            <a:spLocks noGrp="1"/>
+          </p:cNvSpPr>
+          <p:nvPr>
+            <p:ph type="ftr" sz="quarter" idx="11"/>
+          </p:nvPr>
+        </p:nvSpPr>
+        <p:spPr/>
+        <p:txBody>
+          <a:bodyPr/>
+          <a:lstStyle/>
+          <a:p>
+            <a:pPr algn="r"/>
+            <a:r>
+              <a:rPr lang="en-US" smtClean="0"/>
+              <a:t>Sanjay Kalé and PPL (UIUC) – Parallel Migratable Objects </a:t>
+            </a:r>
+            <a:endParaRPr lang="en-US" dirty="0"/>
+          </a:p>
+        </p:txBody>
+      </p:sp>
+      <p:sp>
+        <p:nvSpPr>
+          <p:cNvPr id="6" name="Slide Number Placeholder 5"/>
+          <p:cNvSpPr>
+            <a:spLocks noGrp="1"/>
+          </p:cNvSpPr>
+          <p:nvPr>
+            <p:ph type="sldNum" sz="quarter" idx="12"/>
+          </p:nvPr>
+        </p:nvSpPr>
+        <p:spPr/>
+        <p:txBody>
+          <a:bodyPr/>
+          <a:lstStyle/>
+          <a:p>
+            <a:fld id="{0CFEC368-1D7A-4F81-ABF6-AE0E36BAF64C}" type="slidenum">
+              <a:rPr lang="en-US" smtClean="0"/>
+              <a:pPr/>
+              <a:t>‹#›</a:t>
+            </a:fld>
+            <a:endParaRPr lang="en-US"/>
+          </a:p>
+        </p:txBody>
+      </p:sp>
+      <p:cxnSp>
+        <p:nvCxnSpPr>
+          <p:cNvPr id="8" name="Straight Connector 7"/>
+          <p:cNvCxnSpPr/>
+          <p:nvPr/>
+        </p:nvCxnSpPr>
+        <p:spPr>
+          <a:xfrm>
+            <a:off x="685800" y="2444811"/>
+            <a:ext cx="7848600" cy="1588"/>
+          </a:xfrm>
+          <a:prstGeom prst="line">
+            <a:avLst/>
+          </a:prstGeom>
+          <a:ln w="19050">
+            <a:solidFill>
+              <a:schemeClr val="tx2"/>
+            </a:solidFill>
+          </a:ln>
+        </p:spPr>
+        <p:style>
+          <a:lnRef idx="1">
+            <a:schemeClr val="accent1"/>
+          </a:lnRef>
+          <a:fillRef idx="0">
+            <a:schemeClr val="accent1"/>
+          </a:fillRef>
+          <a:effectRef idx="0">
+            <a:schemeClr val="accent1"/>
+          </a:effectRef>
+          <a:fontRef idx="minor">
+            <a:schemeClr val="tx1"/>
+          </a:fontRef>
+        </p:style>
+      </p:cxnSp>
+      <p:sp>
+        <p:nvSpPr>
+          <p:cNvPr id="10" name="Subtitle 2"/>
+          <p:cNvSpPr txBox="1">
+            <a:spLocks/>
+          </p:cNvSpPr>
+          <p:nvPr userDrawn="1"/>
+        </p:nvSpPr>
+        <p:spPr>
+          <a:xfrm>
+            <a:off x="1404926" y="4774277"/>
+            <a:ext cx="6400800" cy="700402"/>
+          </a:xfrm>
+          <a:prstGeom prst="rect">
+            <a:avLst/>
+          </a:prstGeom>
+        </p:spPr>
+        <p:txBody>
+          <a:bodyPr vert="horz" lIns="91440" tIns="45720" rIns="91440" bIns="45720" rtlCol="0">
+            <a:normAutofit/>
+          </a:bodyPr>
+          <a:lstStyle>
+            <a:lvl1pPr marL="0" indent="0" algn="ctr" defTabSz="914400" rtl="0" eaLnBrk="1" latinLnBrk="0" hangingPunct="1">
+              <a:spcBef>
+                <a:spcPct val="20000"/>
+              </a:spcBef>
+              <a:buClr>
+                <a:schemeClr val="accent1"/>
+              </a:buClr>
+              <a:buSzPct val="85000"/>
+              <a:buFont typeface="Arial" pitchFamily="34" charset="0"/>
+              <a:buNone/>
+              <a:defRPr sz="2400" kern="1200">
+                <a:solidFill>
+                  <a:schemeClr val="tx1">
+                    <a:lumMod val="75000"/>
+                    <a:lumOff val="25000"/>
+                  </a:schemeClr>
+                </a:solidFill>
+                <a:latin typeface="+mn-lt"/>
+                <a:ea typeface="+mn-ea"/>
+                <a:cs typeface="+mn-cs"/>
+              </a:defRPr>
+            </a:lvl1pPr>
+            <a:lvl2pPr marL="457200" indent="0" algn="ctr" defTabSz="914400" rtl="0" eaLnBrk="1" latinLnBrk="0" hangingPunct="1">
+              <a:spcBef>
+                <a:spcPct val="20000"/>
+              </a:spcBef>
+              <a:buClr>
+                <a:schemeClr val="accent1"/>
+              </a:buClr>
+              <a:buSzPct val="85000"/>
+              <a:buFont typeface="Arial" pitchFamily="34" charset="0"/>
+              <a:buNone/>
+              <a:defRPr sz="2000" kern="1200">
+                <a:solidFill>
+                  <a:schemeClr val="tx1">
+                    <a:tint val="75000"/>
+                  </a:schemeClr>
+                </a:solidFill>
+                <a:latin typeface="+mn-lt"/>
+                <a:ea typeface="+mn-ea"/>
+                <a:cs typeface="+mn-cs"/>
+              </a:defRPr>
+            </a:lvl2pPr>
+            <a:lvl3pPr marL="914400" indent="0" algn="ctr" defTabSz="914400" rtl="0" eaLnBrk="1" latinLnBrk="0" hangingPunct="1">
+              <a:spcBef>
+                <a:spcPct val="20000"/>
+              </a:spcBef>
+              <a:buClr>
+                <a:schemeClr val="accent1"/>
+              </a:buClr>
+              <a:buSzPct val="90000"/>
+              <a:buFont typeface="Arial" pitchFamily="34" charset="0"/>
+              <a:buNone/>
+              <a:defRPr sz="1800" kern="1200">
+                <a:solidFill>
+                  <a:schemeClr val="tx1">
+                    <a:tint val="75000"/>
+                  </a:schemeClr>
+                </a:solidFill>
+                <a:latin typeface="+mn-lt"/>
+                <a:ea typeface="+mn-ea"/>
+                <a:cs typeface="+mn-cs"/>
+              </a:defRPr>
+            </a:lvl3pPr>
+            <a:lvl4pPr marL="1371600" indent="0" algn="ctr" defTabSz="914400" rtl="0" eaLnBrk="1" latinLnBrk="0" hangingPunct="1">
+              <a:spcBef>
+                <a:spcPct val="20000"/>
+              </a:spcBef>
+              <a:buClr>
+                <a:schemeClr val="accent1"/>
+              </a:buClr>
+              <a:buFont typeface="Arial" pitchFamily="34" charset="0"/>
+              <a:buNone/>
+              <a:defRPr sz="1600" kern="1200">
+                <a:solidFill>
+                  <a:schemeClr val="tx1">
+                    <a:tint val="75000"/>
+                  </a:schemeClr>
+                </a:solidFill>
+                <a:latin typeface="+mn-lt"/>
+                <a:ea typeface="+mn-ea"/>
+                <a:cs typeface="+mn-cs"/>
+              </a:defRPr>
+            </a:lvl4pPr>
+            <a:lvl5pPr marL="1828800" indent="0" algn="ctr" defTabSz="914400" rtl="0" eaLnBrk="1" latinLnBrk="0" hangingPunct="1">
+              <a:spcBef>
+                <a:spcPct val="20000"/>
+              </a:spcBef>
+              <a:buClr>
+                <a:schemeClr val="accent1"/>
+              </a:buClr>
+              <a:buSzPct val="100000"/>
+              <a:buFont typeface="Arial" pitchFamily="34" charset="0"/>
+              <a:buNone/>
+              <a:defRPr sz="1400" kern="1200" baseline="0">
+                <a:solidFill>
+                  <a:schemeClr val="tx1">
+                    <a:tint val="75000"/>
+                  </a:schemeClr>
+                </a:solidFill>
+                <a:latin typeface="+mn-lt"/>
+                <a:ea typeface="+mn-ea"/>
+                <a:cs typeface="+mn-cs"/>
+              </a:defRPr>
+            </a:lvl5pPr>
+            <a:lvl6pPr marL="2286000" indent="0" algn="ctr" defTabSz="914400" rtl="0" eaLnBrk="1" latinLnBrk="0" hangingPunct="1">
+              <a:spcBef>
+                <a:spcPct val="20000"/>
+              </a:spcBef>
+              <a:buClr>
+                <a:schemeClr val="accent1"/>
+              </a:buClr>
+              <a:buFont typeface="Arial" pitchFamily="34" charset="0"/>
+              <a:buNone/>
+              <a:defRPr sz="1300" kern="1200">
+                <a:solidFill>
+                  <a:schemeClr val="tx1">
+                    <a:tint val="75000"/>
+                  </a:schemeClr>
+                </a:solidFill>
+                <a:latin typeface="+mn-lt"/>
+                <a:ea typeface="+mn-ea"/>
+                <a:cs typeface="+mn-cs"/>
+              </a:defRPr>
+            </a:lvl6pPr>
+            <a:lvl7pPr marL="2743200" indent="0" algn="ctr" defTabSz="914400" rtl="0" eaLnBrk="1" latinLnBrk="0" hangingPunct="1">
+              <a:spcBef>
+                <a:spcPct val="20000"/>
+              </a:spcBef>
+              <a:buClr>
+                <a:schemeClr val="accent1"/>
+              </a:buClr>
+              <a:buFont typeface="Arial" pitchFamily="34" charset="0"/>
+              <a:buNone/>
+              <a:defRPr sz="1300" kern="1200">
+                <a:solidFill>
+                  <a:schemeClr val="tx1">
+                    <a:tint val="75000"/>
+                  </a:schemeClr>
+                </a:solidFill>
+                <a:latin typeface="+mn-lt"/>
+                <a:ea typeface="+mn-ea"/>
+                <a:cs typeface="+mn-cs"/>
+              </a:defRPr>
+            </a:lvl7pPr>
+            <a:lvl8pPr marL="3200400" indent="0" algn="ctr" defTabSz="914400" rtl="0" eaLnBrk="1" latinLnBrk="0" hangingPunct="1">
+              <a:spcBef>
+                <a:spcPct val="20000"/>
+              </a:spcBef>
+              <a:buClr>
+                <a:schemeClr val="accent1"/>
+              </a:buClr>
+              <a:buFont typeface="Arial" pitchFamily="34" charset="0"/>
+              <a:buNone/>
+              <a:defRPr sz="1300" kern="1200">
+                <a:solidFill>
+                  <a:schemeClr val="tx1">
+                    <a:tint val="75000"/>
+                  </a:schemeClr>
+                </a:solidFill>
+                <a:latin typeface="+mn-lt"/>
+                <a:ea typeface="+mn-ea"/>
+                <a:cs typeface="+mn-cs"/>
+              </a:defRPr>
+            </a:lvl8pPr>
+            <a:lvl9pPr marL="3657600" indent="0" algn="ctr" defTabSz="914400" rtl="0" eaLnBrk="1" latinLnBrk="0" hangingPunct="1">
+              <a:spcBef>
+                <a:spcPct val="20000"/>
+              </a:spcBef>
+              <a:buClr>
+                <a:schemeClr val="accent1"/>
+              </a:buClr>
+              <a:buFont typeface="Arial" pitchFamily="34" charset="0"/>
+              <a:buNone/>
+              <a:defRPr sz="1300" kern="1200">
+                <a:solidFill>
+                  <a:schemeClr val="tx1">
+                    <a:tint val="75000"/>
+                  </a:schemeClr>
+                </a:solidFill>
+                <a:latin typeface="+mn-lt"/>
+                <a:ea typeface="+mn-ea"/>
+                <a:cs typeface="+mn-cs"/>
+              </a:defRPr>
+            </a:lvl9pPr>
+          </a:lstStyle>
+          <a:p>
+            <a:fld id="{B07CD00D-ECE2-B341-910C-3E5E7B4740E6}" type="datetime4">
+              <a:rPr lang="en-US" smtClean="0">
+                <a:latin typeface="Times New Roman"/>
+                <a:cs typeface="Times New Roman"/>
+              </a:rPr>
+              <a:t>September 10, 2014</a:t>
+            </a:fld>
+            <a:endParaRPr lang="en-US" dirty="0">
+              <a:latin typeface="Times New Roman"/>
+              <a:cs typeface="Times New Roman"/>
+            </a:endParaRPr>
+          </a:p>
+        </p:txBody>
+      </p:sp>
+      <p:sp>
+        <p:nvSpPr>
+          <p:cNvPr id="14" name="Content Placeholder 13"/>
+          <p:cNvSpPr>
+            <a:spLocks noGrp="1"/>
+          </p:cNvSpPr>
+          <p:nvPr>
+            <p:ph sz="quarter" idx="13"/>
+          </p:nvPr>
+        </p:nvSpPr>
+        <p:spPr>
+          <a:xfrm>
+            <a:off x="1404938" y="3700463"/>
+            <a:ext cx="6400800" cy="1073150"/>
+          </a:xfrm>
+        </p:spPr>
+        <p:txBody>
+          <a:bodyPr>
+            <a:normAutofit/>
+          </a:bodyPr>
+          <a:lstStyle>
+            <a:lvl1pPr marL="0" indent="0" algn="ctr">
+              <a:buNone/>
+              <a:defRPr sz="1800"/>
+            </a:lvl1pPr>
+            <a:lvl2pPr marL="274320" indent="0">
+              <a:buNone/>
+              <a:defRPr/>
+            </a:lvl2pPr>
+            <a:lvl3pPr marL="548640" indent="0">
+              <a:buNone/>
+              <a:defRPr/>
+            </a:lvl3pPr>
+            <a:lvl4pPr marL="822960" indent="0">
+              <a:buNone/>
+              <a:defRPr/>
+            </a:lvl4pPr>
+            <a:lvl5pPr marL="1051560" indent="0">
+              <a:buNone/>
+              <a:defRPr/>
+            </a:lvl5pPr>
+          </a:lstStyle>
+          <a:p>
+            <a:pPr lvl="0"/>
+            <a:r>
+              <a:rPr lang="en-US" dirty="0" smtClean="0"/>
+              <a:t>Click to edit Master text styles</a:t>
+            </a:r>
+            <a:endParaRPr lang="en-US" dirty="0"/>
+          </a:p>
+        </p:txBody>
+      </p:sp>
+    </p:spTree>
+  </p:cSld>
+  <p:clrMapOvr>
+    <a:masterClrMapping/>
+  </p:clrMapOvr>
+</p:sldLayout>
+</file>
+
+<file path=ppt/slideLayouts/slideLayout15.xml><?xml version="1.0" encoding="utf-8"?>
+<p:sldLayout xmlns:a="http://schemas.openxmlformats.org/drawingml/2006/main" xmlns:r="http://schemas.openxmlformats.org/officeDocument/2006/relationships" xmlns:p="http://schemas.openxmlformats.org/presentationml/2006/main" preserve="1" userDrawn="1">
+  <p:cSld name="1_Custom Layout">
+    <p:spTree>
+      <p:nvGrpSpPr>
+        <p:cNvPr id="1" name=""/>
+        <p:cNvGrpSpPr/>
+        <p:nvPr/>
+      </p:nvGrpSpPr>
+      <p:grpSpPr>
+        <a:xfrm>
+          <a:off x="0" y="0"/>
+          <a:ext cx="0" cy="0"/>
+          <a:chOff x="0" y="0"/>
+          <a:chExt cx="0" cy="0"/>
+        </a:xfrm>
+      </p:grpSpPr>
+      <p:sp>
+        <p:nvSpPr>
+          <p:cNvPr id="2" name="Title 1"/>
+          <p:cNvSpPr>
+            <a:spLocks noGrp="1"/>
+          </p:cNvSpPr>
+          <p:nvPr>
+            <p:ph type="title"/>
+          </p:nvPr>
+        </p:nvSpPr>
+        <p:spPr/>
+        <p:txBody>
+          <a:bodyPr/>
+          <a:lstStyle/>
+          <a:p>
+            <a:r>
+              <a:rPr lang="en-US" smtClean="0"/>
+              <a:t>Click to edit Master title style</a:t>
+            </a:r>
+            <a:endParaRPr lang="en-US"/>
+          </a:p>
+        </p:txBody>
+      </p:sp>
+      <p:sp>
+        <p:nvSpPr>
+          <p:cNvPr id="3" name="Date Placeholder 2"/>
+          <p:cNvSpPr>
+            <a:spLocks noGrp="1"/>
+          </p:cNvSpPr>
+          <p:nvPr>
+            <p:ph type="dt" sz="half" idx="10"/>
+          </p:nvPr>
+        </p:nvSpPr>
+        <p:spPr/>
+        <p:txBody>
+          <a:bodyPr/>
+          <a:lstStyle/>
+          <a:p>
+            <a:fld id="{BD5AFB16-13FE-DF4A-8CB7-09756A57B2EA}" type="datetime2">
+              <a:rPr lang="en-US" smtClean="0"/>
+              <a:t>Wednesday, September 10, 14</a:t>
+            </a:fld>
+            <a:endParaRPr lang="en-US" dirty="0"/>
+          </a:p>
+        </p:txBody>
+      </p:sp>
+      <p:sp>
+        <p:nvSpPr>
+          <p:cNvPr id="4" name="Footer Placeholder 3"/>
+          <p:cNvSpPr>
+            <a:spLocks noGrp="1"/>
+          </p:cNvSpPr>
+          <p:nvPr>
+            <p:ph type="ftr" sz="quarter" idx="11"/>
+          </p:nvPr>
+        </p:nvSpPr>
+        <p:spPr/>
+        <p:txBody>
+          <a:bodyPr/>
+          <a:lstStyle/>
+          <a:p>
+            <a:pPr algn="r"/>
+            <a:r>
+              <a:rPr lang="en-US" smtClean="0"/>
+              <a:t>Sanjay Kalé and PPL (UIUC) – Parallel Migratable Objects </a:t>
+            </a:r>
+            <a:endParaRPr lang="en-US" dirty="0"/>
+          </a:p>
+        </p:txBody>
+      </p:sp>
+      <p:sp>
+        <p:nvSpPr>
+          <p:cNvPr id="5" name="Slide Number Placeholder 4"/>
+          <p:cNvSpPr>
+            <a:spLocks noGrp="1"/>
+          </p:cNvSpPr>
+          <p:nvPr>
+            <p:ph type="sldNum" sz="quarter" idx="12"/>
+          </p:nvPr>
+        </p:nvSpPr>
+        <p:spPr/>
+        <p:txBody>
+          <a:bodyPr/>
+          <a:lstStyle/>
+          <a:p>
+            <a:fld id="{0CFEC368-1D7A-4F81-ABF6-AE0E36BAF64C}" type="slidenum">
+              <a:rPr lang="en-US" smtClean="0"/>
+              <a:pPr/>
+              <a:t>‹#›</a:t>
+            </a:fld>
+            <a:endParaRPr lang="en-US" dirty="0"/>
+          </a:p>
+        </p:txBody>
+      </p:sp>
+      <p:sp>
+        <p:nvSpPr>
+          <p:cNvPr id="7" name="Content Placeholder 6"/>
+          <p:cNvSpPr>
+            <a:spLocks noGrp="1"/>
+          </p:cNvSpPr>
+          <p:nvPr>
+            <p:ph sz="quarter" idx="13"/>
+          </p:nvPr>
+        </p:nvSpPr>
+        <p:spPr>
+          <a:xfrm>
+            <a:off x="457200" y="909977"/>
+            <a:ext cx="8229600" cy="1118512"/>
+          </a:xfrm>
+        </p:spPr>
+        <p:txBody>
+          <a:bodyPr/>
+          <a:lstStyle/>
+          <a:p>
+            <a:pPr lvl="0"/>
+            <a:r>
+              <a:rPr lang="en-US" dirty="0" smtClean="0"/>
+              <a:t>Click to edit Master text styles</a:t>
+            </a:r>
+          </a:p>
+          <a:p>
+            <a:pPr lvl="1"/>
+            <a:r>
+              <a:rPr lang="en-US" dirty="0" smtClean="0"/>
+              <a:t>Second level</a:t>
+            </a:r>
+          </a:p>
+          <a:p>
+            <a:pPr lvl="2"/>
+            <a:r>
+              <a:rPr lang="en-US" dirty="0" smtClean="0"/>
+              <a:t>Third level</a:t>
+            </a:r>
+          </a:p>
+          <a:p>
+            <a:pPr lvl="3"/>
+            <a:r>
+              <a:rPr lang="en-US" dirty="0" smtClean="0"/>
+              <a:t>Fourth level</a:t>
+            </a:r>
+          </a:p>
+          <a:p>
+            <a:pPr lvl="4"/>
+            <a:r>
+              <a:rPr lang="en-US" dirty="0" smtClean="0"/>
+              <a:t>Fifth level</a:t>
+            </a:r>
+            <a:endParaRPr lang="en-US" dirty="0"/>
+          </a:p>
+        </p:txBody>
+      </p:sp>
+      <p:sp>
+        <p:nvSpPr>
+          <p:cNvPr id="9" name="Content Placeholder 8"/>
+          <p:cNvSpPr>
+            <a:spLocks noGrp="1"/>
+          </p:cNvSpPr>
+          <p:nvPr>
+            <p:ph sz="quarter" idx="14"/>
+          </p:nvPr>
+        </p:nvSpPr>
+        <p:spPr>
+          <a:xfrm>
+            <a:off x="457200" y="2198574"/>
+            <a:ext cx="8229600" cy="1119049"/>
+          </a:xfrm>
+        </p:spPr>
+        <p:txBody>
+          <a:bodyPr/>
+          <a:lstStyle/>
+          <a:p>
+            <a:pPr lvl="0"/>
+            <a:r>
+              <a:rPr lang="en-US" dirty="0" smtClean="0"/>
+              <a:t>Click to edit Master text styles</a:t>
+            </a:r>
+          </a:p>
+          <a:p>
+            <a:pPr lvl="1"/>
+            <a:r>
+              <a:rPr lang="en-US" dirty="0" smtClean="0"/>
+              <a:t>Second level</a:t>
+            </a:r>
+          </a:p>
+          <a:p>
+            <a:pPr lvl="2"/>
+            <a:r>
+              <a:rPr lang="en-US" dirty="0" smtClean="0"/>
+              <a:t>Third level</a:t>
+            </a:r>
+          </a:p>
+          <a:p>
+            <a:pPr lvl="3"/>
+            <a:r>
+              <a:rPr lang="en-US" dirty="0" smtClean="0"/>
+              <a:t>Fourth level</a:t>
+            </a:r>
+          </a:p>
+          <a:p>
+            <a:pPr lvl="4"/>
+            <a:r>
+              <a:rPr lang="en-US" dirty="0" smtClean="0"/>
+              <a:t>Fifth level</a:t>
+            </a:r>
+            <a:endParaRPr lang="en-US" dirty="0"/>
+          </a:p>
+        </p:txBody>
+      </p:sp>
+      <p:sp>
+        <p:nvSpPr>
+          <p:cNvPr id="11" name="Content Placeholder 10"/>
+          <p:cNvSpPr>
+            <a:spLocks noGrp="1"/>
+          </p:cNvSpPr>
+          <p:nvPr>
+            <p:ph sz="quarter" idx="15"/>
+          </p:nvPr>
+        </p:nvSpPr>
+        <p:spPr>
+          <a:xfrm>
+            <a:off x="457200" y="3583427"/>
+            <a:ext cx="8229600" cy="1136650"/>
+          </a:xfrm>
+        </p:spPr>
+        <p:txBody>
+          <a:bodyPr/>
+          <a:lstStyle/>
+          <a:p>
+            <a:pPr lvl="0"/>
+            <a:r>
+              <a:rPr lang="en-US" smtClean="0"/>
+              <a:t>Click to edit Master text styles</a:t>
+            </a:r>
+          </a:p>
+          <a:p>
+            <a:pPr lvl="1"/>
+            <a:r>
+              <a:rPr lang="en-US" smtClean="0"/>
+              <a:t>Second level</a:t>
+            </a:r>
+          </a:p>
+          <a:p>
+            <a:pPr lvl="2"/>
+            <a:r>
+              <a:rPr lang="en-US" smtClean="0"/>
+              <a:t>Third level</a:t>
+            </a:r>
+          </a:p>
+          <a:p>
+            <a:pPr lvl="3"/>
+            <a:r>
+              <a:rPr lang="en-US" smtClean="0"/>
+              <a:t>Fourth level</a:t>
+            </a:r>
+          </a:p>
+          <a:p>
+            <a:pPr lvl="4"/>
+            <a:r>
+              <a:rPr lang="en-US" smtClean="0"/>
+              <a:t>Fifth level</a:t>
+            </a:r>
+            <a:endParaRPr lang="en-US"/>
+          </a:p>
+        </p:txBody>
+      </p:sp>
+      <p:sp>
+        <p:nvSpPr>
+          <p:cNvPr id="13" name="Content Placeholder 12"/>
+          <p:cNvSpPr>
+            <a:spLocks noGrp="1"/>
+          </p:cNvSpPr>
+          <p:nvPr>
+            <p:ph sz="quarter" idx="16"/>
+          </p:nvPr>
+        </p:nvSpPr>
+        <p:spPr>
+          <a:xfrm>
+            <a:off x="457200" y="5043465"/>
+            <a:ext cx="8229600" cy="1136791"/>
+          </a:xfrm>
+        </p:spPr>
+        <p:txBody>
+          <a:bodyPr/>
+          <a:lstStyle/>
+          <a:p>
+            <a:pPr lvl="0"/>
+            <a:r>
+              <a:rPr lang="en-US" smtClean="0"/>
+              <a:t>Click to edit Master text styles</a:t>
+            </a:r>
+          </a:p>
+          <a:p>
+            <a:pPr lvl="1"/>
+            <a:r>
+              <a:rPr lang="en-US" smtClean="0"/>
+              <a:t>Second level</a:t>
+            </a:r>
+          </a:p>
+          <a:p>
+            <a:pPr lvl="2"/>
+            <a:r>
+              <a:rPr lang="en-US" smtClean="0"/>
+              <a:t>Third level</a:t>
+            </a:r>
+          </a:p>
+          <a:p>
+            <a:pPr lvl="3"/>
+            <a:r>
+              <a:rPr lang="en-US" smtClean="0"/>
+              <a:t>Fourth level</a:t>
+            </a:r>
+          </a:p>
+          <a:p>
+            <a:pPr lvl="4"/>
+            <a:r>
+              <a:rPr lang="en-US" smtClean="0"/>
+              <a:t>Fifth level</a:t>
+            </a:r>
+            <a:endParaRPr lang="en-US"/>
+          </a:p>
+        </p:txBody>
+      </p:sp>
+    </p:spTree>
+    <p:extLst>
+      <p:ext uri="{BB962C8B-B14F-4D97-AF65-F5344CB8AC3E}">
+        <p14:creationId xmlns:p14="http://schemas.microsoft.com/office/powerpoint/2010/main" val="596550497"/>
+      </p:ext>
+    </p:extLst>
+  </p:cSld>
+  <p:clrMapOvr>
+    <a:masterClrMapping/>
+  </p:clrMapOvr>
+</p:sldLayout>
+</file>
+
+<file path=ppt/slideLayouts/slideLayout16.xml><?xml version="1.0" encoding="utf-8"?>
+<p:sldLayout xmlns:a="http://schemas.openxmlformats.org/drawingml/2006/main" xmlns:r="http://schemas.openxmlformats.org/officeDocument/2006/relationships" xmlns:p="http://schemas.openxmlformats.org/presentationml/2006/main" preserve="1" userDrawn="1">
+  <p:cSld name="2_Two Content">
+    <p:spTree>
+      <p:nvGrpSpPr>
+        <p:cNvPr id="1" name=""/>
+        <p:cNvGrpSpPr/>
+        <p:nvPr/>
+      </p:nvGrpSpPr>
+      <p:grpSpPr>
+        <a:xfrm>
+          <a:off x="0" y="0"/>
+          <a:ext cx="0" cy="0"/>
+          <a:chOff x="0" y="0"/>
+          <a:chExt cx="0" cy="0"/>
+        </a:xfrm>
+      </p:grpSpPr>
+      <p:sp>
+        <p:nvSpPr>
+          <p:cNvPr id="2" name="Title 1"/>
+          <p:cNvSpPr>
+            <a:spLocks noGrp="1"/>
+          </p:cNvSpPr>
+          <p:nvPr>
+            <p:ph type="title"/>
+          </p:nvPr>
+        </p:nvSpPr>
+        <p:spPr/>
+        <p:txBody>
+          <a:bodyPr/>
+          <a:lstStyle/>
+          <a:p>
+            <a:r>
+              <a:rPr lang="en-US" dirty="0" smtClean="0"/>
+              <a:t>Click to edit Master title style</a:t>
+            </a:r>
+            <a:endParaRPr lang="en-US" dirty="0"/>
+          </a:p>
+        </p:txBody>
+      </p:sp>
+      <p:sp>
+        <p:nvSpPr>
+          <p:cNvPr id="3" name="Content Placeholder 2"/>
+          <p:cNvSpPr>
+            <a:spLocks noGrp="1"/>
+          </p:cNvSpPr>
+          <p:nvPr>
+            <p:ph sz="half" idx="1"/>
+          </p:nvPr>
+        </p:nvSpPr>
+        <p:spPr>
+          <a:xfrm>
+            <a:off x="457200" y="935846"/>
+            <a:ext cx="4038600" cy="3140187"/>
+          </a:xfrm>
+        </p:spPr>
+        <p:txBody>
+          <a:bodyPr/>
+          <a:lstStyle>
+            <a:lvl1pPr>
+              <a:defRPr sz="2800"/>
+            </a:lvl1pPr>
+            <a:lvl2pPr>
+              <a:defRPr sz="2400"/>
+            </a:lvl2pPr>
+            <a:lvl3pPr>
+              <a:defRPr sz="2000"/>
+            </a:lvl3pPr>
+            <a:lvl4pPr>
+              <a:defRPr sz="1800"/>
+            </a:lvl4pPr>
+            <a:lvl5pPr>
+              <a:defRPr sz="1800"/>
+            </a:lvl5pPr>
+            <a:lvl6pPr>
+              <a:defRPr sz="1800"/>
+            </a:lvl6pPr>
+            <a:lvl7pPr>
+              <a:defRPr sz="1800"/>
+            </a:lvl7pPr>
+            <a:lvl8pPr>
+              <a:defRPr sz="1800"/>
+            </a:lvl8pPr>
+            <a:lvl9pPr>
+              <a:defRPr sz="1800"/>
+            </a:lvl9pPr>
+          </a:lstStyle>
+          <a:p>
+            <a:pPr lvl="0"/>
+            <a:r>
+              <a:rPr lang="en-US" dirty="0" smtClean="0"/>
+              <a:t>Click to edit Master text styles</a:t>
+            </a:r>
+          </a:p>
+          <a:p>
+            <a:pPr lvl="1"/>
+            <a:r>
+              <a:rPr lang="en-US" dirty="0" smtClean="0"/>
+              <a:t>Second level</a:t>
+            </a:r>
+          </a:p>
+          <a:p>
+            <a:pPr lvl="2"/>
+            <a:r>
+              <a:rPr lang="en-US" dirty="0" smtClean="0"/>
+              <a:t>Third level</a:t>
+            </a:r>
+          </a:p>
+          <a:p>
+            <a:pPr lvl="3"/>
+            <a:r>
+              <a:rPr lang="en-US" dirty="0" smtClean="0"/>
+              <a:t>Fourth level</a:t>
+            </a:r>
+          </a:p>
+          <a:p>
+            <a:pPr lvl="4"/>
+            <a:r>
+              <a:rPr lang="en-US" dirty="0" smtClean="0"/>
+              <a:t>Fifth level</a:t>
+            </a:r>
+            <a:endParaRPr lang="en-US" dirty="0"/>
+          </a:p>
+        </p:txBody>
+      </p:sp>
+      <p:sp>
+        <p:nvSpPr>
+          <p:cNvPr id="4" name="Content Placeholder 3"/>
+          <p:cNvSpPr>
+            <a:spLocks noGrp="1"/>
+          </p:cNvSpPr>
+          <p:nvPr>
+            <p:ph sz="half" idx="2"/>
+          </p:nvPr>
+        </p:nvSpPr>
+        <p:spPr>
+          <a:xfrm>
+            <a:off x="4648200" y="935846"/>
+            <a:ext cx="4038600" cy="3140187"/>
+          </a:xfrm>
+        </p:spPr>
+        <p:txBody>
+          <a:bodyPr/>
+          <a:lstStyle>
+            <a:lvl1pPr>
+              <a:defRPr sz="2800"/>
+            </a:lvl1pPr>
+            <a:lvl2pPr>
+              <a:defRPr sz="2400"/>
+            </a:lvl2pPr>
+            <a:lvl3pPr>
+              <a:defRPr sz="2000"/>
+            </a:lvl3pPr>
+            <a:lvl4pPr>
+              <a:defRPr sz="1800"/>
+            </a:lvl4pPr>
+            <a:lvl5pPr>
+              <a:defRPr sz="1800"/>
+            </a:lvl5pPr>
+            <a:lvl6pPr>
+              <a:defRPr sz="1800"/>
+            </a:lvl6pPr>
+            <a:lvl7pPr>
+              <a:defRPr sz="1800"/>
+            </a:lvl7pPr>
+            <a:lvl8pPr>
+              <a:defRPr sz="1800"/>
+            </a:lvl8pPr>
+            <a:lvl9pPr>
+              <a:defRPr sz="1800"/>
+            </a:lvl9pPr>
+          </a:lstStyle>
+          <a:p>
+            <a:pPr lvl="0"/>
+            <a:r>
+              <a:rPr lang="en-US" dirty="0" smtClean="0"/>
+              <a:t>Click to edit Master text styles</a:t>
+            </a:r>
+          </a:p>
+          <a:p>
+            <a:pPr lvl="1"/>
+            <a:r>
+              <a:rPr lang="en-US" dirty="0" smtClean="0"/>
+              <a:t>Second level</a:t>
+            </a:r>
+          </a:p>
+          <a:p>
+            <a:pPr lvl="2"/>
+            <a:r>
+              <a:rPr lang="en-US" dirty="0" smtClean="0"/>
+              <a:t>Third level</a:t>
+            </a:r>
+          </a:p>
+          <a:p>
+            <a:pPr lvl="3"/>
+            <a:r>
+              <a:rPr lang="en-US" dirty="0" smtClean="0"/>
+              <a:t>Fourth level</a:t>
+            </a:r>
+          </a:p>
+          <a:p>
+            <a:pPr lvl="4"/>
+            <a:r>
+              <a:rPr lang="en-US" dirty="0" smtClean="0"/>
+              <a:t>Fifth level</a:t>
+            </a:r>
+            <a:endParaRPr lang="en-US" dirty="0"/>
+          </a:p>
+        </p:txBody>
+      </p:sp>
+      <p:sp>
+        <p:nvSpPr>
+          <p:cNvPr id="5" name="Date Placeholder 4"/>
+          <p:cNvSpPr>
+            <a:spLocks noGrp="1"/>
+          </p:cNvSpPr>
+          <p:nvPr>
+            <p:ph type="dt" sz="half" idx="10"/>
+          </p:nvPr>
+        </p:nvSpPr>
+        <p:spPr/>
+        <p:txBody>
+          <a:bodyPr/>
+          <a:lstStyle>
+            <a:lvl1pPr>
+              <a:defRPr>
+                <a:latin typeface="Times New Roman"/>
+                <a:cs typeface="Times New Roman"/>
+              </a:defRPr>
+            </a:lvl1pPr>
+          </a:lstStyle>
+          <a:p>
+            <a:fld id="{30545249-FD76-6844-B252-CAB05FC2DAA8}" type="datetime2">
+              <a:rPr lang="en-US" smtClean="0"/>
+              <a:t>Wednesday, September 10, 14</a:t>
+            </a:fld>
+            <a:endParaRPr lang="en-US" dirty="0"/>
+          </a:p>
+        </p:txBody>
+      </p:sp>
+      <p:sp>
+        <p:nvSpPr>
+          <p:cNvPr id="6" name="Footer Placeholder 5"/>
+          <p:cNvSpPr>
+            <a:spLocks noGrp="1"/>
+          </p:cNvSpPr>
+          <p:nvPr>
+            <p:ph type="ftr" sz="quarter" idx="11"/>
+          </p:nvPr>
+        </p:nvSpPr>
+        <p:spPr/>
+        <p:txBody>
+          <a:bodyPr/>
+          <a:lstStyle>
+            <a:lvl1pPr>
+              <a:defRPr>
+                <a:latin typeface="Times New Roman"/>
+                <a:cs typeface="Times New Roman"/>
+              </a:defRPr>
+            </a:lvl1pPr>
+          </a:lstStyle>
+          <a:p>
+            <a:pPr algn="r"/>
+            <a:r>
+              <a:rPr lang="en-US" smtClean="0"/>
+              <a:t>Sanjay Kalé and PPL (UIUC) – Parallel Migratable Objects </a:t>
+            </a:r>
+            <a:endParaRPr lang="en-US" dirty="0"/>
+          </a:p>
+        </p:txBody>
+      </p:sp>
+      <p:sp>
+        <p:nvSpPr>
+          <p:cNvPr id="7" name="Slide Number Placeholder 6"/>
+          <p:cNvSpPr>
+            <a:spLocks noGrp="1"/>
+          </p:cNvSpPr>
+          <p:nvPr>
+            <p:ph type="sldNum" sz="quarter" idx="12"/>
+          </p:nvPr>
+        </p:nvSpPr>
+        <p:spPr/>
+        <p:txBody>
+          <a:bodyPr/>
+          <a:lstStyle/>
+          <a:p>
+            <a:fld id="{0CFEC368-1D7A-4F81-ABF6-AE0E36BAF64C}" type="slidenum">
+              <a:rPr lang="en-US" smtClean="0"/>
+              <a:pPr/>
+              <a:t>‹#›</a:t>
+            </a:fld>
+            <a:endParaRPr lang="en-US" dirty="0"/>
+          </a:p>
+        </p:txBody>
+      </p:sp>
+      <p:sp>
+        <p:nvSpPr>
+          <p:cNvPr id="9" name="Content Placeholder 8"/>
+          <p:cNvSpPr>
+            <a:spLocks noGrp="1"/>
+          </p:cNvSpPr>
+          <p:nvPr>
+            <p:ph sz="quarter" idx="13"/>
+          </p:nvPr>
+        </p:nvSpPr>
+        <p:spPr>
+          <a:xfrm>
+            <a:off x="457200" y="4829213"/>
+            <a:ext cx="8229600" cy="1550950"/>
+          </a:xfrm>
+          <a:solidFill>
+            <a:schemeClr val="tx2">
+              <a:lumMod val="20000"/>
+              <a:lumOff val="80000"/>
+            </a:schemeClr>
+          </a:solidFill>
+          <a:ln>
+            <a:solidFill>
+              <a:schemeClr val="tx2"/>
+            </a:solidFill>
+          </a:ln>
+        </p:spPr>
+        <p:txBody>
+          <a:bodyPr/>
+          <a:lstStyle/>
+          <a:p>
+            <a:pPr lvl="0"/>
+            <a:r>
+              <a:rPr lang="en-US" dirty="0" smtClean="0"/>
+              <a:t>Click to edit Master text styles</a:t>
+            </a:r>
+          </a:p>
+          <a:p>
+            <a:pPr lvl="1"/>
+            <a:r>
+              <a:rPr lang="en-US" dirty="0" smtClean="0"/>
+              <a:t>Second level</a:t>
+            </a:r>
+          </a:p>
+          <a:p>
+            <a:pPr lvl="2"/>
+            <a:r>
+              <a:rPr lang="en-US" dirty="0" smtClean="0"/>
+              <a:t>Third level</a:t>
+            </a:r>
+          </a:p>
+          <a:p>
+            <a:pPr lvl="3"/>
+            <a:r>
+              <a:rPr lang="en-US" dirty="0" smtClean="0"/>
+              <a:t>Fourth level</a:t>
+            </a:r>
+          </a:p>
+          <a:p>
+            <a:pPr lvl="4"/>
+            <a:r>
+              <a:rPr lang="en-US" dirty="0" smtClean="0"/>
+              <a:t>Fifth level</a:t>
+            </a:r>
+            <a:endParaRPr lang="en-US" dirty="0"/>
+          </a:p>
+        </p:txBody>
+      </p:sp>
+      <p:sp>
+        <p:nvSpPr>
+          <p:cNvPr id="11" name="Text Placeholder 10"/>
+          <p:cNvSpPr>
+            <a:spLocks noGrp="1"/>
+          </p:cNvSpPr>
+          <p:nvPr>
+            <p:ph type="body" sz="quarter" idx="14"/>
+          </p:nvPr>
+        </p:nvSpPr>
+        <p:spPr>
+          <a:xfrm>
+            <a:off x="457200" y="4238625"/>
+            <a:ext cx="8229600" cy="590550"/>
+          </a:xfrm>
+          <a:solidFill>
+            <a:schemeClr val="tx2">
+              <a:lumMod val="40000"/>
+              <a:lumOff val="60000"/>
+            </a:schemeClr>
+          </a:solidFill>
+          <a:ln>
+            <a:solidFill>
+              <a:schemeClr val="tx2"/>
+            </a:solidFill>
+          </a:ln>
+        </p:spPr>
+        <p:txBody>
+          <a:bodyPr/>
+          <a:lstStyle>
+            <a:lvl1pPr marL="0" indent="0">
+              <a:buNone/>
+              <a:defRPr b="1"/>
+            </a:lvl1pPr>
+          </a:lstStyle>
+          <a:p>
+            <a:pPr lvl="0"/>
+            <a:r>
+              <a:rPr lang="en-US" dirty="0" smtClean="0"/>
+              <a:t>Click to edit Master text styles</a:t>
+            </a:r>
+            <a:endParaRPr lang="en-US" dirty="0"/>
+          </a:p>
+        </p:txBody>
+      </p:sp>
+    </p:spTree>
+    <p:extLst>
+      <p:ext uri="{BB962C8B-B14F-4D97-AF65-F5344CB8AC3E}">
+        <p14:creationId xmlns:p14="http://schemas.microsoft.com/office/powerpoint/2010/main" val="707568992"/>
+      </p:ext>
+    </p:extLst>
   </p:cSld>
   <p:clrMapOvr>
     <a:masterClrMapping/>
@@ -2223,35 +3781,35 @@
           <a:p>
             <a:pPr lvl="0"/>
             <a:r>
-              <a:rPr lang="en-US" dirty="0" smtClean="0"/>
+              <a:rPr lang="en-US" smtClean="0"/>
               <a:t>Click to edit Master text styles</a:t>
             </a:r>
           </a:p>
           <a:p>
             <a:pPr lvl="1"/>
             <a:r>
-              <a:rPr lang="en-US" dirty="0" smtClean="0"/>
+              <a:rPr lang="en-US" smtClean="0"/>
               <a:t>Second level</a:t>
             </a:r>
           </a:p>
           <a:p>
             <a:pPr lvl="2"/>
             <a:r>
-              <a:rPr lang="en-US" dirty="0" smtClean="0"/>
+              <a:rPr lang="en-US" smtClean="0"/>
               <a:t>Third level</a:t>
             </a:r>
           </a:p>
           <a:p>
             <a:pPr lvl="3"/>
             <a:r>
-              <a:rPr lang="en-US" dirty="0" smtClean="0"/>
+              <a:rPr lang="en-US" smtClean="0"/>
               <a:t>Fourth level</a:t>
             </a:r>
           </a:p>
           <a:p>
             <a:pPr lvl="4"/>
             <a:r>
-              <a:rPr lang="en-US" dirty="0" smtClean="0"/>
+              <a:rPr lang="en-US" smtClean="0"/>
               <a:t>Fifth level</a:t>
             </a:r>
             <a:endParaRPr lang="en-US" dirty="0"/>
@@ -2275,7 +3833,7 @@
           <a:p>
             <a:fld id="{34621E95-60A9-FF44-9869-513D9D7A859F}" type="datetime2">
               <a:rPr lang="en-US" smtClean="0"/>
-              <a:t>Tuesday, September 9, 14</a:t>
+              <a:t>Wednesday, September 10, 14</a:t>
             </a:fld>
             <a:endParaRPr lang="en-US"/>
           </a:p>
@@ -2338,7 +3896,7 @@
 </file>
 
 <file path=ppt/slideLayouts/slideLayout3.xml><?xml version="1.0" encoding="utf-8"?>
-<p:sldLayout xmlns:a="http://schemas.openxmlformats.org/drawingml/2006/main" xmlns:r="http://schemas.openxmlformats.org/officeDocument/2006/relationships" xmlns:p="http://schemas.openxmlformats.org/presentationml/2006/main" preserve="1" userDrawn="1">
+<p:sldLayout xmlns:a="http://schemas.openxmlformats.org/drawingml/2006/main" xmlns:r="http://schemas.openxmlformats.org/officeDocument/2006/relationships" xmlns:p="http://schemas.openxmlformats.org/presentationml/2006/main" preserve="1">
   <p:cSld name="Custom Layout">
     <p:spTree>
       <p:nvGrpSpPr>
@@ -2394,7 +3952,7 @@
           <a:p>
             <a:fld id="{BD5AFB16-13FE-DF4A-8CB7-09756A57B2EA}" type="datetime2">
               <a:rPr lang="en-US" smtClean="0"/>
-              <a:t>Tuesday, September 9, 14</a:t>
+              <a:t>Wednesday, September 10, 14</a:t>
             </a:fld>
             <a:endParaRPr lang="en-US" dirty="0"/>
           </a:p>
@@ -2460,8 +4018,8 @@
         </p:nvSpPr>
         <p:spPr>
           <a:xfrm>
-            <a:off x="457200" y="909977"/>
-            <a:ext cx="8229600" cy="1118512"/>
+            <a:off x="261865" y="909977"/>
+            <a:ext cx="8615360" cy="1118512"/>
           </a:xfrm>
         </p:spPr>
         <p:txBody>
@@ -2470,35 +4028,35 @@
           <a:p>
             <a:pPr lvl="0"/>
             <a:r>
-              <a:rPr lang="en-US" dirty="0" smtClean="0"/>
+              <a:rPr lang="en-US" smtClean="0"/>
               <a:t>Click to edit Master text styles</a:t>
             </a:r>
           </a:p>
           <a:p>
             <a:pPr lvl="1"/>
             <a:r>
-              <a:rPr lang="en-US" dirty="0" smtClean="0"/>
+              <a:rPr lang="en-US" smtClean="0"/>
               <a:t>Second level</a:t>
             </a:r>
           </a:p>
           <a:p>
             <a:pPr lvl="2"/>
             <a:r>
-              <a:rPr lang="en-US" dirty="0" smtClean="0"/>
+              <a:rPr lang="en-US" smtClean="0"/>
               <a:t>Third level</a:t>
             </a:r>
           </a:p>
           <a:p>
             <a:pPr lvl="3"/>
             <a:r>
-              <a:rPr lang="en-US" dirty="0" smtClean="0"/>
+              <a:rPr lang="en-US" smtClean="0"/>
               <a:t>Fourth level</a:t>
             </a:r>
           </a:p>
           <a:p>
             <a:pPr lvl="4"/>
             <a:r>
-              <a:rPr lang="en-US" dirty="0" smtClean="0"/>
+              <a:rPr lang="en-US" smtClean="0"/>
               <a:t>Fifth level</a:t>
             </a:r>
             <a:endParaRPr lang="en-US" dirty="0"/>
@@ -2517,8 +4075,8 @@
         </p:nvSpPr>
         <p:spPr>
           <a:xfrm>
-            <a:off x="457200" y="2198574"/>
-            <a:ext cx="8229600" cy="1119049"/>
+            <a:off x="261865" y="2198574"/>
+            <a:ext cx="8615360" cy="1119049"/>
           </a:xfrm>
         </p:spPr>
         <p:txBody>
@@ -2527,35 +4085,35 @@
           <a:p>
             <a:pPr lvl="0"/>
             <a:r>
-              <a:rPr lang="en-US" dirty="0" smtClean="0"/>
+              <a:rPr lang="en-US" smtClean="0"/>
               <a:t>Click to edit Master text styles</a:t>
             </a:r>
           </a:p>
           <a:p>
             <a:pPr lvl="1"/>
             <a:r>
-              <a:rPr lang="en-US" dirty="0" smtClean="0"/>
+              <a:rPr lang="en-US" smtClean="0"/>
               <a:t>Second level</a:t>
             </a:r>
           </a:p>
           <a:p>
             <a:pPr lvl="2"/>
             <a:r>
-              <a:rPr lang="en-US" dirty="0" smtClean="0"/>
+              <a:rPr lang="en-US" smtClean="0"/>
               <a:t>Third level</a:t>
             </a:r>
           </a:p>
           <a:p>
             <a:pPr lvl="3"/>
             <a:r>
-              <a:rPr lang="en-US" dirty="0" smtClean="0"/>
+              <a:rPr lang="en-US" smtClean="0"/>
               <a:t>Fourth level</a:t>
             </a:r>
           </a:p>
           <a:p>
             <a:pPr lvl="4"/>
             <a:r>
-              <a:rPr lang="en-US" dirty="0" smtClean="0"/>
+              <a:rPr lang="en-US" smtClean="0"/>
               <a:t>Fifth level</a:t>
             </a:r>
             <a:endParaRPr lang="en-US" dirty="0"/>
@@ -2574,8 +4132,8 @@
         </p:nvSpPr>
         <p:spPr>
           <a:xfrm>
-            <a:off x="457200" y="3583427"/>
-            <a:ext cx="8229600" cy="1136650"/>
+            <a:off x="261865" y="3583427"/>
+            <a:ext cx="8615360" cy="1136650"/>
           </a:xfrm>
         </p:spPr>
         <p:txBody>
@@ -2615,7 +4173,7 @@
               <a:rPr lang="en-US" smtClean="0"/>
               <a:t>Fifth level</a:t>
             </a:r>
-            <a:endParaRPr lang="en-US"/>
+            <a:endParaRPr lang="en-US" dirty="0"/>
           </a:p>
         </p:txBody>
       </p:sp>
@@ -2631,8 +4189,8 @@
         </p:nvSpPr>
         <p:spPr>
           <a:xfrm>
-            <a:off x="457200" y="5043465"/>
-            <a:ext cx="8229600" cy="1136791"/>
+            <a:off x="261865" y="5043465"/>
+            <a:ext cx="8615360" cy="1136791"/>
           </a:xfrm>
         </p:spPr>
         <p:txBody>
@@ -2672,7 +4230,7 @@
               <a:rPr lang="en-US" smtClean="0"/>
               <a:t>Fifth level</a:t>
             </a:r>
-            <a:endParaRPr lang="en-US"/>
+            <a:endParaRPr lang="en-US" dirty="0"/>
           </a:p>
         </p:txBody>
       </p:sp>
@@ -2881,7 +4439,7 @@
           <a:p>
             <a:fld id="{1BDEC705-8EA9-6C46-8E3B-2CAC7E2C0F7D}" type="datetime2">
               <a:rPr lang="en-US" smtClean="0"/>
-              <a:t>Tuesday, September 9, 14</a:t>
+              <a:t>Wednesday, September 10, 14</a:t>
             </a:fld>
             <a:endParaRPr lang="en-US"/>
           </a:p>
@@ -3011,7 +4569,7 @@
           <a:lstStyle/>
           <a:p>
             <a:r>
-              <a:rPr lang="en-US" dirty="0" smtClean="0"/>
+              <a:rPr lang="en-US" smtClean="0"/>
               <a:t>Click to edit Master title style</a:t>
             </a:r>
             <a:endParaRPr lang="en-US" dirty="0"/>
@@ -3030,8 +4588,8 @@
         </p:nvSpPr>
         <p:spPr>
           <a:xfrm>
-            <a:off x="457200" y="935846"/>
-            <a:ext cx="4038600" cy="5455810"/>
+            <a:off x="261866" y="935846"/>
+            <a:ext cx="4114800" cy="5455810"/>
           </a:xfrm>
         </p:spPr>
         <p:txBody>
@@ -3068,35 +4626,35 @@
           <a:p>
             <a:pPr lvl="0"/>
             <a:r>
-              <a:rPr lang="en-US" dirty="0" smtClean="0"/>
+              <a:rPr lang="en-US" smtClean="0"/>
               <a:t>Click to edit Master text styles</a:t>
             </a:r>
           </a:p>
           <a:p>
             <a:pPr lvl="1"/>
             <a:r>
-              <a:rPr lang="en-US" dirty="0" smtClean="0"/>
+              <a:rPr lang="en-US" smtClean="0"/>
               <a:t>Second level</a:t>
             </a:r>
           </a:p>
           <a:p>
             <a:pPr lvl="2"/>
             <a:r>
-              <a:rPr lang="en-US" dirty="0" smtClean="0"/>
+              <a:rPr lang="en-US" smtClean="0"/>
               <a:t>Third level</a:t>
             </a:r>
           </a:p>
           <a:p>
             <a:pPr lvl="3"/>
             <a:r>
-              <a:rPr lang="en-US" dirty="0" smtClean="0"/>
+              <a:rPr lang="en-US" smtClean="0"/>
               <a:t>Fourth level</a:t>
             </a:r>
           </a:p>
           <a:p>
             <a:pPr lvl="4"/>
             <a:r>
-              <a:rPr lang="en-US" dirty="0" smtClean="0"/>
+              <a:rPr lang="en-US" smtClean="0"/>
               <a:t>Fifth level</a:t>
             </a:r>
             <a:endParaRPr lang="en-US" dirty="0"/>
@@ -3115,8 +4673,8 @@
         </p:nvSpPr>
         <p:spPr>
           <a:xfrm>
-            <a:off x="4648200" y="935846"/>
-            <a:ext cx="4038600" cy="5455810"/>
+            <a:off x="4737099" y="935846"/>
+            <a:ext cx="4140125" cy="5455810"/>
           </a:xfrm>
         </p:spPr>
         <p:txBody>
@@ -3153,35 +4711,35 @@
           <a:p>
             <a:pPr lvl="0"/>
             <a:r>
-              <a:rPr lang="en-US" dirty="0" smtClean="0"/>
+              <a:rPr lang="en-US" smtClean="0"/>
               <a:t>Click to edit Master text styles</a:t>
             </a:r>
           </a:p>
           <a:p>
             <a:pPr lvl="1"/>
             <a:r>
-              <a:rPr lang="en-US" dirty="0" smtClean="0"/>
+              <a:rPr lang="en-US" smtClean="0"/>
               <a:t>Second level</a:t>
             </a:r>
           </a:p>
           <a:p>
             <a:pPr lvl="2"/>
             <a:r>
-              <a:rPr lang="en-US" dirty="0" smtClean="0"/>
+              <a:rPr lang="en-US" smtClean="0"/>
               <a:t>Third level</a:t>
             </a:r>
           </a:p>
           <a:p>
             <a:pPr lvl="3"/>
             <a:r>
-              <a:rPr lang="en-US" dirty="0" smtClean="0"/>
+              <a:rPr lang="en-US" smtClean="0"/>
               <a:t>Fourth level</a:t>
             </a:r>
           </a:p>
           <a:p>
             <a:pPr lvl="4"/>
             <a:r>
-              <a:rPr lang="en-US" dirty="0" smtClean="0"/>
+              <a:rPr lang="en-US" smtClean="0"/>
               <a:t>Fifth level</a:t>
             </a:r>
             <a:endParaRPr lang="en-US" dirty="0"/>
@@ -3212,7 +4770,7 @@
           <a:p>
             <a:fld id="{BF613BD3-C5FD-9543-B738-679BF38D8C83}" type="datetime2">
               <a:rPr lang="en-US" smtClean="0"/>
-              <a:t>Tuesday, September 9, 14</a:t>
+              <a:t>Wednesday, September 10, 14</a:t>
             </a:fld>
             <a:endParaRPr lang="en-US" dirty="0"/>
           </a:p>
@@ -3337,8 +4895,8 @@
         </p:nvSpPr>
         <p:spPr>
           <a:xfrm>
-            <a:off x="457200" y="1676400"/>
-            <a:ext cx="3931920" cy="639762"/>
+            <a:off x="261865" y="914400"/>
+            <a:ext cx="4114800" cy="639762"/>
           </a:xfrm>
           <a:noFill/>
           <a:ln>
@@ -3425,8 +4983,8 @@
         </p:nvSpPr>
         <p:spPr>
           <a:xfrm>
-            <a:off x="457200" y="2438400"/>
-            <a:ext cx="3931920" cy="3951288"/>
+            <a:off x="261865" y="1714500"/>
+            <a:ext cx="4114800" cy="4675188"/>
           </a:xfrm>
         </p:spPr>
         <p:txBody>
@@ -3510,8 +5068,8 @@
         </p:nvSpPr>
         <p:spPr>
           <a:xfrm>
-            <a:off x="4754880" y="1676400"/>
-            <a:ext cx="3931920" cy="639762"/>
+            <a:off x="4737100" y="914400"/>
+            <a:ext cx="4140125" cy="639762"/>
           </a:xfrm>
           <a:noFill/>
           <a:ln>
@@ -3601,8 +5159,8 @@
         </p:nvSpPr>
         <p:spPr>
           <a:xfrm>
-            <a:off x="4754880" y="2438400"/>
-            <a:ext cx="3931920" cy="3951288"/>
+            <a:off x="4737100" y="1714500"/>
+            <a:ext cx="4140125" cy="4675188"/>
           </a:xfrm>
         </p:spPr>
         <p:txBody>
@@ -3691,7 +5249,7 @@
           <a:p>
             <a:fld id="{4B5E4F0C-9A9C-5448-99FD-D30288B385C9}" type="datetime2">
               <a:rPr lang="en-US" smtClean="0"/>
-              <a:t>Tuesday, September 9, 14</a:t>
+              <a:t>Wednesday, September 10, 14</a:t>
             </a:fld>
             <a:endParaRPr lang="en-US"/>
           </a:p>
@@ -3754,7 +5312,7 @@
 </file>
 
 <file path=ppt/slideLayouts/slideLayout7.xml><?xml version="1.0" encoding="utf-8"?>
-<p:sldLayout xmlns:a="http://schemas.openxmlformats.org/drawingml/2006/main" xmlns:r="http://schemas.openxmlformats.org/officeDocument/2006/relationships" xmlns:p="http://schemas.openxmlformats.org/presentationml/2006/main" preserve="1" userDrawn="1">
+<p:sldLayout xmlns:a="http://schemas.openxmlformats.org/drawingml/2006/main" xmlns:r="http://schemas.openxmlformats.org/officeDocument/2006/relationships" xmlns:p="http://schemas.openxmlformats.org/presentationml/2006/main" preserve="1">
   <p:cSld name="1_Two Content">
     <p:spTree>
       <p:nvGrpSpPr>
@@ -3786,7 +5344,7 @@
           <a:lstStyle/>
           <a:p>
             <a:r>
-              <a:rPr lang="en-US" dirty="0" smtClean="0"/>
+              <a:rPr lang="en-US" smtClean="0"/>
               <a:t>Click to edit Master title style</a:t>
             </a:r>
             <a:endParaRPr lang="en-US" dirty="0"/>
@@ -3805,8 +5363,8 @@
         </p:nvSpPr>
         <p:spPr>
           <a:xfrm>
-            <a:off x="457200" y="935846"/>
-            <a:ext cx="4038600" cy="3140187"/>
+            <a:off x="261866" y="935846"/>
+            <a:ext cx="4114800" cy="3140187"/>
           </a:xfrm>
         </p:spPr>
         <p:txBody>
@@ -3843,35 +5401,35 @@
           <a:p>
             <a:pPr lvl="0"/>
             <a:r>
-              <a:rPr lang="en-US" dirty="0" smtClean="0"/>
+              <a:rPr lang="en-US" smtClean="0"/>
               <a:t>Click to edit Master text styles</a:t>
             </a:r>
           </a:p>
           <a:p>
             <a:pPr lvl="1"/>
             <a:r>
-              <a:rPr lang="en-US" dirty="0" smtClean="0"/>
+              <a:rPr lang="en-US" smtClean="0"/>
               <a:t>Second level</a:t>
             </a:r>
           </a:p>
           <a:p>
             <a:pPr lvl="2"/>
             <a:r>
-              <a:rPr lang="en-US" dirty="0" smtClean="0"/>
+              <a:rPr lang="en-US" smtClean="0"/>
               <a:t>Third level</a:t>
             </a:r>
           </a:p>
           <a:p>
             <a:pPr lvl="3"/>
             <a:r>
-              <a:rPr lang="en-US" dirty="0" smtClean="0"/>
+              <a:rPr lang="en-US" smtClean="0"/>
               <a:t>Fourth level</a:t>
             </a:r>
           </a:p>
           <a:p>
             <a:pPr lvl="4"/>
             <a:r>
-              <a:rPr lang="en-US" dirty="0" smtClean="0"/>
+              <a:rPr lang="en-US" smtClean="0"/>
               <a:t>Fifth level</a:t>
             </a:r>
             <a:endParaRPr lang="en-US" dirty="0"/>
@@ -3890,8 +5448,8 @@
         </p:nvSpPr>
         <p:spPr>
           <a:xfrm>
-            <a:off x="4648200" y="935846"/>
-            <a:ext cx="4038600" cy="3140187"/>
+            <a:off x="4737100" y="935846"/>
+            <a:ext cx="4140124" cy="3140187"/>
           </a:xfrm>
         </p:spPr>
         <p:txBody>
@@ -3928,35 +5486,35 @@
           <a:p>
             <a:pPr lvl="0"/>
             <a:r>
-              <a:rPr lang="en-US" dirty="0" smtClean="0"/>
+              <a:rPr lang="en-US" smtClean="0"/>
               <a:t>Click to edit Master text styles</a:t>
             </a:r>
           </a:p>
           <a:p>
             <a:pPr lvl="1"/>
             <a:r>
-              <a:rPr lang="en-US" dirty="0" smtClean="0"/>
+              <a:rPr lang="en-US" smtClean="0"/>
               <a:t>Second level</a:t>
             </a:r>
           </a:p>
           <a:p>
             <a:pPr lvl="2"/>
             <a:r>
-              <a:rPr lang="en-US" dirty="0" smtClean="0"/>
+              <a:rPr lang="en-US" smtClean="0"/>
               <a:t>Third level</a:t>
             </a:r>
           </a:p>
           <a:p>
             <a:pPr lvl="3"/>
             <a:r>
-              <a:rPr lang="en-US" dirty="0" smtClean="0"/>
+              <a:rPr lang="en-US" smtClean="0"/>
               <a:t>Fourth level</a:t>
             </a:r>
           </a:p>
           <a:p>
             <a:pPr lvl="4"/>
             <a:r>
-              <a:rPr lang="en-US" dirty="0" smtClean="0"/>
+              <a:rPr lang="en-US" smtClean="0"/>
               <a:t>Fifth level</a:t>
             </a:r>
             <a:endParaRPr lang="en-US" dirty="0"/>
@@ -3987,7 +5545,7 @@
           <a:p>
             <a:fld id="{30545249-FD76-6844-B252-CAB05FC2DAA8}" type="datetime2">
               <a:rPr lang="en-US" smtClean="0"/>
-              <a:t>Tuesday, September 9, 14</a:t>
+              <a:t>Wednesday, September 10, 14</a:t>
             </a:fld>
             <a:endParaRPr lang="en-US" dirty="0"/>
           </a:p>
@@ -4060,8 +5618,8 @@
         </p:nvSpPr>
         <p:spPr>
           <a:xfrm>
-            <a:off x="457200" y="4829213"/>
-            <a:ext cx="8229600" cy="1550950"/>
+            <a:off x="261865" y="4829213"/>
+            <a:ext cx="8615360" cy="1550950"/>
           </a:xfrm>
           <a:solidFill>
             <a:schemeClr val="tx2">
@@ -4081,35 +5639,35 @@
           <a:p>
             <a:pPr lvl="0"/>
             <a:r>
-              <a:rPr lang="en-US" dirty="0" smtClean="0"/>
+              <a:rPr lang="en-US" smtClean="0"/>
               <a:t>Click to edit Master text styles</a:t>
             </a:r>
           </a:p>
           <a:p>
             <a:pPr lvl="1"/>
             <a:r>
-              <a:rPr lang="en-US" dirty="0" smtClean="0"/>
+              <a:rPr lang="en-US" smtClean="0"/>
               <a:t>Second level</a:t>
             </a:r>
           </a:p>
           <a:p>
             <a:pPr lvl="2"/>
             <a:r>
-              <a:rPr lang="en-US" dirty="0" smtClean="0"/>
+              <a:rPr lang="en-US" smtClean="0"/>
               <a:t>Third level</a:t>
             </a:r>
           </a:p>
           <a:p>
             <a:pPr lvl="3"/>
             <a:r>
-              <a:rPr lang="en-US" dirty="0" smtClean="0"/>
+              <a:rPr lang="en-US" smtClean="0"/>
               <a:t>Fourth level</a:t>
             </a:r>
           </a:p>
           <a:p>
             <a:pPr lvl="4"/>
             <a:r>
-              <a:rPr lang="en-US" dirty="0" smtClean="0"/>
+              <a:rPr lang="en-US" smtClean="0"/>
               <a:t>Fifth level</a:t>
             </a:r>
             <a:endParaRPr lang="en-US" dirty="0"/>
@@ -4128,8 +5686,8 @@
         </p:nvSpPr>
         <p:spPr>
           <a:xfrm>
-            <a:off x="457200" y="4238625"/>
-            <a:ext cx="8229600" cy="590550"/>
+            <a:off x="261865" y="4238625"/>
+            <a:ext cx="8615359" cy="590550"/>
           </a:xfrm>
           <a:solidFill>
             <a:schemeClr val="tx2">
@@ -4154,10 +5712,9 @@
           <a:p>
             <a:pPr lvl="0"/>
             <a:r>
-              <a:rPr lang="en-US" dirty="0" smtClean="0"/>
+              <a:rPr lang="en-US" smtClean="0"/>
               <a:t>Click to edit Master text styles</a:t>
             </a:r>
-            <a:endParaRPr lang="en-US" dirty="0"/>
           </a:p>
         </p:txBody>
       </p:sp>
@@ -4231,7 +5788,7 @@
           <a:p>
             <a:fld id="{CC859171-EEDD-0B48-A5C0-E7218AE20EA7}" type="datetime2">
               <a:rPr lang="en-US" smtClean="0"/>
-              <a:t>Tuesday, September 9, 14</a:t>
+              <a:t>Wednesday, September 10, 14</a:t>
             </a:fld>
             <a:endParaRPr lang="en-US"/>
           </a:p>
@@ -4327,7 +5884,7 @@
           <a:p>
             <a:fld id="{C32F9216-0342-7440-9504-BD6C1382BF27}" type="datetime2">
               <a:rPr lang="en-US" smtClean="0"/>
-              <a:t>Tuesday, September 9, 14</a:t>
+              <a:t>Wednesday, September 10, 14</a:t>
             </a:fld>
             <a:endParaRPr lang="en-US"/>
           </a:p>
@@ -4419,7 +5976,7 @@
         </p:nvSpPr>
         <p:spPr>
           <a:xfrm>
-            <a:off x="0" y="6506351"/>
+            <a:off x="0" y="6469775"/>
             <a:ext cx="9144000" cy="365760"/>
           </a:xfrm>
           <a:prstGeom prst="rect">
@@ -4464,18 +6021,62 @@
       </p:sp>
       <p:sp>
         <p:nvSpPr>
-          <p:cNvPr id="2" name="Title Placeholder 1"/>
-          <p:cNvSpPr>
-            <a:spLocks noGrp="1"/>
-          </p:cNvSpPr>
-          <p:nvPr>
-            <p:ph type="title"/>
+          <p:cNvPr id="5" name="Footer Placeholder 4"/>
+          <p:cNvSpPr>
+            <a:spLocks noGrp="1"/>
+          </p:cNvSpPr>
+          <p:nvPr>
+            <p:ph type="ftr" sz="quarter" idx="3"/>
           </p:nvPr>
         </p:nvSpPr>
         <p:spPr>
           <a:xfrm>
-            <a:off x="0" y="0"/>
-            <a:ext cx="9144000" cy="678666"/>
+            <a:off x="261865" y="6501045"/>
+            <a:ext cx="4114800" cy="329184"/>
+          </a:xfrm>
+          <a:prstGeom prst="rect">
+            <a:avLst/>
+          </a:prstGeom>
+          <a:solidFill>
+            <a:srgbClr val="A53926"/>
+          </a:solidFill>
+        </p:spPr>
+        <p:txBody>
+          <a:bodyPr vert="horz" lIns="91440" tIns="45720" rIns="91440" bIns="45720" rtlCol="0" anchor="ctr"/>
+          <a:lstStyle>
+            <a:lvl1pPr algn="ctr">
+              <a:defRPr sz="1200" b="1">
+                <a:solidFill>
+                  <a:srgbClr val="FFFFFF"/>
+                </a:solidFill>
+                <a:latin typeface="Times New Roman"/>
+                <a:cs typeface="Times New Roman"/>
+              </a:defRPr>
+            </a:lvl1pPr>
+          </a:lstStyle>
+          <a:p>
+            <a:r>
+              <a:rPr lang="en-US" smtClean="0"/>
+              <a:t>Sanjay Kalé and PPL (UIUC) – Parallel Migratable Objects </a:t>
+            </a:r>
+            <a:endParaRPr lang="en-US" dirty="0"/>
+          </a:p>
+        </p:txBody>
+      </p:sp>
+      <p:sp>
+        <p:nvSpPr>
+          <p:cNvPr id="2" name="Title Placeholder 1"/>
+          <p:cNvSpPr>
+            <a:spLocks noGrp="1"/>
+          </p:cNvSpPr>
+          <p:nvPr>
+            <p:ph type="title"/>
+          </p:nvPr>
+        </p:nvSpPr>
+        <p:spPr>
+          <a:xfrm>
+            <a:off x="0" y="-1"/>
+            <a:ext cx="9144000" cy="741859"/>
           </a:xfrm>
           <a:prstGeom prst="rect">
             <a:avLst/>
@@ -4494,7 +6095,7 @@
           <a:lstStyle/>
           <a:p>
             <a:r>
-              <a:rPr lang="en-US" dirty="0" smtClean="0"/>
+              <a:rPr lang="en-US" smtClean="0"/>
               <a:t>Click to edit Master title style</a:t>
             </a:r>
             <a:endParaRPr lang="en-US" dirty="0"/>
@@ -4513,50 +6114,50 @@
         </p:nvSpPr>
         <p:spPr>
           <a:xfrm>
-            <a:off x="457200" y="1143000"/>
-            <a:ext cx="8229600" cy="5235222"/>
+            <a:off x="261865" y="942770"/>
+            <a:ext cx="8615360" cy="5435452"/>
           </a:xfrm>
           <a:prstGeom prst="rect">
             <a:avLst/>
           </a:prstGeom>
         </p:spPr>
         <p:txBody>
-          <a:bodyPr vert="horz" lIns="91440" tIns="45720" rIns="91440" bIns="45720" rtlCol="0">
+          <a:bodyPr vert="horz" lIns="91440" tIns="45720" rIns="91440" bIns="45720" rtlCol="0" anchor="ctr">
             <a:normAutofit/>
           </a:bodyPr>
           <a:lstStyle/>
           <a:p>
             <a:pPr lvl="0"/>
             <a:r>
-              <a:rPr lang="en-US" dirty="0" smtClean="0"/>
+              <a:rPr lang="en-US" smtClean="0"/>
               <a:t>Click to edit Master text styles</a:t>
             </a:r>
           </a:p>
           <a:p>
             <a:pPr lvl="1"/>
             <a:r>
-              <a:rPr lang="en-US" dirty="0" smtClean="0"/>
+              <a:rPr lang="en-US" smtClean="0"/>
               <a:t>Second level</a:t>
             </a:r>
           </a:p>
           <a:p>
             <a:pPr lvl="2"/>
             <a:r>
-              <a:rPr lang="en-US" dirty="0" smtClean="0"/>
+              <a:rPr lang="en-US" smtClean="0"/>
               <a:t>Third level</a:t>
             </a:r>
           </a:p>
           <a:p>
             <a:pPr lvl="3"/>
             <a:r>
-              <a:rPr lang="en-US" dirty="0" smtClean="0"/>
+              <a:rPr lang="en-US" smtClean="0"/>
               <a:t>Fourth level</a:t>
             </a:r>
           </a:p>
           <a:p>
             <a:pPr lvl="4"/>
             <a:r>
-              <a:rPr lang="en-US" dirty="0" smtClean="0"/>
+              <a:rPr lang="en-US" smtClean="0"/>
               <a:t>Fifth level</a:t>
             </a:r>
             <a:endParaRPr lang="en-US" dirty="0"/>
@@ -4575,8 +6176,8 @@
         </p:nvSpPr>
         <p:spPr>
           <a:xfrm>
-            <a:off x="457200" y="6506351"/>
-            <a:ext cx="2895600" cy="329184"/>
+            <a:off x="4737100" y="6501045"/>
+            <a:ext cx="2726982" cy="329184"/>
           </a:xfrm>
           <a:prstGeom prst="rect">
             <a:avLst/>
@@ -4598,7 +6199,7 @@
           <a:p>
             <a:fld id="{D36DC8F2-AD63-E841-8C23-5DC3A41041BE}" type="datetime2">
               <a:rPr lang="en-US" smtClean="0"/>
-              <a:t>Tuesday, September 9, 14</a:t>
+              <a:t>Wednesday, September 10, 14</a:t>
             </a:fld>
             <a:endParaRPr lang="en-US" dirty="0"/>
           </a:p>
@@ -4606,62 +6207,18 @@
       </p:sp>
       <p:sp>
         <p:nvSpPr>
-          <p:cNvPr id="5" name="Footer Placeholder 4"/>
-          <p:cNvSpPr>
-            <a:spLocks noGrp="1"/>
-          </p:cNvSpPr>
-          <p:nvPr>
-            <p:ph type="ftr" sz="quarter" idx="3"/>
+          <p:cNvPr id="6" name="Slide Number Placeholder 5"/>
+          <p:cNvSpPr>
+            <a:spLocks noGrp="1"/>
+          </p:cNvSpPr>
+          <p:nvPr>
+            <p:ph type="sldNum" sz="quarter" idx="4"/>
           </p:nvPr>
         </p:nvSpPr>
         <p:spPr>
           <a:xfrm>
-            <a:off x="3429000" y="6501045"/>
-            <a:ext cx="4114800" cy="329184"/>
-          </a:xfrm>
-          <a:prstGeom prst="rect">
-            <a:avLst/>
-          </a:prstGeom>
-          <a:solidFill>
-            <a:srgbClr val="A53926"/>
-          </a:solidFill>
-        </p:spPr>
-        <p:txBody>
-          <a:bodyPr vert="horz" lIns="91440" tIns="45720" rIns="91440" bIns="45720" rtlCol="0" anchor="ctr"/>
-          <a:lstStyle>
-            <a:lvl1pPr algn="ctr">
-              <a:defRPr sz="1200" b="1">
-                <a:solidFill>
-                  <a:srgbClr val="FFFFFF"/>
-                </a:solidFill>
-                <a:latin typeface="Times New Roman"/>
-                <a:cs typeface="Times New Roman"/>
-              </a:defRPr>
-            </a:lvl1pPr>
-          </a:lstStyle>
-          <a:p>
-            <a:r>
-              <a:rPr lang="en-US" smtClean="0"/>
-              <a:t>Sanjay Kalé and PPL (UIUC) – Parallel Migratable Objects </a:t>
-            </a:r>
-            <a:endParaRPr lang="en-US" dirty="0"/>
-          </a:p>
-        </p:txBody>
-      </p:sp>
-      <p:sp>
-        <p:nvSpPr>
-          <p:cNvPr id="6" name="Slide Number Placeholder 5"/>
-          <p:cNvSpPr>
-            <a:spLocks noGrp="1"/>
-          </p:cNvSpPr>
-          <p:nvPr>
-            <p:ph type="sldNum" sz="quarter" idx="4"/>
-          </p:nvPr>
-        </p:nvSpPr>
-        <p:spPr>
-          <a:xfrm>
-            <a:off x="7620000" y="6506351"/>
-            <a:ext cx="1066800" cy="329184"/>
+            <a:off x="7646459" y="6506351"/>
+            <a:ext cx="1230766" cy="329184"/>
           </a:xfrm>
           <a:prstGeom prst="rect">
             <a:avLst/>
@@ -4694,19 +6251,22 @@
   </p:cSld>
   <p:clrMap bg1="lt1" tx1="dk1" bg2="lt2" tx2="dk2" accent1="accent1" accent2="accent2" accent3="accent3" accent4="accent4" accent5="accent5" accent6="accent6" hlink="hlink" folHlink="folHlink"/>
   <p:sldLayoutIdLst>
-    <p:sldLayoutId id="2147483961" r:id="rId1"/>
-    <p:sldLayoutId id="2147483962" r:id="rId2"/>
-    <p:sldLayoutId id="2147483973" r:id="rId3"/>
-    <p:sldLayoutId id="2147483963" r:id="rId4"/>
-    <p:sldLayoutId id="2147483964" r:id="rId5"/>
-    <p:sldLayoutId id="2147483965" r:id="rId6"/>
-    <p:sldLayoutId id="2147483972" r:id="rId7"/>
-    <p:sldLayoutId id="2147483966" r:id="rId8"/>
-    <p:sldLayoutId id="2147483967" r:id="rId9"/>
-    <p:sldLayoutId id="2147483968" r:id="rId10"/>
-    <p:sldLayoutId id="2147483969" r:id="rId11"/>
-    <p:sldLayoutId id="2147483970" r:id="rId12"/>
-    <p:sldLayoutId id="2147483971" r:id="rId13"/>
+    <p:sldLayoutId id="2147483975" r:id="rId1"/>
+    <p:sldLayoutId id="2147483976" r:id="rId2"/>
+    <p:sldLayoutId id="2147483977" r:id="rId3"/>
+    <p:sldLayoutId id="2147483978" r:id="rId4"/>
+    <p:sldLayoutId id="2147483979" r:id="rId5"/>
+    <p:sldLayoutId id="2147483980" r:id="rId6"/>
+    <p:sldLayoutId id="2147483981" r:id="rId7"/>
+    <p:sldLayoutId id="2147483982" r:id="rId8"/>
+    <p:sldLayoutId id="2147483983" r:id="rId9"/>
+    <p:sldLayoutId id="2147483984" r:id="rId10"/>
+    <p:sldLayoutId id="2147483985" r:id="rId11"/>
+    <p:sldLayoutId id="2147483986" r:id="rId12"/>
+    <p:sldLayoutId id="2147483987" r:id="rId13"/>
+    <p:sldLayoutId id="2147483961" r:id="rId14"/>
+    <p:sldLayoutId id="2147483973" r:id="rId15"/>
+    <p:sldLayoutId id="2147483972" r:id="rId16"/>
   </p:sldLayoutIdLst>
   <p:hf hdr="0"/>
   <p:txStyles>
@@ -5023,7 +6583,7 @@
         <p:spPr/>
         <p:txBody>
           <a:bodyPr>
-            <a:normAutofit fontScale="90000"/>
+            <a:normAutofit/>
           </a:bodyPr>
           <a:lstStyle/>
           <a:p>
@@ -5317,7 +6877,7 @@
           <a:p>
             <a:fld id="{7DCE861A-EA6B-EA43-8AA5-DB216DBB40BC}" type="datetime2">
               <a:rPr lang="en-US" smtClean="0"/>
-              <a:t>Tuesday, September 9, 14</a:t>
+              <a:t>Wednesday, September 10, 14</a:t>
             </a:fld>
             <a:endParaRPr lang="en-US"/>
           </a:p>
@@ -5496,13 +7056,13 @@
         <p:spPr/>
         <p:txBody>
           <a:bodyPr>
-            <a:normAutofit fontScale="90000"/>
+            <a:normAutofit/>
           </a:bodyPr>
           <a:lstStyle/>
           <a:p>
             <a:r>
               <a:rPr lang="en-US" dirty="0"/>
-              <a:t>Golden Rule of Load Balancing</a:t>
+              <a:t>Dynamic Load Balancing Scenarios</a:t>
             </a:r>
           </a:p>
         </p:txBody>
@@ -5519,138 +7079,94 @@
         </p:nvSpPr>
         <p:spPr/>
         <p:txBody>
-          <a:bodyPr>
-            <a:normAutofit lnSpcReduction="10000"/>
-          </a:bodyPr>
-          <a:lstStyle/>
-          <a:p>
-            <a:pPr marL="0" indent="0">
+          <a:bodyPr/>
+          <a:lstStyle/>
+          <a:p>
+            <a:r>
+              <a:rPr lang="en-US" dirty="0"/>
+              <a:t>Examples representing typical classes of situations</a:t>
+            </a:r>
+          </a:p>
+          <a:p>
+            <a:pPr lvl="1"/>
+            <a:r>
+              <a:rPr lang="en-US" dirty="0" smtClean="0"/>
+              <a:t>Particles </a:t>
+            </a:r>
+            <a:r>
+              <a:rPr lang="en-US" dirty="0"/>
+              <a:t>distributed over simulation space </a:t>
+            </a:r>
+            <a:endParaRPr lang="en-US" dirty="0" smtClean="0"/>
+          </a:p>
+          <a:p>
+            <a:pPr lvl="2"/>
+            <a:r>
+              <a:rPr lang="en-US" dirty="0" smtClean="0"/>
+              <a:t>Dynamic</a:t>
+            </a:r>
+            <a:r>
+              <a:rPr lang="en-US" dirty="0"/>
+              <a:t>: because Particles </a:t>
+            </a:r>
+            <a:r>
+              <a:rPr lang="en-US" dirty="0" smtClean="0"/>
+              <a:t>move</a:t>
+            </a:r>
+            <a:endParaRPr lang="en-US" dirty="0"/>
+          </a:p>
+          <a:p>
+            <a:pPr lvl="2"/>
+            <a:r>
+              <a:rPr lang="en-US" dirty="0" smtClean="0"/>
+              <a:t>Cases</a:t>
+            </a:r>
+            <a:r>
+              <a:rPr lang="en-US" dirty="0"/>
+              <a:t>:</a:t>
+            </a:r>
+          </a:p>
+          <a:p>
+            <a:pPr marL="966788" lvl="2" indent="0">
               <a:buNone/>
             </a:pPr>
             <a:r>
-              <a:rPr lang="en-US" i="1" dirty="0"/>
-              <a:t>Fallacy: objective of load balancing is to minimize variance in load across processors</a:t>
-            </a:r>
-          </a:p>
-          <a:p>
-            <a:pPr marL="512763" indent="0">
+              <a:rPr lang="en-US" dirty="0"/>
+              <a:t>Highly non-uniform distribution (cosmology) </a:t>
+            </a:r>
+            <a:endParaRPr lang="en-US" dirty="0" smtClean="0"/>
+          </a:p>
+          <a:p>
+            <a:pPr marL="966788" lvl="2" indent="0">
               <a:buNone/>
             </a:pPr>
             <a:r>
-              <a:rPr lang="en-US" i="1" dirty="0" smtClean="0"/>
-              <a:t>Example</a:t>
-            </a:r>
-            <a:r>
-              <a:rPr lang="en-US" i="1" dirty="0"/>
-              <a:t>:</a:t>
-            </a:r>
-          </a:p>
-          <a:p>
-            <a:pPr marL="973138" lvl="1" indent="-176213"/>
-            <a:r>
-              <a:rPr lang="en-US" dirty="0" smtClean="0"/>
-              <a:t>50,000 </a:t>
-            </a:r>
-            <a:r>
-              <a:rPr lang="en-US" dirty="0"/>
-              <a:t>tasks of equal size, 500 processors:</a:t>
-            </a:r>
-          </a:p>
-          <a:p>
-            <a:pPr marL="973138" lvl="2" indent="-176213"/>
-            <a:r>
-              <a:rPr lang="en-US" dirty="0" smtClean="0"/>
-              <a:t>A</a:t>
-            </a:r>
-            <a:r>
-              <a:rPr lang="en-US" dirty="0"/>
-              <a:t>: All processors get 99, except last 5 gets 100 + 99 = 199 </a:t>
-            </a:r>
-            <a:endParaRPr lang="en-US" dirty="0" smtClean="0"/>
-          </a:p>
-          <a:p>
-            <a:pPr marL="973138" lvl="2" indent="-176213"/>
-            <a:r>
-              <a:rPr lang="en-US" dirty="0" smtClean="0"/>
-              <a:t>OR</a:t>
-            </a:r>
-            <a:r>
-              <a:rPr lang="en-US" dirty="0"/>
-              <a:t>, B: All processors have 101, except last 5 get 1</a:t>
-            </a:r>
-          </a:p>
-          <a:p>
-            <a:pPr marL="512763" indent="0">
-              <a:buNone/>
-            </a:pPr>
-            <a:r>
-              <a:rPr lang="en-US" dirty="0"/>
-              <a:t>Identical variance, but situation A is much worse!</a:t>
-            </a:r>
-          </a:p>
-          <a:p>
-            <a:pPr marL="0" indent="0">
-              <a:buNone/>
-            </a:pPr>
-            <a:r>
-              <a:rPr lang="en-US" i="1" dirty="0"/>
-              <a:t>Golden Rule: It is ok if a few processors idle, but avoid having processors that are overloaded with work</a:t>
-            </a:r>
-          </a:p>
-          <a:p>
-            <a:pPr marL="0" indent="0">
-              <a:buNone/>
-            </a:pPr>
-            <a:r>
-              <a:rPr lang="en-US" i="1" dirty="0"/>
-              <a:t>Finish time = max</a:t>
-            </a:r>
-            <a:r>
-              <a:rPr lang="en-US" i="1" baseline="-25000" dirty="0"/>
-              <a:t>i</a:t>
-            </a:r>
-            <a:r>
-              <a:rPr lang="en-US" i="1" dirty="0"/>
-              <a:t>(</a:t>
-            </a:r>
-            <a:r>
-              <a:rPr lang="en-US" dirty="0"/>
-              <a:t>Time on processor </a:t>
-            </a:r>
-            <a:r>
-              <a:rPr lang="en-US" i="1" dirty="0" err="1"/>
-              <a:t>i</a:t>
-            </a:r>
-            <a:r>
-              <a:rPr lang="en-US" i="1" dirty="0" smtClean="0"/>
-              <a:t>) </a:t>
-            </a:r>
-          </a:p>
-          <a:p>
-            <a:pPr marL="458788" indent="0">
-              <a:buNone/>
-            </a:pPr>
-            <a:r>
-              <a:rPr lang="en-US" dirty="0" smtClean="0"/>
-              <a:t>excepting </a:t>
-            </a:r>
-            <a:r>
-              <a:rPr lang="en-US" dirty="0"/>
-              <a:t>data dependence and communication overhead issues </a:t>
-            </a:r>
-            <a:endParaRPr lang="en-US" dirty="0" smtClean="0"/>
-          </a:p>
-          <a:p>
-            <a:pPr marL="0" indent="0">
-              <a:buNone/>
-            </a:pPr>
-            <a:r>
-              <a:rPr lang="en-US" dirty="0" smtClean="0"/>
-              <a:t>The </a:t>
-            </a:r>
-            <a:r>
-              <a:rPr lang="en-US" dirty="0"/>
-              <a:t>speed of any group is the speed of slowest member of that group.</a:t>
+              <a:rPr lang="en-US" dirty="0" smtClean="0"/>
+              <a:t>Relatively </a:t>
+            </a:r>
+            <a:r>
+              <a:rPr lang="en-US" dirty="0"/>
+              <a:t>Uniform distribution</a:t>
+            </a:r>
+          </a:p>
+          <a:p>
+            <a:r>
+              <a:rPr lang="en-US" dirty="0"/>
+              <a:t>Structured grids, with dynamic refinements/</a:t>
+            </a:r>
+            <a:r>
+              <a:rPr lang="en-US" dirty="0" smtClean="0"/>
+              <a:t>coarsening</a:t>
+            </a:r>
+          </a:p>
+          <a:p>
+            <a:r>
+              <a:rPr lang="en-US" dirty="0" smtClean="0"/>
+              <a:t>Unstructured </a:t>
+            </a:r>
+            <a:r>
+              <a:rPr lang="en-US" dirty="0"/>
+              <a:t>grids with dynamic refinements/coarsening</a:t>
             </a:r>
           </a:p>
         </p:txBody>
@@ -5672,7 +7188,7 @@
           <a:p>
             <a:fld id="{34621E95-60A9-FF44-9869-513D9D7A859F}" type="datetime2">
               <a:rPr lang="en-US" smtClean="0"/>
-              <a:t>Tuesday, September 9, 14</a:t>
+              <a:t>Wednesday, September 10, 14</a:t>
             </a:fld>
             <a:endParaRPr lang="en-US"/>
           </a:p>
@@ -5729,7 +7245,7 @@
     </p:spTree>
     <p:extLst>
       <p:ext uri="{BB962C8B-B14F-4D97-AF65-F5344CB8AC3E}">
-        <p14:creationId xmlns:p14="http://schemas.microsoft.com/office/powerpoint/2010/main" val="1223020601"/>
+        <p14:creationId xmlns:p14="http://schemas.microsoft.com/office/powerpoint/2010/main" val="1156008709"/>
       </p:ext>
     </p:extLst>
   </p:cSld>
@@ -5769,13 +7285,13 @@
         <p:spPr/>
         <p:txBody>
           <a:bodyPr>
-            <a:normAutofit fontScale="90000"/>
+            <a:normAutofit/>
           </a:bodyPr>
           <a:lstStyle/>
           <a:p>
             <a:r>
               <a:rPr lang="en-US" dirty="0"/>
-              <a:t>Dynamic Load Balancing Scenarios</a:t>
+              <a:t>Load Balancing Strategies</a:t>
             </a:r>
           </a:p>
         </p:txBody>
@@ -5792,94 +7308,137 @@
         </p:nvSpPr>
         <p:spPr/>
         <p:txBody>
-          <a:bodyPr/>
-          <a:lstStyle/>
-          <a:p>
-            <a:r>
-              <a:rPr lang="en-US" dirty="0"/>
-              <a:t>Examples representing typical classes of situations</a:t>
+          <a:bodyPr>
+            <a:normAutofit/>
+          </a:bodyPr>
+          <a:lstStyle/>
+          <a:p>
+            <a:r>
+              <a:rPr lang="en-US" dirty="0"/>
+              <a:t>Classified by when it is done:</a:t>
             </a:r>
           </a:p>
           <a:p>
             <a:pPr lvl="1"/>
             <a:r>
               <a:rPr lang="en-US" dirty="0" smtClean="0"/>
-              <a:t>Particles </a:t>
-            </a:r>
-            <a:r>
-              <a:rPr lang="en-US" dirty="0"/>
-              <a:t>distributed over simulation space </a:t>
+              <a:t>Initially</a:t>
+            </a:r>
+            <a:endParaRPr lang="en-US" dirty="0"/>
+          </a:p>
+          <a:p>
+            <a:pPr lvl="1"/>
+            <a:r>
+              <a:rPr lang="en-US" dirty="0" smtClean="0"/>
+              <a:t>Dynamic</a:t>
+            </a:r>
+            <a:r>
+              <a:rPr lang="en-US" dirty="0"/>
+              <a:t>: Periodically </a:t>
             </a:r>
             <a:endParaRPr lang="en-US" dirty="0" smtClean="0"/>
           </a:p>
           <a:p>
+            <a:pPr lvl="1"/>
+            <a:r>
+              <a:rPr lang="en-US" dirty="0" smtClean="0"/>
+              <a:t>Dynamic</a:t>
+            </a:r>
+            <a:r>
+              <a:rPr lang="en-US" dirty="0"/>
+              <a:t>: Continuously</a:t>
+            </a:r>
+          </a:p>
+          <a:p>
+            <a:r>
+              <a:rPr lang="en-US" dirty="0"/>
+              <a:t>Classified by whether decisions are taken with global information</a:t>
+            </a:r>
+          </a:p>
+          <a:p>
+            <a:pPr lvl="1"/>
+            <a:r>
+              <a:rPr lang="en-US" dirty="0" smtClean="0"/>
+              <a:t>Fully </a:t>
+            </a:r>
+            <a:r>
+              <a:rPr lang="en-US" dirty="0"/>
+              <a:t>centralized</a:t>
+            </a:r>
+          </a:p>
+          <a:p>
             <a:pPr lvl="2"/>
             <a:r>
               <a:rPr lang="en-US" dirty="0" smtClean="0"/>
-              <a:t>Dynamic</a:t>
-            </a:r>
-            <a:r>
-              <a:rPr lang="en-US" dirty="0"/>
-              <a:t>: because Particles </a:t>
-            </a:r>
-            <a:r>
-              <a:rPr lang="en-US" dirty="0" smtClean="0"/>
-              <a:t>move</a:t>
-            </a:r>
-            <a:endParaRPr lang="en-US" dirty="0"/>
+              <a:t>Quite </a:t>
+            </a:r>
+            <a:r>
+              <a:rPr lang="en-US" dirty="0"/>
+              <a:t>good a choice when load balancing period is high</a:t>
+            </a:r>
+          </a:p>
+          <a:p>
+            <a:pPr lvl="1"/>
+            <a:r>
+              <a:rPr lang="en-US" dirty="0" smtClean="0"/>
+              <a:t>Fully </a:t>
+            </a:r>
+            <a:r>
+              <a:rPr lang="en-US" dirty="0"/>
+              <a:t>distributed</a:t>
+            </a:r>
           </a:p>
           <a:p>
             <a:pPr lvl="2"/>
             <a:r>
               <a:rPr lang="en-US" dirty="0" smtClean="0"/>
-              <a:t>Cases</a:t>
-            </a:r>
-            <a:r>
-              <a:rPr lang="en-US" dirty="0"/>
-              <a:t>:</a:t>
-            </a:r>
-          </a:p>
-          <a:p>
-            <a:pPr marL="966788" lvl="2" indent="0">
-              <a:buNone/>
-            </a:pPr>
-            <a:r>
-              <a:rPr lang="en-US" dirty="0"/>
-              <a:t>Highly non-uniform distribution (cosmology) </a:t>
-            </a:r>
-            <a:endParaRPr lang="en-US" dirty="0" smtClean="0"/>
-          </a:p>
-          <a:p>
-            <a:pPr marL="966788" lvl="2" indent="0">
-              <a:buNone/>
-            </a:pPr>
-            <a:r>
-              <a:rPr lang="en-US" dirty="0" smtClean="0"/>
-              <a:t>Relatively </a:t>
-            </a:r>
-            <a:r>
-              <a:rPr lang="en-US" dirty="0"/>
-              <a:t>Uniform distribution</a:t>
-            </a:r>
-          </a:p>
-          <a:p>
-            <a:r>
-              <a:rPr lang="en-US" dirty="0"/>
-              <a:t>Structured grids, with dynamic refinements/</a:t>
-            </a:r>
-            <a:r>
-              <a:rPr lang="en-US" dirty="0" smtClean="0"/>
-              <a:t>coarsening</a:t>
-            </a:r>
-          </a:p>
-          <a:p>
-            <a:r>
-              <a:rPr lang="en-US" dirty="0" smtClean="0"/>
-              <a:t>Unstructured </a:t>
-            </a:r>
-            <a:r>
-              <a:rPr lang="en-US" dirty="0"/>
-              <a:t>grids with dynamic refinements/coarsening</a:t>
+              <a:t>Each </a:t>
+            </a:r>
+            <a:r>
+              <a:rPr lang="en-US" dirty="0"/>
+              <a:t>processor knows only about a constant number of neighbors</a:t>
+            </a:r>
+          </a:p>
+          <a:p>
+            <a:pPr lvl="2"/>
+            <a:r>
+              <a:rPr lang="en-US" dirty="0" smtClean="0"/>
+              <a:t>Extreme </a:t>
+            </a:r>
+            <a:r>
+              <a:rPr lang="en-US" dirty="0"/>
+              <a:t>case: totally local decision (send work to a random </a:t>
+            </a:r>
+            <a:r>
+              <a:rPr lang="en-US" dirty="0" smtClean="0"/>
+              <a:t>destination processor</a:t>
+            </a:r>
+            <a:r>
+              <a:rPr lang="en-US" dirty="0"/>
+              <a:t>, with some probability).</a:t>
+            </a:r>
+          </a:p>
+          <a:p>
+            <a:pPr lvl="1"/>
+            <a:r>
+              <a:rPr lang="en-US" dirty="0" smtClean="0"/>
+              <a:t>Use </a:t>
+            </a:r>
+            <a:r>
+              <a:rPr lang="en-US" i="1" dirty="0"/>
+              <a:t>aggregated</a:t>
+            </a:r>
+            <a:r>
+              <a:rPr lang="en-US" dirty="0"/>
+              <a:t> global information, and </a:t>
+            </a:r>
+            <a:r>
+              <a:rPr lang="en-US" i="1" dirty="0"/>
+              <a:t>detailed </a:t>
+            </a:r>
+            <a:r>
+              <a:rPr lang="en-US" dirty="0"/>
+              <a:t>neighborhood info.</a:t>
             </a:r>
           </a:p>
         </p:txBody>
@@ -5901,7 +7460,7 @@
           <a:p>
             <a:fld id="{34621E95-60A9-FF44-9869-513D9D7A859F}" type="datetime2">
               <a:rPr lang="en-US" smtClean="0"/>
-              <a:t>Tuesday, September 9, 14</a:t>
+              <a:t>Wednesday, September 10, 14</a:t>
             </a:fld>
             <a:endParaRPr lang="en-US"/>
           </a:p>
@@ -5958,7 +7517,7 @@
     </p:spTree>
     <p:extLst>
       <p:ext uri="{BB962C8B-B14F-4D97-AF65-F5344CB8AC3E}">
-        <p14:creationId xmlns:p14="http://schemas.microsoft.com/office/powerpoint/2010/main" val="1156008709"/>
+        <p14:creationId xmlns:p14="http://schemas.microsoft.com/office/powerpoint/2010/main" val="582181170"/>
       </p:ext>
     </p:extLst>
   </p:cSld>
@@ -5998,160 +7557,170 @@
         <p:spPr/>
         <p:txBody>
           <a:bodyPr>
-            <a:normAutofit fontScale="90000"/>
-          </a:bodyPr>
-          <a:lstStyle/>
-          <a:p>
-            <a:r>
-              <a:rPr lang="en-US" dirty="0"/>
-              <a:t>Load Balancing Strategies</a:t>
-            </a:r>
-          </a:p>
-        </p:txBody>
-      </p:sp>
-      <p:sp>
-        <p:nvSpPr>
-          <p:cNvPr id="3" name="Content Placeholder 2"/>
-          <p:cNvSpPr>
-            <a:spLocks noGrp="1"/>
-          </p:cNvSpPr>
-          <p:nvPr>
-            <p:ph idx="1"/>
-          </p:nvPr>
-        </p:nvSpPr>
-        <p:spPr/>
-        <p:txBody>
-          <a:bodyPr>
             <a:normAutofit/>
           </a:bodyPr>
           <a:lstStyle/>
           <a:p>
             <a:r>
               <a:rPr lang="en-US" dirty="0"/>
-              <a:t>Classified by when it is done:</a:t>
+              <a:t>Example Case: Particles</a:t>
+            </a:r>
+          </a:p>
+        </p:txBody>
+      </p:sp>
+      <p:sp>
+        <p:nvSpPr>
+          <p:cNvPr id="3" name="Content Placeholder 2"/>
+          <p:cNvSpPr>
+            <a:spLocks noGrp="1"/>
+          </p:cNvSpPr>
+          <p:nvPr>
+            <p:ph idx="1"/>
+          </p:nvPr>
+        </p:nvSpPr>
+        <p:spPr/>
+        <p:txBody>
+          <a:bodyPr>
+            <a:normAutofit lnSpcReduction="10000"/>
+          </a:bodyPr>
+          <a:lstStyle/>
+          <a:p>
+            <a:pPr marL="0" indent="0">
+              <a:buNone/>
+            </a:pPr>
+            <a:r>
+              <a:rPr lang="en-US" sz="2800" dirty="0"/>
+              <a:t>Orthogonal Recursive Bisection (ORB)</a:t>
+            </a:r>
+          </a:p>
+          <a:p>
+            <a:r>
+              <a:rPr lang="en-US" dirty="0"/>
+              <a:t>At each stage: divide Particles equally </a:t>
+            </a:r>
+            <a:endParaRPr lang="en-US" dirty="0" smtClean="0"/>
+          </a:p>
+          <a:p>
+            <a:r>
+              <a:rPr lang="en-US" dirty="0" smtClean="0"/>
+              <a:t>Processors don’t </a:t>
+            </a:r>
+            <a:r>
+              <a:rPr lang="en-US" dirty="0"/>
+              <a:t>need to be a power of 2:</a:t>
             </a:r>
           </a:p>
           <a:p>
             <a:pPr lvl="1"/>
             <a:r>
               <a:rPr lang="en-US" dirty="0" smtClean="0"/>
-              <a:t>Initially</a:t>
+              <a:t>Divide </a:t>
+            </a:r>
+            <a:r>
+              <a:rPr lang="en-US" dirty="0"/>
+              <a:t>in proportion</a:t>
+            </a:r>
+          </a:p>
+          <a:p>
+            <a:pPr lvl="2"/>
+            <a:r>
+              <a:rPr lang="en-US" dirty="0" smtClean="0"/>
+              <a:t>2</a:t>
+            </a:r>
+            <a:r>
+              <a:rPr lang="en-US" dirty="0"/>
+              <a:t>:3 with 5 processors</a:t>
+            </a:r>
+          </a:p>
+          <a:p>
+            <a:r>
+              <a:rPr lang="en-US" dirty="0"/>
+              <a:t>How to choose the dimension along which to cut?</a:t>
+            </a:r>
+          </a:p>
+          <a:p>
+            <a:pPr lvl="1"/>
+            <a:r>
+              <a:rPr lang="en-US" dirty="0" smtClean="0"/>
+              <a:t>Choose </a:t>
+            </a:r>
+            <a:r>
+              <a:rPr lang="en-US" dirty="0"/>
+              <a:t>the longest one </a:t>
+            </a:r>
+            <a:endParaRPr lang="en-US" dirty="0" smtClean="0"/>
+          </a:p>
+          <a:p>
+            <a:r>
+              <a:rPr lang="en-US" dirty="0" smtClean="0"/>
+              <a:t>How </a:t>
+            </a:r>
+            <a:r>
+              <a:rPr lang="en-US" dirty="0"/>
+              <a:t>to draw the line?</a:t>
+            </a:r>
+          </a:p>
+          <a:p>
+            <a:pPr lvl="1"/>
+            <a:r>
+              <a:rPr lang="en-US" dirty="0" smtClean="0"/>
+              <a:t>All </a:t>
+            </a:r>
+            <a:r>
+              <a:rPr lang="en-US" dirty="0"/>
+              <a:t>data on one processor? Sort along each dimension</a:t>
+            </a:r>
+          </a:p>
+          <a:p>
+            <a:pPr lvl="1"/>
+            <a:r>
+              <a:rPr lang="en-US" dirty="0" smtClean="0"/>
+              <a:t>Otherwise</a:t>
+            </a:r>
+            <a:r>
+              <a:rPr lang="en-US" dirty="0"/>
+              <a:t>: run a distributed </a:t>
+            </a:r>
+            <a:r>
+              <a:rPr lang="en-US" dirty="0" err="1"/>
+              <a:t>histogramming</a:t>
+            </a:r>
+            <a:r>
+              <a:rPr lang="en-US" dirty="0"/>
+              <a:t> algorithm to find the line</a:t>
+            </a:r>
+            <a:r>
+              <a:rPr lang="en-US" dirty="0" smtClean="0"/>
+              <a:t>, recursively</a:t>
             </a:r>
             <a:endParaRPr lang="en-US" dirty="0"/>
           </a:p>
           <a:p>
+            <a:r>
+              <a:rPr lang="en-US" dirty="0"/>
+              <a:t>Find the entire tree, and then do all data movement at once</a:t>
+            </a:r>
+          </a:p>
+          <a:p>
             <a:pPr lvl="1"/>
             <a:r>
               <a:rPr lang="en-US" dirty="0" smtClean="0"/>
-              <a:t>Dynamic</a:t>
-            </a:r>
-            <a:r>
-              <a:rPr lang="en-US" dirty="0"/>
-              <a:t>: Periodically </a:t>
-            </a:r>
-            <a:endParaRPr lang="en-US" dirty="0" smtClean="0"/>
+              <a:t>Or </a:t>
+            </a:r>
+            <a:r>
+              <a:rPr lang="en-US" dirty="0"/>
+              <a:t>do it in two-three steps.</a:t>
+            </a:r>
           </a:p>
           <a:p>
             <a:pPr lvl="1"/>
             <a:r>
               <a:rPr lang="en-US" dirty="0" smtClean="0"/>
-              <a:t>Dynamic</a:t>
-            </a:r>
-            <a:r>
-              <a:rPr lang="en-US" dirty="0"/>
-              <a:t>: Continuously</a:t>
-            </a:r>
-          </a:p>
-          <a:p>
-            <a:r>
-              <a:rPr lang="en-US" dirty="0"/>
-              <a:t>Classified by whether decisions are taken with global information</a:t>
-            </a:r>
-          </a:p>
-          <a:p>
-            <a:pPr lvl="1"/>
-            <a:r>
-              <a:rPr lang="en-US" dirty="0" smtClean="0"/>
-              <a:t>Fully </a:t>
-            </a:r>
-            <a:r>
-              <a:rPr lang="en-US" dirty="0"/>
-              <a:t>centralized</a:t>
-            </a:r>
-          </a:p>
-          <a:p>
-            <a:pPr lvl="2"/>
-            <a:r>
-              <a:rPr lang="en-US" dirty="0" smtClean="0"/>
-              <a:t>Quite </a:t>
-            </a:r>
-            <a:r>
-              <a:rPr lang="en-US" dirty="0"/>
-              <a:t>good a choice when load balancing period is high</a:t>
-            </a:r>
-          </a:p>
-          <a:p>
-            <a:pPr lvl="1"/>
-            <a:r>
-              <a:rPr lang="en-US" dirty="0" smtClean="0"/>
-              <a:t>Fully </a:t>
-            </a:r>
-            <a:r>
-              <a:rPr lang="en-US" dirty="0"/>
-              <a:t>distributed</a:t>
-            </a:r>
-          </a:p>
-          <a:p>
-            <a:pPr lvl="2"/>
-            <a:r>
-              <a:rPr lang="en-US" dirty="0" smtClean="0"/>
-              <a:t>Each </a:t>
-            </a:r>
-            <a:r>
-              <a:rPr lang="en-US" dirty="0"/>
-              <a:t>processor knows only about a constant number of neighbors</a:t>
-            </a:r>
-          </a:p>
-          <a:p>
-            <a:pPr lvl="2"/>
-            <a:r>
-              <a:rPr lang="en-US" dirty="0" smtClean="0"/>
-              <a:t>Extreme </a:t>
-            </a:r>
-            <a:r>
-              <a:rPr lang="en-US" dirty="0"/>
-              <a:t>case: totally local decision (send work to a random </a:t>
-            </a:r>
-            <a:r>
-              <a:rPr lang="en-US" dirty="0" smtClean="0"/>
-              <a:t>destination processor</a:t>
-            </a:r>
-            <a:r>
-              <a:rPr lang="en-US" dirty="0"/>
-              <a:t>, with some probability).</a:t>
-            </a:r>
-          </a:p>
-          <a:p>
-            <a:pPr lvl="1"/>
-            <a:r>
-              <a:rPr lang="en-US" dirty="0" smtClean="0"/>
-              <a:t>Use </a:t>
-            </a:r>
-            <a:r>
-              <a:rPr lang="en-US" i="1" dirty="0"/>
-              <a:t>aggregated</a:t>
-            </a:r>
-            <a:r>
-              <a:rPr lang="en-US" dirty="0"/>
-              <a:t> global information, and </a:t>
-            </a:r>
-            <a:r>
-              <a:rPr lang="en-US" i="1" dirty="0"/>
-              <a:t>detailed </a:t>
-            </a:r>
-            <a:r>
-              <a:rPr lang="en-US" dirty="0"/>
-              <a:t>neighborhood info.</a:t>
+              <a:t>But </a:t>
+            </a:r>
+            <a:r>
+              <a:rPr lang="en-US" dirty="0"/>
+              <a:t>no reason to redistribute particles after drawing each line.</a:t>
             </a:r>
           </a:p>
         </p:txBody>
@@ -6173,7 +7742,7 @@
           <a:p>
             <a:fld id="{34621E95-60A9-FF44-9869-513D9D7A859F}" type="datetime2">
               <a:rPr lang="en-US" smtClean="0"/>
-              <a:t>Tuesday, September 9, 14</a:t>
+              <a:t>Wednesday, September 10, 14</a:t>
             </a:fld>
             <a:endParaRPr lang="en-US"/>
           </a:p>
@@ -6230,7 +7799,7 @@
     </p:spTree>
     <p:extLst>
       <p:ext uri="{BB962C8B-B14F-4D97-AF65-F5344CB8AC3E}">
-        <p14:creationId xmlns:p14="http://schemas.microsoft.com/office/powerpoint/2010/main" val="582181170"/>
+        <p14:creationId xmlns:p14="http://schemas.microsoft.com/office/powerpoint/2010/main" val="4013626292"/>
       </p:ext>
     </p:extLst>
   </p:cSld>
@@ -6270,13 +7839,13 @@
         <p:spPr/>
         <p:txBody>
           <a:bodyPr>
-            <a:normAutofit fontScale="90000"/>
+            <a:normAutofit/>
           </a:bodyPr>
           <a:lstStyle/>
           <a:p>
             <a:r>
               <a:rPr lang="en-US" dirty="0"/>
-              <a:t>Example Case: Particles</a:t>
+              <a:t>Periodic Load Balancing</a:t>
             </a:r>
           </a:p>
         </p:txBody>
@@ -6293,9 +7862,7 @@
         </p:nvSpPr>
         <p:spPr/>
         <p:txBody>
-          <a:bodyPr>
-            <a:normAutofit lnSpcReduction="10000"/>
-          </a:bodyPr>
+          <a:bodyPr/>
           <a:lstStyle/>
           <a:p>
             <a:pPr marL="0" indent="0">
@@ -6303,137 +7870,100 @@
             </a:pPr>
             <a:r>
               <a:rPr lang="en-US" sz="2800" dirty="0"/>
-              <a:t>Orthogonal Recursive Bisection (ORB)</a:t>
-            </a:r>
-          </a:p>
-          <a:p>
-            <a:r>
-              <a:rPr lang="en-US" dirty="0"/>
-              <a:t>At each stage: divide Particles equally </a:t>
+              <a:t>Centralized strategies:</a:t>
+            </a:r>
+          </a:p>
+          <a:p>
+            <a:r>
+              <a:rPr lang="en-US" dirty="0"/>
+              <a:t>Charm RTS collects data (on one processor) about:</a:t>
+            </a:r>
+          </a:p>
+          <a:p>
+            <a:pPr lvl="1"/>
+            <a:r>
+              <a:rPr lang="en-US" dirty="0" smtClean="0"/>
+              <a:t>Computational </a:t>
+            </a:r>
+            <a:r>
+              <a:rPr lang="en-US" dirty="0"/>
+              <a:t>Load and Communication for each pair </a:t>
             </a:r>
             <a:endParaRPr lang="en-US" dirty="0" smtClean="0"/>
           </a:p>
           <a:p>
             <a:r>
               <a:rPr lang="en-US" dirty="0" smtClean="0"/>
-              <a:t>Processors don’t </a:t>
-            </a:r>
-            <a:r>
-              <a:rPr lang="en-US" dirty="0"/>
-              <a:t>need to be a power of 2:</a:t>
+              <a:t>Partition </a:t>
+            </a:r>
+            <a:r>
+              <a:rPr lang="en-US" dirty="0"/>
+              <a:t>the graph of objects across processors</a:t>
             </a:r>
           </a:p>
           <a:p>
             <a:pPr lvl="1"/>
             <a:r>
               <a:rPr lang="en-US" dirty="0" smtClean="0"/>
-              <a:t>Divide </a:t>
-            </a:r>
-            <a:r>
-              <a:rPr lang="en-US" dirty="0"/>
-              <a:t>in proportion</a:t>
+              <a:t>Take </a:t>
+            </a:r>
+            <a:r>
+              <a:rPr lang="en-US" dirty="0"/>
+              <a:t>communication into account</a:t>
             </a:r>
           </a:p>
           <a:p>
             <a:pPr lvl="2"/>
             <a:r>
-              <a:rPr lang="en-US" dirty="0" smtClean="0"/>
-              <a:t>2</a:t>
-            </a:r>
-            <a:r>
-              <a:rPr lang="en-US" dirty="0"/>
-              <a:t>:3 with 5 processors</a:t>
-            </a:r>
-          </a:p>
-          <a:p>
-            <a:r>
-              <a:rPr lang="en-US" dirty="0"/>
-              <a:t>How to choose the dimension along which to cut?</a:t>
-            </a:r>
+              <a:rPr lang="en-US" dirty="0" err="1" smtClean="0"/>
+              <a:t>Pt</a:t>
+            </a:r>
+            <a:r>
+              <a:rPr lang="en-US" dirty="0"/>
+              <a:t>-to-</a:t>
+            </a:r>
+            <a:r>
+              <a:rPr lang="en-US" dirty="0" err="1"/>
+              <a:t>pt</a:t>
+            </a:r>
+            <a:r>
+              <a:rPr lang="en-US" dirty="0"/>
+              <a:t>, as well as multicast over a subset</a:t>
+            </a:r>
+          </a:p>
+          <a:p>
+            <a:pPr lvl="2"/>
+            <a:r>
+              <a:rPr lang="en-US" dirty="0" smtClean="0"/>
+              <a:t>As </a:t>
+            </a:r>
+            <a:r>
+              <a:rPr lang="en-US" dirty="0"/>
+              <a:t>you map an object, add to the load on both sending and </a:t>
+            </a:r>
+            <a:r>
+              <a:rPr lang="en-US" dirty="0" smtClean="0"/>
+              <a:t>receiving processor</a:t>
+            </a:r>
+            <a:endParaRPr lang="en-US" dirty="0"/>
           </a:p>
           <a:p>
             <a:pPr lvl="1"/>
             <a:r>
               <a:rPr lang="en-US" dirty="0" smtClean="0"/>
-              <a:t>Choose </a:t>
-            </a:r>
-            <a:r>
-              <a:rPr lang="en-US" dirty="0"/>
-              <a:t>the longest one </a:t>
-            </a:r>
-            <a:endParaRPr lang="en-US" dirty="0" smtClean="0"/>
-          </a:p>
-          <a:p>
-            <a:r>
-              <a:rPr lang="en-US" dirty="0" smtClean="0"/>
-              <a:t>How </a:t>
-            </a:r>
-            <a:r>
-              <a:rPr lang="en-US" dirty="0"/>
-              <a:t>to draw the line?</a:t>
-            </a:r>
-          </a:p>
-          <a:p>
-            <a:pPr lvl="1"/>
-            <a:r>
-              <a:rPr lang="en-US" dirty="0" smtClean="0"/>
-              <a:t>All </a:t>
-            </a:r>
-            <a:r>
-              <a:rPr lang="en-US" dirty="0"/>
-              <a:t>data on one processor? Sort along each dimension</a:t>
-            </a:r>
-          </a:p>
-          <a:p>
-            <a:pPr lvl="1"/>
-            <a:r>
-              <a:rPr lang="en-US" dirty="0" smtClean="0"/>
-              <a:t>Otherwise</a:t>
-            </a:r>
-            <a:r>
-              <a:rPr lang="en-US" dirty="0"/>
-              <a:t>: run a distributed </a:t>
-            </a:r>
-            <a:r>
-              <a:rPr lang="en-US" dirty="0" err="1"/>
-              <a:t>histogramming</a:t>
-            </a:r>
-            <a:r>
-              <a:rPr lang="en-US" dirty="0"/>
-              <a:t> algorithm to find the line</a:t>
-            </a:r>
-            <a:r>
-              <a:rPr lang="en-US" dirty="0" smtClean="0"/>
-              <a:t>, recursively</a:t>
-            </a:r>
-            <a:endParaRPr lang="en-US" dirty="0"/>
-          </a:p>
-          <a:p>
-            <a:r>
-              <a:rPr lang="en-US" dirty="0"/>
-              <a:t>Find the entire tree, and then do all data movement at once</a:t>
-            </a:r>
-          </a:p>
-          <a:p>
-            <a:pPr lvl="1"/>
-            <a:r>
-              <a:rPr lang="en-US" dirty="0" smtClean="0"/>
-              <a:t>Or </a:t>
-            </a:r>
-            <a:r>
-              <a:rPr lang="en-US" dirty="0"/>
-              <a:t>do it in two-three steps.</a:t>
-            </a:r>
-          </a:p>
-          <a:p>
-            <a:pPr lvl="1"/>
-            <a:r>
-              <a:rPr lang="en-US" dirty="0" smtClean="0"/>
-              <a:t>But </a:t>
-            </a:r>
-            <a:r>
-              <a:rPr lang="en-US" dirty="0"/>
-              <a:t>no reason to redistribute particles after drawing each line.</a:t>
+              <a:t>Multicasts </a:t>
+            </a:r>
+            <a:r>
+              <a:rPr lang="en-US" dirty="0"/>
+              <a:t>to multiple co-located objects are </a:t>
+            </a:r>
+            <a:r>
+              <a:rPr lang="en-US" dirty="0" smtClean="0"/>
+              <a:t>effectively </a:t>
+            </a:r>
+            <a:r>
+              <a:rPr lang="en-US" dirty="0"/>
+              <a:t>the cost of a single send</a:t>
             </a:r>
           </a:p>
         </p:txBody>
@@ -6455,7 +7985,7 @@
           <a:p>
             <a:fld id="{34621E95-60A9-FF44-9869-513D9D7A859F}" type="datetime2">
               <a:rPr lang="en-US" smtClean="0"/>
-              <a:t>Tuesday, September 9, 14</a:t>
+              <a:t>Wednesday, September 10, 14</a:t>
             </a:fld>
             <a:endParaRPr lang="en-US"/>
           </a:p>
@@ -6512,7 +8042,7 @@
     </p:spTree>
     <p:extLst>
       <p:ext uri="{BB962C8B-B14F-4D97-AF65-F5344CB8AC3E}">
-        <p14:creationId xmlns:p14="http://schemas.microsoft.com/office/powerpoint/2010/main" val="4013626292"/>
+        <p14:creationId xmlns:p14="http://schemas.microsoft.com/office/powerpoint/2010/main" val="1633512750"/>
       </p:ext>
     </p:extLst>
   </p:cSld>
@@ -6552,13 +8082,13 @@
         <p:spPr/>
         <p:txBody>
           <a:bodyPr>
-            <a:normAutofit fontScale="90000"/>
+            <a:normAutofit/>
           </a:bodyPr>
           <a:lstStyle/>
           <a:p>
             <a:r>
               <a:rPr lang="en-US" dirty="0"/>
-              <a:t>Periodic Load Balancing</a:t>
+              <a:t>Object Partitioning Strategies</a:t>
             </a:r>
           </a:p>
         </p:txBody>
@@ -6575,108 +8105,160 @@
         </p:nvSpPr>
         <p:spPr/>
         <p:txBody>
-          <a:bodyPr/>
-          <a:lstStyle/>
-          <a:p>
-            <a:pPr marL="0" indent="0">
-              <a:buNone/>
-            </a:pPr>
-            <a:r>
-              <a:rPr lang="en-US" sz="2800" dirty="0"/>
-              <a:t>Centralized strategies:</a:t>
-            </a:r>
-          </a:p>
-          <a:p>
-            <a:r>
-              <a:rPr lang="en-US" dirty="0"/>
-              <a:t>Charm RTS collects data (on one processor) about:</a:t>
+          <a:bodyPr>
+            <a:normAutofit/>
+          </a:bodyPr>
+          <a:lstStyle/>
+          <a:p>
+            <a:r>
+              <a:rPr lang="en-US" dirty="0"/>
+              <a:t>You can use graph </a:t>
+            </a:r>
+            <a:r>
+              <a:rPr lang="en-US" dirty="0" err="1"/>
+              <a:t>partitioners</a:t>
+            </a:r>
+            <a:r>
+              <a:rPr lang="en-US" dirty="0"/>
+              <a:t> like METIS, K-R</a:t>
             </a:r>
           </a:p>
           <a:p>
             <a:pPr lvl="1"/>
             <a:r>
               <a:rPr lang="en-US" dirty="0" smtClean="0"/>
-              <a:t>Computational </a:t>
-            </a:r>
-            <a:r>
-              <a:rPr lang="en-US" dirty="0"/>
-              <a:t>Load and Communication for each pair </a:t>
+              <a:t>BUT</a:t>
+            </a:r>
+            <a:r>
+              <a:rPr lang="en-US" dirty="0"/>
+              <a:t>: graphs are smaller, and optimization criteria are </a:t>
+            </a:r>
+            <a:r>
+              <a:rPr lang="en-US" dirty="0" smtClean="0"/>
+              <a:t>different </a:t>
+            </a:r>
+          </a:p>
+          <a:p>
+            <a:r>
+              <a:rPr lang="en-US" dirty="0" smtClean="0"/>
+              <a:t>Greedy </a:t>
+            </a:r>
+            <a:r>
+              <a:rPr lang="en-US" dirty="0"/>
+              <a:t>strategies:</a:t>
+            </a:r>
+          </a:p>
+          <a:p>
+            <a:pPr lvl="1"/>
+            <a:r>
+              <a:rPr lang="en-US" dirty="0" smtClean="0"/>
+              <a:t>If </a:t>
+            </a:r>
+            <a:r>
+              <a:rPr lang="en-US" dirty="0"/>
+              <a:t>communication costs are low: use a simple greedy strategy</a:t>
+            </a:r>
+          </a:p>
+          <a:p>
+            <a:pPr lvl="2"/>
+            <a:r>
+              <a:rPr lang="en-US" dirty="0" smtClean="0"/>
+              <a:t>Sort </a:t>
+            </a:r>
+            <a:r>
+              <a:rPr lang="en-US" dirty="0"/>
+              <a:t>objects by decreasing load</a:t>
+            </a:r>
+          </a:p>
+          <a:p>
+            <a:pPr lvl="2"/>
+            <a:r>
+              <a:rPr lang="en-US" dirty="0" smtClean="0"/>
+              <a:t>Maintain </a:t>
+            </a:r>
+            <a:r>
+              <a:rPr lang="en-US" dirty="0"/>
+              <a:t>processors in a heap (by assigned load)</a:t>
+            </a:r>
+          </a:p>
+          <a:p>
+            <a:pPr lvl="2"/>
+            <a:r>
+              <a:rPr lang="en-US" dirty="0" smtClean="0"/>
+              <a:t>In </a:t>
+            </a:r>
+            <a:r>
+              <a:rPr lang="en-US" dirty="0"/>
+              <a:t>each </a:t>
+            </a:r>
+            <a:r>
+              <a:rPr lang="en-US" dirty="0" smtClean="0"/>
+              <a:t>step: assign </a:t>
+            </a:r>
+            <a:r>
+              <a:rPr lang="en-US" dirty="0"/>
+              <a:t>the heaviest remaining object to the least loaded processor</a:t>
+            </a:r>
+          </a:p>
+          <a:p>
+            <a:pPr lvl="1"/>
+            <a:r>
+              <a:rPr lang="en-US" dirty="0" smtClean="0"/>
+              <a:t>With </a:t>
+            </a:r>
+            <a:r>
+              <a:rPr lang="en-US" dirty="0"/>
+              <a:t>small-to-moderate communication cost:</a:t>
+            </a:r>
+          </a:p>
+          <a:p>
+            <a:pPr lvl="2"/>
+            <a:r>
+              <a:rPr lang="en-US" dirty="0" smtClean="0"/>
+              <a:t>Same </a:t>
+            </a:r>
+            <a:r>
+              <a:rPr lang="en-US" dirty="0"/>
+              <a:t>strategy, but add communication costs as you add an object to </a:t>
+            </a:r>
+            <a:r>
+              <a:rPr lang="en-US" dirty="0" smtClean="0"/>
+              <a:t>a processor</a:t>
+            </a:r>
+            <a:endParaRPr lang="en-US" dirty="0"/>
+          </a:p>
+          <a:p>
+            <a:pPr lvl="1"/>
+            <a:r>
+              <a:rPr lang="en-US" dirty="0" smtClean="0"/>
+              <a:t>Always </a:t>
+            </a:r>
+            <a:r>
+              <a:rPr lang="en-US" dirty="0"/>
+              <a:t>add a refinement step at the end:</a:t>
+            </a:r>
+          </a:p>
+          <a:p>
+            <a:pPr lvl="2"/>
+            <a:r>
+              <a:rPr lang="en-US" dirty="0" smtClean="0"/>
+              <a:t>Swap </a:t>
+            </a:r>
+            <a:r>
+              <a:rPr lang="en-US" dirty="0"/>
+              <a:t>work from heaviest loaded processor to “some other processor” </a:t>
             </a:r>
             <a:endParaRPr lang="en-US" dirty="0" smtClean="0"/>
           </a:p>
           <a:p>
-            <a:r>
-              <a:rPr lang="en-US" dirty="0" smtClean="0"/>
-              <a:t>Partition </a:t>
-            </a:r>
-            <a:r>
-              <a:rPr lang="en-US" dirty="0"/>
-              <a:t>the graph of objects across processors</a:t>
-            </a:r>
-          </a:p>
-          <a:p>
-            <a:pPr lvl="1"/>
-            <a:r>
-              <a:rPr lang="en-US" dirty="0" smtClean="0"/>
-              <a:t>Take </a:t>
-            </a:r>
-            <a:r>
-              <a:rPr lang="en-US" dirty="0"/>
-              <a:t>communication into account</a:t>
-            </a:r>
-          </a:p>
-          <a:p>
             <a:pPr lvl="2"/>
             <a:r>
-              <a:rPr lang="en-US" dirty="0" err="1" smtClean="0"/>
-              <a:t>Pt</a:t>
-            </a:r>
-            <a:r>
-              <a:rPr lang="en-US" dirty="0"/>
-              <a:t>-to-</a:t>
-            </a:r>
-            <a:r>
-              <a:rPr lang="en-US" dirty="0" err="1"/>
-              <a:t>pt</a:t>
-            </a:r>
-            <a:r>
-              <a:rPr lang="en-US" dirty="0"/>
-              <a:t>, as well as multicast over a subset</a:t>
-            </a:r>
-          </a:p>
-          <a:p>
-            <a:pPr lvl="2"/>
-            <a:r>
-              <a:rPr lang="en-US" dirty="0" smtClean="0"/>
-              <a:t>As </a:t>
-            </a:r>
-            <a:r>
-              <a:rPr lang="en-US" dirty="0"/>
-              <a:t>you map an object, add to the load on both sending and </a:t>
-            </a:r>
-            <a:r>
-              <a:rPr lang="en-US" dirty="0" smtClean="0"/>
-              <a:t>receiving processor</a:t>
-            </a:r>
-            <a:endParaRPr lang="en-US" dirty="0"/>
-          </a:p>
-          <a:p>
-            <a:pPr lvl="1"/>
-            <a:r>
-              <a:rPr lang="en-US" dirty="0" smtClean="0"/>
-              <a:t>Multicasts </a:t>
-            </a:r>
-            <a:r>
-              <a:rPr lang="en-US" dirty="0"/>
-              <a:t>to multiple co-located objects are </a:t>
-            </a:r>
-            <a:r>
-              <a:rPr lang="en-US" dirty="0" smtClean="0"/>
-              <a:t>effectively </a:t>
-            </a:r>
-            <a:r>
-              <a:rPr lang="en-US" dirty="0"/>
-              <a:t>the cost of a single send</a:t>
+              <a:rPr lang="en-US" dirty="0" smtClean="0"/>
+              <a:t>Repeat </a:t>
+            </a:r>
+            <a:r>
+              <a:rPr lang="en-US" dirty="0"/>
+              <a:t>a few times or until no improvement</a:t>
             </a:r>
           </a:p>
         </p:txBody>
@@ -6698,7 +8280,7 @@
           <a:p>
             <a:fld id="{34621E95-60A9-FF44-9869-513D9D7A859F}" type="datetime2">
               <a:rPr lang="en-US" smtClean="0"/>
-              <a:t>Tuesday, September 9, 14</a:t>
+              <a:t>Wednesday, September 10, 14</a:t>
             </a:fld>
             <a:endParaRPr lang="en-US"/>
           </a:p>
@@ -6755,7 +8337,7 @@
     </p:spTree>
     <p:extLst>
       <p:ext uri="{BB962C8B-B14F-4D97-AF65-F5344CB8AC3E}">
-        <p14:creationId xmlns:p14="http://schemas.microsoft.com/office/powerpoint/2010/main" val="1633512750"/>
+        <p14:creationId xmlns:p14="http://schemas.microsoft.com/office/powerpoint/2010/main" val="48398553"/>
       </p:ext>
     </p:extLst>
   </p:cSld>
@@ -6795,183 +8377,127 @@
         <p:spPr/>
         <p:txBody>
           <a:bodyPr>
-            <a:normAutofit fontScale="90000"/>
-          </a:bodyPr>
-          <a:lstStyle/>
-          <a:p>
-            <a:r>
-              <a:rPr lang="en-US" dirty="0"/>
-              <a:t>Object Partitioning Strategies</a:t>
-            </a:r>
-          </a:p>
-        </p:txBody>
-      </p:sp>
-      <p:sp>
-        <p:nvSpPr>
-          <p:cNvPr id="3" name="Content Placeholder 2"/>
-          <p:cNvSpPr>
-            <a:spLocks noGrp="1"/>
-          </p:cNvSpPr>
-          <p:nvPr>
-            <p:ph idx="1"/>
-          </p:nvPr>
-        </p:nvSpPr>
-        <p:spPr/>
-        <p:txBody>
-          <a:bodyPr>
             <a:normAutofit/>
           </a:bodyPr>
           <a:lstStyle/>
           <a:p>
             <a:r>
               <a:rPr lang="en-US" dirty="0"/>
-              <a:t>You can use graph </a:t>
-            </a:r>
-            <a:r>
-              <a:rPr lang="en-US" dirty="0" err="1"/>
-              <a:t>partitioners</a:t>
-            </a:r>
-            <a:r>
-              <a:rPr lang="en-US" dirty="0"/>
-              <a:t> like METIS, K-R</a:t>
+              <a:t>Object Partitioning Strategies 2</a:t>
+            </a:r>
+          </a:p>
+        </p:txBody>
+      </p:sp>
+      <p:sp>
+        <p:nvSpPr>
+          <p:cNvPr id="3" name="Content Placeholder 2"/>
+          <p:cNvSpPr>
+            <a:spLocks noGrp="1"/>
+          </p:cNvSpPr>
+          <p:nvPr>
+            <p:ph idx="1"/>
+          </p:nvPr>
+        </p:nvSpPr>
+        <p:spPr/>
+        <p:txBody>
+          <a:bodyPr/>
+          <a:lstStyle/>
+          <a:p>
+            <a:pPr marL="0" indent="0">
+              <a:buNone/>
+            </a:pPr>
+            <a:r>
+              <a:rPr lang="en-US" sz="2800" dirty="0"/>
+              <a:t>When communication cost is significant:</a:t>
+            </a:r>
+          </a:p>
+          <a:p>
+            <a:r>
+              <a:rPr lang="en-US" dirty="0"/>
+              <a:t>Still use greedy strategy, but:</a:t>
             </a:r>
           </a:p>
           <a:p>
             <a:pPr lvl="1"/>
             <a:r>
               <a:rPr lang="en-US" dirty="0" smtClean="0"/>
-              <a:t>BUT</a:t>
-            </a:r>
-            <a:r>
-              <a:rPr lang="en-US" dirty="0"/>
-              <a:t>: graphs are smaller, and optimization criteria are </a:t>
-            </a:r>
-            <a:r>
-              <a:rPr lang="en-US" dirty="0" smtClean="0"/>
-              <a:t>different </a:t>
-            </a:r>
-          </a:p>
-          <a:p>
-            <a:r>
-              <a:rPr lang="en-US" dirty="0" smtClean="0"/>
-              <a:t>Greedy </a:t>
-            </a:r>
-            <a:r>
-              <a:rPr lang="en-US" dirty="0"/>
-              <a:t>strategies:</a:t>
-            </a:r>
-          </a:p>
-          <a:p>
-            <a:pPr lvl="1"/>
-            <a:r>
-              <a:rPr lang="en-US" dirty="0" smtClean="0"/>
-              <a:t>If </a:t>
-            </a:r>
-            <a:r>
-              <a:rPr lang="en-US" dirty="0"/>
-              <a:t>communication costs are low: use a simple greedy strategy</a:t>
+              <a:t>At </a:t>
+            </a:r>
+            <a:r>
+              <a:rPr lang="en-US" dirty="0"/>
+              <a:t>each assignment step, choose between assigning O to least loaded processor and the processor that already has objects that communicate most with O.</a:t>
             </a:r>
           </a:p>
           <a:p>
             <a:pPr lvl="2"/>
             <a:r>
               <a:rPr lang="en-US" dirty="0" smtClean="0"/>
-              <a:t>Sort </a:t>
-            </a:r>
-            <a:r>
-              <a:rPr lang="en-US" dirty="0"/>
-              <a:t>objects by decreasing load</a:t>
-            </a:r>
+              <a:t>Based </a:t>
+            </a:r>
+            <a:r>
+              <a:rPr lang="en-US" dirty="0"/>
+              <a:t>on the degree of </a:t>
+            </a:r>
+            <a:r>
+              <a:rPr lang="en-US" dirty="0" smtClean="0"/>
+              <a:t>difference </a:t>
+            </a:r>
+            <a:r>
+              <a:rPr lang="en-US" dirty="0"/>
+              <a:t>in the two metrics </a:t>
+            </a:r>
+            <a:endParaRPr lang="en-US" dirty="0" smtClean="0"/>
           </a:p>
           <a:p>
             <a:pPr lvl="2"/>
             <a:r>
               <a:rPr lang="en-US" dirty="0" smtClean="0"/>
-              <a:t>Maintain </a:t>
-            </a:r>
-            <a:r>
-              <a:rPr lang="en-US" dirty="0"/>
-              <a:t>processors in a heap (by assigned load)</a:t>
-            </a:r>
-          </a:p>
-          <a:p>
-            <a:pPr lvl="2"/>
+              <a:t>Two</a:t>
+            </a:r>
+            <a:r>
+              <a:rPr lang="en-US" dirty="0"/>
+              <a:t>-stage assignments:</a:t>
+            </a:r>
+          </a:p>
+          <a:p>
+            <a:pPr marL="860425" lvl="2" indent="0">
+              <a:buNone/>
+            </a:pPr>
+            <a:r>
+              <a:rPr lang="en-US" dirty="0"/>
+              <a:t>In early stages, consider communication costs as long as the processors are in the same (broad) load class</a:t>
+            </a:r>
+            <a:r>
+              <a:rPr lang="en-US" dirty="0" smtClean="0"/>
+              <a:t>,</a:t>
+            </a:r>
+          </a:p>
+          <a:p>
+            <a:pPr marL="860425" lvl="2" indent="0">
+              <a:buNone/>
+            </a:pPr>
             <a:r>
               <a:rPr lang="en-US" dirty="0" smtClean="0"/>
               <a:t>In </a:t>
             </a:r>
             <a:r>
               <a:rPr lang="en-US" dirty="0"/>
-              <a:t>each </a:t>
-            </a:r>
-            <a:r>
-              <a:rPr lang="en-US" dirty="0" smtClean="0"/>
-              <a:t>step: assign </a:t>
-            </a:r>
-            <a:r>
-              <a:rPr lang="en-US" dirty="0"/>
-              <a:t>the heaviest remaining object to the least loaded processor</a:t>
-            </a:r>
-          </a:p>
-          <a:p>
-            <a:pPr lvl="1"/>
-            <a:r>
-              <a:rPr lang="en-US" dirty="0" smtClean="0"/>
-              <a:t>With </a:t>
-            </a:r>
-            <a:r>
-              <a:rPr lang="en-US" dirty="0"/>
-              <a:t>small-to-moderate communication cost:</a:t>
-            </a:r>
-          </a:p>
-          <a:p>
-            <a:pPr lvl="2"/>
-            <a:r>
-              <a:rPr lang="en-US" dirty="0" smtClean="0"/>
-              <a:t>Same </a:t>
-            </a:r>
-            <a:r>
-              <a:rPr lang="en-US" dirty="0"/>
-              <a:t>strategy, but add communication costs as you add an object to </a:t>
-            </a:r>
-            <a:r>
-              <a:rPr lang="en-US" dirty="0" smtClean="0"/>
-              <a:t>a processor</a:t>
-            </a:r>
-            <a:endParaRPr lang="en-US" dirty="0"/>
-          </a:p>
-          <a:p>
-            <a:pPr lvl="1"/>
-            <a:r>
-              <a:rPr lang="en-US" dirty="0" smtClean="0"/>
-              <a:t>Always </a:t>
-            </a:r>
-            <a:r>
-              <a:rPr lang="en-US" dirty="0"/>
-              <a:t>add a refinement step at the end:</a:t>
-            </a:r>
-          </a:p>
-          <a:p>
-            <a:pPr lvl="2"/>
-            <a:r>
-              <a:rPr lang="en-US" dirty="0" smtClean="0"/>
-              <a:t>Swap </a:t>
-            </a:r>
-            <a:r>
-              <a:rPr lang="en-US" dirty="0"/>
-              <a:t>work from heaviest loaded processor to “some other processor” </a:t>
-            </a:r>
-            <a:endParaRPr lang="en-US" dirty="0" smtClean="0"/>
-          </a:p>
-          <a:p>
-            <a:pPr lvl="2"/>
-            <a:r>
-              <a:rPr lang="en-US" dirty="0" smtClean="0"/>
-              <a:t>Repeat </a:t>
-            </a:r>
-            <a:r>
-              <a:rPr lang="en-US" dirty="0"/>
-              <a:t>a few times or until no improvement</a:t>
+              <a:t>later stages, decide based on load</a:t>
+            </a:r>
+          </a:p>
+          <a:p>
+            <a:pPr marL="0" indent="0">
+              <a:buNone/>
+            </a:pPr>
+            <a:r>
+              <a:rPr lang="en-US" sz="2800" dirty="0"/>
+              <a:t>Branch-and-bound</a:t>
+            </a:r>
+          </a:p>
+          <a:p>
+            <a:r>
+              <a:rPr lang="en-US" dirty="0"/>
+              <a:t>Searches for optimal, but can be stopped after a fixed time</a:t>
             </a:r>
           </a:p>
         </p:txBody>
@@ -6993,7 +8519,7 @@
           <a:p>
             <a:fld id="{34621E95-60A9-FF44-9869-513D9D7A859F}" type="datetime2">
               <a:rPr lang="en-US" smtClean="0"/>
-              <a:t>Tuesday, September 9, 14</a:t>
+              <a:t>Wednesday, September 10, 14</a:t>
             </a:fld>
             <a:endParaRPr lang="en-US"/>
           </a:p>
@@ -7050,7 +8576,7 @@
     </p:spTree>
     <p:extLst>
       <p:ext uri="{BB962C8B-B14F-4D97-AF65-F5344CB8AC3E}">
-        <p14:creationId xmlns:p14="http://schemas.microsoft.com/office/powerpoint/2010/main" val="48398553"/>
+        <p14:creationId xmlns:p14="http://schemas.microsoft.com/office/powerpoint/2010/main" val="3578324319"/>
       </p:ext>
     </p:extLst>
   </p:cSld>
@@ -7090,246 +8616,7 @@
         <p:spPr/>
         <p:txBody>
           <a:bodyPr>
-            <a:normAutofit fontScale="90000"/>
-          </a:bodyPr>
-          <a:lstStyle/>
-          <a:p>
-            <a:r>
-              <a:rPr lang="en-US" dirty="0"/>
-              <a:t>Object Partitioning Strategies 2</a:t>
-            </a:r>
-          </a:p>
-        </p:txBody>
-      </p:sp>
-      <p:sp>
-        <p:nvSpPr>
-          <p:cNvPr id="3" name="Content Placeholder 2"/>
-          <p:cNvSpPr>
-            <a:spLocks noGrp="1"/>
-          </p:cNvSpPr>
-          <p:nvPr>
-            <p:ph idx="1"/>
-          </p:nvPr>
-        </p:nvSpPr>
-        <p:spPr/>
-        <p:txBody>
-          <a:bodyPr/>
-          <a:lstStyle/>
-          <a:p>
-            <a:pPr marL="0" indent="0">
-              <a:buNone/>
-            </a:pPr>
-            <a:r>
-              <a:rPr lang="en-US" sz="2800" dirty="0"/>
-              <a:t>When communication cost is significant:</a:t>
-            </a:r>
-          </a:p>
-          <a:p>
-            <a:r>
-              <a:rPr lang="en-US" dirty="0"/>
-              <a:t>Still use greedy strategy, but:</a:t>
-            </a:r>
-          </a:p>
-          <a:p>
-            <a:pPr lvl="1"/>
-            <a:r>
-              <a:rPr lang="en-US" dirty="0" smtClean="0"/>
-              <a:t>At </a:t>
-            </a:r>
-            <a:r>
-              <a:rPr lang="en-US" dirty="0"/>
-              <a:t>each assignment step, choose between assigning O to least loaded processor and the processor that already has objects that communicate most with O.</a:t>
-            </a:r>
-          </a:p>
-          <a:p>
-            <a:pPr lvl="2"/>
-            <a:r>
-              <a:rPr lang="en-US" dirty="0" smtClean="0"/>
-              <a:t>Based </a:t>
-            </a:r>
-            <a:r>
-              <a:rPr lang="en-US" dirty="0"/>
-              <a:t>on the degree of </a:t>
-            </a:r>
-            <a:r>
-              <a:rPr lang="en-US" dirty="0" smtClean="0"/>
-              <a:t>difference </a:t>
-            </a:r>
-            <a:r>
-              <a:rPr lang="en-US" dirty="0"/>
-              <a:t>in the two metrics </a:t>
-            </a:r>
-            <a:endParaRPr lang="en-US" dirty="0" smtClean="0"/>
-          </a:p>
-          <a:p>
-            <a:pPr lvl="2"/>
-            <a:r>
-              <a:rPr lang="en-US" dirty="0" smtClean="0"/>
-              <a:t>Two</a:t>
-            </a:r>
-            <a:r>
-              <a:rPr lang="en-US" dirty="0"/>
-              <a:t>-stage assignments:</a:t>
-            </a:r>
-          </a:p>
-          <a:p>
-            <a:pPr marL="860425" lvl="2" indent="0">
-              <a:buNone/>
-            </a:pPr>
-            <a:r>
-              <a:rPr lang="en-US" dirty="0"/>
-              <a:t>In early stages, consider communication costs as long as the processors are in the same (broad) load class</a:t>
-            </a:r>
-            <a:r>
-              <a:rPr lang="en-US" dirty="0" smtClean="0"/>
-              <a:t>,</a:t>
-            </a:r>
-          </a:p>
-          <a:p>
-            <a:pPr marL="860425" lvl="2" indent="0">
-              <a:buNone/>
-            </a:pPr>
-            <a:r>
-              <a:rPr lang="en-US" dirty="0" smtClean="0"/>
-              <a:t>In </a:t>
-            </a:r>
-            <a:r>
-              <a:rPr lang="en-US" dirty="0"/>
-              <a:t>later stages, decide based on load</a:t>
-            </a:r>
-          </a:p>
-          <a:p>
-            <a:pPr marL="0" indent="0">
-              <a:buNone/>
-            </a:pPr>
-            <a:r>
-              <a:rPr lang="en-US" sz="2800" dirty="0"/>
-              <a:t>Branch-and-bound</a:t>
-            </a:r>
-          </a:p>
-          <a:p>
-            <a:r>
-              <a:rPr lang="en-US" dirty="0"/>
-              <a:t>Searches for optimal, but can be stopped after a fixed time</a:t>
-            </a:r>
-          </a:p>
-        </p:txBody>
-      </p:sp>
-      <p:sp>
-        <p:nvSpPr>
-          <p:cNvPr id="4" name="Date Placeholder 3"/>
-          <p:cNvSpPr>
-            <a:spLocks noGrp="1"/>
-          </p:cNvSpPr>
-          <p:nvPr>
-            <p:ph type="dt" sz="half" idx="10"/>
-          </p:nvPr>
-        </p:nvSpPr>
-        <p:spPr/>
-        <p:txBody>
-          <a:bodyPr/>
-          <a:lstStyle/>
-          <a:p>
-            <a:fld id="{34621E95-60A9-FF44-9869-513D9D7A859F}" type="datetime2">
-              <a:rPr lang="en-US" smtClean="0"/>
-              <a:t>Tuesday, September 9, 14</a:t>
-            </a:fld>
-            <a:endParaRPr lang="en-US"/>
-          </a:p>
-        </p:txBody>
-      </p:sp>
-      <p:sp>
-        <p:nvSpPr>
-          <p:cNvPr id="5" name="Footer Placeholder 4"/>
-          <p:cNvSpPr>
-            <a:spLocks noGrp="1"/>
-          </p:cNvSpPr>
-          <p:nvPr>
-            <p:ph type="ftr" sz="quarter" idx="11"/>
-          </p:nvPr>
-        </p:nvSpPr>
-        <p:spPr/>
-        <p:txBody>
-          <a:bodyPr/>
-          <a:lstStyle/>
-          <a:p>
-            <a:pPr algn="r"/>
-            <a:r>
-              <a:rPr lang="en-US" smtClean="0"/>
-              <a:t>Sanjay Kalé and PPL (UIUC) – Parallel Migratable Objects </a:t>
-            </a:r>
-            <a:endParaRPr lang="en-US" dirty="0"/>
-          </a:p>
-        </p:txBody>
-      </p:sp>
-      <p:sp>
-        <p:nvSpPr>
-          <p:cNvPr id="6" name="Slide Number Placeholder 5"/>
-          <p:cNvSpPr>
-            <a:spLocks noGrp="1"/>
-          </p:cNvSpPr>
-          <p:nvPr>
-            <p:ph type="sldNum" sz="quarter" idx="12"/>
-          </p:nvPr>
-        </p:nvSpPr>
-        <p:spPr/>
-        <p:txBody>
-          <a:bodyPr/>
-          <a:lstStyle/>
-          <a:p>
-            <a:fld id="{0CFEC368-1D7A-4F81-ABF6-AE0E36BAF64C}" type="slidenum">
-              <a:rPr lang="en-US" smtClean="0"/>
-              <a:pPr/>
-              <a:t>16</a:t>
-            </a:fld>
-            <a:endParaRPr lang="en-US"/>
-          </a:p>
-        </p:txBody>
-      </p:sp>
-    </p:spTree>
-    <p:extLst>
-      <p:ext uri="{BB962C8B-B14F-4D97-AF65-F5344CB8AC3E}">
-        <p14:creationId xmlns:p14="http://schemas.microsoft.com/office/powerpoint/2010/main" val="3578324319"/>
-      </p:ext>
-    </p:extLst>
-  </p:cSld>
-  <p:clrMapOvr>
-    <a:masterClrMapping/>
-  </p:clrMapOvr>
-</p:sld>
-</file>
-
-<file path=ppt/slides/slide17.xml><?xml version="1.0" encoding="utf-8"?>
-<p:sld xmlns:a="http://schemas.openxmlformats.org/drawingml/2006/main" xmlns:r="http://schemas.openxmlformats.org/officeDocument/2006/relationships" xmlns:p="http://schemas.openxmlformats.org/presentationml/2006/main">
-  <p:cSld>
-    <p:spTree>
-      <p:nvGrpSpPr>
-        <p:cNvPr id="1" name=""/>
-        <p:cNvGrpSpPr/>
-        <p:nvPr/>
-      </p:nvGrpSpPr>
-      <p:grpSpPr>
-        <a:xfrm>
-          <a:off x="0" y="0"/>
-          <a:ext cx="0" cy="0"/>
-          <a:chOff x="0" y="0"/>
-          <a:chExt cx="0" cy="0"/>
-        </a:xfrm>
-      </p:grpSpPr>
-      <p:sp>
-        <p:nvSpPr>
-          <p:cNvPr id="2" name="Title 1"/>
-          <p:cNvSpPr>
-            <a:spLocks noGrp="1"/>
-          </p:cNvSpPr>
-          <p:nvPr>
-            <p:ph type="title"/>
-          </p:nvPr>
-        </p:nvSpPr>
-        <p:spPr/>
-        <p:txBody>
-          <a:bodyPr>
-            <a:normAutofit fontScale="90000"/>
+            <a:normAutofit/>
           </a:bodyPr>
           <a:lstStyle/>
           <a:p>
@@ -7419,7 +8706,7 @@
           <a:p>
             <a:fld id="{34621E95-60A9-FF44-9869-513D9D7A859F}" type="datetime2">
               <a:rPr lang="en-US" smtClean="0"/>
-              <a:t>Tuesday, September 9, 14</a:t>
+              <a:t>Wednesday, September 10, 14</a:t>
             </a:fld>
             <a:endParaRPr lang="en-US"/>
           </a:p>
@@ -7467,7 +8754,7 @@
             <a:fld id="{0CFEC368-1D7A-4F81-ABF6-AE0E36BAF64C}" type="slidenum">
               <a:rPr lang="en-US" smtClean="0"/>
               <a:pPr/>
-              <a:t>17</a:t>
+              <a:t>16</a:t>
             </a:fld>
             <a:endParaRPr lang="en-US"/>
           </a:p>
@@ -7553,6 +8840,163 @@
 </p:sld>
 </file>
 
+<file path=ppt/slides/slide17.xml><?xml version="1.0" encoding="utf-8"?>
+<p:sld xmlns:a="http://schemas.openxmlformats.org/drawingml/2006/main" xmlns:r="http://schemas.openxmlformats.org/officeDocument/2006/relationships" xmlns:p="http://schemas.openxmlformats.org/presentationml/2006/main">
+  <p:cSld>
+    <p:spTree>
+      <p:nvGrpSpPr>
+        <p:cNvPr id="1" name=""/>
+        <p:cNvGrpSpPr/>
+        <p:nvPr/>
+      </p:nvGrpSpPr>
+      <p:grpSpPr>
+        <a:xfrm>
+          <a:off x="0" y="0"/>
+          <a:ext cx="0" cy="0"/>
+          <a:chOff x="0" y="0"/>
+          <a:chExt cx="0" cy="0"/>
+        </a:xfrm>
+      </p:grpSpPr>
+      <p:sp>
+        <p:nvSpPr>
+          <p:cNvPr id="2" name="Title 1"/>
+          <p:cNvSpPr>
+            <a:spLocks noGrp="1"/>
+          </p:cNvSpPr>
+          <p:nvPr>
+            <p:ph type="title"/>
+          </p:nvPr>
+        </p:nvSpPr>
+        <p:spPr/>
+        <p:txBody>
+          <a:bodyPr>
+            <a:normAutofit/>
+          </a:bodyPr>
+          <a:lstStyle/>
+          <a:p>
+            <a:r>
+              <a:rPr lang="en-US" dirty="0"/>
+              <a:t>Load Balancing Crack Propagation</a:t>
+            </a:r>
+          </a:p>
+        </p:txBody>
+      </p:sp>
+      <p:pic>
+        <p:nvPicPr>
+          <p:cNvPr id="7" name="Content Placeholder 6" descr="LButilizationCrackPropWithAnnotation.png"/>
+          <p:cNvPicPr>
+            <a:picLocks noGrp="1" noChangeAspect="1"/>
+          </p:cNvPicPr>
+          <p:nvPr>
+            <p:ph idx="1"/>
+          </p:nvPr>
+        </p:nvPicPr>
+        <p:blipFill>
+          <a:blip r:embed="rId2">
+            <a:extLst>
+              <a:ext uri="{28A0092B-C50C-407E-A947-70E740481C1C}">
+                <a14:useLocalDpi xmlns:a14="http://schemas.microsoft.com/office/drawing/2010/main" val="0"/>
+              </a:ext>
+            </a:extLst>
+          </a:blip>
+          <a:srcRect t="-2423" b="-2423"/>
+          <a:stretch>
+            <a:fillRect/>
+          </a:stretch>
+        </p:blipFill>
+        <p:spPr/>
+      </p:pic>
+      <p:sp>
+        <p:nvSpPr>
+          <p:cNvPr id="4" name="Date Placeholder 3"/>
+          <p:cNvSpPr>
+            <a:spLocks noGrp="1"/>
+          </p:cNvSpPr>
+          <p:nvPr>
+            <p:ph type="dt" sz="half" idx="10"/>
+          </p:nvPr>
+        </p:nvSpPr>
+        <p:spPr/>
+        <p:txBody>
+          <a:bodyPr/>
+          <a:lstStyle/>
+          <a:p>
+            <a:fld id="{34621E95-60A9-FF44-9869-513D9D7A859F}" type="datetime2">
+              <a:rPr lang="en-US" smtClean="0"/>
+              <a:t>Wednesday, September 10, 14</a:t>
+            </a:fld>
+            <a:endParaRPr lang="en-US"/>
+          </a:p>
+        </p:txBody>
+      </p:sp>
+      <p:sp>
+        <p:nvSpPr>
+          <p:cNvPr id="5" name="Footer Placeholder 4"/>
+          <p:cNvSpPr>
+            <a:spLocks noGrp="1"/>
+          </p:cNvSpPr>
+          <p:nvPr>
+            <p:ph type="ftr" sz="quarter" idx="11"/>
+          </p:nvPr>
+        </p:nvSpPr>
+        <p:spPr/>
+        <p:txBody>
+          <a:bodyPr/>
+          <a:lstStyle/>
+          <a:p>
+            <a:pPr algn="r"/>
+            <a:r>
+              <a:rPr lang="en-US" smtClean="0"/>
+              <a:t>Sanjay Kalé and PPL (UIUC) – Parallel Migratable Objects </a:t>
+            </a:r>
+            <a:endParaRPr lang="en-US" dirty="0"/>
+          </a:p>
+        </p:txBody>
+      </p:sp>
+      <p:sp>
+        <p:nvSpPr>
+          <p:cNvPr id="6" name="Slide Number Placeholder 5"/>
+          <p:cNvSpPr>
+            <a:spLocks noGrp="1"/>
+          </p:cNvSpPr>
+          <p:nvPr>
+            <p:ph type="sldNum" sz="quarter" idx="12"/>
+          </p:nvPr>
+        </p:nvSpPr>
+        <p:spPr/>
+        <p:txBody>
+          <a:bodyPr/>
+          <a:lstStyle/>
+          <a:p>
+            <a:fld id="{0CFEC368-1D7A-4F81-ABF6-AE0E36BAF64C}" type="slidenum">
+              <a:rPr lang="en-US" smtClean="0"/>
+              <a:pPr/>
+              <a:t>17</a:t>
+            </a:fld>
+            <a:endParaRPr lang="en-US"/>
+          </a:p>
+        </p:txBody>
+      </p:sp>
+    </p:spTree>
+    <p:extLst>
+      <p:ext uri="{BB962C8B-B14F-4D97-AF65-F5344CB8AC3E}">
+        <p14:creationId xmlns:p14="http://schemas.microsoft.com/office/powerpoint/2010/main" val="588065481"/>
+      </p:ext>
+    </p:extLst>
+  </p:cSld>
+  <p:clrMapOvr>
+    <a:masterClrMapping/>
+  </p:clrMapOvr>
+  <p:timing>
+    <p:tnLst>
+      <p:par>
+        <p:cTn xmlns:p14="http://schemas.microsoft.com/office/powerpoint/2010/main" id="1" dur="indefinite" restart="never" nodeType="tmRoot"/>
+      </p:par>
+    </p:tnLst>
+  </p:timing>
+</p:sld>
+</file>
+
 <file path=ppt/slides/slide18.xml><?xml version="1.0" encoding="utf-8"?>
 <p:sld xmlns:a="http://schemas.openxmlformats.org/drawingml/2006/main" xmlns:r="http://schemas.openxmlformats.org/officeDocument/2006/relationships" xmlns:p="http://schemas.openxmlformats.org/presentationml/2006/main">
   <p:cSld>
@@ -7583,42 +9027,178 @@
         <p:spPr/>
         <p:txBody>
           <a:bodyPr>
-            <a:normAutofit fontScale="90000"/>
+            <a:normAutofit/>
           </a:bodyPr>
           <a:lstStyle/>
           <a:p>
             <a:r>
               <a:rPr lang="en-US" dirty="0"/>
-              <a:t>Load Balancing Crack Propagation</a:t>
-            </a:r>
-          </a:p>
-        </p:txBody>
-      </p:sp>
-      <p:pic>
-        <p:nvPicPr>
-          <p:cNvPr id="7" name="Content Placeholder 6" descr="LButilizationCrackPropWithAnnotation.png"/>
-          <p:cNvPicPr>
-            <a:picLocks noGrp="1" noChangeAspect="1"/>
-          </p:cNvPicPr>
+              <a:t>Distributed Load balancing</a:t>
+            </a:r>
+          </a:p>
+        </p:txBody>
+      </p:sp>
+      <p:sp>
+        <p:nvSpPr>
+          <p:cNvPr id="3" name="Content Placeholder 2"/>
+          <p:cNvSpPr>
+            <a:spLocks noGrp="1"/>
+          </p:cNvSpPr>
           <p:nvPr>
             <p:ph idx="1"/>
           </p:nvPr>
-        </p:nvPicPr>
-        <p:blipFill>
-          <a:blip r:embed="rId2">
-            <a:extLst>
-              <a:ext uri="{28A0092B-C50C-407E-A947-70E740481C1C}">
-                <a14:useLocalDpi xmlns:a14="http://schemas.microsoft.com/office/drawing/2010/main" val="0"/>
-              </a:ext>
-            </a:extLst>
-          </a:blip>
-          <a:srcRect t="-2859" b="-2859"/>
-          <a:stretch>
-            <a:fillRect/>
-          </a:stretch>
-        </p:blipFill>
-        <p:spPr/>
-      </p:pic>
+        </p:nvSpPr>
+        <p:spPr/>
+        <p:txBody>
+          <a:bodyPr>
+            <a:normAutofit/>
+          </a:bodyPr>
+          <a:lstStyle/>
+          <a:p>
+            <a:r>
+              <a:rPr lang="en-US" dirty="0"/>
+              <a:t>Centralized strategies</a:t>
+            </a:r>
+          </a:p>
+          <a:p>
+            <a:pPr lvl="1"/>
+            <a:r>
+              <a:rPr lang="en-US" dirty="0" smtClean="0"/>
+              <a:t>Still </a:t>
+            </a:r>
+            <a:r>
+              <a:rPr lang="en-US" dirty="0"/>
+              <a:t>ok for 3000 processors for NAMD </a:t>
+            </a:r>
+            <a:endParaRPr lang="en-US" dirty="0" smtClean="0"/>
+          </a:p>
+          <a:p>
+            <a:r>
+              <a:rPr lang="en-US" dirty="0" smtClean="0"/>
+              <a:t>Distributed </a:t>
+            </a:r>
+            <a:r>
+              <a:rPr lang="en-US" dirty="0"/>
+              <a:t>balancing is needed when:</a:t>
+            </a:r>
+          </a:p>
+          <a:p>
+            <a:pPr lvl="1"/>
+            <a:r>
+              <a:rPr lang="en-US" dirty="0" smtClean="0"/>
+              <a:t>Number </a:t>
+            </a:r>
+            <a:r>
+              <a:rPr lang="en-US" dirty="0"/>
+              <a:t>of processors is large and/or </a:t>
+            </a:r>
+            <a:endParaRPr lang="en-US" dirty="0" smtClean="0"/>
+          </a:p>
+          <a:p>
+            <a:pPr lvl="1"/>
+            <a:r>
+              <a:rPr lang="en-US" dirty="0" smtClean="0"/>
+              <a:t>load </a:t>
+            </a:r>
+            <a:r>
+              <a:rPr lang="en-US" dirty="0"/>
+              <a:t>variation is rapid</a:t>
+            </a:r>
+          </a:p>
+          <a:p>
+            <a:r>
+              <a:rPr lang="en-US" dirty="0"/>
+              <a:t>Large machines:</a:t>
+            </a:r>
+          </a:p>
+          <a:p>
+            <a:pPr lvl="1"/>
+            <a:r>
+              <a:rPr lang="en-US" dirty="0" smtClean="0"/>
+              <a:t>Need </a:t>
+            </a:r>
+            <a:r>
+              <a:rPr lang="en-US" dirty="0"/>
+              <a:t>to handle locality of communication </a:t>
+            </a:r>
+            <a:endParaRPr lang="en-US" dirty="0" smtClean="0"/>
+          </a:p>
+          <a:p>
+            <a:pPr lvl="2"/>
+            <a:r>
+              <a:rPr lang="en-US" dirty="0" smtClean="0"/>
+              <a:t>Topology </a:t>
+            </a:r>
+            <a:r>
+              <a:rPr lang="en-US" dirty="0"/>
+              <a:t>sensitive placement</a:t>
+            </a:r>
+          </a:p>
+          <a:p>
+            <a:pPr lvl="1"/>
+            <a:r>
+              <a:rPr lang="en-US" dirty="0" smtClean="0"/>
+              <a:t>Need </a:t>
+            </a:r>
+            <a:r>
+              <a:rPr lang="en-US" dirty="0"/>
+              <a:t>to work with scant global information</a:t>
+            </a:r>
+          </a:p>
+          <a:p>
+            <a:pPr lvl="2"/>
+            <a:r>
+              <a:rPr lang="en-US" dirty="0" smtClean="0"/>
+              <a:t>Approximate </a:t>
+            </a:r>
+            <a:r>
+              <a:rPr lang="en-US" dirty="0"/>
+              <a:t>or aggregated global information (average/max load)</a:t>
+            </a:r>
+          </a:p>
+          <a:p>
+            <a:pPr lvl="2"/>
+            <a:r>
+              <a:rPr lang="en-US" dirty="0" smtClean="0"/>
+              <a:t>Incomplete </a:t>
+            </a:r>
+            <a:r>
+              <a:rPr lang="en-US" dirty="0"/>
+              <a:t>global info (only neighborhood)</a:t>
+            </a:r>
+          </a:p>
+          <a:p>
+            <a:pPr lvl="2"/>
+            <a:r>
+              <a:rPr lang="en-US" dirty="0" smtClean="0"/>
+              <a:t>Work diffusion </a:t>
+            </a:r>
+            <a:r>
+              <a:rPr lang="en-US" dirty="0"/>
+              <a:t>strategies (1980s work by Kale and others!)</a:t>
+            </a:r>
+          </a:p>
+          <a:p>
+            <a:pPr lvl="1"/>
+            <a:r>
+              <a:rPr lang="en-US" dirty="0" smtClean="0"/>
+              <a:t>Achieving </a:t>
+            </a:r>
+            <a:r>
+              <a:rPr lang="en-US" dirty="0"/>
+              <a:t>global </a:t>
+            </a:r>
+            <a:r>
+              <a:rPr lang="en-US" dirty="0" smtClean="0"/>
+              <a:t>effects </a:t>
+            </a:r>
+            <a:r>
+              <a:rPr lang="en-US" dirty="0"/>
+              <a:t>by local action</a:t>
+            </a:r>
+          </a:p>
+        </p:txBody>
+      </p:sp>
       <p:sp>
         <p:nvSpPr>
           <p:cNvPr id="4" name="Date Placeholder 3"/>
@@ -7636,7 +9216,7 @@
           <a:p>
             <a:fld id="{34621E95-60A9-FF44-9869-513D9D7A859F}" type="datetime2">
               <a:rPr lang="en-US" smtClean="0"/>
-              <a:t>Tuesday, September 9, 14</a:t>
+              <a:t>Wednesday, September 10, 14</a:t>
             </a:fld>
             <a:endParaRPr lang="en-US"/>
           </a:p>
@@ -7693,7 +9273,7 @@
     </p:spTree>
     <p:extLst>
       <p:ext uri="{BB962C8B-B14F-4D97-AF65-F5344CB8AC3E}">
-        <p14:creationId xmlns:p14="http://schemas.microsoft.com/office/powerpoint/2010/main" val="588065481"/>
+        <p14:creationId xmlns:p14="http://schemas.microsoft.com/office/powerpoint/2010/main" val="1635006575"/>
       </p:ext>
     </p:extLst>
   </p:cSld>
@@ -7740,175 +9320,87 @@
         <p:spPr/>
         <p:txBody>
           <a:bodyPr>
-            <a:normAutofit fontScale="90000"/>
-          </a:bodyPr>
-          <a:lstStyle/>
-          <a:p>
-            <a:r>
-              <a:rPr lang="en-US" dirty="0"/>
-              <a:t>Distributed Load balancing</a:t>
-            </a:r>
-          </a:p>
-        </p:txBody>
-      </p:sp>
-      <p:sp>
-        <p:nvSpPr>
-          <p:cNvPr id="3" name="Content Placeholder 2"/>
-          <p:cNvSpPr>
-            <a:spLocks noGrp="1"/>
-          </p:cNvSpPr>
-          <p:nvPr>
-            <p:ph idx="1"/>
-          </p:nvPr>
-        </p:nvSpPr>
-        <p:spPr/>
-        <p:txBody>
-          <a:bodyPr>
             <a:normAutofit/>
           </a:bodyPr>
           <a:lstStyle/>
           <a:p>
             <a:r>
               <a:rPr lang="en-US" dirty="0"/>
-              <a:t>Centralized strategies</a:t>
+              <a:t>Load Balancing on Large Machines</a:t>
+            </a:r>
+          </a:p>
+        </p:txBody>
+      </p:sp>
+      <p:sp>
+        <p:nvSpPr>
+          <p:cNvPr id="3" name="Content Placeholder 2"/>
+          <p:cNvSpPr>
+            <a:spLocks noGrp="1"/>
+          </p:cNvSpPr>
+          <p:nvPr>
+            <p:ph idx="1"/>
+          </p:nvPr>
+        </p:nvSpPr>
+        <p:spPr/>
+        <p:txBody>
+          <a:bodyPr/>
+          <a:lstStyle/>
+          <a:p>
+            <a:r>
+              <a:rPr lang="en-US" dirty="0"/>
+              <a:t>Centralized load balancing strategies </a:t>
+            </a:r>
+            <a:r>
+              <a:rPr lang="en-US" dirty="0" smtClean="0"/>
+              <a:t>don’t </a:t>
+            </a:r>
+            <a:r>
+              <a:rPr lang="en-US" dirty="0"/>
+              <a:t>scale on extremely large machines</a:t>
+            </a:r>
+          </a:p>
+          <a:p>
+            <a:r>
+              <a:rPr lang="en-US" dirty="0"/>
+              <a:t>Limitations of centralized strategies:</a:t>
             </a:r>
           </a:p>
           <a:p>
             <a:pPr lvl="1"/>
             <a:r>
               <a:rPr lang="en-US" dirty="0" smtClean="0"/>
-              <a:t>Still </a:t>
-            </a:r>
-            <a:r>
-              <a:rPr lang="en-US" dirty="0"/>
-              <a:t>ok for 3000 processors for NAMD </a:t>
+              <a:t>Central </a:t>
+            </a:r>
+            <a:r>
+              <a:rPr lang="en-US" dirty="0"/>
+              <a:t>node: memory/communication bottleneck </a:t>
             </a:r>
             <a:endParaRPr lang="en-US" dirty="0" smtClean="0"/>
           </a:p>
           <a:p>
-            <a:r>
-              <a:rPr lang="en-US" dirty="0" smtClean="0"/>
-              <a:t>Distributed </a:t>
-            </a:r>
-            <a:r>
-              <a:rPr lang="en-US" dirty="0"/>
-              <a:t>balancing is needed when:</a:t>
-            </a:r>
-          </a:p>
-          <a:p>
             <a:pPr lvl="1"/>
             <a:r>
               <a:rPr lang="en-US" dirty="0" smtClean="0"/>
-              <a:t>Number </a:t>
-            </a:r>
-            <a:r>
-              <a:rPr lang="en-US" dirty="0"/>
-              <a:t>of processors is large and/or </a:t>
-            </a:r>
-            <a:endParaRPr lang="en-US" dirty="0" smtClean="0"/>
+              <a:t>Decision</a:t>
+            </a:r>
+            <a:r>
+              <a:rPr lang="en-US" dirty="0"/>
+              <a:t>-making algorithms tend to be very slow</a:t>
+            </a:r>
+          </a:p>
+          <a:p>
+            <a:r>
+              <a:rPr lang="en-US" dirty="0"/>
+              <a:t>Limitations of distributed strategies:</a:t>
+            </a:r>
           </a:p>
           <a:p>
             <a:pPr lvl="1"/>
             <a:r>
               <a:rPr lang="en-US" dirty="0" smtClean="0"/>
-              <a:t>load </a:t>
-            </a:r>
-            <a:r>
-              <a:rPr lang="en-US" dirty="0"/>
-              <a:t>variation is rapid</a:t>
-            </a:r>
-          </a:p>
-          <a:p>
-            <a:r>
-              <a:rPr lang="en-US" dirty="0"/>
-              <a:t>Large machines:</a:t>
-            </a:r>
-          </a:p>
-          <a:p>
-            <a:pPr lvl="1"/>
-            <a:r>
-              <a:rPr lang="en-US" dirty="0" smtClean="0"/>
-              <a:t>Need </a:t>
-            </a:r>
-            <a:r>
-              <a:rPr lang="en-US" dirty="0"/>
-              <a:t>to handle locality of communication </a:t>
-            </a:r>
-            <a:endParaRPr lang="en-US" dirty="0" smtClean="0"/>
-          </a:p>
-          <a:p>
-            <a:pPr lvl="2"/>
-            <a:r>
-              <a:rPr lang="en-US" dirty="0" smtClean="0"/>
-              <a:t>Topology </a:t>
-            </a:r>
-            <a:r>
-              <a:rPr lang="en-US" dirty="0"/>
-              <a:t>sensitive placement</a:t>
-            </a:r>
-          </a:p>
-          <a:p>
-            <a:pPr lvl="1"/>
-            <a:r>
-              <a:rPr lang="en-US" dirty="0" smtClean="0"/>
-              <a:t>Need </a:t>
-            </a:r>
-            <a:r>
-              <a:rPr lang="en-US" dirty="0"/>
-              <a:t>to work with scant global information</a:t>
-            </a:r>
-          </a:p>
-          <a:p>
-            <a:pPr lvl="2"/>
-            <a:r>
-              <a:rPr lang="en-US" dirty="0" smtClean="0"/>
-              <a:t>Approximate </a:t>
-            </a:r>
-            <a:r>
-              <a:rPr lang="en-US" dirty="0"/>
-              <a:t>or aggregated global information (average/max load)</a:t>
-            </a:r>
-          </a:p>
-          <a:p>
-            <a:pPr lvl="2"/>
-            <a:r>
-              <a:rPr lang="en-US" dirty="0" smtClean="0"/>
-              <a:t>Incomplete </a:t>
-            </a:r>
-            <a:r>
-              <a:rPr lang="en-US" dirty="0"/>
-              <a:t>global info (only neighborhood)</a:t>
-            </a:r>
-          </a:p>
-          <a:p>
-            <a:pPr lvl="2"/>
-            <a:r>
-              <a:rPr lang="en-US" dirty="0" smtClean="0"/>
-              <a:t>Work diffusion </a:t>
-            </a:r>
-            <a:r>
-              <a:rPr lang="en-US" dirty="0"/>
-              <a:t>strategies (1980s work by Kale and others!)</a:t>
-            </a:r>
-          </a:p>
-          <a:p>
-            <a:pPr lvl="1"/>
-            <a:r>
-              <a:rPr lang="en-US" dirty="0" smtClean="0"/>
-              <a:t>Achieving </a:t>
-            </a:r>
-            <a:r>
-              <a:rPr lang="en-US" dirty="0"/>
-              <a:t>global </a:t>
-            </a:r>
-            <a:r>
-              <a:rPr lang="en-US" dirty="0" smtClean="0"/>
-              <a:t>effects </a:t>
-            </a:r>
-            <a:r>
-              <a:rPr lang="en-US" dirty="0"/>
-              <a:t>by local action</a:t>
-            </a:r>
+              <a:t>Difficult to achieve well-informed load balancing decisions</a:t>
+            </a:r>
+            <a:endParaRPr lang="en-US" dirty="0"/>
           </a:p>
         </p:txBody>
       </p:sp>
@@ -7929,7 +9421,7 @@
           <a:p>
             <a:fld id="{34621E95-60A9-FF44-9869-513D9D7A859F}" type="datetime2">
               <a:rPr lang="en-US" smtClean="0"/>
-              <a:t>Tuesday, September 9, 14</a:t>
+              <a:t>Wednesday, September 10, 14</a:t>
             </a:fld>
             <a:endParaRPr lang="en-US"/>
           </a:p>
@@ -7986,25 +9478,18 @@
     </p:spTree>
     <p:extLst>
       <p:ext uri="{BB962C8B-B14F-4D97-AF65-F5344CB8AC3E}">
-        <p14:creationId xmlns:p14="http://schemas.microsoft.com/office/powerpoint/2010/main" val="1635006575"/>
+        <p14:creationId xmlns:p14="http://schemas.microsoft.com/office/powerpoint/2010/main" val="2075500013"/>
       </p:ext>
     </p:extLst>
   </p:cSld>
   <p:clrMapOvr>
     <a:masterClrMapping/>
   </p:clrMapOvr>
-  <p:timing>
-    <p:tnLst>
-      <p:par>
-        <p:cTn xmlns:p14="http://schemas.microsoft.com/office/powerpoint/2010/main" id="1" dur="indefinite" restart="never" nodeType="tmRoot"/>
-      </p:par>
-    </p:tnLst>
-  </p:timing>
 </p:sld>
 </file>
 
 <file path=ppt/slides/slide2.xml><?xml version="1.0" encoding="utf-8"?>
-<p:sld xmlns:a="http://schemas.openxmlformats.org/drawingml/2006/main" xmlns:r="http://schemas.openxmlformats.org/officeDocument/2006/relationships" xmlns:p="http://schemas.openxmlformats.org/presentationml/2006/main" show="0">
+<p:sld xmlns:a="http://schemas.openxmlformats.org/drawingml/2006/main" xmlns:r="http://schemas.openxmlformats.org/officeDocument/2006/relationships" xmlns:p="http://schemas.openxmlformats.org/presentationml/2006/main">
   <p:cSld>
     <p:spTree>
       <p:nvGrpSpPr>
@@ -8022,7 +9507,127 @@
       </p:grpSpPr>
       <p:sp>
         <p:nvSpPr>
-          <p:cNvPr id="2" name="Date Placeholder 1"/>
+          <p:cNvPr id="2" name="Title 1"/>
+          <p:cNvSpPr>
+            <a:spLocks noGrp="1"/>
+          </p:cNvSpPr>
+          <p:nvPr>
+            <p:ph type="title"/>
+          </p:nvPr>
+        </p:nvSpPr>
+        <p:spPr/>
+        <p:txBody>
+          <a:bodyPr>
+            <a:normAutofit/>
+          </a:bodyPr>
+          <a:lstStyle/>
+          <a:p>
+            <a:r>
+              <a:rPr lang="en-US" dirty="0"/>
+              <a:t>Automatic Dynamic Load Balancing</a:t>
+            </a:r>
+          </a:p>
+        </p:txBody>
+      </p:sp>
+      <p:sp>
+        <p:nvSpPr>
+          <p:cNvPr id="3" name="Content Placeholder 2"/>
+          <p:cNvSpPr>
+            <a:spLocks noGrp="1"/>
+          </p:cNvSpPr>
+          <p:nvPr>
+            <p:ph idx="1"/>
+          </p:nvPr>
+        </p:nvSpPr>
+        <p:spPr/>
+        <p:txBody>
+          <a:bodyPr anchor="ctr"/>
+          <a:lstStyle/>
+          <a:p>
+            <a:r>
+              <a:rPr lang="en-US" dirty="0"/>
+              <a:t>Measurement based load balancers</a:t>
+            </a:r>
+          </a:p>
+          <a:p>
+            <a:pPr lvl="1"/>
+            <a:r>
+              <a:rPr lang="en-US" dirty="0" smtClean="0"/>
+              <a:t>Principle </a:t>
+            </a:r>
+            <a:r>
+              <a:rPr lang="en-US" dirty="0"/>
+              <a:t>of persistence: In many CSE applications, computational loads and communication patterns tend to persist, even in dynamic computations</a:t>
+            </a:r>
+          </a:p>
+          <a:p>
+            <a:pPr lvl="1"/>
+            <a:r>
+              <a:rPr lang="en-US" dirty="0" smtClean="0"/>
+              <a:t>Therefore</a:t>
+            </a:r>
+            <a:r>
+              <a:rPr lang="en-US" dirty="0"/>
+              <a:t>, recent past is a good predictor of near future </a:t>
+            </a:r>
+            <a:endParaRPr lang="en-US" dirty="0" smtClean="0"/>
+          </a:p>
+          <a:p>
+            <a:pPr lvl="1"/>
+            <a:r>
+              <a:rPr lang="en-US" dirty="0" smtClean="0"/>
+              <a:t>Charm</a:t>
+            </a:r>
+            <a:r>
+              <a:rPr lang="en-US" dirty="0"/>
+              <a:t>++ provides a suite of load-balancers</a:t>
+            </a:r>
+          </a:p>
+          <a:p>
+            <a:pPr lvl="1"/>
+            <a:r>
+              <a:rPr lang="en-US" dirty="0" smtClean="0"/>
+              <a:t>Periodic </a:t>
+            </a:r>
+            <a:r>
+              <a:rPr lang="en-US" dirty="0"/>
+              <a:t>measurement and migration of objects</a:t>
+            </a:r>
+          </a:p>
+          <a:p>
+            <a:r>
+              <a:rPr lang="en-US" dirty="0"/>
+              <a:t>Seed balancers (for task-parallelism)</a:t>
+            </a:r>
+          </a:p>
+          <a:p>
+            <a:pPr lvl="1"/>
+            <a:r>
+              <a:rPr lang="en-US" dirty="0" smtClean="0"/>
+              <a:t>Useful </a:t>
+            </a:r>
+            <a:r>
+              <a:rPr lang="en-US" dirty="0"/>
+              <a:t>for divide-and-conquer and state-space-search applications </a:t>
+            </a:r>
+            <a:endParaRPr lang="en-US" dirty="0" smtClean="0"/>
+          </a:p>
+          <a:p>
+            <a:pPr lvl="1"/>
+            <a:r>
+              <a:rPr lang="en-US" dirty="0" smtClean="0"/>
+              <a:t>Seeds </a:t>
+            </a:r>
+            <a:r>
+              <a:rPr lang="en-US" dirty="0"/>
+              <a:t>for charm++ objects moved around until they take root</a:t>
+            </a:r>
+          </a:p>
+        </p:txBody>
+      </p:sp>
+      <p:sp>
+        <p:nvSpPr>
+          <p:cNvPr id="4" name="Date Placeholder 3"/>
           <p:cNvSpPr>
             <a:spLocks noGrp="1"/>
           </p:cNvSpPr>
@@ -8035,9 +9640,9 @@
           <a:bodyPr/>
           <a:lstStyle/>
           <a:p>
-            <a:fld id="{C32F9216-0342-7440-9504-BD6C1382BF27}" type="datetime2">
-              <a:rPr lang="en-US" smtClean="0"/>
-              <a:t>Tuesday, September 9, 14</a:t>
+            <a:fld id="{34621E95-60A9-FF44-9869-513D9D7A859F}" type="datetime2">
+              <a:rPr lang="en-US" smtClean="0"/>
+              <a:t>Wednesday, September 10, 14</a:t>
             </a:fld>
             <a:endParaRPr lang="en-US"/>
           </a:p>
@@ -8045,7 +9650,7 @@
       </p:sp>
       <p:sp>
         <p:nvSpPr>
-          <p:cNvPr id="3" name="Footer Placeholder 2"/>
+          <p:cNvPr id="5" name="Footer Placeholder 4"/>
           <p:cNvSpPr>
             <a:spLocks noGrp="1"/>
           </p:cNvSpPr>
@@ -8069,7 +9674,7 @@
       </p:sp>
       <p:sp>
         <p:nvSpPr>
-          <p:cNvPr id="4" name="Slide Number Placeholder 3"/>
+          <p:cNvPr id="6" name="Slide Number Placeholder 5"/>
           <p:cNvSpPr>
             <a:spLocks noGrp="1"/>
           </p:cNvSpPr>
@@ -8091,54 +9696,16 @@
           </a:p>
         </p:txBody>
       </p:sp>
-      <p:sp>
-        <p:nvSpPr>
-          <p:cNvPr id="5" name="TextBox 4"/>
-          <p:cNvSpPr txBox="1"/>
-          <p:nvPr/>
-        </p:nvSpPr>
-        <p:spPr>
-          <a:xfrm>
-            <a:off x="1580962" y="3044280"/>
-            <a:ext cx="5982076" cy="769441"/>
-          </a:xfrm>
-          <a:prstGeom prst="rect">
-            <a:avLst/>
-          </a:prstGeom>
-          <a:noFill/>
-        </p:spPr>
-        <p:txBody>
-          <a:bodyPr wrap="none" rtlCol="0">
-            <a:spAutoFit/>
-          </a:bodyPr>
-          <a:lstStyle/>
-          <a:p>
-            <a:r>
-              <a:rPr lang="en-US" sz="4400" dirty="0" smtClean="0"/>
-              <a:t>Dynamic Load Balancing</a:t>
-            </a:r>
-            <a:endParaRPr lang="en-US" sz="4400" dirty="0"/>
-          </a:p>
-        </p:txBody>
-      </p:sp>
     </p:spTree>
     <p:extLst>
       <p:ext uri="{BB962C8B-B14F-4D97-AF65-F5344CB8AC3E}">
-        <p14:creationId xmlns:p14="http://schemas.microsoft.com/office/powerpoint/2010/main" val="3982516056"/>
+        <p14:creationId xmlns:p14="http://schemas.microsoft.com/office/powerpoint/2010/main" val="4000534778"/>
       </p:ext>
     </p:extLst>
   </p:cSld>
   <p:clrMapOvr>
     <a:masterClrMapping/>
   </p:clrMapOvr>
-  <mc:AlternateContent xmlns:mc="http://schemas.openxmlformats.org/markup-compatibility/2006">
-    <mc:Choice xmlns:p14="http://schemas.microsoft.com/office/powerpoint/2010/main" Requires="p14">
-      <p:transition spd="slow" p14:dur="2000"/>
-    </mc:Choice>
-    <mc:Fallback>
-      <p:transition xmlns:p14="http://schemas.microsoft.com/office/powerpoint/2010/main" spd="slow"/>
-    </mc:Fallback>
-  </mc:AlternateContent>
 </p:sld>
 </file>
 
@@ -8172,13 +9739,13 @@
         <p:spPr/>
         <p:txBody>
           <a:bodyPr>
-            <a:normAutofit fontScale="90000"/>
+            <a:normAutofit/>
           </a:bodyPr>
           <a:lstStyle/>
           <a:p>
             <a:r>
               <a:rPr lang="en-US" dirty="0"/>
-              <a:t>Load Balancing on Large Machines</a:t>
+              <a:t>Hierarchical Load Balancers</a:t>
             </a:r>
           </a:p>
         </p:txBody>
@@ -8195,64 +9762,30 @@
         </p:nvSpPr>
         <p:spPr/>
         <p:txBody>
-          <a:bodyPr/>
-          <a:lstStyle/>
-          <a:p>
-            <a:r>
-              <a:rPr lang="en-US" dirty="0"/>
-              <a:t>Centralized load balancing strategies </a:t>
-            </a:r>
-            <a:r>
-              <a:rPr lang="en-US" dirty="0" smtClean="0"/>
-              <a:t>don’t </a:t>
-            </a:r>
-            <a:r>
-              <a:rPr lang="en-US" dirty="0"/>
-              <a:t>scale on extremely large machines</a:t>
-            </a:r>
-          </a:p>
-          <a:p>
-            <a:r>
-              <a:rPr lang="en-US" dirty="0"/>
-              <a:t>Limitations of centralized strategies:</a:t>
-            </a:r>
-          </a:p>
-          <a:p>
-            <a:pPr lvl="1"/>
-            <a:r>
-              <a:rPr lang="en-US" dirty="0" smtClean="0"/>
-              <a:t>Central </a:t>
-            </a:r>
-            <a:r>
-              <a:rPr lang="en-US" dirty="0"/>
-              <a:t>node: memory/communication bottleneck </a:t>
+          <a:bodyPr anchor="ctr"/>
+          <a:lstStyle/>
+          <a:p>
+            <a:r>
+              <a:rPr lang="en-US" dirty="0"/>
+              <a:t>Partition processor allocation into processor groups </a:t>
             </a:r>
             <a:endParaRPr lang="en-US" dirty="0" smtClean="0"/>
           </a:p>
           <a:p>
-            <a:pPr lvl="1"/>
-            <a:r>
-              <a:rPr lang="en-US" dirty="0" smtClean="0"/>
-              <a:t>Decision</a:t>
-            </a:r>
-            <a:r>
-              <a:rPr lang="en-US" dirty="0"/>
-              <a:t>-making algorithms tend to be very slow</a:t>
-            </a:r>
-          </a:p>
-          <a:p>
-            <a:r>
-              <a:rPr lang="en-US" dirty="0"/>
-              <a:t>Limitations of distributed strategies:</a:t>
-            </a:r>
-          </a:p>
-          <a:p>
-            <a:pPr lvl="1"/>
-            <a:r>
-              <a:rPr lang="en-US" dirty="0" smtClean="0"/>
-              <a:t>Difficult to achieve well-informed load balancing decisions</a:t>
-            </a:r>
-            <a:endParaRPr lang="en-US" dirty="0"/>
+            <a:r>
+              <a:rPr lang="en-US" dirty="0" smtClean="0"/>
+              <a:t>Apply different </a:t>
+            </a:r>
+            <a:r>
+              <a:rPr lang="en-US" dirty="0"/>
+              <a:t>strategies at each level</a:t>
+            </a:r>
+          </a:p>
+          <a:p>
+            <a:r>
+              <a:rPr lang="en-US" dirty="0"/>
+              <a:t>Scalable to a large number of processors</a:t>
+            </a:r>
           </a:p>
         </p:txBody>
       </p:sp>
@@ -8273,7 +9806,7 @@
           <a:p>
             <a:fld id="{34621E95-60A9-FF44-9869-513D9D7A859F}" type="datetime2">
               <a:rPr lang="en-US" smtClean="0"/>
-              <a:t>Tuesday, September 9, 14</a:t>
+              <a:t>Wednesday, September 10, 14</a:t>
             </a:fld>
             <a:endParaRPr lang="en-US"/>
           </a:p>
@@ -8330,7 +9863,7 @@
     </p:spTree>
     <p:extLst>
       <p:ext uri="{BB962C8B-B14F-4D97-AF65-F5344CB8AC3E}">
-        <p14:creationId xmlns:p14="http://schemas.microsoft.com/office/powerpoint/2010/main" val="2075500013"/>
+        <p14:creationId xmlns:p14="http://schemas.microsoft.com/office/powerpoint/2010/main" val="3120527482"/>
       </p:ext>
     </p:extLst>
   </p:cSld>
@@ -8370,56 +9903,42 @@
         <p:spPr/>
         <p:txBody>
           <a:bodyPr>
-            <a:normAutofit fontScale="90000"/>
+            <a:normAutofit/>
           </a:bodyPr>
           <a:lstStyle/>
           <a:p>
             <a:r>
               <a:rPr lang="en-US" dirty="0"/>
-              <a:t>Hierarchical Load Balancers</a:t>
-            </a:r>
-          </a:p>
-        </p:txBody>
-      </p:sp>
-      <p:sp>
-        <p:nvSpPr>
-          <p:cNvPr id="3" name="Content Placeholder 2"/>
-          <p:cNvSpPr>
-            <a:spLocks noGrp="1"/>
-          </p:cNvSpPr>
+              <a:t>Our Hybrid Scheme</a:t>
+            </a:r>
+          </a:p>
+        </p:txBody>
+      </p:sp>
+      <p:pic>
+        <p:nvPicPr>
+          <p:cNvPr id="7" name="Content Placeholder 6" descr="hybridLBScheme.png"/>
+          <p:cNvPicPr>
+            <a:picLocks noGrp="1" noChangeAspect="1"/>
+          </p:cNvPicPr>
           <p:nvPr>
             <p:ph idx="1"/>
           </p:nvPr>
-        </p:nvSpPr>
-        <p:spPr/>
-        <p:txBody>
-          <a:bodyPr anchor="ctr"/>
-          <a:lstStyle/>
-          <a:p>
-            <a:r>
-              <a:rPr lang="en-US" dirty="0"/>
-              <a:t>Partition processor allocation into processor groups </a:t>
-            </a:r>
-            <a:endParaRPr lang="en-US" dirty="0" smtClean="0"/>
-          </a:p>
-          <a:p>
-            <a:r>
-              <a:rPr lang="en-US" dirty="0" smtClean="0"/>
-              <a:t>Apply different </a:t>
-            </a:r>
-            <a:r>
-              <a:rPr lang="en-US" dirty="0"/>
-              <a:t>strategies at each level</a:t>
-            </a:r>
-          </a:p>
-          <a:p>
-            <a:r>
-              <a:rPr lang="en-US" dirty="0"/>
-              <a:t>Scalable to a large number of processors</a:t>
-            </a:r>
-          </a:p>
-        </p:txBody>
-      </p:sp>
+        </p:nvPicPr>
+        <p:blipFill>
+          <a:blip r:embed="rId2">
+            <a:extLst>
+              <a:ext uri="{28A0092B-C50C-407E-A947-70E740481C1C}">
+                <a14:useLocalDpi xmlns:a14="http://schemas.microsoft.com/office/drawing/2010/main" val="0"/>
+              </a:ext>
+            </a:extLst>
+          </a:blip>
+          <a:srcRect t="-8503" b="-8503"/>
+          <a:stretch>
+            <a:fillRect/>
+          </a:stretch>
+        </p:blipFill>
+        <p:spPr/>
+      </p:pic>
       <p:sp>
         <p:nvSpPr>
           <p:cNvPr id="4" name="Date Placeholder 3"/>
@@ -8437,7 +9956,7 @@
           <a:p>
             <a:fld id="{34621E95-60A9-FF44-9869-513D9D7A859F}" type="datetime2">
               <a:rPr lang="en-US" smtClean="0"/>
-              <a:t>Tuesday, September 9, 14</a:t>
+              <a:t>Wednesday, September 10, 14</a:t>
             </a:fld>
             <a:endParaRPr lang="en-US"/>
           </a:p>
@@ -8494,7 +10013,7 @@
     </p:spTree>
     <p:extLst>
       <p:ext uri="{BB962C8B-B14F-4D97-AF65-F5344CB8AC3E}">
-        <p14:creationId xmlns:p14="http://schemas.microsoft.com/office/powerpoint/2010/main" val="3120527482"/>
+        <p14:creationId xmlns:p14="http://schemas.microsoft.com/office/powerpoint/2010/main" val="1948754625"/>
       </p:ext>
     </p:extLst>
   </p:cSld>
@@ -8539,37 +10058,114 @@
           <a:lstStyle/>
           <a:p>
             <a:r>
-              <a:rPr lang="en-US" dirty="0"/>
-              <a:t>Our Hybrid Scheme</a:t>
-            </a:r>
-          </a:p>
-        </p:txBody>
-      </p:sp>
-      <p:pic>
-        <p:nvPicPr>
-          <p:cNvPr id="7" name="Content Placeholder 6" descr="hybridLBScheme.png"/>
-          <p:cNvPicPr>
-            <a:picLocks noGrp="1" noChangeAspect="1"/>
-          </p:cNvPicPr>
+              <a:rPr lang="en-US" dirty="0" err="1"/>
+              <a:t>MetaBalancer</a:t>
+            </a:r>
+            <a:r>
+              <a:rPr lang="en-US" dirty="0"/>
+              <a:t> - When and how to load balance?</a:t>
+            </a:r>
+          </a:p>
+        </p:txBody>
+      </p:sp>
+      <p:sp>
+        <p:nvSpPr>
+          <p:cNvPr id="3" name="Content Placeholder 2"/>
+          <p:cNvSpPr>
+            <a:spLocks noGrp="1"/>
+          </p:cNvSpPr>
           <p:nvPr>
             <p:ph idx="1"/>
           </p:nvPr>
-        </p:nvPicPr>
-        <p:blipFill>
-          <a:blip r:embed="rId2">
-            <a:extLst>
-              <a:ext uri="{28A0092B-C50C-407E-A947-70E740481C1C}">
-                <a14:useLocalDpi xmlns:a14="http://schemas.microsoft.com/office/drawing/2010/main" val="0"/>
-              </a:ext>
-            </a:extLst>
-          </a:blip>
-          <a:srcRect t="-8989" b="-8989"/>
-          <a:stretch>
-            <a:fillRect/>
-          </a:stretch>
-        </p:blipFill>
-        <p:spPr/>
-      </p:pic>
+        </p:nvSpPr>
+        <p:spPr/>
+        <p:txBody>
+          <a:bodyPr/>
+          <a:lstStyle/>
+          <a:p>
+            <a:r>
+              <a:rPr lang="en-US" dirty="0" smtClean="0"/>
+              <a:t>Difficult </a:t>
+            </a:r>
+            <a:r>
+              <a:rPr lang="en-US" dirty="0"/>
+              <a:t>to find the optimum load balancing period </a:t>
+            </a:r>
+          </a:p>
+          <a:p>
+            <a:pPr lvl="1"/>
+            <a:r>
+              <a:rPr lang="en-US" dirty="0" smtClean="0"/>
+              <a:t>Depends </a:t>
+            </a:r>
+            <a:r>
+              <a:rPr lang="en-US" dirty="0"/>
+              <a:t>on the application </a:t>
+            </a:r>
+            <a:r>
+              <a:rPr lang="en-US" dirty="0" smtClean="0"/>
+              <a:t>characteristics</a:t>
+            </a:r>
+            <a:endParaRPr lang="en-US" dirty="0"/>
+          </a:p>
+          <a:p>
+            <a:pPr lvl="1"/>
+            <a:r>
+              <a:rPr lang="en-US" dirty="0" smtClean="0"/>
+              <a:t>Depends </a:t>
+            </a:r>
+            <a:r>
+              <a:rPr lang="en-US" dirty="0"/>
+              <a:t>on the machine the application is run on </a:t>
+            </a:r>
+          </a:p>
+          <a:p>
+            <a:r>
+              <a:rPr lang="en-US" dirty="0"/>
+              <a:t>Monitors the application continuously and predicts </a:t>
+            </a:r>
+            <a:r>
+              <a:rPr lang="en-US" dirty="0" smtClean="0"/>
+              <a:t>behavior.</a:t>
+            </a:r>
+          </a:p>
+          <a:p>
+            <a:r>
+              <a:rPr lang="en-US" dirty="0" smtClean="0"/>
+              <a:t>Decides </a:t>
+            </a:r>
+            <a:r>
+              <a:rPr lang="en-US" dirty="0"/>
+              <a:t>when to invoke which load </a:t>
+            </a:r>
+            <a:r>
+              <a:rPr lang="en-US" dirty="0" smtClean="0"/>
+              <a:t>balancer.</a:t>
+            </a:r>
+          </a:p>
+          <a:p>
+            <a:r>
+              <a:rPr lang="en-US" dirty="0" smtClean="0"/>
+              <a:t>Command </a:t>
+            </a:r>
+            <a:r>
+              <a:rPr lang="en-US" dirty="0"/>
+              <a:t>line argument - +</a:t>
+            </a:r>
+            <a:r>
+              <a:rPr lang="en-US" dirty="0" err="1"/>
+              <a:t>MetaLB</a:t>
+            </a:r>
+            <a:r>
+              <a:rPr lang="en-US" dirty="0"/>
+              <a:t> </a:t>
+            </a:r>
+            <a:endParaRPr lang="en-US" dirty="0">
+              <a:effectLst/>
+            </a:endParaRPr>
+          </a:p>
+        </p:txBody>
+      </p:sp>
       <p:sp>
         <p:nvSpPr>
           <p:cNvPr id="4" name="Date Placeholder 3"/>
@@ -8587,7 +10183,7 @@
           <a:p>
             <a:fld id="{34621E95-60A9-FF44-9869-513D9D7A859F}" type="datetime2">
               <a:rPr lang="en-US" smtClean="0"/>
-              <a:t>Tuesday, September 9, 14</a:t>
+              <a:t>Wednesday, September 10, 14</a:t>
             </a:fld>
             <a:endParaRPr lang="en-US"/>
           </a:p>
@@ -8644,7 +10240,7 @@
     </p:spTree>
     <p:extLst>
       <p:ext uri="{BB962C8B-B14F-4D97-AF65-F5344CB8AC3E}">
-        <p14:creationId xmlns:p14="http://schemas.microsoft.com/office/powerpoint/2010/main" val="1948754625"/>
+        <p14:creationId xmlns:p14="http://schemas.microsoft.com/office/powerpoint/2010/main" val="3819061467"/>
       </p:ext>
     </p:extLst>
   </p:cSld>
@@ -8690,233 +10286,6 @@
           <a:p>
             <a:r>
               <a:rPr lang="en-US" dirty="0" err="1"/>
-              <a:t>MetaBalancer</a:t>
-            </a:r>
-            <a:r>
-              <a:rPr lang="en-US" dirty="0"/>
-              <a:t> - When and how to load balance?</a:t>
-            </a:r>
-          </a:p>
-        </p:txBody>
-      </p:sp>
-      <p:sp>
-        <p:nvSpPr>
-          <p:cNvPr id="3" name="Content Placeholder 2"/>
-          <p:cNvSpPr>
-            <a:spLocks noGrp="1"/>
-          </p:cNvSpPr>
-          <p:nvPr>
-            <p:ph idx="1"/>
-          </p:nvPr>
-        </p:nvSpPr>
-        <p:spPr/>
-        <p:txBody>
-          <a:bodyPr/>
-          <a:lstStyle/>
-          <a:p>
-            <a:r>
-              <a:rPr lang="en-US" dirty="0" smtClean="0"/>
-              <a:t>Difficult </a:t>
-            </a:r>
-            <a:r>
-              <a:rPr lang="en-US" dirty="0"/>
-              <a:t>to find the optimum load balancing period </a:t>
-            </a:r>
-          </a:p>
-          <a:p>
-            <a:pPr lvl="1"/>
-            <a:r>
-              <a:rPr lang="en-US" dirty="0" smtClean="0"/>
-              <a:t>Depends </a:t>
-            </a:r>
-            <a:r>
-              <a:rPr lang="en-US" dirty="0"/>
-              <a:t>on the application </a:t>
-            </a:r>
-            <a:r>
-              <a:rPr lang="en-US" dirty="0" smtClean="0"/>
-              <a:t>characteristics</a:t>
-            </a:r>
-            <a:endParaRPr lang="en-US" dirty="0"/>
-          </a:p>
-          <a:p>
-            <a:pPr lvl="1"/>
-            <a:r>
-              <a:rPr lang="en-US" dirty="0" smtClean="0"/>
-              <a:t>Depends </a:t>
-            </a:r>
-            <a:r>
-              <a:rPr lang="en-US" dirty="0"/>
-              <a:t>on the machine the application is run on </a:t>
-            </a:r>
-          </a:p>
-          <a:p>
-            <a:r>
-              <a:rPr lang="en-US" dirty="0"/>
-              <a:t>Monitors the application continuously and predicts </a:t>
-            </a:r>
-            <a:r>
-              <a:rPr lang="en-US" dirty="0" smtClean="0"/>
-              <a:t>behavior.</a:t>
-            </a:r>
-          </a:p>
-          <a:p>
-            <a:r>
-              <a:rPr lang="en-US" dirty="0" smtClean="0"/>
-              <a:t>Decides </a:t>
-            </a:r>
-            <a:r>
-              <a:rPr lang="en-US" dirty="0"/>
-              <a:t>when to invoke which load </a:t>
-            </a:r>
-            <a:r>
-              <a:rPr lang="en-US" dirty="0" smtClean="0"/>
-              <a:t>balancer.</a:t>
-            </a:r>
-          </a:p>
-          <a:p>
-            <a:r>
-              <a:rPr lang="en-US" dirty="0" smtClean="0"/>
-              <a:t>Command </a:t>
-            </a:r>
-            <a:r>
-              <a:rPr lang="en-US" dirty="0"/>
-              <a:t>line argument - +</a:t>
-            </a:r>
-            <a:r>
-              <a:rPr lang="en-US" dirty="0" err="1"/>
-              <a:t>MetaLB</a:t>
-            </a:r>
-            <a:r>
-              <a:rPr lang="en-US" dirty="0"/>
-              <a:t> </a:t>
-            </a:r>
-            <a:endParaRPr lang="en-US" dirty="0">
-              <a:effectLst/>
-            </a:endParaRPr>
-          </a:p>
-        </p:txBody>
-      </p:sp>
-      <p:sp>
-        <p:nvSpPr>
-          <p:cNvPr id="4" name="Date Placeholder 3"/>
-          <p:cNvSpPr>
-            <a:spLocks noGrp="1"/>
-          </p:cNvSpPr>
-          <p:nvPr>
-            <p:ph type="dt" sz="half" idx="10"/>
-          </p:nvPr>
-        </p:nvSpPr>
-        <p:spPr/>
-        <p:txBody>
-          <a:bodyPr/>
-          <a:lstStyle/>
-          <a:p>
-            <a:fld id="{34621E95-60A9-FF44-9869-513D9D7A859F}" type="datetime2">
-              <a:rPr lang="en-US" smtClean="0"/>
-              <a:t>Tuesday, September 9, 14</a:t>
-            </a:fld>
-            <a:endParaRPr lang="en-US"/>
-          </a:p>
-        </p:txBody>
-      </p:sp>
-      <p:sp>
-        <p:nvSpPr>
-          <p:cNvPr id="5" name="Footer Placeholder 4"/>
-          <p:cNvSpPr>
-            <a:spLocks noGrp="1"/>
-          </p:cNvSpPr>
-          <p:nvPr>
-            <p:ph type="ftr" sz="quarter" idx="11"/>
-          </p:nvPr>
-        </p:nvSpPr>
-        <p:spPr/>
-        <p:txBody>
-          <a:bodyPr/>
-          <a:lstStyle/>
-          <a:p>
-            <a:pPr algn="r"/>
-            <a:r>
-              <a:rPr lang="en-US" smtClean="0"/>
-              <a:t>Sanjay Kalé and PPL (UIUC) – Parallel Migratable Objects </a:t>
-            </a:r>
-            <a:endParaRPr lang="en-US" dirty="0"/>
-          </a:p>
-        </p:txBody>
-      </p:sp>
-      <p:sp>
-        <p:nvSpPr>
-          <p:cNvPr id="6" name="Slide Number Placeholder 5"/>
-          <p:cNvSpPr>
-            <a:spLocks noGrp="1"/>
-          </p:cNvSpPr>
-          <p:nvPr>
-            <p:ph type="sldNum" sz="quarter" idx="12"/>
-          </p:nvPr>
-        </p:nvSpPr>
-        <p:spPr/>
-        <p:txBody>
-          <a:bodyPr/>
-          <a:lstStyle/>
-          <a:p>
-            <a:fld id="{0CFEC368-1D7A-4F81-ABF6-AE0E36BAF64C}" type="slidenum">
-              <a:rPr lang="en-US" smtClean="0"/>
-              <a:pPr/>
-              <a:t>23</a:t>
-            </a:fld>
-            <a:endParaRPr lang="en-US"/>
-          </a:p>
-        </p:txBody>
-      </p:sp>
-    </p:spTree>
-    <p:extLst>
-      <p:ext uri="{BB962C8B-B14F-4D97-AF65-F5344CB8AC3E}">
-        <p14:creationId xmlns:p14="http://schemas.microsoft.com/office/powerpoint/2010/main" val="3819061467"/>
-      </p:ext>
-    </p:extLst>
-  </p:cSld>
-  <p:clrMapOvr>
-    <a:masterClrMapping/>
-  </p:clrMapOvr>
-</p:sld>
-</file>
-
-<file path=ppt/slides/slide24.xml><?xml version="1.0" encoding="utf-8"?>
-<p:sld xmlns:a="http://schemas.openxmlformats.org/drawingml/2006/main" xmlns:r="http://schemas.openxmlformats.org/officeDocument/2006/relationships" xmlns:p="http://schemas.openxmlformats.org/presentationml/2006/main">
-  <p:cSld>
-    <p:spTree>
-      <p:nvGrpSpPr>
-        <p:cNvPr id="1" name=""/>
-        <p:cNvGrpSpPr/>
-        <p:nvPr/>
-      </p:nvGrpSpPr>
-      <p:grpSpPr>
-        <a:xfrm>
-          <a:off x="0" y="0"/>
-          <a:ext cx="0" cy="0"/>
-          <a:chOff x="0" y="0"/>
-          <a:chExt cx="0" cy="0"/>
-        </a:xfrm>
-      </p:grpSpPr>
-      <p:sp>
-        <p:nvSpPr>
-          <p:cNvPr id="2" name="Title 1"/>
-          <p:cNvSpPr>
-            <a:spLocks noGrp="1"/>
-          </p:cNvSpPr>
-          <p:nvPr>
-            <p:ph type="title"/>
-          </p:nvPr>
-        </p:nvSpPr>
-        <p:spPr/>
-        <p:txBody>
-          <a:bodyPr>
-            <a:normAutofit fontScale="90000"/>
-          </a:bodyPr>
-          <a:lstStyle/>
-          <a:p>
-            <a:r>
-              <a:rPr lang="en-US" dirty="0" err="1"/>
               <a:t>Metabalancer</a:t>
             </a:r>
             <a:r>
@@ -8978,7 +10347,7 @@
           <a:p>
             <a:fld id="{34621E95-60A9-FF44-9869-513D9D7A859F}" type="datetime2">
               <a:rPr lang="en-US" smtClean="0"/>
-              <a:t>Tuesday, September 9, 14</a:t>
+              <a:t>Wednesday, September 10, 14</a:t>
             </a:fld>
             <a:endParaRPr lang="en-US"/>
           </a:p>
@@ -9026,7 +10395,7 @@
             <a:fld id="{0CFEC368-1D7A-4F81-ABF6-AE0E36BAF64C}" type="slidenum">
               <a:rPr lang="en-US" smtClean="0"/>
               <a:pPr/>
-              <a:t>24</a:t>
+              <a:t>23</a:t>
             </a:fld>
             <a:endParaRPr lang="en-US"/>
           </a:p>
@@ -9075,113 +10444,42 @@
         <p:spPr/>
         <p:txBody>
           <a:bodyPr>
-            <a:normAutofit fontScale="90000"/>
+            <a:normAutofit/>
           </a:bodyPr>
           <a:lstStyle/>
           <a:p>
             <a:r>
               <a:rPr lang="en-US" dirty="0"/>
-              <a:t>Automatic Dynamic Load Balancing</a:t>
-            </a:r>
-          </a:p>
-        </p:txBody>
-      </p:sp>
-      <p:sp>
-        <p:nvSpPr>
-          <p:cNvPr id="3" name="Content Placeholder 2"/>
-          <p:cNvSpPr>
-            <a:spLocks noGrp="1"/>
-          </p:cNvSpPr>
+              <a:t>Typical Load Balancing Steps</a:t>
+            </a:r>
+          </a:p>
+        </p:txBody>
+      </p:sp>
+      <p:pic>
+        <p:nvPicPr>
+          <p:cNvPr id="7" name="Content Placeholder 6" descr="LBStepsDiagram.png"/>
+          <p:cNvPicPr>
+            <a:picLocks noGrp="1" noChangeAspect="1"/>
+          </p:cNvPicPr>
           <p:nvPr>
             <p:ph idx="1"/>
           </p:nvPr>
-        </p:nvSpPr>
-        <p:spPr/>
-        <p:txBody>
-          <a:bodyPr anchor="ctr"/>
-          <a:lstStyle/>
-          <a:p>
-            <a:r>
-              <a:rPr lang="en-US" dirty="0"/>
-              <a:t>Measurement based load balancers</a:t>
-            </a:r>
-          </a:p>
-          <a:p>
-            <a:pPr lvl="1"/>
-            <a:r>
-              <a:rPr lang="en-US" dirty="0" smtClean="0"/>
-              <a:t>Principle </a:t>
-            </a:r>
-            <a:r>
-              <a:rPr lang="en-US" dirty="0"/>
-              <a:t>of persistence: In many CSE applications, computational loads and communication patterns tend to persist, even in dynamic computations</a:t>
-            </a:r>
-          </a:p>
-          <a:p>
-            <a:pPr lvl="1"/>
-            <a:r>
-              <a:rPr lang="en-US" dirty="0" smtClean="0"/>
-              <a:t>Therefore</a:t>
-            </a:r>
-            <a:r>
-              <a:rPr lang="en-US" dirty="0"/>
-              <a:t>, recent past is a good predictor of near future </a:t>
-            </a:r>
-            <a:endParaRPr lang="en-US" dirty="0" smtClean="0"/>
-          </a:p>
-          <a:p>
-            <a:pPr lvl="1"/>
-            <a:r>
-              <a:rPr lang="en-US" dirty="0" smtClean="0"/>
-              <a:t>Charm</a:t>
-            </a:r>
-            <a:r>
-              <a:rPr lang="en-US" dirty="0"/>
-              <a:t>++ provides a suite of load-balancers</a:t>
-            </a:r>
-          </a:p>
-          <a:p>
-            <a:pPr lvl="1"/>
-            <a:r>
-              <a:rPr lang="en-US" dirty="0" smtClean="0"/>
-              <a:t>Periodic </a:t>
-            </a:r>
-            <a:r>
-              <a:rPr lang="en-US" dirty="0"/>
-              <a:t>measurement and migration of objects</a:t>
-            </a:r>
-          </a:p>
-          <a:p>
-            <a:r>
-              <a:rPr lang="en-US" dirty="0"/>
-              <a:t>Seed balancers (for task-parallelism)</a:t>
-            </a:r>
-          </a:p>
-          <a:p>
-            <a:pPr lvl="1"/>
-            <a:r>
-              <a:rPr lang="en-US" dirty="0" smtClean="0"/>
-              <a:t>Useful </a:t>
-            </a:r>
-            <a:r>
-              <a:rPr lang="en-US" dirty="0"/>
-              <a:t>for divide-and-conquer and state-space-search applications </a:t>
-            </a:r>
-            <a:endParaRPr lang="en-US" dirty="0" smtClean="0"/>
-          </a:p>
-          <a:p>
-            <a:pPr lvl="1"/>
-            <a:r>
-              <a:rPr lang="en-US" dirty="0" smtClean="0"/>
-              <a:t>Seeds </a:t>
-            </a:r>
-            <a:r>
-              <a:rPr lang="en-US" dirty="0"/>
-              <a:t>for charm++ objects moved around until they take root</a:t>
-            </a:r>
-          </a:p>
-        </p:txBody>
-      </p:sp>
+        </p:nvPicPr>
+        <p:blipFill>
+          <a:blip r:embed="rId2">
+            <a:extLst>
+              <a:ext uri="{28A0092B-C50C-407E-A947-70E740481C1C}">
+                <a14:useLocalDpi xmlns:a14="http://schemas.microsoft.com/office/drawing/2010/main" val="0"/>
+              </a:ext>
+            </a:extLst>
+          </a:blip>
+          <a:srcRect t="-2391" b="-2391"/>
+          <a:stretch>
+            <a:fillRect/>
+          </a:stretch>
+        </p:blipFill>
+        <p:spPr/>
+      </p:pic>
       <p:sp>
         <p:nvSpPr>
           <p:cNvPr id="4" name="Date Placeholder 3"/>
@@ -9199,7 +10497,7 @@
           <a:p>
             <a:fld id="{34621E95-60A9-FF44-9869-513D9D7A859F}" type="datetime2">
               <a:rPr lang="en-US" smtClean="0"/>
-              <a:t>Tuesday, September 9, 14</a:t>
+              <a:t>Wednesday, September 10, 14</a:t>
             </a:fld>
             <a:endParaRPr lang="en-US"/>
           </a:p>
@@ -9256,7 +10554,7 @@
     </p:spTree>
     <p:extLst>
       <p:ext uri="{BB962C8B-B14F-4D97-AF65-F5344CB8AC3E}">
-        <p14:creationId xmlns:p14="http://schemas.microsoft.com/office/powerpoint/2010/main" val="4000534778"/>
+        <p14:creationId xmlns:p14="http://schemas.microsoft.com/office/powerpoint/2010/main" val="2433402799"/>
       </p:ext>
     </p:extLst>
   </p:cSld>
@@ -9296,42 +10594,140 @@
         <p:spPr/>
         <p:txBody>
           <a:bodyPr>
-            <a:normAutofit fontScale="90000"/>
+            <a:normAutofit/>
           </a:bodyPr>
           <a:lstStyle/>
           <a:p>
             <a:r>
               <a:rPr lang="en-US" dirty="0"/>
-              <a:t>Typical Load Balancing Steps</a:t>
-            </a:r>
-          </a:p>
-        </p:txBody>
-      </p:sp>
-      <p:pic>
-        <p:nvPicPr>
-          <p:cNvPr id="7" name="Content Placeholder 6" descr="LBStepsDiagram.png"/>
-          <p:cNvPicPr>
-            <a:picLocks noGrp="1" noChangeAspect="1"/>
-          </p:cNvPicPr>
+              <a:t>Code to Use Load Balancing</a:t>
+            </a:r>
+          </a:p>
+        </p:txBody>
+      </p:sp>
+      <p:sp>
+        <p:nvSpPr>
+          <p:cNvPr id="3" name="Content Placeholder 2"/>
+          <p:cNvSpPr>
+            <a:spLocks noGrp="1"/>
+          </p:cNvSpPr>
           <p:nvPr>
             <p:ph idx="1"/>
           </p:nvPr>
-        </p:nvPicPr>
-        <p:blipFill>
-          <a:blip r:embed="rId2">
-            <a:extLst>
-              <a:ext uri="{28A0092B-C50C-407E-A947-70E740481C1C}">
-                <a14:useLocalDpi xmlns:a14="http://schemas.microsoft.com/office/drawing/2010/main" val="0"/>
-              </a:ext>
-            </a:extLst>
-          </a:blip>
-          <a:srcRect t="-2827" b="-2827"/>
-          <a:stretch>
-            <a:fillRect/>
-          </a:stretch>
-        </p:blipFill>
-        <p:spPr/>
-      </p:pic>
+        </p:nvSpPr>
+        <p:spPr/>
+        <p:txBody>
+          <a:bodyPr/>
+          <a:lstStyle/>
+          <a:p>
+            <a:r>
+              <a:rPr lang="en-US" dirty="0"/>
+              <a:t>Write PUP method to serialize the state of a </a:t>
+            </a:r>
+            <a:r>
+              <a:rPr lang="en-US" dirty="0" err="1"/>
+              <a:t>chare</a:t>
+            </a:r>
+            <a:endParaRPr lang="en-US" dirty="0"/>
+          </a:p>
+          <a:p>
+            <a:r>
+              <a:rPr lang="en-US" dirty="0"/>
+              <a:t>Insert </a:t>
+            </a:r>
+            <a:r>
+              <a:rPr lang="en-US" dirty="0" smtClean="0">
+                <a:latin typeface="Lucida Console"/>
+                <a:cs typeface="Lucida Console"/>
+              </a:rPr>
+              <a:t>if(</a:t>
+            </a:r>
+            <a:r>
+              <a:rPr lang="en-US" dirty="0" err="1" smtClean="0">
+                <a:latin typeface="Lucida Console"/>
+                <a:cs typeface="Lucida Console"/>
+              </a:rPr>
+              <a:t>myLBStep</a:t>
+            </a:r>
+            <a:r>
+              <a:rPr lang="en-US" dirty="0" smtClean="0">
+                <a:latin typeface="Lucida Console"/>
+                <a:cs typeface="Lucida Console"/>
+              </a:rPr>
+              <a:t>) At Sync();</a:t>
+            </a:r>
+            <a:r>
+              <a:rPr lang="en-US" dirty="0" smtClean="0">
+                <a:latin typeface="+mn-lt"/>
+                <a:cs typeface="Lucida Console"/>
+              </a:rPr>
+              <a:t> </a:t>
+            </a:r>
+            <a:r>
+              <a:rPr lang="en-US" dirty="0" smtClean="0"/>
+              <a:t>call </a:t>
+            </a:r>
+            <a:r>
+              <a:rPr lang="en-US" dirty="0"/>
+              <a:t>at natural barrier</a:t>
+            </a:r>
+          </a:p>
+          <a:p>
+            <a:r>
+              <a:rPr lang="en-US" dirty="0"/>
+              <a:t>Implement </a:t>
+            </a:r>
+            <a:r>
+              <a:rPr lang="en-US" dirty="0" err="1" smtClean="0">
+                <a:latin typeface="Lucida Console"/>
+                <a:cs typeface="Lucida Console"/>
+              </a:rPr>
+              <a:t>ResumeFromSync</a:t>
+            </a:r>
+            <a:r>
+              <a:rPr lang="en-US" dirty="0" smtClean="0">
+                <a:latin typeface="Lucida Console"/>
+                <a:cs typeface="Lucida Console"/>
+              </a:rPr>
+              <a:t>()</a:t>
+            </a:r>
+            <a:r>
+              <a:rPr lang="en-US" dirty="0" smtClean="0">
+                <a:latin typeface="+mn-lt"/>
+                <a:cs typeface="Lucida Console"/>
+              </a:rPr>
+              <a:t> </a:t>
+            </a:r>
+            <a:r>
+              <a:rPr lang="en-US" dirty="0" smtClean="0"/>
+              <a:t>to </a:t>
+            </a:r>
+            <a:r>
+              <a:rPr lang="en-US" dirty="0"/>
+              <a:t>resume execution </a:t>
+            </a:r>
+            <a:endParaRPr lang="en-US" dirty="0" smtClean="0"/>
+          </a:p>
+          <a:p>
+            <a:pPr lvl="1"/>
+            <a:r>
+              <a:rPr lang="en-US" dirty="0" smtClean="0"/>
+              <a:t>Typical </a:t>
+            </a:r>
+            <a:r>
+              <a:rPr lang="en-US" dirty="0" err="1">
+                <a:latin typeface="Consolas"/>
+                <a:cs typeface="Consolas"/>
+              </a:rPr>
+              <a:t>ResumeFromSync</a:t>
+            </a:r>
+            <a:r>
+              <a:rPr lang="en-US" dirty="0"/>
+              <a:t> contribute to a reduction</a:t>
+            </a:r>
+          </a:p>
+        </p:txBody>
+      </p:sp>
       <p:sp>
         <p:nvSpPr>
           <p:cNvPr id="4" name="Date Placeholder 3"/>
@@ -9349,7 +10745,7 @@
           <a:p>
             <a:fld id="{34621E95-60A9-FF44-9869-513D9D7A859F}" type="datetime2">
               <a:rPr lang="en-US" smtClean="0"/>
-              <a:t>Tuesday, September 9, 14</a:t>
+              <a:t>Wednesday, September 10, 14</a:t>
             </a:fld>
             <a:endParaRPr lang="en-US"/>
           </a:p>
@@ -9406,7 +10802,7 @@
     </p:spTree>
     <p:extLst>
       <p:ext uri="{BB962C8B-B14F-4D97-AF65-F5344CB8AC3E}">
-        <p14:creationId xmlns:p14="http://schemas.microsoft.com/office/powerpoint/2010/main" val="2433402799"/>
+        <p14:creationId xmlns:p14="http://schemas.microsoft.com/office/powerpoint/2010/main" val="679438155"/>
       </p:ext>
     </p:extLst>
   </p:cSld>
@@ -9446,13 +10842,13 @@
         <p:spPr/>
         <p:txBody>
           <a:bodyPr>
-            <a:normAutofit fontScale="90000"/>
+            <a:normAutofit/>
           </a:bodyPr>
           <a:lstStyle/>
           <a:p>
             <a:r>
               <a:rPr lang="en-US" dirty="0"/>
-              <a:t>Code to Use Load Balancing</a:t>
+              <a:t>Using the Load Balancer</a:t>
             </a:r>
           </a:p>
         </p:txBody>
@@ -9474,109 +10870,129 @@
           <a:p>
             <a:r>
               <a:rPr lang="en-US" dirty="0"/>
-              <a:t>Write PUP method to serialize the state of a </a:t>
-            </a:r>
-            <a:r>
-              <a:rPr lang="en-US" dirty="0" err="1"/>
-              <a:t>chare</a:t>
-            </a:r>
-            <a:endParaRPr lang="en-US" dirty="0"/>
-          </a:p>
-          <a:p>
-            <a:r>
-              <a:rPr lang="en-US" dirty="0"/>
-              <a:t>Insert </a:t>
-            </a:r>
+              <a:t>link a LB module</a:t>
+            </a:r>
+          </a:p>
+          <a:p>
+            <a:pPr lvl="1"/>
             <a:r>
               <a:rPr lang="en-US" dirty="0" smtClean="0">
                 <a:latin typeface="Lucida Console"/>
                 <a:cs typeface="Lucida Console"/>
               </a:rPr>
-              <a:t>if(</a:t>
+              <a:t>-</a:t>
+            </a:r>
+            <a:r>
+              <a:rPr lang="en-US" dirty="0">
+                <a:latin typeface="Lucida Console"/>
+                <a:cs typeface="Lucida Console"/>
+              </a:rPr>
+              <a:t>module &lt;strategy&gt;</a:t>
+            </a:r>
+          </a:p>
+          <a:p>
+            <a:pPr lvl="1"/>
+            <a:r>
+              <a:rPr lang="en-US" dirty="0" err="1"/>
+              <a:t>RefineLB</a:t>
+            </a:r>
+            <a:r>
+              <a:rPr lang="en-US" dirty="0"/>
+              <a:t>, </a:t>
+            </a:r>
+            <a:r>
+              <a:rPr lang="en-US" dirty="0" err="1"/>
+              <a:t>NeighborLB</a:t>
+            </a:r>
+            <a:r>
+              <a:rPr lang="en-US" dirty="0"/>
+              <a:t>, </a:t>
+            </a:r>
+            <a:r>
+              <a:rPr lang="en-US" dirty="0" err="1"/>
+              <a:t>GreedyCommLB</a:t>
+            </a:r>
+            <a:r>
+              <a:rPr lang="en-US" dirty="0"/>
+              <a:t>, others </a:t>
+            </a:r>
+            <a:endParaRPr lang="en-US" dirty="0" smtClean="0"/>
+          </a:p>
+          <a:p>
+            <a:pPr lvl="1"/>
+            <a:r>
+              <a:rPr lang="en-US" dirty="0" err="1" smtClean="0"/>
+              <a:t>EveryLB</a:t>
+            </a:r>
+            <a:r>
+              <a:rPr lang="en-US" dirty="0" smtClean="0"/>
+              <a:t> </a:t>
+            </a:r>
+            <a:r>
+              <a:rPr lang="en-US" dirty="0"/>
+              <a:t>will include all load balancing strategies</a:t>
+            </a:r>
+          </a:p>
+          <a:p>
+            <a:r>
+              <a:rPr lang="en-US" dirty="0"/>
+              <a:t>compile time option (specify default balancer)</a:t>
+            </a:r>
+          </a:p>
+          <a:p>
+            <a:pPr lvl="1"/>
+            <a:r>
+              <a:rPr lang="en-US" dirty="0" smtClean="0">
+                <a:latin typeface="Lucida Console"/>
+                <a:cs typeface="Lucida Console"/>
+              </a:rPr>
+              <a:t>-balancer </a:t>
             </a:r>
             <a:r>
               <a:rPr lang="en-US" dirty="0" err="1" smtClean="0">
                 <a:latin typeface="Lucida Console"/>
                 <a:cs typeface="Lucida Console"/>
               </a:rPr>
-              <a:t>myLBStep</a:t>
-            </a:r>
+              <a:t>RefineLB</a:t>
+            </a:r>
+            <a:endParaRPr lang="en-US" dirty="0">
+              <a:latin typeface="Lucida Console"/>
+              <a:cs typeface="Lucida Console"/>
+            </a:endParaRPr>
+          </a:p>
+          <a:p>
+            <a:r>
+              <a:rPr lang="en-US" dirty="0"/>
+              <a:t>runtime option</a:t>
+            </a:r>
+          </a:p>
+          <a:p>
+            <a:pPr lvl="1"/>
             <a:r>
               <a:rPr lang="en-US" dirty="0" smtClean="0">
                 <a:latin typeface="Lucida Console"/>
                 <a:cs typeface="Lucida Console"/>
               </a:rPr>
-              <a:t>) At Sync();</a:t>
-            </a:r>
-            <a:r>
-              <a:rPr lang="en-US" dirty="0" smtClean="0">
-                <a:latin typeface="+mn-lt"/>
-                <a:cs typeface="Lucida Console"/>
-              </a:rPr>
-              <a:t> </a:t>
-            </a:r>
-            <a:r>
-              <a:rPr lang="en-US" dirty="0" smtClean="0"/>
-              <a:t>call </a:t>
-            </a:r>
-            <a:r>
-              <a:rPr lang="en-US" dirty="0"/>
-              <a:t>at natural barrier</a:t>
-            </a:r>
-          </a:p>
-          <a:p>
-            <a:r>
-              <a:rPr lang="en-US" dirty="0"/>
-              <a:t>Implement </a:t>
-            </a:r>
-            <a:r>
-              <a:rPr lang="en-US" dirty="0" err="1" smtClean="0">
+              <a:t>+</a:t>
+            </a:r>
+            <a:r>
+              <a:rPr lang="en-US" dirty="0">
                 <a:latin typeface="Lucida Console"/>
                 <a:cs typeface="Lucida Console"/>
               </a:rPr>
-              <a:t>ResumeFromSync</a:t>
-            </a:r>
-            <a:r>
-              <a:rPr lang="en-US" dirty="0" smtClean="0">
+              <a:t>balancer </a:t>
+            </a:r>
+            <a:r>
+              <a:rPr lang="en-US" dirty="0" err="1">
                 <a:latin typeface="Lucida Console"/>
                 <a:cs typeface="Lucida Console"/>
               </a:rPr>
-              <a:t>()</a:t>
-            </a:r>
-            <a:r>
-              <a:rPr lang="en-US" dirty="0" smtClean="0">
-                <a:latin typeface="+mn-lt"/>
-                <a:cs typeface="Lucida Console"/>
-              </a:rPr>
-              <a:t> </a:t>
-            </a:r>
-            <a:r>
-              <a:rPr lang="en-US" dirty="0" smtClean="0"/>
-              <a:t>to </a:t>
-            </a:r>
-            <a:r>
-              <a:rPr lang="en-US" dirty="0"/>
-              <a:t>resume execution </a:t>
-            </a:r>
-            <a:endParaRPr lang="en-US" dirty="0" smtClean="0"/>
-          </a:p>
-          <a:p>
-            <a:pPr lvl="1"/>
-            <a:r>
-              <a:rPr lang="en-US" dirty="0" smtClean="0"/>
-              <a:t>Typical </a:t>
-            </a:r>
-            <a:r>
-              <a:rPr lang="en-US" dirty="0" err="1">
-                <a:latin typeface="Consolas"/>
-                <a:cs typeface="Consolas"/>
-              </a:rPr>
-              <a:t>ResumeFromSync</a:t>
-            </a:r>
-            <a:r>
-              <a:rPr lang="en-US" dirty="0"/>
-              <a:t> contribute to a reduction</a:t>
-            </a:r>
+              <a:t>RefineLB</a:t>
+            </a:r>
+            <a:endParaRPr lang="en-US" dirty="0">
+              <a:latin typeface="Lucida Console"/>
+              <a:cs typeface="Lucida Console"/>
+            </a:endParaRPr>
           </a:p>
         </p:txBody>
       </p:sp>
@@ -9597,7 +11013,7 @@
           <a:p>
             <a:fld id="{34621E95-60A9-FF44-9869-513D9D7A859F}" type="datetime2">
               <a:rPr lang="en-US" smtClean="0"/>
-              <a:t>Tuesday, September 9, 14</a:t>
+              <a:t>Wednesday, September 10, 14</a:t>
             </a:fld>
             <a:endParaRPr lang="en-US"/>
           </a:p>
@@ -9654,7 +11070,7 @@
     </p:spTree>
     <p:extLst>
       <p:ext uri="{BB962C8B-B14F-4D97-AF65-F5344CB8AC3E}">
-        <p14:creationId xmlns:p14="http://schemas.microsoft.com/office/powerpoint/2010/main" val="679438155"/>
+        <p14:creationId xmlns:p14="http://schemas.microsoft.com/office/powerpoint/2010/main" val="3378089433"/>
       </p:ext>
     </p:extLst>
   </p:cSld>
@@ -9694,13 +11110,13 @@
         <p:spPr/>
         <p:txBody>
           <a:bodyPr>
-            <a:normAutofit fontScale="90000"/>
+            <a:normAutofit/>
           </a:bodyPr>
           <a:lstStyle/>
           <a:p>
             <a:r>
               <a:rPr lang="en-US" dirty="0"/>
-              <a:t>Using the Load Balancer</a:t>
+              <a:t>Example: Stencil</a:t>
             </a:r>
           </a:p>
         </p:txBody>
@@ -9715,135 +11131,1432 @@
             <p:ph idx="1"/>
           </p:nvPr>
         </p:nvSpPr>
-        <p:spPr/>
-        <p:txBody>
-          <a:bodyPr/>
-          <a:lstStyle/>
-          <a:p>
-            <a:r>
-              <a:rPr lang="en-US" dirty="0"/>
-              <a:t>link a LB module</a:t>
-            </a:r>
-          </a:p>
-          <a:p>
-            <a:pPr lvl="1"/>
+        <p:spPr>
+          <a:solidFill>
+            <a:srgbClr val="CCD1D9"/>
+          </a:solidFill>
+          <a:ln>
+            <a:solidFill>
+              <a:srgbClr val="292934"/>
+            </a:solidFill>
+          </a:ln>
+        </p:spPr>
+        <p:txBody>
+          <a:bodyPr>
+            <a:normAutofit fontScale="62500" lnSpcReduction="20000"/>
+          </a:bodyPr>
+          <a:lstStyle/>
+          <a:p>
+            <a:pPr marL="0" indent="0">
+              <a:buNone/>
+            </a:pPr>
+            <a:r>
+              <a:rPr lang="en-US" b="1" dirty="0">
+                <a:latin typeface="Consolas"/>
+                <a:cs typeface="Consolas"/>
+              </a:rPr>
+              <a:t>while </a:t>
+            </a:r>
+            <a:r>
+              <a:rPr lang="en-US" dirty="0">
+                <a:latin typeface="Consolas"/>
+                <a:cs typeface="Consolas"/>
+              </a:rPr>
+              <a:t>(!converged) { </a:t>
+            </a:r>
+            <a:endParaRPr lang="en-US" dirty="0" smtClean="0">
+              <a:latin typeface="Consolas"/>
+              <a:cs typeface="Consolas"/>
+            </a:endParaRPr>
+          </a:p>
+          <a:p>
+            <a:pPr marL="0" indent="0">
+              <a:buNone/>
+            </a:pPr>
+            <a:r>
+              <a:rPr lang="en-US" dirty="0">
+                <a:latin typeface="Consolas"/>
+                <a:cs typeface="Consolas"/>
+              </a:rPr>
+              <a:t> </a:t>
+            </a:r>
             <a:r>
               <a:rPr lang="en-US" dirty="0" smtClean="0">
-                <a:latin typeface="Lucida Console"/>
-                <a:cs typeface="Lucida Console"/>
-              </a:rPr>
-              <a:t>-</a:t>
+                <a:latin typeface="Consolas"/>
+                <a:cs typeface="Consolas"/>
+              </a:rPr>
+              <a:t>  </a:t>
+            </a:r>
+            <a:r>
+              <a:rPr lang="en-US" b="1" dirty="0" smtClean="0">
+                <a:latin typeface="Consolas"/>
+                <a:cs typeface="Consolas"/>
+              </a:rPr>
+              <a:t>serial </a:t>
             </a:r>
             <a:r>
               <a:rPr lang="en-US" dirty="0">
-                <a:latin typeface="Lucida Console"/>
-                <a:cs typeface="Lucida Console"/>
-              </a:rPr>
-              <a:t>module &lt;strategy&gt;</a:t>
-            </a:r>
-          </a:p>
-          <a:p>
-            <a:pPr lvl="1"/>
-            <a:r>
-              <a:rPr lang="en-US" dirty="0" err="1"/>
-              <a:t>RefineLB</a:t>
-            </a:r>
-            <a:r>
-              <a:rPr lang="en-US" dirty="0"/>
+                <a:latin typeface="Consolas"/>
+                <a:cs typeface="Consolas"/>
+              </a:rPr>
+              <a:t>{ </a:t>
+            </a:r>
+          </a:p>
+          <a:p>
+            <a:pPr marL="0" indent="0">
+              <a:buNone/>
+            </a:pPr>
+            <a:r>
+              <a:rPr lang="en-US" dirty="0">
+                <a:latin typeface="Consolas"/>
+                <a:cs typeface="Consolas"/>
+              </a:rPr>
+              <a:t> </a:t>
+            </a:r>
+            <a:r>
+              <a:rPr lang="en-US" dirty="0" smtClean="0">
+                <a:latin typeface="Consolas"/>
+                <a:cs typeface="Consolas"/>
+              </a:rPr>
+              <a:t>     </a:t>
+            </a:r>
+            <a:r>
+              <a:rPr lang="en-US" b="1" dirty="0" err="1" smtClean="0">
+                <a:latin typeface="Consolas"/>
+                <a:cs typeface="Consolas"/>
+              </a:rPr>
+              <a:t>int</a:t>
+            </a:r>
+            <a:r>
+              <a:rPr lang="en-US" b="1" dirty="0" smtClean="0">
+                <a:latin typeface="Consolas"/>
+                <a:cs typeface="Consolas"/>
+              </a:rPr>
+              <a:t> </a:t>
+            </a:r>
+            <a:r>
+              <a:rPr lang="en-US" dirty="0">
+                <a:latin typeface="Consolas"/>
+                <a:cs typeface="Consolas"/>
+              </a:rPr>
+              <a:t>x = </a:t>
+            </a:r>
+            <a:r>
+              <a:rPr lang="en-US" dirty="0" err="1">
+                <a:latin typeface="Consolas"/>
+                <a:cs typeface="Consolas"/>
+              </a:rPr>
+              <a:t>thisIndex.x</a:t>
+            </a:r>
+            <a:r>
+              <a:rPr lang="en-US" dirty="0">
+                <a:latin typeface="Consolas"/>
+                <a:cs typeface="Consolas"/>
+              </a:rPr>
+              <a:t>, y = </a:t>
+            </a:r>
+            <a:r>
+              <a:rPr lang="en-US" dirty="0" err="1">
+                <a:latin typeface="Consolas"/>
+                <a:cs typeface="Consolas"/>
+              </a:rPr>
+              <a:t>thisIndex.y</a:t>
+            </a:r>
+            <a:r>
+              <a:rPr lang="en-US" dirty="0">
+                <a:latin typeface="Consolas"/>
+                <a:cs typeface="Consolas"/>
+              </a:rPr>
+              <a:t>, z = </a:t>
+            </a:r>
+            <a:r>
+              <a:rPr lang="en-US" dirty="0" err="1">
+                <a:latin typeface="Consolas"/>
+                <a:cs typeface="Consolas"/>
+              </a:rPr>
+              <a:t>thisIndex.z</a:t>
+            </a:r>
+            <a:r>
+              <a:rPr lang="en-US" dirty="0">
+                <a:latin typeface="Consolas"/>
+                <a:cs typeface="Consolas"/>
+              </a:rPr>
+              <a:t>; </a:t>
+            </a:r>
+            <a:endParaRPr lang="en-US" dirty="0" smtClean="0">
+              <a:latin typeface="Consolas"/>
+              <a:cs typeface="Consolas"/>
+            </a:endParaRPr>
+          </a:p>
+          <a:p>
+            <a:pPr marL="0" indent="0">
+              <a:buNone/>
+            </a:pPr>
+            <a:r>
+              <a:rPr lang="en-US" dirty="0">
+                <a:latin typeface="Consolas"/>
+                <a:cs typeface="Consolas"/>
+              </a:rPr>
+              <a:t> </a:t>
+            </a:r>
+            <a:r>
+              <a:rPr lang="en-US" dirty="0" smtClean="0">
+                <a:latin typeface="Consolas"/>
+                <a:cs typeface="Consolas"/>
+              </a:rPr>
+              <a:t>     </a:t>
+            </a:r>
+            <a:r>
+              <a:rPr lang="en-US" dirty="0" err="1" smtClean="0">
+                <a:latin typeface="Consolas"/>
+                <a:cs typeface="Consolas"/>
+              </a:rPr>
+              <a:t>copyToBoundaries</a:t>
+            </a:r>
+            <a:r>
+              <a:rPr lang="en-US" dirty="0">
+                <a:latin typeface="Consolas"/>
+                <a:cs typeface="Consolas"/>
+              </a:rPr>
+              <a:t>();</a:t>
+            </a:r>
+            <a:br>
+              <a:rPr lang="en-US" dirty="0">
+                <a:latin typeface="Consolas"/>
+                <a:cs typeface="Consolas"/>
+              </a:rPr>
+            </a:br>
+            <a:r>
+              <a:rPr lang="en-US" dirty="0" smtClean="0">
+                <a:latin typeface="Consolas"/>
+                <a:cs typeface="Consolas"/>
+              </a:rPr>
+              <a:t>      </a:t>
+            </a:r>
+            <a:r>
+              <a:rPr lang="en-US" dirty="0" err="1" smtClean="0">
+                <a:latin typeface="Consolas"/>
+                <a:cs typeface="Consolas"/>
+              </a:rPr>
+              <a:t>thisProxy</a:t>
+            </a:r>
+            <a:r>
+              <a:rPr lang="en-US" dirty="0">
+                <a:latin typeface="Consolas"/>
+                <a:cs typeface="Consolas"/>
+              </a:rPr>
+              <a:t>(</a:t>
+            </a:r>
+            <a:r>
+              <a:rPr lang="en-US" dirty="0" err="1">
+                <a:latin typeface="Consolas"/>
+                <a:cs typeface="Consolas"/>
+              </a:rPr>
+              <a:t>wrapX</a:t>
+            </a:r>
+            <a:r>
+              <a:rPr lang="en-US" dirty="0">
+                <a:latin typeface="Consolas"/>
+                <a:cs typeface="Consolas"/>
+              </a:rPr>
+              <a:t>(</a:t>
+            </a:r>
+            <a:r>
+              <a:rPr lang="en-US" dirty="0" smtClean="0">
+                <a:latin typeface="Consolas"/>
+                <a:cs typeface="Consolas"/>
+              </a:rPr>
+              <a:t>x - 1), y, z)</a:t>
+            </a:r>
+            <a:r>
+              <a:rPr lang="en-US" dirty="0">
+                <a:latin typeface="Consolas"/>
+                <a:cs typeface="Consolas"/>
+              </a:rPr>
+              <a:t>.</a:t>
+            </a:r>
+            <a:r>
+              <a:rPr lang="en-US" dirty="0" err="1">
+                <a:latin typeface="Consolas"/>
+                <a:cs typeface="Consolas"/>
+              </a:rPr>
+              <a:t>updateGhosts</a:t>
+            </a:r>
+            <a:r>
+              <a:rPr lang="en-US" dirty="0">
+                <a:latin typeface="Consolas"/>
+                <a:cs typeface="Consolas"/>
+              </a:rPr>
+              <a:t>(</a:t>
+            </a:r>
+            <a:r>
+              <a:rPr lang="en-US" dirty="0" err="1">
+                <a:latin typeface="Consolas"/>
+                <a:cs typeface="Consolas"/>
+              </a:rPr>
+              <a:t>i</a:t>
+            </a:r>
+            <a:r>
+              <a:rPr lang="en-US" dirty="0">
+                <a:latin typeface="Consolas"/>
+                <a:cs typeface="Consolas"/>
+              </a:rPr>
+              <a:t>, RIGHT, </a:t>
+            </a:r>
+            <a:r>
+              <a:rPr lang="en-US" dirty="0" err="1">
+                <a:latin typeface="Consolas"/>
+                <a:cs typeface="Consolas"/>
+              </a:rPr>
+              <a:t>dimY</a:t>
+            </a:r>
+            <a:r>
+              <a:rPr lang="en-US" dirty="0">
+                <a:latin typeface="Consolas"/>
+                <a:cs typeface="Consolas"/>
+              </a:rPr>
               <a:t>, </a:t>
             </a:r>
             <a:r>
-              <a:rPr lang="en-US" dirty="0" err="1"/>
-              <a:t>NeighborLB</a:t>
-            </a:r>
-            <a:r>
-              <a:rPr lang="en-US" dirty="0"/>
+              <a:rPr lang="en-US" dirty="0" err="1">
+                <a:latin typeface="Consolas"/>
+                <a:cs typeface="Consolas"/>
+              </a:rPr>
+              <a:t>dimZ</a:t>
+            </a:r>
+            <a:r>
+              <a:rPr lang="en-US" dirty="0">
+                <a:latin typeface="Consolas"/>
+                <a:cs typeface="Consolas"/>
+              </a:rPr>
+              <a:t>, right); </a:t>
+            </a:r>
+            <a:endParaRPr lang="en-US" dirty="0" smtClean="0">
+              <a:latin typeface="Consolas"/>
+              <a:cs typeface="Consolas"/>
+            </a:endParaRPr>
+          </a:p>
+          <a:p>
+            <a:pPr marL="0" indent="0">
+              <a:buNone/>
+            </a:pPr>
+            <a:r>
+              <a:rPr lang="en-US" dirty="0">
+                <a:latin typeface="Consolas"/>
+                <a:cs typeface="Consolas"/>
+              </a:rPr>
+              <a:t> </a:t>
+            </a:r>
+            <a:r>
+              <a:rPr lang="en-US" dirty="0" smtClean="0">
+                <a:latin typeface="Consolas"/>
+                <a:cs typeface="Consolas"/>
+              </a:rPr>
+              <a:t>     </a:t>
+            </a:r>
+            <a:r>
+              <a:rPr lang="en-US" i="1" dirty="0" smtClean="0">
+                <a:latin typeface="Consolas"/>
+                <a:cs typeface="Consolas"/>
+              </a:rPr>
+              <a:t>/</a:t>
+            </a:r>
+            <a:r>
+              <a:rPr lang="en-US" i="1" dirty="0">
+                <a:latin typeface="Consolas"/>
+                <a:cs typeface="Consolas"/>
+              </a:rPr>
+              <a:t>∗ ...similar calls to send the 6 boundaries... ∗/ </a:t>
+            </a:r>
+            <a:endParaRPr lang="en-US" i="1" dirty="0" smtClean="0">
+              <a:latin typeface="Consolas"/>
+              <a:cs typeface="Consolas"/>
+            </a:endParaRPr>
+          </a:p>
+          <a:p>
+            <a:pPr marL="0" indent="0">
+              <a:buNone/>
+            </a:pPr>
+            <a:r>
+              <a:rPr lang="en-US" dirty="0">
+                <a:latin typeface="Consolas"/>
+                <a:cs typeface="Consolas"/>
+              </a:rPr>
+              <a:t> </a:t>
+            </a:r>
+            <a:r>
+              <a:rPr lang="en-US" dirty="0" smtClean="0">
+                <a:latin typeface="Consolas"/>
+                <a:cs typeface="Consolas"/>
+              </a:rPr>
+              <a:t>     </a:t>
+            </a:r>
+            <a:r>
+              <a:rPr lang="en-US" dirty="0" err="1" smtClean="0">
+                <a:latin typeface="Consolas"/>
+                <a:cs typeface="Consolas"/>
+              </a:rPr>
+              <a:t>thisProxy</a:t>
+            </a:r>
+            <a:r>
+              <a:rPr lang="en-US" dirty="0">
+                <a:latin typeface="Consolas"/>
+                <a:cs typeface="Consolas"/>
+              </a:rPr>
+              <a:t>(x</a:t>
+            </a:r>
+            <a:r>
+              <a:rPr lang="en-US" dirty="0" smtClean="0">
+                <a:latin typeface="Consolas"/>
+                <a:cs typeface="Consolas"/>
+              </a:rPr>
+              <a:t>, y, </a:t>
+            </a:r>
+            <a:r>
+              <a:rPr lang="en-US" dirty="0" err="1" smtClean="0">
+                <a:latin typeface="Consolas"/>
+                <a:cs typeface="Consolas"/>
+              </a:rPr>
+              <a:t>wrapZ</a:t>
+            </a:r>
+            <a:r>
+              <a:rPr lang="en-US" dirty="0">
+                <a:latin typeface="Consolas"/>
+                <a:cs typeface="Consolas"/>
+              </a:rPr>
+              <a:t>(</a:t>
+            </a:r>
+            <a:r>
+              <a:rPr lang="en-US" dirty="0" smtClean="0">
+                <a:latin typeface="Consolas"/>
+                <a:cs typeface="Consolas"/>
+              </a:rPr>
+              <a:t>z + 1</a:t>
+            </a:r>
+            <a:r>
+              <a:rPr lang="en-US" dirty="0">
+                <a:latin typeface="Consolas"/>
+                <a:cs typeface="Consolas"/>
+              </a:rPr>
+              <a:t>)).</a:t>
+            </a:r>
+            <a:r>
+              <a:rPr lang="en-US" dirty="0" err="1">
+                <a:latin typeface="Consolas"/>
+                <a:cs typeface="Consolas"/>
+              </a:rPr>
+              <a:t>updateGhosts</a:t>
+            </a:r>
+            <a:r>
+              <a:rPr lang="en-US" dirty="0">
+                <a:latin typeface="Consolas"/>
+                <a:cs typeface="Consolas"/>
+              </a:rPr>
+              <a:t>(</a:t>
+            </a:r>
+            <a:r>
+              <a:rPr lang="en-US" dirty="0" err="1">
+                <a:latin typeface="Consolas"/>
+                <a:cs typeface="Consolas"/>
+              </a:rPr>
+              <a:t>i</a:t>
+            </a:r>
+            <a:r>
+              <a:rPr lang="en-US" dirty="0">
+                <a:latin typeface="Consolas"/>
+                <a:cs typeface="Consolas"/>
+              </a:rPr>
+              <a:t>, FRONT, </a:t>
+            </a:r>
+            <a:r>
+              <a:rPr lang="en-US" dirty="0" err="1">
+                <a:latin typeface="Consolas"/>
+                <a:cs typeface="Consolas"/>
+              </a:rPr>
+              <a:t>dimX</a:t>
+            </a:r>
+            <a:r>
+              <a:rPr lang="en-US" dirty="0">
+                <a:latin typeface="Consolas"/>
+                <a:cs typeface="Consolas"/>
+              </a:rPr>
               <a:t>, </a:t>
             </a:r>
             <a:r>
-              <a:rPr lang="en-US" dirty="0" err="1"/>
-              <a:t>GreedyCommLB</a:t>
-            </a:r>
-            <a:r>
-              <a:rPr lang="en-US" dirty="0"/>
-              <a:t>, others </a:t>
-            </a:r>
-            <a:endParaRPr lang="en-US" dirty="0" smtClean="0"/>
-          </a:p>
-          <a:p>
-            <a:pPr lvl="1"/>
-            <a:r>
-              <a:rPr lang="en-US" dirty="0" err="1" smtClean="0"/>
-              <a:t>EveryLB</a:t>
-            </a:r>
-            <a:r>
-              <a:rPr lang="en-US" dirty="0" smtClean="0"/>
+              <a:rPr lang="en-US" dirty="0" err="1">
+                <a:latin typeface="Consolas"/>
+                <a:cs typeface="Consolas"/>
+              </a:rPr>
+              <a:t>dimY</a:t>
+            </a:r>
+            <a:r>
+              <a:rPr lang="en-US" dirty="0">
+                <a:latin typeface="Consolas"/>
+                <a:cs typeface="Consolas"/>
+              </a:rPr>
+              <a:t>, front); </a:t>
+            </a:r>
+          </a:p>
+          <a:p>
+            <a:pPr marL="0" indent="0">
+              <a:buNone/>
+            </a:pPr>
+            <a:r>
+              <a:rPr lang="en-US" dirty="0" smtClean="0">
+                <a:latin typeface="Consolas"/>
+                <a:cs typeface="Consolas"/>
+              </a:rPr>
+              <a:t>   }</a:t>
+            </a:r>
+            <a:r>
+              <a:rPr lang="en-US" dirty="0">
+                <a:latin typeface="Consolas"/>
+                <a:cs typeface="Consolas"/>
+              </a:rPr>
+              <a:t/>
+            </a:r>
+            <a:br>
+              <a:rPr lang="en-US" dirty="0">
+                <a:latin typeface="Consolas"/>
+                <a:cs typeface="Consolas"/>
+              </a:rPr>
+            </a:br>
+            <a:r>
+              <a:rPr lang="en-US" dirty="0" smtClean="0">
+                <a:latin typeface="Consolas"/>
+                <a:cs typeface="Consolas"/>
+              </a:rPr>
+              <a:t>   </a:t>
+            </a:r>
+            <a:r>
+              <a:rPr lang="en-US" b="1" dirty="0" smtClean="0">
+                <a:latin typeface="Consolas"/>
+                <a:cs typeface="Consolas"/>
+              </a:rPr>
+              <a:t>for </a:t>
+            </a:r>
+            <a:r>
+              <a:rPr lang="en-US" dirty="0">
+                <a:latin typeface="Consolas"/>
+                <a:cs typeface="Consolas"/>
+              </a:rPr>
+              <a:t>(</a:t>
+            </a:r>
+            <a:r>
+              <a:rPr lang="en-US" dirty="0" err="1">
+                <a:latin typeface="Consolas"/>
+                <a:cs typeface="Consolas"/>
+              </a:rPr>
+              <a:t>remoteCount</a:t>
+            </a:r>
+            <a:r>
+              <a:rPr lang="en-US" dirty="0">
+                <a:latin typeface="Consolas"/>
+                <a:cs typeface="Consolas"/>
+              </a:rPr>
+              <a:t> = 0; </a:t>
+            </a:r>
+            <a:r>
+              <a:rPr lang="en-US" dirty="0" err="1">
+                <a:latin typeface="Consolas"/>
+                <a:cs typeface="Consolas"/>
+              </a:rPr>
+              <a:t>remoteCount</a:t>
+            </a:r>
+            <a:r>
+              <a:rPr lang="en-US" dirty="0">
+                <a:latin typeface="Consolas"/>
+                <a:cs typeface="Consolas"/>
+              </a:rPr>
+              <a:t> &lt; 6; </a:t>
+            </a:r>
+            <a:r>
+              <a:rPr lang="en-US" dirty="0" err="1">
+                <a:latin typeface="Consolas"/>
+                <a:cs typeface="Consolas"/>
+              </a:rPr>
+              <a:t>remoteCount</a:t>
+            </a:r>
+            <a:r>
+              <a:rPr lang="en-US" dirty="0">
+                <a:latin typeface="Consolas"/>
+                <a:cs typeface="Consolas"/>
+              </a:rPr>
+              <a:t>++) { </a:t>
+            </a:r>
+          </a:p>
+          <a:p>
+            <a:pPr marL="0" indent="0">
+              <a:buNone/>
+            </a:pPr>
+            <a:r>
+              <a:rPr lang="en-US" dirty="0" smtClean="0">
+                <a:latin typeface="Consolas"/>
+                <a:cs typeface="Consolas"/>
+              </a:rPr>
+              <a:t>      </a:t>
+            </a:r>
+            <a:r>
+              <a:rPr lang="en-US" b="1" dirty="0" smtClean="0">
+                <a:latin typeface="Consolas"/>
+                <a:cs typeface="Consolas"/>
+              </a:rPr>
+              <a:t>when </a:t>
+            </a:r>
+            <a:r>
+              <a:rPr lang="en-US" dirty="0" err="1">
+                <a:latin typeface="Consolas"/>
+                <a:cs typeface="Consolas"/>
+              </a:rPr>
+              <a:t>updateGhosts</a:t>
+            </a:r>
+            <a:r>
+              <a:rPr lang="en-US" dirty="0">
+                <a:latin typeface="Consolas"/>
+                <a:cs typeface="Consolas"/>
+              </a:rPr>
+              <a:t>[</a:t>
+            </a:r>
+            <a:r>
+              <a:rPr lang="en-US" dirty="0" err="1">
+                <a:latin typeface="Consolas"/>
+                <a:cs typeface="Consolas"/>
+              </a:rPr>
+              <a:t>i</a:t>
+            </a:r>
+            <a:r>
+              <a:rPr lang="en-US" dirty="0">
+                <a:latin typeface="Consolas"/>
+                <a:cs typeface="Consolas"/>
+              </a:rPr>
+              <a:t>](</a:t>
+            </a:r>
+            <a:r>
+              <a:rPr lang="en-US" b="1" dirty="0" err="1">
+                <a:latin typeface="Consolas"/>
+                <a:cs typeface="Consolas"/>
+              </a:rPr>
+              <a:t>int</a:t>
+            </a:r>
+            <a:r>
+              <a:rPr lang="en-US" b="1" dirty="0">
+                <a:latin typeface="Consolas"/>
+                <a:cs typeface="Consolas"/>
+              </a:rPr>
               <a:t> </a:t>
             </a:r>
             <a:r>
-              <a:rPr lang="en-US" dirty="0"/>
-              <a:t>will include all load balancing strategies</a:t>
-            </a:r>
-          </a:p>
-          <a:p>
-            <a:r>
-              <a:rPr lang="en-US" dirty="0"/>
-              <a:t>compile time option (specify default balancer)</a:t>
-            </a:r>
-          </a:p>
-          <a:p>
-            <a:pPr lvl="1"/>
+              <a:rPr lang="en-US" dirty="0" err="1">
+                <a:latin typeface="Consolas"/>
+                <a:cs typeface="Consolas"/>
+              </a:rPr>
+              <a:t>i</a:t>
+            </a:r>
+            <a:r>
+              <a:rPr lang="en-US" dirty="0">
+                <a:latin typeface="Consolas"/>
+                <a:cs typeface="Consolas"/>
+              </a:rPr>
+              <a:t>, </a:t>
+            </a:r>
+            <a:r>
+              <a:rPr lang="en-US" b="1" dirty="0" err="1">
+                <a:latin typeface="Consolas"/>
+                <a:cs typeface="Consolas"/>
+              </a:rPr>
+              <a:t>int</a:t>
+            </a:r>
+            <a:r>
+              <a:rPr lang="en-US" b="1" dirty="0">
+                <a:latin typeface="Consolas"/>
+                <a:cs typeface="Consolas"/>
+              </a:rPr>
+              <a:t> </a:t>
+            </a:r>
+            <a:r>
+              <a:rPr lang="en-US" dirty="0">
+                <a:latin typeface="Consolas"/>
+                <a:cs typeface="Consolas"/>
+              </a:rPr>
+              <a:t>d, </a:t>
+            </a:r>
+            <a:r>
+              <a:rPr lang="en-US" b="1" dirty="0" err="1">
+                <a:latin typeface="Consolas"/>
+                <a:cs typeface="Consolas"/>
+              </a:rPr>
+              <a:t>int</a:t>
+            </a:r>
+            <a:r>
+              <a:rPr lang="en-US" b="1" dirty="0">
+                <a:latin typeface="Consolas"/>
+                <a:cs typeface="Consolas"/>
+              </a:rPr>
+              <a:t> </a:t>
+            </a:r>
+            <a:r>
+              <a:rPr lang="en-US" dirty="0">
+                <a:latin typeface="Consolas"/>
+                <a:cs typeface="Consolas"/>
+              </a:rPr>
+              <a:t>w, </a:t>
+            </a:r>
+            <a:r>
+              <a:rPr lang="en-US" b="1" dirty="0" err="1">
+                <a:latin typeface="Consolas"/>
+                <a:cs typeface="Consolas"/>
+              </a:rPr>
+              <a:t>int</a:t>
+            </a:r>
+            <a:r>
+              <a:rPr lang="en-US" b="1" dirty="0">
+                <a:latin typeface="Consolas"/>
+                <a:cs typeface="Consolas"/>
+              </a:rPr>
+              <a:t> </a:t>
+            </a:r>
+            <a:r>
+              <a:rPr lang="en-US" dirty="0">
+                <a:latin typeface="Consolas"/>
+                <a:cs typeface="Consolas"/>
+              </a:rPr>
+              <a:t>h, </a:t>
+            </a:r>
+            <a:r>
+              <a:rPr lang="en-US" b="1" dirty="0">
+                <a:latin typeface="Consolas"/>
+                <a:cs typeface="Consolas"/>
+              </a:rPr>
+              <a:t>double </a:t>
+            </a:r>
+            <a:r>
+              <a:rPr lang="en-US" dirty="0">
+                <a:latin typeface="Consolas"/>
+                <a:cs typeface="Consolas"/>
+              </a:rPr>
+              <a:t>b[</a:t>
+            </a:r>
+            <a:r>
+              <a:rPr lang="en-US" dirty="0" err="1">
+                <a:latin typeface="Consolas"/>
+                <a:cs typeface="Consolas"/>
+              </a:rPr>
+              <a:t>w∗h</a:t>
+            </a:r>
+            <a:r>
+              <a:rPr lang="en-US" dirty="0">
+                <a:latin typeface="Consolas"/>
+                <a:cs typeface="Consolas"/>
+              </a:rPr>
+              <a:t>]) </a:t>
+            </a:r>
+          </a:p>
+          <a:p>
+            <a:pPr marL="0" indent="0">
+              <a:buNone/>
+            </a:pPr>
             <a:r>
               <a:rPr lang="en-US" dirty="0" smtClean="0">
-                <a:latin typeface="Lucida Console"/>
-                <a:cs typeface="Lucida Console"/>
-              </a:rPr>
-              <a:t>-balancer </a:t>
+                <a:latin typeface="Consolas"/>
+                <a:cs typeface="Consolas"/>
+              </a:rPr>
+              <a:t>      </a:t>
+            </a:r>
+            <a:r>
+              <a:rPr lang="en-US" b="1" dirty="0" smtClean="0">
+                <a:latin typeface="Consolas"/>
+                <a:cs typeface="Consolas"/>
+              </a:rPr>
+              <a:t>serial </a:t>
+            </a:r>
+            <a:r>
+              <a:rPr lang="en-US" dirty="0">
+                <a:latin typeface="Consolas"/>
+                <a:cs typeface="Consolas"/>
+              </a:rPr>
+              <a:t>{ </a:t>
+            </a:r>
+            <a:r>
+              <a:rPr lang="en-US" dirty="0" err="1">
+                <a:latin typeface="Consolas"/>
+                <a:cs typeface="Consolas"/>
+              </a:rPr>
+              <a:t>updateBoundary</a:t>
+            </a:r>
+            <a:r>
+              <a:rPr lang="en-US" dirty="0">
+                <a:latin typeface="Consolas"/>
+                <a:cs typeface="Consolas"/>
+              </a:rPr>
+              <a:t>(d, w, h, b); } </a:t>
+            </a:r>
+            <a:endParaRPr lang="en-US" dirty="0" smtClean="0">
+              <a:latin typeface="Consolas"/>
+              <a:cs typeface="Consolas"/>
+            </a:endParaRPr>
+          </a:p>
+          <a:p>
+            <a:pPr marL="0" indent="0">
+              <a:buNone/>
+            </a:pPr>
+            <a:r>
+              <a:rPr lang="en-US" dirty="0">
+                <a:latin typeface="Consolas"/>
+                <a:cs typeface="Consolas"/>
+              </a:rPr>
+              <a:t> </a:t>
+            </a:r>
+            <a:r>
+              <a:rPr lang="en-US" dirty="0" smtClean="0">
+                <a:latin typeface="Consolas"/>
+                <a:cs typeface="Consolas"/>
+              </a:rPr>
+              <a:t>  } </a:t>
+            </a:r>
+            <a:endParaRPr lang="en-US" dirty="0">
+              <a:latin typeface="Consolas"/>
+              <a:cs typeface="Consolas"/>
+            </a:endParaRPr>
+          </a:p>
+          <a:p>
+            <a:pPr marL="0" indent="0">
+              <a:buNone/>
+            </a:pPr>
+            <a:r>
+              <a:rPr lang="en-US" dirty="0" smtClean="0">
+                <a:latin typeface="Consolas"/>
+                <a:cs typeface="Consolas"/>
+              </a:rPr>
+              <a:t>   </a:t>
+            </a:r>
+            <a:r>
+              <a:rPr lang="en-US" b="1" dirty="0" smtClean="0">
+                <a:latin typeface="Consolas"/>
+                <a:cs typeface="Consolas"/>
+              </a:rPr>
+              <a:t>serial </a:t>
+            </a:r>
+            <a:r>
+              <a:rPr lang="en-US" dirty="0">
+                <a:latin typeface="Consolas"/>
+                <a:cs typeface="Consolas"/>
+              </a:rPr>
+              <a:t>{</a:t>
+            </a:r>
+            <a:br>
+              <a:rPr lang="en-US" dirty="0">
+                <a:latin typeface="Consolas"/>
+                <a:cs typeface="Consolas"/>
+              </a:rPr>
+            </a:br>
+            <a:r>
+              <a:rPr lang="en-US" dirty="0" smtClean="0">
+                <a:latin typeface="Consolas"/>
+                <a:cs typeface="Consolas"/>
+              </a:rPr>
+              <a:t>      </a:t>
+            </a:r>
+            <a:r>
+              <a:rPr lang="en-US" b="1" dirty="0" err="1" smtClean="0">
+                <a:latin typeface="Consolas"/>
+                <a:cs typeface="Consolas"/>
+              </a:rPr>
+              <a:t>int</a:t>
+            </a:r>
+            <a:r>
+              <a:rPr lang="en-US" b="1" dirty="0" smtClean="0">
+                <a:latin typeface="Consolas"/>
+                <a:cs typeface="Consolas"/>
+              </a:rPr>
+              <a:t> </a:t>
+            </a:r>
+            <a:r>
+              <a:rPr lang="en-US" dirty="0">
+                <a:latin typeface="Consolas"/>
+                <a:cs typeface="Consolas"/>
+              </a:rPr>
+              <a:t>c = </a:t>
+            </a:r>
+            <a:r>
+              <a:rPr lang="en-US" dirty="0" err="1">
+                <a:latin typeface="Consolas"/>
+                <a:cs typeface="Consolas"/>
+              </a:rPr>
+              <a:t>computeKernel</a:t>
+            </a:r>
+            <a:r>
+              <a:rPr lang="en-US" dirty="0">
+                <a:latin typeface="Consolas"/>
+                <a:cs typeface="Consolas"/>
+              </a:rPr>
+              <a:t>() &lt; DELTA;</a:t>
+            </a:r>
+            <a:br>
+              <a:rPr lang="en-US" dirty="0">
+                <a:latin typeface="Consolas"/>
+                <a:cs typeface="Consolas"/>
+              </a:rPr>
+            </a:br>
+            <a:r>
+              <a:rPr lang="en-US" dirty="0" smtClean="0">
+                <a:latin typeface="Consolas"/>
+                <a:cs typeface="Consolas"/>
+              </a:rPr>
+              <a:t>      </a:t>
             </a:r>
             <a:r>
               <a:rPr lang="en-US" dirty="0" err="1" smtClean="0">
-                <a:latin typeface="Lucida Console"/>
-                <a:cs typeface="Lucida Console"/>
-              </a:rPr>
-              <a:t>RefineLB</a:t>
+                <a:latin typeface="Consolas"/>
+                <a:cs typeface="Consolas"/>
+              </a:rPr>
+              <a:t>CkCallback</a:t>
+            </a:r>
+            <a:r>
+              <a:rPr lang="en-US" dirty="0" smtClean="0">
+                <a:latin typeface="Consolas"/>
+                <a:cs typeface="Consolas"/>
+              </a:rPr>
+              <a:t> </a:t>
+            </a:r>
+            <a:r>
+              <a:rPr lang="en-US" dirty="0" err="1">
+                <a:latin typeface="Consolas"/>
+                <a:cs typeface="Consolas"/>
+              </a:rPr>
+              <a:t>cb</a:t>
+            </a:r>
+            <a:r>
+              <a:rPr lang="en-US" dirty="0">
+                <a:latin typeface="Consolas"/>
+                <a:cs typeface="Consolas"/>
+              </a:rPr>
+              <a:t>(</a:t>
+            </a:r>
+            <a:r>
+              <a:rPr lang="en-US" dirty="0" err="1">
+                <a:latin typeface="Consolas"/>
+                <a:cs typeface="Consolas"/>
+              </a:rPr>
+              <a:t>CkReductionTarget</a:t>
+            </a:r>
+            <a:r>
+              <a:rPr lang="en-US" dirty="0">
+                <a:latin typeface="Consolas"/>
+                <a:cs typeface="Consolas"/>
+              </a:rPr>
+              <a:t>(Jacobi, </a:t>
+            </a:r>
+            <a:r>
+              <a:rPr lang="en-US" dirty="0" err="1">
+                <a:latin typeface="Consolas"/>
+                <a:cs typeface="Consolas"/>
+              </a:rPr>
+              <a:t>checkConverged</a:t>
+            </a:r>
+            <a:r>
+              <a:rPr lang="en-US" dirty="0">
+                <a:latin typeface="Consolas"/>
+                <a:cs typeface="Consolas"/>
+              </a:rPr>
+              <a:t>), </a:t>
+            </a:r>
+            <a:r>
+              <a:rPr lang="en-US" dirty="0" err="1">
+                <a:latin typeface="Consolas"/>
+                <a:cs typeface="Consolas"/>
+              </a:rPr>
+              <a:t>thisProxy</a:t>
+            </a:r>
+            <a:r>
+              <a:rPr lang="en-US" dirty="0">
+                <a:latin typeface="Consolas"/>
+                <a:cs typeface="Consolas"/>
+              </a:rPr>
+              <a:t>); </a:t>
+            </a:r>
+            <a:endParaRPr lang="en-US" dirty="0" smtClean="0">
+              <a:latin typeface="Consolas"/>
+              <a:cs typeface="Consolas"/>
+            </a:endParaRPr>
+          </a:p>
+          <a:p>
+            <a:pPr marL="0" indent="0">
+              <a:buNone/>
+            </a:pPr>
+            <a:r>
+              <a:rPr lang="en-US" dirty="0" smtClean="0">
+                <a:latin typeface="Consolas"/>
+                <a:cs typeface="Consolas"/>
+              </a:rPr>
+              <a:t>      </a:t>
+            </a:r>
+            <a:r>
+              <a:rPr lang="en-US" b="1" dirty="0" smtClean="0">
+                <a:latin typeface="Consolas"/>
+                <a:cs typeface="Consolas"/>
+              </a:rPr>
+              <a:t>if </a:t>
+            </a:r>
+            <a:r>
+              <a:rPr lang="en-US" dirty="0" smtClean="0">
+                <a:latin typeface="Consolas"/>
+                <a:cs typeface="Consolas"/>
+              </a:rPr>
+              <a:t>(</a:t>
+            </a:r>
+            <a:r>
+              <a:rPr lang="en-US" dirty="0" err="1" smtClean="0">
+                <a:latin typeface="Consolas"/>
+                <a:cs typeface="Consolas"/>
+              </a:rPr>
+              <a:t>i</a:t>
+            </a:r>
+            <a:r>
+              <a:rPr lang="en-US" dirty="0" smtClean="0">
+                <a:latin typeface="Consolas"/>
+                <a:cs typeface="Consolas"/>
+              </a:rPr>
+              <a:t> % 5 </a:t>
+            </a:r>
+            <a:r>
+              <a:rPr lang="en-US" dirty="0">
+                <a:latin typeface="Consolas"/>
+                <a:cs typeface="Consolas"/>
+              </a:rPr>
+              <a:t>== 1) contribute(</a:t>
+            </a:r>
+            <a:r>
+              <a:rPr lang="en-US" b="1" dirty="0" err="1">
+                <a:latin typeface="Consolas"/>
+                <a:cs typeface="Consolas"/>
+              </a:rPr>
+              <a:t>sizeof</a:t>
+            </a:r>
+            <a:r>
+              <a:rPr lang="en-US" dirty="0">
+                <a:latin typeface="Consolas"/>
+                <a:cs typeface="Consolas"/>
+              </a:rPr>
+              <a:t>(</a:t>
+            </a:r>
+            <a:r>
+              <a:rPr lang="en-US" b="1" dirty="0" err="1">
+                <a:latin typeface="Consolas"/>
+                <a:cs typeface="Consolas"/>
+              </a:rPr>
+              <a:t>int</a:t>
+            </a:r>
+            <a:r>
+              <a:rPr lang="en-US" dirty="0">
+                <a:latin typeface="Consolas"/>
+                <a:cs typeface="Consolas"/>
+              </a:rPr>
+              <a:t>), </a:t>
+            </a:r>
+            <a:r>
+              <a:rPr lang="en-US" dirty="0" smtClean="0">
+                <a:latin typeface="Consolas"/>
+                <a:cs typeface="Consolas"/>
+              </a:rPr>
+              <a:t>&amp;</a:t>
+            </a:r>
+            <a:r>
+              <a:rPr lang="en-US" dirty="0">
+                <a:latin typeface="Consolas"/>
+                <a:cs typeface="Consolas"/>
+              </a:rPr>
+              <a:t>c, </a:t>
+            </a:r>
+            <a:r>
+              <a:rPr lang="en-US" dirty="0" err="1">
+                <a:latin typeface="Consolas"/>
+                <a:cs typeface="Consolas"/>
+              </a:rPr>
+              <a:t>CkReduction</a:t>
+            </a:r>
+            <a:r>
+              <a:rPr lang="en-US" dirty="0">
+                <a:latin typeface="Consolas"/>
+                <a:cs typeface="Consolas"/>
+              </a:rPr>
+              <a:t>::</a:t>
+            </a:r>
+            <a:r>
+              <a:rPr lang="en-US" dirty="0" err="1" smtClean="0">
+                <a:latin typeface="Consolas"/>
+                <a:cs typeface="Consolas"/>
+              </a:rPr>
+              <a:t>logical_and</a:t>
+            </a:r>
+            <a:r>
+              <a:rPr lang="en-US" dirty="0">
+                <a:latin typeface="Consolas"/>
+                <a:cs typeface="Consolas"/>
+              </a:rPr>
+              <a:t>, </a:t>
+            </a:r>
+            <a:r>
+              <a:rPr lang="en-US" dirty="0" err="1">
+                <a:latin typeface="Consolas"/>
+                <a:cs typeface="Consolas"/>
+              </a:rPr>
+              <a:t>cb</a:t>
+            </a:r>
+            <a:r>
+              <a:rPr lang="en-US" dirty="0">
+                <a:latin typeface="Consolas"/>
+                <a:cs typeface="Consolas"/>
+              </a:rPr>
+              <a:t>); </a:t>
+            </a:r>
+          </a:p>
+          <a:p>
+            <a:pPr marL="0" indent="0">
+              <a:buNone/>
+            </a:pPr>
+            <a:r>
+              <a:rPr lang="en-US" dirty="0" smtClean="0">
+                <a:latin typeface="Consolas"/>
+                <a:cs typeface="Consolas"/>
+              </a:rPr>
+              <a:t>   }</a:t>
+            </a:r>
+            <a:r>
+              <a:rPr lang="en-US" dirty="0">
+                <a:latin typeface="Consolas"/>
+                <a:cs typeface="Consolas"/>
+              </a:rPr>
+              <a:t/>
+            </a:r>
+            <a:br>
+              <a:rPr lang="en-US" dirty="0">
+                <a:latin typeface="Consolas"/>
+                <a:cs typeface="Consolas"/>
+              </a:rPr>
+            </a:br>
+            <a:r>
+              <a:rPr lang="en-US" dirty="0" smtClean="0">
+                <a:latin typeface="Consolas"/>
+                <a:cs typeface="Consolas"/>
+              </a:rPr>
+              <a:t>   </a:t>
+            </a:r>
+            <a:r>
+              <a:rPr lang="en-US" b="1" dirty="0" smtClean="0">
+                <a:latin typeface="Consolas"/>
+                <a:cs typeface="Consolas"/>
+              </a:rPr>
+              <a:t>if </a:t>
+            </a:r>
+            <a:r>
+              <a:rPr lang="en-US" dirty="0">
+                <a:latin typeface="Consolas"/>
+                <a:cs typeface="Consolas"/>
+              </a:rPr>
+              <a:t>(</a:t>
+            </a:r>
+            <a:r>
+              <a:rPr lang="en-US" dirty="0" err="1">
+                <a:latin typeface="Consolas"/>
+                <a:cs typeface="Consolas"/>
+              </a:rPr>
+              <a:t>i</a:t>
+            </a:r>
+            <a:r>
+              <a:rPr lang="en-US" dirty="0">
+                <a:latin typeface="Consolas"/>
+                <a:cs typeface="Consolas"/>
+              </a:rPr>
+              <a:t> % </a:t>
+            </a:r>
+            <a:r>
+              <a:rPr lang="en-US" dirty="0" err="1">
+                <a:latin typeface="Consolas"/>
+                <a:cs typeface="Consolas"/>
+              </a:rPr>
+              <a:t>lbPeriod</a:t>
+            </a:r>
+            <a:r>
+              <a:rPr lang="en-US" dirty="0">
+                <a:latin typeface="Consolas"/>
+                <a:cs typeface="Consolas"/>
+              </a:rPr>
+              <a:t> == 0) { </a:t>
+            </a:r>
+            <a:r>
+              <a:rPr lang="en-US" b="1" dirty="0">
+                <a:latin typeface="Consolas"/>
+                <a:cs typeface="Consolas"/>
+              </a:rPr>
+              <a:t>serial </a:t>
+            </a:r>
+            <a:r>
+              <a:rPr lang="en-US" dirty="0">
+                <a:latin typeface="Consolas"/>
+                <a:cs typeface="Consolas"/>
+              </a:rPr>
+              <a:t>{ </a:t>
+            </a:r>
+            <a:r>
+              <a:rPr lang="en-US" dirty="0" err="1">
+                <a:latin typeface="Consolas"/>
+                <a:cs typeface="Consolas"/>
+              </a:rPr>
+              <a:t>AtSync</a:t>
+            </a:r>
+            <a:r>
+              <a:rPr lang="en-US" dirty="0">
+                <a:latin typeface="Consolas"/>
+                <a:cs typeface="Consolas"/>
+              </a:rPr>
+              <a:t>(); } </a:t>
+            </a:r>
+            <a:r>
+              <a:rPr lang="en-US" b="1" dirty="0">
+                <a:latin typeface="Consolas"/>
+                <a:cs typeface="Consolas"/>
+              </a:rPr>
+              <a:t>when </a:t>
+            </a:r>
+            <a:r>
+              <a:rPr lang="en-US" dirty="0" err="1">
+                <a:latin typeface="Consolas"/>
+                <a:cs typeface="Consolas"/>
+              </a:rPr>
+              <a:t>ResumeFromSync</a:t>
+            </a:r>
+            <a:r>
+              <a:rPr lang="en-US" dirty="0">
+                <a:latin typeface="Consolas"/>
+                <a:cs typeface="Consolas"/>
+              </a:rPr>
+              <a:t>() {} } </a:t>
+            </a:r>
+            <a:endParaRPr lang="en-US" dirty="0" smtClean="0">
+              <a:latin typeface="Consolas"/>
+              <a:cs typeface="Consolas"/>
+            </a:endParaRPr>
+          </a:p>
+          <a:p>
+            <a:pPr marL="0" indent="0">
+              <a:buNone/>
+            </a:pPr>
+            <a:r>
+              <a:rPr lang="en-US" dirty="0">
+                <a:latin typeface="Consolas"/>
+                <a:cs typeface="Consolas"/>
+              </a:rPr>
+              <a:t> </a:t>
+            </a:r>
+            <a:r>
+              <a:rPr lang="en-US" dirty="0" smtClean="0">
+                <a:latin typeface="Consolas"/>
+                <a:cs typeface="Consolas"/>
+              </a:rPr>
+              <a:t>  </a:t>
+            </a:r>
+            <a:r>
+              <a:rPr lang="en-US" b="1" dirty="0" smtClean="0">
+                <a:latin typeface="Consolas"/>
+                <a:cs typeface="Consolas"/>
+              </a:rPr>
+              <a:t>if </a:t>
+            </a:r>
+            <a:r>
+              <a:rPr lang="en-US" dirty="0">
+                <a:latin typeface="Consolas"/>
+                <a:cs typeface="Consolas"/>
+              </a:rPr>
+              <a:t>(++</a:t>
+            </a:r>
+            <a:r>
+              <a:rPr lang="en-US" dirty="0" err="1">
+                <a:latin typeface="Consolas"/>
+                <a:cs typeface="Consolas"/>
+              </a:rPr>
+              <a:t>i</a:t>
+            </a:r>
+            <a:r>
+              <a:rPr lang="en-US" dirty="0">
+                <a:latin typeface="Consolas"/>
+                <a:cs typeface="Consolas"/>
+              </a:rPr>
+              <a:t> % 5 == 0) { </a:t>
+            </a:r>
+          </a:p>
+          <a:p>
+            <a:pPr marL="0" indent="0">
+              <a:buNone/>
+            </a:pPr>
+            <a:r>
+              <a:rPr lang="en-US" dirty="0" smtClean="0">
+                <a:latin typeface="Consolas"/>
+                <a:cs typeface="Consolas"/>
+              </a:rPr>
+              <a:t>      </a:t>
+            </a:r>
+            <a:r>
+              <a:rPr lang="en-US" b="1" dirty="0" smtClean="0">
+                <a:latin typeface="Consolas"/>
+                <a:cs typeface="Consolas"/>
+              </a:rPr>
+              <a:t>when </a:t>
+            </a:r>
+            <a:r>
+              <a:rPr lang="en-US" dirty="0" err="1">
+                <a:latin typeface="Consolas"/>
+                <a:cs typeface="Consolas"/>
+              </a:rPr>
+              <a:t>checkConverged</a:t>
+            </a:r>
+            <a:r>
+              <a:rPr lang="en-US" dirty="0">
+                <a:latin typeface="Consolas"/>
+                <a:cs typeface="Consolas"/>
+              </a:rPr>
+              <a:t>(</a:t>
+            </a:r>
+            <a:r>
+              <a:rPr lang="en-US" b="1" dirty="0" err="1">
+                <a:latin typeface="Consolas"/>
+                <a:cs typeface="Consolas"/>
+              </a:rPr>
+              <a:t>bool</a:t>
+            </a:r>
+            <a:r>
+              <a:rPr lang="en-US" dirty="0">
+                <a:latin typeface="Consolas"/>
+                <a:cs typeface="Consolas"/>
+              </a:rPr>
+              <a:t> result) </a:t>
+            </a:r>
+            <a:r>
+              <a:rPr lang="en-US" b="1" dirty="0">
+                <a:latin typeface="Consolas"/>
+                <a:cs typeface="Consolas"/>
+              </a:rPr>
+              <a:t>serial</a:t>
+            </a:r>
+            <a:r>
+              <a:rPr lang="en-US" dirty="0">
+                <a:latin typeface="Consolas"/>
+                <a:cs typeface="Consolas"/>
+              </a:rPr>
+              <a:t> { </a:t>
+            </a:r>
+          </a:p>
+          <a:p>
+            <a:pPr marL="0" indent="0">
+              <a:buNone/>
+            </a:pPr>
+            <a:r>
+              <a:rPr lang="en-US" dirty="0" smtClean="0">
+                <a:latin typeface="Consolas"/>
+                <a:cs typeface="Consolas"/>
+              </a:rPr>
+              <a:t>         </a:t>
+            </a:r>
+            <a:r>
+              <a:rPr lang="en-US" b="1" dirty="0" smtClean="0">
+                <a:latin typeface="Consolas"/>
+                <a:cs typeface="Consolas"/>
+              </a:rPr>
+              <a:t>if </a:t>
+            </a:r>
+            <a:r>
+              <a:rPr lang="en-US" dirty="0">
+                <a:latin typeface="Consolas"/>
+                <a:cs typeface="Consolas"/>
+              </a:rPr>
+              <a:t>(result) { </a:t>
+            </a:r>
+            <a:r>
+              <a:rPr lang="en-US" dirty="0" err="1">
+                <a:latin typeface="Consolas"/>
+                <a:cs typeface="Consolas"/>
+              </a:rPr>
+              <a:t>mainProxy.done</a:t>
+            </a:r>
+            <a:r>
+              <a:rPr lang="en-US" dirty="0">
+                <a:latin typeface="Consolas"/>
+                <a:cs typeface="Consolas"/>
+              </a:rPr>
+              <a:t>(); converged = true; } </a:t>
+            </a:r>
+            <a:endParaRPr lang="en-US" dirty="0" smtClean="0">
+              <a:latin typeface="Consolas"/>
+              <a:cs typeface="Consolas"/>
+            </a:endParaRPr>
+          </a:p>
+          <a:p>
+            <a:pPr marL="0" indent="0">
+              <a:buNone/>
+            </a:pPr>
+            <a:r>
+              <a:rPr lang="en-US" dirty="0">
+                <a:latin typeface="Consolas"/>
+                <a:cs typeface="Consolas"/>
+              </a:rPr>
+              <a:t> </a:t>
+            </a:r>
+            <a:r>
+              <a:rPr lang="en-US" dirty="0" smtClean="0">
+                <a:latin typeface="Consolas"/>
+                <a:cs typeface="Consolas"/>
+              </a:rPr>
+              <a:t>     }</a:t>
+            </a:r>
+          </a:p>
+          <a:p>
+            <a:pPr marL="0" indent="0">
+              <a:buNone/>
+            </a:pPr>
+            <a:r>
+              <a:rPr lang="en-US" dirty="0">
+                <a:latin typeface="Consolas"/>
+                <a:cs typeface="Consolas"/>
+              </a:rPr>
+              <a:t> </a:t>
+            </a:r>
+            <a:r>
+              <a:rPr lang="en-US" dirty="0" smtClean="0">
+                <a:latin typeface="Consolas"/>
+                <a:cs typeface="Consolas"/>
+              </a:rPr>
+              <a:t>  }</a:t>
+            </a:r>
+          </a:p>
+          <a:p>
+            <a:pPr marL="0" indent="0">
+              <a:buNone/>
+            </a:pPr>
+            <a:r>
+              <a:rPr lang="en-US" dirty="0">
+                <a:latin typeface="Consolas"/>
+                <a:cs typeface="Consolas"/>
+              </a:rPr>
+              <a:t>}</a:t>
+            </a:r>
+            <a:r>
+              <a:rPr lang="en-US" dirty="0" smtClean="0">
+                <a:latin typeface="Consolas"/>
+                <a:cs typeface="Consolas"/>
+              </a:rPr>
+              <a:t> </a:t>
             </a:r>
             <a:endParaRPr lang="en-US" dirty="0">
-              <a:latin typeface="Lucida Console"/>
-              <a:cs typeface="Lucida Console"/>
+              <a:latin typeface="Consolas"/>
+              <a:cs typeface="Consolas"/>
             </a:endParaRPr>
           </a:p>
           <a:p>
-            <a:r>
-              <a:rPr lang="en-US" dirty="0"/>
-              <a:t>runtime option</a:t>
-            </a:r>
-          </a:p>
-          <a:p>
-            <a:pPr lvl="1"/>
-            <a:r>
-              <a:rPr lang="en-US" dirty="0" smtClean="0">
-                <a:latin typeface="Lucida Console"/>
-                <a:cs typeface="Lucida Console"/>
-              </a:rPr>
-              <a:t>+</a:t>
-            </a:r>
-            <a:r>
-              <a:rPr lang="en-US" dirty="0">
-                <a:latin typeface="Lucida Console"/>
-                <a:cs typeface="Lucida Console"/>
-              </a:rPr>
-              <a:t>balancer </a:t>
-            </a:r>
-            <a:r>
-              <a:rPr lang="en-US" dirty="0" err="1">
-                <a:latin typeface="Lucida Console"/>
-                <a:cs typeface="Lucida Console"/>
-              </a:rPr>
-              <a:t>RefineLB</a:t>
-            </a:r>
+            <a:pPr marL="0" indent="0">
+              <a:buNone/>
+            </a:pPr>
             <a:endParaRPr lang="en-US" dirty="0">
-              <a:latin typeface="Lucida Console"/>
-              <a:cs typeface="Lucida Console"/>
+              <a:latin typeface="Consolas"/>
+              <a:cs typeface="Consolas"/>
             </a:endParaRPr>
           </a:p>
         </p:txBody>
@@ -9865,7 +12578,7 @@
           <a:p>
             <a:fld id="{34621E95-60A9-FF44-9869-513D9D7A859F}" type="datetime2">
               <a:rPr lang="en-US" smtClean="0"/>
-              <a:t>Tuesday, September 9, 14</a:t>
+              <a:t>Wednesday, September 10, 14</a:t>
             </a:fld>
             <a:endParaRPr lang="en-US"/>
           </a:p>
@@ -9922,13 +12635,20 @@
     </p:spTree>
     <p:extLst>
       <p:ext uri="{BB962C8B-B14F-4D97-AF65-F5344CB8AC3E}">
-        <p14:creationId xmlns:p14="http://schemas.microsoft.com/office/powerpoint/2010/main" val="3378089433"/>
+        <p14:creationId xmlns:p14="http://schemas.microsoft.com/office/powerpoint/2010/main" val="1811753463"/>
       </p:ext>
     </p:extLst>
   </p:cSld>
   <p:clrMapOvr>
     <a:masterClrMapping/>
   </p:clrMapOvr>
+  <p:timing>
+    <p:tnLst>
+      <p:par>
+        <p:cTn xmlns:p14="http://schemas.microsoft.com/office/powerpoint/2010/main" id="1" dur="indefinite" restart="never" nodeType="tmRoot"/>
+      </p:par>
+    </p:tnLst>
+  </p:timing>
 </p:sld>
 </file>
 
@@ -9962,882 +12682,113 @@
         <p:spPr/>
         <p:txBody>
           <a:bodyPr>
-            <a:normAutofit fontScale="90000"/>
+            <a:normAutofit/>
           </a:bodyPr>
           <a:lstStyle/>
           <a:p>
             <a:r>
               <a:rPr lang="en-US" dirty="0"/>
-              <a:t>Example: Stencil</a:t>
-            </a:r>
-          </a:p>
-        </p:txBody>
-      </p:sp>
-      <p:sp>
-        <p:nvSpPr>
-          <p:cNvPr id="3" name="Content Placeholder 2"/>
-          <p:cNvSpPr>
-            <a:spLocks noGrp="1"/>
-          </p:cNvSpPr>
-          <p:nvPr>
-            <p:ph idx="1"/>
-          </p:nvPr>
-        </p:nvSpPr>
-        <p:spPr>
-          <a:xfrm>
-            <a:off x="216186" y="797088"/>
-            <a:ext cx="8715006" cy="5581134"/>
-          </a:xfrm>
-          <a:solidFill>
-            <a:srgbClr val="CCD1D9"/>
-          </a:solidFill>
-          <a:ln>
-            <a:solidFill>
-              <a:srgbClr val="292934"/>
-            </a:solidFill>
-          </a:ln>
-        </p:spPr>
-        <p:txBody>
-          <a:bodyPr>
-            <a:normAutofit fontScale="62500" lnSpcReduction="20000"/>
-          </a:bodyPr>
-          <a:lstStyle/>
-          <a:p>
-            <a:pPr marL="0" indent="0">
-              <a:buNone/>
-            </a:pPr>
-            <a:r>
-              <a:rPr lang="en-US" b="1" dirty="0"/>
-              <a:t>while </a:t>
-            </a:r>
-            <a:r>
-              <a:rPr lang="en-US" dirty="0"/>
-              <a:t>(!converged) { </a:t>
-            </a:r>
-            <a:endParaRPr lang="en-US" dirty="0" smtClean="0"/>
-          </a:p>
-          <a:p>
-            <a:pPr marL="0" indent="0">
-              <a:buNone/>
-            </a:pPr>
-            <a:r>
-              <a:rPr lang="en-US" dirty="0"/>
-              <a:t> </a:t>
-            </a:r>
-            <a:r>
-              <a:rPr lang="en-US" dirty="0" smtClean="0"/>
-              <a:t>  </a:t>
-            </a:r>
-            <a:r>
-              <a:rPr lang="en-US" b="1" dirty="0" smtClean="0"/>
-              <a:t>serial </a:t>
-            </a:r>
-            <a:r>
-              <a:rPr lang="en-US" dirty="0"/>
-              <a:t>{ </a:t>
-            </a:r>
-          </a:p>
-          <a:p>
-            <a:pPr marL="0" indent="0">
-              <a:buNone/>
-            </a:pPr>
-            <a:r>
-              <a:rPr lang="en-US" dirty="0"/>
-              <a:t> </a:t>
-            </a:r>
-            <a:r>
-              <a:rPr lang="en-US" dirty="0" smtClean="0"/>
-              <a:t>     </a:t>
-            </a:r>
-            <a:r>
-              <a:rPr lang="en-US" b="1" dirty="0" err="1" smtClean="0"/>
-              <a:t>int</a:t>
-            </a:r>
-            <a:r>
-              <a:rPr lang="en-US" b="1" dirty="0" smtClean="0"/>
-              <a:t> </a:t>
-            </a:r>
-            <a:r>
-              <a:rPr lang="en-US" dirty="0"/>
-              <a:t>x = </a:t>
-            </a:r>
-            <a:r>
-              <a:rPr lang="en-US" dirty="0" err="1"/>
-              <a:t>thisIndex.x</a:t>
-            </a:r>
-            <a:r>
-              <a:rPr lang="en-US" dirty="0"/>
-              <a:t>, y = </a:t>
-            </a:r>
-            <a:r>
-              <a:rPr lang="en-US" dirty="0" err="1"/>
-              <a:t>thisIndex.y</a:t>
-            </a:r>
-            <a:r>
-              <a:rPr lang="en-US" dirty="0"/>
-              <a:t>, z = </a:t>
-            </a:r>
-            <a:r>
-              <a:rPr lang="en-US" dirty="0" err="1"/>
-              <a:t>thisIndex.z</a:t>
-            </a:r>
-            <a:r>
-              <a:rPr lang="en-US" dirty="0"/>
-              <a:t>; </a:t>
-            </a:r>
-            <a:endParaRPr lang="en-US" dirty="0" smtClean="0"/>
-          </a:p>
-          <a:p>
-            <a:pPr marL="0" indent="0">
-              <a:buNone/>
-            </a:pPr>
-            <a:r>
-              <a:rPr lang="en-US" dirty="0"/>
-              <a:t> </a:t>
-            </a:r>
-            <a:r>
-              <a:rPr lang="en-US" dirty="0" smtClean="0"/>
-              <a:t>     </a:t>
-            </a:r>
-            <a:r>
-              <a:rPr lang="en-US" dirty="0" err="1" smtClean="0"/>
-              <a:t>copyToBoundaries</a:t>
-            </a:r>
-            <a:r>
-              <a:rPr lang="en-US" dirty="0"/>
-              <a:t>();</a:t>
-            </a:r>
-            <a:br>
-              <a:rPr lang="en-US" dirty="0"/>
-            </a:br>
-            <a:r>
-              <a:rPr lang="en-US" dirty="0" smtClean="0"/>
-              <a:t>      </a:t>
-            </a:r>
-            <a:r>
-              <a:rPr lang="en-US" dirty="0" err="1" smtClean="0"/>
-              <a:t>thisProxy</a:t>
-            </a:r>
-            <a:r>
-              <a:rPr lang="en-US" dirty="0"/>
-              <a:t>(</a:t>
-            </a:r>
-            <a:r>
-              <a:rPr lang="en-US" dirty="0" err="1"/>
-              <a:t>wrapX</a:t>
-            </a:r>
-            <a:r>
-              <a:rPr lang="en-US" dirty="0"/>
-              <a:t>(</a:t>
-            </a:r>
-            <a:r>
-              <a:rPr lang="en-US" dirty="0" smtClean="0"/>
-              <a:t>x - 1), y, z)</a:t>
-            </a:r>
-            <a:r>
-              <a:rPr lang="en-US" dirty="0"/>
-              <a:t>.</a:t>
-            </a:r>
-            <a:r>
-              <a:rPr lang="en-US" dirty="0" err="1"/>
-              <a:t>updateGhosts</a:t>
-            </a:r>
-            <a:r>
-              <a:rPr lang="en-US" dirty="0"/>
-              <a:t>(</a:t>
-            </a:r>
-            <a:r>
-              <a:rPr lang="en-US" dirty="0" err="1"/>
-              <a:t>i</a:t>
-            </a:r>
-            <a:r>
-              <a:rPr lang="en-US" dirty="0"/>
-              <a:t>, RIGHT, </a:t>
-            </a:r>
-            <a:r>
-              <a:rPr lang="en-US" dirty="0" err="1"/>
-              <a:t>dimY</a:t>
-            </a:r>
-            <a:r>
-              <a:rPr lang="en-US" dirty="0"/>
-              <a:t>, </a:t>
-            </a:r>
-            <a:r>
-              <a:rPr lang="en-US" dirty="0" err="1"/>
-              <a:t>dimZ</a:t>
-            </a:r>
-            <a:r>
-              <a:rPr lang="en-US" dirty="0"/>
-              <a:t>, right); </a:t>
-            </a:r>
-            <a:endParaRPr lang="en-US" dirty="0" smtClean="0"/>
-          </a:p>
-          <a:p>
-            <a:pPr marL="0" indent="0">
-              <a:buNone/>
-            </a:pPr>
-            <a:r>
-              <a:rPr lang="en-US" dirty="0"/>
-              <a:t> </a:t>
-            </a:r>
-            <a:r>
-              <a:rPr lang="en-US" dirty="0" smtClean="0"/>
-              <a:t>     </a:t>
-            </a:r>
-            <a:r>
-              <a:rPr lang="en-US" i="1" dirty="0" smtClean="0"/>
-              <a:t>/</a:t>
-            </a:r>
-            <a:r>
-              <a:rPr lang="en-US" i="1" dirty="0"/>
-              <a:t>∗ ...similar calls to send the 6 boundaries... ∗/ </a:t>
-            </a:r>
-            <a:endParaRPr lang="en-US" i="1" dirty="0" smtClean="0"/>
-          </a:p>
-          <a:p>
-            <a:pPr marL="0" indent="0">
-              <a:buNone/>
-            </a:pPr>
-            <a:r>
-              <a:rPr lang="en-US" dirty="0"/>
-              <a:t> </a:t>
-            </a:r>
-            <a:r>
-              <a:rPr lang="en-US" dirty="0" smtClean="0"/>
-              <a:t>     </a:t>
-            </a:r>
-            <a:r>
-              <a:rPr lang="en-US" dirty="0" err="1" smtClean="0"/>
-              <a:t>thisProxy</a:t>
-            </a:r>
-            <a:r>
-              <a:rPr lang="en-US" dirty="0"/>
-              <a:t>(x</a:t>
-            </a:r>
-            <a:r>
-              <a:rPr lang="en-US" dirty="0" smtClean="0"/>
-              <a:t>, y, </a:t>
-            </a:r>
-            <a:r>
-              <a:rPr lang="en-US" dirty="0" err="1" smtClean="0"/>
-              <a:t>wrapZ</a:t>
-            </a:r>
-            <a:r>
-              <a:rPr lang="en-US" dirty="0"/>
-              <a:t>(</a:t>
-            </a:r>
-            <a:r>
-              <a:rPr lang="en-US" dirty="0" smtClean="0"/>
-              <a:t>z + 1</a:t>
-            </a:r>
-            <a:r>
-              <a:rPr lang="en-US" dirty="0"/>
-              <a:t>)).</a:t>
-            </a:r>
-            <a:r>
-              <a:rPr lang="en-US" dirty="0" err="1"/>
-              <a:t>updateGhosts</a:t>
-            </a:r>
-            <a:r>
-              <a:rPr lang="en-US" dirty="0"/>
-              <a:t>(</a:t>
-            </a:r>
-            <a:r>
-              <a:rPr lang="en-US" dirty="0" err="1"/>
-              <a:t>i</a:t>
-            </a:r>
-            <a:r>
-              <a:rPr lang="en-US" dirty="0"/>
-              <a:t>, FRONT, </a:t>
-            </a:r>
-            <a:r>
-              <a:rPr lang="en-US" dirty="0" err="1"/>
-              <a:t>dimX</a:t>
-            </a:r>
-            <a:r>
-              <a:rPr lang="en-US" dirty="0"/>
-              <a:t>, </a:t>
-            </a:r>
-            <a:r>
-              <a:rPr lang="en-US" dirty="0" err="1"/>
-              <a:t>dimY</a:t>
-            </a:r>
-            <a:r>
-              <a:rPr lang="en-US" dirty="0"/>
-              <a:t>, front); </a:t>
-            </a:r>
-          </a:p>
-          <a:p>
-            <a:pPr marL="0" indent="0">
-              <a:buNone/>
-            </a:pPr>
-            <a:r>
-              <a:rPr lang="en-US" dirty="0" smtClean="0"/>
-              <a:t>   }</a:t>
-            </a:r>
-            <a:r>
-              <a:rPr lang="en-US" dirty="0"/>
-              <a:t/>
-            </a:r>
-            <a:br>
-              <a:rPr lang="en-US" dirty="0"/>
-            </a:br>
-            <a:r>
-              <a:rPr lang="en-US" dirty="0" smtClean="0"/>
-              <a:t>   </a:t>
-            </a:r>
-            <a:r>
-              <a:rPr lang="en-US" b="1" dirty="0" smtClean="0"/>
-              <a:t>for </a:t>
-            </a:r>
-            <a:r>
-              <a:rPr lang="en-US" dirty="0"/>
-              <a:t>(</a:t>
-            </a:r>
-            <a:r>
-              <a:rPr lang="en-US" dirty="0" err="1"/>
-              <a:t>remoteCount</a:t>
-            </a:r>
-            <a:r>
-              <a:rPr lang="en-US" dirty="0"/>
-              <a:t> = 0; </a:t>
-            </a:r>
-            <a:r>
-              <a:rPr lang="en-US" dirty="0" err="1"/>
-              <a:t>remoteCount</a:t>
-            </a:r>
-            <a:r>
-              <a:rPr lang="en-US" dirty="0"/>
-              <a:t> &lt; 6; </a:t>
-            </a:r>
-            <a:r>
-              <a:rPr lang="en-US" dirty="0" err="1"/>
-              <a:t>remoteCount</a:t>
-            </a:r>
-            <a:r>
-              <a:rPr lang="en-US" dirty="0"/>
-              <a:t>++) { </a:t>
-            </a:r>
-          </a:p>
-          <a:p>
-            <a:pPr marL="0" indent="0">
-              <a:buNone/>
-            </a:pPr>
-            <a:r>
-              <a:rPr lang="en-US" dirty="0" smtClean="0"/>
-              <a:t>      </a:t>
-            </a:r>
-            <a:r>
-              <a:rPr lang="en-US" b="1" dirty="0" smtClean="0"/>
-              <a:t>when </a:t>
-            </a:r>
-            <a:r>
-              <a:rPr lang="en-US" dirty="0" err="1"/>
-              <a:t>updateGhosts</a:t>
-            </a:r>
-            <a:r>
-              <a:rPr lang="en-US" dirty="0"/>
-              <a:t>[</a:t>
-            </a:r>
-            <a:r>
-              <a:rPr lang="en-US" dirty="0" err="1"/>
-              <a:t>i</a:t>
-            </a:r>
-            <a:r>
-              <a:rPr lang="en-US" dirty="0"/>
-              <a:t>](</a:t>
-            </a:r>
-            <a:r>
-              <a:rPr lang="en-US" b="1" dirty="0" err="1"/>
-              <a:t>int</a:t>
-            </a:r>
-            <a:r>
-              <a:rPr lang="en-US" b="1" dirty="0"/>
-              <a:t> </a:t>
-            </a:r>
-            <a:r>
-              <a:rPr lang="en-US" dirty="0" err="1"/>
-              <a:t>i</a:t>
-            </a:r>
-            <a:r>
-              <a:rPr lang="en-US" dirty="0"/>
-              <a:t>, </a:t>
-            </a:r>
-            <a:r>
-              <a:rPr lang="en-US" b="1" dirty="0" err="1"/>
-              <a:t>int</a:t>
-            </a:r>
-            <a:r>
-              <a:rPr lang="en-US" b="1" dirty="0"/>
-              <a:t> </a:t>
-            </a:r>
-            <a:r>
-              <a:rPr lang="en-US" dirty="0"/>
-              <a:t>d, </a:t>
-            </a:r>
-            <a:r>
-              <a:rPr lang="en-US" b="1" dirty="0" err="1"/>
-              <a:t>int</a:t>
-            </a:r>
-            <a:r>
-              <a:rPr lang="en-US" b="1" dirty="0"/>
-              <a:t> </a:t>
-            </a:r>
-            <a:r>
-              <a:rPr lang="en-US" dirty="0"/>
-              <a:t>w, </a:t>
-            </a:r>
-            <a:r>
-              <a:rPr lang="en-US" b="1" dirty="0" err="1"/>
-              <a:t>int</a:t>
-            </a:r>
-            <a:r>
-              <a:rPr lang="en-US" b="1" dirty="0"/>
-              <a:t> </a:t>
-            </a:r>
-            <a:r>
-              <a:rPr lang="en-US" dirty="0"/>
-              <a:t>h, </a:t>
-            </a:r>
-            <a:r>
-              <a:rPr lang="en-US" b="1" dirty="0"/>
-              <a:t>double </a:t>
-            </a:r>
-            <a:r>
-              <a:rPr lang="en-US" dirty="0"/>
-              <a:t>b[</a:t>
-            </a:r>
-            <a:r>
-              <a:rPr lang="en-US" dirty="0" err="1"/>
-              <a:t>w∗h</a:t>
-            </a:r>
-            <a:r>
-              <a:rPr lang="en-US" dirty="0"/>
-              <a:t>]) </a:t>
-            </a:r>
-          </a:p>
-          <a:p>
-            <a:pPr marL="0" indent="0">
-              <a:buNone/>
-            </a:pPr>
-            <a:r>
-              <a:rPr lang="en-US" dirty="0" smtClean="0"/>
-              <a:t>      </a:t>
-            </a:r>
-            <a:r>
-              <a:rPr lang="en-US" b="1" dirty="0" smtClean="0"/>
-              <a:t>serial </a:t>
-            </a:r>
-            <a:r>
-              <a:rPr lang="en-US" dirty="0"/>
-              <a:t>{ </a:t>
-            </a:r>
-            <a:r>
-              <a:rPr lang="en-US" dirty="0" err="1"/>
-              <a:t>updateBoundary</a:t>
-            </a:r>
-            <a:r>
-              <a:rPr lang="en-US" dirty="0"/>
-              <a:t>(d, w, h, b); } </a:t>
-            </a:r>
-            <a:endParaRPr lang="en-US" dirty="0" smtClean="0"/>
-          </a:p>
-          <a:p>
-            <a:pPr marL="0" indent="0">
-              <a:buNone/>
-            </a:pPr>
-            <a:r>
-              <a:rPr lang="en-US" dirty="0"/>
-              <a:t> </a:t>
-            </a:r>
-            <a:r>
-              <a:rPr lang="en-US" dirty="0" smtClean="0"/>
-              <a:t>  } </a:t>
+              <a:t>Performance</a:t>
+            </a:r>
+          </a:p>
+        </p:txBody>
+      </p:sp>
+      <p:sp>
+        <p:nvSpPr>
+          <p:cNvPr id="7" name="Text Placeholder 6"/>
+          <p:cNvSpPr>
+            <a:spLocks noGrp="1"/>
+          </p:cNvSpPr>
+          <p:nvPr>
+            <p:ph type="body" idx="1"/>
+          </p:nvPr>
+        </p:nvSpPr>
+        <p:spPr/>
+        <p:txBody>
+          <a:bodyPr/>
+          <a:lstStyle/>
+          <a:p>
+            <a:r>
+              <a:rPr lang="en-US" dirty="0" smtClean="0"/>
+              <a:t>Before LB</a:t>
             </a:r>
             <a:endParaRPr lang="en-US" dirty="0"/>
           </a:p>
-          <a:p>
-            <a:pPr marL="0" indent="0">
-              <a:buNone/>
-            </a:pPr>
-            <a:r>
-              <a:rPr lang="en-US" dirty="0" smtClean="0"/>
-              <a:t>   </a:t>
-            </a:r>
-            <a:r>
-              <a:rPr lang="en-US" b="1" dirty="0" smtClean="0"/>
-              <a:t>serial </a:t>
-            </a:r>
-            <a:r>
-              <a:rPr lang="en-US" dirty="0"/>
-              <a:t>{</a:t>
-            </a:r>
-            <a:br>
-              <a:rPr lang="en-US" dirty="0"/>
-            </a:br>
-            <a:r>
-              <a:rPr lang="en-US" dirty="0" smtClean="0"/>
-              <a:t>      </a:t>
-            </a:r>
-            <a:r>
-              <a:rPr lang="en-US" b="1" dirty="0" err="1" smtClean="0"/>
-              <a:t>int</a:t>
-            </a:r>
-            <a:r>
-              <a:rPr lang="en-US" b="1" dirty="0" smtClean="0"/>
-              <a:t> </a:t>
-            </a:r>
-            <a:r>
-              <a:rPr lang="en-US" dirty="0"/>
-              <a:t>c = </a:t>
-            </a:r>
-            <a:r>
-              <a:rPr lang="en-US" dirty="0" err="1"/>
-              <a:t>computeKernel</a:t>
-            </a:r>
-            <a:r>
-              <a:rPr lang="en-US" dirty="0"/>
-              <a:t>() &lt; DELTA;</a:t>
-            </a:r>
-            <a:br>
-              <a:rPr lang="en-US" dirty="0"/>
-            </a:br>
-            <a:r>
-              <a:rPr lang="en-US" dirty="0" smtClean="0"/>
-              <a:t>      </a:t>
-            </a:r>
-            <a:r>
-              <a:rPr lang="en-US" dirty="0" err="1" smtClean="0"/>
-              <a:t>CkCallback</a:t>
-            </a:r>
-            <a:r>
-              <a:rPr lang="en-US" dirty="0" smtClean="0"/>
-              <a:t> </a:t>
-            </a:r>
-            <a:r>
-              <a:rPr lang="en-US" dirty="0" err="1"/>
-              <a:t>cb</a:t>
-            </a:r>
-            <a:r>
-              <a:rPr lang="en-US" dirty="0"/>
-              <a:t>(</a:t>
-            </a:r>
-            <a:r>
-              <a:rPr lang="en-US" dirty="0" err="1"/>
-              <a:t>CkReductionTarget</a:t>
-            </a:r>
-            <a:r>
-              <a:rPr lang="en-US" dirty="0"/>
-              <a:t>(Jacobi, </a:t>
-            </a:r>
-            <a:r>
-              <a:rPr lang="en-US" dirty="0" err="1"/>
-              <a:t>checkConverged</a:t>
-            </a:r>
-            <a:r>
-              <a:rPr lang="en-US" dirty="0"/>
-              <a:t>), </a:t>
-            </a:r>
-            <a:r>
-              <a:rPr lang="en-US" dirty="0" err="1"/>
-              <a:t>thisProxy</a:t>
-            </a:r>
-            <a:r>
-              <a:rPr lang="en-US" dirty="0"/>
-              <a:t>); </a:t>
-            </a:r>
-            <a:endParaRPr lang="en-US" dirty="0" smtClean="0"/>
-          </a:p>
-          <a:p>
-            <a:pPr marL="0" indent="0">
-              <a:buNone/>
-            </a:pPr>
-            <a:r>
-              <a:rPr lang="en-US" dirty="0" smtClean="0"/>
-              <a:t>      </a:t>
-            </a:r>
-            <a:r>
-              <a:rPr lang="en-US" b="1" dirty="0" smtClean="0"/>
-              <a:t>if </a:t>
-            </a:r>
-            <a:r>
-              <a:rPr lang="en-US" dirty="0" smtClean="0"/>
-              <a:t>(</a:t>
-            </a:r>
-            <a:r>
-              <a:rPr lang="en-US" dirty="0" err="1" smtClean="0"/>
-              <a:t>i</a:t>
-            </a:r>
-            <a:r>
-              <a:rPr lang="en-US" dirty="0" smtClean="0"/>
-              <a:t> % 5 </a:t>
-            </a:r>
-            <a:r>
-              <a:rPr lang="en-US" dirty="0"/>
-              <a:t>== 1) contribute(</a:t>
-            </a:r>
-            <a:r>
-              <a:rPr lang="en-US" b="1" dirty="0" err="1"/>
-              <a:t>sizeof</a:t>
-            </a:r>
-            <a:r>
-              <a:rPr lang="en-US" dirty="0"/>
-              <a:t>(</a:t>
-            </a:r>
-            <a:r>
-              <a:rPr lang="en-US" b="1" dirty="0" err="1"/>
-              <a:t>int</a:t>
-            </a:r>
-            <a:r>
-              <a:rPr lang="en-US" dirty="0"/>
-              <a:t>), </a:t>
-            </a:r>
-            <a:r>
-              <a:rPr lang="en-US" dirty="0" smtClean="0"/>
-              <a:t>&amp;</a:t>
-            </a:r>
-            <a:r>
-              <a:rPr lang="en-US" dirty="0"/>
-              <a:t>c, </a:t>
-            </a:r>
-            <a:r>
-              <a:rPr lang="en-US" dirty="0" err="1"/>
-              <a:t>CkReduction</a:t>
-            </a:r>
-            <a:r>
-              <a:rPr lang="en-US" dirty="0"/>
-              <a:t>::</a:t>
-            </a:r>
-            <a:r>
-              <a:rPr lang="en-US" dirty="0" err="1" smtClean="0"/>
-              <a:t>logical_and</a:t>
-            </a:r>
-            <a:r>
-              <a:rPr lang="en-US" dirty="0"/>
-              <a:t>, </a:t>
-            </a:r>
-            <a:r>
-              <a:rPr lang="en-US" dirty="0" err="1"/>
-              <a:t>cb</a:t>
-            </a:r>
-            <a:r>
-              <a:rPr lang="en-US" dirty="0"/>
-              <a:t>); </a:t>
-            </a:r>
-          </a:p>
-          <a:p>
-            <a:pPr marL="0" indent="0">
-              <a:buNone/>
-            </a:pPr>
-            <a:r>
-              <a:rPr lang="en-US" dirty="0" smtClean="0"/>
-              <a:t>   }</a:t>
-            </a:r>
-            <a:r>
-              <a:rPr lang="en-US" dirty="0"/>
-              <a:t/>
-            </a:r>
-            <a:br>
-              <a:rPr lang="en-US" dirty="0"/>
-            </a:br>
-            <a:r>
-              <a:rPr lang="en-US" dirty="0" smtClean="0"/>
-              <a:t>   </a:t>
-            </a:r>
-            <a:r>
-              <a:rPr lang="en-US" b="1" dirty="0" smtClean="0"/>
-              <a:t>if </a:t>
-            </a:r>
-            <a:r>
-              <a:rPr lang="en-US" dirty="0"/>
-              <a:t>(</a:t>
-            </a:r>
-            <a:r>
-              <a:rPr lang="en-US" dirty="0" err="1"/>
-              <a:t>i</a:t>
-            </a:r>
-            <a:r>
-              <a:rPr lang="en-US" dirty="0"/>
-              <a:t> % </a:t>
-            </a:r>
-            <a:r>
-              <a:rPr lang="en-US" dirty="0" err="1"/>
-              <a:t>lbPeriod</a:t>
-            </a:r>
-            <a:r>
-              <a:rPr lang="en-US" dirty="0"/>
-              <a:t> == 0) { </a:t>
-            </a:r>
-            <a:r>
-              <a:rPr lang="en-US" b="1" dirty="0"/>
-              <a:t>serial </a:t>
-            </a:r>
-            <a:r>
-              <a:rPr lang="en-US" dirty="0"/>
-              <a:t>{ </a:t>
-            </a:r>
-            <a:r>
-              <a:rPr lang="en-US" dirty="0" err="1"/>
-              <a:t>AtSync</a:t>
-            </a:r>
-            <a:r>
-              <a:rPr lang="en-US" dirty="0"/>
-              <a:t>(); } </a:t>
-            </a:r>
-            <a:r>
-              <a:rPr lang="en-US" b="1" dirty="0"/>
-              <a:t>when </a:t>
-            </a:r>
-            <a:r>
-              <a:rPr lang="en-US" dirty="0" err="1"/>
-              <a:t>ResumeFromSync</a:t>
-            </a:r>
-            <a:r>
-              <a:rPr lang="en-US" dirty="0"/>
-              <a:t>() {} } </a:t>
-            </a:r>
-            <a:endParaRPr lang="en-US" dirty="0" smtClean="0"/>
-          </a:p>
-          <a:p>
-            <a:pPr marL="0" indent="0">
-              <a:buNone/>
-            </a:pPr>
-            <a:r>
-              <a:rPr lang="en-US" dirty="0"/>
-              <a:t> </a:t>
-            </a:r>
-            <a:r>
-              <a:rPr lang="en-US" dirty="0" smtClean="0"/>
-              <a:t>  </a:t>
-            </a:r>
-            <a:r>
-              <a:rPr lang="en-US" b="1" dirty="0" smtClean="0"/>
-              <a:t>if </a:t>
-            </a:r>
-            <a:r>
-              <a:rPr lang="en-US" dirty="0"/>
-              <a:t>(++</a:t>
-            </a:r>
-            <a:r>
-              <a:rPr lang="en-US" dirty="0" err="1"/>
-              <a:t>i</a:t>
-            </a:r>
-            <a:r>
-              <a:rPr lang="en-US" dirty="0"/>
-              <a:t> % 5 == 0) { </a:t>
-            </a:r>
-          </a:p>
-          <a:p>
-            <a:pPr marL="0" indent="0">
-              <a:buNone/>
-            </a:pPr>
-            <a:r>
-              <a:rPr lang="en-US" dirty="0" smtClean="0"/>
-              <a:t>      </a:t>
-            </a:r>
-            <a:r>
-              <a:rPr lang="en-US" b="1" dirty="0" smtClean="0"/>
-              <a:t>when </a:t>
-            </a:r>
-            <a:r>
-              <a:rPr lang="en-US" dirty="0" err="1"/>
-              <a:t>checkConverged</a:t>
-            </a:r>
-            <a:r>
-              <a:rPr lang="en-US" dirty="0"/>
-              <a:t>(</a:t>
-            </a:r>
-            <a:r>
-              <a:rPr lang="en-US" b="1" dirty="0" err="1"/>
-              <a:t>bool</a:t>
-            </a:r>
-            <a:r>
-              <a:rPr lang="en-US" dirty="0"/>
-              <a:t> result) </a:t>
-            </a:r>
-            <a:r>
-              <a:rPr lang="en-US" b="1" dirty="0"/>
-              <a:t>serial</a:t>
-            </a:r>
-            <a:r>
-              <a:rPr lang="en-US" dirty="0"/>
-              <a:t> { </a:t>
-            </a:r>
-          </a:p>
-          <a:p>
-            <a:pPr marL="0" indent="0">
-              <a:buNone/>
-            </a:pPr>
-            <a:r>
-              <a:rPr lang="en-US" dirty="0" smtClean="0"/>
-              <a:t>         </a:t>
-            </a:r>
-            <a:r>
-              <a:rPr lang="en-US" b="1" dirty="0" smtClean="0"/>
-              <a:t>if </a:t>
-            </a:r>
-            <a:r>
-              <a:rPr lang="en-US" dirty="0"/>
-              <a:t>(result) { </a:t>
-            </a:r>
-            <a:r>
-              <a:rPr lang="en-US" dirty="0" err="1"/>
-              <a:t>mainProxy.done</a:t>
-            </a:r>
-            <a:r>
-              <a:rPr lang="en-US" dirty="0"/>
-              <a:t>(); converged = true; } </a:t>
-            </a:r>
-            <a:endParaRPr lang="en-US" dirty="0" smtClean="0"/>
-          </a:p>
-          <a:p>
-            <a:pPr marL="0" indent="0">
-              <a:buNone/>
-            </a:pPr>
-            <a:r>
-              <a:rPr lang="en-US" dirty="0"/>
-              <a:t> </a:t>
-            </a:r>
-            <a:r>
-              <a:rPr lang="en-US" dirty="0" smtClean="0"/>
-              <a:t>     }</a:t>
-            </a:r>
-          </a:p>
-          <a:p>
-            <a:pPr marL="0" indent="0">
-              <a:buNone/>
-            </a:pPr>
-            <a:r>
-              <a:rPr lang="en-US" dirty="0"/>
-              <a:t> </a:t>
-            </a:r>
-            <a:r>
-              <a:rPr lang="en-US" dirty="0" smtClean="0"/>
-              <a:t>  }</a:t>
-            </a:r>
-          </a:p>
-          <a:p>
-            <a:pPr marL="0" indent="0">
-              <a:buNone/>
-            </a:pPr>
-            <a:r>
-              <a:rPr lang="en-US" dirty="0"/>
-              <a:t>}</a:t>
-            </a:r>
-            <a:r>
-              <a:rPr lang="en-US" dirty="0" smtClean="0"/>
-              <a:t> </a:t>
+        </p:txBody>
+      </p:sp>
+      <p:pic>
+        <p:nvPicPr>
+          <p:cNvPr id="11" name="Content Placeholder 10" descr="beforeLB.png"/>
+          <p:cNvPicPr>
+            <a:picLocks noGrp="1" noChangeAspect="1"/>
+          </p:cNvPicPr>
+          <p:nvPr>
+            <p:ph sz="half" idx="2"/>
+          </p:nvPr>
+        </p:nvPicPr>
+        <p:blipFill>
+          <a:blip r:embed="rId2">
+            <a:extLst>
+              <a:ext uri="{28A0092B-C50C-407E-A947-70E740481C1C}">
+                <a14:useLocalDpi xmlns:a14="http://schemas.microsoft.com/office/drawing/2010/main" val="0"/>
+              </a:ext>
+            </a:extLst>
+          </a:blip>
+          <a:srcRect t="-35782" b="-35782"/>
+          <a:stretch>
+            <a:fillRect/>
+          </a:stretch>
+        </p:blipFill>
+        <p:spPr/>
+      </p:pic>
+      <p:sp>
+        <p:nvSpPr>
+          <p:cNvPr id="9" name="Text Placeholder 8"/>
+          <p:cNvSpPr>
+            <a:spLocks noGrp="1"/>
+          </p:cNvSpPr>
+          <p:nvPr>
+            <p:ph type="body" sz="quarter" idx="3"/>
+          </p:nvPr>
+        </p:nvSpPr>
+        <p:spPr/>
+        <p:txBody>
+          <a:bodyPr/>
+          <a:lstStyle/>
+          <a:p>
+            <a:r>
+              <a:rPr lang="en-US" dirty="0" smtClean="0"/>
+              <a:t>After LB</a:t>
             </a:r>
             <a:endParaRPr lang="en-US" dirty="0"/>
           </a:p>
-          <a:p>
-            <a:pPr marL="0" indent="0">
-              <a:buNone/>
-            </a:pPr>
-            <a:endParaRPr lang="en-US" dirty="0"/>
-          </a:p>
-        </p:txBody>
-      </p:sp>
+        </p:txBody>
+      </p:sp>
+      <p:pic>
+        <p:nvPicPr>
+          <p:cNvPr id="12" name="Content Placeholder 11" descr="afterLB.png"/>
+          <p:cNvPicPr>
+            <a:picLocks noGrp="1" noChangeAspect="1"/>
+          </p:cNvPicPr>
+          <p:nvPr>
+            <p:ph sz="quarter" idx="4"/>
+          </p:nvPr>
+        </p:nvPicPr>
+        <p:blipFill>
+          <a:blip r:embed="rId3">
+            <a:extLst>
+              <a:ext uri="{28A0092B-C50C-407E-A947-70E740481C1C}">
+                <a14:useLocalDpi xmlns:a14="http://schemas.microsoft.com/office/drawing/2010/main" val="0"/>
+              </a:ext>
+            </a:extLst>
+          </a:blip>
+          <a:srcRect t="-37013" b="-37013"/>
+          <a:stretch>
+            <a:fillRect/>
+          </a:stretch>
+        </p:blipFill>
+        <p:spPr/>
+      </p:pic>
       <p:sp>
         <p:nvSpPr>
           <p:cNvPr id="4" name="Date Placeholder 3"/>
@@ -10855,7 +12806,7 @@
           <a:p>
             <a:fld id="{34621E95-60A9-FF44-9869-513D9D7A859F}" type="datetime2">
               <a:rPr lang="en-US" smtClean="0"/>
-              <a:t>Tuesday, September 9, 14</a:t>
+              <a:t>Wednesday, September 10, 14</a:t>
             </a:fld>
             <a:endParaRPr lang="en-US"/>
           </a:p>
@@ -10912,7 +12863,7 @@
     </p:spTree>
     <p:extLst>
       <p:ext uri="{BB962C8B-B14F-4D97-AF65-F5344CB8AC3E}">
-        <p14:creationId xmlns:p14="http://schemas.microsoft.com/office/powerpoint/2010/main" val="1811753463"/>
+        <p14:creationId xmlns:p14="http://schemas.microsoft.com/office/powerpoint/2010/main" val="1502740314"/>
       </p:ext>
     </p:extLst>
   </p:cSld>
@@ -10959,113 +12910,89 @@
         <p:spPr/>
         <p:txBody>
           <a:bodyPr>
-            <a:normAutofit fontScale="90000"/>
+            <a:normAutofit/>
           </a:bodyPr>
           <a:lstStyle/>
           <a:p>
             <a:r>
               <a:rPr lang="en-US" dirty="0"/>
-              <a:t>Performance</a:t>
-            </a:r>
-          </a:p>
-        </p:txBody>
-      </p:sp>
-      <p:sp>
-        <p:nvSpPr>
-          <p:cNvPr id="7" name="Text Placeholder 6"/>
-          <p:cNvSpPr>
-            <a:spLocks noGrp="1"/>
-          </p:cNvSpPr>
-          <p:nvPr>
-            <p:ph type="body" idx="1"/>
-          </p:nvPr>
-        </p:nvSpPr>
-        <p:spPr/>
-        <p:txBody>
-          <a:bodyPr/>
-          <a:lstStyle/>
-          <a:p>
-            <a:r>
-              <a:rPr lang="en-US" dirty="0" smtClean="0"/>
-              <a:t>Before LB</a:t>
-            </a:r>
-            <a:endParaRPr lang="en-US" dirty="0"/>
-          </a:p>
-        </p:txBody>
-      </p:sp>
-      <p:pic>
-        <p:nvPicPr>
-          <p:cNvPr id="11" name="Content Placeholder 10" descr="beforeLB.png"/>
-          <p:cNvPicPr>
-            <a:picLocks noGrp="1" noChangeAspect="1"/>
-          </p:cNvPicPr>
-          <p:nvPr>
-            <p:ph sz="half" idx="2"/>
-          </p:nvPr>
-        </p:nvPicPr>
-        <p:blipFill>
-          <a:blip r:embed="rId2">
-            <a:extLst>
-              <a:ext uri="{28A0092B-C50C-407E-A947-70E740481C1C}">
-                <a14:useLocalDpi xmlns:a14="http://schemas.microsoft.com/office/drawing/2010/main" val="0"/>
-              </a:ext>
-            </a:extLst>
-          </a:blip>
-          <a:srcRect t="-25872" b="-25872"/>
-          <a:stretch>
-            <a:fillRect/>
-          </a:stretch>
-        </p:blipFill>
-        <p:spPr/>
-      </p:pic>
-      <p:sp>
-        <p:nvSpPr>
-          <p:cNvPr id="9" name="Text Placeholder 8"/>
-          <p:cNvSpPr>
-            <a:spLocks noGrp="1"/>
-          </p:cNvSpPr>
-          <p:nvPr>
-            <p:ph type="body" sz="quarter" idx="3"/>
-          </p:nvPr>
-        </p:nvSpPr>
-        <p:spPr/>
-        <p:txBody>
-          <a:bodyPr/>
-          <a:lstStyle/>
-          <a:p>
-            <a:r>
-              <a:rPr lang="en-US" dirty="0" smtClean="0"/>
-              <a:t>After LB</a:t>
-            </a:r>
-            <a:endParaRPr lang="en-US" dirty="0"/>
-          </a:p>
-        </p:txBody>
-      </p:sp>
-      <p:pic>
-        <p:nvPicPr>
-          <p:cNvPr id="12" name="Content Placeholder 11" descr="afterLB.png"/>
-          <p:cNvPicPr>
-            <a:picLocks noGrp="1" noChangeAspect="1"/>
-          </p:cNvPicPr>
-          <p:nvPr>
-            <p:ph sz="quarter" idx="4"/>
-          </p:nvPr>
-        </p:nvPicPr>
-        <p:blipFill>
-          <a:blip r:embed="rId3">
-            <a:extLst>
-              <a:ext uri="{28A0092B-C50C-407E-A947-70E740481C1C}">
-                <a14:useLocalDpi xmlns:a14="http://schemas.microsoft.com/office/drawing/2010/main" val="0"/>
-              </a:ext>
-            </a:extLst>
-          </a:blip>
-          <a:srcRect t="-27434" b="-27434"/>
-          <a:stretch>
-            <a:fillRect/>
-          </a:stretch>
-        </p:blipFill>
-        <p:spPr/>
-      </p:pic>
+              <a:t>How to Diagnose Load Imbalance</a:t>
+            </a:r>
+          </a:p>
+        </p:txBody>
+      </p:sp>
+      <p:sp>
+        <p:nvSpPr>
+          <p:cNvPr id="3" name="Content Placeholder 2"/>
+          <p:cNvSpPr>
+            <a:spLocks noGrp="1"/>
+          </p:cNvSpPr>
+          <p:nvPr>
+            <p:ph idx="1"/>
+          </p:nvPr>
+        </p:nvSpPr>
+        <p:spPr/>
+        <p:txBody>
+          <a:bodyPr anchor="ctr"/>
+          <a:lstStyle/>
+          <a:p>
+            <a:r>
+              <a:rPr lang="en-US" dirty="0"/>
+              <a:t>Often hidden in statements such as:</a:t>
+            </a:r>
+          </a:p>
+          <a:p>
+            <a:pPr lvl="1"/>
+            <a:r>
+              <a:rPr lang="en-US" dirty="0" smtClean="0"/>
+              <a:t>Very </a:t>
+            </a:r>
+            <a:r>
+              <a:rPr lang="en-US" dirty="0"/>
+              <a:t>high synchronization overhead</a:t>
+            </a:r>
+          </a:p>
+          <a:p>
+            <a:pPr lvl="2"/>
+            <a:r>
+              <a:rPr lang="en-US" dirty="0" smtClean="0"/>
+              <a:t>Most </a:t>
+            </a:r>
+            <a:r>
+              <a:rPr lang="en-US" dirty="0"/>
+              <a:t>processors are waiting at a reduction</a:t>
+            </a:r>
+          </a:p>
+          <a:p>
+            <a:r>
+              <a:rPr lang="en-US" dirty="0"/>
+              <a:t>Count total amount of computation (ops/flops) per processor</a:t>
+            </a:r>
+          </a:p>
+          <a:p>
+            <a:pPr lvl="1"/>
+            <a:r>
+              <a:rPr lang="en-US" dirty="0" smtClean="0"/>
+              <a:t>In </a:t>
+            </a:r>
+            <a:r>
+              <a:rPr lang="en-US" dirty="0"/>
+              <a:t>each phase!</a:t>
+            </a:r>
+          </a:p>
+          <a:p>
+            <a:pPr lvl="1"/>
+            <a:r>
+              <a:rPr lang="en-US" dirty="0" smtClean="0"/>
+              <a:t>Because </a:t>
+            </a:r>
+            <a:r>
+              <a:rPr lang="en-US" dirty="0"/>
+              <a:t>the balance may change from phase to phase</a:t>
+            </a:r>
+          </a:p>
+        </p:txBody>
+      </p:sp>
       <p:sp>
         <p:nvSpPr>
           <p:cNvPr id="4" name="Date Placeholder 3"/>
@@ -11083,7 +13010,7 @@
           <a:p>
             <a:fld id="{34621E95-60A9-FF44-9869-513D9D7A859F}" type="datetime2">
               <a:rPr lang="en-US" smtClean="0"/>
-              <a:t>Tuesday, September 9, 14</a:t>
+              <a:t>Wednesday, September 10, 14</a:t>
             </a:fld>
             <a:endParaRPr lang="en-US"/>
           </a:p>
@@ -11140,7 +13067,7 @@
     </p:spTree>
     <p:extLst>
       <p:ext uri="{BB962C8B-B14F-4D97-AF65-F5344CB8AC3E}">
-        <p14:creationId xmlns:p14="http://schemas.microsoft.com/office/powerpoint/2010/main" val="1502740314"/>
+        <p14:creationId xmlns:p14="http://schemas.microsoft.com/office/powerpoint/2010/main" val="1708635662"/>
       </p:ext>
     </p:extLst>
   </p:cSld>
@@ -11187,13 +13114,13 @@
         <p:spPr/>
         <p:txBody>
           <a:bodyPr>
-            <a:normAutofit fontScale="90000"/>
+            <a:normAutofit/>
           </a:bodyPr>
           <a:lstStyle/>
           <a:p>
             <a:r>
               <a:rPr lang="en-US" dirty="0"/>
-              <a:t>How to Diagnose Load Imbalance</a:t>
+              <a:t>Golden Rule of Load Balancing</a:t>
             </a:r>
           </a:p>
         </p:txBody>
@@ -11210,62 +13137,138 @@
         </p:nvSpPr>
         <p:spPr/>
         <p:txBody>
-          <a:bodyPr anchor="ctr"/>
-          <a:lstStyle/>
-          <a:p>
-            <a:r>
-              <a:rPr lang="en-US" dirty="0"/>
-              <a:t>Often hidden in statements such as:</a:t>
-            </a:r>
-          </a:p>
-          <a:p>
-            <a:pPr lvl="1"/>
-            <a:r>
-              <a:rPr lang="en-US" dirty="0" smtClean="0"/>
-              <a:t>Very </a:t>
-            </a:r>
-            <a:r>
-              <a:rPr lang="en-US" dirty="0"/>
-              <a:t>high synchronization overhead</a:t>
-            </a:r>
-          </a:p>
-          <a:p>
-            <a:pPr lvl="2"/>
-            <a:r>
-              <a:rPr lang="en-US" dirty="0" smtClean="0"/>
-              <a:t>Most </a:t>
-            </a:r>
-            <a:r>
-              <a:rPr lang="en-US" dirty="0"/>
-              <a:t>processors are waiting at a reduction</a:t>
-            </a:r>
-          </a:p>
-          <a:p>
-            <a:r>
-              <a:rPr lang="en-US" dirty="0"/>
-              <a:t>Count total amount of computation (ops/flops) per processor</a:t>
-            </a:r>
-          </a:p>
-          <a:p>
-            <a:pPr lvl="1"/>
-            <a:r>
-              <a:rPr lang="en-US" dirty="0" smtClean="0"/>
-              <a:t>In </a:t>
-            </a:r>
-            <a:r>
-              <a:rPr lang="en-US" dirty="0"/>
-              <a:t>each phase!</a:t>
-            </a:r>
-          </a:p>
-          <a:p>
-            <a:pPr lvl="1"/>
-            <a:r>
-              <a:rPr lang="en-US" dirty="0" smtClean="0"/>
-              <a:t>Because </a:t>
-            </a:r>
-            <a:r>
-              <a:rPr lang="en-US" dirty="0"/>
-              <a:t>the balance may change from phase to phase</a:t>
+          <a:bodyPr>
+            <a:normAutofit/>
+          </a:bodyPr>
+          <a:lstStyle/>
+          <a:p>
+            <a:pPr marL="0" indent="0">
+              <a:buNone/>
+            </a:pPr>
+            <a:r>
+              <a:rPr lang="en-US" i="1" dirty="0"/>
+              <a:t>Fallacy: objective of load balancing is to minimize variance in load across processors</a:t>
+            </a:r>
+          </a:p>
+          <a:p>
+            <a:pPr marL="512763" indent="0">
+              <a:buNone/>
+            </a:pPr>
+            <a:r>
+              <a:rPr lang="en-US" i="1" dirty="0" smtClean="0"/>
+              <a:t>Example</a:t>
+            </a:r>
+            <a:r>
+              <a:rPr lang="en-US" i="1" dirty="0"/>
+              <a:t>:</a:t>
+            </a:r>
+          </a:p>
+          <a:p>
+            <a:pPr marL="973138" lvl="1" indent="-176213"/>
+            <a:r>
+              <a:rPr lang="en-US" dirty="0" smtClean="0"/>
+              <a:t>50,000 </a:t>
+            </a:r>
+            <a:r>
+              <a:rPr lang="en-US" dirty="0"/>
+              <a:t>tasks of equal size, 500 processors:</a:t>
+            </a:r>
+          </a:p>
+          <a:p>
+            <a:pPr marL="973138" lvl="2" indent="-176213"/>
+            <a:r>
+              <a:rPr lang="en-US" dirty="0" smtClean="0"/>
+              <a:t>A</a:t>
+            </a:r>
+            <a:r>
+              <a:rPr lang="en-US" dirty="0"/>
+              <a:t>: All processors get 99, except last 5 gets 100 + 99 = 199 </a:t>
+            </a:r>
+            <a:endParaRPr lang="en-US" dirty="0" smtClean="0"/>
+          </a:p>
+          <a:p>
+            <a:pPr marL="973138" lvl="2" indent="-176213"/>
+            <a:r>
+              <a:rPr lang="en-US" dirty="0" smtClean="0"/>
+              <a:t>OR</a:t>
+            </a:r>
+            <a:r>
+              <a:rPr lang="en-US" dirty="0"/>
+              <a:t>, B: All processors have 101, except last 5 get 1</a:t>
+            </a:r>
+          </a:p>
+          <a:p>
+            <a:pPr marL="512763" indent="0">
+              <a:buNone/>
+            </a:pPr>
+            <a:r>
+              <a:rPr lang="en-US" dirty="0"/>
+              <a:t>Identical variance, but situation A is much worse!</a:t>
+            </a:r>
+          </a:p>
+          <a:p>
+            <a:pPr marL="0" indent="0">
+              <a:buNone/>
+            </a:pPr>
+            <a:r>
+              <a:rPr lang="en-US" i="1" dirty="0"/>
+              <a:t>Golden Rule: It is ok if a few processors idle, but avoid having processors that are overloaded with work</a:t>
+            </a:r>
+          </a:p>
+          <a:p>
+            <a:pPr marL="0" indent="0">
+              <a:buNone/>
+            </a:pPr>
+            <a:r>
+              <a:rPr lang="en-US" i="1" dirty="0"/>
+              <a:t>Finish time = max</a:t>
+            </a:r>
+            <a:r>
+              <a:rPr lang="en-US" i="1" baseline="-25000" dirty="0"/>
+              <a:t>i</a:t>
+            </a:r>
+            <a:r>
+              <a:rPr lang="en-US" i="1" dirty="0"/>
+              <a:t>(</a:t>
+            </a:r>
+            <a:r>
+              <a:rPr lang="en-US" dirty="0"/>
+              <a:t>Time on processor </a:t>
+            </a:r>
+            <a:r>
+              <a:rPr lang="en-US" i="1" dirty="0" err="1"/>
+              <a:t>i</a:t>
+            </a:r>
+            <a:r>
+              <a:rPr lang="en-US" i="1" dirty="0" smtClean="0"/>
+              <a:t>) </a:t>
+            </a:r>
+          </a:p>
+          <a:p>
+            <a:pPr marL="458788" indent="0">
+              <a:buNone/>
+            </a:pPr>
+            <a:r>
+              <a:rPr lang="en-US" dirty="0" smtClean="0"/>
+              <a:t>excepting </a:t>
+            </a:r>
+            <a:r>
+              <a:rPr lang="en-US" dirty="0"/>
+              <a:t>data dependence and communication overhead issues </a:t>
+            </a:r>
+            <a:endParaRPr lang="en-US" dirty="0" smtClean="0"/>
+          </a:p>
+          <a:p>
+            <a:pPr marL="0" indent="0">
+              <a:buNone/>
+            </a:pPr>
+            <a:r>
+              <a:rPr lang="en-US" dirty="0" smtClean="0"/>
+              <a:t>The </a:t>
+            </a:r>
+            <a:r>
+              <a:rPr lang="en-US" dirty="0"/>
+              <a:t>speed of any group is the speed of slowest member of that group.</a:t>
             </a:r>
           </a:p>
         </p:txBody>
@@ -11287,7 +13290,7 @@
           <a:p>
             <a:fld id="{34621E95-60A9-FF44-9869-513D9D7A859F}" type="datetime2">
               <a:rPr lang="en-US" smtClean="0"/>
-              <a:t>Tuesday, September 9, 14</a:t>
+              <a:t>Wednesday, September 10, 14</a:t>
             </a:fld>
             <a:endParaRPr lang="en-US"/>
           </a:p>
@@ -11344,25 +13347,18 @@
     </p:spTree>
     <p:extLst>
       <p:ext uri="{BB962C8B-B14F-4D97-AF65-F5344CB8AC3E}">
-        <p14:creationId xmlns:p14="http://schemas.microsoft.com/office/powerpoint/2010/main" val="1708635662"/>
+        <p14:creationId xmlns:p14="http://schemas.microsoft.com/office/powerpoint/2010/main" val="1223020601"/>
       </p:ext>
     </p:extLst>
   </p:cSld>
   <p:clrMapOvr>
     <a:masterClrMapping/>
   </p:clrMapOvr>
-  <p:timing>
-    <p:tnLst>
-      <p:par>
-        <p:cTn xmlns:p14="http://schemas.microsoft.com/office/powerpoint/2010/main" id="1" dur="indefinite" restart="never" nodeType="tmRoot"/>
-      </p:par>
-    </p:tnLst>
-  </p:timing>
 </p:sld>
 </file>
 
 <file path=ppt/theme/theme1.xml><?xml version="1.0" encoding="utf-8"?>
-<a:theme xmlns:a="http://schemas.openxmlformats.org/drawingml/2006/main" name="Clarity">
+<a:theme xmlns:a="http://schemas.openxmlformats.org/drawingml/2006/main" name="charm-pptx_theme">
   <a:themeElements>
     <a:clrScheme name="Clarity">
       <a:dk1>

--- a/tutorial-10-load_balancing.pptx
+++ b/tutorial-10-load_balancing.pptx
@@ -6965,18 +6965,17 @@
                             </p:stCondLst>
                             <p:childTnLst>
                               <p:par>
-                                <p:cTn id="5" presetID="1" presetClass="entr" presetSubtype="0" fill="hold" nodeType="withEffect">
+                                <p:cTn id="5" presetID="15" presetClass="emph" presetSubtype="0" nodeType="withEffect">
                                   <p:stCondLst>
                                     <p:cond delay="0"/>
                                   </p:stCondLst>
+                                  <p:iterate type="lt">
+                                    <p:tmAbs val="25"/>
+                                  </p:iterate>
                                   <p:childTnLst>
                                     <p:set>
-                                      <p:cBhvr>
-                                        <p:cTn id="6" dur="1" fill="hold">
-                                          <p:stCondLst>
-                                            <p:cond delay="0"/>
-                                          </p:stCondLst>
-                                        </p:cTn>
+                                      <p:cBhvr override="childStyle">
+                                        <p:cTn id="6" dur="indefinite"/>
                                         <p:tgtEl>
                                           <p:spTgt spid="3">
                                             <p:txEl>
@@ -6985,11 +6984,11 @@
                                           </p:spTgt>
                                         </p:tgtEl>
                                         <p:attrNameLst>
-                                          <p:attrName>style.visibility</p:attrName>
+                                          <p:attrName>style.fontWeight</p:attrName>
                                         </p:attrNameLst>
                                       </p:cBhvr>
                                       <p:to>
-                                        <p:strVal val="visible"/>
+                                        <p:strVal val="bold"/>
                                       </p:to>
                                     </p:set>
                                   </p:childTnLst>

--- a/tutorial-10-load_balancing.pptx
+++ b/tutorial-10-load_balancing.pptx
@@ -6045,7 +6045,7 @@
           <a:bodyPr vert="horz" lIns="91440" tIns="45720" rIns="91440" bIns="45720" rtlCol="0" anchor="ctr"/>
           <a:lstStyle>
             <a:lvl1pPr algn="ctr">
-              <a:defRPr sz="1200" b="1">
+              <a:defRPr sz="1200" b="0">
                 <a:solidFill>
                   <a:srgbClr val="FFFFFF"/>
                 </a:solidFill>

--- a/tutorial-10-load_balancing.pptx
+++ b/tutorial-10-load_balancing.pptx
@@ -6268,6 +6268,13 @@
     <p:sldLayoutId id="2147483973" r:id="rId15"/>
     <p:sldLayoutId id="2147483972" r:id="rId16"/>
   </p:sldLayoutIdLst>
+  <p:timing>
+    <p:tnLst>
+      <p:par>
+        <p:cTn xmlns:p14="http://schemas.microsoft.com/office/powerpoint/2010/main" id="1" dur="indefinite" restart="never" nodeType="tmRoot"/>
+      </p:par>
+    </p:tnLst>
+  </p:timing>
   <p:hf hdr="0"/>
   <p:txStyles>
     <p:titleStyle>
@@ -6629,7 +6636,7 @@
             </a:r>
           </a:p>
           <a:p>
-            <a:pPr marL="681038" lvl="1" indent="-276225">
+            <a:pPr marL="955358" lvl="2" indent="-276225">
               <a:buClr>
                 <a:srgbClr val="0000FF"/>
               </a:buClr>
@@ -6638,12 +6645,12 @@
               <a:buChar char="•"/>
             </a:pPr>
             <a:r>
-              <a:rPr lang="en-US" dirty="0" smtClean="0"/>
+              <a:rPr lang="en-US" dirty="0"/>
               <a:t>Object Design</a:t>
             </a:r>
           </a:p>
           <a:p>
-            <a:pPr marL="681038" lvl="1" indent="-276225">
+            <a:pPr marL="955358" lvl="2" indent="-276225">
               <a:buClr>
                 <a:srgbClr val="0000FF"/>
               </a:buClr>
@@ -6652,7 +6659,7 @@
               <a:buChar char="•"/>
             </a:pPr>
             <a:r>
-              <a:rPr lang="en-US" dirty="0" smtClean="0"/>
+              <a:rPr lang="en-US" dirty="0"/>
               <a:t>Execution Model</a:t>
             </a:r>
           </a:p>
@@ -6667,7 +6674,11 @@
             </a:pPr>
             <a:r>
               <a:rPr lang="en-US" dirty="0" smtClean="0"/>
-              <a:t>Hello World</a:t>
+              <a:t>Hello </a:t>
+            </a:r>
+            <a:r>
+              <a:rPr lang="en-US" dirty="0" smtClean="0"/>
+              <a:t>World</a:t>
             </a:r>
           </a:p>
           <a:p>
@@ -6699,7 +6710,7 @@
             </a:r>
           </a:p>
           <a:p>
-            <a:pPr marL="681038" lvl="1" indent="-331788">
+            <a:pPr marL="954088" lvl="2" indent="-266700">
               <a:buClr>
                 <a:srgbClr val="0000FF"/>
               </a:buClr>
@@ -6708,7 +6719,7 @@
               <a:buChar char="•"/>
             </a:pPr>
             <a:r>
-              <a:rPr lang="en-US" dirty="0" smtClean="0"/>
+              <a:rPr lang="en-US" dirty="0"/>
               <a:t>Object Collections</a:t>
             </a:r>
           </a:p>
@@ -6743,7 +6754,7 @@
             <a:endParaRPr lang="en-US" dirty="0" smtClean="0"/>
           </a:p>
           <a:p>
-            <a:pPr marL="681038" lvl="1" indent="-385763">
+            <a:pPr marL="954088" lvl="2" indent="-266700">
               <a:buClr>
                 <a:srgbClr val="0000FF"/>
               </a:buClr>
@@ -6752,11 +6763,11 @@
               <a:buChar char="•"/>
             </a:pPr>
             <a:r>
-              <a:rPr lang="en-US" dirty="0" err="1" smtClean="0"/>
+              <a:rPr lang="en-US" dirty="0" err="1"/>
               <a:t>Checkpointing</a:t>
             </a:r>
             <a:r>
-              <a:rPr lang="en-US" dirty="0" smtClean="0"/>
+              <a:rPr lang="en-US" dirty="0"/>
               <a:t> and Resilience</a:t>
             </a:r>
           </a:p>
@@ -6771,7 +6782,11 @@
             </a:pPr>
             <a:r>
               <a:rPr lang="en-US" dirty="0" smtClean="0"/>
-              <a:t>Structured Dagger</a:t>
+              <a:t>Structured </a:t>
+            </a:r>
+            <a:r>
+              <a:rPr lang="en-US" dirty="0" smtClean="0"/>
+              <a:t>Dagger</a:t>
             </a:r>
           </a:p>
           <a:p>
@@ -7251,6 +7266,13 @@
   <p:clrMapOvr>
     <a:masterClrMapping/>
   </p:clrMapOvr>
+  <p:timing>
+    <p:tnLst>
+      <p:par>
+        <p:cTn xmlns:p14="http://schemas.microsoft.com/office/powerpoint/2010/main" id="1" dur="indefinite" restart="never" nodeType="tmRoot"/>
+      </p:par>
+    </p:tnLst>
+  </p:timing>
 </p:sld>
 </file>
 
@@ -7523,6 +7545,419 @@
   <p:clrMapOvr>
     <a:masterClrMapping/>
   </p:clrMapOvr>
+  <p:timing>
+    <p:tnLst>
+      <p:par>
+        <p:cTn xmlns:p14="http://schemas.microsoft.com/office/powerpoint/2010/main" id="1" dur="indefinite" restart="never" nodeType="tmRoot">
+          <p:childTnLst>
+            <p:seq concurrent="1" nextAc="seek">
+              <p:cTn id="2" dur="indefinite" nodeType="mainSeq">
+                <p:childTnLst>
+                  <p:par>
+                    <p:cTn id="3" fill="hold">
+                      <p:stCondLst>
+                        <p:cond delay="indefinite"/>
+                        <p:cond evt="onBegin" delay="0">
+                          <p:tn val="2"/>
+                        </p:cond>
+                      </p:stCondLst>
+                      <p:childTnLst>
+                        <p:par>
+                          <p:cTn id="4" fill="hold">
+                            <p:stCondLst>
+                              <p:cond delay="0"/>
+                            </p:stCondLst>
+                            <p:childTnLst>
+                              <p:par>
+                                <p:cTn id="5" presetID="1" presetClass="entr" presetSubtype="0" fill="hold" grpId="0" nodeType="withEffect">
+                                  <p:stCondLst>
+                                    <p:cond delay="0"/>
+                                  </p:stCondLst>
+                                  <p:childTnLst>
+                                    <p:set>
+                                      <p:cBhvr>
+                                        <p:cTn id="6" dur="1" fill="hold">
+                                          <p:stCondLst>
+                                            <p:cond delay="0"/>
+                                          </p:stCondLst>
+                                        </p:cTn>
+                                        <p:tgtEl>
+                                          <p:spTgt spid="3">
+                                            <p:txEl>
+                                              <p:pRg st="0" end="0"/>
+                                            </p:txEl>
+                                          </p:spTgt>
+                                        </p:tgtEl>
+                                        <p:attrNameLst>
+                                          <p:attrName>style.visibility</p:attrName>
+                                        </p:attrNameLst>
+                                      </p:cBhvr>
+                                      <p:to>
+                                        <p:strVal val="visible"/>
+                                      </p:to>
+                                    </p:set>
+                                  </p:childTnLst>
+                                </p:cTn>
+                              </p:par>
+                              <p:par>
+                                <p:cTn id="7" presetID="1" presetClass="entr" presetSubtype="0" fill="hold" grpId="0" nodeType="withEffect">
+                                  <p:stCondLst>
+                                    <p:cond delay="0"/>
+                                  </p:stCondLst>
+                                  <p:childTnLst>
+                                    <p:set>
+                                      <p:cBhvr>
+                                        <p:cTn id="8" dur="1" fill="hold">
+                                          <p:stCondLst>
+                                            <p:cond delay="0"/>
+                                          </p:stCondLst>
+                                        </p:cTn>
+                                        <p:tgtEl>
+                                          <p:spTgt spid="3">
+                                            <p:txEl>
+                                              <p:pRg st="1" end="1"/>
+                                            </p:txEl>
+                                          </p:spTgt>
+                                        </p:tgtEl>
+                                        <p:attrNameLst>
+                                          <p:attrName>style.visibility</p:attrName>
+                                        </p:attrNameLst>
+                                      </p:cBhvr>
+                                      <p:to>
+                                        <p:strVal val="visible"/>
+                                      </p:to>
+                                    </p:set>
+                                  </p:childTnLst>
+                                </p:cTn>
+                              </p:par>
+                              <p:par>
+                                <p:cTn id="9" presetID="1" presetClass="entr" presetSubtype="0" fill="hold" grpId="0" nodeType="withEffect">
+                                  <p:stCondLst>
+                                    <p:cond delay="0"/>
+                                  </p:stCondLst>
+                                  <p:childTnLst>
+                                    <p:set>
+                                      <p:cBhvr>
+                                        <p:cTn id="10" dur="1" fill="hold">
+                                          <p:stCondLst>
+                                            <p:cond delay="0"/>
+                                          </p:stCondLst>
+                                        </p:cTn>
+                                        <p:tgtEl>
+                                          <p:spTgt spid="3">
+                                            <p:txEl>
+                                              <p:pRg st="2" end="2"/>
+                                            </p:txEl>
+                                          </p:spTgt>
+                                        </p:tgtEl>
+                                        <p:attrNameLst>
+                                          <p:attrName>style.visibility</p:attrName>
+                                        </p:attrNameLst>
+                                      </p:cBhvr>
+                                      <p:to>
+                                        <p:strVal val="visible"/>
+                                      </p:to>
+                                    </p:set>
+                                  </p:childTnLst>
+                                </p:cTn>
+                              </p:par>
+                              <p:par>
+                                <p:cTn id="11" presetID="1" presetClass="entr" presetSubtype="0" fill="hold" grpId="0" nodeType="withEffect">
+                                  <p:stCondLst>
+                                    <p:cond delay="0"/>
+                                  </p:stCondLst>
+                                  <p:childTnLst>
+                                    <p:set>
+                                      <p:cBhvr>
+                                        <p:cTn id="12" dur="1" fill="hold">
+                                          <p:stCondLst>
+                                            <p:cond delay="0"/>
+                                          </p:stCondLst>
+                                        </p:cTn>
+                                        <p:tgtEl>
+                                          <p:spTgt spid="3">
+                                            <p:txEl>
+                                              <p:pRg st="3" end="3"/>
+                                            </p:txEl>
+                                          </p:spTgt>
+                                        </p:tgtEl>
+                                        <p:attrNameLst>
+                                          <p:attrName>style.visibility</p:attrName>
+                                        </p:attrNameLst>
+                                      </p:cBhvr>
+                                      <p:to>
+                                        <p:strVal val="visible"/>
+                                      </p:to>
+                                    </p:set>
+                                  </p:childTnLst>
+                                </p:cTn>
+                              </p:par>
+                            </p:childTnLst>
+                          </p:cTn>
+                        </p:par>
+                      </p:childTnLst>
+                    </p:cTn>
+                  </p:par>
+                  <p:par>
+                    <p:cTn id="13" fill="hold">
+                      <p:stCondLst>
+                        <p:cond delay="indefinite"/>
+                      </p:stCondLst>
+                      <p:childTnLst>
+                        <p:par>
+                          <p:cTn id="14" fill="hold">
+                            <p:stCondLst>
+                              <p:cond delay="0"/>
+                            </p:stCondLst>
+                            <p:childTnLst>
+                              <p:par>
+                                <p:cTn id="15" presetID="1" presetClass="entr" presetSubtype="0" fill="hold" grpId="0" nodeType="clickEffect">
+                                  <p:stCondLst>
+                                    <p:cond delay="0"/>
+                                  </p:stCondLst>
+                                  <p:childTnLst>
+                                    <p:set>
+                                      <p:cBhvr>
+                                        <p:cTn id="16" dur="1" fill="hold">
+                                          <p:stCondLst>
+                                            <p:cond delay="0"/>
+                                          </p:stCondLst>
+                                        </p:cTn>
+                                        <p:tgtEl>
+                                          <p:spTgt spid="3">
+                                            <p:txEl>
+                                              <p:pRg st="4" end="4"/>
+                                            </p:txEl>
+                                          </p:spTgt>
+                                        </p:tgtEl>
+                                        <p:attrNameLst>
+                                          <p:attrName>style.visibility</p:attrName>
+                                        </p:attrNameLst>
+                                      </p:cBhvr>
+                                      <p:to>
+                                        <p:strVal val="visible"/>
+                                      </p:to>
+                                    </p:set>
+                                  </p:childTnLst>
+                                </p:cTn>
+                              </p:par>
+                              <p:par>
+                                <p:cTn id="17" presetID="1" presetClass="entr" presetSubtype="0" fill="hold" grpId="0" nodeType="withEffect">
+                                  <p:stCondLst>
+                                    <p:cond delay="0"/>
+                                  </p:stCondLst>
+                                  <p:childTnLst>
+                                    <p:set>
+                                      <p:cBhvr>
+                                        <p:cTn id="18" dur="1" fill="hold">
+                                          <p:stCondLst>
+                                            <p:cond delay="0"/>
+                                          </p:stCondLst>
+                                        </p:cTn>
+                                        <p:tgtEl>
+                                          <p:spTgt spid="3">
+                                            <p:txEl>
+                                              <p:pRg st="5" end="5"/>
+                                            </p:txEl>
+                                          </p:spTgt>
+                                        </p:tgtEl>
+                                        <p:attrNameLst>
+                                          <p:attrName>style.visibility</p:attrName>
+                                        </p:attrNameLst>
+                                      </p:cBhvr>
+                                      <p:to>
+                                        <p:strVal val="visible"/>
+                                      </p:to>
+                                    </p:set>
+                                  </p:childTnLst>
+                                </p:cTn>
+                              </p:par>
+                              <p:par>
+                                <p:cTn id="19" presetID="1" presetClass="entr" presetSubtype="0" fill="hold" grpId="0" nodeType="withEffect">
+                                  <p:stCondLst>
+                                    <p:cond delay="0"/>
+                                  </p:stCondLst>
+                                  <p:childTnLst>
+                                    <p:set>
+                                      <p:cBhvr>
+                                        <p:cTn id="20" dur="1" fill="hold">
+                                          <p:stCondLst>
+                                            <p:cond delay="0"/>
+                                          </p:stCondLst>
+                                        </p:cTn>
+                                        <p:tgtEl>
+                                          <p:spTgt spid="3">
+                                            <p:txEl>
+                                              <p:pRg st="6" end="6"/>
+                                            </p:txEl>
+                                          </p:spTgt>
+                                        </p:tgtEl>
+                                        <p:attrNameLst>
+                                          <p:attrName>style.visibility</p:attrName>
+                                        </p:attrNameLst>
+                                      </p:cBhvr>
+                                      <p:to>
+                                        <p:strVal val="visible"/>
+                                      </p:to>
+                                    </p:set>
+                                  </p:childTnLst>
+                                </p:cTn>
+                              </p:par>
+                              <p:par>
+                                <p:cTn id="21" presetID="1" presetClass="entr" presetSubtype="0" fill="hold" grpId="0" nodeType="withEffect">
+                                  <p:stCondLst>
+                                    <p:cond delay="0"/>
+                                  </p:stCondLst>
+                                  <p:childTnLst>
+                                    <p:set>
+                                      <p:cBhvr>
+                                        <p:cTn id="22" dur="1" fill="hold">
+                                          <p:stCondLst>
+                                            <p:cond delay="0"/>
+                                          </p:stCondLst>
+                                        </p:cTn>
+                                        <p:tgtEl>
+                                          <p:spTgt spid="3">
+                                            <p:txEl>
+                                              <p:pRg st="7" end="7"/>
+                                            </p:txEl>
+                                          </p:spTgt>
+                                        </p:tgtEl>
+                                        <p:attrNameLst>
+                                          <p:attrName>style.visibility</p:attrName>
+                                        </p:attrNameLst>
+                                      </p:cBhvr>
+                                      <p:to>
+                                        <p:strVal val="visible"/>
+                                      </p:to>
+                                    </p:set>
+                                  </p:childTnLst>
+                                </p:cTn>
+                              </p:par>
+                              <p:par>
+                                <p:cTn id="23" presetID="1" presetClass="entr" presetSubtype="0" fill="hold" grpId="0" nodeType="withEffect">
+                                  <p:stCondLst>
+                                    <p:cond delay="0"/>
+                                  </p:stCondLst>
+                                  <p:childTnLst>
+                                    <p:set>
+                                      <p:cBhvr>
+                                        <p:cTn id="24" dur="1" fill="hold">
+                                          <p:stCondLst>
+                                            <p:cond delay="0"/>
+                                          </p:stCondLst>
+                                        </p:cTn>
+                                        <p:tgtEl>
+                                          <p:spTgt spid="3">
+                                            <p:txEl>
+                                              <p:pRg st="8" end="8"/>
+                                            </p:txEl>
+                                          </p:spTgt>
+                                        </p:tgtEl>
+                                        <p:attrNameLst>
+                                          <p:attrName>style.visibility</p:attrName>
+                                        </p:attrNameLst>
+                                      </p:cBhvr>
+                                      <p:to>
+                                        <p:strVal val="visible"/>
+                                      </p:to>
+                                    </p:set>
+                                  </p:childTnLst>
+                                </p:cTn>
+                              </p:par>
+                              <p:par>
+                                <p:cTn id="25" presetID="1" presetClass="entr" presetSubtype="0" fill="hold" grpId="0" nodeType="withEffect">
+                                  <p:stCondLst>
+                                    <p:cond delay="0"/>
+                                  </p:stCondLst>
+                                  <p:childTnLst>
+                                    <p:set>
+                                      <p:cBhvr>
+                                        <p:cTn id="26" dur="1" fill="hold">
+                                          <p:stCondLst>
+                                            <p:cond delay="0"/>
+                                          </p:stCondLst>
+                                        </p:cTn>
+                                        <p:tgtEl>
+                                          <p:spTgt spid="3">
+                                            <p:txEl>
+                                              <p:pRg st="9" end="9"/>
+                                            </p:txEl>
+                                          </p:spTgt>
+                                        </p:tgtEl>
+                                        <p:attrNameLst>
+                                          <p:attrName>style.visibility</p:attrName>
+                                        </p:attrNameLst>
+                                      </p:cBhvr>
+                                      <p:to>
+                                        <p:strVal val="visible"/>
+                                      </p:to>
+                                    </p:set>
+                                  </p:childTnLst>
+                                </p:cTn>
+                              </p:par>
+                              <p:par>
+                                <p:cTn id="27" presetID="1" presetClass="entr" presetSubtype="0" fill="hold" grpId="0" nodeType="withEffect">
+                                  <p:stCondLst>
+                                    <p:cond delay="0"/>
+                                  </p:stCondLst>
+                                  <p:childTnLst>
+                                    <p:set>
+                                      <p:cBhvr>
+                                        <p:cTn id="28" dur="1" fill="hold">
+                                          <p:stCondLst>
+                                            <p:cond delay="0"/>
+                                          </p:stCondLst>
+                                        </p:cTn>
+                                        <p:tgtEl>
+                                          <p:spTgt spid="3">
+                                            <p:txEl>
+                                              <p:pRg st="10" end="10"/>
+                                            </p:txEl>
+                                          </p:spTgt>
+                                        </p:tgtEl>
+                                        <p:attrNameLst>
+                                          <p:attrName>style.visibility</p:attrName>
+                                        </p:attrNameLst>
+                                      </p:cBhvr>
+                                      <p:to>
+                                        <p:strVal val="visible"/>
+                                      </p:to>
+                                    </p:set>
+                                  </p:childTnLst>
+                                </p:cTn>
+                              </p:par>
+                            </p:childTnLst>
+                          </p:cTn>
+                        </p:par>
+                      </p:childTnLst>
+                    </p:cTn>
+                  </p:par>
+                </p:childTnLst>
+              </p:cTn>
+              <p:prevCondLst>
+                <p:cond evt="onPrev" delay="0">
+                  <p:tgtEl>
+                    <p:sldTgt/>
+                  </p:tgtEl>
+                </p:cond>
+              </p:prevCondLst>
+              <p:nextCondLst>
+                <p:cond evt="onNext" delay="0">
+                  <p:tgtEl>
+                    <p:sldTgt/>
+                  </p:tgtEl>
+                </p:cond>
+              </p:nextCondLst>
+            </p:seq>
+          </p:childTnLst>
+        </p:cTn>
+      </p:par>
+    </p:tnLst>
+    <p:bldLst>
+      <p:bldP spid="3" grpId="0" build="p"/>
+    </p:bldLst>
+  </p:timing>
 </p:sld>
 </file>
 
@@ -7805,6 +8240,517 @@
   <p:clrMapOvr>
     <a:masterClrMapping/>
   </p:clrMapOvr>
+  <p:timing>
+    <p:tnLst>
+      <p:par>
+        <p:cTn xmlns:p14="http://schemas.microsoft.com/office/powerpoint/2010/main" id="1" dur="indefinite" restart="never" nodeType="tmRoot">
+          <p:childTnLst>
+            <p:seq concurrent="1" nextAc="seek">
+              <p:cTn id="2" dur="indefinite" nodeType="mainSeq">
+                <p:childTnLst>
+                  <p:par>
+                    <p:cTn id="3" fill="hold">
+                      <p:stCondLst>
+                        <p:cond delay="indefinite"/>
+                        <p:cond evt="onBegin" delay="0">
+                          <p:tn val="2"/>
+                        </p:cond>
+                      </p:stCondLst>
+                      <p:childTnLst>
+                        <p:par>
+                          <p:cTn id="4" fill="hold">
+                            <p:stCondLst>
+                              <p:cond delay="0"/>
+                            </p:stCondLst>
+                            <p:childTnLst>
+                              <p:par>
+                                <p:cTn id="5" presetID="1" presetClass="entr" presetSubtype="0" fill="hold" grpId="0" nodeType="withEffect">
+                                  <p:stCondLst>
+                                    <p:cond delay="0"/>
+                                  </p:stCondLst>
+                                  <p:childTnLst>
+                                    <p:set>
+                                      <p:cBhvr>
+                                        <p:cTn id="6" dur="1" fill="hold">
+                                          <p:stCondLst>
+                                            <p:cond delay="0"/>
+                                          </p:stCondLst>
+                                        </p:cTn>
+                                        <p:tgtEl>
+                                          <p:spTgt spid="3">
+                                            <p:txEl>
+                                              <p:pRg st="0" end="0"/>
+                                            </p:txEl>
+                                          </p:spTgt>
+                                        </p:tgtEl>
+                                        <p:attrNameLst>
+                                          <p:attrName>style.visibility</p:attrName>
+                                        </p:attrNameLst>
+                                      </p:cBhvr>
+                                      <p:to>
+                                        <p:strVal val="visible"/>
+                                      </p:to>
+                                    </p:set>
+                                  </p:childTnLst>
+                                </p:cTn>
+                              </p:par>
+                              <p:par>
+                                <p:cTn id="7" presetID="1" presetClass="entr" presetSubtype="0" fill="hold" grpId="0" nodeType="withEffect">
+                                  <p:stCondLst>
+                                    <p:cond delay="0"/>
+                                  </p:stCondLst>
+                                  <p:childTnLst>
+                                    <p:set>
+                                      <p:cBhvr>
+                                        <p:cTn id="8" dur="1" fill="hold">
+                                          <p:stCondLst>
+                                            <p:cond delay="0"/>
+                                          </p:stCondLst>
+                                        </p:cTn>
+                                        <p:tgtEl>
+                                          <p:spTgt spid="3">
+                                            <p:txEl>
+                                              <p:pRg st="1" end="1"/>
+                                            </p:txEl>
+                                          </p:spTgt>
+                                        </p:tgtEl>
+                                        <p:attrNameLst>
+                                          <p:attrName>style.visibility</p:attrName>
+                                        </p:attrNameLst>
+                                      </p:cBhvr>
+                                      <p:to>
+                                        <p:strVal val="visible"/>
+                                      </p:to>
+                                    </p:set>
+                                  </p:childTnLst>
+                                </p:cTn>
+                              </p:par>
+                              <p:par>
+                                <p:cTn id="9" presetID="1" presetClass="entr" presetSubtype="0" fill="hold" grpId="0" nodeType="withEffect">
+                                  <p:stCondLst>
+                                    <p:cond delay="0"/>
+                                  </p:stCondLst>
+                                  <p:childTnLst>
+                                    <p:set>
+                                      <p:cBhvr>
+                                        <p:cTn id="10" dur="1" fill="hold">
+                                          <p:stCondLst>
+                                            <p:cond delay="0"/>
+                                          </p:stCondLst>
+                                        </p:cTn>
+                                        <p:tgtEl>
+                                          <p:spTgt spid="3">
+                                            <p:txEl>
+                                              <p:pRg st="2" end="2"/>
+                                            </p:txEl>
+                                          </p:spTgt>
+                                        </p:tgtEl>
+                                        <p:attrNameLst>
+                                          <p:attrName>style.visibility</p:attrName>
+                                        </p:attrNameLst>
+                                      </p:cBhvr>
+                                      <p:to>
+                                        <p:strVal val="visible"/>
+                                      </p:to>
+                                    </p:set>
+                                  </p:childTnLst>
+                                </p:cTn>
+                              </p:par>
+                              <p:par>
+                                <p:cTn id="11" presetID="1" presetClass="entr" presetSubtype="0" fill="hold" grpId="0" nodeType="withEffect">
+                                  <p:stCondLst>
+                                    <p:cond delay="0"/>
+                                  </p:stCondLst>
+                                  <p:childTnLst>
+                                    <p:set>
+                                      <p:cBhvr>
+                                        <p:cTn id="12" dur="1" fill="hold">
+                                          <p:stCondLst>
+                                            <p:cond delay="0"/>
+                                          </p:stCondLst>
+                                        </p:cTn>
+                                        <p:tgtEl>
+                                          <p:spTgt spid="3">
+                                            <p:txEl>
+                                              <p:pRg st="3" end="3"/>
+                                            </p:txEl>
+                                          </p:spTgt>
+                                        </p:tgtEl>
+                                        <p:attrNameLst>
+                                          <p:attrName>style.visibility</p:attrName>
+                                        </p:attrNameLst>
+                                      </p:cBhvr>
+                                      <p:to>
+                                        <p:strVal val="visible"/>
+                                      </p:to>
+                                    </p:set>
+                                  </p:childTnLst>
+                                </p:cTn>
+                              </p:par>
+                              <p:par>
+                                <p:cTn id="13" presetID="1" presetClass="entr" presetSubtype="0" fill="hold" grpId="0" nodeType="withEffect">
+                                  <p:stCondLst>
+                                    <p:cond delay="0"/>
+                                  </p:stCondLst>
+                                  <p:childTnLst>
+                                    <p:set>
+                                      <p:cBhvr>
+                                        <p:cTn id="14" dur="1" fill="hold">
+                                          <p:stCondLst>
+                                            <p:cond delay="0"/>
+                                          </p:stCondLst>
+                                        </p:cTn>
+                                        <p:tgtEl>
+                                          <p:spTgt spid="3">
+                                            <p:txEl>
+                                              <p:pRg st="4" end="4"/>
+                                            </p:txEl>
+                                          </p:spTgt>
+                                        </p:tgtEl>
+                                        <p:attrNameLst>
+                                          <p:attrName>style.visibility</p:attrName>
+                                        </p:attrNameLst>
+                                      </p:cBhvr>
+                                      <p:to>
+                                        <p:strVal val="visible"/>
+                                      </p:to>
+                                    </p:set>
+                                  </p:childTnLst>
+                                </p:cTn>
+                              </p:par>
+                            </p:childTnLst>
+                          </p:cTn>
+                        </p:par>
+                      </p:childTnLst>
+                    </p:cTn>
+                  </p:par>
+                  <p:par>
+                    <p:cTn id="15" fill="hold">
+                      <p:stCondLst>
+                        <p:cond delay="indefinite"/>
+                      </p:stCondLst>
+                      <p:childTnLst>
+                        <p:par>
+                          <p:cTn id="16" fill="hold">
+                            <p:stCondLst>
+                              <p:cond delay="0"/>
+                            </p:stCondLst>
+                            <p:childTnLst>
+                              <p:par>
+                                <p:cTn id="17" presetID="1" presetClass="entr" presetSubtype="0" fill="hold" grpId="0" nodeType="clickEffect">
+                                  <p:stCondLst>
+                                    <p:cond delay="0"/>
+                                  </p:stCondLst>
+                                  <p:childTnLst>
+                                    <p:set>
+                                      <p:cBhvr>
+                                        <p:cTn id="18" dur="1" fill="hold">
+                                          <p:stCondLst>
+                                            <p:cond delay="0"/>
+                                          </p:stCondLst>
+                                        </p:cTn>
+                                        <p:tgtEl>
+                                          <p:spTgt spid="3">
+                                            <p:txEl>
+                                              <p:pRg st="5" end="5"/>
+                                            </p:txEl>
+                                          </p:spTgt>
+                                        </p:tgtEl>
+                                        <p:attrNameLst>
+                                          <p:attrName>style.visibility</p:attrName>
+                                        </p:attrNameLst>
+                                      </p:cBhvr>
+                                      <p:to>
+                                        <p:strVal val="visible"/>
+                                      </p:to>
+                                    </p:set>
+                                  </p:childTnLst>
+                                </p:cTn>
+                              </p:par>
+                              <p:par>
+                                <p:cTn id="19" presetID="1" presetClass="entr" presetSubtype="0" fill="hold" grpId="0" nodeType="withEffect">
+                                  <p:stCondLst>
+                                    <p:cond delay="0"/>
+                                  </p:stCondLst>
+                                  <p:childTnLst>
+                                    <p:set>
+                                      <p:cBhvr>
+                                        <p:cTn id="20" dur="1" fill="hold">
+                                          <p:stCondLst>
+                                            <p:cond delay="0"/>
+                                          </p:stCondLst>
+                                        </p:cTn>
+                                        <p:tgtEl>
+                                          <p:spTgt spid="3">
+                                            <p:txEl>
+                                              <p:pRg st="6" end="6"/>
+                                            </p:txEl>
+                                          </p:spTgt>
+                                        </p:tgtEl>
+                                        <p:attrNameLst>
+                                          <p:attrName>style.visibility</p:attrName>
+                                        </p:attrNameLst>
+                                      </p:cBhvr>
+                                      <p:to>
+                                        <p:strVal val="visible"/>
+                                      </p:to>
+                                    </p:set>
+                                  </p:childTnLst>
+                                </p:cTn>
+                              </p:par>
+                            </p:childTnLst>
+                          </p:cTn>
+                        </p:par>
+                      </p:childTnLst>
+                    </p:cTn>
+                  </p:par>
+                  <p:par>
+                    <p:cTn id="21" fill="hold">
+                      <p:stCondLst>
+                        <p:cond delay="indefinite"/>
+                      </p:stCondLst>
+                      <p:childTnLst>
+                        <p:par>
+                          <p:cTn id="22" fill="hold">
+                            <p:stCondLst>
+                              <p:cond delay="0"/>
+                            </p:stCondLst>
+                            <p:childTnLst>
+                              <p:par>
+                                <p:cTn id="23" presetID="1" presetClass="entr" presetSubtype="0" fill="hold" grpId="0" nodeType="clickEffect">
+                                  <p:stCondLst>
+                                    <p:cond delay="0"/>
+                                  </p:stCondLst>
+                                  <p:childTnLst>
+                                    <p:set>
+                                      <p:cBhvr>
+                                        <p:cTn id="24" dur="1" fill="hold">
+                                          <p:stCondLst>
+                                            <p:cond delay="0"/>
+                                          </p:stCondLst>
+                                        </p:cTn>
+                                        <p:tgtEl>
+                                          <p:spTgt spid="3">
+                                            <p:txEl>
+                                              <p:pRg st="7" end="7"/>
+                                            </p:txEl>
+                                          </p:spTgt>
+                                        </p:tgtEl>
+                                        <p:attrNameLst>
+                                          <p:attrName>style.visibility</p:attrName>
+                                        </p:attrNameLst>
+                                      </p:cBhvr>
+                                      <p:to>
+                                        <p:strVal val="visible"/>
+                                      </p:to>
+                                    </p:set>
+                                  </p:childTnLst>
+                                </p:cTn>
+                              </p:par>
+                              <p:par>
+                                <p:cTn id="25" presetID="1" presetClass="entr" presetSubtype="0" fill="hold" grpId="0" nodeType="withEffect">
+                                  <p:stCondLst>
+                                    <p:cond delay="0"/>
+                                  </p:stCondLst>
+                                  <p:childTnLst>
+                                    <p:set>
+                                      <p:cBhvr>
+                                        <p:cTn id="26" dur="1" fill="hold">
+                                          <p:stCondLst>
+                                            <p:cond delay="0"/>
+                                          </p:stCondLst>
+                                        </p:cTn>
+                                        <p:tgtEl>
+                                          <p:spTgt spid="3">
+                                            <p:txEl>
+                                              <p:pRg st="8" end="8"/>
+                                            </p:txEl>
+                                          </p:spTgt>
+                                        </p:tgtEl>
+                                        <p:attrNameLst>
+                                          <p:attrName>style.visibility</p:attrName>
+                                        </p:attrNameLst>
+                                      </p:cBhvr>
+                                      <p:to>
+                                        <p:strVal val="visible"/>
+                                      </p:to>
+                                    </p:set>
+                                  </p:childTnLst>
+                                </p:cTn>
+                              </p:par>
+                              <p:par>
+                                <p:cTn id="27" presetID="1" presetClass="entr" presetSubtype="0" fill="hold" grpId="0" nodeType="withEffect">
+                                  <p:stCondLst>
+                                    <p:cond delay="0"/>
+                                  </p:stCondLst>
+                                  <p:childTnLst>
+                                    <p:set>
+                                      <p:cBhvr>
+                                        <p:cTn id="28" dur="1" fill="hold">
+                                          <p:stCondLst>
+                                            <p:cond delay="0"/>
+                                          </p:stCondLst>
+                                        </p:cTn>
+                                        <p:tgtEl>
+                                          <p:spTgt spid="3">
+                                            <p:txEl>
+                                              <p:pRg st="9" end="9"/>
+                                            </p:txEl>
+                                          </p:spTgt>
+                                        </p:tgtEl>
+                                        <p:attrNameLst>
+                                          <p:attrName>style.visibility</p:attrName>
+                                        </p:attrNameLst>
+                                      </p:cBhvr>
+                                      <p:to>
+                                        <p:strVal val="visible"/>
+                                      </p:to>
+                                    </p:set>
+                                  </p:childTnLst>
+                                </p:cTn>
+                              </p:par>
+                            </p:childTnLst>
+                          </p:cTn>
+                        </p:par>
+                      </p:childTnLst>
+                    </p:cTn>
+                  </p:par>
+                  <p:par>
+                    <p:cTn id="29" fill="hold">
+                      <p:stCondLst>
+                        <p:cond delay="indefinite"/>
+                      </p:stCondLst>
+                      <p:childTnLst>
+                        <p:par>
+                          <p:cTn id="30" fill="hold">
+                            <p:stCondLst>
+                              <p:cond delay="0"/>
+                            </p:stCondLst>
+                            <p:childTnLst>
+                              <p:par>
+                                <p:cTn id="31" presetID="1" presetClass="entr" presetSubtype="0" fill="hold" grpId="0" nodeType="clickEffect">
+                                  <p:stCondLst>
+                                    <p:cond delay="0"/>
+                                  </p:stCondLst>
+                                  <p:childTnLst>
+                                    <p:set>
+                                      <p:cBhvr>
+                                        <p:cTn id="32" dur="1" fill="hold">
+                                          <p:stCondLst>
+                                            <p:cond delay="0"/>
+                                          </p:stCondLst>
+                                        </p:cTn>
+                                        <p:tgtEl>
+                                          <p:spTgt spid="3">
+                                            <p:txEl>
+                                              <p:pRg st="10" end="10"/>
+                                            </p:txEl>
+                                          </p:spTgt>
+                                        </p:tgtEl>
+                                        <p:attrNameLst>
+                                          <p:attrName>style.visibility</p:attrName>
+                                        </p:attrNameLst>
+                                      </p:cBhvr>
+                                      <p:to>
+                                        <p:strVal val="visible"/>
+                                      </p:to>
+                                    </p:set>
+                                  </p:childTnLst>
+                                </p:cTn>
+                              </p:par>
+                              <p:par>
+                                <p:cTn id="33" presetID="1" presetClass="entr" presetSubtype="0" fill="hold" grpId="0" nodeType="withEffect">
+                                  <p:stCondLst>
+                                    <p:cond delay="0"/>
+                                  </p:stCondLst>
+                                  <p:childTnLst>
+                                    <p:set>
+                                      <p:cBhvr>
+                                        <p:cTn id="34" dur="1" fill="hold">
+                                          <p:stCondLst>
+                                            <p:cond delay="0"/>
+                                          </p:stCondLst>
+                                        </p:cTn>
+                                        <p:tgtEl>
+                                          <p:spTgt spid="3">
+                                            <p:txEl>
+                                              <p:pRg st="11" end="11"/>
+                                            </p:txEl>
+                                          </p:spTgt>
+                                        </p:tgtEl>
+                                        <p:attrNameLst>
+                                          <p:attrName>style.visibility</p:attrName>
+                                        </p:attrNameLst>
+                                      </p:cBhvr>
+                                      <p:to>
+                                        <p:strVal val="visible"/>
+                                      </p:to>
+                                    </p:set>
+                                  </p:childTnLst>
+                                </p:cTn>
+                              </p:par>
+                              <p:par>
+                                <p:cTn id="35" presetID="1" presetClass="entr" presetSubtype="0" fill="hold" grpId="0" nodeType="withEffect">
+                                  <p:stCondLst>
+                                    <p:cond delay="0"/>
+                                  </p:stCondLst>
+                                  <p:childTnLst>
+                                    <p:set>
+                                      <p:cBhvr>
+                                        <p:cTn id="36" dur="1" fill="hold">
+                                          <p:stCondLst>
+                                            <p:cond delay="0"/>
+                                          </p:stCondLst>
+                                        </p:cTn>
+                                        <p:tgtEl>
+                                          <p:spTgt spid="3">
+                                            <p:txEl>
+                                              <p:pRg st="12" end="12"/>
+                                            </p:txEl>
+                                          </p:spTgt>
+                                        </p:tgtEl>
+                                        <p:attrNameLst>
+                                          <p:attrName>style.visibility</p:attrName>
+                                        </p:attrNameLst>
+                                      </p:cBhvr>
+                                      <p:to>
+                                        <p:strVal val="visible"/>
+                                      </p:to>
+                                    </p:set>
+                                  </p:childTnLst>
+                                </p:cTn>
+                              </p:par>
+                            </p:childTnLst>
+                          </p:cTn>
+                        </p:par>
+                      </p:childTnLst>
+                    </p:cTn>
+                  </p:par>
+                </p:childTnLst>
+              </p:cTn>
+              <p:prevCondLst>
+                <p:cond evt="onPrev" delay="0">
+                  <p:tgtEl>
+                    <p:sldTgt/>
+                  </p:tgtEl>
+                </p:cond>
+              </p:prevCondLst>
+              <p:nextCondLst>
+                <p:cond evt="onNext" delay="0">
+                  <p:tgtEl>
+                    <p:sldTgt/>
+                  </p:tgtEl>
+                </p:cond>
+              </p:nextCondLst>
+            </p:seq>
+          </p:childTnLst>
+        </p:cTn>
+      </p:par>
+    </p:tnLst>
+    <p:bldLst>
+      <p:bldP spid="3" grpId="0" build="p"/>
+    </p:bldLst>
+  </p:timing>
 </p:sld>
 </file>
 
@@ -8048,6 +8994,326 @@
   <p:clrMapOvr>
     <a:masterClrMapping/>
   </p:clrMapOvr>
+  <p:timing>
+    <p:tnLst>
+      <p:par>
+        <p:cTn xmlns:p14="http://schemas.microsoft.com/office/powerpoint/2010/main" id="1" dur="indefinite" restart="never" nodeType="tmRoot">
+          <p:childTnLst>
+            <p:seq concurrent="1" nextAc="seek">
+              <p:cTn id="2" dur="indefinite" nodeType="mainSeq">
+                <p:childTnLst>
+                  <p:par>
+                    <p:cTn id="3" fill="hold">
+                      <p:stCondLst>
+                        <p:cond delay="indefinite"/>
+                        <p:cond evt="onBegin" delay="0">
+                          <p:tn val="2"/>
+                        </p:cond>
+                      </p:stCondLst>
+                      <p:childTnLst>
+                        <p:par>
+                          <p:cTn id="4" fill="hold">
+                            <p:stCondLst>
+                              <p:cond delay="0"/>
+                            </p:stCondLst>
+                            <p:childTnLst>
+                              <p:par>
+                                <p:cTn id="5" presetID="1" presetClass="entr" presetSubtype="0" fill="hold" grpId="0" nodeType="withEffect">
+                                  <p:stCondLst>
+                                    <p:cond delay="0"/>
+                                  </p:stCondLst>
+                                  <p:childTnLst>
+                                    <p:set>
+                                      <p:cBhvr>
+                                        <p:cTn id="6" dur="1" fill="hold">
+                                          <p:stCondLst>
+                                            <p:cond delay="0"/>
+                                          </p:stCondLst>
+                                        </p:cTn>
+                                        <p:tgtEl>
+                                          <p:spTgt spid="3">
+                                            <p:txEl>
+                                              <p:pRg st="0" end="0"/>
+                                            </p:txEl>
+                                          </p:spTgt>
+                                        </p:tgtEl>
+                                        <p:attrNameLst>
+                                          <p:attrName>style.visibility</p:attrName>
+                                        </p:attrNameLst>
+                                      </p:cBhvr>
+                                      <p:to>
+                                        <p:strVal val="visible"/>
+                                      </p:to>
+                                    </p:set>
+                                  </p:childTnLst>
+                                </p:cTn>
+                              </p:par>
+                              <p:par>
+                                <p:cTn id="7" presetID="1" presetClass="entr" presetSubtype="0" fill="hold" grpId="0" nodeType="withEffect">
+                                  <p:stCondLst>
+                                    <p:cond delay="0"/>
+                                  </p:stCondLst>
+                                  <p:childTnLst>
+                                    <p:set>
+                                      <p:cBhvr>
+                                        <p:cTn id="8" dur="1" fill="hold">
+                                          <p:stCondLst>
+                                            <p:cond delay="0"/>
+                                          </p:stCondLst>
+                                        </p:cTn>
+                                        <p:tgtEl>
+                                          <p:spTgt spid="3">
+                                            <p:txEl>
+                                              <p:pRg st="1" end="1"/>
+                                            </p:txEl>
+                                          </p:spTgt>
+                                        </p:tgtEl>
+                                        <p:attrNameLst>
+                                          <p:attrName>style.visibility</p:attrName>
+                                        </p:attrNameLst>
+                                      </p:cBhvr>
+                                      <p:to>
+                                        <p:strVal val="visible"/>
+                                      </p:to>
+                                    </p:set>
+                                  </p:childTnLst>
+                                </p:cTn>
+                              </p:par>
+                              <p:par>
+                                <p:cTn id="9" presetID="1" presetClass="entr" presetSubtype="0" fill="hold" grpId="0" nodeType="withEffect">
+                                  <p:stCondLst>
+                                    <p:cond delay="0"/>
+                                  </p:stCondLst>
+                                  <p:childTnLst>
+                                    <p:set>
+                                      <p:cBhvr>
+                                        <p:cTn id="10" dur="1" fill="hold">
+                                          <p:stCondLst>
+                                            <p:cond delay="0"/>
+                                          </p:stCondLst>
+                                        </p:cTn>
+                                        <p:tgtEl>
+                                          <p:spTgt spid="3">
+                                            <p:txEl>
+                                              <p:pRg st="2" end="2"/>
+                                            </p:txEl>
+                                          </p:spTgt>
+                                        </p:tgtEl>
+                                        <p:attrNameLst>
+                                          <p:attrName>style.visibility</p:attrName>
+                                        </p:attrNameLst>
+                                      </p:cBhvr>
+                                      <p:to>
+                                        <p:strVal val="visible"/>
+                                      </p:to>
+                                    </p:set>
+                                  </p:childTnLst>
+                                </p:cTn>
+                              </p:par>
+                            </p:childTnLst>
+                          </p:cTn>
+                        </p:par>
+                      </p:childTnLst>
+                    </p:cTn>
+                  </p:par>
+                  <p:par>
+                    <p:cTn id="11" fill="hold">
+                      <p:stCondLst>
+                        <p:cond delay="indefinite"/>
+                      </p:stCondLst>
+                      <p:childTnLst>
+                        <p:par>
+                          <p:cTn id="12" fill="hold">
+                            <p:stCondLst>
+                              <p:cond delay="0"/>
+                            </p:stCondLst>
+                            <p:childTnLst>
+                              <p:par>
+                                <p:cTn id="13" presetID="1" presetClass="entr" presetSubtype="0" fill="hold" grpId="0" nodeType="clickEffect">
+                                  <p:stCondLst>
+                                    <p:cond delay="0"/>
+                                  </p:stCondLst>
+                                  <p:childTnLst>
+                                    <p:set>
+                                      <p:cBhvr>
+                                        <p:cTn id="14" dur="1" fill="hold">
+                                          <p:stCondLst>
+                                            <p:cond delay="0"/>
+                                          </p:stCondLst>
+                                        </p:cTn>
+                                        <p:tgtEl>
+                                          <p:spTgt spid="3">
+                                            <p:txEl>
+                                              <p:pRg st="3" end="3"/>
+                                            </p:txEl>
+                                          </p:spTgt>
+                                        </p:tgtEl>
+                                        <p:attrNameLst>
+                                          <p:attrName>style.visibility</p:attrName>
+                                        </p:attrNameLst>
+                                      </p:cBhvr>
+                                      <p:to>
+                                        <p:strVal val="visible"/>
+                                      </p:to>
+                                    </p:set>
+                                  </p:childTnLst>
+                                </p:cTn>
+                              </p:par>
+                              <p:par>
+                                <p:cTn id="15" presetID="1" presetClass="entr" presetSubtype="0" fill="hold" grpId="0" nodeType="withEffect">
+                                  <p:stCondLst>
+                                    <p:cond delay="0"/>
+                                  </p:stCondLst>
+                                  <p:childTnLst>
+                                    <p:set>
+                                      <p:cBhvr>
+                                        <p:cTn id="16" dur="1" fill="hold">
+                                          <p:stCondLst>
+                                            <p:cond delay="0"/>
+                                          </p:stCondLst>
+                                        </p:cTn>
+                                        <p:tgtEl>
+                                          <p:spTgt spid="3">
+                                            <p:txEl>
+                                              <p:pRg st="4" end="4"/>
+                                            </p:txEl>
+                                          </p:spTgt>
+                                        </p:tgtEl>
+                                        <p:attrNameLst>
+                                          <p:attrName>style.visibility</p:attrName>
+                                        </p:attrNameLst>
+                                      </p:cBhvr>
+                                      <p:to>
+                                        <p:strVal val="visible"/>
+                                      </p:to>
+                                    </p:set>
+                                  </p:childTnLst>
+                                </p:cTn>
+                              </p:par>
+                              <p:par>
+                                <p:cTn id="17" presetID="1" presetClass="entr" presetSubtype="0" fill="hold" grpId="0" nodeType="withEffect">
+                                  <p:stCondLst>
+                                    <p:cond delay="0"/>
+                                  </p:stCondLst>
+                                  <p:childTnLst>
+                                    <p:set>
+                                      <p:cBhvr>
+                                        <p:cTn id="18" dur="1" fill="hold">
+                                          <p:stCondLst>
+                                            <p:cond delay="0"/>
+                                          </p:stCondLst>
+                                        </p:cTn>
+                                        <p:tgtEl>
+                                          <p:spTgt spid="3">
+                                            <p:txEl>
+                                              <p:pRg st="5" end="5"/>
+                                            </p:txEl>
+                                          </p:spTgt>
+                                        </p:tgtEl>
+                                        <p:attrNameLst>
+                                          <p:attrName>style.visibility</p:attrName>
+                                        </p:attrNameLst>
+                                      </p:cBhvr>
+                                      <p:to>
+                                        <p:strVal val="visible"/>
+                                      </p:to>
+                                    </p:set>
+                                  </p:childTnLst>
+                                </p:cTn>
+                              </p:par>
+                              <p:par>
+                                <p:cTn id="19" presetID="1" presetClass="entr" presetSubtype="0" fill="hold" grpId="0" nodeType="withEffect">
+                                  <p:stCondLst>
+                                    <p:cond delay="0"/>
+                                  </p:stCondLst>
+                                  <p:childTnLst>
+                                    <p:set>
+                                      <p:cBhvr>
+                                        <p:cTn id="20" dur="1" fill="hold">
+                                          <p:stCondLst>
+                                            <p:cond delay="0"/>
+                                          </p:stCondLst>
+                                        </p:cTn>
+                                        <p:tgtEl>
+                                          <p:spTgt spid="3">
+                                            <p:txEl>
+                                              <p:pRg st="6" end="6"/>
+                                            </p:txEl>
+                                          </p:spTgt>
+                                        </p:tgtEl>
+                                        <p:attrNameLst>
+                                          <p:attrName>style.visibility</p:attrName>
+                                        </p:attrNameLst>
+                                      </p:cBhvr>
+                                      <p:to>
+                                        <p:strVal val="visible"/>
+                                      </p:to>
+                                    </p:set>
+                                  </p:childTnLst>
+                                </p:cTn>
+                              </p:par>
+                              <p:par>
+                                <p:cTn id="21" presetID="1" presetClass="entr" presetSubtype="0" fill="hold" grpId="0" nodeType="withEffect">
+                                  <p:stCondLst>
+                                    <p:cond delay="0"/>
+                                  </p:stCondLst>
+                                  <p:childTnLst>
+                                    <p:set>
+                                      <p:cBhvr>
+                                        <p:cTn id="22" dur="1" fill="hold">
+                                          <p:stCondLst>
+                                            <p:cond delay="0"/>
+                                          </p:stCondLst>
+                                        </p:cTn>
+                                        <p:tgtEl>
+                                          <p:spTgt spid="3">
+                                            <p:txEl>
+                                              <p:pRg st="7" end="7"/>
+                                            </p:txEl>
+                                          </p:spTgt>
+                                        </p:tgtEl>
+                                        <p:attrNameLst>
+                                          <p:attrName>style.visibility</p:attrName>
+                                        </p:attrNameLst>
+                                      </p:cBhvr>
+                                      <p:to>
+                                        <p:strVal val="visible"/>
+                                      </p:to>
+                                    </p:set>
+                                  </p:childTnLst>
+                                </p:cTn>
+                              </p:par>
+                            </p:childTnLst>
+                          </p:cTn>
+                        </p:par>
+                      </p:childTnLst>
+                    </p:cTn>
+                  </p:par>
+                </p:childTnLst>
+              </p:cTn>
+              <p:prevCondLst>
+                <p:cond evt="onPrev" delay="0">
+                  <p:tgtEl>
+                    <p:sldTgt/>
+                  </p:tgtEl>
+                </p:cond>
+              </p:prevCondLst>
+              <p:nextCondLst>
+                <p:cond evt="onNext" delay="0">
+                  <p:tgtEl>
+                    <p:sldTgt/>
+                  </p:tgtEl>
+                </p:cond>
+              </p:nextCondLst>
+            </p:seq>
+          </p:childTnLst>
+        </p:cTn>
+      </p:par>
+    </p:tnLst>
+    <p:bldLst>
+      <p:bldP spid="3" grpId="0" build="p"/>
+    </p:bldLst>
+  </p:timing>
 </p:sld>
 </file>
 
@@ -8343,6 +9609,13 @@
   <p:clrMapOvr>
     <a:masterClrMapping/>
   </p:clrMapOvr>
+  <p:timing>
+    <p:tnLst>
+      <p:par>
+        <p:cTn xmlns:p14="http://schemas.microsoft.com/office/powerpoint/2010/main" id="1" dur="indefinite" restart="never" nodeType="tmRoot"/>
+      </p:par>
+    </p:tnLst>
+  </p:timing>
 </p:sld>
 </file>
 
@@ -8582,6 +9855,13 @@
   <p:clrMapOvr>
     <a:masterClrMapping/>
   </p:clrMapOvr>
+  <p:timing>
+    <p:tnLst>
+      <p:par>
+        <p:cTn xmlns:p14="http://schemas.microsoft.com/office/powerpoint/2010/main" id="1" dur="indefinite" restart="never" nodeType="tmRoot"/>
+      </p:par>
+    </p:tnLst>
+  </p:timing>
 </p:sld>
 </file>
 
@@ -9282,9 +10562,495 @@
   <p:timing>
     <p:tnLst>
       <p:par>
-        <p:cTn xmlns:p14="http://schemas.microsoft.com/office/powerpoint/2010/main" id="1" dur="indefinite" restart="never" nodeType="tmRoot"/>
+        <p:cTn xmlns:p14="http://schemas.microsoft.com/office/powerpoint/2010/main" id="1" dur="indefinite" restart="never" nodeType="tmRoot">
+          <p:childTnLst>
+            <p:seq concurrent="1" nextAc="seek">
+              <p:cTn id="2" dur="indefinite" nodeType="mainSeq">
+                <p:childTnLst>
+                  <p:par>
+                    <p:cTn id="3" fill="hold">
+                      <p:stCondLst>
+                        <p:cond delay="indefinite"/>
+                        <p:cond evt="onBegin" delay="0">
+                          <p:tn val="2"/>
+                        </p:cond>
+                      </p:stCondLst>
+                      <p:childTnLst>
+                        <p:par>
+                          <p:cTn id="4" fill="hold">
+                            <p:stCondLst>
+                              <p:cond delay="0"/>
+                            </p:stCondLst>
+                            <p:childTnLst>
+                              <p:par>
+                                <p:cTn id="5" presetID="1" presetClass="entr" presetSubtype="0" fill="hold" grpId="0" nodeType="withEffect">
+                                  <p:stCondLst>
+                                    <p:cond delay="0"/>
+                                  </p:stCondLst>
+                                  <p:childTnLst>
+                                    <p:set>
+                                      <p:cBhvr>
+                                        <p:cTn id="6" dur="1" fill="hold">
+                                          <p:stCondLst>
+                                            <p:cond delay="0"/>
+                                          </p:stCondLst>
+                                        </p:cTn>
+                                        <p:tgtEl>
+                                          <p:spTgt spid="3">
+                                            <p:txEl>
+                                              <p:pRg st="0" end="0"/>
+                                            </p:txEl>
+                                          </p:spTgt>
+                                        </p:tgtEl>
+                                        <p:attrNameLst>
+                                          <p:attrName>style.visibility</p:attrName>
+                                        </p:attrNameLst>
+                                      </p:cBhvr>
+                                      <p:to>
+                                        <p:strVal val="visible"/>
+                                      </p:to>
+                                    </p:set>
+                                  </p:childTnLst>
+                                </p:cTn>
+                              </p:par>
+                              <p:par>
+                                <p:cTn id="7" presetID="1" presetClass="entr" presetSubtype="0" fill="hold" grpId="0" nodeType="withEffect">
+                                  <p:stCondLst>
+                                    <p:cond delay="0"/>
+                                  </p:stCondLst>
+                                  <p:childTnLst>
+                                    <p:set>
+                                      <p:cBhvr>
+                                        <p:cTn id="8" dur="1" fill="hold">
+                                          <p:stCondLst>
+                                            <p:cond delay="0"/>
+                                          </p:stCondLst>
+                                        </p:cTn>
+                                        <p:tgtEl>
+                                          <p:spTgt spid="3">
+                                            <p:txEl>
+                                              <p:pRg st="1" end="1"/>
+                                            </p:txEl>
+                                          </p:spTgt>
+                                        </p:tgtEl>
+                                        <p:attrNameLst>
+                                          <p:attrName>style.visibility</p:attrName>
+                                        </p:attrNameLst>
+                                      </p:cBhvr>
+                                      <p:to>
+                                        <p:strVal val="visible"/>
+                                      </p:to>
+                                    </p:set>
+                                  </p:childTnLst>
+                                </p:cTn>
+                              </p:par>
+                            </p:childTnLst>
+                          </p:cTn>
+                        </p:par>
+                      </p:childTnLst>
+                    </p:cTn>
+                  </p:par>
+                  <p:par>
+                    <p:cTn id="9" fill="hold">
+                      <p:stCondLst>
+                        <p:cond delay="indefinite"/>
+                      </p:stCondLst>
+                      <p:childTnLst>
+                        <p:par>
+                          <p:cTn id="10" fill="hold">
+                            <p:stCondLst>
+                              <p:cond delay="0"/>
+                            </p:stCondLst>
+                            <p:childTnLst>
+                              <p:par>
+                                <p:cTn id="11" presetID="1" presetClass="entr" presetSubtype="0" fill="hold" grpId="0" nodeType="clickEffect">
+                                  <p:stCondLst>
+                                    <p:cond delay="0"/>
+                                  </p:stCondLst>
+                                  <p:childTnLst>
+                                    <p:set>
+                                      <p:cBhvr>
+                                        <p:cTn id="12" dur="1" fill="hold">
+                                          <p:stCondLst>
+                                            <p:cond delay="0"/>
+                                          </p:stCondLst>
+                                        </p:cTn>
+                                        <p:tgtEl>
+                                          <p:spTgt spid="3">
+                                            <p:txEl>
+                                              <p:pRg st="2" end="2"/>
+                                            </p:txEl>
+                                          </p:spTgt>
+                                        </p:tgtEl>
+                                        <p:attrNameLst>
+                                          <p:attrName>style.visibility</p:attrName>
+                                        </p:attrNameLst>
+                                      </p:cBhvr>
+                                      <p:to>
+                                        <p:strVal val="visible"/>
+                                      </p:to>
+                                    </p:set>
+                                  </p:childTnLst>
+                                </p:cTn>
+                              </p:par>
+                              <p:par>
+                                <p:cTn id="13" presetID="1" presetClass="entr" presetSubtype="0" fill="hold" grpId="0" nodeType="withEffect">
+                                  <p:stCondLst>
+                                    <p:cond delay="0"/>
+                                  </p:stCondLst>
+                                  <p:childTnLst>
+                                    <p:set>
+                                      <p:cBhvr>
+                                        <p:cTn id="14" dur="1" fill="hold">
+                                          <p:stCondLst>
+                                            <p:cond delay="0"/>
+                                          </p:stCondLst>
+                                        </p:cTn>
+                                        <p:tgtEl>
+                                          <p:spTgt spid="3">
+                                            <p:txEl>
+                                              <p:pRg st="3" end="3"/>
+                                            </p:txEl>
+                                          </p:spTgt>
+                                        </p:tgtEl>
+                                        <p:attrNameLst>
+                                          <p:attrName>style.visibility</p:attrName>
+                                        </p:attrNameLst>
+                                      </p:cBhvr>
+                                      <p:to>
+                                        <p:strVal val="visible"/>
+                                      </p:to>
+                                    </p:set>
+                                  </p:childTnLst>
+                                </p:cTn>
+                              </p:par>
+                              <p:par>
+                                <p:cTn id="15" presetID="1" presetClass="entr" presetSubtype="0" fill="hold" grpId="0" nodeType="withEffect">
+                                  <p:stCondLst>
+                                    <p:cond delay="0"/>
+                                  </p:stCondLst>
+                                  <p:childTnLst>
+                                    <p:set>
+                                      <p:cBhvr>
+                                        <p:cTn id="16" dur="1" fill="hold">
+                                          <p:stCondLst>
+                                            <p:cond delay="0"/>
+                                          </p:stCondLst>
+                                        </p:cTn>
+                                        <p:tgtEl>
+                                          <p:spTgt spid="3">
+                                            <p:txEl>
+                                              <p:pRg st="4" end="4"/>
+                                            </p:txEl>
+                                          </p:spTgt>
+                                        </p:tgtEl>
+                                        <p:attrNameLst>
+                                          <p:attrName>style.visibility</p:attrName>
+                                        </p:attrNameLst>
+                                      </p:cBhvr>
+                                      <p:to>
+                                        <p:strVal val="visible"/>
+                                      </p:to>
+                                    </p:set>
+                                  </p:childTnLst>
+                                </p:cTn>
+                              </p:par>
+                            </p:childTnLst>
+                          </p:cTn>
+                        </p:par>
+                      </p:childTnLst>
+                    </p:cTn>
+                  </p:par>
+                  <p:par>
+                    <p:cTn id="17" fill="hold">
+                      <p:stCondLst>
+                        <p:cond delay="indefinite"/>
+                      </p:stCondLst>
+                      <p:childTnLst>
+                        <p:par>
+                          <p:cTn id="18" fill="hold">
+                            <p:stCondLst>
+                              <p:cond delay="0"/>
+                            </p:stCondLst>
+                            <p:childTnLst>
+                              <p:par>
+                                <p:cTn id="19" presetID="1" presetClass="entr" presetSubtype="0" fill="hold" grpId="0" nodeType="clickEffect">
+                                  <p:stCondLst>
+                                    <p:cond delay="0"/>
+                                  </p:stCondLst>
+                                  <p:childTnLst>
+                                    <p:set>
+                                      <p:cBhvr>
+                                        <p:cTn id="20" dur="1" fill="hold">
+                                          <p:stCondLst>
+                                            <p:cond delay="0"/>
+                                          </p:stCondLst>
+                                        </p:cTn>
+                                        <p:tgtEl>
+                                          <p:spTgt spid="3">
+                                            <p:txEl>
+                                              <p:pRg st="5" end="5"/>
+                                            </p:txEl>
+                                          </p:spTgt>
+                                        </p:tgtEl>
+                                        <p:attrNameLst>
+                                          <p:attrName>style.visibility</p:attrName>
+                                        </p:attrNameLst>
+                                      </p:cBhvr>
+                                      <p:to>
+                                        <p:strVal val="visible"/>
+                                      </p:to>
+                                    </p:set>
+                                  </p:childTnLst>
+                                </p:cTn>
+                              </p:par>
+                              <p:par>
+                                <p:cTn id="21" presetID="1" presetClass="entr" presetSubtype="0" fill="hold" grpId="0" nodeType="withEffect">
+                                  <p:stCondLst>
+                                    <p:cond delay="0"/>
+                                  </p:stCondLst>
+                                  <p:childTnLst>
+                                    <p:set>
+                                      <p:cBhvr>
+                                        <p:cTn id="22" dur="1" fill="hold">
+                                          <p:stCondLst>
+                                            <p:cond delay="0"/>
+                                          </p:stCondLst>
+                                        </p:cTn>
+                                        <p:tgtEl>
+                                          <p:spTgt spid="3">
+                                            <p:txEl>
+                                              <p:pRg st="6" end="6"/>
+                                            </p:txEl>
+                                          </p:spTgt>
+                                        </p:tgtEl>
+                                        <p:attrNameLst>
+                                          <p:attrName>style.visibility</p:attrName>
+                                        </p:attrNameLst>
+                                      </p:cBhvr>
+                                      <p:to>
+                                        <p:strVal val="visible"/>
+                                      </p:to>
+                                    </p:set>
+                                  </p:childTnLst>
+                                </p:cTn>
+                              </p:par>
+                              <p:par>
+                                <p:cTn id="23" presetID="1" presetClass="entr" presetSubtype="0" fill="hold" grpId="0" nodeType="withEffect">
+                                  <p:stCondLst>
+                                    <p:cond delay="0"/>
+                                  </p:stCondLst>
+                                  <p:childTnLst>
+                                    <p:set>
+                                      <p:cBhvr>
+                                        <p:cTn id="24" dur="1" fill="hold">
+                                          <p:stCondLst>
+                                            <p:cond delay="0"/>
+                                          </p:stCondLst>
+                                        </p:cTn>
+                                        <p:tgtEl>
+                                          <p:spTgt spid="3">
+                                            <p:txEl>
+                                              <p:pRg st="7" end="7"/>
+                                            </p:txEl>
+                                          </p:spTgt>
+                                        </p:tgtEl>
+                                        <p:attrNameLst>
+                                          <p:attrName>style.visibility</p:attrName>
+                                        </p:attrNameLst>
+                                      </p:cBhvr>
+                                      <p:to>
+                                        <p:strVal val="visible"/>
+                                      </p:to>
+                                    </p:set>
+                                  </p:childTnLst>
+                                </p:cTn>
+                              </p:par>
+                              <p:par>
+                                <p:cTn id="25" presetID="1" presetClass="entr" presetSubtype="0" fill="hold" grpId="0" nodeType="withEffect">
+                                  <p:stCondLst>
+                                    <p:cond delay="0"/>
+                                  </p:stCondLst>
+                                  <p:childTnLst>
+                                    <p:set>
+                                      <p:cBhvr>
+                                        <p:cTn id="26" dur="1" fill="hold">
+                                          <p:stCondLst>
+                                            <p:cond delay="0"/>
+                                          </p:stCondLst>
+                                        </p:cTn>
+                                        <p:tgtEl>
+                                          <p:spTgt spid="3">
+                                            <p:txEl>
+                                              <p:pRg st="8" end="8"/>
+                                            </p:txEl>
+                                          </p:spTgt>
+                                        </p:tgtEl>
+                                        <p:attrNameLst>
+                                          <p:attrName>style.visibility</p:attrName>
+                                        </p:attrNameLst>
+                                      </p:cBhvr>
+                                      <p:to>
+                                        <p:strVal val="visible"/>
+                                      </p:to>
+                                    </p:set>
+                                  </p:childTnLst>
+                                </p:cTn>
+                              </p:par>
+                              <p:par>
+                                <p:cTn id="27" presetID="1" presetClass="entr" presetSubtype="0" fill="hold" grpId="0" nodeType="withEffect">
+                                  <p:stCondLst>
+                                    <p:cond delay="0"/>
+                                  </p:stCondLst>
+                                  <p:childTnLst>
+                                    <p:set>
+                                      <p:cBhvr>
+                                        <p:cTn id="28" dur="1" fill="hold">
+                                          <p:stCondLst>
+                                            <p:cond delay="0"/>
+                                          </p:stCondLst>
+                                        </p:cTn>
+                                        <p:tgtEl>
+                                          <p:spTgt spid="3">
+                                            <p:txEl>
+                                              <p:pRg st="9" end="9"/>
+                                            </p:txEl>
+                                          </p:spTgt>
+                                        </p:tgtEl>
+                                        <p:attrNameLst>
+                                          <p:attrName>style.visibility</p:attrName>
+                                        </p:attrNameLst>
+                                      </p:cBhvr>
+                                      <p:to>
+                                        <p:strVal val="visible"/>
+                                      </p:to>
+                                    </p:set>
+                                  </p:childTnLst>
+                                </p:cTn>
+                              </p:par>
+                              <p:par>
+                                <p:cTn id="29" presetID="1" presetClass="entr" presetSubtype="0" fill="hold" grpId="0" nodeType="withEffect">
+                                  <p:stCondLst>
+                                    <p:cond delay="0"/>
+                                  </p:stCondLst>
+                                  <p:childTnLst>
+                                    <p:set>
+                                      <p:cBhvr>
+                                        <p:cTn id="30" dur="1" fill="hold">
+                                          <p:stCondLst>
+                                            <p:cond delay="0"/>
+                                          </p:stCondLst>
+                                        </p:cTn>
+                                        <p:tgtEl>
+                                          <p:spTgt spid="3">
+                                            <p:txEl>
+                                              <p:pRg st="10" end="10"/>
+                                            </p:txEl>
+                                          </p:spTgt>
+                                        </p:tgtEl>
+                                        <p:attrNameLst>
+                                          <p:attrName>style.visibility</p:attrName>
+                                        </p:attrNameLst>
+                                      </p:cBhvr>
+                                      <p:to>
+                                        <p:strVal val="visible"/>
+                                      </p:to>
+                                    </p:set>
+                                  </p:childTnLst>
+                                </p:cTn>
+                              </p:par>
+                              <p:par>
+                                <p:cTn id="31" presetID="1" presetClass="entr" presetSubtype="0" fill="hold" grpId="0" nodeType="withEffect">
+                                  <p:stCondLst>
+                                    <p:cond delay="0"/>
+                                  </p:stCondLst>
+                                  <p:childTnLst>
+                                    <p:set>
+                                      <p:cBhvr>
+                                        <p:cTn id="32" dur="1" fill="hold">
+                                          <p:stCondLst>
+                                            <p:cond delay="0"/>
+                                          </p:stCondLst>
+                                        </p:cTn>
+                                        <p:tgtEl>
+                                          <p:spTgt spid="3">
+                                            <p:txEl>
+                                              <p:pRg st="11" end="11"/>
+                                            </p:txEl>
+                                          </p:spTgt>
+                                        </p:tgtEl>
+                                        <p:attrNameLst>
+                                          <p:attrName>style.visibility</p:attrName>
+                                        </p:attrNameLst>
+                                      </p:cBhvr>
+                                      <p:to>
+                                        <p:strVal val="visible"/>
+                                      </p:to>
+                                    </p:set>
+                                  </p:childTnLst>
+                                </p:cTn>
+                              </p:par>
+                              <p:par>
+                                <p:cTn id="33" presetID="1" presetClass="entr" presetSubtype="0" fill="hold" grpId="0" nodeType="withEffect">
+                                  <p:stCondLst>
+                                    <p:cond delay="0"/>
+                                  </p:stCondLst>
+                                  <p:childTnLst>
+                                    <p:set>
+                                      <p:cBhvr>
+                                        <p:cTn id="34" dur="1" fill="hold">
+                                          <p:stCondLst>
+                                            <p:cond delay="0"/>
+                                          </p:stCondLst>
+                                        </p:cTn>
+                                        <p:tgtEl>
+                                          <p:spTgt spid="3">
+                                            <p:txEl>
+                                              <p:pRg st="12" end="12"/>
+                                            </p:txEl>
+                                          </p:spTgt>
+                                        </p:tgtEl>
+                                        <p:attrNameLst>
+                                          <p:attrName>style.visibility</p:attrName>
+                                        </p:attrNameLst>
+                                      </p:cBhvr>
+                                      <p:to>
+                                        <p:strVal val="visible"/>
+                                      </p:to>
+                                    </p:set>
+                                  </p:childTnLst>
+                                </p:cTn>
+                              </p:par>
+                            </p:childTnLst>
+                          </p:cTn>
+                        </p:par>
+                      </p:childTnLst>
+                    </p:cTn>
+                  </p:par>
+                </p:childTnLst>
+              </p:cTn>
+              <p:prevCondLst>
+                <p:cond evt="onPrev" delay="0">
+                  <p:tgtEl>
+                    <p:sldTgt/>
+                  </p:tgtEl>
+                </p:cond>
+              </p:prevCondLst>
+              <p:nextCondLst>
+                <p:cond evt="onNext" delay="0">
+                  <p:tgtEl>
+                    <p:sldTgt/>
+                  </p:tgtEl>
+                </p:cond>
+              </p:nextCondLst>
+            </p:seq>
+          </p:childTnLst>
+        </p:cTn>
       </p:par>
     </p:tnLst>
+    <p:bldLst>
+      <p:bldP spid="3" grpId="0" uiExpand="1" build="p"/>
+    </p:bldLst>
   </p:timing>
 </p:sld>
 </file>
@@ -9484,6 +11250,13 @@
   <p:clrMapOvr>
     <a:masterClrMapping/>
   </p:clrMapOvr>
+  <p:timing>
+    <p:tnLst>
+      <p:par>
+        <p:cTn xmlns:p14="http://schemas.microsoft.com/office/powerpoint/2010/main" id="1" dur="indefinite" restart="never" nodeType="tmRoot"/>
+      </p:par>
+    </p:tnLst>
+  </p:timing>
 </p:sld>
 </file>
 
@@ -9705,6 +11478,326 @@
   <p:clrMapOvr>
     <a:masterClrMapping/>
   </p:clrMapOvr>
+  <p:timing>
+    <p:tnLst>
+      <p:par>
+        <p:cTn xmlns:p14="http://schemas.microsoft.com/office/powerpoint/2010/main" id="1" dur="indefinite" restart="never" nodeType="tmRoot">
+          <p:childTnLst>
+            <p:seq concurrent="1" nextAc="seek">
+              <p:cTn id="2" dur="indefinite" nodeType="mainSeq">
+                <p:childTnLst>
+                  <p:par>
+                    <p:cTn id="3" fill="hold">
+                      <p:stCondLst>
+                        <p:cond delay="indefinite"/>
+                        <p:cond evt="onBegin" delay="0">
+                          <p:tn val="2"/>
+                        </p:cond>
+                      </p:stCondLst>
+                      <p:childTnLst>
+                        <p:par>
+                          <p:cTn id="4" fill="hold">
+                            <p:stCondLst>
+                              <p:cond delay="0"/>
+                            </p:stCondLst>
+                            <p:childTnLst>
+                              <p:par>
+                                <p:cTn id="5" presetID="1" presetClass="entr" presetSubtype="0" fill="hold" grpId="0" nodeType="withEffect">
+                                  <p:stCondLst>
+                                    <p:cond delay="0"/>
+                                  </p:stCondLst>
+                                  <p:childTnLst>
+                                    <p:set>
+                                      <p:cBhvr>
+                                        <p:cTn id="6" dur="1" fill="hold">
+                                          <p:stCondLst>
+                                            <p:cond delay="0"/>
+                                          </p:stCondLst>
+                                        </p:cTn>
+                                        <p:tgtEl>
+                                          <p:spTgt spid="3">
+                                            <p:txEl>
+                                              <p:pRg st="0" end="0"/>
+                                            </p:txEl>
+                                          </p:spTgt>
+                                        </p:tgtEl>
+                                        <p:attrNameLst>
+                                          <p:attrName>style.visibility</p:attrName>
+                                        </p:attrNameLst>
+                                      </p:cBhvr>
+                                      <p:to>
+                                        <p:strVal val="visible"/>
+                                      </p:to>
+                                    </p:set>
+                                  </p:childTnLst>
+                                </p:cTn>
+                              </p:par>
+                              <p:par>
+                                <p:cTn id="7" presetID="1" presetClass="entr" presetSubtype="0" fill="hold" grpId="0" nodeType="withEffect">
+                                  <p:stCondLst>
+                                    <p:cond delay="0"/>
+                                  </p:stCondLst>
+                                  <p:childTnLst>
+                                    <p:set>
+                                      <p:cBhvr>
+                                        <p:cTn id="8" dur="1" fill="hold">
+                                          <p:stCondLst>
+                                            <p:cond delay="0"/>
+                                          </p:stCondLst>
+                                        </p:cTn>
+                                        <p:tgtEl>
+                                          <p:spTgt spid="3">
+                                            <p:txEl>
+                                              <p:pRg st="1" end="1"/>
+                                            </p:txEl>
+                                          </p:spTgt>
+                                        </p:tgtEl>
+                                        <p:attrNameLst>
+                                          <p:attrName>style.visibility</p:attrName>
+                                        </p:attrNameLst>
+                                      </p:cBhvr>
+                                      <p:to>
+                                        <p:strVal val="visible"/>
+                                      </p:to>
+                                    </p:set>
+                                  </p:childTnLst>
+                                </p:cTn>
+                              </p:par>
+                              <p:par>
+                                <p:cTn id="9" presetID="1" presetClass="entr" presetSubtype="0" fill="hold" grpId="0" nodeType="withEffect">
+                                  <p:stCondLst>
+                                    <p:cond delay="0"/>
+                                  </p:stCondLst>
+                                  <p:childTnLst>
+                                    <p:set>
+                                      <p:cBhvr>
+                                        <p:cTn id="10" dur="1" fill="hold">
+                                          <p:stCondLst>
+                                            <p:cond delay="0"/>
+                                          </p:stCondLst>
+                                        </p:cTn>
+                                        <p:tgtEl>
+                                          <p:spTgt spid="3">
+                                            <p:txEl>
+                                              <p:pRg st="2" end="2"/>
+                                            </p:txEl>
+                                          </p:spTgt>
+                                        </p:tgtEl>
+                                        <p:attrNameLst>
+                                          <p:attrName>style.visibility</p:attrName>
+                                        </p:attrNameLst>
+                                      </p:cBhvr>
+                                      <p:to>
+                                        <p:strVal val="visible"/>
+                                      </p:to>
+                                    </p:set>
+                                  </p:childTnLst>
+                                </p:cTn>
+                              </p:par>
+                              <p:par>
+                                <p:cTn id="11" presetID="1" presetClass="entr" presetSubtype="0" fill="hold" grpId="0" nodeType="withEffect">
+                                  <p:stCondLst>
+                                    <p:cond delay="0"/>
+                                  </p:stCondLst>
+                                  <p:childTnLst>
+                                    <p:set>
+                                      <p:cBhvr>
+                                        <p:cTn id="12" dur="1" fill="hold">
+                                          <p:stCondLst>
+                                            <p:cond delay="0"/>
+                                          </p:stCondLst>
+                                        </p:cTn>
+                                        <p:tgtEl>
+                                          <p:spTgt spid="3">
+                                            <p:txEl>
+                                              <p:pRg st="3" end="3"/>
+                                            </p:txEl>
+                                          </p:spTgt>
+                                        </p:tgtEl>
+                                        <p:attrNameLst>
+                                          <p:attrName>style.visibility</p:attrName>
+                                        </p:attrNameLst>
+                                      </p:cBhvr>
+                                      <p:to>
+                                        <p:strVal val="visible"/>
+                                      </p:to>
+                                    </p:set>
+                                  </p:childTnLst>
+                                </p:cTn>
+                              </p:par>
+                              <p:par>
+                                <p:cTn id="13" presetID="1" presetClass="entr" presetSubtype="0" fill="hold" grpId="0" nodeType="withEffect">
+                                  <p:stCondLst>
+                                    <p:cond delay="0"/>
+                                  </p:stCondLst>
+                                  <p:childTnLst>
+                                    <p:set>
+                                      <p:cBhvr>
+                                        <p:cTn id="14" dur="1" fill="hold">
+                                          <p:stCondLst>
+                                            <p:cond delay="0"/>
+                                          </p:stCondLst>
+                                        </p:cTn>
+                                        <p:tgtEl>
+                                          <p:spTgt spid="3">
+                                            <p:txEl>
+                                              <p:pRg st="4" end="4"/>
+                                            </p:txEl>
+                                          </p:spTgt>
+                                        </p:tgtEl>
+                                        <p:attrNameLst>
+                                          <p:attrName>style.visibility</p:attrName>
+                                        </p:attrNameLst>
+                                      </p:cBhvr>
+                                      <p:to>
+                                        <p:strVal val="visible"/>
+                                      </p:to>
+                                    </p:set>
+                                  </p:childTnLst>
+                                </p:cTn>
+                              </p:par>
+                            </p:childTnLst>
+                          </p:cTn>
+                        </p:par>
+                      </p:childTnLst>
+                    </p:cTn>
+                  </p:par>
+                  <p:par>
+                    <p:cTn id="15" fill="hold">
+                      <p:stCondLst>
+                        <p:cond delay="indefinite"/>
+                      </p:stCondLst>
+                      <p:childTnLst>
+                        <p:par>
+                          <p:cTn id="16" fill="hold">
+                            <p:stCondLst>
+                              <p:cond delay="0"/>
+                            </p:stCondLst>
+                            <p:childTnLst>
+                              <p:par>
+                                <p:cTn id="17" presetID="1" presetClass="entr" presetSubtype="0" fill="hold" grpId="0" nodeType="clickEffect">
+                                  <p:stCondLst>
+                                    <p:cond delay="0"/>
+                                  </p:stCondLst>
+                                  <p:childTnLst>
+                                    <p:set>
+                                      <p:cBhvr>
+                                        <p:cTn id="18" dur="1" fill="hold">
+                                          <p:stCondLst>
+                                            <p:cond delay="0"/>
+                                          </p:stCondLst>
+                                        </p:cTn>
+                                        <p:tgtEl>
+                                          <p:spTgt spid="3">
+                                            <p:txEl>
+                                              <p:pRg st="5" end="5"/>
+                                            </p:txEl>
+                                          </p:spTgt>
+                                        </p:tgtEl>
+                                        <p:attrNameLst>
+                                          <p:attrName>style.visibility</p:attrName>
+                                        </p:attrNameLst>
+                                      </p:cBhvr>
+                                      <p:to>
+                                        <p:strVal val="visible"/>
+                                      </p:to>
+                                    </p:set>
+                                  </p:childTnLst>
+                                </p:cTn>
+                              </p:par>
+                              <p:par>
+                                <p:cTn id="19" presetID="1" presetClass="entr" presetSubtype="0" fill="hold" grpId="0" nodeType="withEffect">
+                                  <p:stCondLst>
+                                    <p:cond delay="0"/>
+                                  </p:stCondLst>
+                                  <p:childTnLst>
+                                    <p:set>
+                                      <p:cBhvr>
+                                        <p:cTn id="20" dur="1" fill="hold">
+                                          <p:stCondLst>
+                                            <p:cond delay="0"/>
+                                          </p:stCondLst>
+                                        </p:cTn>
+                                        <p:tgtEl>
+                                          <p:spTgt spid="3">
+                                            <p:txEl>
+                                              <p:pRg st="6" end="6"/>
+                                            </p:txEl>
+                                          </p:spTgt>
+                                        </p:tgtEl>
+                                        <p:attrNameLst>
+                                          <p:attrName>style.visibility</p:attrName>
+                                        </p:attrNameLst>
+                                      </p:cBhvr>
+                                      <p:to>
+                                        <p:strVal val="visible"/>
+                                      </p:to>
+                                    </p:set>
+                                  </p:childTnLst>
+                                </p:cTn>
+                              </p:par>
+                              <p:par>
+                                <p:cTn id="21" presetID="1" presetClass="entr" presetSubtype="0" fill="hold" grpId="0" nodeType="withEffect">
+                                  <p:stCondLst>
+                                    <p:cond delay="0"/>
+                                  </p:stCondLst>
+                                  <p:childTnLst>
+                                    <p:set>
+                                      <p:cBhvr>
+                                        <p:cTn id="22" dur="1" fill="hold">
+                                          <p:stCondLst>
+                                            <p:cond delay="0"/>
+                                          </p:stCondLst>
+                                        </p:cTn>
+                                        <p:tgtEl>
+                                          <p:spTgt spid="3">
+                                            <p:txEl>
+                                              <p:pRg st="7" end="7"/>
+                                            </p:txEl>
+                                          </p:spTgt>
+                                        </p:tgtEl>
+                                        <p:attrNameLst>
+                                          <p:attrName>style.visibility</p:attrName>
+                                        </p:attrNameLst>
+                                      </p:cBhvr>
+                                      <p:to>
+                                        <p:strVal val="visible"/>
+                                      </p:to>
+                                    </p:set>
+                                  </p:childTnLst>
+                                </p:cTn>
+                              </p:par>
+                            </p:childTnLst>
+                          </p:cTn>
+                        </p:par>
+                      </p:childTnLst>
+                    </p:cTn>
+                  </p:par>
+                </p:childTnLst>
+              </p:cTn>
+              <p:prevCondLst>
+                <p:cond evt="onPrev" delay="0">
+                  <p:tgtEl>
+                    <p:sldTgt/>
+                  </p:tgtEl>
+                </p:cond>
+              </p:prevCondLst>
+              <p:nextCondLst>
+                <p:cond evt="onNext" delay="0">
+                  <p:tgtEl>
+                    <p:sldTgt/>
+                  </p:tgtEl>
+                </p:cond>
+              </p:nextCondLst>
+            </p:seq>
+          </p:childTnLst>
+        </p:cTn>
+      </p:par>
+    </p:tnLst>
+    <p:bldLst>
+      <p:bldP spid="3" grpId="0" build="p"/>
+    </p:bldLst>
+  </p:timing>
 </p:sld>
 </file>
 
@@ -9869,6 +11962,13 @@
   <p:clrMapOvr>
     <a:masterClrMapping/>
   </p:clrMapOvr>
+  <p:timing>
+    <p:tnLst>
+      <p:par>
+        <p:cTn xmlns:p14="http://schemas.microsoft.com/office/powerpoint/2010/main" id="1" dur="indefinite" restart="never" nodeType="tmRoot"/>
+      </p:par>
+    </p:tnLst>
+  </p:timing>
 </p:sld>
 </file>
 
@@ -10019,6 +12119,13 @@
   <p:clrMapOvr>
     <a:masterClrMapping/>
   </p:clrMapOvr>
+  <p:timing>
+    <p:tnLst>
+      <p:par>
+        <p:cTn xmlns:p14="http://schemas.microsoft.com/office/powerpoint/2010/main" id="1" dur="indefinite" restart="never" nodeType="tmRoot"/>
+      </p:par>
+    </p:tnLst>
+  </p:timing>
 </p:sld>
 </file>
 
@@ -10246,6 +12353,13 @@
   <p:clrMapOvr>
     <a:masterClrMapping/>
   </p:clrMapOvr>
+  <p:timing>
+    <p:tnLst>
+      <p:par>
+        <p:cTn xmlns:p14="http://schemas.microsoft.com/office/powerpoint/2010/main" id="1" dur="indefinite" restart="never" nodeType="tmRoot"/>
+      </p:par>
+    </p:tnLst>
+  </p:timing>
 </p:sld>
 </file>
 
@@ -10410,6 +12524,13 @@
   <p:clrMapOvr>
     <a:masterClrMapping/>
   </p:clrMapOvr>
+  <p:timing>
+    <p:tnLst>
+      <p:par>
+        <p:cTn xmlns:p14="http://schemas.microsoft.com/office/powerpoint/2010/main" id="1" dur="indefinite" restart="never" nodeType="tmRoot"/>
+      </p:par>
+    </p:tnLst>
+  </p:timing>
 </p:sld>
 </file>
 
@@ -10560,6 +12681,13 @@
   <p:clrMapOvr>
     <a:masterClrMapping/>
   </p:clrMapOvr>
+  <p:timing>
+    <p:tnLst>
+      <p:par>
+        <p:cTn xmlns:p14="http://schemas.microsoft.com/office/powerpoint/2010/main" id="1" dur="indefinite" restart="never" nodeType="tmRoot"/>
+      </p:par>
+    </p:tnLst>
+  </p:timing>
 </p:sld>
 </file>
 
@@ -10808,6 +12936,13 @@
   <p:clrMapOvr>
     <a:masterClrMapping/>
   </p:clrMapOvr>
+  <p:timing>
+    <p:tnLst>
+      <p:par>
+        <p:cTn xmlns:p14="http://schemas.microsoft.com/office/powerpoint/2010/main" id="1" dur="indefinite" restart="never" nodeType="tmRoot"/>
+      </p:par>
+    </p:tnLst>
+  </p:timing>
 </p:sld>
 </file>
 
@@ -11076,6 +13211,344 @@
   <p:clrMapOvr>
     <a:masterClrMapping/>
   </p:clrMapOvr>
+  <p:timing>
+    <p:tnLst>
+      <p:par>
+        <p:cTn xmlns:p14="http://schemas.microsoft.com/office/powerpoint/2010/main" id="1" dur="indefinite" restart="never" nodeType="tmRoot">
+          <p:childTnLst>
+            <p:seq concurrent="1" nextAc="seek">
+              <p:cTn id="2" dur="indefinite" nodeType="mainSeq">
+                <p:childTnLst>
+                  <p:par>
+                    <p:cTn id="3" fill="hold">
+                      <p:stCondLst>
+                        <p:cond delay="indefinite"/>
+                        <p:cond evt="onBegin" delay="0">
+                          <p:tn val="2"/>
+                        </p:cond>
+                      </p:stCondLst>
+                      <p:childTnLst>
+                        <p:par>
+                          <p:cTn id="4" fill="hold">
+                            <p:stCondLst>
+                              <p:cond delay="0"/>
+                            </p:stCondLst>
+                            <p:childTnLst>
+                              <p:par>
+                                <p:cTn id="5" presetID="1" presetClass="entr" presetSubtype="0" fill="hold" grpId="0" nodeType="withEffect">
+                                  <p:stCondLst>
+                                    <p:cond delay="0"/>
+                                  </p:stCondLst>
+                                  <p:childTnLst>
+                                    <p:set>
+                                      <p:cBhvr>
+                                        <p:cTn id="6" dur="1" fill="hold">
+                                          <p:stCondLst>
+                                            <p:cond delay="0"/>
+                                          </p:stCondLst>
+                                        </p:cTn>
+                                        <p:tgtEl>
+                                          <p:spTgt spid="3">
+                                            <p:txEl>
+                                              <p:pRg st="0" end="0"/>
+                                            </p:txEl>
+                                          </p:spTgt>
+                                        </p:tgtEl>
+                                        <p:attrNameLst>
+                                          <p:attrName>style.visibility</p:attrName>
+                                        </p:attrNameLst>
+                                      </p:cBhvr>
+                                      <p:to>
+                                        <p:strVal val="visible"/>
+                                      </p:to>
+                                    </p:set>
+                                  </p:childTnLst>
+                                </p:cTn>
+                              </p:par>
+                              <p:par>
+                                <p:cTn id="7" presetID="1" presetClass="entr" presetSubtype="0" fill="hold" grpId="0" nodeType="withEffect">
+                                  <p:stCondLst>
+                                    <p:cond delay="0"/>
+                                  </p:stCondLst>
+                                  <p:childTnLst>
+                                    <p:set>
+                                      <p:cBhvr>
+                                        <p:cTn id="8" dur="1" fill="hold">
+                                          <p:stCondLst>
+                                            <p:cond delay="0"/>
+                                          </p:stCondLst>
+                                        </p:cTn>
+                                        <p:tgtEl>
+                                          <p:spTgt spid="3">
+                                            <p:txEl>
+                                              <p:pRg st="1" end="1"/>
+                                            </p:txEl>
+                                          </p:spTgt>
+                                        </p:tgtEl>
+                                        <p:attrNameLst>
+                                          <p:attrName>style.visibility</p:attrName>
+                                        </p:attrNameLst>
+                                      </p:cBhvr>
+                                      <p:to>
+                                        <p:strVal val="visible"/>
+                                      </p:to>
+                                    </p:set>
+                                  </p:childTnLst>
+                                </p:cTn>
+                              </p:par>
+                              <p:par>
+                                <p:cTn id="9" presetID="1" presetClass="entr" presetSubtype="0" fill="hold" grpId="0" nodeType="withEffect">
+                                  <p:stCondLst>
+                                    <p:cond delay="0"/>
+                                  </p:stCondLst>
+                                  <p:childTnLst>
+                                    <p:set>
+                                      <p:cBhvr>
+                                        <p:cTn id="10" dur="1" fill="hold">
+                                          <p:stCondLst>
+                                            <p:cond delay="0"/>
+                                          </p:stCondLst>
+                                        </p:cTn>
+                                        <p:tgtEl>
+                                          <p:spTgt spid="3">
+                                            <p:txEl>
+                                              <p:pRg st="2" end="2"/>
+                                            </p:txEl>
+                                          </p:spTgt>
+                                        </p:tgtEl>
+                                        <p:attrNameLst>
+                                          <p:attrName>style.visibility</p:attrName>
+                                        </p:attrNameLst>
+                                      </p:cBhvr>
+                                      <p:to>
+                                        <p:strVal val="visible"/>
+                                      </p:to>
+                                    </p:set>
+                                  </p:childTnLst>
+                                </p:cTn>
+                              </p:par>
+                              <p:par>
+                                <p:cTn id="11" presetID="1" presetClass="entr" presetSubtype="0" fill="hold" grpId="0" nodeType="withEffect">
+                                  <p:stCondLst>
+                                    <p:cond delay="0"/>
+                                  </p:stCondLst>
+                                  <p:childTnLst>
+                                    <p:set>
+                                      <p:cBhvr>
+                                        <p:cTn id="12" dur="1" fill="hold">
+                                          <p:stCondLst>
+                                            <p:cond delay="0"/>
+                                          </p:stCondLst>
+                                        </p:cTn>
+                                        <p:tgtEl>
+                                          <p:spTgt spid="3">
+                                            <p:txEl>
+                                              <p:pRg st="3" end="3"/>
+                                            </p:txEl>
+                                          </p:spTgt>
+                                        </p:tgtEl>
+                                        <p:attrNameLst>
+                                          <p:attrName>style.visibility</p:attrName>
+                                        </p:attrNameLst>
+                                      </p:cBhvr>
+                                      <p:to>
+                                        <p:strVal val="visible"/>
+                                      </p:to>
+                                    </p:set>
+                                  </p:childTnLst>
+                                </p:cTn>
+                              </p:par>
+                            </p:childTnLst>
+                          </p:cTn>
+                        </p:par>
+                      </p:childTnLst>
+                    </p:cTn>
+                  </p:par>
+                  <p:par>
+                    <p:cTn id="13" fill="hold">
+                      <p:stCondLst>
+                        <p:cond delay="indefinite"/>
+                      </p:stCondLst>
+                      <p:childTnLst>
+                        <p:par>
+                          <p:cTn id="14" fill="hold">
+                            <p:stCondLst>
+                              <p:cond delay="0"/>
+                            </p:stCondLst>
+                            <p:childTnLst>
+                              <p:par>
+                                <p:cTn id="15" presetID="1" presetClass="entr" presetSubtype="0" fill="hold" grpId="0" nodeType="clickEffect">
+                                  <p:stCondLst>
+                                    <p:cond delay="0"/>
+                                  </p:stCondLst>
+                                  <p:childTnLst>
+                                    <p:set>
+                                      <p:cBhvr>
+                                        <p:cTn id="16" dur="1" fill="hold">
+                                          <p:stCondLst>
+                                            <p:cond delay="0"/>
+                                          </p:stCondLst>
+                                        </p:cTn>
+                                        <p:tgtEl>
+                                          <p:spTgt spid="3">
+                                            <p:txEl>
+                                              <p:pRg st="4" end="4"/>
+                                            </p:txEl>
+                                          </p:spTgt>
+                                        </p:tgtEl>
+                                        <p:attrNameLst>
+                                          <p:attrName>style.visibility</p:attrName>
+                                        </p:attrNameLst>
+                                      </p:cBhvr>
+                                      <p:to>
+                                        <p:strVal val="visible"/>
+                                      </p:to>
+                                    </p:set>
+                                  </p:childTnLst>
+                                </p:cTn>
+                              </p:par>
+                              <p:par>
+                                <p:cTn id="17" presetID="1" presetClass="entr" presetSubtype="0" fill="hold" grpId="0" nodeType="withEffect">
+                                  <p:stCondLst>
+                                    <p:cond delay="0"/>
+                                  </p:stCondLst>
+                                  <p:childTnLst>
+                                    <p:set>
+                                      <p:cBhvr>
+                                        <p:cTn id="18" dur="1" fill="hold">
+                                          <p:stCondLst>
+                                            <p:cond delay="0"/>
+                                          </p:stCondLst>
+                                        </p:cTn>
+                                        <p:tgtEl>
+                                          <p:spTgt spid="3">
+                                            <p:txEl>
+                                              <p:pRg st="5" end="5"/>
+                                            </p:txEl>
+                                          </p:spTgt>
+                                        </p:tgtEl>
+                                        <p:attrNameLst>
+                                          <p:attrName>style.visibility</p:attrName>
+                                        </p:attrNameLst>
+                                      </p:cBhvr>
+                                      <p:to>
+                                        <p:strVal val="visible"/>
+                                      </p:to>
+                                    </p:set>
+                                  </p:childTnLst>
+                                </p:cTn>
+                              </p:par>
+                            </p:childTnLst>
+                          </p:cTn>
+                        </p:par>
+                      </p:childTnLst>
+                    </p:cTn>
+                  </p:par>
+                  <p:par>
+                    <p:cTn id="19" fill="hold">
+                      <p:stCondLst>
+                        <p:cond delay="indefinite"/>
+                      </p:stCondLst>
+                      <p:childTnLst>
+                        <p:par>
+                          <p:cTn id="20" fill="hold">
+                            <p:stCondLst>
+                              <p:cond delay="0"/>
+                            </p:stCondLst>
+                            <p:childTnLst>
+                              <p:par>
+                                <p:cTn id="21" presetID="1" presetClass="entr" presetSubtype="0" fill="hold" grpId="0" nodeType="clickEffect">
+                                  <p:stCondLst>
+                                    <p:cond delay="0"/>
+                                  </p:stCondLst>
+                                  <p:childTnLst>
+                                    <p:set>
+                                      <p:cBhvr>
+                                        <p:cTn id="22" dur="1" fill="hold">
+                                          <p:stCondLst>
+                                            <p:cond delay="0"/>
+                                          </p:stCondLst>
+                                        </p:cTn>
+                                        <p:tgtEl>
+                                          <p:spTgt spid="3">
+                                            <p:txEl>
+                                              <p:pRg st="6" end="6"/>
+                                            </p:txEl>
+                                          </p:spTgt>
+                                        </p:tgtEl>
+                                        <p:attrNameLst>
+                                          <p:attrName>style.visibility</p:attrName>
+                                        </p:attrNameLst>
+                                      </p:cBhvr>
+                                      <p:to>
+                                        <p:strVal val="visible"/>
+                                      </p:to>
+                                    </p:set>
+                                  </p:childTnLst>
+                                </p:cTn>
+                              </p:par>
+                              <p:par>
+                                <p:cTn id="23" presetID="1" presetClass="entr" presetSubtype="0" fill="hold" grpId="0" nodeType="withEffect">
+                                  <p:stCondLst>
+                                    <p:cond delay="0"/>
+                                  </p:stCondLst>
+                                  <p:childTnLst>
+                                    <p:set>
+                                      <p:cBhvr>
+                                        <p:cTn id="24" dur="1" fill="hold">
+                                          <p:stCondLst>
+                                            <p:cond delay="0"/>
+                                          </p:stCondLst>
+                                        </p:cTn>
+                                        <p:tgtEl>
+                                          <p:spTgt spid="3">
+                                            <p:txEl>
+                                              <p:pRg st="7" end="7"/>
+                                            </p:txEl>
+                                          </p:spTgt>
+                                        </p:tgtEl>
+                                        <p:attrNameLst>
+                                          <p:attrName>style.visibility</p:attrName>
+                                        </p:attrNameLst>
+                                      </p:cBhvr>
+                                      <p:to>
+                                        <p:strVal val="visible"/>
+                                      </p:to>
+                                    </p:set>
+                                  </p:childTnLst>
+                                </p:cTn>
+                              </p:par>
+                            </p:childTnLst>
+                          </p:cTn>
+                        </p:par>
+                      </p:childTnLst>
+                    </p:cTn>
+                  </p:par>
+                </p:childTnLst>
+              </p:cTn>
+              <p:prevCondLst>
+                <p:cond evt="onPrev" delay="0">
+                  <p:tgtEl>
+                    <p:sldTgt/>
+                  </p:tgtEl>
+                </p:cond>
+              </p:prevCondLst>
+              <p:nextCondLst>
+                <p:cond evt="onNext" delay="0">
+                  <p:tgtEl>
+                    <p:sldTgt/>
+                  </p:tgtEl>
+                </p:cond>
+              </p:nextCondLst>
+            </p:seq>
+          </p:childTnLst>
+        </p:cTn>
+      </p:par>
+    </p:tnLst>
+    <p:bldLst>
+      <p:bldP spid="3" grpId="0" build="p"/>
+    </p:bldLst>
+  </p:timing>
 </p:sld>
 </file>
 
@@ -13353,6 +15826,385 @@
   <p:clrMapOvr>
     <a:masterClrMapping/>
   </p:clrMapOvr>
+  <p:timing>
+    <p:tnLst>
+      <p:par>
+        <p:cTn xmlns:p14="http://schemas.microsoft.com/office/powerpoint/2010/main" id="1" dur="indefinite" restart="never" nodeType="tmRoot">
+          <p:childTnLst>
+            <p:seq concurrent="1" nextAc="seek">
+              <p:cTn id="2" dur="indefinite" nodeType="mainSeq">
+                <p:childTnLst>
+                  <p:par>
+                    <p:cTn id="3" fill="hold">
+                      <p:stCondLst>
+                        <p:cond delay="indefinite"/>
+                        <p:cond evt="onBegin" delay="0">
+                          <p:tn val="2"/>
+                        </p:cond>
+                      </p:stCondLst>
+                      <p:childTnLst>
+                        <p:par>
+                          <p:cTn id="4" fill="hold">
+                            <p:stCondLst>
+                              <p:cond delay="0"/>
+                            </p:stCondLst>
+                            <p:childTnLst>
+                              <p:par>
+                                <p:cTn id="5" presetID="1" presetClass="entr" presetSubtype="0" fill="hold" nodeType="withEffect">
+                                  <p:stCondLst>
+                                    <p:cond delay="0"/>
+                                  </p:stCondLst>
+                                  <p:childTnLst>
+                                    <p:set>
+                                      <p:cBhvr>
+                                        <p:cTn id="6" dur="1" fill="hold">
+                                          <p:stCondLst>
+                                            <p:cond delay="0"/>
+                                          </p:stCondLst>
+                                        </p:cTn>
+                                        <p:tgtEl>
+                                          <p:spTgt spid="3">
+                                            <p:txEl>
+                                              <p:pRg st="0" end="0"/>
+                                            </p:txEl>
+                                          </p:spTgt>
+                                        </p:tgtEl>
+                                        <p:attrNameLst>
+                                          <p:attrName>style.visibility</p:attrName>
+                                        </p:attrNameLst>
+                                      </p:cBhvr>
+                                      <p:to>
+                                        <p:strVal val="visible"/>
+                                      </p:to>
+                                    </p:set>
+                                  </p:childTnLst>
+                                </p:cTn>
+                              </p:par>
+                              <p:par>
+                                <p:cTn id="7" presetID="1" presetClass="entr" presetSubtype="0" fill="hold" nodeType="withEffect">
+                                  <p:stCondLst>
+                                    <p:cond delay="0"/>
+                                  </p:stCondLst>
+                                  <p:childTnLst>
+                                    <p:set>
+                                      <p:cBhvr>
+                                        <p:cTn id="8" dur="1" fill="hold">
+                                          <p:stCondLst>
+                                            <p:cond delay="0"/>
+                                          </p:stCondLst>
+                                        </p:cTn>
+                                        <p:tgtEl>
+                                          <p:spTgt spid="3">
+                                            <p:txEl>
+                                              <p:pRg st="1" end="1"/>
+                                            </p:txEl>
+                                          </p:spTgt>
+                                        </p:tgtEl>
+                                        <p:attrNameLst>
+                                          <p:attrName>style.visibility</p:attrName>
+                                        </p:attrNameLst>
+                                      </p:cBhvr>
+                                      <p:to>
+                                        <p:strVal val="visible"/>
+                                      </p:to>
+                                    </p:set>
+                                  </p:childTnLst>
+                                </p:cTn>
+                              </p:par>
+                              <p:par>
+                                <p:cTn id="9" presetID="1" presetClass="entr" presetSubtype="0" fill="hold" nodeType="withEffect">
+                                  <p:stCondLst>
+                                    <p:cond delay="0"/>
+                                  </p:stCondLst>
+                                  <p:childTnLst>
+                                    <p:set>
+                                      <p:cBhvr>
+                                        <p:cTn id="10" dur="1" fill="hold">
+                                          <p:stCondLst>
+                                            <p:cond delay="0"/>
+                                          </p:stCondLst>
+                                        </p:cTn>
+                                        <p:tgtEl>
+                                          <p:spTgt spid="3">
+                                            <p:txEl>
+                                              <p:pRg st="2" end="2"/>
+                                            </p:txEl>
+                                          </p:spTgt>
+                                        </p:tgtEl>
+                                        <p:attrNameLst>
+                                          <p:attrName>style.visibility</p:attrName>
+                                        </p:attrNameLst>
+                                      </p:cBhvr>
+                                      <p:to>
+                                        <p:strVal val="visible"/>
+                                      </p:to>
+                                    </p:set>
+                                  </p:childTnLst>
+                                </p:cTn>
+                              </p:par>
+                              <p:par>
+                                <p:cTn id="11" presetID="1" presetClass="entr" presetSubtype="0" fill="hold" nodeType="withEffect">
+                                  <p:stCondLst>
+                                    <p:cond delay="0"/>
+                                  </p:stCondLst>
+                                  <p:childTnLst>
+                                    <p:set>
+                                      <p:cBhvr>
+                                        <p:cTn id="12" dur="1" fill="hold">
+                                          <p:stCondLst>
+                                            <p:cond delay="0"/>
+                                          </p:stCondLst>
+                                        </p:cTn>
+                                        <p:tgtEl>
+                                          <p:spTgt spid="3">
+                                            <p:txEl>
+                                              <p:pRg st="3" end="3"/>
+                                            </p:txEl>
+                                          </p:spTgt>
+                                        </p:tgtEl>
+                                        <p:attrNameLst>
+                                          <p:attrName>style.visibility</p:attrName>
+                                        </p:attrNameLst>
+                                      </p:cBhvr>
+                                      <p:to>
+                                        <p:strVal val="visible"/>
+                                      </p:to>
+                                    </p:set>
+                                  </p:childTnLst>
+                                </p:cTn>
+                              </p:par>
+                              <p:par>
+                                <p:cTn id="13" presetID="1" presetClass="entr" presetSubtype="0" fill="hold" nodeType="withEffect">
+                                  <p:stCondLst>
+                                    <p:cond delay="0"/>
+                                  </p:stCondLst>
+                                  <p:childTnLst>
+                                    <p:set>
+                                      <p:cBhvr>
+                                        <p:cTn id="14" dur="1" fill="hold">
+                                          <p:stCondLst>
+                                            <p:cond delay="0"/>
+                                          </p:stCondLst>
+                                        </p:cTn>
+                                        <p:tgtEl>
+                                          <p:spTgt spid="3">
+                                            <p:txEl>
+                                              <p:pRg st="4" end="4"/>
+                                            </p:txEl>
+                                          </p:spTgt>
+                                        </p:tgtEl>
+                                        <p:attrNameLst>
+                                          <p:attrName>style.visibility</p:attrName>
+                                        </p:attrNameLst>
+                                      </p:cBhvr>
+                                      <p:to>
+                                        <p:strVal val="visible"/>
+                                      </p:to>
+                                    </p:set>
+                                  </p:childTnLst>
+                                </p:cTn>
+                              </p:par>
+                              <p:par>
+                                <p:cTn id="15" presetID="1" presetClass="entr" presetSubtype="0" fill="hold" nodeType="withEffect">
+                                  <p:stCondLst>
+                                    <p:cond delay="0"/>
+                                  </p:stCondLst>
+                                  <p:childTnLst>
+                                    <p:set>
+                                      <p:cBhvr>
+                                        <p:cTn id="16" dur="1" fill="hold">
+                                          <p:stCondLst>
+                                            <p:cond delay="0"/>
+                                          </p:stCondLst>
+                                        </p:cTn>
+                                        <p:tgtEl>
+                                          <p:spTgt spid="3">
+                                            <p:txEl>
+                                              <p:pRg st="5" end="5"/>
+                                            </p:txEl>
+                                          </p:spTgt>
+                                        </p:tgtEl>
+                                        <p:attrNameLst>
+                                          <p:attrName>style.visibility</p:attrName>
+                                        </p:attrNameLst>
+                                      </p:cBhvr>
+                                      <p:to>
+                                        <p:strVal val="visible"/>
+                                      </p:to>
+                                    </p:set>
+                                  </p:childTnLst>
+                                </p:cTn>
+                              </p:par>
+                            </p:childTnLst>
+                          </p:cTn>
+                        </p:par>
+                      </p:childTnLst>
+                    </p:cTn>
+                  </p:par>
+                  <p:par>
+                    <p:cTn id="17" fill="hold">
+                      <p:stCondLst>
+                        <p:cond delay="indefinite"/>
+                      </p:stCondLst>
+                      <p:childTnLst>
+                        <p:par>
+                          <p:cTn id="18" fill="hold">
+                            <p:stCondLst>
+                              <p:cond delay="0"/>
+                            </p:stCondLst>
+                            <p:childTnLst>
+                              <p:par>
+                                <p:cTn id="19" presetID="1" presetClass="entr" presetSubtype="0" fill="hold" nodeType="clickEffect">
+                                  <p:stCondLst>
+                                    <p:cond delay="0"/>
+                                  </p:stCondLst>
+                                  <p:childTnLst>
+                                    <p:set>
+                                      <p:cBhvr>
+                                        <p:cTn id="20" dur="1" fill="hold">
+                                          <p:stCondLst>
+                                            <p:cond delay="0"/>
+                                          </p:stCondLst>
+                                        </p:cTn>
+                                        <p:tgtEl>
+                                          <p:spTgt spid="3">
+                                            <p:txEl>
+                                              <p:pRg st="6" end="6"/>
+                                            </p:txEl>
+                                          </p:spTgt>
+                                        </p:tgtEl>
+                                        <p:attrNameLst>
+                                          <p:attrName>style.visibility</p:attrName>
+                                        </p:attrNameLst>
+                                      </p:cBhvr>
+                                      <p:to>
+                                        <p:strVal val="visible"/>
+                                      </p:to>
+                                    </p:set>
+                                  </p:childTnLst>
+                                </p:cTn>
+                              </p:par>
+                              <p:par>
+                                <p:cTn id="21" presetID="1" presetClass="entr" presetSubtype="0" fill="hold" nodeType="withEffect">
+                                  <p:stCondLst>
+                                    <p:cond delay="0"/>
+                                  </p:stCondLst>
+                                  <p:childTnLst>
+                                    <p:set>
+                                      <p:cBhvr>
+                                        <p:cTn id="22" dur="1" fill="hold">
+                                          <p:stCondLst>
+                                            <p:cond delay="0"/>
+                                          </p:stCondLst>
+                                        </p:cTn>
+                                        <p:tgtEl>
+                                          <p:spTgt spid="3">
+                                            <p:txEl>
+                                              <p:pRg st="7" end="7"/>
+                                            </p:txEl>
+                                          </p:spTgt>
+                                        </p:tgtEl>
+                                        <p:attrNameLst>
+                                          <p:attrName>style.visibility</p:attrName>
+                                        </p:attrNameLst>
+                                      </p:cBhvr>
+                                      <p:to>
+                                        <p:strVal val="visible"/>
+                                      </p:to>
+                                    </p:set>
+                                  </p:childTnLst>
+                                </p:cTn>
+                              </p:par>
+                              <p:par>
+                                <p:cTn id="23" presetID="1" presetClass="entr" presetSubtype="0" fill="hold" nodeType="withEffect">
+                                  <p:stCondLst>
+                                    <p:cond delay="0"/>
+                                  </p:stCondLst>
+                                  <p:childTnLst>
+                                    <p:set>
+                                      <p:cBhvr>
+                                        <p:cTn id="24" dur="1" fill="hold">
+                                          <p:stCondLst>
+                                            <p:cond delay="0"/>
+                                          </p:stCondLst>
+                                        </p:cTn>
+                                        <p:tgtEl>
+                                          <p:spTgt spid="3">
+                                            <p:txEl>
+                                              <p:pRg st="8" end="8"/>
+                                            </p:txEl>
+                                          </p:spTgt>
+                                        </p:tgtEl>
+                                        <p:attrNameLst>
+                                          <p:attrName>style.visibility</p:attrName>
+                                        </p:attrNameLst>
+                                      </p:cBhvr>
+                                      <p:to>
+                                        <p:strVal val="visible"/>
+                                      </p:to>
+                                    </p:set>
+                                  </p:childTnLst>
+                                </p:cTn>
+                              </p:par>
+                              <p:par>
+                                <p:cTn id="25" presetID="1" presetClass="entr" presetSubtype="0" fill="hold" nodeType="withEffect">
+                                  <p:stCondLst>
+                                    <p:cond delay="0"/>
+                                  </p:stCondLst>
+                                  <p:childTnLst>
+                                    <p:set>
+                                      <p:cBhvr>
+                                        <p:cTn id="26" dur="1" fill="hold">
+                                          <p:stCondLst>
+                                            <p:cond delay="0"/>
+                                          </p:stCondLst>
+                                        </p:cTn>
+                                        <p:tgtEl>
+                                          <p:spTgt spid="3">
+                                            <p:txEl>
+                                              <p:pRg st="9" end="9"/>
+                                            </p:txEl>
+                                          </p:spTgt>
+                                        </p:tgtEl>
+                                        <p:attrNameLst>
+                                          <p:attrName>style.visibility</p:attrName>
+                                        </p:attrNameLst>
+                                      </p:cBhvr>
+                                      <p:to>
+                                        <p:strVal val="visible"/>
+                                      </p:to>
+                                    </p:set>
+                                  </p:childTnLst>
+                                </p:cTn>
+                              </p:par>
+                            </p:childTnLst>
+                          </p:cTn>
+                        </p:par>
+                      </p:childTnLst>
+                    </p:cTn>
+                  </p:par>
+                </p:childTnLst>
+              </p:cTn>
+              <p:prevCondLst>
+                <p:cond evt="onPrev" delay="0">
+                  <p:tgtEl>
+                    <p:sldTgt/>
+                  </p:tgtEl>
+                </p:cond>
+              </p:prevCondLst>
+              <p:nextCondLst>
+                <p:cond evt="onNext" delay="0">
+                  <p:tgtEl>
+                    <p:sldTgt/>
+                  </p:tgtEl>
+                </p:cond>
+              </p:nextCondLst>
+            </p:seq>
+          </p:childTnLst>
+        </p:cTn>
+      </p:par>
+    </p:tnLst>
+  </p:timing>
 </p:sld>
 </file>
 

--- a/tutorial-10-load_balancing.pptx
+++ b/tutorial-10-load_balancing.pptx
@@ -223,7 +223,7 @@
           <a:p>
             <a:fld id="{775CE290-E0F5-444C-B849-A8F17CD4104C}" type="datetimeFigureOut">
               <a:rPr lang="en-US" smtClean="0"/>
-              <a:t>9/10/14</a:t>
+              <a:t>9/12/14</a:t>
             </a:fld>
             <a:endParaRPr lang="en-US"/>
           </a:p>
@@ -389,7 +389,7 @@
           <a:p>
             <a:fld id="{AD53A24C-4135-094C-957B-35852E7EDFA4}" type="datetimeFigureOut">
               <a:rPr lang="en-US" smtClean="0"/>
-              <a:t>9/10/14</a:t>
+              <a:t>9/12/14</a:t>
             </a:fld>
             <a:endParaRPr lang="en-US"/>
           </a:p>
@@ -848,9 +848,9 @@
           <a:bodyPr/>
           <a:lstStyle/>
           <a:p>
-            <a:fld id="{B594EA25-E4F4-3746-A0BA-A11E27330E0F}" type="datetime2">
-              <a:rPr lang="en-US" smtClean="0"/>
-              <a:t>Wednesday, September 10, 14</a:t>
+            <a:fld id="{0DD10391-1DB6-5D4D-A9E2-6F70F970C135}" type="datetime2">
+              <a:rPr lang="en-US" smtClean="0"/>
+              <a:t>Friday, September 12, 14</a:t>
             </a:fld>
             <a:endParaRPr lang="en-US"/>
           </a:p>
@@ -874,7 +874,7 @@
             <a:pPr algn="r"/>
             <a:r>
               <a:rPr lang="en-US" smtClean="0"/>
-              <a:t>Sanjay Kalé and PPL (UIUC) – Parallel Migratable Objects </a:t>
+              <a:t>Laxmikant Kalé and PPL (UIUC) – Parallel Migratable Objects </a:t>
             </a:r>
             <a:endParaRPr lang="en-US" dirty="0"/>
           </a:p>
@@ -1153,7 +1153,7 @@
                 <a:latin typeface="Times New Roman"/>
                 <a:cs typeface="Times New Roman"/>
               </a:rPr>
-              <a:t>September 10, 2014</a:t>
+              <a:t>September 12, 2014</a:t>
             </a:fld>
             <a:endParaRPr lang="en-US" dirty="0">
               <a:latin typeface="Times New Roman"/>
@@ -1427,7 +1427,7 @@
                 <a:latin typeface="Times New Roman"/>
                 <a:cs typeface="Times New Roman"/>
               </a:rPr>
-              <a:t>September 10, 2014</a:t>
+              <a:t>September 12, 2014</a:t>
             </a:fld>
             <a:endParaRPr lang="en-US" dirty="0">
               <a:latin typeface="Times New Roman"/>
@@ -1660,9 +1660,9 @@
           <a:bodyPr/>
           <a:lstStyle/>
           <a:p>
-            <a:fld id="{EA699BF9-66CB-F244-8E74-7B1BE1C77046}" type="datetime2">
-              <a:rPr lang="en-US" smtClean="0"/>
-              <a:t>Wednesday, September 10, 14</a:t>
+            <a:fld id="{09352B9C-CD04-B245-AC60-38B988669D7C}" type="datetime2">
+              <a:rPr lang="en-US" smtClean="0"/>
+              <a:t>Friday, September 12, 14</a:t>
             </a:fld>
             <a:endParaRPr lang="en-US"/>
           </a:p>
@@ -1686,7 +1686,7 @@
             <a:pPr algn="r"/>
             <a:r>
               <a:rPr lang="en-US" smtClean="0"/>
-              <a:t>Sanjay Kalé and PPL (UIUC) – Parallel Migratable Objects </a:t>
+              <a:t>Laxmikant Kalé and PPL (UIUC) – Parallel Migratable Objects </a:t>
             </a:r>
             <a:endParaRPr lang="en-US" dirty="0"/>
           </a:p>
@@ -1971,9 +1971,9 @@
           <a:bodyPr/>
           <a:lstStyle/>
           <a:p>
-            <a:fld id="{D300BE84-9843-8B4F-B3C8-647B06AC46C9}" type="datetime2">
-              <a:rPr lang="en-US" smtClean="0"/>
-              <a:t>Wednesday, September 10, 14</a:t>
+            <a:fld id="{6376F45E-3272-9947-B6E5-BA07629914D0}" type="datetime2">
+              <a:rPr lang="en-US" smtClean="0"/>
+              <a:t>Friday, September 12, 14</a:t>
             </a:fld>
             <a:endParaRPr lang="en-US"/>
           </a:p>
@@ -1997,7 +1997,7 @@
             <a:pPr algn="r"/>
             <a:r>
               <a:rPr lang="en-US" smtClean="0"/>
-              <a:t>Sanjay Kalé and PPL (UIUC) – Parallel Migratable Objects </a:t>
+              <a:t>Laxmikant Kalé and PPL (UIUC) – Parallel Migratable Objects </a:t>
             </a:r>
             <a:endParaRPr lang="en-US" dirty="0"/>
           </a:p>
@@ -2142,9 +2142,9 @@
           <a:bodyPr/>
           <a:lstStyle/>
           <a:p>
-            <a:fld id="{C460AE39-2092-A945-8296-F25085B9A0F1}" type="datetime2">
-              <a:rPr lang="en-US" smtClean="0"/>
-              <a:t>Wednesday, September 10, 14</a:t>
+            <a:fld id="{B9D99FF2-6226-2F4D-9FE3-0C72920365A3}" type="datetime2">
+              <a:rPr lang="en-US" smtClean="0"/>
+              <a:t>Friday, September 12, 14</a:t>
             </a:fld>
             <a:endParaRPr lang="en-US"/>
           </a:p>
@@ -2168,7 +2168,7 @@
             <a:pPr algn="r"/>
             <a:r>
               <a:rPr lang="en-US" smtClean="0"/>
-              <a:t>Sanjay Kalé and PPL (UIUC) – Parallel Migratable Objects </a:t>
+              <a:t>Laxmikant Kalé and PPL (UIUC) – Parallel Migratable Objects </a:t>
             </a:r>
             <a:endParaRPr lang="en-US" dirty="0"/>
           </a:p>
@@ -2323,9 +2323,9 @@
           <a:bodyPr/>
           <a:lstStyle/>
           <a:p>
-            <a:fld id="{63BC7E9D-3218-5E49-A867-E087AB2F4618}" type="datetime2">
-              <a:rPr lang="en-US" smtClean="0"/>
-              <a:t>Wednesday, September 10, 14</a:t>
+            <a:fld id="{077ECA9D-FA2C-9C4A-BEE4-2FE5C77C975F}" type="datetime2">
+              <a:rPr lang="en-US" smtClean="0"/>
+              <a:t>Friday, September 12, 14</a:t>
             </a:fld>
             <a:endParaRPr lang="en-US"/>
           </a:p>
@@ -2349,7 +2349,7 @@
             <a:pPr algn="r"/>
             <a:r>
               <a:rPr lang="en-US" smtClean="0"/>
-              <a:t>Sanjay Kalé and PPL (UIUC) – Parallel Migratable Objects </a:t>
+              <a:t>Laxmikant Kalé and PPL (UIUC) – Parallel Migratable Objects </a:t>
             </a:r>
             <a:endParaRPr lang="en-US" dirty="0"/>
           </a:p>
@@ -2577,9 +2577,9 @@
           <a:bodyPr/>
           <a:lstStyle/>
           <a:p>
-            <a:fld id="{B594EA25-E4F4-3746-A0BA-A11E27330E0F}" type="datetime2">
-              <a:rPr lang="en-US" smtClean="0"/>
-              <a:t>Wednesday, September 10, 14</a:t>
+            <a:fld id="{C1EEF417-DF1E-2349-8DF9-68F21AC21008}" type="datetime2">
+              <a:rPr lang="en-US" smtClean="0"/>
+              <a:t>Friday, September 12, 14</a:t>
             </a:fld>
             <a:endParaRPr lang="en-US"/>
           </a:p>
@@ -2603,7 +2603,7 @@
             <a:pPr algn="r"/>
             <a:r>
               <a:rPr lang="en-US" smtClean="0"/>
-              <a:t>Sanjay Kalé and PPL (UIUC) – Parallel Migratable Objects </a:t>
+              <a:t>Laxmikant Kalé and PPL (UIUC) – Parallel Migratable Objects </a:t>
             </a:r>
             <a:endParaRPr lang="en-US" dirty="0"/>
           </a:p>
@@ -2882,7 +2882,7 @@
                 <a:latin typeface="Times New Roman"/>
                 <a:cs typeface="Times New Roman"/>
               </a:rPr>
-              <a:t>September 10, 2014</a:t>
+              <a:t>September 12, 2014</a:t>
             </a:fld>
             <a:endParaRPr lang="en-US" dirty="0">
               <a:latin typeface="Times New Roman"/>
@@ -3006,9 +3006,9 @@
           <a:bodyPr/>
           <a:lstStyle/>
           <a:p>
-            <a:fld id="{BD5AFB16-13FE-DF4A-8CB7-09756A57B2EA}" type="datetime2">
-              <a:rPr lang="en-US" smtClean="0"/>
-              <a:t>Wednesday, September 10, 14</a:t>
+            <a:fld id="{3376C989-B4E2-B249-B32C-2DD4A5A9E8BA}" type="datetime2">
+              <a:rPr lang="en-US" smtClean="0"/>
+              <a:t>Friday, September 12, 14</a:t>
             </a:fld>
             <a:endParaRPr lang="en-US" dirty="0"/>
           </a:p>
@@ -3032,7 +3032,7 @@
             <a:pPr algn="r"/>
             <a:r>
               <a:rPr lang="en-US" smtClean="0"/>
-              <a:t>Sanjay Kalé and PPL (UIUC) – Parallel Migratable Objects </a:t>
+              <a:t>Laxmikant Kalé and PPL (UIUC) – Parallel Migratable Objects </a:t>
             </a:r>
             <a:endParaRPr lang="en-US" dirty="0"/>
           </a:p>
@@ -3535,9 +3535,9 @@
             </a:lvl1pPr>
           </a:lstStyle>
           <a:p>
-            <a:fld id="{30545249-FD76-6844-B252-CAB05FC2DAA8}" type="datetime2">
-              <a:rPr lang="en-US" smtClean="0"/>
-              <a:t>Wednesday, September 10, 14</a:t>
+            <a:fld id="{E225BBF8-0077-E04A-A593-3651D4FC6485}" type="datetime2">
+              <a:rPr lang="en-US" smtClean="0"/>
+              <a:t>Friday, September 12, 14</a:t>
             </a:fld>
             <a:endParaRPr lang="en-US" dirty="0"/>
           </a:p>
@@ -3568,7 +3568,7 @@
             <a:pPr algn="r"/>
             <a:r>
               <a:rPr lang="en-US" smtClean="0"/>
-              <a:t>Sanjay Kalé and PPL (UIUC) – Parallel Migratable Objects </a:t>
+              <a:t>Laxmikant Kalé and PPL (UIUC) – Parallel Migratable Objects </a:t>
             </a:r>
             <a:endParaRPr lang="en-US" dirty="0"/>
           </a:p>
@@ -3831,9 +3831,9 @@
           <a:bodyPr/>
           <a:lstStyle/>
           <a:p>
-            <a:fld id="{34621E95-60A9-FF44-9869-513D9D7A859F}" type="datetime2">
-              <a:rPr lang="en-US" smtClean="0"/>
-              <a:t>Wednesday, September 10, 14</a:t>
+            <a:fld id="{F07A3535-A015-FA4D-9690-9ABCD06B779D}" type="datetime2">
+              <a:rPr lang="en-US" smtClean="0"/>
+              <a:t>Friday, September 12, 14</a:t>
             </a:fld>
             <a:endParaRPr lang="en-US"/>
           </a:p>
@@ -3857,7 +3857,7 @@
             <a:pPr algn="r"/>
             <a:r>
               <a:rPr lang="en-US" smtClean="0"/>
-              <a:t>Sanjay Kalé and PPL (UIUC) – Parallel Migratable Objects </a:t>
+              <a:t>Laxmikant Kalé and PPL (UIUC) – Parallel Migratable Objects </a:t>
             </a:r>
             <a:endParaRPr lang="en-US" dirty="0"/>
           </a:p>
@@ -3950,9 +3950,9 @@
           <a:bodyPr/>
           <a:lstStyle/>
           <a:p>
-            <a:fld id="{BD5AFB16-13FE-DF4A-8CB7-09756A57B2EA}" type="datetime2">
-              <a:rPr lang="en-US" smtClean="0"/>
-              <a:t>Wednesday, September 10, 14</a:t>
+            <a:fld id="{9B43A5F4-2A4C-434B-9701-2F3B5707B10A}" type="datetime2">
+              <a:rPr lang="en-US" smtClean="0"/>
+              <a:t>Friday, September 12, 14</a:t>
             </a:fld>
             <a:endParaRPr lang="en-US" dirty="0"/>
           </a:p>
@@ -3976,7 +3976,7 @@
             <a:pPr algn="r"/>
             <a:r>
               <a:rPr lang="en-US" smtClean="0"/>
-              <a:t>Sanjay Kalé and PPL (UIUC) – Parallel Migratable Objects </a:t>
+              <a:t>Laxmikant Kalé and PPL (UIUC) – Parallel Migratable Objects </a:t>
             </a:r>
             <a:endParaRPr lang="en-US" dirty="0"/>
           </a:p>
@@ -4437,9 +4437,9 @@
           <a:bodyPr/>
           <a:lstStyle/>
           <a:p>
-            <a:fld id="{1BDEC705-8EA9-6C46-8E3B-2CAC7E2C0F7D}" type="datetime2">
-              <a:rPr lang="en-US" smtClean="0"/>
-              <a:t>Wednesday, September 10, 14</a:t>
+            <a:fld id="{E4576827-857F-0449-A93D-BEC4A726D8A4}" type="datetime2">
+              <a:rPr lang="en-US" smtClean="0"/>
+              <a:t>Friday, September 12, 14</a:t>
             </a:fld>
             <a:endParaRPr lang="en-US"/>
           </a:p>
@@ -4463,7 +4463,7 @@
             <a:pPr algn="r"/>
             <a:r>
               <a:rPr lang="en-US" smtClean="0"/>
-              <a:t>Sanjay Kalé and PPL (UIUC) – Parallel Migratable Objects </a:t>
+              <a:t>Laxmikant Kalé and PPL (UIUC) – Parallel Migratable Objects </a:t>
             </a:r>
             <a:endParaRPr lang="en-US" dirty="0"/>
           </a:p>
@@ -4768,9 +4768,9 @@
             </a:lvl1pPr>
           </a:lstStyle>
           <a:p>
-            <a:fld id="{BF613BD3-C5FD-9543-B738-679BF38D8C83}" type="datetime2">
-              <a:rPr lang="en-US" smtClean="0"/>
-              <a:t>Wednesday, September 10, 14</a:t>
+            <a:fld id="{9B371B0E-505F-324B-89F6-3E7FD6808118}" type="datetime2">
+              <a:rPr lang="en-US" smtClean="0"/>
+              <a:t>Friday, September 12, 14</a:t>
             </a:fld>
             <a:endParaRPr lang="en-US" dirty="0"/>
           </a:p>
@@ -4801,7 +4801,7 @@
             <a:pPr algn="r"/>
             <a:r>
               <a:rPr lang="en-US" smtClean="0"/>
-              <a:t>Sanjay Kalé and PPL (UIUC) – Parallel Migratable Objects </a:t>
+              <a:t>Laxmikant Kalé and PPL (UIUC) – Parallel Migratable Objects </a:t>
             </a:r>
             <a:endParaRPr lang="en-US" dirty="0"/>
           </a:p>
@@ -5247,9 +5247,9 @@
           <a:bodyPr/>
           <a:lstStyle/>
           <a:p>
-            <a:fld id="{4B5E4F0C-9A9C-5448-99FD-D30288B385C9}" type="datetime2">
-              <a:rPr lang="en-US" smtClean="0"/>
-              <a:t>Wednesday, September 10, 14</a:t>
+            <a:fld id="{E131629D-2F3E-4940-A9A4-305535DFDFBF}" type="datetime2">
+              <a:rPr lang="en-US" smtClean="0"/>
+              <a:t>Friday, September 12, 14</a:t>
             </a:fld>
             <a:endParaRPr lang="en-US"/>
           </a:p>
@@ -5273,7 +5273,7 @@
             <a:pPr algn="r"/>
             <a:r>
               <a:rPr lang="en-US" smtClean="0"/>
-              <a:t>Sanjay Kalé and PPL (UIUC) – Parallel Migratable Objects </a:t>
+              <a:t>Laxmikant Kalé and PPL (UIUC) – Parallel Migratable Objects </a:t>
             </a:r>
             <a:endParaRPr lang="en-US" dirty="0"/>
           </a:p>
@@ -5543,9 +5543,9 @@
             </a:lvl1pPr>
           </a:lstStyle>
           <a:p>
-            <a:fld id="{30545249-FD76-6844-B252-CAB05FC2DAA8}" type="datetime2">
-              <a:rPr lang="en-US" smtClean="0"/>
-              <a:t>Wednesday, September 10, 14</a:t>
+            <a:fld id="{716ABDEF-604C-8647-8662-FC7DD558D147}" type="datetime2">
+              <a:rPr lang="en-US" smtClean="0"/>
+              <a:t>Friday, September 12, 14</a:t>
             </a:fld>
             <a:endParaRPr lang="en-US" dirty="0"/>
           </a:p>
@@ -5576,7 +5576,7 @@
             <a:pPr algn="r"/>
             <a:r>
               <a:rPr lang="en-US" smtClean="0"/>
-              <a:t>Sanjay Kalé and PPL (UIUC) – Parallel Migratable Objects </a:t>
+              <a:t>Laxmikant Kalé and PPL (UIUC) – Parallel Migratable Objects </a:t>
             </a:r>
             <a:endParaRPr lang="en-US" dirty="0"/>
           </a:p>
@@ -5786,9 +5786,9 @@
           <a:bodyPr/>
           <a:lstStyle/>
           <a:p>
-            <a:fld id="{CC859171-EEDD-0B48-A5C0-E7218AE20EA7}" type="datetime2">
-              <a:rPr lang="en-US" smtClean="0"/>
-              <a:t>Wednesday, September 10, 14</a:t>
+            <a:fld id="{9AEE7E98-0AF0-884A-A0D0-325B4547BB5B}" type="datetime2">
+              <a:rPr lang="en-US" smtClean="0"/>
+              <a:t>Friday, September 12, 14</a:t>
             </a:fld>
             <a:endParaRPr lang="en-US"/>
           </a:p>
@@ -5812,7 +5812,7 @@
             <a:pPr algn="r"/>
             <a:r>
               <a:rPr lang="en-US" smtClean="0"/>
-              <a:t>Sanjay Kalé and PPL (UIUC) – Parallel Migratable Objects </a:t>
+              <a:t>Laxmikant Kalé and PPL (UIUC) – Parallel Migratable Objects </a:t>
             </a:r>
             <a:endParaRPr lang="en-US" dirty="0"/>
           </a:p>
@@ -5882,9 +5882,9 @@
           <a:bodyPr/>
           <a:lstStyle/>
           <a:p>
-            <a:fld id="{C32F9216-0342-7440-9504-BD6C1382BF27}" type="datetime2">
-              <a:rPr lang="en-US" smtClean="0"/>
-              <a:t>Wednesday, September 10, 14</a:t>
+            <a:fld id="{FDD9FAFE-7C67-F443-A58C-0AF490A5F613}" type="datetime2">
+              <a:rPr lang="en-US" smtClean="0"/>
+              <a:t>Friday, September 12, 14</a:t>
             </a:fld>
             <a:endParaRPr lang="en-US"/>
           </a:p>
@@ -5908,7 +5908,7 @@
             <a:pPr algn="r"/>
             <a:r>
               <a:rPr lang="en-US" smtClean="0"/>
-              <a:t>Sanjay Kalé and PPL (UIUC) – Parallel Migratable Objects </a:t>
+              <a:t>Laxmikant Kalé and PPL (UIUC) – Parallel Migratable Objects </a:t>
             </a:r>
             <a:endParaRPr lang="en-US" dirty="0"/>
           </a:p>
@@ -6057,7 +6057,7 @@
           <a:p>
             <a:r>
               <a:rPr lang="en-US" smtClean="0"/>
-              <a:t>Sanjay Kalé and PPL (UIUC) – Parallel Migratable Objects </a:t>
+              <a:t>Laxmikant Kalé and PPL (UIUC) – Parallel Migratable Objects </a:t>
             </a:r>
             <a:endParaRPr lang="en-US" dirty="0"/>
           </a:p>
@@ -6197,9 +6197,9 @@
             </a:lvl1pPr>
           </a:lstStyle>
           <a:p>
-            <a:fld id="{D36DC8F2-AD63-E841-8C23-5DC3A41041BE}" type="datetime2">
-              <a:rPr lang="en-US" smtClean="0"/>
-              <a:t>Wednesday, September 10, 14</a:t>
+            <a:fld id="{9F2EA7BD-9570-1748-A1BC-E8D4F12298D5}" type="datetime2">
+              <a:rPr lang="en-US" smtClean="0"/>
+              <a:t>Friday, September 12, 14</a:t>
             </a:fld>
             <a:endParaRPr lang="en-US" dirty="0"/>
           </a:p>
@@ -6275,7 +6275,7 @@
       </p:par>
     </p:tnLst>
   </p:timing>
-  <p:hf hdr="0"/>
+  <p:hf hdr="0" dt="0"/>
   <p:txStyles>
     <p:titleStyle>
       <a:lvl1pPr algn="l" defTabSz="914400" rtl="0" eaLnBrk="1" latinLnBrk="0" hangingPunct="1">
@@ -6674,11 +6674,7 @@
             </a:pPr>
             <a:r>
               <a:rPr lang="en-US" dirty="0" smtClean="0"/>
-              <a:t>Hello </a:t>
-            </a:r>
-            <a:r>
-              <a:rPr lang="en-US" dirty="0" smtClean="0"/>
-              <a:t>World</a:t>
+              <a:t>Hello World</a:t>
             </a:r>
           </a:p>
           <a:p>
@@ -6782,11 +6778,7 @@
             </a:pPr>
             <a:r>
               <a:rPr lang="en-US" dirty="0" smtClean="0"/>
-              <a:t>Structured </a:t>
-            </a:r>
-            <a:r>
-              <a:rPr lang="en-US" dirty="0" smtClean="0"/>
-              <a:t>Dagger</a:t>
+              <a:t>Structured Dagger</a:t>
             </a:r>
           </a:p>
           <a:p>
@@ -6877,12 +6869,12 @@
       </p:sp>
       <p:sp>
         <p:nvSpPr>
-          <p:cNvPr id="4" name="Date Placeholder 3"/>
-          <p:cNvSpPr>
-            <a:spLocks noGrp="1"/>
-          </p:cNvSpPr>
-          <p:nvPr>
-            <p:ph type="dt" sz="half" idx="10"/>
+          <p:cNvPr id="5" name="Footer Placeholder 4"/>
+          <p:cNvSpPr>
+            <a:spLocks noGrp="1"/>
+          </p:cNvSpPr>
+          <p:nvPr>
+            <p:ph type="ftr" sz="quarter" idx="11"/>
           </p:nvPr>
         </p:nvSpPr>
         <p:spPr/>
@@ -6890,33 +6882,10 @@
           <a:bodyPr/>
           <a:lstStyle/>
           <a:p>
-            <a:fld id="{7DCE861A-EA6B-EA43-8AA5-DB216DBB40BC}" type="datetime2">
-              <a:rPr lang="en-US" smtClean="0"/>
-              <a:t>Wednesday, September 10, 14</a:t>
-            </a:fld>
-            <a:endParaRPr lang="en-US"/>
-          </a:p>
-        </p:txBody>
-      </p:sp>
-      <p:sp>
-        <p:nvSpPr>
-          <p:cNvPr id="5" name="Footer Placeholder 4"/>
-          <p:cNvSpPr>
-            <a:spLocks noGrp="1"/>
-          </p:cNvSpPr>
-          <p:nvPr>
-            <p:ph type="ftr" sz="quarter" idx="11"/>
-          </p:nvPr>
-        </p:nvSpPr>
-        <p:spPr/>
-        <p:txBody>
-          <a:bodyPr/>
-          <a:lstStyle/>
-          <a:p>
             <a:pPr algn="r"/>
             <a:r>
               <a:rPr lang="en-US" smtClean="0"/>
-              <a:t>Sanjay Kalé and PPL (UIUC) – Parallel Migratable Objects </a:t>
+              <a:t>Laxmikant Kalé and PPL (UIUC) – Parallel Migratable Objects </a:t>
             </a:r>
             <a:endParaRPr lang="en-US" dirty="0"/>
           </a:p>
@@ -7187,12 +7156,12 @@
       </p:sp>
       <p:sp>
         <p:nvSpPr>
-          <p:cNvPr id="4" name="Date Placeholder 3"/>
-          <p:cNvSpPr>
-            <a:spLocks noGrp="1"/>
-          </p:cNvSpPr>
-          <p:nvPr>
-            <p:ph type="dt" sz="half" idx="10"/>
+          <p:cNvPr id="5" name="Footer Placeholder 4"/>
+          <p:cNvSpPr>
+            <a:spLocks noGrp="1"/>
+          </p:cNvSpPr>
+          <p:nvPr>
+            <p:ph type="ftr" sz="quarter" idx="11"/>
           </p:nvPr>
         </p:nvSpPr>
         <p:spPr/>
@@ -7200,33 +7169,10 @@
           <a:bodyPr/>
           <a:lstStyle/>
           <a:p>
-            <a:fld id="{34621E95-60A9-FF44-9869-513D9D7A859F}" type="datetime2">
-              <a:rPr lang="en-US" smtClean="0"/>
-              <a:t>Wednesday, September 10, 14</a:t>
-            </a:fld>
-            <a:endParaRPr lang="en-US"/>
-          </a:p>
-        </p:txBody>
-      </p:sp>
-      <p:sp>
-        <p:nvSpPr>
-          <p:cNvPr id="5" name="Footer Placeholder 4"/>
-          <p:cNvSpPr>
-            <a:spLocks noGrp="1"/>
-          </p:cNvSpPr>
-          <p:nvPr>
-            <p:ph type="ftr" sz="quarter" idx="11"/>
-          </p:nvPr>
-        </p:nvSpPr>
-        <p:spPr/>
-        <p:txBody>
-          <a:bodyPr/>
-          <a:lstStyle/>
-          <a:p>
             <a:pPr algn="r"/>
             <a:r>
               <a:rPr lang="en-US" smtClean="0"/>
-              <a:t>Sanjay Kalé and PPL (UIUC) – Parallel Migratable Objects </a:t>
+              <a:t>Laxmikant Kalé and PPL (UIUC) – Parallel Migratable Objects </a:t>
             </a:r>
             <a:endParaRPr lang="en-US" dirty="0"/>
           </a:p>
@@ -7466,12 +7412,12 @@
       </p:sp>
       <p:sp>
         <p:nvSpPr>
-          <p:cNvPr id="4" name="Date Placeholder 3"/>
-          <p:cNvSpPr>
-            <a:spLocks noGrp="1"/>
-          </p:cNvSpPr>
-          <p:nvPr>
-            <p:ph type="dt" sz="half" idx="10"/>
+          <p:cNvPr id="5" name="Footer Placeholder 4"/>
+          <p:cNvSpPr>
+            <a:spLocks noGrp="1"/>
+          </p:cNvSpPr>
+          <p:nvPr>
+            <p:ph type="ftr" sz="quarter" idx="11"/>
           </p:nvPr>
         </p:nvSpPr>
         <p:spPr/>
@@ -7479,33 +7425,10 @@
           <a:bodyPr/>
           <a:lstStyle/>
           <a:p>
-            <a:fld id="{34621E95-60A9-FF44-9869-513D9D7A859F}" type="datetime2">
-              <a:rPr lang="en-US" smtClean="0"/>
-              <a:t>Wednesday, September 10, 14</a:t>
-            </a:fld>
-            <a:endParaRPr lang="en-US"/>
-          </a:p>
-        </p:txBody>
-      </p:sp>
-      <p:sp>
-        <p:nvSpPr>
-          <p:cNvPr id="5" name="Footer Placeholder 4"/>
-          <p:cNvSpPr>
-            <a:spLocks noGrp="1"/>
-          </p:cNvSpPr>
-          <p:nvPr>
-            <p:ph type="ftr" sz="quarter" idx="11"/>
-          </p:nvPr>
-        </p:nvSpPr>
-        <p:spPr/>
-        <p:txBody>
-          <a:bodyPr/>
-          <a:lstStyle/>
-          <a:p>
             <a:pPr algn="r"/>
             <a:r>
               <a:rPr lang="en-US" smtClean="0"/>
-              <a:t>Sanjay Kalé and PPL (UIUC) – Parallel Migratable Objects </a:t>
+              <a:t>Laxmikant Kalé and PPL (UIUC) – Parallel Migratable Objects </a:t>
             </a:r>
             <a:endParaRPr lang="en-US" dirty="0"/>
           </a:p>
@@ -8161,12 +8084,12 @@
       </p:sp>
       <p:sp>
         <p:nvSpPr>
-          <p:cNvPr id="4" name="Date Placeholder 3"/>
-          <p:cNvSpPr>
-            <a:spLocks noGrp="1"/>
-          </p:cNvSpPr>
-          <p:nvPr>
-            <p:ph type="dt" sz="half" idx="10"/>
+          <p:cNvPr id="5" name="Footer Placeholder 4"/>
+          <p:cNvSpPr>
+            <a:spLocks noGrp="1"/>
+          </p:cNvSpPr>
+          <p:nvPr>
+            <p:ph type="ftr" sz="quarter" idx="11"/>
           </p:nvPr>
         </p:nvSpPr>
         <p:spPr/>
@@ -8174,33 +8097,10 @@
           <a:bodyPr/>
           <a:lstStyle/>
           <a:p>
-            <a:fld id="{34621E95-60A9-FF44-9869-513D9D7A859F}" type="datetime2">
-              <a:rPr lang="en-US" smtClean="0"/>
-              <a:t>Wednesday, September 10, 14</a:t>
-            </a:fld>
-            <a:endParaRPr lang="en-US"/>
-          </a:p>
-        </p:txBody>
-      </p:sp>
-      <p:sp>
-        <p:nvSpPr>
-          <p:cNvPr id="5" name="Footer Placeholder 4"/>
-          <p:cNvSpPr>
-            <a:spLocks noGrp="1"/>
-          </p:cNvSpPr>
-          <p:nvPr>
-            <p:ph type="ftr" sz="quarter" idx="11"/>
-          </p:nvPr>
-        </p:nvSpPr>
-        <p:spPr/>
-        <p:txBody>
-          <a:bodyPr/>
-          <a:lstStyle/>
-          <a:p>
             <a:pPr algn="r"/>
             <a:r>
               <a:rPr lang="en-US" smtClean="0"/>
-              <a:t>Sanjay Kalé and PPL (UIUC) – Parallel Migratable Objects </a:t>
+              <a:t>Laxmikant Kalé and PPL (UIUC) – Parallel Migratable Objects </a:t>
             </a:r>
             <a:endParaRPr lang="en-US" dirty="0"/>
           </a:p>
@@ -8915,12 +8815,12 @@
       </p:sp>
       <p:sp>
         <p:nvSpPr>
-          <p:cNvPr id="4" name="Date Placeholder 3"/>
-          <p:cNvSpPr>
-            <a:spLocks noGrp="1"/>
-          </p:cNvSpPr>
-          <p:nvPr>
-            <p:ph type="dt" sz="half" idx="10"/>
+          <p:cNvPr id="5" name="Footer Placeholder 4"/>
+          <p:cNvSpPr>
+            <a:spLocks noGrp="1"/>
+          </p:cNvSpPr>
+          <p:nvPr>
+            <p:ph type="ftr" sz="quarter" idx="11"/>
           </p:nvPr>
         </p:nvSpPr>
         <p:spPr/>
@@ -8928,33 +8828,10 @@
           <a:bodyPr/>
           <a:lstStyle/>
           <a:p>
-            <a:fld id="{34621E95-60A9-FF44-9869-513D9D7A859F}" type="datetime2">
-              <a:rPr lang="en-US" smtClean="0"/>
-              <a:t>Wednesday, September 10, 14</a:t>
-            </a:fld>
-            <a:endParaRPr lang="en-US"/>
-          </a:p>
-        </p:txBody>
-      </p:sp>
-      <p:sp>
-        <p:nvSpPr>
-          <p:cNvPr id="5" name="Footer Placeholder 4"/>
-          <p:cNvSpPr>
-            <a:spLocks noGrp="1"/>
-          </p:cNvSpPr>
-          <p:nvPr>
-            <p:ph type="ftr" sz="quarter" idx="11"/>
-          </p:nvPr>
-        </p:nvSpPr>
-        <p:spPr/>
-        <p:txBody>
-          <a:bodyPr/>
-          <a:lstStyle/>
-          <a:p>
             <a:pPr algn="r"/>
             <a:r>
               <a:rPr lang="en-US" smtClean="0"/>
-              <a:t>Sanjay Kalé and PPL (UIUC) – Parallel Migratable Objects </a:t>
+              <a:t>Laxmikant Kalé and PPL (UIUC) – Parallel Migratable Objects </a:t>
             </a:r>
             <a:endParaRPr lang="en-US" dirty="0"/>
           </a:p>
@@ -9530,12 +9407,12 @@
       </p:sp>
       <p:sp>
         <p:nvSpPr>
-          <p:cNvPr id="4" name="Date Placeholder 3"/>
-          <p:cNvSpPr>
-            <a:spLocks noGrp="1"/>
-          </p:cNvSpPr>
-          <p:nvPr>
-            <p:ph type="dt" sz="half" idx="10"/>
+          <p:cNvPr id="5" name="Footer Placeholder 4"/>
+          <p:cNvSpPr>
+            <a:spLocks noGrp="1"/>
+          </p:cNvSpPr>
+          <p:nvPr>
+            <p:ph type="ftr" sz="quarter" idx="11"/>
           </p:nvPr>
         </p:nvSpPr>
         <p:spPr/>
@@ -9543,33 +9420,10 @@
           <a:bodyPr/>
           <a:lstStyle/>
           <a:p>
-            <a:fld id="{34621E95-60A9-FF44-9869-513D9D7A859F}" type="datetime2">
-              <a:rPr lang="en-US" smtClean="0"/>
-              <a:t>Wednesday, September 10, 14</a:t>
-            </a:fld>
-            <a:endParaRPr lang="en-US"/>
-          </a:p>
-        </p:txBody>
-      </p:sp>
-      <p:sp>
-        <p:nvSpPr>
-          <p:cNvPr id="5" name="Footer Placeholder 4"/>
-          <p:cNvSpPr>
-            <a:spLocks noGrp="1"/>
-          </p:cNvSpPr>
-          <p:nvPr>
-            <p:ph type="ftr" sz="quarter" idx="11"/>
-          </p:nvPr>
-        </p:nvSpPr>
-        <p:spPr/>
-        <p:txBody>
-          <a:bodyPr/>
-          <a:lstStyle/>
-          <a:p>
             <a:pPr algn="r"/>
             <a:r>
               <a:rPr lang="en-US" smtClean="0"/>
-              <a:t>Sanjay Kalé and PPL (UIUC) – Parallel Migratable Objects </a:t>
+              <a:t>Laxmikant Kalé and PPL (UIUC) – Parallel Migratable Objects </a:t>
             </a:r>
             <a:endParaRPr lang="en-US" dirty="0"/>
           </a:p>
@@ -9776,12 +9630,12 @@
       </p:sp>
       <p:sp>
         <p:nvSpPr>
-          <p:cNvPr id="4" name="Date Placeholder 3"/>
-          <p:cNvSpPr>
-            <a:spLocks noGrp="1"/>
-          </p:cNvSpPr>
-          <p:nvPr>
-            <p:ph type="dt" sz="half" idx="10"/>
+          <p:cNvPr id="5" name="Footer Placeholder 4"/>
+          <p:cNvSpPr>
+            <a:spLocks noGrp="1"/>
+          </p:cNvSpPr>
+          <p:nvPr>
+            <p:ph type="ftr" sz="quarter" idx="11"/>
           </p:nvPr>
         </p:nvSpPr>
         <p:spPr/>
@@ -9789,33 +9643,10 @@
           <a:bodyPr/>
           <a:lstStyle/>
           <a:p>
-            <a:fld id="{34621E95-60A9-FF44-9869-513D9D7A859F}" type="datetime2">
-              <a:rPr lang="en-US" smtClean="0"/>
-              <a:t>Wednesday, September 10, 14</a:t>
-            </a:fld>
-            <a:endParaRPr lang="en-US"/>
-          </a:p>
-        </p:txBody>
-      </p:sp>
-      <p:sp>
-        <p:nvSpPr>
-          <p:cNvPr id="5" name="Footer Placeholder 4"/>
-          <p:cNvSpPr>
-            <a:spLocks noGrp="1"/>
-          </p:cNvSpPr>
-          <p:nvPr>
-            <p:ph type="ftr" sz="quarter" idx="11"/>
-          </p:nvPr>
-        </p:nvSpPr>
-        <p:spPr/>
-        <p:txBody>
-          <a:bodyPr/>
-          <a:lstStyle/>
-          <a:p>
             <a:pPr algn="r"/>
             <a:r>
               <a:rPr lang="en-US" smtClean="0"/>
-              <a:t>Sanjay Kalé and PPL (UIUC) – Parallel Migratable Objects </a:t>
+              <a:t>Laxmikant Kalé and PPL (UIUC) – Parallel Migratable Objects </a:t>
             </a:r>
             <a:endParaRPr lang="en-US" dirty="0"/>
           </a:p>
@@ -9970,12 +9801,12 @@
       </p:sp>
       <p:sp>
         <p:nvSpPr>
-          <p:cNvPr id="4" name="Date Placeholder 3"/>
-          <p:cNvSpPr>
-            <a:spLocks noGrp="1"/>
-          </p:cNvSpPr>
-          <p:nvPr>
-            <p:ph type="dt" sz="half" idx="10"/>
+          <p:cNvPr id="5" name="Footer Placeholder 4"/>
+          <p:cNvSpPr>
+            <a:spLocks noGrp="1"/>
+          </p:cNvSpPr>
+          <p:nvPr>
+            <p:ph type="ftr" sz="quarter" idx="11"/>
           </p:nvPr>
         </p:nvSpPr>
         <p:spPr/>
@@ -9983,33 +9814,10 @@
           <a:bodyPr/>
           <a:lstStyle/>
           <a:p>
-            <a:fld id="{34621E95-60A9-FF44-9869-513D9D7A859F}" type="datetime2">
-              <a:rPr lang="en-US" smtClean="0"/>
-              <a:t>Wednesday, September 10, 14</a:t>
-            </a:fld>
-            <a:endParaRPr lang="en-US"/>
-          </a:p>
-        </p:txBody>
-      </p:sp>
-      <p:sp>
-        <p:nvSpPr>
-          <p:cNvPr id="5" name="Footer Placeholder 4"/>
-          <p:cNvSpPr>
-            <a:spLocks noGrp="1"/>
-          </p:cNvSpPr>
-          <p:nvPr>
-            <p:ph type="ftr" sz="quarter" idx="11"/>
-          </p:nvPr>
-        </p:nvSpPr>
-        <p:spPr/>
-        <p:txBody>
-          <a:bodyPr/>
-          <a:lstStyle/>
-          <a:p>
             <a:pPr algn="r"/>
             <a:r>
               <a:rPr lang="en-US" smtClean="0"/>
-              <a:t>Sanjay Kalé and PPL (UIUC) – Parallel Migratable Objects </a:t>
+              <a:t>Laxmikant Kalé and PPL (UIUC) – Parallel Migratable Objects </a:t>
             </a:r>
             <a:endParaRPr lang="en-US" dirty="0"/>
           </a:p>
@@ -10187,12 +9995,12 @@
       </p:pic>
       <p:sp>
         <p:nvSpPr>
-          <p:cNvPr id="4" name="Date Placeholder 3"/>
-          <p:cNvSpPr>
-            <a:spLocks noGrp="1"/>
-          </p:cNvSpPr>
-          <p:nvPr>
-            <p:ph type="dt" sz="half" idx="10"/>
+          <p:cNvPr id="5" name="Footer Placeholder 4"/>
+          <p:cNvSpPr>
+            <a:spLocks noGrp="1"/>
+          </p:cNvSpPr>
+          <p:nvPr>
+            <p:ph type="ftr" sz="quarter" idx="11"/>
           </p:nvPr>
         </p:nvSpPr>
         <p:spPr/>
@@ -10200,33 +10008,10 @@
           <a:bodyPr/>
           <a:lstStyle/>
           <a:p>
-            <a:fld id="{34621E95-60A9-FF44-9869-513D9D7A859F}" type="datetime2">
-              <a:rPr lang="en-US" smtClean="0"/>
-              <a:t>Wednesday, September 10, 14</a:t>
-            </a:fld>
-            <a:endParaRPr lang="en-US"/>
-          </a:p>
-        </p:txBody>
-      </p:sp>
-      <p:sp>
-        <p:nvSpPr>
-          <p:cNvPr id="5" name="Footer Placeholder 4"/>
-          <p:cNvSpPr>
-            <a:spLocks noGrp="1"/>
-          </p:cNvSpPr>
-          <p:nvPr>
-            <p:ph type="ftr" sz="quarter" idx="11"/>
-          </p:nvPr>
-        </p:nvSpPr>
-        <p:spPr/>
-        <p:txBody>
-          <a:bodyPr/>
-          <a:lstStyle/>
-          <a:p>
             <a:pPr algn="r"/>
             <a:r>
               <a:rPr lang="en-US" smtClean="0"/>
-              <a:t>Sanjay Kalé and PPL (UIUC) – Parallel Migratable Objects </a:t>
+              <a:t>Laxmikant Kalé and PPL (UIUC) – Parallel Migratable Objects </a:t>
             </a:r>
             <a:endParaRPr lang="en-US" dirty="0"/>
           </a:p>
@@ -10480,12 +10265,12 @@
       </p:sp>
       <p:sp>
         <p:nvSpPr>
-          <p:cNvPr id="4" name="Date Placeholder 3"/>
-          <p:cNvSpPr>
-            <a:spLocks noGrp="1"/>
-          </p:cNvSpPr>
-          <p:nvPr>
-            <p:ph type="dt" sz="half" idx="10"/>
+          <p:cNvPr id="5" name="Footer Placeholder 4"/>
+          <p:cNvSpPr>
+            <a:spLocks noGrp="1"/>
+          </p:cNvSpPr>
+          <p:nvPr>
+            <p:ph type="ftr" sz="quarter" idx="11"/>
           </p:nvPr>
         </p:nvSpPr>
         <p:spPr/>
@@ -10493,33 +10278,10 @@
           <a:bodyPr/>
           <a:lstStyle/>
           <a:p>
-            <a:fld id="{34621E95-60A9-FF44-9869-513D9D7A859F}" type="datetime2">
-              <a:rPr lang="en-US" smtClean="0"/>
-              <a:t>Wednesday, September 10, 14</a:t>
-            </a:fld>
-            <a:endParaRPr lang="en-US"/>
-          </a:p>
-        </p:txBody>
-      </p:sp>
-      <p:sp>
-        <p:nvSpPr>
-          <p:cNvPr id="5" name="Footer Placeholder 4"/>
-          <p:cNvSpPr>
-            <a:spLocks noGrp="1"/>
-          </p:cNvSpPr>
-          <p:nvPr>
-            <p:ph type="ftr" sz="quarter" idx="11"/>
-          </p:nvPr>
-        </p:nvSpPr>
-        <p:spPr/>
-        <p:txBody>
-          <a:bodyPr/>
-          <a:lstStyle/>
-          <a:p>
             <a:pPr algn="r"/>
             <a:r>
               <a:rPr lang="en-US" smtClean="0"/>
-              <a:t>Sanjay Kalé and PPL (UIUC) – Parallel Migratable Objects </a:t>
+              <a:t>Laxmikant Kalé and PPL (UIUC) – Parallel Migratable Objects </a:t>
             </a:r>
             <a:endParaRPr lang="en-US" dirty="0"/>
           </a:p>
@@ -11171,12 +10933,12 @@
       </p:sp>
       <p:sp>
         <p:nvSpPr>
-          <p:cNvPr id="4" name="Date Placeholder 3"/>
-          <p:cNvSpPr>
-            <a:spLocks noGrp="1"/>
-          </p:cNvSpPr>
-          <p:nvPr>
-            <p:ph type="dt" sz="half" idx="10"/>
+          <p:cNvPr id="5" name="Footer Placeholder 4"/>
+          <p:cNvSpPr>
+            <a:spLocks noGrp="1"/>
+          </p:cNvSpPr>
+          <p:nvPr>
+            <p:ph type="ftr" sz="quarter" idx="11"/>
           </p:nvPr>
         </p:nvSpPr>
         <p:spPr/>
@@ -11184,33 +10946,10 @@
           <a:bodyPr/>
           <a:lstStyle/>
           <a:p>
-            <a:fld id="{34621E95-60A9-FF44-9869-513D9D7A859F}" type="datetime2">
-              <a:rPr lang="en-US" smtClean="0"/>
-              <a:t>Wednesday, September 10, 14</a:t>
-            </a:fld>
-            <a:endParaRPr lang="en-US"/>
-          </a:p>
-        </p:txBody>
-      </p:sp>
-      <p:sp>
-        <p:nvSpPr>
-          <p:cNvPr id="5" name="Footer Placeholder 4"/>
-          <p:cNvSpPr>
-            <a:spLocks noGrp="1"/>
-          </p:cNvSpPr>
-          <p:nvPr>
-            <p:ph type="ftr" sz="quarter" idx="11"/>
-          </p:nvPr>
-        </p:nvSpPr>
-        <p:spPr/>
-        <p:txBody>
-          <a:bodyPr/>
-          <a:lstStyle/>
-          <a:p>
             <a:pPr algn="r"/>
             <a:r>
               <a:rPr lang="en-US" smtClean="0"/>
-              <a:t>Sanjay Kalé and PPL (UIUC) – Parallel Migratable Objects </a:t>
+              <a:t>Laxmikant Kalé and PPL (UIUC) – Parallel Migratable Objects </a:t>
             </a:r>
             <a:endParaRPr lang="en-US" dirty="0"/>
           </a:p>
@@ -11399,12 +11138,12 @@
       </p:sp>
       <p:sp>
         <p:nvSpPr>
-          <p:cNvPr id="4" name="Date Placeholder 3"/>
-          <p:cNvSpPr>
-            <a:spLocks noGrp="1"/>
-          </p:cNvSpPr>
-          <p:nvPr>
-            <p:ph type="dt" sz="half" idx="10"/>
+          <p:cNvPr id="5" name="Footer Placeholder 4"/>
+          <p:cNvSpPr>
+            <a:spLocks noGrp="1"/>
+          </p:cNvSpPr>
+          <p:nvPr>
+            <p:ph type="ftr" sz="quarter" idx="11"/>
           </p:nvPr>
         </p:nvSpPr>
         <p:spPr/>
@@ -11412,33 +11151,10 @@
           <a:bodyPr/>
           <a:lstStyle/>
           <a:p>
-            <a:fld id="{34621E95-60A9-FF44-9869-513D9D7A859F}" type="datetime2">
-              <a:rPr lang="en-US" smtClean="0"/>
-              <a:t>Wednesday, September 10, 14</a:t>
-            </a:fld>
-            <a:endParaRPr lang="en-US"/>
-          </a:p>
-        </p:txBody>
-      </p:sp>
-      <p:sp>
-        <p:nvSpPr>
-          <p:cNvPr id="5" name="Footer Placeholder 4"/>
-          <p:cNvSpPr>
-            <a:spLocks noGrp="1"/>
-          </p:cNvSpPr>
-          <p:nvPr>
-            <p:ph type="ftr" sz="quarter" idx="11"/>
-          </p:nvPr>
-        </p:nvSpPr>
-        <p:spPr/>
-        <p:txBody>
-          <a:bodyPr/>
-          <a:lstStyle/>
-          <a:p>
             <a:pPr algn="r"/>
             <a:r>
               <a:rPr lang="en-US" smtClean="0"/>
-              <a:t>Sanjay Kalé and PPL (UIUC) – Parallel Migratable Objects </a:t>
+              <a:t>Laxmikant Kalé and PPL (UIUC) – Parallel Migratable Objects </a:t>
             </a:r>
             <a:endParaRPr lang="en-US" dirty="0"/>
           </a:p>
@@ -11883,12 +11599,12 @@
       </p:sp>
       <p:sp>
         <p:nvSpPr>
-          <p:cNvPr id="4" name="Date Placeholder 3"/>
-          <p:cNvSpPr>
-            <a:spLocks noGrp="1"/>
-          </p:cNvSpPr>
-          <p:nvPr>
-            <p:ph type="dt" sz="half" idx="10"/>
+          <p:cNvPr id="5" name="Footer Placeholder 4"/>
+          <p:cNvSpPr>
+            <a:spLocks noGrp="1"/>
+          </p:cNvSpPr>
+          <p:nvPr>
+            <p:ph type="ftr" sz="quarter" idx="11"/>
           </p:nvPr>
         </p:nvSpPr>
         <p:spPr/>
@@ -11896,33 +11612,10 @@
           <a:bodyPr/>
           <a:lstStyle/>
           <a:p>
-            <a:fld id="{34621E95-60A9-FF44-9869-513D9D7A859F}" type="datetime2">
-              <a:rPr lang="en-US" smtClean="0"/>
-              <a:t>Wednesday, September 10, 14</a:t>
-            </a:fld>
-            <a:endParaRPr lang="en-US"/>
-          </a:p>
-        </p:txBody>
-      </p:sp>
-      <p:sp>
-        <p:nvSpPr>
-          <p:cNvPr id="5" name="Footer Placeholder 4"/>
-          <p:cNvSpPr>
-            <a:spLocks noGrp="1"/>
-          </p:cNvSpPr>
-          <p:nvPr>
-            <p:ph type="ftr" sz="quarter" idx="11"/>
-          </p:nvPr>
-        </p:nvSpPr>
-        <p:spPr/>
-        <p:txBody>
-          <a:bodyPr/>
-          <a:lstStyle/>
-          <a:p>
             <a:pPr algn="r"/>
             <a:r>
               <a:rPr lang="en-US" smtClean="0"/>
-              <a:t>Sanjay Kalé and PPL (UIUC) – Parallel Migratable Objects </a:t>
+              <a:t>Laxmikant Kalé and PPL (UIUC) – Parallel Migratable Objects </a:t>
             </a:r>
             <a:endParaRPr lang="en-US" dirty="0"/>
           </a:p>
@@ -12040,12 +11733,12 @@
       </p:pic>
       <p:sp>
         <p:nvSpPr>
-          <p:cNvPr id="4" name="Date Placeholder 3"/>
-          <p:cNvSpPr>
-            <a:spLocks noGrp="1"/>
-          </p:cNvSpPr>
-          <p:nvPr>
-            <p:ph type="dt" sz="half" idx="10"/>
+          <p:cNvPr id="5" name="Footer Placeholder 4"/>
+          <p:cNvSpPr>
+            <a:spLocks noGrp="1"/>
+          </p:cNvSpPr>
+          <p:nvPr>
+            <p:ph type="ftr" sz="quarter" idx="11"/>
           </p:nvPr>
         </p:nvSpPr>
         <p:spPr/>
@@ -12053,33 +11746,10 @@
           <a:bodyPr/>
           <a:lstStyle/>
           <a:p>
-            <a:fld id="{34621E95-60A9-FF44-9869-513D9D7A859F}" type="datetime2">
-              <a:rPr lang="en-US" smtClean="0"/>
-              <a:t>Wednesday, September 10, 14</a:t>
-            </a:fld>
-            <a:endParaRPr lang="en-US"/>
-          </a:p>
-        </p:txBody>
-      </p:sp>
-      <p:sp>
-        <p:nvSpPr>
-          <p:cNvPr id="5" name="Footer Placeholder 4"/>
-          <p:cNvSpPr>
-            <a:spLocks noGrp="1"/>
-          </p:cNvSpPr>
-          <p:nvPr>
-            <p:ph type="ftr" sz="quarter" idx="11"/>
-          </p:nvPr>
-        </p:nvSpPr>
-        <p:spPr/>
-        <p:txBody>
-          <a:bodyPr/>
-          <a:lstStyle/>
-          <a:p>
             <a:pPr algn="r"/>
             <a:r>
               <a:rPr lang="en-US" smtClean="0"/>
-              <a:t>Sanjay Kalé and PPL (UIUC) – Parallel Migratable Objects </a:t>
+              <a:t>Laxmikant Kalé and PPL (UIUC) – Parallel Migratable Objects </a:t>
             </a:r>
             <a:endParaRPr lang="en-US" dirty="0"/>
           </a:p>
@@ -12274,12 +11944,12 @@
       </p:sp>
       <p:sp>
         <p:nvSpPr>
-          <p:cNvPr id="4" name="Date Placeholder 3"/>
-          <p:cNvSpPr>
-            <a:spLocks noGrp="1"/>
-          </p:cNvSpPr>
-          <p:nvPr>
-            <p:ph type="dt" sz="half" idx="10"/>
+          <p:cNvPr id="5" name="Footer Placeholder 4"/>
+          <p:cNvSpPr>
+            <a:spLocks noGrp="1"/>
+          </p:cNvSpPr>
+          <p:nvPr>
+            <p:ph type="ftr" sz="quarter" idx="11"/>
           </p:nvPr>
         </p:nvSpPr>
         <p:spPr/>
@@ -12287,33 +11957,10 @@
           <a:bodyPr/>
           <a:lstStyle/>
           <a:p>
-            <a:fld id="{34621E95-60A9-FF44-9869-513D9D7A859F}" type="datetime2">
-              <a:rPr lang="en-US" smtClean="0"/>
-              <a:t>Wednesday, September 10, 14</a:t>
-            </a:fld>
-            <a:endParaRPr lang="en-US"/>
-          </a:p>
-        </p:txBody>
-      </p:sp>
-      <p:sp>
-        <p:nvSpPr>
-          <p:cNvPr id="5" name="Footer Placeholder 4"/>
-          <p:cNvSpPr>
-            <a:spLocks noGrp="1"/>
-          </p:cNvSpPr>
-          <p:nvPr>
-            <p:ph type="ftr" sz="quarter" idx="11"/>
-          </p:nvPr>
-        </p:nvSpPr>
-        <p:spPr/>
-        <p:txBody>
-          <a:bodyPr/>
-          <a:lstStyle/>
-          <a:p>
             <a:pPr algn="r"/>
             <a:r>
               <a:rPr lang="en-US" smtClean="0"/>
-              <a:t>Sanjay Kalé and PPL (UIUC) – Parallel Migratable Objects </a:t>
+              <a:t>Laxmikant Kalé and PPL (UIUC) – Parallel Migratable Objects </a:t>
             </a:r>
             <a:endParaRPr lang="en-US" dirty="0"/>
           </a:p>
@@ -12445,12 +12092,12 @@
       </p:pic>
       <p:sp>
         <p:nvSpPr>
-          <p:cNvPr id="4" name="Date Placeholder 3"/>
-          <p:cNvSpPr>
-            <a:spLocks noGrp="1"/>
-          </p:cNvSpPr>
-          <p:nvPr>
-            <p:ph type="dt" sz="half" idx="10"/>
+          <p:cNvPr id="5" name="Footer Placeholder 4"/>
+          <p:cNvSpPr>
+            <a:spLocks noGrp="1"/>
+          </p:cNvSpPr>
+          <p:nvPr>
+            <p:ph type="ftr" sz="quarter" idx="11"/>
           </p:nvPr>
         </p:nvSpPr>
         <p:spPr/>
@@ -12458,33 +12105,10 @@
           <a:bodyPr/>
           <a:lstStyle/>
           <a:p>
-            <a:fld id="{34621E95-60A9-FF44-9869-513D9D7A859F}" type="datetime2">
-              <a:rPr lang="en-US" smtClean="0"/>
-              <a:t>Wednesday, September 10, 14</a:t>
-            </a:fld>
-            <a:endParaRPr lang="en-US"/>
-          </a:p>
-        </p:txBody>
-      </p:sp>
-      <p:sp>
-        <p:nvSpPr>
-          <p:cNvPr id="5" name="Footer Placeholder 4"/>
-          <p:cNvSpPr>
-            <a:spLocks noGrp="1"/>
-          </p:cNvSpPr>
-          <p:nvPr>
-            <p:ph type="ftr" sz="quarter" idx="11"/>
-          </p:nvPr>
-        </p:nvSpPr>
-        <p:spPr/>
-        <p:txBody>
-          <a:bodyPr/>
-          <a:lstStyle/>
-          <a:p>
             <a:pPr algn="r"/>
             <a:r>
               <a:rPr lang="en-US" smtClean="0"/>
-              <a:t>Sanjay Kalé and PPL (UIUC) – Parallel Migratable Objects </a:t>
+              <a:t>Laxmikant Kalé and PPL (UIUC) – Parallel Migratable Objects </a:t>
             </a:r>
             <a:endParaRPr lang="en-US" dirty="0"/>
           </a:p>
@@ -12602,12 +12226,12 @@
       </p:pic>
       <p:sp>
         <p:nvSpPr>
-          <p:cNvPr id="4" name="Date Placeholder 3"/>
-          <p:cNvSpPr>
-            <a:spLocks noGrp="1"/>
-          </p:cNvSpPr>
-          <p:nvPr>
-            <p:ph type="dt" sz="half" idx="10"/>
+          <p:cNvPr id="5" name="Footer Placeholder 4"/>
+          <p:cNvSpPr>
+            <a:spLocks noGrp="1"/>
+          </p:cNvSpPr>
+          <p:nvPr>
+            <p:ph type="ftr" sz="quarter" idx="11"/>
           </p:nvPr>
         </p:nvSpPr>
         <p:spPr/>
@@ -12615,33 +12239,10 @@
           <a:bodyPr/>
           <a:lstStyle/>
           <a:p>
-            <a:fld id="{34621E95-60A9-FF44-9869-513D9D7A859F}" type="datetime2">
-              <a:rPr lang="en-US" smtClean="0"/>
-              <a:t>Wednesday, September 10, 14</a:t>
-            </a:fld>
-            <a:endParaRPr lang="en-US"/>
-          </a:p>
-        </p:txBody>
-      </p:sp>
-      <p:sp>
-        <p:nvSpPr>
-          <p:cNvPr id="5" name="Footer Placeholder 4"/>
-          <p:cNvSpPr>
-            <a:spLocks noGrp="1"/>
-          </p:cNvSpPr>
-          <p:nvPr>
-            <p:ph type="ftr" sz="quarter" idx="11"/>
-          </p:nvPr>
-        </p:nvSpPr>
-        <p:spPr/>
-        <p:txBody>
-          <a:bodyPr/>
-          <a:lstStyle/>
-          <a:p>
             <a:pPr algn="r"/>
             <a:r>
               <a:rPr lang="en-US" smtClean="0"/>
-              <a:t>Sanjay Kalé and PPL (UIUC) – Parallel Migratable Objects </a:t>
+              <a:t>Laxmikant Kalé and PPL (UIUC) – Parallel Migratable Objects </a:t>
             </a:r>
             <a:endParaRPr lang="en-US" dirty="0"/>
           </a:p>
@@ -12857,12 +12458,12 @@
       </p:sp>
       <p:sp>
         <p:nvSpPr>
-          <p:cNvPr id="4" name="Date Placeholder 3"/>
-          <p:cNvSpPr>
-            <a:spLocks noGrp="1"/>
-          </p:cNvSpPr>
-          <p:nvPr>
-            <p:ph type="dt" sz="half" idx="10"/>
+          <p:cNvPr id="5" name="Footer Placeholder 4"/>
+          <p:cNvSpPr>
+            <a:spLocks noGrp="1"/>
+          </p:cNvSpPr>
+          <p:nvPr>
+            <p:ph type="ftr" sz="quarter" idx="11"/>
           </p:nvPr>
         </p:nvSpPr>
         <p:spPr/>
@@ -12870,33 +12471,10 @@
           <a:bodyPr/>
           <a:lstStyle/>
           <a:p>
-            <a:fld id="{34621E95-60A9-FF44-9869-513D9D7A859F}" type="datetime2">
-              <a:rPr lang="en-US" smtClean="0"/>
-              <a:t>Wednesday, September 10, 14</a:t>
-            </a:fld>
-            <a:endParaRPr lang="en-US"/>
-          </a:p>
-        </p:txBody>
-      </p:sp>
-      <p:sp>
-        <p:nvSpPr>
-          <p:cNvPr id="5" name="Footer Placeholder 4"/>
-          <p:cNvSpPr>
-            <a:spLocks noGrp="1"/>
-          </p:cNvSpPr>
-          <p:nvPr>
-            <p:ph type="ftr" sz="quarter" idx="11"/>
-          </p:nvPr>
-        </p:nvSpPr>
-        <p:spPr/>
-        <p:txBody>
-          <a:bodyPr/>
-          <a:lstStyle/>
-          <a:p>
             <a:pPr algn="r"/>
             <a:r>
               <a:rPr lang="en-US" smtClean="0"/>
-              <a:t>Sanjay Kalé and PPL (UIUC) – Parallel Migratable Objects </a:t>
+              <a:t>Laxmikant Kalé and PPL (UIUC) – Parallel Migratable Objects </a:t>
             </a:r>
             <a:endParaRPr lang="en-US" dirty="0"/>
           </a:p>
@@ -13132,12 +12710,12 @@
       </p:sp>
       <p:sp>
         <p:nvSpPr>
-          <p:cNvPr id="4" name="Date Placeholder 3"/>
-          <p:cNvSpPr>
-            <a:spLocks noGrp="1"/>
-          </p:cNvSpPr>
-          <p:nvPr>
-            <p:ph type="dt" sz="half" idx="10"/>
+          <p:cNvPr id="5" name="Footer Placeholder 4"/>
+          <p:cNvSpPr>
+            <a:spLocks noGrp="1"/>
+          </p:cNvSpPr>
+          <p:nvPr>
+            <p:ph type="ftr" sz="quarter" idx="11"/>
           </p:nvPr>
         </p:nvSpPr>
         <p:spPr/>
@@ -13145,33 +12723,10 @@
           <a:bodyPr/>
           <a:lstStyle/>
           <a:p>
-            <a:fld id="{34621E95-60A9-FF44-9869-513D9D7A859F}" type="datetime2">
-              <a:rPr lang="en-US" smtClean="0"/>
-              <a:t>Wednesday, September 10, 14</a:t>
-            </a:fld>
-            <a:endParaRPr lang="en-US"/>
-          </a:p>
-        </p:txBody>
-      </p:sp>
-      <p:sp>
-        <p:nvSpPr>
-          <p:cNvPr id="5" name="Footer Placeholder 4"/>
-          <p:cNvSpPr>
-            <a:spLocks noGrp="1"/>
-          </p:cNvSpPr>
-          <p:nvPr>
-            <p:ph type="ftr" sz="quarter" idx="11"/>
-          </p:nvPr>
-        </p:nvSpPr>
-        <p:spPr/>
-        <p:txBody>
-          <a:bodyPr/>
-          <a:lstStyle/>
-          <a:p>
             <a:pPr algn="r"/>
             <a:r>
               <a:rPr lang="en-US" smtClean="0"/>
-              <a:t>Sanjay Kalé and PPL (UIUC) – Parallel Migratable Objects </a:t>
+              <a:t>Laxmikant Kalé and PPL (UIUC) – Parallel Migratable Objects </a:t>
             </a:r>
             <a:endParaRPr lang="en-US" dirty="0"/>
           </a:p>
@@ -15035,12 +14590,12 @@
       </p:sp>
       <p:sp>
         <p:nvSpPr>
-          <p:cNvPr id="4" name="Date Placeholder 3"/>
-          <p:cNvSpPr>
-            <a:spLocks noGrp="1"/>
-          </p:cNvSpPr>
-          <p:nvPr>
-            <p:ph type="dt" sz="half" idx="10"/>
+          <p:cNvPr id="5" name="Footer Placeholder 4"/>
+          <p:cNvSpPr>
+            <a:spLocks noGrp="1"/>
+          </p:cNvSpPr>
+          <p:nvPr>
+            <p:ph type="ftr" sz="quarter" idx="11"/>
           </p:nvPr>
         </p:nvSpPr>
         <p:spPr/>
@@ -15048,33 +14603,10 @@
           <a:bodyPr/>
           <a:lstStyle/>
           <a:p>
-            <a:fld id="{34621E95-60A9-FF44-9869-513D9D7A859F}" type="datetime2">
-              <a:rPr lang="en-US" smtClean="0"/>
-              <a:t>Wednesday, September 10, 14</a:t>
-            </a:fld>
-            <a:endParaRPr lang="en-US"/>
-          </a:p>
-        </p:txBody>
-      </p:sp>
-      <p:sp>
-        <p:nvSpPr>
-          <p:cNvPr id="5" name="Footer Placeholder 4"/>
-          <p:cNvSpPr>
-            <a:spLocks noGrp="1"/>
-          </p:cNvSpPr>
-          <p:nvPr>
-            <p:ph type="ftr" sz="quarter" idx="11"/>
-          </p:nvPr>
-        </p:nvSpPr>
-        <p:spPr/>
-        <p:txBody>
-          <a:bodyPr/>
-          <a:lstStyle/>
-          <a:p>
             <a:pPr algn="r"/>
             <a:r>
               <a:rPr lang="en-US" smtClean="0"/>
-              <a:t>Sanjay Kalé and PPL (UIUC) – Parallel Migratable Objects </a:t>
+              <a:t>Laxmikant Kalé and PPL (UIUC) – Parallel Migratable Objects </a:t>
             </a:r>
             <a:endParaRPr lang="en-US" dirty="0"/>
           </a:p>
@@ -15263,12 +14795,12 @@
       </p:pic>
       <p:sp>
         <p:nvSpPr>
-          <p:cNvPr id="4" name="Date Placeholder 3"/>
-          <p:cNvSpPr>
-            <a:spLocks noGrp="1"/>
-          </p:cNvSpPr>
-          <p:nvPr>
-            <p:ph type="dt" sz="half" idx="10"/>
+          <p:cNvPr id="5" name="Footer Placeholder 4"/>
+          <p:cNvSpPr>
+            <a:spLocks noGrp="1"/>
+          </p:cNvSpPr>
+          <p:nvPr>
+            <p:ph type="ftr" sz="quarter" idx="11"/>
           </p:nvPr>
         </p:nvSpPr>
         <p:spPr/>
@@ -15276,33 +14808,10 @@
           <a:bodyPr/>
           <a:lstStyle/>
           <a:p>
-            <a:fld id="{34621E95-60A9-FF44-9869-513D9D7A859F}" type="datetime2">
-              <a:rPr lang="en-US" smtClean="0"/>
-              <a:t>Wednesday, September 10, 14</a:t>
-            </a:fld>
-            <a:endParaRPr lang="en-US"/>
-          </a:p>
-        </p:txBody>
-      </p:sp>
-      <p:sp>
-        <p:nvSpPr>
-          <p:cNvPr id="5" name="Footer Placeholder 4"/>
-          <p:cNvSpPr>
-            <a:spLocks noGrp="1"/>
-          </p:cNvSpPr>
-          <p:nvPr>
-            <p:ph type="ftr" sz="quarter" idx="11"/>
-          </p:nvPr>
-        </p:nvSpPr>
-        <p:spPr/>
-        <p:txBody>
-          <a:bodyPr/>
-          <a:lstStyle/>
-          <a:p>
             <a:pPr algn="r"/>
             <a:r>
               <a:rPr lang="en-US" smtClean="0"/>
-              <a:t>Sanjay Kalé and PPL (UIUC) – Parallel Migratable Objects </a:t>
+              <a:t>Laxmikant Kalé and PPL (UIUC) – Parallel Migratable Objects </a:t>
             </a:r>
             <a:endParaRPr lang="en-US" dirty="0"/>
           </a:p>
@@ -15467,12 +14976,12 @@
       </p:sp>
       <p:sp>
         <p:nvSpPr>
-          <p:cNvPr id="4" name="Date Placeholder 3"/>
-          <p:cNvSpPr>
-            <a:spLocks noGrp="1"/>
-          </p:cNvSpPr>
-          <p:nvPr>
-            <p:ph type="dt" sz="half" idx="10"/>
+          <p:cNvPr id="5" name="Footer Placeholder 4"/>
+          <p:cNvSpPr>
+            <a:spLocks noGrp="1"/>
+          </p:cNvSpPr>
+          <p:nvPr>
+            <p:ph type="ftr" sz="quarter" idx="11"/>
           </p:nvPr>
         </p:nvSpPr>
         <p:spPr/>
@@ -15480,33 +14989,10 @@
           <a:bodyPr/>
           <a:lstStyle/>
           <a:p>
-            <a:fld id="{34621E95-60A9-FF44-9869-513D9D7A859F}" type="datetime2">
-              <a:rPr lang="en-US" smtClean="0"/>
-              <a:t>Wednesday, September 10, 14</a:t>
-            </a:fld>
-            <a:endParaRPr lang="en-US"/>
-          </a:p>
-        </p:txBody>
-      </p:sp>
-      <p:sp>
-        <p:nvSpPr>
-          <p:cNvPr id="5" name="Footer Placeholder 4"/>
-          <p:cNvSpPr>
-            <a:spLocks noGrp="1"/>
-          </p:cNvSpPr>
-          <p:nvPr>
-            <p:ph type="ftr" sz="quarter" idx="11"/>
-          </p:nvPr>
-        </p:nvSpPr>
-        <p:spPr/>
-        <p:txBody>
-          <a:bodyPr/>
-          <a:lstStyle/>
-          <a:p>
             <a:pPr algn="r"/>
             <a:r>
               <a:rPr lang="en-US" smtClean="0"/>
-              <a:t>Sanjay Kalé and PPL (UIUC) – Parallel Migratable Objects </a:t>
+              <a:t>Laxmikant Kalé and PPL (UIUC) – Parallel Migratable Objects </a:t>
             </a:r>
             <a:endParaRPr lang="en-US" dirty="0"/>
           </a:p>
@@ -15747,12 +15233,12 @@
       </p:sp>
       <p:sp>
         <p:nvSpPr>
-          <p:cNvPr id="4" name="Date Placeholder 3"/>
-          <p:cNvSpPr>
-            <a:spLocks noGrp="1"/>
-          </p:cNvSpPr>
-          <p:nvPr>
-            <p:ph type="dt" sz="half" idx="10"/>
+          <p:cNvPr id="5" name="Footer Placeholder 4"/>
+          <p:cNvSpPr>
+            <a:spLocks noGrp="1"/>
+          </p:cNvSpPr>
+          <p:nvPr>
+            <p:ph type="ftr" sz="quarter" idx="11"/>
           </p:nvPr>
         </p:nvSpPr>
         <p:spPr/>
@@ -15760,33 +15246,10 @@
           <a:bodyPr/>
           <a:lstStyle/>
           <a:p>
-            <a:fld id="{34621E95-60A9-FF44-9869-513D9D7A859F}" type="datetime2">
-              <a:rPr lang="en-US" smtClean="0"/>
-              <a:t>Wednesday, September 10, 14</a:t>
-            </a:fld>
-            <a:endParaRPr lang="en-US"/>
-          </a:p>
-        </p:txBody>
-      </p:sp>
-      <p:sp>
-        <p:nvSpPr>
-          <p:cNvPr id="5" name="Footer Placeholder 4"/>
-          <p:cNvSpPr>
-            <a:spLocks noGrp="1"/>
-          </p:cNvSpPr>
-          <p:nvPr>
-            <p:ph type="ftr" sz="quarter" idx="11"/>
-          </p:nvPr>
-        </p:nvSpPr>
-        <p:spPr/>
-        <p:txBody>
-          <a:bodyPr/>
-          <a:lstStyle/>
-          <a:p>
             <a:pPr algn="r"/>
             <a:r>
               <a:rPr lang="en-US" smtClean="0"/>
-              <a:t>Sanjay Kalé and PPL (UIUC) – Parallel Migratable Objects </a:t>
+              <a:t>Laxmikant Kalé and PPL (UIUC) – Parallel Migratable Objects </a:t>
             </a:r>
             <a:endParaRPr lang="en-US" dirty="0"/>
           </a:p>

--- a/tutorial-10-load_balancing.pptx
+++ b/tutorial-10-load_balancing.pptx
@@ -223,7 +223,7 @@
           <a:p>
             <a:fld id="{775CE290-E0F5-444C-B849-A8F17CD4104C}" type="datetimeFigureOut">
               <a:rPr lang="en-US" smtClean="0"/>
-              <a:t>9/12/14</a:t>
+              <a:t>11/16/14</a:t>
             </a:fld>
             <a:endParaRPr lang="en-US"/>
           </a:p>
@@ -389,7 +389,7 @@
           <a:p>
             <a:fld id="{AD53A24C-4135-094C-957B-35852E7EDFA4}" type="datetimeFigureOut">
               <a:rPr lang="en-US" smtClean="0"/>
-              <a:t>9/12/14</a:t>
+              <a:t>11/16/14</a:t>
             </a:fld>
             <a:endParaRPr lang="en-US"/>
           </a:p>
@@ -850,7 +850,7 @@
           <a:p>
             <a:fld id="{0DD10391-1DB6-5D4D-A9E2-6F70F970C135}" type="datetime2">
               <a:rPr lang="en-US" smtClean="0"/>
-              <a:t>Friday, September 12, 14</a:t>
+              <a:t>Sunday, November 16, 14</a:t>
             </a:fld>
             <a:endParaRPr lang="en-US"/>
           </a:p>
@@ -1153,7 +1153,7 @@
                 <a:latin typeface="Times New Roman"/>
                 <a:cs typeface="Times New Roman"/>
               </a:rPr>
-              <a:t>September 12, 2014</a:t>
+              <a:t>November 16, 2014</a:t>
             </a:fld>
             <a:endParaRPr lang="en-US" dirty="0">
               <a:latin typeface="Times New Roman"/>
@@ -1427,7 +1427,7 @@
                 <a:latin typeface="Times New Roman"/>
                 <a:cs typeface="Times New Roman"/>
               </a:rPr>
-              <a:t>September 12, 2014</a:t>
+              <a:t>November 16, 2014</a:t>
             </a:fld>
             <a:endParaRPr lang="en-US" dirty="0">
               <a:latin typeface="Times New Roman"/>
@@ -1662,7 +1662,7 @@
           <a:p>
             <a:fld id="{09352B9C-CD04-B245-AC60-38B988669D7C}" type="datetime2">
               <a:rPr lang="en-US" smtClean="0"/>
-              <a:t>Friday, September 12, 14</a:t>
+              <a:t>Sunday, November 16, 14</a:t>
             </a:fld>
             <a:endParaRPr lang="en-US"/>
           </a:p>
@@ -1973,7 +1973,7 @@
           <a:p>
             <a:fld id="{6376F45E-3272-9947-B6E5-BA07629914D0}" type="datetime2">
               <a:rPr lang="en-US" smtClean="0"/>
-              <a:t>Friday, September 12, 14</a:t>
+              <a:t>Sunday, November 16, 14</a:t>
             </a:fld>
             <a:endParaRPr lang="en-US"/>
           </a:p>
@@ -2144,7 +2144,7 @@
           <a:p>
             <a:fld id="{B9D99FF2-6226-2F4D-9FE3-0C72920365A3}" type="datetime2">
               <a:rPr lang="en-US" smtClean="0"/>
-              <a:t>Friday, September 12, 14</a:t>
+              <a:t>Sunday, November 16, 14</a:t>
             </a:fld>
             <a:endParaRPr lang="en-US"/>
           </a:p>
@@ -2325,7 +2325,7 @@
           <a:p>
             <a:fld id="{077ECA9D-FA2C-9C4A-BEE4-2FE5C77C975F}" type="datetime2">
               <a:rPr lang="en-US" smtClean="0"/>
-              <a:t>Friday, September 12, 14</a:t>
+              <a:t>Sunday, November 16, 14</a:t>
             </a:fld>
             <a:endParaRPr lang="en-US"/>
           </a:p>
@@ -2579,7 +2579,7 @@
           <a:p>
             <a:fld id="{C1EEF417-DF1E-2349-8DF9-68F21AC21008}" type="datetime2">
               <a:rPr lang="en-US" smtClean="0"/>
-              <a:t>Friday, September 12, 14</a:t>
+              <a:t>Sunday, November 16, 14</a:t>
             </a:fld>
             <a:endParaRPr lang="en-US"/>
           </a:p>
@@ -2882,7 +2882,7 @@
                 <a:latin typeface="Times New Roman"/>
                 <a:cs typeface="Times New Roman"/>
               </a:rPr>
-              <a:t>September 12, 2014</a:t>
+              <a:t>November 16, 2014</a:t>
             </a:fld>
             <a:endParaRPr lang="en-US" dirty="0">
               <a:latin typeface="Times New Roman"/>
@@ -3008,7 +3008,7 @@
           <a:p>
             <a:fld id="{3376C989-B4E2-B249-B32C-2DD4A5A9E8BA}" type="datetime2">
               <a:rPr lang="en-US" smtClean="0"/>
-              <a:t>Friday, September 12, 14</a:t>
+              <a:t>Sunday, November 16, 14</a:t>
             </a:fld>
             <a:endParaRPr lang="en-US" dirty="0"/>
           </a:p>
@@ -3537,7 +3537,7 @@
           <a:p>
             <a:fld id="{E225BBF8-0077-E04A-A593-3651D4FC6485}" type="datetime2">
               <a:rPr lang="en-US" smtClean="0"/>
-              <a:t>Friday, September 12, 14</a:t>
+              <a:t>Sunday, November 16, 14</a:t>
             </a:fld>
             <a:endParaRPr lang="en-US" dirty="0"/>
           </a:p>
@@ -3833,7 +3833,7 @@
           <a:p>
             <a:fld id="{F07A3535-A015-FA4D-9690-9ABCD06B779D}" type="datetime2">
               <a:rPr lang="en-US" smtClean="0"/>
-              <a:t>Friday, September 12, 14</a:t>
+              <a:t>Sunday, November 16, 14</a:t>
             </a:fld>
             <a:endParaRPr lang="en-US"/>
           </a:p>
@@ -3952,7 +3952,7 @@
           <a:p>
             <a:fld id="{9B43A5F4-2A4C-434B-9701-2F3B5707B10A}" type="datetime2">
               <a:rPr lang="en-US" smtClean="0"/>
-              <a:t>Friday, September 12, 14</a:t>
+              <a:t>Sunday, November 16, 14</a:t>
             </a:fld>
             <a:endParaRPr lang="en-US" dirty="0"/>
           </a:p>
@@ -4439,7 +4439,7 @@
           <a:p>
             <a:fld id="{E4576827-857F-0449-A93D-BEC4A726D8A4}" type="datetime2">
               <a:rPr lang="en-US" smtClean="0"/>
-              <a:t>Friday, September 12, 14</a:t>
+              <a:t>Sunday, November 16, 14</a:t>
             </a:fld>
             <a:endParaRPr lang="en-US"/>
           </a:p>
@@ -4770,7 +4770,7 @@
           <a:p>
             <a:fld id="{9B371B0E-505F-324B-89F6-3E7FD6808118}" type="datetime2">
               <a:rPr lang="en-US" smtClean="0"/>
-              <a:t>Friday, September 12, 14</a:t>
+              <a:t>Sunday, November 16, 14</a:t>
             </a:fld>
             <a:endParaRPr lang="en-US" dirty="0"/>
           </a:p>
@@ -5249,7 +5249,7 @@
           <a:p>
             <a:fld id="{E131629D-2F3E-4940-A9A4-305535DFDFBF}" type="datetime2">
               <a:rPr lang="en-US" smtClean="0"/>
-              <a:t>Friday, September 12, 14</a:t>
+              <a:t>Sunday, November 16, 14</a:t>
             </a:fld>
             <a:endParaRPr lang="en-US"/>
           </a:p>
@@ -5545,7 +5545,7 @@
           <a:p>
             <a:fld id="{716ABDEF-604C-8647-8662-FC7DD558D147}" type="datetime2">
               <a:rPr lang="en-US" smtClean="0"/>
-              <a:t>Friday, September 12, 14</a:t>
+              <a:t>Sunday, November 16, 14</a:t>
             </a:fld>
             <a:endParaRPr lang="en-US" dirty="0"/>
           </a:p>
@@ -5788,7 +5788,7 @@
           <a:p>
             <a:fld id="{9AEE7E98-0AF0-884A-A0D0-325B4547BB5B}" type="datetime2">
               <a:rPr lang="en-US" smtClean="0"/>
-              <a:t>Friday, September 12, 14</a:t>
+              <a:t>Sunday, November 16, 14</a:t>
             </a:fld>
             <a:endParaRPr lang="en-US"/>
           </a:p>
@@ -5884,7 +5884,7 @@
           <a:p>
             <a:fld id="{FDD9FAFE-7C67-F443-A58C-0AF490A5F613}" type="datetime2">
               <a:rPr lang="en-US" smtClean="0"/>
-              <a:t>Friday, September 12, 14</a:t>
+              <a:t>Sunday, November 16, 14</a:t>
             </a:fld>
             <a:endParaRPr lang="en-US"/>
           </a:p>
@@ -6199,7 +6199,7 @@
           <a:p>
             <a:fld id="{9F2EA7BD-9570-1748-A1BC-E8D4F12298D5}" type="datetime2">
               <a:rPr lang="en-US" smtClean="0"/>
-              <a:t>Friday, September 12, 14</a:t>
+              <a:t>Sunday, November 16, 14</a:t>
             </a:fld>
             <a:endParaRPr lang="en-US" dirty="0"/>
           </a:p>
@@ -7062,93 +7062,93 @@
         </p:nvSpPr>
         <p:spPr/>
         <p:txBody>
-          <a:bodyPr/>
+          <a:bodyPr>
+            <a:normAutofit/>
+          </a:bodyPr>
           <a:lstStyle/>
           <a:p>
             <a:r>
-              <a:rPr lang="en-US" dirty="0"/>
+              <a:rPr lang="en-US" sz="2800" dirty="0"/>
               <a:t>Examples representing typical classes of situations</a:t>
             </a:r>
           </a:p>
           <a:p>
             <a:pPr lvl="1"/>
             <a:r>
-              <a:rPr lang="en-US" dirty="0" smtClean="0"/>
+              <a:rPr lang="en-US" sz="2400" dirty="0" smtClean="0"/>
               <a:t>Particles </a:t>
             </a:r>
             <a:r>
-              <a:rPr lang="en-US" dirty="0"/>
+              <a:rPr lang="en-US" sz="2400" dirty="0"/>
               <a:t>distributed over simulation space </a:t>
             </a:r>
-            <a:endParaRPr lang="en-US" dirty="0" smtClean="0"/>
+            <a:endParaRPr lang="en-US" sz="2400" dirty="0" smtClean="0"/>
           </a:p>
           <a:p>
             <a:pPr lvl="2"/>
             <a:r>
-              <a:rPr lang="en-US" dirty="0" smtClean="0"/>
+              <a:rPr lang="en-US" sz="2000" dirty="0" smtClean="0"/>
               <a:t>Dynamic</a:t>
             </a:r>
             <a:r>
-              <a:rPr lang="en-US" dirty="0"/>
+              <a:rPr lang="en-US" sz="2000" dirty="0"/>
               <a:t>: because Particles </a:t>
             </a:r>
             <a:r>
-              <a:rPr lang="en-US" dirty="0" smtClean="0"/>
+              <a:rPr lang="en-US" sz="2000" dirty="0" smtClean="0"/>
               <a:t>move</a:t>
             </a:r>
-            <a:endParaRPr lang="en-US" dirty="0"/>
+            <a:endParaRPr lang="en-US" sz="2000" dirty="0"/>
           </a:p>
           <a:p>
             <a:pPr lvl="2"/>
             <a:r>
-              <a:rPr lang="en-US" dirty="0" smtClean="0"/>
-              <a:t>Cases</a:t>
-            </a:r>
-            <a:r>
-              <a:rPr lang="en-US" dirty="0"/>
-              <a:t>:</a:t>
-            </a:r>
-          </a:p>
-          <a:p>
-            <a:pPr marL="966788" lvl="2" indent="0">
-              <a:buNone/>
-            </a:pPr>
-            <a:r>
-              <a:rPr lang="en-US" dirty="0"/>
-              <a:t>Highly non-uniform distribution (cosmology) </a:t>
-            </a:r>
-            <a:endParaRPr lang="en-US" dirty="0" smtClean="0"/>
-          </a:p>
-          <a:p>
-            <a:pPr marL="966788" lvl="2" indent="0">
-              <a:buNone/>
-            </a:pPr>
-            <a:r>
-              <a:rPr lang="en-US" dirty="0" smtClean="0"/>
+              <a:rPr lang="en-US" sz="2000" dirty="0" smtClean="0"/>
+              <a:t>Cases:</a:t>
+            </a:r>
+          </a:p>
+          <a:p>
+            <a:pPr lvl="3"/>
+            <a:r>
+              <a:rPr lang="en-US" sz="1800" dirty="0" smtClean="0"/>
+              <a:t>Highly </a:t>
+            </a:r>
+            <a:r>
+              <a:rPr lang="en-US" sz="1800" dirty="0"/>
+              <a:t>non-uniform distribution (cosmology) </a:t>
+            </a:r>
+            <a:endParaRPr lang="en-US" sz="1800" dirty="0"/>
+          </a:p>
+          <a:p>
+            <a:pPr lvl="3"/>
+            <a:r>
+              <a:rPr lang="en-US" sz="1800" dirty="0" smtClean="0"/>
               <a:t>Relatively </a:t>
             </a:r>
             <a:r>
-              <a:rPr lang="en-US" dirty="0"/>
+              <a:rPr lang="en-US" sz="1800" dirty="0"/>
               <a:t>Uniform distribution</a:t>
             </a:r>
           </a:p>
           <a:p>
-            <a:r>
-              <a:rPr lang="en-US" dirty="0"/>
+            <a:pPr lvl="1"/>
+            <a:r>
+              <a:rPr lang="en-US" sz="2400" dirty="0"/>
               <a:t>Structured grids, with dynamic refinements/</a:t>
             </a:r>
             <a:r>
-              <a:rPr lang="en-US" dirty="0" smtClean="0"/>
+              <a:rPr lang="en-US" sz="2400" dirty="0" smtClean="0"/>
               <a:t>coarsening</a:t>
             </a:r>
           </a:p>
           <a:p>
-            <a:r>
-              <a:rPr lang="en-US" dirty="0" smtClean="0"/>
+            <a:pPr lvl="1"/>
+            <a:r>
+              <a:rPr lang="en-US" sz="2400" dirty="0" smtClean="0"/>
               <a:t>Unstructured </a:t>
             </a:r>
             <a:r>
-              <a:rPr lang="en-US" dirty="0"/>
+              <a:rPr lang="en-US" sz="2400" dirty="0"/>
               <a:t>grids with dynamic refinements/coarsening</a:t>
             </a:r>
           </a:p>
@@ -7340,8 +7340,12 @@
               <a:t>Quite </a:t>
             </a:r>
             <a:r>
+              <a:rPr lang="en-US" dirty="0" smtClean="0"/>
+              <a:t>a good </a:t>
+            </a:r>
+            <a:r>
               <a:rPr lang="en-US" dirty="0"/>
-              <a:t>good a choice when load balancing period is high</a:t>
+              <a:t>choice when load balancing period is high</a:t>
             </a:r>
           </a:p>
           <a:p>
@@ -10161,8 +10165,12 @@
           <a:p>
             <a:pPr lvl="1"/>
             <a:r>
-              <a:rPr lang="en-US" dirty="0" smtClean="0"/>
-              <a:t>load </a:t>
+              <a:rPr lang="en-US" dirty="0"/>
+              <a:t>L</a:t>
+            </a:r>
+            <a:r>
+              <a:rPr lang="en-US" smtClean="0"/>
+              <a:t>oad </a:t>
             </a:r>
             <a:r>
               <a:rPr lang="en-US" dirty="0"/>
@@ -12382,7 +12390,21 @@
                 <a:latin typeface="Lucida Console"/>
                 <a:cs typeface="Lucida Console"/>
               </a:rPr>
-              <a:t>) At Sync();</a:t>
+              <a:t>) </a:t>
+            </a:r>
+            <a:r>
+              <a:rPr lang="en-US" dirty="0" err="1" smtClean="0">
+                <a:latin typeface="Lucida Console"/>
+                <a:cs typeface="Lucida Console"/>
+              </a:rPr>
+              <a:t>AtSync</a:t>
+            </a:r>
+            <a:r>
+              <a:rPr lang="en-US" dirty="0" smtClean="0">
+                <a:latin typeface="Lucida Console"/>
+                <a:cs typeface="Lucida Console"/>
+              </a:rPr>
+              <a:t>();</a:t>
             </a:r>
             <a:r>
               <a:rPr lang="en-US" dirty="0" smtClean="0">

--- a/tutorial-10-load_balancing.pptx
+++ b/tutorial-10-load_balancing.pptx
@@ -5,10 +5,10 @@
     <p:sldMasterId id="2147483974" r:id="rId1"/>
   </p:sldMasterIdLst>
   <p:notesMasterIdLst>
-    <p:notesMasterId r:id="rId25"/>
+    <p:notesMasterId r:id="rId22"/>
   </p:notesMasterIdLst>
   <p:handoutMasterIdLst>
-    <p:handoutMasterId r:id="rId26"/>
+    <p:handoutMasterId r:id="rId23"/>
   </p:handoutMasterIdLst>
   <p:sldIdLst>
     <p:sldId id="431" r:id="rId2"/>
@@ -18,22 +18,19 @@
     <p:sldId id="436" r:id="rId6"/>
     <p:sldId id="437" r:id="rId7"/>
     <p:sldId id="438" r:id="rId8"/>
-    <p:sldId id="439" r:id="rId9"/>
-    <p:sldId id="440" r:id="rId10"/>
-    <p:sldId id="441" r:id="rId11"/>
-    <p:sldId id="442" r:id="rId12"/>
-    <p:sldId id="443" r:id="rId13"/>
-    <p:sldId id="444" r:id="rId14"/>
-    <p:sldId id="445" r:id="rId15"/>
-    <p:sldId id="447" r:id="rId16"/>
-    <p:sldId id="448" r:id="rId17"/>
-    <p:sldId id="449" r:id="rId18"/>
-    <p:sldId id="450" r:id="rId19"/>
-    <p:sldId id="451" r:id="rId20"/>
-    <p:sldId id="452" r:id="rId21"/>
-    <p:sldId id="453" r:id="rId22"/>
-    <p:sldId id="454" r:id="rId23"/>
-    <p:sldId id="455" r:id="rId24"/>
+    <p:sldId id="440" r:id="rId9"/>
+    <p:sldId id="442" r:id="rId10"/>
+    <p:sldId id="444" r:id="rId11"/>
+    <p:sldId id="445" r:id="rId12"/>
+    <p:sldId id="447" r:id="rId13"/>
+    <p:sldId id="448" r:id="rId14"/>
+    <p:sldId id="449" r:id="rId15"/>
+    <p:sldId id="450" r:id="rId16"/>
+    <p:sldId id="451" r:id="rId17"/>
+    <p:sldId id="452" r:id="rId18"/>
+    <p:sldId id="453" r:id="rId19"/>
+    <p:sldId id="454" r:id="rId20"/>
+    <p:sldId id="455" r:id="rId21"/>
   </p:sldIdLst>
   <p:sldSz cx="9144000" cy="6858000" type="screen4x3"/>
   <p:notesSz cx="6858000" cy="9144000"/>
@@ -7045,7 +7042,7 @@
           <a:p>
             <a:r>
               <a:rPr lang="en-US" dirty="0"/>
-              <a:t>Dynamic Load Balancing Scenarios</a:t>
+              <a:t>Periodic Load Balancing</a:t>
             </a:r>
           </a:p>
         </p:txBody>
@@ -7062,888 +7059,7 @@
         </p:nvSpPr>
         <p:spPr/>
         <p:txBody>
-          <a:bodyPr>
-            <a:normAutofit/>
-          </a:bodyPr>
-          <a:lstStyle/>
-          <a:p>
-            <a:r>
-              <a:rPr lang="en-US" sz="2800" dirty="0"/>
-              <a:t>Examples representing typical classes of situations</a:t>
-            </a:r>
-          </a:p>
-          <a:p>
-            <a:pPr lvl="1"/>
-            <a:r>
-              <a:rPr lang="en-US" sz="2400" dirty="0" smtClean="0"/>
-              <a:t>Particles </a:t>
-            </a:r>
-            <a:r>
-              <a:rPr lang="en-US" sz="2400" dirty="0"/>
-              <a:t>distributed over simulation space </a:t>
-            </a:r>
-            <a:endParaRPr lang="en-US" sz="2400" dirty="0" smtClean="0"/>
-          </a:p>
-          <a:p>
-            <a:pPr lvl="2"/>
-            <a:r>
-              <a:rPr lang="en-US" sz="2000" dirty="0" smtClean="0"/>
-              <a:t>Dynamic</a:t>
-            </a:r>
-            <a:r>
-              <a:rPr lang="en-US" sz="2000" dirty="0"/>
-              <a:t>: because Particles </a:t>
-            </a:r>
-            <a:r>
-              <a:rPr lang="en-US" sz="2000" dirty="0" smtClean="0"/>
-              <a:t>move</a:t>
-            </a:r>
-            <a:endParaRPr lang="en-US" sz="2000" dirty="0"/>
-          </a:p>
-          <a:p>
-            <a:pPr lvl="2"/>
-            <a:r>
-              <a:rPr lang="en-US" sz="2000" dirty="0" smtClean="0"/>
-              <a:t>Cases:</a:t>
-            </a:r>
-          </a:p>
-          <a:p>
-            <a:pPr lvl="3"/>
-            <a:r>
-              <a:rPr lang="en-US" sz="1800" dirty="0" smtClean="0"/>
-              <a:t>Highly </a:t>
-            </a:r>
-            <a:r>
-              <a:rPr lang="en-US" sz="1800" dirty="0"/>
-              <a:t>non-uniform distribution (cosmology) </a:t>
-            </a:r>
-            <a:endParaRPr lang="en-US" sz="1800" dirty="0"/>
-          </a:p>
-          <a:p>
-            <a:pPr lvl="3"/>
-            <a:r>
-              <a:rPr lang="en-US" sz="1800" dirty="0" smtClean="0"/>
-              <a:t>Relatively </a:t>
-            </a:r>
-            <a:r>
-              <a:rPr lang="en-US" sz="1800" dirty="0"/>
-              <a:t>Uniform distribution</a:t>
-            </a:r>
-          </a:p>
-          <a:p>
-            <a:pPr lvl="1"/>
-            <a:r>
-              <a:rPr lang="en-US" sz="2400" dirty="0"/>
-              <a:t>Structured grids, with dynamic refinements/</a:t>
-            </a:r>
-            <a:r>
-              <a:rPr lang="en-US" sz="2400" dirty="0" smtClean="0"/>
-              <a:t>coarsening</a:t>
-            </a:r>
-          </a:p>
-          <a:p>
-            <a:pPr lvl="1"/>
-            <a:r>
-              <a:rPr lang="en-US" sz="2400" dirty="0" smtClean="0"/>
-              <a:t>Unstructured </a:t>
-            </a:r>
-            <a:r>
-              <a:rPr lang="en-US" sz="2400" dirty="0"/>
-              <a:t>grids with dynamic refinements/coarsening</a:t>
-            </a:r>
-          </a:p>
-        </p:txBody>
-      </p:sp>
-      <p:sp>
-        <p:nvSpPr>
-          <p:cNvPr id="5" name="Footer Placeholder 4"/>
-          <p:cNvSpPr>
-            <a:spLocks noGrp="1"/>
-          </p:cNvSpPr>
-          <p:nvPr>
-            <p:ph type="ftr" sz="quarter" idx="11"/>
-          </p:nvPr>
-        </p:nvSpPr>
-        <p:spPr/>
-        <p:txBody>
           <a:bodyPr/>
-          <a:lstStyle/>
-          <a:p>
-            <a:pPr algn="r"/>
-            <a:r>
-              <a:rPr lang="en-US" smtClean="0"/>
-              <a:t>Laxmikant Kalé and PPL (UIUC) – Parallel Migratable Objects </a:t>
-            </a:r>
-            <a:endParaRPr lang="en-US" dirty="0"/>
-          </a:p>
-        </p:txBody>
-      </p:sp>
-      <p:sp>
-        <p:nvSpPr>
-          <p:cNvPr id="6" name="Slide Number Placeholder 5"/>
-          <p:cNvSpPr>
-            <a:spLocks noGrp="1"/>
-          </p:cNvSpPr>
-          <p:nvPr>
-            <p:ph type="sldNum" sz="quarter" idx="12"/>
-          </p:nvPr>
-        </p:nvSpPr>
-        <p:spPr/>
-        <p:txBody>
-          <a:bodyPr/>
-          <a:lstStyle/>
-          <a:p>
-            <a:fld id="{0CFEC368-1D7A-4F81-ABF6-AE0E36BAF64C}" type="slidenum">
-              <a:rPr lang="en-US" smtClean="0"/>
-              <a:pPr/>
-              <a:t>10</a:t>
-            </a:fld>
-            <a:endParaRPr lang="en-US"/>
-          </a:p>
-        </p:txBody>
-      </p:sp>
-    </p:spTree>
-    <p:extLst>
-      <p:ext uri="{BB962C8B-B14F-4D97-AF65-F5344CB8AC3E}">
-        <p14:creationId xmlns:p14="http://schemas.microsoft.com/office/powerpoint/2010/main" val="1156008709"/>
-      </p:ext>
-    </p:extLst>
-  </p:cSld>
-  <p:clrMapOvr>
-    <a:masterClrMapping/>
-  </p:clrMapOvr>
-  <p:timing>
-    <p:tnLst>
-      <p:par>
-        <p:cTn xmlns:p14="http://schemas.microsoft.com/office/powerpoint/2010/main" id="1" dur="indefinite" restart="never" nodeType="tmRoot"/>
-      </p:par>
-    </p:tnLst>
-  </p:timing>
-</p:sld>
-</file>
-
-<file path=ppt/slides/slide11.xml><?xml version="1.0" encoding="utf-8"?>
-<p:sld xmlns:a="http://schemas.openxmlformats.org/drawingml/2006/main" xmlns:r="http://schemas.openxmlformats.org/officeDocument/2006/relationships" xmlns:p="http://schemas.openxmlformats.org/presentationml/2006/main">
-  <p:cSld>
-    <p:spTree>
-      <p:nvGrpSpPr>
-        <p:cNvPr id="1" name=""/>
-        <p:cNvGrpSpPr/>
-        <p:nvPr/>
-      </p:nvGrpSpPr>
-      <p:grpSpPr>
-        <a:xfrm>
-          <a:off x="0" y="0"/>
-          <a:ext cx="0" cy="0"/>
-          <a:chOff x="0" y="0"/>
-          <a:chExt cx="0" cy="0"/>
-        </a:xfrm>
-      </p:grpSpPr>
-      <p:sp>
-        <p:nvSpPr>
-          <p:cNvPr id="2" name="Title 1"/>
-          <p:cNvSpPr>
-            <a:spLocks noGrp="1"/>
-          </p:cNvSpPr>
-          <p:nvPr>
-            <p:ph type="title"/>
-          </p:nvPr>
-        </p:nvSpPr>
-        <p:spPr/>
-        <p:txBody>
-          <a:bodyPr>
-            <a:normAutofit/>
-          </a:bodyPr>
-          <a:lstStyle/>
-          <a:p>
-            <a:r>
-              <a:rPr lang="en-US" dirty="0"/>
-              <a:t>Load Balancing Strategies</a:t>
-            </a:r>
-          </a:p>
-        </p:txBody>
-      </p:sp>
-      <p:sp>
-        <p:nvSpPr>
-          <p:cNvPr id="3" name="Content Placeholder 2"/>
-          <p:cNvSpPr>
-            <a:spLocks noGrp="1"/>
-          </p:cNvSpPr>
-          <p:nvPr>
-            <p:ph idx="1"/>
-          </p:nvPr>
-        </p:nvSpPr>
-        <p:spPr/>
-        <p:txBody>
-          <a:bodyPr>
-            <a:normAutofit/>
-          </a:bodyPr>
-          <a:lstStyle/>
-          <a:p>
-            <a:r>
-              <a:rPr lang="en-US" dirty="0"/>
-              <a:t>Classified by when it is done:</a:t>
-            </a:r>
-          </a:p>
-          <a:p>
-            <a:pPr lvl="1"/>
-            <a:r>
-              <a:rPr lang="en-US" dirty="0" smtClean="0"/>
-              <a:t>Initially</a:t>
-            </a:r>
-            <a:endParaRPr lang="en-US" dirty="0"/>
-          </a:p>
-          <a:p>
-            <a:pPr lvl="1"/>
-            <a:r>
-              <a:rPr lang="en-US" dirty="0" smtClean="0"/>
-              <a:t>Dynamic</a:t>
-            </a:r>
-            <a:r>
-              <a:rPr lang="en-US" dirty="0"/>
-              <a:t>: Periodically </a:t>
-            </a:r>
-            <a:endParaRPr lang="en-US" dirty="0" smtClean="0"/>
-          </a:p>
-          <a:p>
-            <a:pPr lvl="1"/>
-            <a:r>
-              <a:rPr lang="en-US" dirty="0" smtClean="0"/>
-              <a:t>Dynamic</a:t>
-            </a:r>
-            <a:r>
-              <a:rPr lang="en-US" dirty="0"/>
-              <a:t>: Continuously</a:t>
-            </a:r>
-          </a:p>
-          <a:p>
-            <a:r>
-              <a:rPr lang="en-US" dirty="0"/>
-              <a:t>Classified by whether decisions are taken with global information</a:t>
-            </a:r>
-          </a:p>
-          <a:p>
-            <a:pPr lvl="1"/>
-            <a:r>
-              <a:rPr lang="en-US" dirty="0" smtClean="0"/>
-              <a:t>Fully </a:t>
-            </a:r>
-            <a:r>
-              <a:rPr lang="en-US" dirty="0"/>
-              <a:t>centralized</a:t>
-            </a:r>
-          </a:p>
-          <a:p>
-            <a:pPr lvl="2"/>
-            <a:r>
-              <a:rPr lang="en-US" dirty="0" smtClean="0"/>
-              <a:t>Quite </a:t>
-            </a:r>
-            <a:r>
-              <a:rPr lang="en-US" dirty="0" smtClean="0"/>
-              <a:t>a good </a:t>
-            </a:r>
-            <a:r>
-              <a:rPr lang="en-US" dirty="0"/>
-              <a:t>choice when load balancing period is high</a:t>
-            </a:r>
-          </a:p>
-          <a:p>
-            <a:pPr lvl="1"/>
-            <a:r>
-              <a:rPr lang="en-US" dirty="0" smtClean="0"/>
-              <a:t>Fully </a:t>
-            </a:r>
-            <a:r>
-              <a:rPr lang="en-US" dirty="0"/>
-              <a:t>distributed</a:t>
-            </a:r>
-          </a:p>
-          <a:p>
-            <a:pPr lvl="2"/>
-            <a:r>
-              <a:rPr lang="en-US" dirty="0" smtClean="0"/>
-              <a:t>Each </a:t>
-            </a:r>
-            <a:r>
-              <a:rPr lang="en-US" dirty="0"/>
-              <a:t>processor knows only about a constant number of neighbors</a:t>
-            </a:r>
-          </a:p>
-          <a:p>
-            <a:pPr lvl="2"/>
-            <a:r>
-              <a:rPr lang="en-US" dirty="0" smtClean="0"/>
-              <a:t>Extreme </a:t>
-            </a:r>
-            <a:r>
-              <a:rPr lang="en-US" dirty="0"/>
-              <a:t>case: totally local decision (send work to a random </a:t>
-            </a:r>
-            <a:r>
-              <a:rPr lang="en-US" dirty="0" smtClean="0"/>
-              <a:t>destination processor</a:t>
-            </a:r>
-            <a:r>
-              <a:rPr lang="en-US" dirty="0"/>
-              <a:t>, with some probability).</a:t>
-            </a:r>
-          </a:p>
-          <a:p>
-            <a:pPr lvl="1"/>
-            <a:r>
-              <a:rPr lang="en-US" dirty="0" smtClean="0"/>
-              <a:t>Use </a:t>
-            </a:r>
-            <a:r>
-              <a:rPr lang="en-US" i="1" dirty="0"/>
-              <a:t>aggregated</a:t>
-            </a:r>
-            <a:r>
-              <a:rPr lang="en-US" dirty="0"/>
-              <a:t> global information, and </a:t>
-            </a:r>
-            <a:r>
-              <a:rPr lang="en-US" i="1" dirty="0"/>
-              <a:t>detailed </a:t>
-            </a:r>
-            <a:r>
-              <a:rPr lang="en-US" dirty="0"/>
-              <a:t>neighborhood info.</a:t>
-            </a:r>
-          </a:p>
-        </p:txBody>
-      </p:sp>
-      <p:sp>
-        <p:nvSpPr>
-          <p:cNvPr id="5" name="Footer Placeholder 4"/>
-          <p:cNvSpPr>
-            <a:spLocks noGrp="1"/>
-          </p:cNvSpPr>
-          <p:nvPr>
-            <p:ph type="ftr" sz="quarter" idx="11"/>
-          </p:nvPr>
-        </p:nvSpPr>
-        <p:spPr/>
-        <p:txBody>
-          <a:bodyPr/>
-          <a:lstStyle/>
-          <a:p>
-            <a:pPr algn="r"/>
-            <a:r>
-              <a:rPr lang="en-US" smtClean="0"/>
-              <a:t>Laxmikant Kalé and PPL (UIUC) – Parallel Migratable Objects </a:t>
-            </a:r>
-            <a:endParaRPr lang="en-US" dirty="0"/>
-          </a:p>
-        </p:txBody>
-      </p:sp>
-      <p:sp>
-        <p:nvSpPr>
-          <p:cNvPr id="6" name="Slide Number Placeholder 5"/>
-          <p:cNvSpPr>
-            <a:spLocks noGrp="1"/>
-          </p:cNvSpPr>
-          <p:nvPr>
-            <p:ph type="sldNum" sz="quarter" idx="12"/>
-          </p:nvPr>
-        </p:nvSpPr>
-        <p:spPr/>
-        <p:txBody>
-          <a:bodyPr/>
-          <a:lstStyle/>
-          <a:p>
-            <a:fld id="{0CFEC368-1D7A-4F81-ABF6-AE0E36BAF64C}" type="slidenum">
-              <a:rPr lang="en-US" smtClean="0"/>
-              <a:pPr/>
-              <a:t>11</a:t>
-            </a:fld>
-            <a:endParaRPr lang="en-US"/>
-          </a:p>
-        </p:txBody>
-      </p:sp>
-    </p:spTree>
-    <p:extLst>
-      <p:ext uri="{BB962C8B-B14F-4D97-AF65-F5344CB8AC3E}">
-        <p14:creationId xmlns:p14="http://schemas.microsoft.com/office/powerpoint/2010/main" val="582181170"/>
-      </p:ext>
-    </p:extLst>
-  </p:cSld>
-  <p:clrMapOvr>
-    <a:masterClrMapping/>
-  </p:clrMapOvr>
-  <p:timing>
-    <p:tnLst>
-      <p:par>
-        <p:cTn xmlns:p14="http://schemas.microsoft.com/office/powerpoint/2010/main" id="1" dur="indefinite" restart="never" nodeType="tmRoot">
-          <p:childTnLst>
-            <p:seq concurrent="1" nextAc="seek">
-              <p:cTn id="2" dur="indefinite" nodeType="mainSeq">
-                <p:childTnLst>
-                  <p:par>
-                    <p:cTn id="3" fill="hold">
-                      <p:stCondLst>
-                        <p:cond delay="indefinite"/>
-                        <p:cond evt="onBegin" delay="0">
-                          <p:tn val="2"/>
-                        </p:cond>
-                      </p:stCondLst>
-                      <p:childTnLst>
-                        <p:par>
-                          <p:cTn id="4" fill="hold">
-                            <p:stCondLst>
-                              <p:cond delay="0"/>
-                            </p:stCondLst>
-                            <p:childTnLst>
-                              <p:par>
-                                <p:cTn id="5" presetID="1" presetClass="entr" presetSubtype="0" fill="hold" grpId="0" nodeType="withEffect">
-                                  <p:stCondLst>
-                                    <p:cond delay="0"/>
-                                  </p:stCondLst>
-                                  <p:childTnLst>
-                                    <p:set>
-                                      <p:cBhvr>
-                                        <p:cTn id="6" dur="1" fill="hold">
-                                          <p:stCondLst>
-                                            <p:cond delay="0"/>
-                                          </p:stCondLst>
-                                        </p:cTn>
-                                        <p:tgtEl>
-                                          <p:spTgt spid="3">
-                                            <p:txEl>
-                                              <p:pRg st="0" end="0"/>
-                                            </p:txEl>
-                                          </p:spTgt>
-                                        </p:tgtEl>
-                                        <p:attrNameLst>
-                                          <p:attrName>style.visibility</p:attrName>
-                                        </p:attrNameLst>
-                                      </p:cBhvr>
-                                      <p:to>
-                                        <p:strVal val="visible"/>
-                                      </p:to>
-                                    </p:set>
-                                  </p:childTnLst>
-                                </p:cTn>
-                              </p:par>
-                              <p:par>
-                                <p:cTn id="7" presetID="1" presetClass="entr" presetSubtype="0" fill="hold" grpId="0" nodeType="withEffect">
-                                  <p:stCondLst>
-                                    <p:cond delay="0"/>
-                                  </p:stCondLst>
-                                  <p:childTnLst>
-                                    <p:set>
-                                      <p:cBhvr>
-                                        <p:cTn id="8" dur="1" fill="hold">
-                                          <p:stCondLst>
-                                            <p:cond delay="0"/>
-                                          </p:stCondLst>
-                                        </p:cTn>
-                                        <p:tgtEl>
-                                          <p:spTgt spid="3">
-                                            <p:txEl>
-                                              <p:pRg st="1" end="1"/>
-                                            </p:txEl>
-                                          </p:spTgt>
-                                        </p:tgtEl>
-                                        <p:attrNameLst>
-                                          <p:attrName>style.visibility</p:attrName>
-                                        </p:attrNameLst>
-                                      </p:cBhvr>
-                                      <p:to>
-                                        <p:strVal val="visible"/>
-                                      </p:to>
-                                    </p:set>
-                                  </p:childTnLst>
-                                </p:cTn>
-                              </p:par>
-                              <p:par>
-                                <p:cTn id="9" presetID="1" presetClass="entr" presetSubtype="0" fill="hold" grpId="0" nodeType="withEffect">
-                                  <p:stCondLst>
-                                    <p:cond delay="0"/>
-                                  </p:stCondLst>
-                                  <p:childTnLst>
-                                    <p:set>
-                                      <p:cBhvr>
-                                        <p:cTn id="10" dur="1" fill="hold">
-                                          <p:stCondLst>
-                                            <p:cond delay="0"/>
-                                          </p:stCondLst>
-                                        </p:cTn>
-                                        <p:tgtEl>
-                                          <p:spTgt spid="3">
-                                            <p:txEl>
-                                              <p:pRg st="2" end="2"/>
-                                            </p:txEl>
-                                          </p:spTgt>
-                                        </p:tgtEl>
-                                        <p:attrNameLst>
-                                          <p:attrName>style.visibility</p:attrName>
-                                        </p:attrNameLst>
-                                      </p:cBhvr>
-                                      <p:to>
-                                        <p:strVal val="visible"/>
-                                      </p:to>
-                                    </p:set>
-                                  </p:childTnLst>
-                                </p:cTn>
-                              </p:par>
-                              <p:par>
-                                <p:cTn id="11" presetID="1" presetClass="entr" presetSubtype="0" fill="hold" grpId="0" nodeType="withEffect">
-                                  <p:stCondLst>
-                                    <p:cond delay="0"/>
-                                  </p:stCondLst>
-                                  <p:childTnLst>
-                                    <p:set>
-                                      <p:cBhvr>
-                                        <p:cTn id="12" dur="1" fill="hold">
-                                          <p:stCondLst>
-                                            <p:cond delay="0"/>
-                                          </p:stCondLst>
-                                        </p:cTn>
-                                        <p:tgtEl>
-                                          <p:spTgt spid="3">
-                                            <p:txEl>
-                                              <p:pRg st="3" end="3"/>
-                                            </p:txEl>
-                                          </p:spTgt>
-                                        </p:tgtEl>
-                                        <p:attrNameLst>
-                                          <p:attrName>style.visibility</p:attrName>
-                                        </p:attrNameLst>
-                                      </p:cBhvr>
-                                      <p:to>
-                                        <p:strVal val="visible"/>
-                                      </p:to>
-                                    </p:set>
-                                  </p:childTnLst>
-                                </p:cTn>
-                              </p:par>
-                            </p:childTnLst>
-                          </p:cTn>
-                        </p:par>
-                      </p:childTnLst>
-                    </p:cTn>
-                  </p:par>
-                  <p:par>
-                    <p:cTn id="13" fill="hold">
-                      <p:stCondLst>
-                        <p:cond delay="indefinite"/>
-                      </p:stCondLst>
-                      <p:childTnLst>
-                        <p:par>
-                          <p:cTn id="14" fill="hold">
-                            <p:stCondLst>
-                              <p:cond delay="0"/>
-                            </p:stCondLst>
-                            <p:childTnLst>
-                              <p:par>
-                                <p:cTn id="15" presetID="1" presetClass="entr" presetSubtype="0" fill="hold" grpId="0" nodeType="clickEffect">
-                                  <p:stCondLst>
-                                    <p:cond delay="0"/>
-                                  </p:stCondLst>
-                                  <p:childTnLst>
-                                    <p:set>
-                                      <p:cBhvr>
-                                        <p:cTn id="16" dur="1" fill="hold">
-                                          <p:stCondLst>
-                                            <p:cond delay="0"/>
-                                          </p:stCondLst>
-                                        </p:cTn>
-                                        <p:tgtEl>
-                                          <p:spTgt spid="3">
-                                            <p:txEl>
-                                              <p:pRg st="4" end="4"/>
-                                            </p:txEl>
-                                          </p:spTgt>
-                                        </p:tgtEl>
-                                        <p:attrNameLst>
-                                          <p:attrName>style.visibility</p:attrName>
-                                        </p:attrNameLst>
-                                      </p:cBhvr>
-                                      <p:to>
-                                        <p:strVal val="visible"/>
-                                      </p:to>
-                                    </p:set>
-                                  </p:childTnLst>
-                                </p:cTn>
-                              </p:par>
-                              <p:par>
-                                <p:cTn id="17" presetID="1" presetClass="entr" presetSubtype="0" fill="hold" grpId="0" nodeType="withEffect">
-                                  <p:stCondLst>
-                                    <p:cond delay="0"/>
-                                  </p:stCondLst>
-                                  <p:childTnLst>
-                                    <p:set>
-                                      <p:cBhvr>
-                                        <p:cTn id="18" dur="1" fill="hold">
-                                          <p:stCondLst>
-                                            <p:cond delay="0"/>
-                                          </p:stCondLst>
-                                        </p:cTn>
-                                        <p:tgtEl>
-                                          <p:spTgt spid="3">
-                                            <p:txEl>
-                                              <p:pRg st="5" end="5"/>
-                                            </p:txEl>
-                                          </p:spTgt>
-                                        </p:tgtEl>
-                                        <p:attrNameLst>
-                                          <p:attrName>style.visibility</p:attrName>
-                                        </p:attrNameLst>
-                                      </p:cBhvr>
-                                      <p:to>
-                                        <p:strVal val="visible"/>
-                                      </p:to>
-                                    </p:set>
-                                  </p:childTnLst>
-                                </p:cTn>
-                              </p:par>
-                              <p:par>
-                                <p:cTn id="19" presetID="1" presetClass="entr" presetSubtype="0" fill="hold" grpId="0" nodeType="withEffect">
-                                  <p:stCondLst>
-                                    <p:cond delay="0"/>
-                                  </p:stCondLst>
-                                  <p:childTnLst>
-                                    <p:set>
-                                      <p:cBhvr>
-                                        <p:cTn id="20" dur="1" fill="hold">
-                                          <p:stCondLst>
-                                            <p:cond delay="0"/>
-                                          </p:stCondLst>
-                                        </p:cTn>
-                                        <p:tgtEl>
-                                          <p:spTgt spid="3">
-                                            <p:txEl>
-                                              <p:pRg st="6" end="6"/>
-                                            </p:txEl>
-                                          </p:spTgt>
-                                        </p:tgtEl>
-                                        <p:attrNameLst>
-                                          <p:attrName>style.visibility</p:attrName>
-                                        </p:attrNameLst>
-                                      </p:cBhvr>
-                                      <p:to>
-                                        <p:strVal val="visible"/>
-                                      </p:to>
-                                    </p:set>
-                                  </p:childTnLst>
-                                </p:cTn>
-                              </p:par>
-                              <p:par>
-                                <p:cTn id="21" presetID="1" presetClass="entr" presetSubtype="0" fill="hold" grpId="0" nodeType="withEffect">
-                                  <p:stCondLst>
-                                    <p:cond delay="0"/>
-                                  </p:stCondLst>
-                                  <p:childTnLst>
-                                    <p:set>
-                                      <p:cBhvr>
-                                        <p:cTn id="22" dur="1" fill="hold">
-                                          <p:stCondLst>
-                                            <p:cond delay="0"/>
-                                          </p:stCondLst>
-                                        </p:cTn>
-                                        <p:tgtEl>
-                                          <p:spTgt spid="3">
-                                            <p:txEl>
-                                              <p:pRg st="7" end="7"/>
-                                            </p:txEl>
-                                          </p:spTgt>
-                                        </p:tgtEl>
-                                        <p:attrNameLst>
-                                          <p:attrName>style.visibility</p:attrName>
-                                        </p:attrNameLst>
-                                      </p:cBhvr>
-                                      <p:to>
-                                        <p:strVal val="visible"/>
-                                      </p:to>
-                                    </p:set>
-                                  </p:childTnLst>
-                                </p:cTn>
-                              </p:par>
-                              <p:par>
-                                <p:cTn id="23" presetID="1" presetClass="entr" presetSubtype="0" fill="hold" grpId="0" nodeType="withEffect">
-                                  <p:stCondLst>
-                                    <p:cond delay="0"/>
-                                  </p:stCondLst>
-                                  <p:childTnLst>
-                                    <p:set>
-                                      <p:cBhvr>
-                                        <p:cTn id="24" dur="1" fill="hold">
-                                          <p:stCondLst>
-                                            <p:cond delay="0"/>
-                                          </p:stCondLst>
-                                        </p:cTn>
-                                        <p:tgtEl>
-                                          <p:spTgt spid="3">
-                                            <p:txEl>
-                                              <p:pRg st="8" end="8"/>
-                                            </p:txEl>
-                                          </p:spTgt>
-                                        </p:tgtEl>
-                                        <p:attrNameLst>
-                                          <p:attrName>style.visibility</p:attrName>
-                                        </p:attrNameLst>
-                                      </p:cBhvr>
-                                      <p:to>
-                                        <p:strVal val="visible"/>
-                                      </p:to>
-                                    </p:set>
-                                  </p:childTnLst>
-                                </p:cTn>
-                              </p:par>
-                              <p:par>
-                                <p:cTn id="25" presetID="1" presetClass="entr" presetSubtype="0" fill="hold" grpId="0" nodeType="withEffect">
-                                  <p:stCondLst>
-                                    <p:cond delay="0"/>
-                                  </p:stCondLst>
-                                  <p:childTnLst>
-                                    <p:set>
-                                      <p:cBhvr>
-                                        <p:cTn id="26" dur="1" fill="hold">
-                                          <p:stCondLst>
-                                            <p:cond delay="0"/>
-                                          </p:stCondLst>
-                                        </p:cTn>
-                                        <p:tgtEl>
-                                          <p:spTgt spid="3">
-                                            <p:txEl>
-                                              <p:pRg st="9" end="9"/>
-                                            </p:txEl>
-                                          </p:spTgt>
-                                        </p:tgtEl>
-                                        <p:attrNameLst>
-                                          <p:attrName>style.visibility</p:attrName>
-                                        </p:attrNameLst>
-                                      </p:cBhvr>
-                                      <p:to>
-                                        <p:strVal val="visible"/>
-                                      </p:to>
-                                    </p:set>
-                                  </p:childTnLst>
-                                </p:cTn>
-                              </p:par>
-                              <p:par>
-                                <p:cTn id="27" presetID="1" presetClass="entr" presetSubtype="0" fill="hold" grpId="0" nodeType="withEffect">
-                                  <p:stCondLst>
-                                    <p:cond delay="0"/>
-                                  </p:stCondLst>
-                                  <p:childTnLst>
-                                    <p:set>
-                                      <p:cBhvr>
-                                        <p:cTn id="28" dur="1" fill="hold">
-                                          <p:stCondLst>
-                                            <p:cond delay="0"/>
-                                          </p:stCondLst>
-                                        </p:cTn>
-                                        <p:tgtEl>
-                                          <p:spTgt spid="3">
-                                            <p:txEl>
-                                              <p:pRg st="10" end="10"/>
-                                            </p:txEl>
-                                          </p:spTgt>
-                                        </p:tgtEl>
-                                        <p:attrNameLst>
-                                          <p:attrName>style.visibility</p:attrName>
-                                        </p:attrNameLst>
-                                      </p:cBhvr>
-                                      <p:to>
-                                        <p:strVal val="visible"/>
-                                      </p:to>
-                                    </p:set>
-                                  </p:childTnLst>
-                                </p:cTn>
-                              </p:par>
-                            </p:childTnLst>
-                          </p:cTn>
-                        </p:par>
-                      </p:childTnLst>
-                    </p:cTn>
-                  </p:par>
-                </p:childTnLst>
-              </p:cTn>
-              <p:prevCondLst>
-                <p:cond evt="onPrev" delay="0">
-                  <p:tgtEl>
-                    <p:sldTgt/>
-                  </p:tgtEl>
-                </p:cond>
-              </p:prevCondLst>
-              <p:nextCondLst>
-                <p:cond evt="onNext" delay="0">
-                  <p:tgtEl>
-                    <p:sldTgt/>
-                  </p:tgtEl>
-                </p:cond>
-              </p:nextCondLst>
-            </p:seq>
-          </p:childTnLst>
-        </p:cTn>
-      </p:par>
-    </p:tnLst>
-    <p:bldLst>
-      <p:bldP spid="3" grpId="0" build="p"/>
-    </p:bldLst>
-  </p:timing>
-</p:sld>
-</file>
-
-<file path=ppt/slides/slide12.xml><?xml version="1.0" encoding="utf-8"?>
-<p:sld xmlns:a="http://schemas.openxmlformats.org/drawingml/2006/main" xmlns:r="http://schemas.openxmlformats.org/officeDocument/2006/relationships" xmlns:p="http://schemas.openxmlformats.org/presentationml/2006/main">
-  <p:cSld>
-    <p:spTree>
-      <p:nvGrpSpPr>
-        <p:cNvPr id="1" name=""/>
-        <p:cNvGrpSpPr/>
-        <p:nvPr/>
-      </p:nvGrpSpPr>
-      <p:grpSpPr>
-        <a:xfrm>
-          <a:off x="0" y="0"/>
-          <a:ext cx="0" cy="0"/>
-          <a:chOff x="0" y="0"/>
-          <a:chExt cx="0" cy="0"/>
-        </a:xfrm>
-      </p:grpSpPr>
-      <p:sp>
-        <p:nvSpPr>
-          <p:cNvPr id="2" name="Title 1"/>
-          <p:cNvSpPr>
-            <a:spLocks noGrp="1"/>
-          </p:cNvSpPr>
-          <p:nvPr>
-            <p:ph type="title"/>
-          </p:nvPr>
-        </p:nvSpPr>
-        <p:spPr/>
-        <p:txBody>
-          <a:bodyPr>
-            <a:normAutofit/>
-          </a:bodyPr>
-          <a:lstStyle/>
-          <a:p>
-            <a:r>
-              <a:rPr lang="en-US" dirty="0"/>
-              <a:t>Example Case: Particles</a:t>
-            </a:r>
-          </a:p>
-        </p:txBody>
-      </p:sp>
-      <p:sp>
-        <p:nvSpPr>
-          <p:cNvPr id="3" name="Content Placeholder 2"/>
-          <p:cNvSpPr>
-            <a:spLocks noGrp="1"/>
-          </p:cNvSpPr>
-          <p:nvPr>
-            <p:ph idx="1"/>
-          </p:nvPr>
-        </p:nvSpPr>
-        <p:spPr/>
-        <p:txBody>
-          <a:bodyPr>
-            <a:normAutofit lnSpcReduction="10000"/>
-          </a:bodyPr>
           <a:lstStyle/>
           <a:p>
             <a:pPr marL="0" indent="0">
@@ -7951,137 +7067,100 @@
             </a:pPr>
             <a:r>
               <a:rPr lang="en-US" sz="2800" dirty="0"/>
-              <a:t>Orthogonal Recursive Bisection (ORB)</a:t>
+              <a:t>Centralized strategies:</a:t>
             </a:r>
           </a:p>
           <a:p>
             <a:r>
               <a:rPr lang="en-US" dirty="0"/>
-              <a:t>At each stage: divide Particles equally </a:t>
+              <a:t>Charm RTS collects data (on one processor) about:</a:t>
+            </a:r>
+          </a:p>
+          <a:p>
+            <a:pPr lvl="1"/>
+            <a:r>
+              <a:rPr lang="en-US" dirty="0" smtClean="0"/>
+              <a:t>Computational </a:t>
+            </a:r>
+            <a:r>
+              <a:rPr lang="en-US" dirty="0"/>
+              <a:t>Load and Communication for each pair </a:t>
             </a:r>
             <a:endParaRPr lang="en-US" dirty="0" smtClean="0"/>
           </a:p>
           <a:p>
             <a:r>
               <a:rPr lang="en-US" dirty="0" smtClean="0"/>
-              <a:t>Processors don’t </a:t>
+              <a:t>Partition </a:t>
             </a:r>
             <a:r>
               <a:rPr lang="en-US" dirty="0"/>
-              <a:t>need to be a power of 2:</a:t>
+              <a:t>the graph of objects across processors</a:t>
             </a:r>
           </a:p>
           <a:p>
             <a:pPr lvl="1"/>
             <a:r>
               <a:rPr lang="en-US" dirty="0" smtClean="0"/>
-              <a:t>Divide </a:t>
+              <a:t>Take </a:t>
             </a:r>
             <a:r>
               <a:rPr lang="en-US" dirty="0"/>
-              <a:t>in proportion</a:t>
+              <a:t>communication into account</a:t>
             </a:r>
           </a:p>
           <a:p>
             <a:pPr lvl="2"/>
             <a:r>
+              <a:rPr lang="en-US" dirty="0" err="1" smtClean="0"/>
+              <a:t>Pt</a:t>
+            </a:r>
+            <a:r>
+              <a:rPr lang="en-US" dirty="0"/>
+              <a:t>-to-</a:t>
+            </a:r>
+            <a:r>
+              <a:rPr lang="en-US" dirty="0" err="1"/>
+              <a:t>pt</a:t>
+            </a:r>
+            <a:r>
+              <a:rPr lang="en-US" dirty="0"/>
+              <a:t>, as well as multicast over a subset</a:t>
+            </a:r>
+          </a:p>
+          <a:p>
+            <a:pPr lvl="2"/>
+            <a:r>
               <a:rPr lang="en-US" dirty="0" smtClean="0"/>
-              <a:t>2</a:t>
+              <a:t>As </a:t>
             </a:r>
             <a:r>
               <a:rPr lang="en-US" dirty="0"/>
-              <a:t>:3 with 5 processors</a:t>
-            </a:r>
-          </a:p>
-          <a:p>
+              <a:t>you map an object, add to the load on both sending and </a:t>
+            </a:r>
+            <a:r>
+              <a:rPr lang="en-US" dirty="0" smtClean="0"/>
+              <a:t>receiving processor</a:t>
+            </a:r>
+            <a:endParaRPr lang="en-US" dirty="0"/>
+          </a:p>
+          <a:p>
+            <a:pPr lvl="1"/>
+            <a:r>
+              <a:rPr lang="en-US" dirty="0" smtClean="0"/>
+              <a:t>Multicasts </a:t>
+            </a:r>
             <a:r>
               <a:rPr lang="en-US" dirty="0"/>
-              <a:t>How to choose the dimension along which to cut?</a:t>
-            </a:r>
-          </a:p>
-          <a:p>
-            <a:pPr lvl="1"/>
+              <a:t>to multiple co-located objects are </a:t>
+            </a:r>
             <a:r>
               <a:rPr lang="en-US" dirty="0" smtClean="0"/>
-              <a:t>Choose </a:t>
+              <a:t>effectively </a:t>
             </a:r>
             <a:r>
               <a:rPr lang="en-US" dirty="0"/>
-              <a:t>the longest one </a:t>
-            </a:r>
-            <a:endParaRPr lang="en-US" dirty="0" smtClean="0"/>
-          </a:p>
-          <a:p>
-            <a:r>
-              <a:rPr lang="en-US" dirty="0" smtClean="0"/>
-              <a:t>How </a:t>
-            </a:r>
-            <a:r>
-              <a:rPr lang="en-US" dirty="0"/>
-              <a:t>to draw the line?</a:t>
-            </a:r>
-          </a:p>
-          <a:p>
-            <a:pPr lvl="1"/>
-            <a:r>
-              <a:rPr lang="en-US" dirty="0" smtClean="0"/>
-              <a:t>All </a:t>
-            </a:r>
-            <a:r>
-              <a:rPr lang="en-US" dirty="0"/>
-              <a:t>data on one processor? Sort along each dimension</a:t>
-            </a:r>
-          </a:p>
-          <a:p>
-            <a:pPr lvl="1"/>
-            <a:r>
-              <a:rPr lang="en-US" dirty="0" smtClean="0"/>
-              <a:t>Otherwise</a:t>
-            </a:r>
-            <a:r>
-              <a:rPr lang="en-US" dirty="0"/>
-              <a:t>: run a distributed </a:t>
-            </a:r>
-            <a:r>
-              <a:rPr lang="en-US" dirty="0" err="1"/>
-              <a:t>histogramming</a:t>
-            </a:r>
-            <a:r>
-              <a:rPr lang="en-US" dirty="0"/>
-              <a:t> algorithm to find the line</a:t>
-            </a:r>
-            <a:r>
-              <a:rPr lang="en-US" dirty="0" smtClean="0"/>
-              <a:t>, recursively</a:t>
-            </a:r>
-            <a:endParaRPr lang="en-US" dirty="0"/>
-          </a:p>
-          <a:p>
-            <a:r>
-              <a:rPr lang="en-US" dirty="0"/>
-              <a:t>Find the entire tree, and then do all data movement at once</a:t>
-            </a:r>
-          </a:p>
-          <a:p>
-            <a:pPr lvl="1"/>
-            <a:r>
-              <a:rPr lang="en-US" dirty="0" smtClean="0"/>
-              <a:t>Or </a:t>
-            </a:r>
-            <a:r>
-              <a:rPr lang="en-US" dirty="0"/>
-              <a:t>do it in two-three steps.</a:t>
-            </a:r>
-          </a:p>
-          <a:p>
-            <a:pPr lvl="1"/>
-            <a:r>
-              <a:rPr lang="en-US" dirty="0" smtClean="0"/>
-              <a:t>But </a:t>
-            </a:r>
-            <a:r>
-              <a:rPr lang="en-US" dirty="0"/>
-              <a:t>no reason to redistribute particles after drawing each line.</a:t>
+              <a:t>the cost of a single send</a:t>
             </a:r>
           </a:p>
         </p:txBody>
@@ -8128,738 +7207,7 @@
             <a:fld id="{0CFEC368-1D7A-4F81-ABF6-AE0E36BAF64C}" type="slidenum">
               <a:rPr lang="en-US" smtClean="0"/>
               <a:pPr/>
-              <a:t>12</a:t>
-            </a:fld>
-            <a:endParaRPr lang="en-US"/>
-          </a:p>
-        </p:txBody>
-      </p:sp>
-    </p:spTree>
-    <p:extLst>
-      <p:ext uri="{BB962C8B-B14F-4D97-AF65-F5344CB8AC3E}">
-        <p14:creationId xmlns:p14="http://schemas.microsoft.com/office/powerpoint/2010/main" val="4013626292"/>
-      </p:ext>
-    </p:extLst>
-  </p:cSld>
-  <p:clrMapOvr>
-    <a:masterClrMapping/>
-  </p:clrMapOvr>
-  <p:timing>
-    <p:tnLst>
-      <p:par>
-        <p:cTn xmlns:p14="http://schemas.microsoft.com/office/powerpoint/2010/main" id="1" dur="indefinite" restart="never" nodeType="tmRoot">
-          <p:childTnLst>
-            <p:seq concurrent="1" nextAc="seek">
-              <p:cTn id="2" dur="indefinite" nodeType="mainSeq">
-                <p:childTnLst>
-                  <p:par>
-                    <p:cTn id="3" fill="hold">
-                      <p:stCondLst>
-                        <p:cond delay="indefinite"/>
-                        <p:cond evt="onBegin" delay="0">
-                          <p:tn val="2"/>
-                        </p:cond>
-                      </p:stCondLst>
-                      <p:childTnLst>
-                        <p:par>
-                          <p:cTn id="4" fill="hold">
-                            <p:stCondLst>
-                              <p:cond delay="0"/>
-                            </p:stCondLst>
-                            <p:childTnLst>
-                              <p:par>
-                                <p:cTn id="5" presetID="1" presetClass="entr" presetSubtype="0" fill="hold" grpId="0" nodeType="withEffect">
-                                  <p:stCondLst>
-                                    <p:cond delay="0"/>
-                                  </p:stCondLst>
-                                  <p:childTnLst>
-                                    <p:set>
-                                      <p:cBhvr>
-                                        <p:cTn id="6" dur="1" fill="hold">
-                                          <p:stCondLst>
-                                            <p:cond delay="0"/>
-                                          </p:stCondLst>
-                                        </p:cTn>
-                                        <p:tgtEl>
-                                          <p:spTgt spid="3">
-                                            <p:txEl>
-                                              <p:pRg st="0" end="0"/>
-                                            </p:txEl>
-                                          </p:spTgt>
-                                        </p:tgtEl>
-                                        <p:attrNameLst>
-                                          <p:attrName>style.visibility</p:attrName>
-                                        </p:attrNameLst>
-                                      </p:cBhvr>
-                                      <p:to>
-                                        <p:strVal val="visible"/>
-                                      </p:to>
-                                    </p:set>
-                                  </p:childTnLst>
-                                </p:cTn>
-                              </p:par>
-                              <p:par>
-                                <p:cTn id="7" presetID="1" presetClass="entr" presetSubtype="0" fill="hold" grpId="0" nodeType="withEffect">
-                                  <p:stCondLst>
-                                    <p:cond delay="0"/>
-                                  </p:stCondLst>
-                                  <p:childTnLst>
-                                    <p:set>
-                                      <p:cBhvr>
-                                        <p:cTn id="8" dur="1" fill="hold">
-                                          <p:stCondLst>
-                                            <p:cond delay="0"/>
-                                          </p:stCondLst>
-                                        </p:cTn>
-                                        <p:tgtEl>
-                                          <p:spTgt spid="3">
-                                            <p:txEl>
-                                              <p:pRg st="1" end="1"/>
-                                            </p:txEl>
-                                          </p:spTgt>
-                                        </p:tgtEl>
-                                        <p:attrNameLst>
-                                          <p:attrName>style.visibility</p:attrName>
-                                        </p:attrNameLst>
-                                      </p:cBhvr>
-                                      <p:to>
-                                        <p:strVal val="visible"/>
-                                      </p:to>
-                                    </p:set>
-                                  </p:childTnLst>
-                                </p:cTn>
-                              </p:par>
-                              <p:par>
-                                <p:cTn id="9" presetID="1" presetClass="entr" presetSubtype="0" fill="hold" grpId="0" nodeType="withEffect">
-                                  <p:stCondLst>
-                                    <p:cond delay="0"/>
-                                  </p:stCondLst>
-                                  <p:childTnLst>
-                                    <p:set>
-                                      <p:cBhvr>
-                                        <p:cTn id="10" dur="1" fill="hold">
-                                          <p:stCondLst>
-                                            <p:cond delay="0"/>
-                                          </p:stCondLst>
-                                        </p:cTn>
-                                        <p:tgtEl>
-                                          <p:spTgt spid="3">
-                                            <p:txEl>
-                                              <p:pRg st="2" end="2"/>
-                                            </p:txEl>
-                                          </p:spTgt>
-                                        </p:tgtEl>
-                                        <p:attrNameLst>
-                                          <p:attrName>style.visibility</p:attrName>
-                                        </p:attrNameLst>
-                                      </p:cBhvr>
-                                      <p:to>
-                                        <p:strVal val="visible"/>
-                                      </p:to>
-                                    </p:set>
-                                  </p:childTnLst>
-                                </p:cTn>
-                              </p:par>
-                              <p:par>
-                                <p:cTn id="11" presetID="1" presetClass="entr" presetSubtype="0" fill="hold" grpId="0" nodeType="withEffect">
-                                  <p:stCondLst>
-                                    <p:cond delay="0"/>
-                                  </p:stCondLst>
-                                  <p:childTnLst>
-                                    <p:set>
-                                      <p:cBhvr>
-                                        <p:cTn id="12" dur="1" fill="hold">
-                                          <p:stCondLst>
-                                            <p:cond delay="0"/>
-                                          </p:stCondLst>
-                                        </p:cTn>
-                                        <p:tgtEl>
-                                          <p:spTgt spid="3">
-                                            <p:txEl>
-                                              <p:pRg st="3" end="3"/>
-                                            </p:txEl>
-                                          </p:spTgt>
-                                        </p:tgtEl>
-                                        <p:attrNameLst>
-                                          <p:attrName>style.visibility</p:attrName>
-                                        </p:attrNameLst>
-                                      </p:cBhvr>
-                                      <p:to>
-                                        <p:strVal val="visible"/>
-                                      </p:to>
-                                    </p:set>
-                                  </p:childTnLst>
-                                </p:cTn>
-                              </p:par>
-                              <p:par>
-                                <p:cTn id="13" presetID="1" presetClass="entr" presetSubtype="0" fill="hold" grpId="0" nodeType="withEffect">
-                                  <p:stCondLst>
-                                    <p:cond delay="0"/>
-                                  </p:stCondLst>
-                                  <p:childTnLst>
-                                    <p:set>
-                                      <p:cBhvr>
-                                        <p:cTn id="14" dur="1" fill="hold">
-                                          <p:stCondLst>
-                                            <p:cond delay="0"/>
-                                          </p:stCondLst>
-                                        </p:cTn>
-                                        <p:tgtEl>
-                                          <p:spTgt spid="3">
-                                            <p:txEl>
-                                              <p:pRg st="4" end="4"/>
-                                            </p:txEl>
-                                          </p:spTgt>
-                                        </p:tgtEl>
-                                        <p:attrNameLst>
-                                          <p:attrName>style.visibility</p:attrName>
-                                        </p:attrNameLst>
-                                      </p:cBhvr>
-                                      <p:to>
-                                        <p:strVal val="visible"/>
-                                      </p:to>
-                                    </p:set>
-                                  </p:childTnLst>
-                                </p:cTn>
-                              </p:par>
-                            </p:childTnLst>
-                          </p:cTn>
-                        </p:par>
-                      </p:childTnLst>
-                    </p:cTn>
-                  </p:par>
-                  <p:par>
-                    <p:cTn id="15" fill="hold">
-                      <p:stCondLst>
-                        <p:cond delay="indefinite"/>
-                      </p:stCondLst>
-                      <p:childTnLst>
-                        <p:par>
-                          <p:cTn id="16" fill="hold">
-                            <p:stCondLst>
-                              <p:cond delay="0"/>
-                            </p:stCondLst>
-                            <p:childTnLst>
-                              <p:par>
-                                <p:cTn id="17" presetID="1" presetClass="entr" presetSubtype="0" fill="hold" grpId="0" nodeType="clickEffect">
-                                  <p:stCondLst>
-                                    <p:cond delay="0"/>
-                                  </p:stCondLst>
-                                  <p:childTnLst>
-                                    <p:set>
-                                      <p:cBhvr>
-                                        <p:cTn id="18" dur="1" fill="hold">
-                                          <p:stCondLst>
-                                            <p:cond delay="0"/>
-                                          </p:stCondLst>
-                                        </p:cTn>
-                                        <p:tgtEl>
-                                          <p:spTgt spid="3">
-                                            <p:txEl>
-                                              <p:pRg st="5" end="5"/>
-                                            </p:txEl>
-                                          </p:spTgt>
-                                        </p:tgtEl>
-                                        <p:attrNameLst>
-                                          <p:attrName>style.visibility</p:attrName>
-                                        </p:attrNameLst>
-                                      </p:cBhvr>
-                                      <p:to>
-                                        <p:strVal val="visible"/>
-                                      </p:to>
-                                    </p:set>
-                                  </p:childTnLst>
-                                </p:cTn>
-                              </p:par>
-                              <p:par>
-                                <p:cTn id="19" presetID="1" presetClass="entr" presetSubtype="0" fill="hold" grpId="0" nodeType="withEffect">
-                                  <p:stCondLst>
-                                    <p:cond delay="0"/>
-                                  </p:stCondLst>
-                                  <p:childTnLst>
-                                    <p:set>
-                                      <p:cBhvr>
-                                        <p:cTn id="20" dur="1" fill="hold">
-                                          <p:stCondLst>
-                                            <p:cond delay="0"/>
-                                          </p:stCondLst>
-                                        </p:cTn>
-                                        <p:tgtEl>
-                                          <p:spTgt spid="3">
-                                            <p:txEl>
-                                              <p:pRg st="6" end="6"/>
-                                            </p:txEl>
-                                          </p:spTgt>
-                                        </p:tgtEl>
-                                        <p:attrNameLst>
-                                          <p:attrName>style.visibility</p:attrName>
-                                        </p:attrNameLst>
-                                      </p:cBhvr>
-                                      <p:to>
-                                        <p:strVal val="visible"/>
-                                      </p:to>
-                                    </p:set>
-                                  </p:childTnLst>
-                                </p:cTn>
-                              </p:par>
-                            </p:childTnLst>
-                          </p:cTn>
-                        </p:par>
-                      </p:childTnLst>
-                    </p:cTn>
-                  </p:par>
-                  <p:par>
-                    <p:cTn id="21" fill="hold">
-                      <p:stCondLst>
-                        <p:cond delay="indefinite"/>
-                      </p:stCondLst>
-                      <p:childTnLst>
-                        <p:par>
-                          <p:cTn id="22" fill="hold">
-                            <p:stCondLst>
-                              <p:cond delay="0"/>
-                            </p:stCondLst>
-                            <p:childTnLst>
-                              <p:par>
-                                <p:cTn id="23" presetID="1" presetClass="entr" presetSubtype="0" fill="hold" grpId="0" nodeType="clickEffect">
-                                  <p:stCondLst>
-                                    <p:cond delay="0"/>
-                                  </p:stCondLst>
-                                  <p:childTnLst>
-                                    <p:set>
-                                      <p:cBhvr>
-                                        <p:cTn id="24" dur="1" fill="hold">
-                                          <p:stCondLst>
-                                            <p:cond delay="0"/>
-                                          </p:stCondLst>
-                                        </p:cTn>
-                                        <p:tgtEl>
-                                          <p:spTgt spid="3">
-                                            <p:txEl>
-                                              <p:pRg st="7" end="7"/>
-                                            </p:txEl>
-                                          </p:spTgt>
-                                        </p:tgtEl>
-                                        <p:attrNameLst>
-                                          <p:attrName>style.visibility</p:attrName>
-                                        </p:attrNameLst>
-                                      </p:cBhvr>
-                                      <p:to>
-                                        <p:strVal val="visible"/>
-                                      </p:to>
-                                    </p:set>
-                                  </p:childTnLst>
-                                </p:cTn>
-                              </p:par>
-                              <p:par>
-                                <p:cTn id="25" presetID="1" presetClass="entr" presetSubtype="0" fill="hold" grpId="0" nodeType="withEffect">
-                                  <p:stCondLst>
-                                    <p:cond delay="0"/>
-                                  </p:stCondLst>
-                                  <p:childTnLst>
-                                    <p:set>
-                                      <p:cBhvr>
-                                        <p:cTn id="26" dur="1" fill="hold">
-                                          <p:stCondLst>
-                                            <p:cond delay="0"/>
-                                          </p:stCondLst>
-                                        </p:cTn>
-                                        <p:tgtEl>
-                                          <p:spTgt spid="3">
-                                            <p:txEl>
-                                              <p:pRg st="8" end="8"/>
-                                            </p:txEl>
-                                          </p:spTgt>
-                                        </p:tgtEl>
-                                        <p:attrNameLst>
-                                          <p:attrName>style.visibility</p:attrName>
-                                        </p:attrNameLst>
-                                      </p:cBhvr>
-                                      <p:to>
-                                        <p:strVal val="visible"/>
-                                      </p:to>
-                                    </p:set>
-                                  </p:childTnLst>
-                                </p:cTn>
-                              </p:par>
-                              <p:par>
-                                <p:cTn id="27" presetID="1" presetClass="entr" presetSubtype="0" fill="hold" grpId="0" nodeType="withEffect">
-                                  <p:stCondLst>
-                                    <p:cond delay="0"/>
-                                  </p:stCondLst>
-                                  <p:childTnLst>
-                                    <p:set>
-                                      <p:cBhvr>
-                                        <p:cTn id="28" dur="1" fill="hold">
-                                          <p:stCondLst>
-                                            <p:cond delay="0"/>
-                                          </p:stCondLst>
-                                        </p:cTn>
-                                        <p:tgtEl>
-                                          <p:spTgt spid="3">
-                                            <p:txEl>
-                                              <p:pRg st="9" end="9"/>
-                                            </p:txEl>
-                                          </p:spTgt>
-                                        </p:tgtEl>
-                                        <p:attrNameLst>
-                                          <p:attrName>style.visibility</p:attrName>
-                                        </p:attrNameLst>
-                                      </p:cBhvr>
-                                      <p:to>
-                                        <p:strVal val="visible"/>
-                                      </p:to>
-                                    </p:set>
-                                  </p:childTnLst>
-                                </p:cTn>
-                              </p:par>
-                            </p:childTnLst>
-                          </p:cTn>
-                        </p:par>
-                      </p:childTnLst>
-                    </p:cTn>
-                  </p:par>
-                  <p:par>
-                    <p:cTn id="29" fill="hold">
-                      <p:stCondLst>
-                        <p:cond delay="indefinite"/>
-                      </p:stCondLst>
-                      <p:childTnLst>
-                        <p:par>
-                          <p:cTn id="30" fill="hold">
-                            <p:stCondLst>
-                              <p:cond delay="0"/>
-                            </p:stCondLst>
-                            <p:childTnLst>
-                              <p:par>
-                                <p:cTn id="31" presetID="1" presetClass="entr" presetSubtype="0" fill="hold" grpId="0" nodeType="clickEffect">
-                                  <p:stCondLst>
-                                    <p:cond delay="0"/>
-                                  </p:stCondLst>
-                                  <p:childTnLst>
-                                    <p:set>
-                                      <p:cBhvr>
-                                        <p:cTn id="32" dur="1" fill="hold">
-                                          <p:stCondLst>
-                                            <p:cond delay="0"/>
-                                          </p:stCondLst>
-                                        </p:cTn>
-                                        <p:tgtEl>
-                                          <p:spTgt spid="3">
-                                            <p:txEl>
-                                              <p:pRg st="10" end="10"/>
-                                            </p:txEl>
-                                          </p:spTgt>
-                                        </p:tgtEl>
-                                        <p:attrNameLst>
-                                          <p:attrName>style.visibility</p:attrName>
-                                        </p:attrNameLst>
-                                      </p:cBhvr>
-                                      <p:to>
-                                        <p:strVal val="visible"/>
-                                      </p:to>
-                                    </p:set>
-                                  </p:childTnLst>
-                                </p:cTn>
-                              </p:par>
-                              <p:par>
-                                <p:cTn id="33" presetID="1" presetClass="entr" presetSubtype="0" fill="hold" grpId="0" nodeType="withEffect">
-                                  <p:stCondLst>
-                                    <p:cond delay="0"/>
-                                  </p:stCondLst>
-                                  <p:childTnLst>
-                                    <p:set>
-                                      <p:cBhvr>
-                                        <p:cTn id="34" dur="1" fill="hold">
-                                          <p:stCondLst>
-                                            <p:cond delay="0"/>
-                                          </p:stCondLst>
-                                        </p:cTn>
-                                        <p:tgtEl>
-                                          <p:spTgt spid="3">
-                                            <p:txEl>
-                                              <p:pRg st="11" end="11"/>
-                                            </p:txEl>
-                                          </p:spTgt>
-                                        </p:tgtEl>
-                                        <p:attrNameLst>
-                                          <p:attrName>style.visibility</p:attrName>
-                                        </p:attrNameLst>
-                                      </p:cBhvr>
-                                      <p:to>
-                                        <p:strVal val="visible"/>
-                                      </p:to>
-                                    </p:set>
-                                  </p:childTnLst>
-                                </p:cTn>
-                              </p:par>
-                              <p:par>
-                                <p:cTn id="35" presetID="1" presetClass="entr" presetSubtype="0" fill="hold" grpId="0" nodeType="withEffect">
-                                  <p:stCondLst>
-                                    <p:cond delay="0"/>
-                                  </p:stCondLst>
-                                  <p:childTnLst>
-                                    <p:set>
-                                      <p:cBhvr>
-                                        <p:cTn id="36" dur="1" fill="hold">
-                                          <p:stCondLst>
-                                            <p:cond delay="0"/>
-                                          </p:stCondLst>
-                                        </p:cTn>
-                                        <p:tgtEl>
-                                          <p:spTgt spid="3">
-                                            <p:txEl>
-                                              <p:pRg st="12" end="12"/>
-                                            </p:txEl>
-                                          </p:spTgt>
-                                        </p:tgtEl>
-                                        <p:attrNameLst>
-                                          <p:attrName>style.visibility</p:attrName>
-                                        </p:attrNameLst>
-                                      </p:cBhvr>
-                                      <p:to>
-                                        <p:strVal val="visible"/>
-                                      </p:to>
-                                    </p:set>
-                                  </p:childTnLst>
-                                </p:cTn>
-                              </p:par>
-                            </p:childTnLst>
-                          </p:cTn>
-                        </p:par>
-                      </p:childTnLst>
-                    </p:cTn>
-                  </p:par>
-                </p:childTnLst>
-              </p:cTn>
-              <p:prevCondLst>
-                <p:cond evt="onPrev" delay="0">
-                  <p:tgtEl>
-                    <p:sldTgt/>
-                  </p:tgtEl>
-                </p:cond>
-              </p:prevCondLst>
-              <p:nextCondLst>
-                <p:cond evt="onNext" delay="0">
-                  <p:tgtEl>
-                    <p:sldTgt/>
-                  </p:tgtEl>
-                </p:cond>
-              </p:nextCondLst>
-            </p:seq>
-          </p:childTnLst>
-        </p:cTn>
-      </p:par>
-    </p:tnLst>
-    <p:bldLst>
-      <p:bldP spid="3" grpId="0" build="p"/>
-    </p:bldLst>
-  </p:timing>
-</p:sld>
-</file>
-
-<file path=ppt/slides/slide13.xml><?xml version="1.0" encoding="utf-8"?>
-<p:sld xmlns:a="http://schemas.openxmlformats.org/drawingml/2006/main" xmlns:r="http://schemas.openxmlformats.org/officeDocument/2006/relationships" xmlns:p="http://schemas.openxmlformats.org/presentationml/2006/main">
-  <p:cSld>
-    <p:spTree>
-      <p:nvGrpSpPr>
-        <p:cNvPr id="1" name=""/>
-        <p:cNvGrpSpPr/>
-        <p:nvPr/>
-      </p:nvGrpSpPr>
-      <p:grpSpPr>
-        <a:xfrm>
-          <a:off x="0" y="0"/>
-          <a:ext cx="0" cy="0"/>
-          <a:chOff x="0" y="0"/>
-          <a:chExt cx="0" cy="0"/>
-        </a:xfrm>
-      </p:grpSpPr>
-      <p:sp>
-        <p:nvSpPr>
-          <p:cNvPr id="2" name="Title 1"/>
-          <p:cNvSpPr>
-            <a:spLocks noGrp="1"/>
-          </p:cNvSpPr>
-          <p:nvPr>
-            <p:ph type="title"/>
-          </p:nvPr>
-        </p:nvSpPr>
-        <p:spPr/>
-        <p:txBody>
-          <a:bodyPr>
-            <a:normAutofit/>
-          </a:bodyPr>
-          <a:lstStyle/>
-          <a:p>
-            <a:r>
-              <a:rPr lang="en-US" dirty="0"/>
-              <a:t>Periodic Load Balancing</a:t>
-            </a:r>
-          </a:p>
-        </p:txBody>
-      </p:sp>
-      <p:sp>
-        <p:nvSpPr>
-          <p:cNvPr id="3" name="Content Placeholder 2"/>
-          <p:cNvSpPr>
-            <a:spLocks noGrp="1"/>
-          </p:cNvSpPr>
-          <p:nvPr>
-            <p:ph idx="1"/>
-          </p:nvPr>
-        </p:nvSpPr>
-        <p:spPr/>
-        <p:txBody>
-          <a:bodyPr/>
-          <a:lstStyle/>
-          <a:p>
-            <a:pPr marL="0" indent="0">
-              <a:buNone/>
-            </a:pPr>
-            <a:r>
-              <a:rPr lang="en-US" sz="2800" dirty="0"/>
-              <a:t>Centralized strategies:</a:t>
-            </a:r>
-          </a:p>
-          <a:p>
-            <a:r>
-              <a:rPr lang="en-US" dirty="0"/>
-              <a:t>Charm RTS collects data (on one processor) about:</a:t>
-            </a:r>
-          </a:p>
-          <a:p>
-            <a:pPr lvl="1"/>
-            <a:r>
-              <a:rPr lang="en-US" dirty="0" smtClean="0"/>
-              <a:t>Computational </a:t>
-            </a:r>
-            <a:r>
-              <a:rPr lang="en-US" dirty="0"/>
-              <a:t>Load and Communication for each pair </a:t>
-            </a:r>
-            <a:endParaRPr lang="en-US" dirty="0" smtClean="0"/>
-          </a:p>
-          <a:p>
-            <a:r>
-              <a:rPr lang="en-US" dirty="0" smtClean="0"/>
-              <a:t>Partition </a:t>
-            </a:r>
-            <a:r>
-              <a:rPr lang="en-US" dirty="0"/>
-              <a:t>the graph of objects across processors</a:t>
-            </a:r>
-          </a:p>
-          <a:p>
-            <a:pPr lvl="1"/>
-            <a:r>
-              <a:rPr lang="en-US" dirty="0" smtClean="0"/>
-              <a:t>Take </a:t>
-            </a:r>
-            <a:r>
-              <a:rPr lang="en-US" dirty="0"/>
-              <a:t>communication into account</a:t>
-            </a:r>
-          </a:p>
-          <a:p>
-            <a:pPr lvl="2"/>
-            <a:r>
-              <a:rPr lang="en-US" dirty="0" err="1" smtClean="0"/>
-              <a:t>Pt</a:t>
-            </a:r>
-            <a:r>
-              <a:rPr lang="en-US" dirty="0"/>
-              <a:t>-to-</a:t>
-            </a:r>
-            <a:r>
-              <a:rPr lang="en-US" dirty="0" err="1"/>
-              <a:t>pt</a:t>
-            </a:r>
-            <a:r>
-              <a:rPr lang="en-US" dirty="0"/>
-              <a:t>, as well as multicast over a subset</a:t>
-            </a:r>
-          </a:p>
-          <a:p>
-            <a:pPr lvl="2"/>
-            <a:r>
-              <a:rPr lang="en-US" dirty="0" smtClean="0"/>
-              <a:t>As </a:t>
-            </a:r>
-            <a:r>
-              <a:rPr lang="en-US" dirty="0"/>
-              <a:t>you map an object, add to the load on both sending and </a:t>
-            </a:r>
-            <a:r>
-              <a:rPr lang="en-US" dirty="0" smtClean="0"/>
-              <a:t>receiving processor</a:t>
-            </a:r>
-            <a:endParaRPr lang="en-US" dirty="0"/>
-          </a:p>
-          <a:p>
-            <a:pPr lvl="1"/>
-            <a:r>
-              <a:rPr lang="en-US" dirty="0" smtClean="0"/>
-              <a:t>Multicasts </a:t>
-            </a:r>
-            <a:r>
-              <a:rPr lang="en-US" dirty="0"/>
-              <a:t>to multiple co-located objects are </a:t>
-            </a:r>
-            <a:r>
-              <a:rPr lang="en-US" dirty="0" smtClean="0"/>
-              <a:t>effectively </a:t>
-            </a:r>
-            <a:r>
-              <a:rPr lang="en-US" dirty="0"/>
-              <a:t>the cost of a single send</a:t>
-            </a:r>
-          </a:p>
-        </p:txBody>
-      </p:sp>
-      <p:sp>
-        <p:nvSpPr>
-          <p:cNvPr id="5" name="Footer Placeholder 4"/>
-          <p:cNvSpPr>
-            <a:spLocks noGrp="1"/>
-          </p:cNvSpPr>
-          <p:nvPr>
-            <p:ph type="ftr" sz="quarter" idx="11"/>
-          </p:nvPr>
-        </p:nvSpPr>
-        <p:spPr/>
-        <p:txBody>
-          <a:bodyPr/>
-          <a:lstStyle/>
-          <a:p>
-            <a:pPr algn="r"/>
-            <a:r>
-              <a:rPr lang="en-US" smtClean="0"/>
-              <a:t>Laxmikant Kalé and PPL (UIUC) – Parallel Migratable Objects </a:t>
-            </a:r>
-            <a:endParaRPr lang="en-US" dirty="0"/>
-          </a:p>
-        </p:txBody>
-      </p:sp>
-      <p:sp>
-        <p:nvSpPr>
-          <p:cNvPr id="6" name="Slide Number Placeholder 5"/>
-          <p:cNvSpPr>
-            <a:spLocks noGrp="1"/>
-          </p:cNvSpPr>
-          <p:nvPr>
-            <p:ph type="sldNum" sz="quarter" idx="12"/>
-          </p:nvPr>
-        </p:nvSpPr>
-        <p:spPr/>
-        <p:txBody>
-          <a:bodyPr/>
-          <a:lstStyle/>
-          <a:p>
-            <a:fld id="{0CFEC368-1D7A-4F81-ABF6-AE0E36BAF64C}" type="slidenum">
-              <a:rPr lang="en-US" smtClean="0"/>
-              <a:pPr/>
-              <a:t>13</a:t>
+              <a:t>10</a:t>
             </a:fld>
             <a:endParaRPr lang="en-US"/>
           </a:p>
@@ -9198,7 +7546,7 @@
 </p:sld>
 </file>
 
-<file path=ppt/slides/slide14.xml><?xml version="1.0" encoding="utf-8"?>
+<file path=ppt/slides/slide11.xml><?xml version="1.0" encoding="utf-8"?>
 <p:sld xmlns:a="http://schemas.openxmlformats.org/drawingml/2006/main" xmlns:r="http://schemas.openxmlformats.org/officeDocument/2006/relationships" xmlns:p="http://schemas.openxmlformats.org/presentationml/2006/main">
   <p:cSld>
     <p:spTree>
@@ -9451,7 +7799,7 @@
             <a:fld id="{0CFEC368-1D7A-4F81-ABF6-AE0E36BAF64C}" type="slidenum">
               <a:rPr lang="en-US" smtClean="0"/>
               <a:pPr/>
-              <a:t>14</a:t>
+              <a:t>11</a:t>
             </a:fld>
             <a:endParaRPr lang="en-US"/>
           </a:p>
@@ -9477,7 +7825,7 @@
 </p:sld>
 </file>
 
-<file path=ppt/slides/slide15.xml><?xml version="1.0" encoding="utf-8"?>
+<file path=ppt/slides/slide12.xml><?xml version="1.0" encoding="utf-8"?>
 <p:sld xmlns:a="http://schemas.openxmlformats.org/drawingml/2006/main" xmlns:r="http://schemas.openxmlformats.org/officeDocument/2006/relationships" xmlns:p="http://schemas.openxmlformats.org/presentationml/2006/main">
   <p:cSld>
     <p:spTree>
@@ -9586,16 +7934,22 @@
             </a:r>
             <a:r>
               <a:rPr lang="en-US" dirty="0"/>
-              <a:t>-stage assignments:</a:t>
-            </a:r>
-          </a:p>
-          <a:p>
-            <a:pPr marL="860425" lvl="2" indent="0">
-              <a:buNone/>
-            </a:pPr>
+              <a:t>-stage </a:t>
+            </a:r>
+            <a:r>
+              <a:rPr lang="en-US" dirty="0" smtClean="0"/>
+              <a:t>assignments:</a:t>
+            </a:r>
+          </a:p>
+          <a:p>
+            <a:pPr lvl="3"/>
+            <a:r>
+              <a:rPr lang="en-US" dirty="0" smtClean="0"/>
+              <a:t>In </a:t>
+            </a:r>
             <a:r>
               <a:rPr lang="en-US" dirty="0"/>
-              <a:t>In early stages, consider communication costs as long as the processors are in the same (broad) load class</a:t>
+              <a:t>early stages, consider communication costs as long as the processors are in the same (broad) load class</a:t>
             </a:r>
             <a:r>
               <a:rPr lang="en-US" dirty="0" smtClean="0"/>
@@ -9603,9 +7957,7 @@
             </a:r>
           </a:p>
           <a:p>
-            <a:pPr marL="860425" lvl="2" indent="0">
-              <a:buNone/>
-            </a:pPr>
+            <a:pPr lvl="3"/>
             <a:r>
               <a:rPr lang="en-US" dirty="0" smtClean="0"/>
               <a:t>In </a:t>
@@ -9674,7 +8026,7 @@
             <a:fld id="{0CFEC368-1D7A-4F81-ABF6-AE0E36BAF64C}" type="slidenum">
               <a:rPr lang="en-US" smtClean="0"/>
               <a:pPr/>
-              <a:t>15</a:t>
+              <a:t>12</a:t>
             </a:fld>
             <a:endParaRPr lang="en-US"/>
           </a:p>
@@ -9700,7 +8052,7 @@
 </p:sld>
 </file>
 
-<file path=ppt/slides/slide16.xml><?xml version="1.0" encoding="utf-8"?>
+<file path=ppt/slides/slide13.xml><?xml version="1.0" encoding="utf-8"?>
 <p:sld xmlns:a="http://schemas.openxmlformats.org/drawingml/2006/main" xmlns:r="http://schemas.openxmlformats.org/officeDocument/2006/relationships" xmlns:p="http://schemas.openxmlformats.org/presentationml/2006/main">
   <p:cSld>
     <p:spTree>
@@ -9845,7 +8197,7 @@
             <a:fld id="{0CFEC368-1D7A-4F81-ABF6-AE0E36BAF64C}" type="slidenum">
               <a:rPr lang="en-US" smtClean="0"/>
               <a:pPr/>
-              <a:t>16</a:t>
+              <a:t>13</a:t>
             </a:fld>
             <a:endParaRPr lang="en-US"/>
           </a:p>
@@ -9931,7 +8283,7 @@
 </p:sld>
 </file>
 
-<file path=ppt/slides/slide17.xml><?xml version="1.0" encoding="utf-8"?>
+<file path=ppt/slides/slide14.xml><?xml version="1.0" encoding="utf-8"?>
 <p:sld xmlns:a="http://schemas.openxmlformats.org/drawingml/2006/main" xmlns:r="http://schemas.openxmlformats.org/officeDocument/2006/relationships" xmlns:p="http://schemas.openxmlformats.org/presentationml/2006/main">
   <p:cSld>
     <p:spTree>
@@ -10039,7 +8391,7 @@
             <a:fld id="{0CFEC368-1D7A-4F81-ABF6-AE0E36BAF64C}" type="slidenum">
               <a:rPr lang="en-US" smtClean="0"/>
               <a:pPr/>
-              <a:t>17</a:t>
+              <a:t>14</a:t>
             </a:fld>
             <a:endParaRPr lang="en-US"/>
           </a:p>
@@ -10065,7 +8417,7 @@
 </p:sld>
 </file>
 
-<file path=ppt/slides/slide18.xml><?xml version="1.0" encoding="utf-8"?>
+<file path=ppt/slides/slide15.xml><?xml version="1.0" encoding="utf-8"?>
 <p:sld xmlns:a="http://schemas.openxmlformats.org/drawingml/2006/main" xmlns:r="http://schemas.openxmlformats.org/officeDocument/2006/relationships" xmlns:p="http://schemas.openxmlformats.org/presentationml/2006/main">
   <p:cSld>
     <p:spTree>
@@ -10169,7 +8521,7 @@
               <a:t>L</a:t>
             </a:r>
             <a:r>
-              <a:rPr lang="en-US" smtClean="0"/>
+              <a:rPr lang="en-US" dirty="0" smtClean="0"/>
               <a:t>oad </a:t>
             </a:r>
             <a:r>
@@ -10313,7 +8665,7 @@
             <a:fld id="{0CFEC368-1D7A-4F81-ABF6-AE0E36BAF64C}" type="slidenum">
               <a:rPr lang="en-US" smtClean="0"/>
               <a:pPr/>
-              <a:t>18</a:t>
+              <a:t>15</a:t>
             </a:fld>
             <a:endParaRPr lang="en-US"/>
           </a:p>
@@ -10825,6 +9177,470 @@
 </p:sld>
 </file>
 
+<file path=ppt/slides/slide16.xml><?xml version="1.0" encoding="utf-8"?>
+<p:sld xmlns:a="http://schemas.openxmlformats.org/drawingml/2006/main" xmlns:r="http://schemas.openxmlformats.org/officeDocument/2006/relationships" xmlns:p="http://schemas.openxmlformats.org/presentationml/2006/main">
+  <p:cSld>
+    <p:spTree>
+      <p:nvGrpSpPr>
+        <p:cNvPr id="1" name=""/>
+        <p:cNvGrpSpPr/>
+        <p:nvPr/>
+      </p:nvGrpSpPr>
+      <p:grpSpPr>
+        <a:xfrm>
+          <a:off x="0" y="0"/>
+          <a:ext cx="0" cy="0"/>
+          <a:chOff x="0" y="0"/>
+          <a:chExt cx="0" cy="0"/>
+        </a:xfrm>
+      </p:grpSpPr>
+      <p:sp>
+        <p:nvSpPr>
+          <p:cNvPr id="2" name="Title 1"/>
+          <p:cNvSpPr>
+            <a:spLocks noGrp="1"/>
+          </p:cNvSpPr>
+          <p:nvPr>
+            <p:ph type="title"/>
+          </p:nvPr>
+        </p:nvSpPr>
+        <p:spPr/>
+        <p:txBody>
+          <a:bodyPr>
+            <a:normAutofit/>
+          </a:bodyPr>
+          <a:lstStyle/>
+          <a:p>
+            <a:r>
+              <a:rPr lang="en-US" dirty="0"/>
+              <a:t>Load Balancing on Large Machines</a:t>
+            </a:r>
+          </a:p>
+        </p:txBody>
+      </p:sp>
+      <p:sp>
+        <p:nvSpPr>
+          <p:cNvPr id="3" name="Content Placeholder 2"/>
+          <p:cNvSpPr>
+            <a:spLocks noGrp="1"/>
+          </p:cNvSpPr>
+          <p:nvPr>
+            <p:ph idx="1"/>
+          </p:nvPr>
+        </p:nvSpPr>
+        <p:spPr/>
+        <p:txBody>
+          <a:bodyPr/>
+          <a:lstStyle/>
+          <a:p>
+            <a:r>
+              <a:rPr lang="en-US" dirty="0"/>
+              <a:t>Centralized load balancing strategies </a:t>
+            </a:r>
+            <a:r>
+              <a:rPr lang="en-US" dirty="0" smtClean="0"/>
+              <a:t>don’t </a:t>
+            </a:r>
+            <a:r>
+              <a:rPr lang="en-US" dirty="0"/>
+              <a:t>scale on extremely large machines</a:t>
+            </a:r>
+          </a:p>
+          <a:p>
+            <a:r>
+              <a:rPr lang="en-US" dirty="0"/>
+              <a:t>Limitations of centralized strategies:</a:t>
+            </a:r>
+          </a:p>
+          <a:p>
+            <a:pPr lvl="1"/>
+            <a:r>
+              <a:rPr lang="en-US" dirty="0" smtClean="0"/>
+              <a:t>Central </a:t>
+            </a:r>
+            <a:r>
+              <a:rPr lang="en-US" dirty="0"/>
+              <a:t>node: memory/communication bottleneck </a:t>
+            </a:r>
+            <a:endParaRPr lang="en-US" dirty="0" smtClean="0"/>
+          </a:p>
+          <a:p>
+            <a:pPr lvl="1"/>
+            <a:r>
+              <a:rPr lang="en-US" dirty="0" smtClean="0"/>
+              <a:t>Decision</a:t>
+            </a:r>
+            <a:r>
+              <a:rPr lang="en-US" dirty="0"/>
+              <a:t>-making algorithms tend to be very slow</a:t>
+            </a:r>
+          </a:p>
+          <a:p>
+            <a:r>
+              <a:rPr lang="en-US" dirty="0"/>
+              <a:t>Limitations of distributed strategies:</a:t>
+            </a:r>
+          </a:p>
+          <a:p>
+            <a:pPr lvl="1"/>
+            <a:r>
+              <a:rPr lang="en-US" dirty="0" smtClean="0"/>
+              <a:t>Difficult to achieve well-informed load balancing decisions</a:t>
+            </a:r>
+            <a:endParaRPr lang="en-US" dirty="0"/>
+          </a:p>
+        </p:txBody>
+      </p:sp>
+      <p:sp>
+        <p:nvSpPr>
+          <p:cNvPr id="5" name="Footer Placeholder 4"/>
+          <p:cNvSpPr>
+            <a:spLocks noGrp="1"/>
+          </p:cNvSpPr>
+          <p:nvPr>
+            <p:ph type="ftr" sz="quarter" idx="11"/>
+          </p:nvPr>
+        </p:nvSpPr>
+        <p:spPr/>
+        <p:txBody>
+          <a:bodyPr/>
+          <a:lstStyle/>
+          <a:p>
+            <a:pPr algn="r"/>
+            <a:r>
+              <a:rPr lang="en-US" smtClean="0"/>
+              <a:t>Laxmikant Kalé and PPL (UIUC) – Parallel Migratable Objects </a:t>
+            </a:r>
+            <a:endParaRPr lang="en-US" dirty="0"/>
+          </a:p>
+        </p:txBody>
+      </p:sp>
+      <p:sp>
+        <p:nvSpPr>
+          <p:cNvPr id="6" name="Slide Number Placeholder 5"/>
+          <p:cNvSpPr>
+            <a:spLocks noGrp="1"/>
+          </p:cNvSpPr>
+          <p:nvPr>
+            <p:ph type="sldNum" sz="quarter" idx="12"/>
+          </p:nvPr>
+        </p:nvSpPr>
+        <p:spPr/>
+        <p:txBody>
+          <a:bodyPr/>
+          <a:lstStyle/>
+          <a:p>
+            <a:fld id="{0CFEC368-1D7A-4F81-ABF6-AE0E36BAF64C}" type="slidenum">
+              <a:rPr lang="en-US" smtClean="0"/>
+              <a:pPr/>
+              <a:t>16</a:t>
+            </a:fld>
+            <a:endParaRPr lang="en-US"/>
+          </a:p>
+        </p:txBody>
+      </p:sp>
+    </p:spTree>
+    <p:extLst>
+      <p:ext uri="{BB962C8B-B14F-4D97-AF65-F5344CB8AC3E}">
+        <p14:creationId xmlns:p14="http://schemas.microsoft.com/office/powerpoint/2010/main" val="2075500013"/>
+      </p:ext>
+    </p:extLst>
+  </p:cSld>
+  <p:clrMapOvr>
+    <a:masterClrMapping/>
+  </p:clrMapOvr>
+  <p:timing>
+    <p:tnLst>
+      <p:par>
+        <p:cTn xmlns:p14="http://schemas.microsoft.com/office/powerpoint/2010/main" id="1" dur="indefinite" restart="never" nodeType="tmRoot"/>
+      </p:par>
+    </p:tnLst>
+  </p:timing>
+</p:sld>
+</file>
+
+<file path=ppt/slides/slide17.xml><?xml version="1.0" encoding="utf-8"?>
+<p:sld xmlns:a="http://schemas.openxmlformats.org/drawingml/2006/main" xmlns:r="http://schemas.openxmlformats.org/officeDocument/2006/relationships" xmlns:p="http://schemas.openxmlformats.org/presentationml/2006/main">
+  <p:cSld>
+    <p:spTree>
+      <p:nvGrpSpPr>
+        <p:cNvPr id="1" name=""/>
+        <p:cNvGrpSpPr/>
+        <p:nvPr/>
+      </p:nvGrpSpPr>
+      <p:grpSpPr>
+        <a:xfrm>
+          <a:off x="0" y="0"/>
+          <a:ext cx="0" cy="0"/>
+          <a:chOff x="0" y="0"/>
+          <a:chExt cx="0" cy="0"/>
+        </a:xfrm>
+      </p:grpSpPr>
+      <p:sp>
+        <p:nvSpPr>
+          <p:cNvPr id="2" name="Title 1"/>
+          <p:cNvSpPr>
+            <a:spLocks noGrp="1"/>
+          </p:cNvSpPr>
+          <p:nvPr>
+            <p:ph type="title"/>
+          </p:nvPr>
+        </p:nvSpPr>
+        <p:spPr/>
+        <p:txBody>
+          <a:bodyPr>
+            <a:normAutofit/>
+          </a:bodyPr>
+          <a:lstStyle/>
+          <a:p>
+            <a:r>
+              <a:rPr lang="en-US" dirty="0"/>
+              <a:t>Hierarchical Load Balancers</a:t>
+            </a:r>
+          </a:p>
+        </p:txBody>
+      </p:sp>
+      <p:sp>
+        <p:nvSpPr>
+          <p:cNvPr id="3" name="Content Placeholder 2"/>
+          <p:cNvSpPr>
+            <a:spLocks noGrp="1"/>
+          </p:cNvSpPr>
+          <p:nvPr>
+            <p:ph idx="1"/>
+          </p:nvPr>
+        </p:nvSpPr>
+        <p:spPr/>
+        <p:txBody>
+          <a:bodyPr anchor="ctr"/>
+          <a:lstStyle/>
+          <a:p>
+            <a:r>
+              <a:rPr lang="en-US" dirty="0"/>
+              <a:t>Partition processor allocation into processor groups </a:t>
+            </a:r>
+            <a:endParaRPr lang="en-US" dirty="0" smtClean="0"/>
+          </a:p>
+          <a:p>
+            <a:r>
+              <a:rPr lang="en-US" dirty="0" smtClean="0"/>
+              <a:t>Apply different </a:t>
+            </a:r>
+            <a:r>
+              <a:rPr lang="en-US" dirty="0"/>
+              <a:t>strategies at each level</a:t>
+            </a:r>
+          </a:p>
+          <a:p>
+            <a:r>
+              <a:rPr lang="en-US" dirty="0"/>
+              <a:t>Scalable to a large number of processors</a:t>
+            </a:r>
+          </a:p>
+        </p:txBody>
+      </p:sp>
+      <p:sp>
+        <p:nvSpPr>
+          <p:cNvPr id="5" name="Footer Placeholder 4"/>
+          <p:cNvSpPr>
+            <a:spLocks noGrp="1"/>
+          </p:cNvSpPr>
+          <p:nvPr>
+            <p:ph type="ftr" sz="quarter" idx="11"/>
+          </p:nvPr>
+        </p:nvSpPr>
+        <p:spPr/>
+        <p:txBody>
+          <a:bodyPr/>
+          <a:lstStyle/>
+          <a:p>
+            <a:pPr algn="r"/>
+            <a:r>
+              <a:rPr lang="en-US" smtClean="0"/>
+              <a:t>Laxmikant Kalé and PPL (UIUC) – Parallel Migratable Objects </a:t>
+            </a:r>
+            <a:endParaRPr lang="en-US" dirty="0"/>
+          </a:p>
+        </p:txBody>
+      </p:sp>
+      <p:sp>
+        <p:nvSpPr>
+          <p:cNvPr id="6" name="Slide Number Placeholder 5"/>
+          <p:cNvSpPr>
+            <a:spLocks noGrp="1"/>
+          </p:cNvSpPr>
+          <p:nvPr>
+            <p:ph type="sldNum" sz="quarter" idx="12"/>
+          </p:nvPr>
+        </p:nvSpPr>
+        <p:spPr/>
+        <p:txBody>
+          <a:bodyPr/>
+          <a:lstStyle/>
+          <a:p>
+            <a:fld id="{0CFEC368-1D7A-4F81-ABF6-AE0E36BAF64C}" type="slidenum">
+              <a:rPr lang="en-US" smtClean="0"/>
+              <a:pPr/>
+              <a:t>17</a:t>
+            </a:fld>
+            <a:endParaRPr lang="en-US"/>
+          </a:p>
+        </p:txBody>
+      </p:sp>
+    </p:spTree>
+    <p:extLst>
+      <p:ext uri="{BB962C8B-B14F-4D97-AF65-F5344CB8AC3E}">
+        <p14:creationId xmlns:p14="http://schemas.microsoft.com/office/powerpoint/2010/main" val="3120527482"/>
+      </p:ext>
+    </p:extLst>
+  </p:cSld>
+  <p:clrMapOvr>
+    <a:masterClrMapping/>
+  </p:clrMapOvr>
+  <p:timing>
+    <p:tnLst>
+      <p:par>
+        <p:cTn xmlns:p14="http://schemas.microsoft.com/office/powerpoint/2010/main" id="1" dur="indefinite" restart="never" nodeType="tmRoot"/>
+      </p:par>
+    </p:tnLst>
+  </p:timing>
+</p:sld>
+</file>
+
+<file path=ppt/slides/slide18.xml><?xml version="1.0" encoding="utf-8"?>
+<p:sld xmlns:a="http://schemas.openxmlformats.org/drawingml/2006/main" xmlns:r="http://schemas.openxmlformats.org/officeDocument/2006/relationships" xmlns:p="http://schemas.openxmlformats.org/presentationml/2006/main">
+  <p:cSld>
+    <p:spTree>
+      <p:nvGrpSpPr>
+        <p:cNvPr id="1" name=""/>
+        <p:cNvGrpSpPr/>
+        <p:nvPr/>
+      </p:nvGrpSpPr>
+      <p:grpSpPr>
+        <a:xfrm>
+          <a:off x="0" y="0"/>
+          <a:ext cx="0" cy="0"/>
+          <a:chOff x="0" y="0"/>
+          <a:chExt cx="0" cy="0"/>
+        </a:xfrm>
+      </p:grpSpPr>
+      <p:sp>
+        <p:nvSpPr>
+          <p:cNvPr id="2" name="Title 1"/>
+          <p:cNvSpPr>
+            <a:spLocks noGrp="1"/>
+          </p:cNvSpPr>
+          <p:nvPr>
+            <p:ph type="title"/>
+          </p:nvPr>
+        </p:nvSpPr>
+        <p:spPr/>
+        <p:txBody>
+          <a:bodyPr>
+            <a:normAutofit/>
+          </a:bodyPr>
+          <a:lstStyle/>
+          <a:p>
+            <a:r>
+              <a:rPr lang="en-US" dirty="0"/>
+              <a:t>Our Hybrid Scheme</a:t>
+            </a:r>
+          </a:p>
+        </p:txBody>
+      </p:sp>
+      <p:pic>
+        <p:nvPicPr>
+          <p:cNvPr id="7" name="Content Placeholder 6" descr="hybridLBScheme.png"/>
+          <p:cNvPicPr>
+            <a:picLocks noGrp="1" noChangeAspect="1"/>
+          </p:cNvPicPr>
+          <p:nvPr>
+            <p:ph idx="1"/>
+          </p:nvPr>
+        </p:nvPicPr>
+        <p:blipFill>
+          <a:blip r:embed="rId2">
+            <a:extLst>
+              <a:ext uri="{28A0092B-C50C-407E-A947-70E740481C1C}">
+                <a14:useLocalDpi xmlns:a14="http://schemas.microsoft.com/office/drawing/2010/main" val="0"/>
+              </a:ext>
+            </a:extLst>
+          </a:blip>
+          <a:srcRect t="-8503" b="-8503"/>
+          <a:stretch>
+            <a:fillRect/>
+          </a:stretch>
+        </p:blipFill>
+        <p:spPr/>
+      </p:pic>
+      <p:sp>
+        <p:nvSpPr>
+          <p:cNvPr id="5" name="Footer Placeholder 4"/>
+          <p:cNvSpPr>
+            <a:spLocks noGrp="1"/>
+          </p:cNvSpPr>
+          <p:nvPr>
+            <p:ph type="ftr" sz="quarter" idx="11"/>
+          </p:nvPr>
+        </p:nvSpPr>
+        <p:spPr/>
+        <p:txBody>
+          <a:bodyPr/>
+          <a:lstStyle/>
+          <a:p>
+            <a:pPr algn="r"/>
+            <a:r>
+              <a:rPr lang="en-US" smtClean="0"/>
+              <a:t>Laxmikant Kalé and PPL (UIUC) – Parallel Migratable Objects </a:t>
+            </a:r>
+            <a:endParaRPr lang="en-US" dirty="0"/>
+          </a:p>
+        </p:txBody>
+      </p:sp>
+      <p:sp>
+        <p:nvSpPr>
+          <p:cNvPr id="6" name="Slide Number Placeholder 5"/>
+          <p:cNvSpPr>
+            <a:spLocks noGrp="1"/>
+          </p:cNvSpPr>
+          <p:nvPr>
+            <p:ph type="sldNum" sz="quarter" idx="12"/>
+          </p:nvPr>
+        </p:nvSpPr>
+        <p:spPr/>
+        <p:txBody>
+          <a:bodyPr/>
+          <a:lstStyle/>
+          <a:p>
+            <a:fld id="{0CFEC368-1D7A-4F81-ABF6-AE0E36BAF64C}" type="slidenum">
+              <a:rPr lang="en-US" smtClean="0"/>
+              <a:pPr/>
+              <a:t>18</a:t>
+            </a:fld>
+            <a:endParaRPr lang="en-US"/>
+          </a:p>
+        </p:txBody>
+      </p:sp>
+    </p:spTree>
+    <p:extLst>
+      <p:ext uri="{BB962C8B-B14F-4D97-AF65-F5344CB8AC3E}">
+        <p14:creationId xmlns:p14="http://schemas.microsoft.com/office/powerpoint/2010/main" val="1948754625"/>
+      </p:ext>
+    </p:extLst>
+  </p:cSld>
+  <p:clrMapOvr>
+    <a:masterClrMapping/>
+  </p:clrMapOvr>
+  <p:timing>
+    <p:tnLst>
+      <p:par>
+        <p:cTn xmlns:p14="http://schemas.microsoft.com/office/powerpoint/2010/main" id="1" dur="indefinite" restart="never" nodeType="tmRoot"/>
+      </p:par>
+    </p:tnLst>
+  </p:timing>
+</p:sld>
+</file>
+
 <file path=ppt/slides/slide19.xml><?xml version="1.0" encoding="utf-8"?>
 <p:sld xmlns:a="http://schemas.openxmlformats.org/drawingml/2006/main" xmlns:r="http://schemas.openxmlformats.org/officeDocument/2006/relationships" xmlns:p="http://schemas.openxmlformats.org/presentationml/2006/main">
   <p:cSld>
@@ -10855,13 +9671,17 @@
         <p:spPr/>
         <p:txBody>
           <a:bodyPr>
-            <a:normAutofit/>
+            <a:normAutofit fontScale="90000"/>
           </a:bodyPr>
           <a:lstStyle/>
           <a:p>
             <a:r>
+              <a:rPr lang="en-US" dirty="0" err="1"/>
+              <a:t>MetaBalancer</a:t>
+            </a:r>
+            <a:r>
               <a:rPr lang="en-US" dirty="0"/>
-              <a:t>Load Balancing on Large Machines</a:t>
+              <a:t> - When and how to load balance?</a:t>
             </a:r>
           </a:p>
         </p:txBody>
@@ -10882,60 +9702,85 @@
           <a:lstStyle/>
           <a:p>
             <a:r>
+              <a:rPr lang="en-US" dirty="0" smtClean="0"/>
+              <a:t>Difficult </a:t>
+            </a:r>
+            <a:r>
               <a:rPr lang="en-US" dirty="0"/>
-              <a:t>Centralized load balancing strategies </a:t>
-            </a:r>
+              <a:t>to find the optimum load balancing period </a:t>
+            </a:r>
+          </a:p>
+          <a:p>
+            <a:pPr lvl="1"/>
             <a:r>
               <a:rPr lang="en-US" dirty="0" smtClean="0"/>
-              <a:t>don’t </a:t>
+              <a:t>Depends </a:t>
             </a:r>
             <a:r>
               <a:rPr lang="en-US" dirty="0"/>
-              <a:t>scale on extremely large machines</a:t>
-            </a:r>
-          </a:p>
-          <a:p>
+              <a:t>on the application </a:t>
+            </a:r>
+            <a:r>
+              <a:rPr lang="en-US" dirty="0" smtClean="0"/>
+              <a:t>characteristics</a:t>
+            </a:r>
+            <a:endParaRPr lang="en-US" dirty="0"/>
+          </a:p>
+          <a:p>
+            <a:pPr lvl="1"/>
+            <a:r>
+              <a:rPr lang="en-US" dirty="0" smtClean="0"/>
+              <a:t>Depends </a:t>
+            </a:r>
             <a:r>
               <a:rPr lang="en-US" dirty="0"/>
-              <a:t>Limitations of centralized strategies:</a:t>
-            </a:r>
-          </a:p>
-          <a:p>
-            <a:pPr lvl="1"/>
+              <a:t>on the machine the application is run on </a:t>
+            </a:r>
+          </a:p>
+          <a:p>
+            <a:r>
+              <a:rPr lang="en-US" dirty="0"/>
+              <a:t>Monitors the application continuously and predicts </a:t>
+            </a:r>
             <a:r>
               <a:rPr lang="en-US" dirty="0" smtClean="0"/>
-              <a:t>Central </a:t>
+              <a:t>behavior.</a:t>
+            </a:r>
+          </a:p>
+          <a:p>
+            <a:r>
+              <a:rPr lang="en-US" dirty="0" smtClean="0"/>
+              <a:t>Decides </a:t>
             </a:r>
             <a:r>
               <a:rPr lang="en-US" dirty="0"/>
-              <a:t>node: memory/communication bottleneck </a:t>
-            </a:r>
-            <a:endParaRPr lang="en-US" dirty="0" smtClean="0"/>
-          </a:p>
-          <a:p>
-            <a:pPr lvl="1"/>
+              <a:t>when to invoke which load </a:t>
+            </a:r>
             <a:r>
               <a:rPr lang="en-US" dirty="0" smtClean="0"/>
-              <a:t>Decision</a:t>
+              <a:t>balancer.</a:t>
+            </a:r>
+          </a:p>
+          <a:p>
+            <a:r>
+              <a:rPr lang="en-US" dirty="0" smtClean="0"/>
+              <a:t>Command </a:t>
             </a:r>
             <a:r>
               <a:rPr lang="en-US" dirty="0"/>
-              <a:t>-making algorithms tend to be very slow</a:t>
-            </a:r>
-          </a:p>
-          <a:p>
+              <a:t>line argument - +</a:t>
+            </a:r>
+            <a:r>
+              <a:rPr lang="en-US" dirty="0" err="1"/>
+              <a:t>MetaLB</a:t>
+            </a:r>
             <a:r>
               <a:rPr lang="en-US" dirty="0"/>
-              <a:t>Limitations of distributed strategies:</a:t>
-            </a:r>
-          </a:p>
-          <a:p>
-            <a:pPr lvl="1"/>
-            <a:r>
-              <a:rPr lang="en-US" dirty="0" smtClean="0"/>
-              <a:t>Difficult to achieve well-informed load balancing decisions</a:t>
-            </a:r>
-            <a:endParaRPr lang="en-US" dirty="0"/>
+              <a:t> </a:t>
+            </a:r>
+            <a:endParaRPr lang="en-US" dirty="0">
+              <a:effectLst/>
+            </a:endParaRPr>
           </a:p>
         </p:txBody>
       </p:sp>
@@ -10990,7 +9835,7 @@
     </p:spTree>
     <p:extLst>
       <p:ext uri="{BB962C8B-B14F-4D97-AF65-F5344CB8AC3E}">
-        <p14:creationId xmlns:p14="http://schemas.microsoft.com/office/powerpoint/2010/main" val="2075500013"/>
+        <p14:creationId xmlns:p14="http://schemas.microsoft.com/office/powerpoint/2010/main" val="3819061467"/>
       </p:ext>
     </p:extLst>
   </p:cSld>
@@ -11555,499 +10400,6 @@
         <p:spPr/>
         <p:txBody>
           <a:bodyPr>
-            <a:normAutofit/>
-          </a:bodyPr>
-          <a:lstStyle/>
-          <a:p>
-            <a:r>
-              <a:rPr lang="en-US" dirty="0"/>
-              <a:t>Hierarchical Load Balancers</a:t>
-            </a:r>
-          </a:p>
-        </p:txBody>
-      </p:sp>
-      <p:sp>
-        <p:nvSpPr>
-          <p:cNvPr id="3" name="Content Placeholder 2"/>
-          <p:cNvSpPr>
-            <a:spLocks noGrp="1"/>
-          </p:cNvSpPr>
-          <p:nvPr>
-            <p:ph idx="1"/>
-          </p:nvPr>
-        </p:nvSpPr>
-        <p:spPr/>
-        <p:txBody>
-          <a:bodyPr anchor="ctr"/>
-          <a:lstStyle/>
-          <a:p>
-            <a:r>
-              <a:rPr lang="en-US" dirty="0"/>
-              <a:t>Partition processor allocation into processor groups </a:t>
-            </a:r>
-            <a:endParaRPr lang="en-US" dirty="0" smtClean="0"/>
-          </a:p>
-          <a:p>
-            <a:r>
-              <a:rPr lang="en-US" dirty="0" smtClean="0"/>
-              <a:t>Apply different </a:t>
-            </a:r>
-            <a:r>
-              <a:rPr lang="en-US" dirty="0"/>
-              <a:t>strategies at each level</a:t>
-            </a:r>
-          </a:p>
-          <a:p>
-            <a:r>
-              <a:rPr lang="en-US" dirty="0"/>
-              <a:t>Scalable to a large number of processors</a:t>
-            </a:r>
-          </a:p>
-        </p:txBody>
-      </p:sp>
-      <p:sp>
-        <p:nvSpPr>
-          <p:cNvPr id="5" name="Footer Placeholder 4"/>
-          <p:cNvSpPr>
-            <a:spLocks noGrp="1"/>
-          </p:cNvSpPr>
-          <p:nvPr>
-            <p:ph type="ftr" sz="quarter" idx="11"/>
-          </p:nvPr>
-        </p:nvSpPr>
-        <p:spPr/>
-        <p:txBody>
-          <a:bodyPr/>
-          <a:lstStyle/>
-          <a:p>
-            <a:pPr algn="r"/>
-            <a:r>
-              <a:rPr lang="en-US" smtClean="0"/>
-              <a:t>Laxmikant Kalé and PPL (UIUC) – Parallel Migratable Objects </a:t>
-            </a:r>
-            <a:endParaRPr lang="en-US" dirty="0"/>
-          </a:p>
-        </p:txBody>
-      </p:sp>
-      <p:sp>
-        <p:nvSpPr>
-          <p:cNvPr id="6" name="Slide Number Placeholder 5"/>
-          <p:cNvSpPr>
-            <a:spLocks noGrp="1"/>
-          </p:cNvSpPr>
-          <p:nvPr>
-            <p:ph type="sldNum" sz="quarter" idx="12"/>
-          </p:nvPr>
-        </p:nvSpPr>
-        <p:spPr/>
-        <p:txBody>
-          <a:bodyPr/>
-          <a:lstStyle/>
-          <a:p>
-            <a:fld id="{0CFEC368-1D7A-4F81-ABF6-AE0E36BAF64C}" type="slidenum">
-              <a:rPr lang="en-US" smtClean="0"/>
-              <a:pPr/>
-              <a:t>20</a:t>
-            </a:fld>
-            <a:endParaRPr lang="en-US"/>
-          </a:p>
-        </p:txBody>
-      </p:sp>
-    </p:spTree>
-    <p:extLst>
-      <p:ext uri="{BB962C8B-B14F-4D97-AF65-F5344CB8AC3E}">
-        <p14:creationId xmlns:p14="http://schemas.microsoft.com/office/powerpoint/2010/main" val="3120527482"/>
-      </p:ext>
-    </p:extLst>
-  </p:cSld>
-  <p:clrMapOvr>
-    <a:masterClrMapping/>
-  </p:clrMapOvr>
-  <p:timing>
-    <p:tnLst>
-      <p:par>
-        <p:cTn xmlns:p14="http://schemas.microsoft.com/office/powerpoint/2010/main" id="1" dur="indefinite" restart="never" nodeType="tmRoot"/>
-      </p:par>
-    </p:tnLst>
-  </p:timing>
-</p:sld>
-</file>
-
-<file path=ppt/slides/slide21.xml><?xml version="1.0" encoding="utf-8"?>
-<p:sld xmlns:a="http://schemas.openxmlformats.org/drawingml/2006/main" xmlns:r="http://schemas.openxmlformats.org/officeDocument/2006/relationships" xmlns:p="http://schemas.openxmlformats.org/presentationml/2006/main">
-  <p:cSld>
-    <p:spTree>
-      <p:nvGrpSpPr>
-        <p:cNvPr id="1" name=""/>
-        <p:cNvGrpSpPr/>
-        <p:nvPr/>
-      </p:nvGrpSpPr>
-      <p:grpSpPr>
-        <a:xfrm>
-          <a:off x="0" y="0"/>
-          <a:ext cx="0" cy="0"/>
-          <a:chOff x="0" y="0"/>
-          <a:chExt cx="0" cy="0"/>
-        </a:xfrm>
-      </p:grpSpPr>
-      <p:sp>
-        <p:nvSpPr>
-          <p:cNvPr id="2" name="Title 1"/>
-          <p:cNvSpPr>
-            <a:spLocks noGrp="1"/>
-          </p:cNvSpPr>
-          <p:nvPr>
-            <p:ph type="title"/>
-          </p:nvPr>
-        </p:nvSpPr>
-        <p:spPr/>
-        <p:txBody>
-          <a:bodyPr>
-            <a:normAutofit/>
-          </a:bodyPr>
-          <a:lstStyle/>
-          <a:p>
-            <a:r>
-              <a:rPr lang="en-US" dirty="0"/>
-              <a:t>Our Hybrid Scheme</a:t>
-            </a:r>
-          </a:p>
-        </p:txBody>
-      </p:sp>
-      <p:pic>
-        <p:nvPicPr>
-          <p:cNvPr id="7" name="Content Placeholder 6" descr="hybridLBScheme.png"/>
-          <p:cNvPicPr>
-            <a:picLocks noGrp="1" noChangeAspect="1"/>
-          </p:cNvPicPr>
-          <p:nvPr>
-            <p:ph idx="1"/>
-          </p:nvPr>
-        </p:nvPicPr>
-        <p:blipFill>
-          <a:blip r:embed="rId2">
-            <a:extLst>
-              <a:ext uri="{28A0092B-C50C-407E-A947-70E740481C1C}">
-                <a14:useLocalDpi xmlns:a14="http://schemas.microsoft.com/office/drawing/2010/main" val="0"/>
-              </a:ext>
-            </a:extLst>
-          </a:blip>
-          <a:srcRect t="-8503" b="-8503"/>
-          <a:stretch>
-            <a:fillRect/>
-          </a:stretch>
-        </p:blipFill>
-        <p:spPr/>
-      </p:pic>
-      <p:sp>
-        <p:nvSpPr>
-          <p:cNvPr id="5" name="Footer Placeholder 4"/>
-          <p:cNvSpPr>
-            <a:spLocks noGrp="1"/>
-          </p:cNvSpPr>
-          <p:nvPr>
-            <p:ph type="ftr" sz="quarter" idx="11"/>
-          </p:nvPr>
-        </p:nvSpPr>
-        <p:spPr/>
-        <p:txBody>
-          <a:bodyPr/>
-          <a:lstStyle/>
-          <a:p>
-            <a:pPr algn="r"/>
-            <a:r>
-              <a:rPr lang="en-US" smtClean="0"/>
-              <a:t>Laxmikant Kalé and PPL (UIUC) – Parallel Migratable Objects </a:t>
-            </a:r>
-            <a:endParaRPr lang="en-US" dirty="0"/>
-          </a:p>
-        </p:txBody>
-      </p:sp>
-      <p:sp>
-        <p:nvSpPr>
-          <p:cNvPr id="6" name="Slide Number Placeholder 5"/>
-          <p:cNvSpPr>
-            <a:spLocks noGrp="1"/>
-          </p:cNvSpPr>
-          <p:nvPr>
-            <p:ph type="sldNum" sz="quarter" idx="12"/>
-          </p:nvPr>
-        </p:nvSpPr>
-        <p:spPr/>
-        <p:txBody>
-          <a:bodyPr/>
-          <a:lstStyle/>
-          <a:p>
-            <a:fld id="{0CFEC368-1D7A-4F81-ABF6-AE0E36BAF64C}" type="slidenum">
-              <a:rPr lang="en-US" smtClean="0"/>
-              <a:pPr/>
-              <a:t>21</a:t>
-            </a:fld>
-            <a:endParaRPr lang="en-US"/>
-          </a:p>
-        </p:txBody>
-      </p:sp>
-    </p:spTree>
-    <p:extLst>
-      <p:ext uri="{BB962C8B-B14F-4D97-AF65-F5344CB8AC3E}">
-        <p14:creationId xmlns:p14="http://schemas.microsoft.com/office/powerpoint/2010/main" val="1948754625"/>
-      </p:ext>
-    </p:extLst>
-  </p:cSld>
-  <p:clrMapOvr>
-    <a:masterClrMapping/>
-  </p:clrMapOvr>
-  <p:timing>
-    <p:tnLst>
-      <p:par>
-        <p:cTn xmlns:p14="http://schemas.microsoft.com/office/powerpoint/2010/main" id="1" dur="indefinite" restart="never" nodeType="tmRoot"/>
-      </p:par>
-    </p:tnLst>
-  </p:timing>
-</p:sld>
-</file>
-
-<file path=ppt/slides/slide22.xml><?xml version="1.0" encoding="utf-8"?>
-<p:sld xmlns:a="http://schemas.openxmlformats.org/drawingml/2006/main" xmlns:r="http://schemas.openxmlformats.org/officeDocument/2006/relationships" xmlns:p="http://schemas.openxmlformats.org/presentationml/2006/main">
-  <p:cSld>
-    <p:spTree>
-      <p:nvGrpSpPr>
-        <p:cNvPr id="1" name=""/>
-        <p:cNvGrpSpPr/>
-        <p:nvPr/>
-      </p:nvGrpSpPr>
-      <p:grpSpPr>
-        <a:xfrm>
-          <a:off x="0" y="0"/>
-          <a:ext cx="0" cy="0"/>
-          <a:chOff x="0" y="0"/>
-          <a:chExt cx="0" cy="0"/>
-        </a:xfrm>
-      </p:grpSpPr>
-      <p:sp>
-        <p:nvSpPr>
-          <p:cNvPr id="2" name="Title 1"/>
-          <p:cNvSpPr>
-            <a:spLocks noGrp="1"/>
-          </p:cNvSpPr>
-          <p:nvPr>
-            <p:ph type="title"/>
-          </p:nvPr>
-        </p:nvSpPr>
-        <p:spPr/>
-        <p:txBody>
-          <a:bodyPr>
-            <a:normAutofit fontScale="90000"/>
-          </a:bodyPr>
-          <a:lstStyle/>
-          <a:p>
-            <a:r>
-              <a:rPr lang="en-US" dirty="0" err="1"/>
-              <a:t>MetaBalancer</a:t>
-            </a:r>
-            <a:r>
-              <a:rPr lang="en-US" dirty="0"/>
-              <a:t> - When and how to load balance?</a:t>
-            </a:r>
-          </a:p>
-        </p:txBody>
-      </p:sp>
-      <p:sp>
-        <p:nvSpPr>
-          <p:cNvPr id="3" name="Content Placeholder 2"/>
-          <p:cNvSpPr>
-            <a:spLocks noGrp="1"/>
-          </p:cNvSpPr>
-          <p:nvPr>
-            <p:ph idx="1"/>
-          </p:nvPr>
-        </p:nvSpPr>
-        <p:spPr/>
-        <p:txBody>
-          <a:bodyPr/>
-          <a:lstStyle/>
-          <a:p>
-            <a:r>
-              <a:rPr lang="en-US" dirty="0" smtClean="0"/>
-              <a:t>Difficult </a:t>
-            </a:r>
-            <a:r>
-              <a:rPr lang="en-US" dirty="0"/>
-              <a:t>to find the optimum load balancing period </a:t>
-            </a:r>
-          </a:p>
-          <a:p>
-            <a:pPr lvl="1"/>
-            <a:r>
-              <a:rPr lang="en-US" dirty="0" smtClean="0"/>
-              <a:t>Depends </a:t>
-            </a:r>
-            <a:r>
-              <a:rPr lang="en-US" dirty="0"/>
-              <a:t>on the application </a:t>
-            </a:r>
-            <a:r>
-              <a:rPr lang="en-US" dirty="0" smtClean="0"/>
-              <a:t>characteristics</a:t>
-            </a:r>
-            <a:endParaRPr lang="en-US" dirty="0"/>
-          </a:p>
-          <a:p>
-            <a:pPr lvl="1"/>
-            <a:r>
-              <a:rPr lang="en-US" dirty="0" smtClean="0"/>
-              <a:t>Depends </a:t>
-            </a:r>
-            <a:r>
-              <a:rPr lang="en-US" dirty="0"/>
-              <a:t>on the machine the application is run on </a:t>
-            </a:r>
-          </a:p>
-          <a:p>
-            <a:r>
-              <a:rPr lang="en-US" dirty="0"/>
-              <a:t>Monitors the application continuously and predicts </a:t>
-            </a:r>
-            <a:r>
-              <a:rPr lang="en-US" dirty="0" smtClean="0"/>
-              <a:t>behavior.</a:t>
-            </a:r>
-          </a:p>
-          <a:p>
-            <a:r>
-              <a:rPr lang="en-US" dirty="0" smtClean="0"/>
-              <a:t>Decides </a:t>
-            </a:r>
-            <a:r>
-              <a:rPr lang="en-US" dirty="0"/>
-              <a:t>when to invoke which load </a:t>
-            </a:r>
-            <a:r>
-              <a:rPr lang="en-US" dirty="0" smtClean="0"/>
-              <a:t>balancer.</a:t>
-            </a:r>
-          </a:p>
-          <a:p>
-            <a:r>
-              <a:rPr lang="en-US" dirty="0" smtClean="0"/>
-              <a:t>Command </a:t>
-            </a:r>
-            <a:r>
-              <a:rPr lang="en-US" dirty="0"/>
-              <a:t>line argument - +</a:t>
-            </a:r>
-            <a:r>
-              <a:rPr lang="en-US" dirty="0" err="1"/>
-              <a:t>MetaLB</a:t>
-            </a:r>
-            <a:r>
-              <a:rPr lang="en-US" dirty="0"/>
-              <a:t> </a:t>
-            </a:r>
-            <a:endParaRPr lang="en-US" dirty="0">
-              <a:effectLst/>
-            </a:endParaRPr>
-          </a:p>
-        </p:txBody>
-      </p:sp>
-      <p:sp>
-        <p:nvSpPr>
-          <p:cNvPr id="5" name="Footer Placeholder 4"/>
-          <p:cNvSpPr>
-            <a:spLocks noGrp="1"/>
-          </p:cNvSpPr>
-          <p:nvPr>
-            <p:ph type="ftr" sz="quarter" idx="11"/>
-          </p:nvPr>
-        </p:nvSpPr>
-        <p:spPr/>
-        <p:txBody>
-          <a:bodyPr/>
-          <a:lstStyle/>
-          <a:p>
-            <a:pPr algn="r"/>
-            <a:r>
-              <a:rPr lang="en-US" smtClean="0"/>
-              <a:t>Laxmikant Kalé and PPL (UIUC) – Parallel Migratable Objects </a:t>
-            </a:r>
-            <a:endParaRPr lang="en-US" dirty="0"/>
-          </a:p>
-        </p:txBody>
-      </p:sp>
-      <p:sp>
-        <p:nvSpPr>
-          <p:cNvPr id="6" name="Slide Number Placeholder 5"/>
-          <p:cNvSpPr>
-            <a:spLocks noGrp="1"/>
-          </p:cNvSpPr>
-          <p:nvPr>
-            <p:ph type="sldNum" sz="quarter" idx="12"/>
-          </p:nvPr>
-        </p:nvSpPr>
-        <p:spPr/>
-        <p:txBody>
-          <a:bodyPr/>
-          <a:lstStyle/>
-          <a:p>
-            <a:fld id="{0CFEC368-1D7A-4F81-ABF6-AE0E36BAF64C}" type="slidenum">
-              <a:rPr lang="en-US" smtClean="0"/>
-              <a:pPr/>
-              <a:t>22</a:t>
-            </a:fld>
-            <a:endParaRPr lang="en-US"/>
-          </a:p>
-        </p:txBody>
-      </p:sp>
-    </p:spTree>
-    <p:extLst>
-      <p:ext uri="{BB962C8B-B14F-4D97-AF65-F5344CB8AC3E}">
-        <p14:creationId xmlns:p14="http://schemas.microsoft.com/office/powerpoint/2010/main" val="3819061467"/>
-      </p:ext>
-    </p:extLst>
-  </p:cSld>
-  <p:clrMapOvr>
-    <a:masterClrMapping/>
-  </p:clrMapOvr>
-  <p:timing>
-    <p:tnLst>
-      <p:par>
-        <p:cTn xmlns:p14="http://schemas.microsoft.com/office/powerpoint/2010/main" id="1" dur="indefinite" restart="never" nodeType="tmRoot"/>
-      </p:par>
-    </p:tnLst>
-  </p:timing>
-</p:sld>
-</file>
-
-<file path=ppt/slides/slide23.xml><?xml version="1.0" encoding="utf-8"?>
-<p:sld xmlns:a="http://schemas.openxmlformats.org/drawingml/2006/main" xmlns:r="http://schemas.openxmlformats.org/officeDocument/2006/relationships" xmlns:p="http://schemas.openxmlformats.org/presentationml/2006/main">
-  <p:cSld>
-    <p:spTree>
-      <p:nvGrpSpPr>
-        <p:cNvPr id="1" name=""/>
-        <p:cNvGrpSpPr/>
-        <p:nvPr/>
-      </p:nvGrpSpPr>
-      <p:grpSpPr>
-        <a:xfrm>
-          <a:off x="0" y="0"/>
-          <a:ext cx="0" cy="0"/>
-          <a:chOff x="0" y="0"/>
-          <a:chExt cx="0" cy="0"/>
-        </a:xfrm>
-      </p:grpSpPr>
-      <p:sp>
-        <p:nvSpPr>
-          <p:cNvPr id="2" name="Title 1"/>
-          <p:cNvSpPr>
-            <a:spLocks noGrp="1"/>
-          </p:cNvSpPr>
-          <p:nvPr>
-            <p:ph type="title"/>
-          </p:nvPr>
-        </p:nvSpPr>
-        <p:spPr/>
-        <p:txBody>
-          <a:bodyPr>
             <a:normAutofit fontScale="90000"/>
           </a:bodyPr>
           <a:lstStyle/>
@@ -12140,7 +10492,7 @@
             <a:fld id="{0CFEC368-1D7A-4F81-ABF6-AE0E36BAF64C}" type="slidenum">
               <a:rPr lang="en-US" smtClean="0"/>
               <a:pPr/>
-              <a:t>23</a:t>
+              <a:t>20</a:t>
             </a:fld>
             <a:endParaRPr lang="en-US"/>
           </a:p>
@@ -14919,7 +13271,7 @@
           <a:p>
             <a:r>
               <a:rPr lang="en-US" dirty="0"/>
-              <a:t>How to Diagnose Load Imbalance</a:t>
+              <a:t>Golden Rule of Load Balancing</a:t>
             </a:r>
           </a:p>
         </p:txBody>
@@ -14932,163 +13284,6 @@
           </p:cNvSpPr>
           <p:nvPr>
             <p:ph idx="1"/>
-          </p:nvPr>
-        </p:nvSpPr>
-        <p:spPr/>
-        <p:txBody>
-          <a:bodyPr anchor="ctr"/>
-          <a:lstStyle/>
-          <a:p>
-            <a:r>
-              <a:rPr lang="en-US" dirty="0"/>
-              <a:t>Often hidden in statements such as:</a:t>
-            </a:r>
-          </a:p>
-          <a:p>
-            <a:pPr lvl="1"/>
-            <a:r>
-              <a:rPr lang="en-US" dirty="0" smtClean="0"/>
-              <a:t>Very </a:t>
-            </a:r>
-            <a:r>
-              <a:rPr lang="en-US" dirty="0"/>
-              <a:t>high synchronization overhead</a:t>
-            </a:r>
-          </a:p>
-          <a:p>
-            <a:pPr lvl="2"/>
-            <a:r>
-              <a:rPr lang="en-US" dirty="0" smtClean="0"/>
-              <a:t>Most </a:t>
-            </a:r>
-            <a:r>
-              <a:rPr lang="en-US" dirty="0"/>
-              <a:t>processors are waiting at a reduction</a:t>
-            </a:r>
-          </a:p>
-          <a:p>
-            <a:r>
-              <a:rPr lang="en-US" dirty="0"/>
-              <a:t>Count total amount of computation (ops/flops) per processor</a:t>
-            </a:r>
-          </a:p>
-          <a:p>
-            <a:pPr lvl="1"/>
-            <a:r>
-              <a:rPr lang="en-US" dirty="0" smtClean="0"/>
-              <a:t>In </a:t>
-            </a:r>
-            <a:r>
-              <a:rPr lang="en-US" dirty="0"/>
-              <a:t>each phase!</a:t>
-            </a:r>
-          </a:p>
-          <a:p>
-            <a:pPr lvl="1"/>
-            <a:r>
-              <a:rPr lang="en-US" dirty="0" smtClean="0"/>
-              <a:t>Because </a:t>
-            </a:r>
-            <a:r>
-              <a:rPr lang="en-US" dirty="0"/>
-              <a:t>the balance may change from phase to phase</a:t>
-            </a:r>
-          </a:p>
-        </p:txBody>
-      </p:sp>
-      <p:sp>
-        <p:nvSpPr>
-          <p:cNvPr id="5" name="Footer Placeholder 4"/>
-          <p:cNvSpPr>
-            <a:spLocks noGrp="1"/>
-          </p:cNvSpPr>
-          <p:nvPr>
-            <p:ph type="ftr" sz="quarter" idx="11"/>
-          </p:nvPr>
-        </p:nvSpPr>
-        <p:spPr/>
-        <p:txBody>
-          <a:bodyPr/>
-          <a:lstStyle/>
-          <a:p>
-            <a:pPr algn="r"/>
-            <a:r>
-              <a:rPr lang="en-US" smtClean="0"/>
-              <a:t>Laxmikant Kalé and PPL (UIUC) – Parallel Migratable Objects </a:t>
-            </a:r>
-            <a:endParaRPr lang="en-US" dirty="0"/>
-          </a:p>
-        </p:txBody>
-      </p:sp>
-      <p:sp>
-        <p:nvSpPr>
-          <p:cNvPr id="6" name="Slide Number Placeholder 5"/>
-          <p:cNvSpPr>
-            <a:spLocks noGrp="1"/>
-          </p:cNvSpPr>
-          <p:nvPr>
-            <p:ph type="sldNum" sz="quarter" idx="12"/>
-          </p:nvPr>
-        </p:nvSpPr>
-        <p:spPr/>
-        <p:txBody>
-          <a:bodyPr/>
-          <a:lstStyle/>
-          <a:p>
-            <a:fld id="{0CFEC368-1D7A-4F81-ABF6-AE0E36BAF64C}" type="slidenum">
-              <a:rPr lang="en-US" smtClean="0"/>
-              <a:pPr/>
-              <a:t>8</a:t>
-            </a:fld>
-            <a:endParaRPr lang="en-US"/>
-          </a:p>
-        </p:txBody>
-      </p:sp>
-    </p:spTree>
-    <p:extLst>
-      <p:ext uri="{BB962C8B-B14F-4D97-AF65-F5344CB8AC3E}">
-        <p14:creationId xmlns:p14="http://schemas.microsoft.com/office/powerpoint/2010/main" val="1708635662"/>
-      </p:ext>
-    </p:extLst>
-  </p:cSld>
-  <p:clrMapOvr>
-    <a:masterClrMapping/>
-  </p:clrMapOvr>
-  <p:timing>
-    <p:tnLst>
-      <p:par>
-        <p:cTn xmlns:p14="http://schemas.microsoft.com/office/powerpoint/2010/main" id="1" dur="indefinite" restart="never" nodeType="tmRoot"/>
-      </p:par>
-    </p:tnLst>
-  </p:timing>
-</p:sld>
-</file>
-
-<file path=ppt/slides/slide9.xml><?xml version="1.0" encoding="utf-8"?>
-<p:sld xmlns:a="http://schemas.openxmlformats.org/drawingml/2006/main" xmlns:r="http://schemas.openxmlformats.org/officeDocument/2006/relationships" xmlns:p="http://schemas.openxmlformats.org/presentationml/2006/main">
-  <p:cSld>
-    <p:spTree>
-      <p:nvGrpSpPr>
-        <p:cNvPr id="1" name=""/>
-        <p:cNvGrpSpPr/>
-        <p:nvPr/>
-      </p:nvGrpSpPr>
-      <p:grpSpPr>
-        <a:xfrm>
-          <a:off x="0" y="0"/>
-          <a:ext cx="0" cy="0"/>
-          <a:chOff x="0" y="0"/>
-          <a:chExt cx="0" cy="0"/>
-        </a:xfrm>
-      </p:grpSpPr>
-      <p:sp>
-        <p:nvSpPr>
-          <p:cNvPr id="2" name="Title 1"/>
-          <p:cNvSpPr>
-            <a:spLocks noGrp="1"/>
-          </p:cNvSpPr>
-          <p:nvPr>
-            <p:ph type="title"/>
           </p:nvPr>
         </p:nvSpPr>
         <p:spPr/>
@@ -15098,30 +13293,6 @@
           </a:bodyPr>
           <a:lstStyle/>
           <a:p>
-            <a:r>
-              <a:rPr lang="en-US" dirty="0"/>
-              <a:t>Golden Rule of Load Balancing</a:t>
-            </a:r>
-          </a:p>
-        </p:txBody>
-      </p:sp>
-      <p:sp>
-        <p:nvSpPr>
-          <p:cNvPr id="3" name="Content Placeholder 2"/>
-          <p:cNvSpPr>
-            <a:spLocks noGrp="1"/>
-          </p:cNvSpPr>
-          <p:nvPr>
-            <p:ph idx="1"/>
-          </p:nvPr>
-        </p:nvSpPr>
-        <p:spPr/>
-        <p:txBody>
-          <a:bodyPr>
-            <a:normAutofit/>
-          </a:bodyPr>
-          <a:lstStyle/>
-          <a:p>
             <a:pPr marL="0" indent="0">
               <a:buNone/>
             </a:pPr>
@@ -15295,7 +13466,7 @@
             <a:fld id="{0CFEC368-1D7A-4F81-ABF6-AE0E36BAF64C}" type="slidenum">
               <a:rPr lang="en-US" smtClean="0"/>
               <a:pPr/>
-              <a:t>9</a:t>
+              <a:t>8</a:t>
             </a:fld>
             <a:endParaRPr lang="en-US"/>
           </a:p>
@@ -15689,6 +13860,672 @@
         </p:cTn>
       </p:par>
     </p:tnLst>
+  </p:timing>
+</p:sld>
+</file>
+
+<file path=ppt/slides/slide9.xml><?xml version="1.0" encoding="utf-8"?>
+<p:sld xmlns:a="http://schemas.openxmlformats.org/drawingml/2006/main" xmlns:r="http://schemas.openxmlformats.org/officeDocument/2006/relationships" xmlns:p="http://schemas.openxmlformats.org/presentationml/2006/main">
+  <p:cSld>
+    <p:spTree>
+      <p:nvGrpSpPr>
+        <p:cNvPr id="1" name=""/>
+        <p:cNvGrpSpPr/>
+        <p:nvPr/>
+      </p:nvGrpSpPr>
+      <p:grpSpPr>
+        <a:xfrm>
+          <a:off x="0" y="0"/>
+          <a:ext cx="0" cy="0"/>
+          <a:chOff x="0" y="0"/>
+          <a:chExt cx="0" cy="0"/>
+        </a:xfrm>
+      </p:grpSpPr>
+      <p:sp>
+        <p:nvSpPr>
+          <p:cNvPr id="2" name="Title 1"/>
+          <p:cNvSpPr>
+            <a:spLocks noGrp="1"/>
+          </p:cNvSpPr>
+          <p:nvPr>
+            <p:ph type="title"/>
+          </p:nvPr>
+        </p:nvSpPr>
+        <p:spPr/>
+        <p:txBody>
+          <a:bodyPr>
+            <a:normAutofit/>
+          </a:bodyPr>
+          <a:lstStyle/>
+          <a:p>
+            <a:r>
+              <a:rPr lang="en-US" dirty="0"/>
+              <a:t>Load Balancing Strategies</a:t>
+            </a:r>
+          </a:p>
+        </p:txBody>
+      </p:sp>
+      <p:sp>
+        <p:nvSpPr>
+          <p:cNvPr id="3" name="Content Placeholder 2"/>
+          <p:cNvSpPr>
+            <a:spLocks noGrp="1"/>
+          </p:cNvSpPr>
+          <p:nvPr>
+            <p:ph idx="1"/>
+          </p:nvPr>
+        </p:nvSpPr>
+        <p:spPr/>
+        <p:txBody>
+          <a:bodyPr>
+            <a:normAutofit/>
+          </a:bodyPr>
+          <a:lstStyle/>
+          <a:p>
+            <a:r>
+              <a:rPr lang="en-US" dirty="0"/>
+              <a:t>Classified by when it is done:</a:t>
+            </a:r>
+          </a:p>
+          <a:p>
+            <a:pPr lvl="1"/>
+            <a:r>
+              <a:rPr lang="en-US" dirty="0" smtClean="0"/>
+              <a:t>Initially</a:t>
+            </a:r>
+            <a:endParaRPr lang="en-US" dirty="0"/>
+          </a:p>
+          <a:p>
+            <a:pPr lvl="1"/>
+            <a:r>
+              <a:rPr lang="en-US" dirty="0" smtClean="0"/>
+              <a:t>Dynamic</a:t>
+            </a:r>
+            <a:r>
+              <a:rPr lang="en-US" dirty="0"/>
+              <a:t>: Periodically </a:t>
+            </a:r>
+            <a:endParaRPr lang="en-US" dirty="0" smtClean="0"/>
+          </a:p>
+          <a:p>
+            <a:pPr lvl="1"/>
+            <a:r>
+              <a:rPr lang="en-US" dirty="0" smtClean="0"/>
+              <a:t>Dynamic</a:t>
+            </a:r>
+            <a:r>
+              <a:rPr lang="en-US" dirty="0"/>
+              <a:t>: Continuously</a:t>
+            </a:r>
+          </a:p>
+          <a:p>
+            <a:r>
+              <a:rPr lang="en-US" dirty="0"/>
+              <a:t>Classified by whether decisions are taken with global information</a:t>
+            </a:r>
+          </a:p>
+          <a:p>
+            <a:pPr lvl="1"/>
+            <a:r>
+              <a:rPr lang="en-US" dirty="0" smtClean="0"/>
+              <a:t>Fully </a:t>
+            </a:r>
+            <a:r>
+              <a:rPr lang="en-US" dirty="0"/>
+              <a:t>centralized</a:t>
+            </a:r>
+          </a:p>
+          <a:p>
+            <a:pPr lvl="2"/>
+            <a:r>
+              <a:rPr lang="en-US" dirty="0" smtClean="0"/>
+              <a:t>Quite </a:t>
+            </a:r>
+            <a:r>
+              <a:rPr lang="en-US" dirty="0" smtClean="0"/>
+              <a:t>a good </a:t>
+            </a:r>
+            <a:r>
+              <a:rPr lang="en-US" dirty="0"/>
+              <a:t>choice when load balancing period is high</a:t>
+            </a:r>
+          </a:p>
+          <a:p>
+            <a:pPr lvl="1"/>
+            <a:r>
+              <a:rPr lang="en-US" dirty="0" smtClean="0"/>
+              <a:t>Fully </a:t>
+            </a:r>
+            <a:r>
+              <a:rPr lang="en-US" dirty="0"/>
+              <a:t>distributed</a:t>
+            </a:r>
+          </a:p>
+          <a:p>
+            <a:pPr lvl="2"/>
+            <a:r>
+              <a:rPr lang="en-US" dirty="0" smtClean="0"/>
+              <a:t>Each </a:t>
+            </a:r>
+            <a:r>
+              <a:rPr lang="en-US" dirty="0"/>
+              <a:t>processor knows only about a constant number of neighbors</a:t>
+            </a:r>
+          </a:p>
+          <a:p>
+            <a:pPr lvl="2"/>
+            <a:r>
+              <a:rPr lang="en-US" dirty="0" smtClean="0"/>
+              <a:t>Extreme </a:t>
+            </a:r>
+            <a:r>
+              <a:rPr lang="en-US" dirty="0"/>
+              <a:t>case: totally local decision (send work to a random </a:t>
+            </a:r>
+            <a:r>
+              <a:rPr lang="en-US" dirty="0" smtClean="0"/>
+              <a:t>destination processor</a:t>
+            </a:r>
+            <a:r>
+              <a:rPr lang="en-US" dirty="0"/>
+              <a:t>, with some probability).</a:t>
+            </a:r>
+          </a:p>
+          <a:p>
+            <a:pPr lvl="1"/>
+            <a:r>
+              <a:rPr lang="en-US" dirty="0" smtClean="0"/>
+              <a:t>Use </a:t>
+            </a:r>
+            <a:r>
+              <a:rPr lang="en-US" i="1" dirty="0"/>
+              <a:t>aggregated</a:t>
+            </a:r>
+            <a:r>
+              <a:rPr lang="en-US" dirty="0"/>
+              <a:t> global information, and </a:t>
+            </a:r>
+            <a:r>
+              <a:rPr lang="en-US" i="1" dirty="0"/>
+              <a:t>detailed </a:t>
+            </a:r>
+            <a:r>
+              <a:rPr lang="en-US" dirty="0"/>
+              <a:t>neighborhood info.</a:t>
+            </a:r>
+          </a:p>
+        </p:txBody>
+      </p:sp>
+      <p:sp>
+        <p:nvSpPr>
+          <p:cNvPr id="5" name="Footer Placeholder 4"/>
+          <p:cNvSpPr>
+            <a:spLocks noGrp="1"/>
+          </p:cNvSpPr>
+          <p:nvPr>
+            <p:ph type="ftr" sz="quarter" idx="11"/>
+          </p:nvPr>
+        </p:nvSpPr>
+        <p:spPr/>
+        <p:txBody>
+          <a:bodyPr/>
+          <a:lstStyle/>
+          <a:p>
+            <a:pPr algn="r"/>
+            <a:r>
+              <a:rPr lang="en-US" smtClean="0"/>
+              <a:t>Laxmikant Kalé and PPL (UIUC) – Parallel Migratable Objects </a:t>
+            </a:r>
+            <a:endParaRPr lang="en-US" dirty="0"/>
+          </a:p>
+        </p:txBody>
+      </p:sp>
+      <p:sp>
+        <p:nvSpPr>
+          <p:cNvPr id="6" name="Slide Number Placeholder 5"/>
+          <p:cNvSpPr>
+            <a:spLocks noGrp="1"/>
+          </p:cNvSpPr>
+          <p:nvPr>
+            <p:ph type="sldNum" sz="quarter" idx="12"/>
+          </p:nvPr>
+        </p:nvSpPr>
+        <p:spPr/>
+        <p:txBody>
+          <a:bodyPr/>
+          <a:lstStyle/>
+          <a:p>
+            <a:fld id="{0CFEC368-1D7A-4F81-ABF6-AE0E36BAF64C}" type="slidenum">
+              <a:rPr lang="en-US" smtClean="0"/>
+              <a:pPr/>
+              <a:t>9</a:t>
+            </a:fld>
+            <a:endParaRPr lang="en-US"/>
+          </a:p>
+        </p:txBody>
+      </p:sp>
+    </p:spTree>
+    <p:extLst>
+      <p:ext uri="{BB962C8B-B14F-4D97-AF65-F5344CB8AC3E}">
+        <p14:creationId xmlns:p14="http://schemas.microsoft.com/office/powerpoint/2010/main" val="582181170"/>
+      </p:ext>
+    </p:extLst>
+  </p:cSld>
+  <p:clrMapOvr>
+    <a:masterClrMapping/>
+  </p:clrMapOvr>
+  <p:timing>
+    <p:tnLst>
+      <p:par>
+        <p:cTn xmlns:p14="http://schemas.microsoft.com/office/powerpoint/2010/main" id="1" dur="indefinite" restart="never" nodeType="tmRoot">
+          <p:childTnLst>
+            <p:seq concurrent="1" nextAc="seek">
+              <p:cTn id="2" dur="indefinite" nodeType="mainSeq">
+                <p:childTnLst>
+                  <p:par>
+                    <p:cTn id="3" fill="hold">
+                      <p:stCondLst>
+                        <p:cond delay="indefinite"/>
+                        <p:cond evt="onBegin" delay="0">
+                          <p:tn val="2"/>
+                        </p:cond>
+                      </p:stCondLst>
+                      <p:childTnLst>
+                        <p:par>
+                          <p:cTn id="4" fill="hold">
+                            <p:stCondLst>
+                              <p:cond delay="0"/>
+                            </p:stCondLst>
+                            <p:childTnLst>
+                              <p:par>
+                                <p:cTn id="5" presetID="1" presetClass="entr" presetSubtype="0" fill="hold" grpId="0" nodeType="withEffect">
+                                  <p:stCondLst>
+                                    <p:cond delay="0"/>
+                                  </p:stCondLst>
+                                  <p:childTnLst>
+                                    <p:set>
+                                      <p:cBhvr>
+                                        <p:cTn id="6" dur="1" fill="hold">
+                                          <p:stCondLst>
+                                            <p:cond delay="0"/>
+                                          </p:stCondLst>
+                                        </p:cTn>
+                                        <p:tgtEl>
+                                          <p:spTgt spid="3">
+                                            <p:txEl>
+                                              <p:pRg st="0" end="0"/>
+                                            </p:txEl>
+                                          </p:spTgt>
+                                        </p:tgtEl>
+                                        <p:attrNameLst>
+                                          <p:attrName>style.visibility</p:attrName>
+                                        </p:attrNameLst>
+                                      </p:cBhvr>
+                                      <p:to>
+                                        <p:strVal val="visible"/>
+                                      </p:to>
+                                    </p:set>
+                                  </p:childTnLst>
+                                </p:cTn>
+                              </p:par>
+                              <p:par>
+                                <p:cTn id="7" presetID="1" presetClass="entr" presetSubtype="0" fill="hold" grpId="0" nodeType="withEffect">
+                                  <p:stCondLst>
+                                    <p:cond delay="0"/>
+                                  </p:stCondLst>
+                                  <p:childTnLst>
+                                    <p:set>
+                                      <p:cBhvr>
+                                        <p:cTn id="8" dur="1" fill="hold">
+                                          <p:stCondLst>
+                                            <p:cond delay="0"/>
+                                          </p:stCondLst>
+                                        </p:cTn>
+                                        <p:tgtEl>
+                                          <p:spTgt spid="3">
+                                            <p:txEl>
+                                              <p:pRg st="1" end="1"/>
+                                            </p:txEl>
+                                          </p:spTgt>
+                                        </p:tgtEl>
+                                        <p:attrNameLst>
+                                          <p:attrName>style.visibility</p:attrName>
+                                        </p:attrNameLst>
+                                      </p:cBhvr>
+                                      <p:to>
+                                        <p:strVal val="visible"/>
+                                      </p:to>
+                                    </p:set>
+                                  </p:childTnLst>
+                                </p:cTn>
+                              </p:par>
+                              <p:par>
+                                <p:cTn id="9" presetID="1" presetClass="entr" presetSubtype="0" fill="hold" grpId="0" nodeType="withEffect">
+                                  <p:stCondLst>
+                                    <p:cond delay="0"/>
+                                  </p:stCondLst>
+                                  <p:childTnLst>
+                                    <p:set>
+                                      <p:cBhvr>
+                                        <p:cTn id="10" dur="1" fill="hold">
+                                          <p:stCondLst>
+                                            <p:cond delay="0"/>
+                                          </p:stCondLst>
+                                        </p:cTn>
+                                        <p:tgtEl>
+                                          <p:spTgt spid="3">
+                                            <p:txEl>
+                                              <p:pRg st="2" end="2"/>
+                                            </p:txEl>
+                                          </p:spTgt>
+                                        </p:tgtEl>
+                                        <p:attrNameLst>
+                                          <p:attrName>style.visibility</p:attrName>
+                                        </p:attrNameLst>
+                                      </p:cBhvr>
+                                      <p:to>
+                                        <p:strVal val="visible"/>
+                                      </p:to>
+                                    </p:set>
+                                  </p:childTnLst>
+                                </p:cTn>
+                              </p:par>
+                              <p:par>
+                                <p:cTn id="11" presetID="1" presetClass="entr" presetSubtype="0" fill="hold" grpId="0" nodeType="withEffect">
+                                  <p:stCondLst>
+                                    <p:cond delay="0"/>
+                                  </p:stCondLst>
+                                  <p:childTnLst>
+                                    <p:set>
+                                      <p:cBhvr>
+                                        <p:cTn id="12" dur="1" fill="hold">
+                                          <p:stCondLst>
+                                            <p:cond delay="0"/>
+                                          </p:stCondLst>
+                                        </p:cTn>
+                                        <p:tgtEl>
+                                          <p:spTgt spid="3">
+                                            <p:txEl>
+                                              <p:pRg st="3" end="3"/>
+                                            </p:txEl>
+                                          </p:spTgt>
+                                        </p:tgtEl>
+                                        <p:attrNameLst>
+                                          <p:attrName>style.visibility</p:attrName>
+                                        </p:attrNameLst>
+                                      </p:cBhvr>
+                                      <p:to>
+                                        <p:strVal val="visible"/>
+                                      </p:to>
+                                    </p:set>
+                                  </p:childTnLst>
+                                </p:cTn>
+                              </p:par>
+                            </p:childTnLst>
+                          </p:cTn>
+                        </p:par>
+                      </p:childTnLst>
+                    </p:cTn>
+                  </p:par>
+                  <p:par>
+                    <p:cTn id="13" fill="hold">
+                      <p:stCondLst>
+                        <p:cond delay="indefinite"/>
+                      </p:stCondLst>
+                      <p:childTnLst>
+                        <p:par>
+                          <p:cTn id="14" fill="hold">
+                            <p:stCondLst>
+                              <p:cond delay="0"/>
+                            </p:stCondLst>
+                            <p:childTnLst>
+                              <p:par>
+                                <p:cTn id="15" presetID="1" presetClass="entr" presetSubtype="0" fill="hold" grpId="0" nodeType="clickEffect">
+                                  <p:stCondLst>
+                                    <p:cond delay="0"/>
+                                  </p:stCondLst>
+                                  <p:childTnLst>
+                                    <p:set>
+                                      <p:cBhvr>
+                                        <p:cTn id="16" dur="1" fill="hold">
+                                          <p:stCondLst>
+                                            <p:cond delay="0"/>
+                                          </p:stCondLst>
+                                        </p:cTn>
+                                        <p:tgtEl>
+                                          <p:spTgt spid="3">
+                                            <p:txEl>
+                                              <p:pRg st="4" end="4"/>
+                                            </p:txEl>
+                                          </p:spTgt>
+                                        </p:tgtEl>
+                                        <p:attrNameLst>
+                                          <p:attrName>style.visibility</p:attrName>
+                                        </p:attrNameLst>
+                                      </p:cBhvr>
+                                      <p:to>
+                                        <p:strVal val="visible"/>
+                                      </p:to>
+                                    </p:set>
+                                  </p:childTnLst>
+                                </p:cTn>
+                              </p:par>
+                              <p:par>
+                                <p:cTn id="17" presetID="1" presetClass="entr" presetSubtype="0" fill="hold" grpId="0" nodeType="withEffect">
+                                  <p:stCondLst>
+                                    <p:cond delay="0"/>
+                                  </p:stCondLst>
+                                  <p:childTnLst>
+                                    <p:set>
+                                      <p:cBhvr>
+                                        <p:cTn id="18" dur="1" fill="hold">
+                                          <p:stCondLst>
+                                            <p:cond delay="0"/>
+                                          </p:stCondLst>
+                                        </p:cTn>
+                                        <p:tgtEl>
+                                          <p:spTgt spid="3">
+                                            <p:txEl>
+                                              <p:pRg st="5" end="5"/>
+                                            </p:txEl>
+                                          </p:spTgt>
+                                        </p:tgtEl>
+                                        <p:attrNameLst>
+                                          <p:attrName>style.visibility</p:attrName>
+                                        </p:attrNameLst>
+                                      </p:cBhvr>
+                                      <p:to>
+                                        <p:strVal val="visible"/>
+                                      </p:to>
+                                    </p:set>
+                                  </p:childTnLst>
+                                </p:cTn>
+                              </p:par>
+                              <p:par>
+                                <p:cTn id="19" presetID="1" presetClass="entr" presetSubtype="0" fill="hold" grpId="0" nodeType="withEffect">
+                                  <p:stCondLst>
+                                    <p:cond delay="0"/>
+                                  </p:stCondLst>
+                                  <p:childTnLst>
+                                    <p:set>
+                                      <p:cBhvr>
+                                        <p:cTn id="20" dur="1" fill="hold">
+                                          <p:stCondLst>
+                                            <p:cond delay="0"/>
+                                          </p:stCondLst>
+                                        </p:cTn>
+                                        <p:tgtEl>
+                                          <p:spTgt spid="3">
+                                            <p:txEl>
+                                              <p:pRg st="6" end="6"/>
+                                            </p:txEl>
+                                          </p:spTgt>
+                                        </p:tgtEl>
+                                        <p:attrNameLst>
+                                          <p:attrName>style.visibility</p:attrName>
+                                        </p:attrNameLst>
+                                      </p:cBhvr>
+                                      <p:to>
+                                        <p:strVal val="visible"/>
+                                      </p:to>
+                                    </p:set>
+                                  </p:childTnLst>
+                                </p:cTn>
+                              </p:par>
+                              <p:par>
+                                <p:cTn id="21" presetID="1" presetClass="entr" presetSubtype="0" fill="hold" grpId="0" nodeType="withEffect">
+                                  <p:stCondLst>
+                                    <p:cond delay="0"/>
+                                  </p:stCondLst>
+                                  <p:childTnLst>
+                                    <p:set>
+                                      <p:cBhvr>
+                                        <p:cTn id="22" dur="1" fill="hold">
+                                          <p:stCondLst>
+                                            <p:cond delay="0"/>
+                                          </p:stCondLst>
+                                        </p:cTn>
+                                        <p:tgtEl>
+                                          <p:spTgt spid="3">
+                                            <p:txEl>
+                                              <p:pRg st="7" end="7"/>
+                                            </p:txEl>
+                                          </p:spTgt>
+                                        </p:tgtEl>
+                                        <p:attrNameLst>
+                                          <p:attrName>style.visibility</p:attrName>
+                                        </p:attrNameLst>
+                                      </p:cBhvr>
+                                      <p:to>
+                                        <p:strVal val="visible"/>
+                                      </p:to>
+                                    </p:set>
+                                  </p:childTnLst>
+                                </p:cTn>
+                              </p:par>
+                              <p:par>
+                                <p:cTn id="23" presetID="1" presetClass="entr" presetSubtype="0" fill="hold" grpId="0" nodeType="withEffect">
+                                  <p:stCondLst>
+                                    <p:cond delay="0"/>
+                                  </p:stCondLst>
+                                  <p:childTnLst>
+                                    <p:set>
+                                      <p:cBhvr>
+                                        <p:cTn id="24" dur="1" fill="hold">
+                                          <p:stCondLst>
+                                            <p:cond delay="0"/>
+                                          </p:stCondLst>
+                                        </p:cTn>
+                                        <p:tgtEl>
+                                          <p:spTgt spid="3">
+                                            <p:txEl>
+                                              <p:pRg st="8" end="8"/>
+                                            </p:txEl>
+                                          </p:spTgt>
+                                        </p:tgtEl>
+                                        <p:attrNameLst>
+                                          <p:attrName>style.visibility</p:attrName>
+                                        </p:attrNameLst>
+                                      </p:cBhvr>
+                                      <p:to>
+                                        <p:strVal val="visible"/>
+                                      </p:to>
+                                    </p:set>
+                                  </p:childTnLst>
+                                </p:cTn>
+                              </p:par>
+                              <p:par>
+                                <p:cTn id="25" presetID="1" presetClass="entr" presetSubtype="0" fill="hold" grpId="0" nodeType="withEffect">
+                                  <p:stCondLst>
+                                    <p:cond delay="0"/>
+                                  </p:stCondLst>
+                                  <p:childTnLst>
+                                    <p:set>
+                                      <p:cBhvr>
+                                        <p:cTn id="26" dur="1" fill="hold">
+                                          <p:stCondLst>
+                                            <p:cond delay="0"/>
+                                          </p:stCondLst>
+                                        </p:cTn>
+                                        <p:tgtEl>
+                                          <p:spTgt spid="3">
+                                            <p:txEl>
+                                              <p:pRg st="9" end="9"/>
+                                            </p:txEl>
+                                          </p:spTgt>
+                                        </p:tgtEl>
+                                        <p:attrNameLst>
+                                          <p:attrName>style.visibility</p:attrName>
+                                        </p:attrNameLst>
+                                      </p:cBhvr>
+                                      <p:to>
+                                        <p:strVal val="visible"/>
+                                      </p:to>
+                                    </p:set>
+                                  </p:childTnLst>
+                                </p:cTn>
+                              </p:par>
+                              <p:par>
+                                <p:cTn id="27" presetID="1" presetClass="entr" presetSubtype="0" fill="hold" grpId="0" nodeType="withEffect">
+                                  <p:stCondLst>
+                                    <p:cond delay="0"/>
+                                  </p:stCondLst>
+                                  <p:childTnLst>
+                                    <p:set>
+                                      <p:cBhvr>
+                                        <p:cTn id="28" dur="1" fill="hold">
+                                          <p:stCondLst>
+                                            <p:cond delay="0"/>
+                                          </p:stCondLst>
+                                        </p:cTn>
+                                        <p:tgtEl>
+                                          <p:spTgt spid="3">
+                                            <p:txEl>
+                                              <p:pRg st="10" end="10"/>
+                                            </p:txEl>
+                                          </p:spTgt>
+                                        </p:tgtEl>
+                                        <p:attrNameLst>
+                                          <p:attrName>style.visibility</p:attrName>
+                                        </p:attrNameLst>
+                                      </p:cBhvr>
+                                      <p:to>
+                                        <p:strVal val="visible"/>
+                                      </p:to>
+                                    </p:set>
+                                  </p:childTnLst>
+                                </p:cTn>
+                              </p:par>
+                            </p:childTnLst>
+                          </p:cTn>
+                        </p:par>
+                      </p:childTnLst>
+                    </p:cTn>
+                  </p:par>
+                </p:childTnLst>
+              </p:cTn>
+              <p:prevCondLst>
+                <p:cond evt="onPrev" delay="0">
+                  <p:tgtEl>
+                    <p:sldTgt/>
+                  </p:tgtEl>
+                </p:cond>
+              </p:prevCondLst>
+              <p:nextCondLst>
+                <p:cond evt="onNext" delay="0">
+                  <p:tgtEl>
+                    <p:sldTgt/>
+                  </p:tgtEl>
+                </p:cond>
+              </p:nextCondLst>
+            </p:seq>
+          </p:childTnLst>
+        </p:cTn>
+      </p:par>
+    </p:tnLst>
+    <p:bldLst>
+      <p:bldP spid="3" grpId="0" build="p"/>
+    </p:bldLst>
   </p:timing>
 </p:sld>
 </file>

--- a/tutorial-10-load_balancing.pptx
+++ b/tutorial-10-load_balancing.pptx
@@ -5,10 +5,10 @@
     <p:sldMasterId id="2147483974" r:id="rId1"/>
   </p:sldMasterIdLst>
   <p:notesMasterIdLst>
-    <p:notesMasterId r:id="rId22"/>
+    <p:notesMasterId r:id="rId23"/>
   </p:notesMasterIdLst>
   <p:handoutMasterIdLst>
-    <p:handoutMasterId r:id="rId23"/>
+    <p:handoutMasterId r:id="rId24"/>
   </p:handoutMasterIdLst>
   <p:sldIdLst>
     <p:sldId id="431" r:id="rId2"/>
@@ -30,7 +30,8 @@
     <p:sldId id="452" r:id="rId18"/>
     <p:sldId id="453" r:id="rId19"/>
     <p:sldId id="454" r:id="rId20"/>
-    <p:sldId id="455" r:id="rId21"/>
+    <p:sldId id="456" r:id="rId21"/>
+    <p:sldId id="455" r:id="rId22"/>
   </p:sldIdLst>
   <p:sldSz cx="9144000" cy="6858000" type="screen4x3"/>
   <p:notesSz cx="6858000" cy="9144000"/>
@@ -10400,6 +10401,187 @@
         <p:spPr/>
         <p:txBody>
           <a:bodyPr>
+            <a:normAutofit/>
+          </a:bodyPr>
+          <a:lstStyle/>
+          <a:p>
+            <a:r>
+              <a:rPr lang="en-US" dirty="0" err="1"/>
+              <a:t>Fractography</a:t>
+            </a:r>
+            <a:r>
+              <a:rPr lang="en-US" dirty="0"/>
+              <a:t> with No Load </a:t>
+            </a:r>
+            <a:r>
+              <a:rPr lang="en-US" dirty="0" smtClean="0"/>
+              <a:t>Balancing</a:t>
+            </a:r>
+            <a:endParaRPr lang="en-US" dirty="0"/>
+          </a:p>
+        </p:txBody>
+      </p:sp>
+      <p:sp>
+        <p:nvSpPr>
+          <p:cNvPr id="8" name="Content Placeholder 7"/>
+          <p:cNvSpPr>
+            <a:spLocks noGrp="1"/>
+          </p:cNvSpPr>
+          <p:nvPr>
+            <p:ph idx="1"/>
+          </p:nvPr>
+        </p:nvSpPr>
+        <p:spPr/>
+        <p:txBody>
+          <a:bodyPr anchor="b"/>
+          <a:lstStyle/>
+          <a:p>
+            <a:r>
+              <a:rPr lang="en-US" dirty="0"/>
+              <a:t>Large variation in processor utilization</a:t>
+            </a:r>
+          </a:p>
+          <a:p>
+            <a:r>
+              <a:rPr lang="en-US" dirty="0"/>
+              <a:t>Low utilization leading to resource </a:t>
+            </a:r>
+            <a:r>
+              <a:rPr lang="en-US" dirty="0" smtClean="0"/>
+              <a:t>wastage</a:t>
+            </a:r>
+            <a:endParaRPr lang="en-US" dirty="0"/>
+          </a:p>
+        </p:txBody>
+      </p:sp>
+      <p:sp>
+        <p:nvSpPr>
+          <p:cNvPr id="4" name="Footer Placeholder 3"/>
+          <p:cNvSpPr>
+            <a:spLocks noGrp="1"/>
+          </p:cNvSpPr>
+          <p:nvPr>
+            <p:ph type="ftr" sz="quarter" idx="11"/>
+          </p:nvPr>
+        </p:nvSpPr>
+        <p:spPr/>
+        <p:txBody>
+          <a:bodyPr/>
+          <a:lstStyle/>
+          <a:p>
+            <a:pPr algn="r"/>
+            <a:r>
+              <a:rPr lang="en-US" smtClean="0"/>
+              <a:t>Laxmikant Kalé and PPL (UIUC) – Parallel Migratable Objects </a:t>
+            </a:r>
+            <a:endParaRPr lang="en-US" dirty="0"/>
+          </a:p>
+        </p:txBody>
+      </p:sp>
+      <p:sp>
+        <p:nvSpPr>
+          <p:cNvPr id="5" name="Slide Number Placeholder 4"/>
+          <p:cNvSpPr>
+            <a:spLocks noGrp="1"/>
+          </p:cNvSpPr>
+          <p:nvPr>
+            <p:ph type="sldNum" sz="quarter" idx="12"/>
+          </p:nvPr>
+        </p:nvSpPr>
+        <p:spPr/>
+        <p:txBody>
+          <a:bodyPr/>
+          <a:lstStyle/>
+          <a:p>
+            <a:fld id="{0CFEC368-1D7A-4F81-ABF6-AE0E36BAF64C}" type="slidenum">
+              <a:rPr lang="en-US" smtClean="0"/>
+              <a:pPr/>
+              <a:t>20</a:t>
+            </a:fld>
+            <a:endParaRPr lang="en-US"/>
+          </a:p>
+        </p:txBody>
+      </p:sp>
+      <p:pic>
+        <p:nvPicPr>
+          <p:cNvPr id="9" name="Picture 8" descr="without-meta-util.pdf"/>
+          <p:cNvPicPr>
+            <a:picLocks noChangeAspect="1"/>
+          </p:cNvPicPr>
+          <p:nvPr/>
+        </p:nvPicPr>
+        <p:blipFill>
+          <a:blip r:embed="rId2">
+            <a:extLst>
+              <a:ext uri="{28A0092B-C50C-407E-A947-70E740481C1C}">
+                <a14:useLocalDpi xmlns:a14="http://schemas.microsoft.com/office/drawing/2010/main" val="0"/>
+              </a:ext>
+            </a:extLst>
+          </a:blip>
+          <a:stretch>
+            <a:fillRect/>
+          </a:stretch>
+        </p:blipFill>
+        <p:spPr>
+          <a:xfrm>
+            <a:off x="0" y="1536700"/>
+            <a:ext cx="9144000" cy="3771817"/>
+          </a:xfrm>
+          <a:prstGeom prst="rect">
+            <a:avLst/>
+          </a:prstGeom>
+        </p:spPr>
+      </p:pic>
+    </p:spTree>
+    <p:extLst>
+      <p:ext uri="{BB962C8B-B14F-4D97-AF65-F5344CB8AC3E}">
+        <p14:creationId xmlns:p14="http://schemas.microsoft.com/office/powerpoint/2010/main" val="490863570"/>
+      </p:ext>
+    </p:extLst>
+  </p:cSld>
+  <p:clrMapOvr>
+    <a:masterClrMapping/>
+  </p:clrMapOvr>
+  <p:timing>
+    <p:tnLst>
+      <p:par>
+        <p:cTn xmlns:p14="http://schemas.microsoft.com/office/powerpoint/2010/main" id="1" dur="indefinite" restart="never" nodeType="tmRoot"/>
+      </p:par>
+    </p:tnLst>
+  </p:timing>
+</p:sld>
+</file>
+
+<file path=ppt/slides/slide21.xml><?xml version="1.0" encoding="utf-8"?>
+<p:sld xmlns:a="http://schemas.openxmlformats.org/drawingml/2006/main" xmlns:r="http://schemas.openxmlformats.org/officeDocument/2006/relationships" xmlns:p="http://schemas.openxmlformats.org/presentationml/2006/main">
+  <p:cSld>
+    <p:spTree>
+      <p:nvGrpSpPr>
+        <p:cNvPr id="1" name=""/>
+        <p:cNvGrpSpPr/>
+        <p:nvPr/>
+      </p:nvGrpSpPr>
+      <p:grpSpPr>
+        <a:xfrm>
+          <a:off x="0" y="0"/>
+          <a:ext cx="0" cy="0"/>
+          <a:chOff x="0" y="0"/>
+          <a:chExt cx="0" cy="0"/>
+        </a:xfrm>
+      </p:grpSpPr>
+      <p:sp>
+        <p:nvSpPr>
+          <p:cNvPr id="2" name="Title 1"/>
+          <p:cNvSpPr>
+            <a:spLocks noGrp="1"/>
+          </p:cNvSpPr>
+          <p:nvPr>
+            <p:ph type="title"/>
+          </p:nvPr>
+        </p:nvSpPr>
+        <p:spPr/>
+        <p:txBody>
+          <a:bodyPr>
             <a:normAutofit fontScale="90000"/>
           </a:bodyPr>
           <a:lstStyle/>
@@ -10492,7 +10674,7 @@
             <a:fld id="{0CFEC368-1D7A-4F81-ABF6-AE0E36BAF64C}" type="slidenum">
               <a:rPr lang="en-US" smtClean="0"/>
               <a:pPr/>
-              <a:t>20</a:t>
+              <a:t>21</a:t>
             </a:fld>
             <a:endParaRPr lang="en-US"/>
           </a:p>
@@ -13979,11 +14161,7 @@
             <a:pPr lvl="2"/>
             <a:r>
               <a:rPr lang="en-US" dirty="0" smtClean="0"/>
-              <a:t>Quite </a:t>
-            </a:r>
-            <a:r>
-              <a:rPr lang="en-US" dirty="0" smtClean="0"/>
-              <a:t>a good </a:t>
+              <a:t>Quite a good </a:t>
             </a:r>
             <a:r>
               <a:rPr lang="en-US" dirty="0"/>

--- a/tutorial-10-load_balancing.pptx
+++ b/tutorial-10-load_balancing.pptx
@@ -221,7 +221,7 @@
           <a:p>
             <a:fld id="{775CE290-E0F5-444C-B849-A8F17CD4104C}" type="datetimeFigureOut">
               <a:rPr lang="en-US" smtClean="0"/>
-              <a:t>11/16/14</a:t>
+              <a:t>11/17/14</a:t>
             </a:fld>
             <a:endParaRPr lang="en-US"/>
           </a:p>
@@ -387,7 +387,7 @@
           <a:p>
             <a:fld id="{AD53A24C-4135-094C-957B-35852E7EDFA4}" type="datetimeFigureOut">
               <a:rPr lang="en-US" smtClean="0"/>
-              <a:t>11/16/14</a:t>
+              <a:t>11/17/14</a:t>
             </a:fld>
             <a:endParaRPr lang="en-US"/>
           </a:p>
@@ -848,7 +848,7 @@
           <a:p>
             <a:fld id="{0DD10391-1DB6-5D4D-A9E2-6F70F970C135}" type="datetime2">
               <a:rPr lang="en-US" smtClean="0"/>
-              <a:t>Sunday, November 16, 14</a:t>
+              <a:t>Monday, November 17, 14</a:t>
             </a:fld>
             <a:endParaRPr lang="en-US"/>
           </a:p>
@@ -1151,7 +1151,7 @@
                 <a:latin typeface="Times New Roman"/>
                 <a:cs typeface="Times New Roman"/>
               </a:rPr>
-              <a:t>November 16, 2014</a:t>
+              <a:t>November 17, 2014</a:t>
             </a:fld>
             <a:endParaRPr lang="en-US" dirty="0">
               <a:latin typeface="Times New Roman"/>
@@ -1425,7 +1425,7 @@
                 <a:latin typeface="Times New Roman"/>
                 <a:cs typeface="Times New Roman"/>
               </a:rPr>
-              <a:t>November 16, 2014</a:t>
+              <a:t>November 17, 2014</a:t>
             </a:fld>
             <a:endParaRPr lang="en-US" dirty="0">
               <a:latin typeface="Times New Roman"/>
@@ -1660,7 +1660,7 @@
           <a:p>
             <a:fld id="{09352B9C-CD04-B245-AC60-38B988669D7C}" type="datetime2">
               <a:rPr lang="en-US" smtClean="0"/>
-              <a:t>Sunday, November 16, 14</a:t>
+              <a:t>Monday, November 17, 14</a:t>
             </a:fld>
             <a:endParaRPr lang="en-US"/>
           </a:p>
@@ -1971,7 +1971,7 @@
           <a:p>
             <a:fld id="{6376F45E-3272-9947-B6E5-BA07629914D0}" type="datetime2">
               <a:rPr lang="en-US" smtClean="0"/>
-              <a:t>Sunday, November 16, 14</a:t>
+              <a:t>Monday, November 17, 14</a:t>
             </a:fld>
             <a:endParaRPr lang="en-US"/>
           </a:p>
@@ -2142,7 +2142,7 @@
           <a:p>
             <a:fld id="{B9D99FF2-6226-2F4D-9FE3-0C72920365A3}" type="datetime2">
               <a:rPr lang="en-US" smtClean="0"/>
-              <a:t>Sunday, November 16, 14</a:t>
+              <a:t>Monday, November 17, 14</a:t>
             </a:fld>
             <a:endParaRPr lang="en-US"/>
           </a:p>
@@ -2323,7 +2323,7 @@
           <a:p>
             <a:fld id="{077ECA9D-FA2C-9C4A-BEE4-2FE5C77C975F}" type="datetime2">
               <a:rPr lang="en-US" smtClean="0"/>
-              <a:t>Sunday, November 16, 14</a:t>
+              <a:t>Monday, November 17, 14</a:t>
             </a:fld>
             <a:endParaRPr lang="en-US"/>
           </a:p>
@@ -2577,7 +2577,7 @@
           <a:p>
             <a:fld id="{C1EEF417-DF1E-2349-8DF9-68F21AC21008}" type="datetime2">
               <a:rPr lang="en-US" smtClean="0"/>
-              <a:t>Sunday, November 16, 14</a:t>
+              <a:t>Monday, November 17, 14</a:t>
             </a:fld>
             <a:endParaRPr lang="en-US"/>
           </a:p>
@@ -2880,7 +2880,7 @@
                 <a:latin typeface="Times New Roman"/>
                 <a:cs typeface="Times New Roman"/>
               </a:rPr>
-              <a:t>November 16, 2014</a:t>
+              <a:t>November 17, 2014</a:t>
             </a:fld>
             <a:endParaRPr lang="en-US" dirty="0">
               <a:latin typeface="Times New Roman"/>
@@ -3006,7 +3006,7 @@
           <a:p>
             <a:fld id="{3376C989-B4E2-B249-B32C-2DD4A5A9E8BA}" type="datetime2">
               <a:rPr lang="en-US" smtClean="0"/>
-              <a:t>Sunday, November 16, 14</a:t>
+              <a:t>Monday, November 17, 14</a:t>
             </a:fld>
             <a:endParaRPr lang="en-US" dirty="0"/>
           </a:p>
@@ -3535,7 +3535,7 @@
           <a:p>
             <a:fld id="{E225BBF8-0077-E04A-A593-3651D4FC6485}" type="datetime2">
               <a:rPr lang="en-US" smtClean="0"/>
-              <a:t>Sunday, November 16, 14</a:t>
+              <a:t>Monday, November 17, 14</a:t>
             </a:fld>
             <a:endParaRPr lang="en-US" dirty="0"/>
           </a:p>
@@ -3831,7 +3831,7 @@
           <a:p>
             <a:fld id="{F07A3535-A015-FA4D-9690-9ABCD06B779D}" type="datetime2">
               <a:rPr lang="en-US" smtClean="0"/>
-              <a:t>Sunday, November 16, 14</a:t>
+              <a:t>Monday, November 17, 14</a:t>
             </a:fld>
             <a:endParaRPr lang="en-US"/>
           </a:p>
@@ -3950,7 +3950,7 @@
           <a:p>
             <a:fld id="{9B43A5F4-2A4C-434B-9701-2F3B5707B10A}" type="datetime2">
               <a:rPr lang="en-US" smtClean="0"/>
-              <a:t>Sunday, November 16, 14</a:t>
+              <a:t>Monday, November 17, 14</a:t>
             </a:fld>
             <a:endParaRPr lang="en-US" dirty="0"/>
           </a:p>
@@ -4437,7 +4437,7 @@
           <a:p>
             <a:fld id="{E4576827-857F-0449-A93D-BEC4A726D8A4}" type="datetime2">
               <a:rPr lang="en-US" smtClean="0"/>
-              <a:t>Sunday, November 16, 14</a:t>
+              <a:t>Monday, November 17, 14</a:t>
             </a:fld>
             <a:endParaRPr lang="en-US"/>
           </a:p>
@@ -4768,7 +4768,7 @@
           <a:p>
             <a:fld id="{9B371B0E-505F-324B-89F6-3E7FD6808118}" type="datetime2">
               <a:rPr lang="en-US" smtClean="0"/>
-              <a:t>Sunday, November 16, 14</a:t>
+              <a:t>Monday, November 17, 14</a:t>
             </a:fld>
             <a:endParaRPr lang="en-US" dirty="0"/>
           </a:p>
@@ -5247,7 +5247,7 @@
           <a:p>
             <a:fld id="{E131629D-2F3E-4940-A9A4-305535DFDFBF}" type="datetime2">
               <a:rPr lang="en-US" smtClean="0"/>
-              <a:t>Sunday, November 16, 14</a:t>
+              <a:t>Monday, November 17, 14</a:t>
             </a:fld>
             <a:endParaRPr lang="en-US"/>
           </a:p>
@@ -5543,7 +5543,7 @@
           <a:p>
             <a:fld id="{716ABDEF-604C-8647-8662-FC7DD558D147}" type="datetime2">
               <a:rPr lang="en-US" smtClean="0"/>
-              <a:t>Sunday, November 16, 14</a:t>
+              <a:t>Monday, November 17, 14</a:t>
             </a:fld>
             <a:endParaRPr lang="en-US" dirty="0"/>
           </a:p>
@@ -5786,7 +5786,7 @@
           <a:p>
             <a:fld id="{9AEE7E98-0AF0-884A-A0D0-325B4547BB5B}" type="datetime2">
               <a:rPr lang="en-US" smtClean="0"/>
-              <a:t>Sunday, November 16, 14</a:t>
+              <a:t>Monday, November 17, 14</a:t>
             </a:fld>
             <a:endParaRPr lang="en-US"/>
           </a:p>
@@ -5882,7 +5882,7 @@
           <a:p>
             <a:fld id="{FDD9FAFE-7C67-F443-A58C-0AF490A5F613}" type="datetime2">
               <a:rPr lang="en-US" smtClean="0"/>
-              <a:t>Sunday, November 16, 14</a:t>
+              <a:t>Monday, November 17, 14</a:t>
             </a:fld>
             <a:endParaRPr lang="en-US"/>
           </a:p>
@@ -6197,7 +6197,7 @@
           <a:p>
             <a:fld id="{9F2EA7BD-9570-1748-A1BC-E8D4F12298D5}" type="datetime2">
               <a:rPr lang="en-US" smtClean="0"/>
-              <a:t>Sunday, November 16, 14</a:t>
+              <a:t>Monday, November 17, 14</a:t>
             </a:fld>
             <a:endParaRPr lang="en-US" dirty="0"/>
           </a:p>
@@ -13278,7 +13278,7 @@
       </p:sp>
       <p:pic>
         <p:nvPicPr>
-          <p:cNvPr id="11" name="Content Placeholder 10" descr="beforeLB.png"/>
+          <p:cNvPr id="11" name="Content Placeholder 10"/>
           <p:cNvPicPr>
             <a:picLocks noGrp="1" noChangeAspect="1"/>
           </p:cNvPicPr>
@@ -13294,12 +13294,16 @@
               </a:ext>
             </a:extLst>
           </a:blip>
-          <a:srcRect t="-35782" b="-35782"/>
           <a:stretch>
             <a:fillRect/>
           </a:stretch>
         </p:blipFill>
-        <p:spPr/>
+        <p:spPr>
+          <a:xfrm>
+            <a:off x="261865" y="3203435"/>
+            <a:ext cx="4114800" cy="1697317"/>
+          </a:xfrm>
+        </p:spPr>
       </p:pic>
       <p:sp>
         <p:nvSpPr>
@@ -13326,7 +13330,7 @@
       </p:sp>
       <p:pic>
         <p:nvPicPr>
-          <p:cNvPr id="12" name="Content Placeholder 11" descr="afterLB.png"/>
+          <p:cNvPr id="12" name="Content Placeholder 11"/>
           <p:cNvPicPr>
             <a:picLocks noGrp="1" noChangeAspect="1"/>
           </p:cNvPicPr>
@@ -13342,12 +13346,16 @@
               </a:ext>
             </a:extLst>
           </a:blip>
-          <a:srcRect t="-37013" b="-37013"/>
           <a:stretch>
             <a:fillRect/>
           </a:stretch>
         </p:blipFill>
-        <p:spPr/>
+        <p:spPr>
+          <a:xfrm>
+            <a:off x="4737100" y="3197687"/>
+            <a:ext cx="4140125" cy="1708813"/>
+          </a:xfrm>
+        </p:spPr>
       </p:pic>
       <p:sp>
         <p:nvSpPr>

--- a/tutorial-10-load_balancing.pptx
+++ b/tutorial-10-load_balancing.pptx
@@ -5,10 +5,10 @@
     <p:sldMasterId id="2147483974" r:id="rId1"/>
   </p:sldMasterIdLst>
   <p:notesMasterIdLst>
-    <p:notesMasterId r:id="rId23"/>
+    <p:notesMasterId r:id="rId24"/>
   </p:notesMasterIdLst>
   <p:handoutMasterIdLst>
-    <p:handoutMasterId r:id="rId24"/>
+    <p:handoutMasterId r:id="rId25"/>
   </p:handoutMasterIdLst>
   <p:sldIdLst>
     <p:sldId id="431" r:id="rId2"/>
@@ -18,20 +18,21 @@
     <p:sldId id="436" r:id="rId6"/>
     <p:sldId id="437" r:id="rId7"/>
     <p:sldId id="438" r:id="rId8"/>
-    <p:sldId id="440" r:id="rId9"/>
-    <p:sldId id="442" r:id="rId10"/>
-    <p:sldId id="444" r:id="rId11"/>
-    <p:sldId id="445" r:id="rId12"/>
-    <p:sldId id="447" r:id="rId13"/>
-    <p:sldId id="448" r:id="rId14"/>
-    <p:sldId id="449" r:id="rId15"/>
-    <p:sldId id="450" r:id="rId16"/>
-    <p:sldId id="451" r:id="rId17"/>
-    <p:sldId id="452" r:id="rId18"/>
-    <p:sldId id="453" r:id="rId19"/>
-    <p:sldId id="454" r:id="rId20"/>
-    <p:sldId id="456" r:id="rId21"/>
-    <p:sldId id="455" r:id="rId22"/>
+    <p:sldId id="457" r:id="rId9"/>
+    <p:sldId id="440" r:id="rId10"/>
+    <p:sldId id="442" r:id="rId11"/>
+    <p:sldId id="444" r:id="rId12"/>
+    <p:sldId id="445" r:id="rId13"/>
+    <p:sldId id="447" r:id="rId14"/>
+    <p:sldId id="448" r:id="rId15"/>
+    <p:sldId id="449" r:id="rId16"/>
+    <p:sldId id="450" r:id="rId17"/>
+    <p:sldId id="451" r:id="rId18"/>
+    <p:sldId id="452" r:id="rId19"/>
+    <p:sldId id="453" r:id="rId20"/>
+    <p:sldId id="454" r:id="rId21"/>
+    <p:sldId id="456" r:id="rId22"/>
+    <p:sldId id="455" r:id="rId23"/>
   </p:sldIdLst>
   <p:sldSz cx="9144000" cy="6858000" type="screen4x3"/>
   <p:notesSz cx="6858000" cy="9144000"/>
@@ -7043,6 +7044,668 @@
           <a:p>
             <a:r>
               <a:rPr lang="en-US" dirty="0"/>
+              <a:t>Load Balancing Strategies</a:t>
+            </a:r>
+          </a:p>
+        </p:txBody>
+      </p:sp>
+      <p:sp>
+        <p:nvSpPr>
+          <p:cNvPr id="3" name="Content Placeholder 2"/>
+          <p:cNvSpPr>
+            <a:spLocks noGrp="1"/>
+          </p:cNvSpPr>
+          <p:nvPr>
+            <p:ph idx="1"/>
+          </p:nvPr>
+        </p:nvSpPr>
+        <p:spPr/>
+        <p:txBody>
+          <a:bodyPr>
+            <a:normAutofit/>
+          </a:bodyPr>
+          <a:lstStyle/>
+          <a:p>
+            <a:r>
+              <a:rPr lang="en-US" dirty="0"/>
+              <a:t>Classified by when it is done:</a:t>
+            </a:r>
+          </a:p>
+          <a:p>
+            <a:pPr lvl="1"/>
+            <a:r>
+              <a:rPr lang="en-US" dirty="0" smtClean="0"/>
+              <a:t>Initially</a:t>
+            </a:r>
+            <a:endParaRPr lang="en-US" dirty="0"/>
+          </a:p>
+          <a:p>
+            <a:pPr lvl="1"/>
+            <a:r>
+              <a:rPr lang="en-US" dirty="0" smtClean="0"/>
+              <a:t>Dynamic</a:t>
+            </a:r>
+            <a:r>
+              <a:rPr lang="en-US" dirty="0"/>
+              <a:t>: Periodically </a:t>
+            </a:r>
+            <a:endParaRPr lang="en-US" dirty="0" smtClean="0"/>
+          </a:p>
+          <a:p>
+            <a:pPr lvl="1"/>
+            <a:r>
+              <a:rPr lang="en-US" dirty="0" smtClean="0"/>
+              <a:t>Dynamic</a:t>
+            </a:r>
+            <a:r>
+              <a:rPr lang="en-US" dirty="0"/>
+              <a:t>: Continuously</a:t>
+            </a:r>
+          </a:p>
+          <a:p>
+            <a:r>
+              <a:rPr lang="en-US" dirty="0"/>
+              <a:t>Classified by whether decisions are taken with global information</a:t>
+            </a:r>
+          </a:p>
+          <a:p>
+            <a:pPr lvl="1"/>
+            <a:r>
+              <a:rPr lang="en-US" dirty="0" smtClean="0"/>
+              <a:t>Fully </a:t>
+            </a:r>
+            <a:r>
+              <a:rPr lang="en-US" dirty="0"/>
+              <a:t>centralized</a:t>
+            </a:r>
+          </a:p>
+          <a:p>
+            <a:pPr lvl="2"/>
+            <a:r>
+              <a:rPr lang="en-US" dirty="0" smtClean="0"/>
+              <a:t>Quite a good </a:t>
+            </a:r>
+            <a:r>
+              <a:rPr lang="en-US" dirty="0"/>
+              <a:t>choice when load balancing period is high</a:t>
+            </a:r>
+          </a:p>
+          <a:p>
+            <a:pPr lvl="1"/>
+            <a:r>
+              <a:rPr lang="en-US" dirty="0" smtClean="0"/>
+              <a:t>Fully </a:t>
+            </a:r>
+            <a:r>
+              <a:rPr lang="en-US" dirty="0"/>
+              <a:t>distributed</a:t>
+            </a:r>
+          </a:p>
+          <a:p>
+            <a:pPr lvl="2"/>
+            <a:r>
+              <a:rPr lang="en-US" dirty="0" smtClean="0"/>
+              <a:t>Each </a:t>
+            </a:r>
+            <a:r>
+              <a:rPr lang="en-US" dirty="0"/>
+              <a:t>processor knows only about a constant number of neighbors</a:t>
+            </a:r>
+          </a:p>
+          <a:p>
+            <a:pPr lvl="2"/>
+            <a:r>
+              <a:rPr lang="en-US" dirty="0" smtClean="0"/>
+              <a:t>Extreme </a:t>
+            </a:r>
+            <a:r>
+              <a:rPr lang="en-US" dirty="0"/>
+              <a:t>case: totally local decision (send work to a random </a:t>
+            </a:r>
+            <a:r>
+              <a:rPr lang="en-US" dirty="0" smtClean="0"/>
+              <a:t>destination processor</a:t>
+            </a:r>
+            <a:r>
+              <a:rPr lang="en-US" dirty="0"/>
+              <a:t>, with some probability).</a:t>
+            </a:r>
+          </a:p>
+          <a:p>
+            <a:pPr lvl="1"/>
+            <a:r>
+              <a:rPr lang="en-US" dirty="0" smtClean="0"/>
+              <a:t>Use </a:t>
+            </a:r>
+            <a:r>
+              <a:rPr lang="en-US" i="1" dirty="0"/>
+              <a:t>aggregated</a:t>
+            </a:r>
+            <a:r>
+              <a:rPr lang="en-US" dirty="0"/>
+              <a:t> global information, and </a:t>
+            </a:r>
+            <a:r>
+              <a:rPr lang="en-US" i="1" dirty="0"/>
+              <a:t>detailed </a:t>
+            </a:r>
+            <a:r>
+              <a:rPr lang="en-US" dirty="0"/>
+              <a:t>neighborhood info.</a:t>
+            </a:r>
+          </a:p>
+        </p:txBody>
+      </p:sp>
+      <p:sp>
+        <p:nvSpPr>
+          <p:cNvPr id="5" name="Footer Placeholder 4"/>
+          <p:cNvSpPr>
+            <a:spLocks noGrp="1"/>
+          </p:cNvSpPr>
+          <p:nvPr>
+            <p:ph type="ftr" sz="quarter" idx="11"/>
+          </p:nvPr>
+        </p:nvSpPr>
+        <p:spPr/>
+        <p:txBody>
+          <a:bodyPr/>
+          <a:lstStyle/>
+          <a:p>
+            <a:pPr algn="r"/>
+            <a:r>
+              <a:rPr lang="en-US" smtClean="0"/>
+              <a:t>Laxmikant Kalé and PPL (UIUC) – Parallel Migratable Objects </a:t>
+            </a:r>
+            <a:endParaRPr lang="en-US" dirty="0"/>
+          </a:p>
+        </p:txBody>
+      </p:sp>
+      <p:sp>
+        <p:nvSpPr>
+          <p:cNvPr id="6" name="Slide Number Placeholder 5"/>
+          <p:cNvSpPr>
+            <a:spLocks noGrp="1"/>
+          </p:cNvSpPr>
+          <p:nvPr>
+            <p:ph type="sldNum" sz="quarter" idx="12"/>
+          </p:nvPr>
+        </p:nvSpPr>
+        <p:spPr/>
+        <p:txBody>
+          <a:bodyPr/>
+          <a:lstStyle/>
+          <a:p>
+            <a:fld id="{0CFEC368-1D7A-4F81-ABF6-AE0E36BAF64C}" type="slidenum">
+              <a:rPr lang="en-US" smtClean="0"/>
+              <a:pPr/>
+              <a:t>10</a:t>
+            </a:fld>
+            <a:endParaRPr lang="en-US"/>
+          </a:p>
+        </p:txBody>
+      </p:sp>
+    </p:spTree>
+    <p:extLst>
+      <p:ext uri="{BB962C8B-B14F-4D97-AF65-F5344CB8AC3E}">
+        <p14:creationId xmlns:p14="http://schemas.microsoft.com/office/powerpoint/2010/main" val="582181170"/>
+      </p:ext>
+    </p:extLst>
+  </p:cSld>
+  <p:clrMapOvr>
+    <a:masterClrMapping/>
+  </p:clrMapOvr>
+  <p:timing>
+    <p:tnLst>
+      <p:par>
+        <p:cTn xmlns:p14="http://schemas.microsoft.com/office/powerpoint/2010/main" id="1" dur="indefinite" restart="never" nodeType="tmRoot">
+          <p:childTnLst>
+            <p:seq concurrent="1" nextAc="seek">
+              <p:cTn id="2" dur="indefinite" nodeType="mainSeq">
+                <p:childTnLst>
+                  <p:par>
+                    <p:cTn id="3" fill="hold">
+                      <p:stCondLst>
+                        <p:cond delay="indefinite"/>
+                        <p:cond evt="onBegin" delay="0">
+                          <p:tn val="2"/>
+                        </p:cond>
+                      </p:stCondLst>
+                      <p:childTnLst>
+                        <p:par>
+                          <p:cTn id="4" fill="hold">
+                            <p:stCondLst>
+                              <p:cond delay="0"/>
+                            </p:stCondLst>
+                            <p:childTnLst>
+                              <p:par>
+                                <p:cTn id="5" presetID="1" presetClass="entr" presetSubtype="0" fill="hold" grpId="0" nodeType="withEffect">
+                                  <p:stCondLst>
+                                    <p:cond delay="0"/>
+                                  </p:stCondLst>
+                                  <p:childTnLst>
+                                    <p:set>
+                                      <p:cBhvr>
+                                        <p:cTn id="6" dur="1" fill="hold">
+                                          <p:stCondLst>
+                                            <p:cond delay="0"/>
+                                          </p:stCondLst>
+                                        </p:cTn>
+                                        <p:tgtEl>
+                                          <p:spTgt spid="3">
+                                            <p:txEl>
+                                              <p:pRg st="0" end="0"/>
+                                            </p:txEl>
+                                          </p:spTgt>
+                                        </p:tgtEl>
+                                        <p:attrNameLst>
+                                          <p:attrName>style.visibility</p:attrName>
+                                        </p:attrNameLst>
+                                      </p:cBhvr>
+                                      <p:to>
+                                        <p:strVal val="visible"/>
+                                      </p:to>
+                                    </p:set>
+                                  </p:childTnLst>
+                                </p:cTn>
+                              </p:par>
+                              <p:par>
+                                <p:cTn id="7" presetID="1" presetClass="entr" presetSubtype="0" fill="hold" grpId="0" nodeType="withEffect">
+                                  <p:stCondLst>
+                                    <p:cond delay="0"/>
+                                  </p:stCondLst>
+                                  <p:childTnLst>
+                                    <p:set>
+                                      <p:cBhvr>
+                                        <p:cTn id="8" dur="1" fill="hold">
+                                          <p:stCondLst>
+                                            <p:cond delay="0"/>
+                                          </p:stCondLst>
+                                        </p:cTn>
+                                        <p:tgtEl>
+                                          <p:spTgt spid="3">
+                                            <p:txEl>
+                                              <p:pRg st="1" end="1"/>
+                                            </p:txEl>
+                                          </p:spTgt>
+                                        </p:tgtEl>
+                                        <p:attrNameLst>
+                                          <p:attrName>style.visibility</p:attrName>
+                                        </p:attrNameLst>
+                                      </p:cBhvr>
+                                      <p:to>
+                                        <p:strVal val="visible"/>
+                                      </p:to>
+                                    </p:set>
+                                  </p:childTnLst>
+                                </p:cTn>
+                              </p:par>
+                              <p:par>
+                                <p:cTn id="9" presetID="1" presetClass="entr" presetSubtype="0" fill="hold" grpId="0" nodeType="withEffect">
+                                  <p:stCondLst>
+                                    <p:cond delay="0"/>
+                                  </p:stCondLst>
+                                  <p:childTnLst>
+                                    <p:set>
+                                      <p:cBhvr>
+                                        <p:cTn id="10" dur="1" fill="hold">
+                                          <p:stCondLst>
+                                            <p:cond delay="0"/>
+                                          </p:stCondLst>
+                                        </p:cTn>
+                                        <p:tgtEl>
+                                          <p:spTgt spid="3">
+                                            <p:txEl>
+                                              <p:pRg st="2" end="2"/>
+                                            </p:txEl>
+                                          </p:spTgt>
+                                        </p:tgtEl>
+                                        <p:attrNameLst>
+                                          <p:attrName>style.visibility</p:attrName>
+                                        </p:attrNameLst>
+                                      </p:cBhvr>
+                                      <p:to>
+                                        <p:strVal val="visible"/>
+                                      </p:to>
+                                    </p:set>
+                                  </p:childTnLst>
+                                </p:cTn>
+                              </p:par>
+                              <p:par>
+                                <p:cTn id="11" presetID="1" presetClass="entr" presetSubtype="0" fill="hold" grpId="0" nodeType="withEffect">
+                                  <p:stCondLst>
+                                    <p:cond delay="0"/>
+                                  </p:stCondLst>
+                                  <p:childTnLst>
+                                    <p:set>
+                                      <p:cBhvr>
+                                        <p:cTn id="12" dur="1" fill="hold">
+                                          <p:stCondLst>
+                                            <p:cond delay="0"/>
+                                          </p:stCondLst>
+                                        </p:cTn>
+                                        <p:tgtEl>
+                                          <p:spTgt spid="3">
+                                            <p:txEl>
+                                              <p:pRg st="3" end="3"/>
+                                            </p:txEl>
+                                          </p:spTgt>
+                                        </p:tgtEl>
+                                        <p:attrNameLst>
+                                          <p:attrName>style.visibility</p:attrName>
+                                        </p:attrNameLst>
+                                      </p:cBhvr>
+                                      <p:to>
+                                        <p:strVal val="visible"/>
+                                      </p:to>
+                                    </p:set>
+                                  </p:childTnLst>
+                                </p:cTn>
+                              </p:par>
+                            </p:childTnLst>
+                          </p:cTn>
+                        </p:par>
+                      </p:childTnLst>
+                    </p:cTn>
+                  </p:par>
+                  <p:par>
+                    <p:cTn id="13" fill="hold">
+                      <p:stCondLst>
+                        <p:cond delay="indefinite"/>
+                      </p:stCondLst>
+                      <p:childTnLst>
+                        <p:par>
+                          <p:cTn id="14" fill="hold">
+                            <p:stCondLst>
+                              <p:cond delay="0"/>
+                            </p:stCondLst>
+                            <p:childTnLst>
+                              <p:par>
+                                <p:cTn id="15" presetID="1" presetClass="entr" presetSubtype="0" fill="hold" grpId="0" nodeType="clickEffect">
+                                  <p:stCondLst>
+                                    <p:cond delay="0"/>
+                                  </p:stCondLst>
+                                  <p:childTnLst>
+                                    <p:set>
+                                      <p:cBhvr>
+                                        <p:cTn id="16" dur="1" fill="hold">
+                                          <p:stCondLst>
+                                            <p:cond delay="0"/>
+                                          </p:stCondLst>
+                                        </p:cTn>
+                                        <p:tgtEl>
+                                          <p:spTgt spid="3">
+                                            <p:txEl>
+                                              <p:pRg st="4" end="4"/>
+                                            </p:txEl>
+                                          </p:spTgt>
+                                        </p:tgtEl>
+                                        <p:attrNameLst>
+                                          <p:attrName>style.visibility</p:attrName>
+                                        </p:attrNameLst>
+                                      </p:cBhvr>
+                                      <p:to>
+                                        <p:strVal val="visible"/>
+                                      </p:to>
+                                    </p:set>
+                                  </p:childTnLst>
+                                </p:cTn>
+                              </p:par>
+                              <p:par>
+                                <p:cTn id="17" presetID="1" presetClass="entr" presetSubtype="0" fill="hold" grpId="0" nodeType="withEffect">
+                                  <p:stCondLst>
+                                    <p:cond delay="0"/>
+                                  </p:stCondLst>
+                                  <p:childTnLst>
+                                    <p:set>
+                                      <p:cBhvr>
+                                        <p:cTn id="18" dur="1" fill="hold">
+                                          <p:stCondLst>
+                                            <p:cond delay="0"/>
+                                          </p:stCondLst>
+                                        </p:cTn>
+                                        <p:tgtEl>
+                                          <p:spTgt spid="3">
+                                            <p:txEl>
+                                              <p:pRg st="5" end="5"/>
+                                            </p:txEl>
+                                          </p:spTgt>
+                                        </p:tgtEl>
+                                        <p:attrNameLst>
+                                          <p:attrName>style.visibility</p:attrName>
+                                        </p:attrNameLst>
+                                      </p:cBhvr>
+                                      <p:to>
+                                        <p:strVal val="visible"/>
+                                      </p:to>
+                                    </p:set>
+                                  </p:childTnLst>
+                                </p:cTn>
+                              </p:par>
+                              <p:par>
+                                <p:cTn id="19" presetID="1" presetClass="entr" presetSubtype="0" fill="hold" grpId="0" nodeType="withEffect">
+                                  <p:stCondLst>
+                                    <p:cond delay="0"/>
+                                  </p:stCondLst>
+                                  <p:childTnLst>
+                                    <p:set>
+                                      <p:cBhvr>
+                                        <p:cTn id="20" dur="1" fill="hold">
+                                          <p:stCondLst>
+                                            <p:cond delay="0"/>
+                                          </p:stCondLst>
+                                        </p:cTn>
+                                        <p:tgtEl>
+                                          <p:spTgt spid="3">
+                                            <p:txEl>
+                                              <p:pRg st="6" end="6"/>
+                                            </p:txEl>
+                                          </p:spTgt>
+                                        </p:tgtEl>
+                                        <p:attrNameLst>
+                                          <p:attrName>style.visibility</p:attrName>
+                                        </p:attrNameLst>
+                                      </p:cBhvr>
+                                      <p:to>
+                                        <p:strVal val="visible"/>
+                                      </p:to>
+                                    </p:set>
+                                  </p:childTnLst>
+                                </p:cTn>
+                              </p:par>
+                              <p:par>
+                                <p:cTn id="21" presetID="1" presetClass="entr" presetSubtype="0" fill="hold" grpId="0" nodeType="withEffect">
+                                  <p:stCondLst>
+                                    <p:cond delay="0"/>
+                                  </p:stCondLst>
+                                  <p:childTnLst>
+                                    <p:set>
+                                      <p:cBhvr>
+                                        <p:cTn id="22" dur="1" fill="hold">
+                                          <p:stCondLst>
+                                            <p:cond delay="0"/>
+                                          </p:stCondLst>
+                                        </p:cTn>
+                                        <p:tgtEl>
+                                          <p:spTgt spid="3">
+                                            <p:txEl>
+                                              <p:pRg st="7" end="7"/>
+                                            </p:txEl>
+                                          </p:spTgt>
+                                        </p:tgtEl>
+                                        <p:attrNameLst>
+                                          <p:attrName>style.visibility</p:attrName>
+                                        </p:attrNameLst>
+                                      </p:cBhvr>
+                                      <p:to>
+                                        <p:strVal val="visible"/>
+                                      </p:to>
+                                    </p:set>
+                                  </p:childTnLst>
+                                </p:cTn>
+                              </p:par>
+                              <p:par>
+                                <p:cTn id="23" presetID="1" presetClass="entr" presetSubtype="0" fill="hold" grpId="0" nodeType="withEffect">
+                                  <p:stCondLst>
+                                    <p:cond delay="0"/>
+                                  </p:stCondLst>
+                                  <p:childTnLst>
+                                    <p:set>
+                                      <p:cBhvr>
+                                        <p:cTn id="24" dur="1" fill="hold">
+                                          <p:stCondLst>
+                                            <p:cond delay="0"/>
+                                          </p:stCondLst>
+                                        </p:cTn>
+                                        <p:tgtEl>
+                                          <p:spTgt spid="3">
+                                            <p:txEl>
+                                              <p:pRg st="8" end="8"/>
+                                            </p:txEl>
+                                          </p:spTgt>
+                                        </p:tgtEl>
+                                        <p:attrNameLst>
+                                          <p:attrName>style.visibility</p:attrName>
+                                        </p:attrNameLst>
+                                      </p:cBhvr>
+                                      <p:to>
+                                        <p:strVal val="visible"/>
+                                      </p:to>
+                                    </p:set>
+                                  </p:childTnLst>
+                                </p:cTn>
+                              </p:par>
+                              <p:par>
+                                <p:cTn id="25" presetID="1" presetClass="entr" presetSubtype="0" fill="hold" grpId="0" nodeType="withEffect">
+                                  <p:stCondLst>
+                                    <p:cond delay="0"/>
+                                  </p:stCondLst>
+                                  <p:childTnLst>
+                                    <p:set>
+                                      <p:cBhvr>
+                                        <p:cTn id="26" dur="1" fill="hold">
+                                          <p:stCondLst>
+                                            <p:cond delay="0"/>
+                                          </p:stCondLst>
+                                        </p:cTn>
+                                        <p:tgtEl>
+                                          <p:spTgt spid="3">
+                                            <p:txEl>
+                                              <p:pRg st="9" end="9"/>
+                                            </p:txEl>
+                                          </p:spTgt>
+                                        </p:tgtEl>
+                                        <p:attrNameLst>
+                                          <p:attrName>style.visibility</p:attrName>
+                                        </p:attrNameLst>
+                                      </p:cBhvr>
+                                      <p:to>
+                                        <p:strVal val="visible"/>
+                                      </p:to>
+                                    </p:set>
+                                  </p:childTnLst>
+                                </p:cTn>
+                              </p:par>
+                              <p:par>
+                                <p:cTn id="27" presetID="1" presetClass="entr" presetSubtype="0" fill="hold" grpId="0" nodeType="withEffect">
+                                  <p:stCondLst>
+                                    <p:cond delay="0"/>
+                                  </p:stCondLst>
+                                  <p:childTnLst>
+                                    <p:set>
+                                      <p:cBhvr>
+                                        <p:cTn id="28" dur="1" fill="hold">
+                                          <p:stCondLst>
+                                            <p:cond delay="0"/>
+                                          </p:stCondLst>
+                                        </p:cTn>
+                                        <p:tgtEl>
+                                          <p:spTgt spid="3">
+                                            <p:txEl>
+                                              <p:pRg st="10" end="10"/>
+                                            </p:txEl>
+                                          </p:spTgt>
+                                        </p:tgtEl>
+                                        <p:attrNameLst>
+                                          <p:attrName>style.visibility</p:attrName>
+                                        </p:attrNameLst>
+                                      </p:cBhvr>
+                                      <p:to>
+                                        <p:strVal val="visible"/>
+                                      </p:to>
+                                    </p:set>
+                                  </p:childTnLst>
+                                </p:cTn>
+                              </p:par>
+                            </p:childTnLst>
+                          </p:cTn>
+                        </p:par>
+                      </p:childTnLst>
+                    </p:cTn>
+                  </p:par>
+                </p:childTnLst>
+              </p:cTn>
+              <p:prevCondLst>
+                <p:cond evt="onPrev" delay="0">
+                  <p:tgtEl>
+                    <p:sldTgt/>
+                  </p:tgtEl>
+                </p:cond>
+              </p:prevCondLst>
+              <p:nextCondLst>
+                <p:cond evt="onNext" delay="0">
+                  <p:tgtEl>
+                    <p:sldTgt/>
+                  </p:tgtEl>
+                </p:cond>
+              </p:nextCondLst>
+            </p:seq>
+          </p:childTnLst>
+        </p:cTn>
+      </p:par>
+    </p:tnLst>
+    <p:bldLst>
+      <p:bldP spid="3" grpId="0" build="p"/>
+    </p:bldLst>
+  </p:timing>
+</p:sld>
+</file>
+
+<file path=ppt/slides/slide11.xml><?xml version="1.0" encoding="utf-8"?>
+<p:sld xmlns:a="http://schemas.openxmlformats.org/drawingml/2006/main" xmlns:r="http://schemas.openxmlformats.org/officeDocument/2006/relationships" xmlns:p="http://schemas.openxmlformats.org/presentationml/2006/main">
+  <p:cSld>
+    <p:spTree>
+      <p:nvGrpSpPr>
+        <p:cNvPr id="1" name=""/>
+        <p:cNvGrpSpPr/>
+        <p:nvPr/>
+      </p:nvGrpSpPr>
+      <p:grpSpPr>
+        <a:xfrm>
+          <a:off x="0" y="0"/>
+          <a:ext cx="0" cy="0"/>
+          <a:chOff x="0" y="0"/>
+          <a:chExt cx="0" cy="0"/>
+        </a:xfrm>
+      </p:grpSpPr>
+      <p:sp>
+        <p:nvSpPr>
+          <p:cNvPr id="2" name="Title 1"/>
+          <p:cNvSpPr>
+            <a:spLocks noGrp="1"/>
+          </p:cNvSpPr>
+          <p:nvPr>
+            <p:ph type="title"/>
+          </p:nvPr>
+        </p:nvSpPr>
+        <p:spPr/>
+        <p:txBody>
+          <a:bodyPr>
+            <a:normAutofit/>
+          </a:bodyPr>
+          <a:lstStyle/>
+          <a:p>
+            <a:r>
+              <a:rPr lang="en-US" dirty="0"/>
               <a:t>Periodic Load Balancing</a:t>
             </a:r>
           </a:p>
@@ -7208,7 +7871,7 @@
             <a:fld id="{0CFEC368-1D7A-4F81-ABF6-AE0E36BAF64C}" type="slidenum">
               <a:rPr lang="en-US" smtClean="0"/>
               <a:pPr/>
-              <a:t>10</a:t>
+              <a:t>11</a:t>
             </a:fld>
             <a:endParaRPr lang="en-US"/>
           </a:p>
@@ -7547,285 +8210,6 @@
 </p:sld>
 </file>
 
-<file path=ppt/slides/slide11.xml><?xml version="1.0" encoding="utf-8"?>
-<p:sld xmlns:a="http://schemas.openxmlformats.org/drawingml/2006/main" xmlns:r="http://schemas.openxmlformats.org/officeDocument/2006/relationships" xmlns:p="http://schemas.openxmlformats.org/presentationml/2006/main">
-  <p:cSld>
-    <p:spTree>
-      <p:nvGrpSpPr>
-        <p:cNvPr id="1" name=""/>
-        <p:cNvGrpSpPr/>
-        <p:nvPr/>
-      </p:nvGrpSpPr>
-      <p:grpSpPr>
-        <a:xfrm>
-          <a:off x="0" y="0"/>
-          <a:ext cx="0" cy="0"/>
-          <a:chOff x="0" y="0"/>
-          <a:chExt cx="0" cy="0"/>
-        </a:xfrm>
-      </p:grpSpPr>
-      <p:sp>
-        <p:nvSpPr>
-          <p:cNvPr id="2" name="Title 1"/>
-          <p:cNvSpPr>
-            <a:spLocks noGrp="1"/>
-          </p:cNvSpPr>
-          <p:nvPr>
-            <p:ph type="title"/>
-          </p:nvPr>
-        </p:nvSpPr>
-        <p:spPr/>
-        <p:txBody>
-          <a:bodyPr>
-            <a:normAutofit/>
-          </a:bodyPr>
-          <a:lstStyle/>
-          <a:p>
-            <a:r>
-              <a:rPr lang="en-US" dirty="0"/>
-              <a:t>Object Partitioning Strategies</a:t>
-            </a:r>
-          </a:p>
-        </p:txBody>
-      </p:sp>
-      <p:sp>
-        <p:nvSpPr>
-          <p:cNvPr id="3" name="Content Placeholder 2"/>
-          <p:cNvSpPr>
-            <a:spLocks noGrp="1"/>
-          </p:cNvSpPr>
-          <p:nvPr>
-            <p:ph idx="1"/>
-          </p:nvPr>
-        </p:nvSpPr>
-        <p:spPr/>
-        <p:txBody>
-          <a:bodyPr>
-            <a:normAutofit/>
-          </a:bodyPr>
-          <a:lstStyle/>
-          <a:p>
-            <a:r>
-              <a:rPr lang="en-US" dirty="0"/>
-              <a:t>You can use graph </a:t>
-            </a:r>
-            <a:r>
-              <a:rPr lang="en-US" dirty="0" err="1"/>
-              <a:t>partitioners</a:t>
-            </a:r>
-            <a:r>
-              <a:rPr lang="en-US" dirty="0"/>
-              <a:t> like METIS, K-R</a:t>
-            </a:r>
-          </a:p>
-          <a:p>
-            <a:pPr lvl="1"/>
-            <a:r>
-              <a:rPr lang="en-US" dirty="0" smtClean="0"/>
-              <a:t>BUT</a:t>
-            </a:r>
-            <a:r>
-              <a:rPr lang="en-US" dirty="0"/>
-              <a:t>: graphs are smaller, and optimization criteria are </a:t>
-            </a:r>
-            <a:r>
-              <a:rPr lang="en-US" dirty="0" smtClean="0"/>
-              <a:t>different </a:t>
-            </a:r>
-          </a:p>
-          <a:p>
-            <a:r>
-              <a:rPr lang="en-US" dirty="0" smtClean="0"/>
-              <a:t>Greedy </a:t>
-            </a:r>
-            <a:r>
-              <a:rPr lang="en-US" dirty="0"/>
-              <a:t>strategies:</a:t>
-            </a:r>
-          </a:p>
-          <a:p>
-            <a:pPr lvl="1"/>
-            <a:r>
-              <a:rPr lang="en-US" dirty="0" smtClean="0"/>
-              <a:t>If </a:t>
-            </a:r>
-            <a:r>
-              <a:rPr lang="en-US" dirty="0"/>
-              <a:t>communication costs are low: use a simple greedy strategy</a:t>
-            </a:r>
-          </a:p>
-          <a:p>
-            <a:pPr lvl="2"/>
-            <a:r>
-              <a:rPr lang="en-US" dirty="0" smtClean="0"/>
-              <a:t>Sort </a:t>
-            </a:r>
-            <a:r>
-              <a:rPr lang="en-US" dirty="0"/>
-              <a:t>objects by decreasing load</a:t>
-            </a:r>
-          </a:p>
-          <a:p>
-            <a:pPr lvl="2"/>
-            <a:r>
-              <a:rPr lang="en-US" dirty="0" smtClean="0"/>
-              <a:t>Maintain </a:t>
-            </a:r>
-            <a:r>
-              <a:rPr lang="en-US" dirty="0"/>
-              <a:t>processors in a heap (by assigned load)</a:t>
-            </a:r>
-          </a:p>
-          <a:p>
-            <a:pPr lvl="2"/>
-            <a:r>
-              <a:rPr lang="en-US" dirty="0" smtClean="0"/>
-              <a:t>In </a:t>
-            </a:r>
-            <a:r>
-              <a:rPr lang="en-US" dirty="0"/>
-              <a:t>each </a:t>
-            </a:r>
-            <a:r>
-              <a:rPr lang="en-US" dirty="0" smtClean="0"/>
-              <a:t>step: assign </a:t>
-            </a:r>
-            <a:r>
-              <a:rPr lang="en-US" dirty="0"/>
-              <a:t>the heaviest remaining object to the least loaded processor</a:t>
-            </a:r>
-          </a:p>
-          <a:p>
-            <a:pPr lvl="1"/>
-            <a:r>
-              <a:rPr lang="en-US" dirty="0" smtClean="0"/>
-              <a:t>With </a:t>
-            </a:r>
-            <a:r>
-              <a:rPr lang="en-US" dirty="0"/>
-              <a:t>small-to-moderate communication cost:</a:t>
-            </a:r>
-          </a:p>
-          <a:p>
-            <a:pPr lvl="2"/>
-            <a:r>
-              <a:rPr lang="en-US" dirty="0" smtClean="0"/>
-              <a:t>Same </a:t>
-            </a:r>
-            <a:r>
-              <a:rPr lang="en-US" dirty="0"/>
-              <a:t>strategy, but add communication costs as you add an object to </a:t>
-            </a:r>
-            <a:r>
-              <a:rPr lang="en-US" dirty="0" smtClean="0"/>
-              <a:t>a processor</a:t>
-            </a:r>
-            <a:endParaRPr lang="en-US" dirty="0"/>
-          </a:p>
-          <a:p>
-            <a:pPr lvl="1"/>
-            <a:r>
-              <a:rPr lang="en-US" dirty="0" smtClean="0"/>
-              <a:t>Always </a:t>
-            </a:r>
-            <a:r>
-              <a:rPr lang="en-US" dirty="0"/>
-              <a:t>add a refinement step at the end:</a:t>
-            </a:r>
-          </a:p>
-          <a:p>
-            <a:pPr lvl="2"/>
-            <a:r>
-              <a:rPr lang="en-US" dirty="0" smtClean="0"/>
-              <a:t>Swap </a:t>
-            </a:r>
-            <a:r>
-              <a:rPr lang="en-US" dirty="0"/>
-              <a:t>work from heaviest loaded processor to “some other processor” </a:t>
-            </a:r>
-            <a:endParaRPr lang="en-US" dirty="0" smtClean="0"/>
-          </a:p>
-          <a:p>
-            <a:pPr lvl="2"/>
-            <a:r>
-              <a:rPr lang="en-US" dirty="0" smtClean="0"/>
-              <a:t>Repeat </a:t>
-            </a:r>
-            <a:r>
-              <a:rPr lang="en-US" dirty="0"/>
-              <a:t>a few times or until no improvement</a:t>
-            </a:r>
-          </a:p>
-        </p:txBody>
-      </p:sp>
-      <p:sp>
-        <p:nvSpPr>
-          <p:cNvPr id="5" name="Footer Placeholder 4"/>
-          <p:cNvSpPr>
-            <a:spLocks noGrp="1"/>
-          </p:cNvSpPr>
-          <p:nvPr>
-            <p:ph type="ftr" sz="quarter" idx="11"/>
-          </p:nvPr>
-        </p:nvSpPr>
-        <p:spPr/>
-        <p:txBody>
-          <a:bodyPr/>
-          <a:lstStyle/>
-          <a:p>
-            <a:pPr algn="r"/>
-            <a:r>
-              <a:rPr lang="en-US" smtClean="0"/>
-              <a:t>Laxmikant Kalé and PPL (UIUC) – Parallel Migratable Objects </a:t>
-            </a:r>
-            <a:endParaRPr lang="en-US" dirty="0"/>
-          </a:p>
-        </p:txBody>
-      </p:sp>
-      <p:sp>
-        <p:nvSpPr>
-          <p:cNvPr id="6" name="Slide Number Placeholder 5"/>
-          <p:cNvSpPr>
-            <a:spLocks noGrp="1"/>
-          </p:cNvSpPr>
-          <p:nvPr>
-            <p:ph type="sldNum" sz="quarter" idx="12"/>
-          </p:nvPr>
-        </p:nvSpPr>
-        <p:spPr/>
-        <p:txBody>
-          <a:bodyPr/>
-          <a:lstStyle/>
-          <a:p>
-            <a:fld id="{0CFEC368-1D7A-4F81-ABF6-AE0E36BAF64C}" type="slidenum">
-              <a:rPr lang="en-US" smtClean="0"/>
-              <a:pPr/>
-              <a:t>11</a:t>
-            </a:fld>
-            <a:endParaRPr lang="en-US"/>
-          </a:p>
-        </p:txBody>
-      </p:sp>
-    </p:spTree>
-    <p:extLst>
-      <p:ext uri="{BB962C8B-B14F-4D97-AF65-F5344CB8AC3E}">
-        <p14:creationId xmlns:p14="http://schemas.microsoft.com/office/powerpoint/2010/main" val="48398553"/>
-      </p:ext>
-    </p:extLst>
-  </p:cSld>
-  <p:clrMapOvr>
-    <a:masterClrMapping/>
-  </p:clrMapOvr>
-  <p:timing>
-    <p:tnLst>
-      <p:par>
-        <p:cTn xmlns:p14="http://schemas.microsoft.com/office/powerpoint/2010/main" id="1" dur="indefinite" restart="never" nodeType="tmRoot"/>
-      </p:par>
-    </p:tnLst>
-  </p:timing>
-</p:sld>
-</file>
-
 <file path=ppt/slides/slide12.xml><?xml version="1.0" encoding="utf-8"?>
 <p:sld xmlns:a="http://schemas.openxmlformats.org/drawingml/2006/main" xmlns:r="http://schemas.openxmlformats.org/officeDocument/2006/relationships" xmlns:p="http://schemas.openxmlformats.org/presentationml/2006/main">
   <p:cSld>
@@ -7862,7 +8246,7 @@
           <a:p>
             <a:r>
               <a:rPr lang="en-US" dirty="0"/>
-              <a:t>Object Partitioning Strategies 2</a:t>
+              <a:t>Object Partitioning Strategies</a:t>
             </a:r>
           </a:p>
         </p:txBody>
@@ -7879,108 +8263,160 @@
         </p:nvSpPr>
         <p:spPr/>
         <p:txBody>
-          <a:bodyPr/>
+          <a:bodyPr>
+            <a:normAutofit/>
+          </a:bodyPr>
           <a:lstStyle/>
           <a:p>
-            <a:pPr marL="0" indent="0">
-              <a:buNone/>
-            </a:pPr>
-            <a:r>
-              <a:rPr lang="en-US" sz="2800" dirty="0"/>
-              <a:t>When communication cost is significant:</a:t>
-            </a:r>
-          </a:p>
-          <a:p>
             <a:r>
               <a:rPr lang="en-US" dirty="0"/>
-              <a:t>Still use greedy strategy, but:</a:t>
+              <a:t>You can use graph </a:t>
+            </a:r>
+            <a:r>
+              <a:rPr lang="en-US" dirty="0" err="1"/>
+              <a:t>partitioners</a:t>
+            </a:r>
+            <a:r>
+              <a:rPr lang="en-US" dirty="0"/>
+              <a:t> like METIS, K-R</a:t>
             </a:r>
           </a:p>
           <a:p>
             <a:pPr lvl="1"/>
             <a:r>
               <a:rPr lang="en-US" dirty="0" smtClean="0"/>
-              <a:t>At </a:t>
+              <a:t>BUT</a:t>
             </a:r>
             <a:r>
               <a:rPr lang="en-US" dirty="0"/>
-              <a:t>each assignment step, choose between assigning O to least loaded processor and the processor that already has objects that communicate most with O.</a:t>
+              <a:t>: graphs are smaller, and optimization criteria are </a:t>
+            </a:r>
+            <a:r>
+              <a:rPr lang="en-US" dirty="0" smtClean="0"/>
+              <a:t>different </a:t>
+            </a:r>
+          </a:p>
+          <a:p>
+            <a:r>
+              <a:rPr lang="en-US" dirty="0" smtClean="0"/>
+              <a:t>Greedy </a:t>
+            </a:r>
+            <a:r>
+              <a:rPr lang="en-US" dirty="0"/>
+              <a:t>strategies:</a:t>
+            </a:r>
+          </a:p>
+          <a:p>
+            <a:pPr lvl="1"/>
+            <a:r>
+              <a:rPr lang="en-US" dirty="0" smtClean="0"/>
+              <a:t>If </a:t>
+            </a:r>
+            <a:r>
+              <a:rPr lang="en-US" dirty="0"/>
+              <a:t>communication costs are low: use a simple greedy strategy</a:t>
             </a:r>
           </a:p>
           <a:p>
             <a:pPr lvl="2"/>
             <a:r>
               <a:rPr lang="en-US" dirty="0" smtClean="0"/>
-              <a:t>Based </a:t>
+              <a:t>Sort </a:t>
             </a:r>
             <a:r>
               <a:rPr lang="en-US" dirty="0"/>
-              <a:t>on the degree of </a:t>
-            </a:r>
+              <a:t>objects by decreasing load</a:t>
+            </a:r>
+          </a:p>
+          <a:p>
+            <a:pPr lvl="2"/>
             <a:r>
               <a:rPr lang="en-US" dirty="0" smtClean="0"/>
-              <a:t>difference </a:t>
+              <a:t>Maintain </a:t>
             </a:r>
             <a:r>
               <a:rPr lang="en-US" dirty="0"/>
-              <a:t>in the two metrics </a:t>
-            </a:r>
-            <a:endParaRPr lang="en-US" dirty="0" smtClean="0"/>
+              <a:t>processors in a heap (by assigned load)</a:t>
+            </a:r>
           </a:p>
           <a:p>
             <a:pPr lvl="2"/>
-            <a:r>
-              <a:rPr lang="en-US" dirty="0" smtClean="0"/>
-              <a:t>Two</a:t>
-            </a:r>
-            <a:r>
-              <a:rPr lang="en-US" dirty="0"/>
-              <a:t>-stage </a:t>
-            </a:r>
-            <a:r>
-              <a:rPr lang="en-US" dirty="0" smtClean="0"/>
-              <a:t>assignments:</a:t>
-            </a:r>
-          </a:p>
-          <a:p>
-            <a:pPr lvl="3"/>
             <a:r>
               <a:rPr lang="en-US" dirty="0" smtClean="0"/>
               <a:t>In </a:t>
             </a:r>
             <a:r>
               <a:rPr lang="en-US" dirty="0"/>
-              <a:t>early stages, consider communication costs as long as the processors are in the same (broad) load class</a:t>
+              <a:t>each </a:t>
             </a:r>
             <a:r>
               <a:rPr lang="en-US" dirty="0" smtClean="0"/>
-              <a:t>,</a:t>
-            </a:r>
-          </a:p>
-          <a:p>
-            <a:pPr lvl="3"/>
+              <a:t>step: assign </a:t>
+            </a:r>
+            <a:r>
+              <a:rPr lang="en-US" dirty="0"/>
+              <a:t>the heaviest remaining object to the least loaded processor</a:t>
+            </a:r>
+          </a:p>
+          <a:p>
+            <a:pPr lvl="1"/>
             <a:r>
               <a:rPr lang="en-US" dirty="0" smtClean="0"/>
-              <a:t>In </a:t>
+              <a:t>With </a:t>
             </a:r>
             <a:r>
               <a:rPr lang="en-US" dirty="0"/>
-              <a:t>later stages, decide based on load</a:t>
-            </a:r>
-          </a:p>
-          <a:p>
-            <a:pPr marL="0" indent="0">
-              <a:buNone/>
-            </a:pPr>
-            <a:r>
-              <a:rPr lang="en-US" sz="2800" dirty="0"/>
-              <a:t>Branch-and-bound</a:t>
-            </a:r>
-          </a:p>
-          <a:p>
+              <a:t>small-to-moderate communication cost:</a:t>
+            </a:r>
+          </a:p>
+          <a:p>
+            <a:pPr lvl="2"/>
+            <a:r>
+              <a:rPr lang="en-US" dirty="0" smtClean="0"/>
+              <a:t>Same </a:t>
+            </a:r>
             <a:r>
               <a:rPr lang="en-US" dirty="0"/>
-              <a:t>Searches for optimal, but can be stopped after a fixed time</a:t>
+              <a:t>strategy, but add communication costs as you add an object to </a:t>
+            </a:r>
+            <a:r>
+              <a:rPr lang="en-US" dirty="0" smtClean="0"/>
+              <a:t>a processor</a:t>
+            </a:r>
+            <a:endParaRPr lang="en-US" dirty="0"/>
+          </a:p>
+          <a:p>
+            <a:pPr lvl="1"/>
+            <a:r>
+              <a:rPr lang="en-US" dirty="0" smtClean="0"/>
+              <a:t>Always </a:t>
+            </a:r>
+            <a:r>
+              <a:rPr lang="en-US" dirty="0"/>
+              <a:t>add a refinement step at the end:</a:t>
+            </a:r>
+          </a:p>
+          <a:p>
+            <a:pPr lvl="2"/>
+            <a:r>
+              <a:rPr lang="en-US" dirty="0" smtClean="0"/>
+              <a:t>Swap </a:t>
+            </a:r>
+            <a:r>
+              <a:rPr lang="en-US" dirty="0"/>
+              <a:t>work from heaviest loaded processor to “some other processor” </a:t>
+            </a:r>
+            <a:endParaRPr lang="en-US" dirty="0" smtClean="0"/>
+          </a:p>
+          <a:p>
+            <a:pPr lvl="2"/>
+            <a:r>
+              <a:rPr lang="en-US" dirty="0" smtClean="0"/>
+              <a:t>Repeat </a:t>
+            </a:r>
+            <a:r>
+              <a:rPr lang="en-US" dirty="0"/>
+              <a:t>a few times or until no improvement</a:t>
             </a:r>
           </a:p>
         </p:txBody>
@@ -8036,7 +8472,7 @@
     </p:spTree>
     <p:extLst>
       <p:ext uri="{BB962C8B-B14F-4D97-AF65-F5344CB8AC3E}">
-        <p14:creationId xmlns:p14="http://schemas.microsoft.com/office/powerpoint/2010/main" val="3578324319"/>
+        <p14:creationId xmlns:p14="http://schemas.microsoft.com/office/powerpoint/2010/main" val="48398553"/>
       </p:ext>
     </p:extLst>
   </p:cSld>
@@ -8088,6 +8524,233 @@
           <a:lstStyle/>
           <a:p>
             <a:r>
+              <a:rPr lang="en-US" dirty="0"/>
+              <a:t>Object Partitioning Strategies 2</a:t>
+            </a:r>
+          </a:p>
+        </p:txBody>
+      </p:sp>
+      <p:sp>
+        <p:nvSpPr>
+          <p:cNvPr id="3" name="Content Placeholder 2"/>
+          <p:cNvSpPr>
+            <a:spLocks noGrp="1"/>
+          </p:cNvSpPr>
+          <p:nvPr>
+            <p:ph idx="1"/>
+          </p:nvPr>
+        </p:nvSpPr>
+        <p:spPr/>
+        <p:txBody>
+          <a:bodyPr/>
+          <a:lstStyle/>
+          <a:p>
+            <a:pPr marL="0" indent="0">
+              <a:buNone/>
+            </a:pPr>
+            <a:r>
+              <a:rPr lang="en-US" sz="2800" dirty="0"/>
+              <a:t>When communication cost is significant:</a:t>
+            </a:r>
+          </a:p>
+          <a:p>
+            <a:r>
+              <a:rPr lang="en-US" dirty="0"/>
+              <a:t>Still use greedy strategy, but:</a:t>
+            </a:r>
+          </a:p>
+          <a:p>
+            <a:pPr lvl="1"/>
+            <a:r>
+              <a:rPr lang="en-US" dirty="0" smtClean="0"/>
+              <a:t>At </a:t>
+            </a:r>
+            <a:r>
+              <a:rPr lang="en-US" dirty="0"/>
+              <a:t>each assignment step, choose between assigning O to least loaded processor and the processor that already has objects that communicate most with O.</a:t>
+            </a:r>
+          </a:p>
+          <a:p>
+            <a:pPr lvl="2"/>
+            <a:r>
+              <a:rPr lang="en-US" dirty="0" smtClean="0"/>
+              <a:t>Based </a:t>
+            </a:r>
+            <a:r>
+              <a:rPr lang="en-US" dirty="0"/>
+              <a:t>on the degree of </a:t>
+            </a:r>
+            <a:r>
+              <a:rPr lang="en-US" dirty="0" smtClean="0"/>
+              <a:t>difference </a:t>
+            </a:r>
+            <a:r>
+              <a:rPr lang="en-US" dirty="0"/>
+              <a:t>in the two metrics </a:t>
+            </a:r>
+            <a:endParaRPr lang="en-US" dirty="0" smtClean="0"/>
+          </a:p>
+          <a:p>
+            <a:pPr lvl="2"/>
+            <a:r>
+              <a:rPr lang="en-US" dirty="0" smtClean="0"/>
+              <a:t>Two</a:t>
+            </a:r>
+            <a:r>
+              <a:rPr lang="en-US" dirty="0"/>
+              <a:t>-stage </a:t>
+            </a:r>
+            <a:r>
+              <a:rPr lang="en-US" dirty="0" smtClean="0"/>
+              <a:t>assignments:</a:t>
+            </a:r>
+          </a:p>
+          <a:p>
+            <a:pPr lvl="3"/>
+            <a:r>
+              <a:rPr lang="en-US" dirty="0" smtClean="0"/>
+              <a:t>In </a:t>
+            </a:r>
+            <a:r>
+              <a:rPr lang="en-US" dirty="0"/>
+              <a:t>early stages, consider communication costs as long as the processors are in the same (broad) load class</a:t>
+            </a:r>
+            <a:r>
+              <a:rPr lang="en-US" dirty="0" smtClean="0"/>
+              <a:t>,</a:t>
+            </a:r>
+          </a:p>
+          <a:p>
+            <a:pPr lvl="3"/>
+            <a:r>
+              <a:rPr lang="en-US" dirty="0" smtClean="0"/>
+              <a:t>In </a:t>
+            </a:r>
+            <a:r>
+              <a:rPr lang="en-US" dirty="0"/>
+              <a:t>later stages, decide based on load</a:t>
+            </a:r>
+          </a:p>
+          <a:p>
+            <a:pPr marL="0" indent="0">
+              <a:buNone/>
+            </a:pPr>
+            <a:r>
+              <a:rPr lang="en-US" sz="2800" dirty="0"/>
+              <a:t>Branch-and-bound</a:t>
+            </a:r>
+          </a:p>
+          <a:p>
+            <a:r>
+              <a:rPr lang="en-US" dirty="0"/>
+              <a:t>Searches for optimal, but can be stopped after a fixed time</a:t>
+            </a:r>
+          </a:p>
+        </p:txBody>
+      </p:sp>
+      <p:sp>
+        <p:nvSpPr>
+          <p:cNvPr id="5" name="Footer Placeholder 4"/>
+          <p:cNvSpPr>
+            <a:spLocks noGrp="1"/>
+          </p:cNvSpPr>
+          <p:nvPr>
+            <p:ph type="ftr" sz="quarter" idx="11"/>
+          </p:nvPr>
+        </p:nvSpPr>
+        <p:spPr/>
+        <p:txBody>
+          <a:bodyPr/>
+          <a:lstStyle/>
+          <a:p>
+            <a:pPr algn="r"/>
+            <a:r>
+              <a:rPr lang="en-US" smtClean="0"/>
+              <a:t>Laxmikant Kalé and PPL (UIUC) – Parallel Migratable Objects </a:t>
+            </a:r>
+            <a:endParaRPr lang="en-US" dirty="0"/>
+          </a:p>
+        </p:txBody>
+      </p:sp>
+      <p:sp>
+        <p:nvSpPr>
+          <p:cNvPr id="6" name="Slide Number Placeholder 5"/>
+          <p:cNvSpPr>
+            <a:spLocks noGrp="1"/>
+          </p:cNvSpPr>
+          <p:nvPr>
+            <p:ph type="sldNum" sz="quarter" idx="12"/>
+          </p:nvPr>
+        </p:nvSpPr>
+        <p:spPr/>
+        <p:txBody>
+          <a:bodyPr/>
+          <a:lstStyle/>
+          <a:p>
+            <a:fld id="{0CFEC368-1D7A-4F81-ABF6-AE0E36BAF64C}" type="slidenum">
+              <a:rPr lang="en-US" smtClean="0"/>
+              <a:pPr/>
+              <a:t>13</a:t>
+            </a:fld>
+            <a:endParaRPr lang="en-US"/>
+          </a:p>
+        </p:txBody>
+      </p:sp>
+    </p:spTree>
+    <p:extLst>
+      <p:ext uri="{BB962C8B-B14F-4D97-AF65-F5344CB8AC3E}">
+        <p14:creationId xmlns:p14="http://schemas.microsoft.com/office/powerpoint/2010/main" val="3578324319"/>
+      </p:ext>
+    </p:extLst>
+  </p:cSld>
+  <p:clrMapOvr>
+    <a:masterClrMapping/>
+  </p:clrMapOvr>
+  <p:timing>
+    <p:tnLst>
+      <p:par>
+        <p:cTn xmlns:p14="http://schemas.microsoft.com/office/powerpoint/2010/main" id="1" dur="indefinite" restart="never" nodeType="tmRoot"/>
+      </p:par>
+    </p:tnLst>
+  </p:timing>
+</p:sld>
+</file>
+
+<file path=ppt/slides/slide14.xml><?xml version="1.0" encoding="utf-8"?>
+<p:sld xmlns:a="http://schemas.openxmlformats.org/drawingml/2006/main" xmlns:r="http://schemas.openxmlformats.org/officeDocument/2006/relationships" xmlns:p="http://schemas.openxmlformats.org/presentationml/2006/main">
+  <p:cSld>
+    <p:spTree>
+      <p:nvGrpSpPr>
+        <p:cNvPr id="1" name=""/>
+        <p:cNvGrpSpPr/>
+        <p:nvPr/>
+      </p:nvGrpSpPr>
+      <p:grpSpPr>
+        <a:xfrm>
+          <a:off x="0" y="0"/>
+          <a:ext cx="0" cy="0"/>
+          <a:chOff x="0" y="0"/>
+          <a:chExt cx="0" cy="0"/>
+        </a:xfrm>
+      </p:grpSpPr>
+      <p:sp>
+        <p:nvSpPr>
+          <p:cNvPr id="2" name="Title 1"/>
+          <p:cNvSpPr>
+            <a:spLocks noGrp="1"/>
+          </p:cNvSpPr>
+          <p:nvPr>
+            <p:ph type="title"/>
+          </p:nvPr>
+        </p:nvSpPr>
+        <p:spPr/>
+        <p:txBody>
+          <a:bodyPr>
+            <a:normAutofit/>
+          </a:bodyPr>
+          <a:lstStyle/>
+          <a:p>
+            <a:r>
               <a:rPr lang="en-US" dirty="0" smtClean="0"/>
               <a:t>Crack Propagation</a:t>
             </a:r>
@@ -8198,7 +8861,7 @@
             <a:fld id="{0CFEC368-1D7A-4F81-ABF6-AE0E36BAF64C}" type="slidenum">
               <a:rPr lang="en-US" smtClean="0"/>
               <a:pPr/>
-              <a:t>13</a:t>
+              <a:t>14</a:t>
             </a:fld>
             <a:endParaRPr lang="en-US"/>
           </a:p>
@@ -8284,7 +8947,7 @@
 </p:sld>
 </file>
 
-<file path=ppt/slides/slide14.xml><?xml version="1.0" encoding="utf-8"?>
+<file path=ppt/slides/slide15.xml><?xml version="1.0" encoding="utf-8"?>
 <p:sld xmlns:a="http://schemas.openxmlformats.org/drawingml/2006/main" xmlns:r="http://schemas.openxmlformats.org/officeDocument/2006/relationships" xmlns:p="http://schemas.openxmlformats.org/presentationml/2006/main">
   <p:cSld>
     <p:spTree>
@@ -8392,7 +9055,7 @@
             <a:fld id="{0CFEC368-1D7A-4F81-ABF6-AE0E36BAF64C}" type="slidenum">
               <a:rPr lang="en-US" smtClean="0"/>
               <a:pPr/>
-              <a:t>14</a:t>
+              <a:t>15</a:t>
             </a:fld>
             <a:endParaRPr lang="en-US"/>
           </a:p>
@@ -8418,7 +9081,7 @@
 </p:sld>
 </file>
 
-<file path=ppt/slides/slide15.xml><?xml version="1.0" encoding="utf-8"?>
+<file path=ppt/slides/slide16.xml><?xml version="1.0" encoding="utf-8"?>
 <p:sld xmlns:a="http://schemas.openxmlformats.org/drawingml/2006/main" xmlns:r="http://schemas.openxmlformats.org/officeDocument/2006/relationships" xmlns:p="http://schemas.openxmlformats.org/presentationml/2006/main">
   <p:cSld>
     <p:spTree>
@@ -8666,7 +9329,7 @@
             <a:fld id="{0CFEC368-1D7A-4F81-ABF6-AE0E36BAF64C}" type="slidenum">
               <a:rPr lang="en-US" smtClean="0"/>
               <a:pPr/>
-              <a:t>15</a:t>
+              <a:t>16</a:t>
             </a:fld>
             <a:endParaRPr lang="en-US"/>
           </a:p>
@@ -9178,188 +9841,6 @@
 </p:sld>
 </file>
 
-<file path=ppt/slides/slide16.xml><?xml version="1.0" encoding="utf-8"?>
-<p:sld xmlns:a="http://schemas.openxmlformats.org/drawingml/2006/main" xmlns:r="http://schemas.openxmlformats.org/officeDocument/2006/relationships" xmlns:p="http://schemas.openxmlformats.org/presentationml/2006/main">
-  <p:cSld>
-    <p:spTree>
-      <p:nvGrpSpPr>
-        <p:cNvPr id="1" name=""/>
-        <p:cNvGrpSpPr/>
-        <p:nvPr/>
-      </p:nvGrpSpPr>
-      <p:grpSpPr>
-        <a:xfrm>
-          <a:off x="0" y="0"/>
-          <a:ext cx="0" cy="0"/>
-          <a:chOff x="0" y="0"/>
-          <a:chExt cx="0" cy="0"/>
-        </a:xfrm>
-      </p:grpSpPr>
-      <p:sp>
-        <p:nvSpPr>
-          <p:cNvPr id="2" name="Title 1"/>
-          <p:cNvSpPr>
-            <a:spLocks noGrp="1"/>
-          </p:cNvSpPr>
-          <p:nvPr>
-            <p:ph type="title"/>
-          </p:nvPr>
-        </p:nvSpPr>
-        <p:spPr/>
-        <p:txBody>
-          <a:bodyPr>
-            <a:normAutofit/>
-          </a:bodyPr>
-          <a:lstStyle/>
-          <a:p>
-            <a:r>
-              <a:rPr lang="en-US" dirty="0"/>
-              <a:t>Load Balancing on Large Machines</a:t>
-            </a:r>
-          </a:p>
-        </p:txBody>
-      </p:sp>
-      <p:sp>
-        <p:nvSpPr>
-          <p:cNvPr id="3" name="Content Placeholder 2"/>
-          <p:cNvSpPr>
-            <a:spLocks noGrp="1"/>
-          </p:cNvSpPr>
-          <p:nvPr>
-            <p:ph idx="1"/>
-          </p:nvPr>
-        </p:nvSpPr>
-        <p:spPr/>
-        <p:txBody>
-          <a:bodyPr/>
-          <a:lstStyle/>
-          <a:p>
-            <a:r>
-              <a:rPr lang="en-US" dirty="0"/>
-              <a:t>Centralized load balancing strategies </a:t>
-            </a:r>
-            <a:r>
-              <a:rPr lang="en-US" dirty="0" smtClean="0"/>
-              <a:t>don’t </a:t>
-            </a:r>
-            <a:r>
-              <a:rPr lang="en-US" dirty="0"/>
-              <a:t>scale on extremely large machines</a:t>
-            </a:r>
-          </a:p>
-          <a:p>
-            <a:r>
-              <a:rPr lang="en-US" dirty="0"/>
-              <a:t>Limitations of centralized strategies:</a:t>
-            </a:r>
-          </a:p>
-          <a:p>
-            <a:pPr lvl="1"/>
-            <a:r>
-              <a:rPr lang="en-US" dirty="0" smtClean="0"/>
-              <a:t>Central </a:t>
-            </a:r>
-            <a:r>
-              <a:rPr lang="en-US" dirty="0"/>
-              <a:t>node: memory/communication bottleneck </a:t>
-            </a:r>
-            <a:endParaRPr lang="en-US" dirty="0" smtClean="0"/>
-          </a:p>
-          <a:p>
-            <a:pPr lvl="1"/>
-            <a:r>
-              <a:rPr lang="en-US" dirty="0" smtClean="0"/>
-              <a:t>Decision</a:t>
-            </a:r>
-            <a:r>
-              <a:rPr lang="en-US" dirty="0"/>
-              <a:t>-making algorithms tend to be very slow</a:t>
-            </a:r>
-          </a:p>
-          <a:p>
-            <a:r>
-              <a:rPr lang="en-US" dirty="0"/>
-              <a:t>Limitations of distributed strategies:</a:t>
-            </a:r>
-          </a:p>
-          <a:p>
-            <a:pPr lvl="1"/>
-            <a:r>
-              <a:rPr lang="en-US" dirty="0" smtClean="0"/>
-              <a:t>Difficult to achieve well-informed load balancing decisions</a:t>
-            </a:r>
-            <a:endParaRPr lang="en-US" dirty="0"/>
-          </a:p>
-        </p:txBody>
-      </p:sp>
-      <p:sp>
-        <p:nvSpPr>
-          <p:cNvPr id="5" name="Footer Placeholder 4"/>
-          <p:cNvSpPr>
-            <a:spLocks noGrp="1"/>
-          </p:cNvSpPr>
-          <p:nvPr>
-            <p:ph type="ftr" sz="quarter" idx="11"/>
-          </p:nvPr>
-        </p:nvSpPr>
-        <p:spPr/>
-        <p:txBody>
-          <a:bodyPr/>
-          <a:lstStyle/>
-          <a:p>
-            <a:pPr algn="r"/>
-            <a:r>
-              <a:rPr lang="en-US" smtClean="0"/>
-              <a:t>Laxmikant Kalé and PPL (UIUC) – Parallel Migratable Objects </a:t>
-            </a:r>
-            <a:endParaRPr lang="en-US" dirty="0"/>
-          </a:p>
-        </p:txBody>
-      </p:sp>
-      <p:sp>
-        <p:nvSpPr>
-          <p:cNvPr id="6" name="Slide Number Placeholder 5"/>
-          <p:cNvSpPr>
-            <a:spLocks noGrp="1"/>
-          </p:cNvSpPr>
-          <p:nvPr>
-            <p:ph type="sldNum" sz="quarter" idx="12"/>
-          </p:nvPr>
-        </p:nvSpPr>
-        <p:spPr/>
-        <p:txBody>
-          <a:bodyPr/>
-          <a:lstStyle/>
-          <a:p>
-            <a:fld id="{0CFEC368-1D7A-4F81-ABF6-AE0E36BAF64C}" type="slidenum">
-              <a:rPr lang="en-US" smtClean="0"/>
-              <a:pPr/>
-              <a:t>16</a:t>
-            </a:fld>
-            <a:endParaRPr lang="en-US"/>
-          </a:p>
-        </p:txBody>
-      </p:sp>
-    </p:spTree>
-    <p:extLst>
-      <p:ext uri="{BB962C8B-B14F-4D97-AF65-F5344CB8AC3E}">
-        <p14:creationId xmlns:p14="http://schemas.microsoft.com/office/powerpoint/2010/main" val="2075500013"/>
-      </p:ext>
-    </p:extLst>
-  </p:cSld>
-  <p:clrMapOvr>
-    <a:masterClrMapping/>
-  </p:clrMapOvr>
-  <p:timing>
-    <p:tnLst>
-      <p:par>
-        <p:cTn xmlns:p14="http://schemas.microsoft.com/office/powerpoint/2010/main" id="1" dur="indefinite" restart="never" nodeType="tmRoot"/>
-      </p:par>
-    </p:tnLst>
-  </p:timing>
-</p:sld>
-</file>
-
 <file path=ppt/slides/slide17.xml><?xml version="1.0" encoding="utf-8"?>
 <p:sld xmlns:a="http://schemas.openxmlformats.org/drawingml/2006/main" xmlns:r="http://schemas.openxmlformats.org/officeDocument/2006/relationships" xmlns:p="http://schemas.openxmlformats.org/presentationml/2006/main">
   <p:cSld>
@@ -9396,7 +9877,7 @@
           <a:p>
             <a:r>
               <a:rPr lang="en-US" dirty="0"/>
-              <a:t>Hierarchical Load Balancers</a:t>
+              <a:t>Load Balancing on Large Machines</a:t>
             </a:r>
           </a:p>
         </p:txBody>
@@ -9413,30 +9894,64 @@
         </p:nvSpPr>
         <p:spPr/>
         <p:txBody>
-          <a:bodyPr anchor="ctr"/>
+          <a:bodyPr/>
           <a:lstStyle/>
           <a:p>
             <a:r>
               <a:rPr lang="en-US" dirty="0"/>
-              <a:t>Partition processor allocation into processor groups </a:t>
+              <a:t>Centralized load balancing strategies </a:t>
+            </a:r>
+            <a:r>
+              <a:rPr lang="en-US" dirty="0" smtClean="0"/>
+              <a:t>don’t </a:t>
+            </a:r>
+            <a:r>
+              <a:rPr lang="en-US" dirty="0"/>
+              <a:t>scale on extremely large machines</a:t>
+            </a:r>
+          </a:p>
+          <a:p>
+            <a:r>
+              <a:rPr lang="en-US" dirty="0"/>
+              <a:t>Limitations of centralized strategies:</a:t>
+            </a:r>
+          </a:p>
+          <a:p>
+            <a:pPr lvl="1"/>
+            <a:r>
+              <a:rPr lang="en-US" dirty="0" smtClean="0"/>
+              <a:t>Central </a:t>
+            </a:r>
+            <a:r>
+              <a:rPr lang="en-US" dirty="0"/>
+              <a:t>node: memory/communication bottleneck </a:t>
             </a:r>
             <a:endParaRPr lang="en-US" dirty="0" smtClean="0"/>
           </a:p>
           <a:p>
+            <a:pPr lvl="1"/>
             <a:r>
               <a:rPr lang="en-US" dirty="0" smtClean="0"/>
-              <a:t>Apply different </a:t>
+              <a:t>Decision</a:t>
             </a:r>
             <a:r>
               <a:rPr lang="en-US" dirty="0"/>
-              <a:t>strategies at each level</a:t>
+              <a:t>-making algorithms tend to be very slow</a:t>
             </a:r>
           </a:p>
           <a:p>
             <a:r>
               <a:rPr lang="en-US" dirty="0"/>
-              <a:t>Scalable to a large number of processors</a:t>
-            </a:r>
+              <a:t>Limitations of distributed strategies:</a:t>
+            </a:r>
+          </a:p>
+          <a:p>
+            <a:pPr lvl="1"/>
+            <a:r>
+              <a:rPr lang="en-US" dirty="0" smtClean="0"/>
+              <a:t>Difficult to achieve well-informed load balancing decisions</a:t>
+            </a:r>
+            <a:endParaRPr lang="en-US" dirty="0"/>
           </a:p>
         </p:txBody>
       </p:sp>
@@ -9491,7 +10006,7 @@
     </p:spTree>
     <p:extLst>
       <p:ext uri="{BB962C8B-B14F-4D97-AF65-F5344CB8AC3E}">
-        <p14:creationId xmlns:p14="http://schemas.microsoft.com/office/powerpoint/2010/main" val="3120527482"/>
+        <p14:creationId xmlns:p14="http://schemas.microsoft.com/office/powerpoint/2010/main" val="2075500013"/>
       </p:ext>
     </p:extLst>
   </p:cSld>
@@ -9544,36 +10059,50 @@
           <a:p>
             <a:r>
               <a:rPr lang="en-US" dirty="0"/>
-              <a:t>Our Hybrid Scheme</a:t>
-            </a:r>
-          </a:p>
-        </p:txBody>
-      </p:sp>
-      <p:pic>
-        <p:nvPicPr>
-          <p:cNvPr id="7" name="Content Placeholder 6" descr="hybridLBScheme.png"/>
-          <p:cNvPicPr>
-            <a:picLocks noGrp="1" noChangeAspect="1"/>
-          </p:cNvPicPr>
+              <a:t>Hierarchical Load Balancers</a:t>
+            </a:r>
+          </a:p>
+        </p:txBody>
+      </p:sp>
+      <p:sp>
+        <p:nvSpPr>
+          <p:cNvPr id="3" name="Content Placeholder 2"/>
+          <p:cNvSpPr>
+            <a:spLocks noGrp="1"/>
+          </p:cNvSpPr>
           <p:nvPr>
             <p:ph idx="1"/>
           </p:nvPr>
-        </p:nvPicPr>
-        <p:blipFill>
-          <a:blip r:embed="rId2">
-            <a:extLst>
-              <a:ext uri="{28A0092B-C50C-407E-A947-70E740481C1C}">
-                <a14:useLocalDpi xmlns:a14="http://schemas.microsoft.com/office/drawing/2010/main" val="0"/>
-              </a:ext>
-            </a:extLst>
-          </a:blip>
-          <a:srcRect t="-8503" b="-8503"/>
-          <a:stretch>
-            <a:fillRect/>
-          </a:stretch>
-        </p:blipFill>
+        </p:nvSpPr>
         <p:spPr/>
-      </p:pic>
+        <p:txBody>
+          <a:bodyPr anchor="ctr"/>
+          <a:lstStyle/>
+          <a:p>
+            <a:r>
+              <a:rPr lang="en-US" dirty="0"/>
+              <a:t>Partition processor allocation into processor groups </a:t>
+            </a:r>
+            <a:endParaRPr lang="en-US" dirty="0" smtClean="0"/>
+          </a:p>
+          <a:p>
+            <a:r>
+              <a:rPr lang="en-US" dirty="0" smtClean="0"/>
+              <a:t>Apply different </a:t>
+            </a:r>
+            <a:r>
+              <a:rPr lang="en-US" dirty="0"/>
+              <a:t>strategies at each level</a:t>
+            </a:r>
+          </a:p>
+          <a:p>
+            <a:r>
+              <a:rPr lang="en-US" dirty="0"/>
+              <a:t>Scalable to a large number of processors</a:t>
+            </a:r>
+          </a:p>
+        </p:txBody>
+      </p:sp>
       <p:sp>
         <p:nvSpPr>
           <p:cNvPr id="5" name="Footer Placeholder 4"/>
@@ -9625,7 +10154,7 @@
     </p:spTree>
     <p:extLst>
       <p:ext uri="{BB962C8B-B14F-4D97-AF65-F5344CB8AC3E}">
-        <p14:creationId xmlns:p14="http://schemas.microsoft.com/office/powerpoint/2010/main" val="1948754625"/>
+        <p14:creationId xmlns:p14="http://schemas.microsoft.com/office/powerpoint/2010/main" val="3120527482"/>
       </p:ext>
     </p:extLst>
   </p:cSld>
@@ -9672,119 +10201,42 @@
         <p:spPr/>
         <p:txBody>
           <a:bodyPr>
-            <a:normAutofit fontScale="90000"/>
+            <a:normAutofit/>
           </a:bodyPr>
           <a:lstStyle/>
           <a:p>
             <a:r>
-              <a:rPr lang="en-US" dirty="0" err="1"/>
-              <a:t>MetaBalancer</a:t>
-            </a:r>
-            <a:r>
               <a:rPr lang="en-US" dirty="0"/>
-              <a:t> - When and how to load balance?</a:t>
-            </a:r>
-          </a:p>
-        </p:txBody>
-      </p:sp>
-      <p:sp>
-        <p:nvSpPr>
-          <p:cNvPr id="3" name="Content Placeholder 2"/>
-          <p:cNvSpPr>
-            <a:spLocks noGrp="1"/>
-          </p:cNvSpPr>
+              <a:t>Our Hybrid Scheme</a:t>
+            </a:r>
+          </a:p>
+        </p:txBody>
+      </p:sp>
+      <p:pic>
+        <p:nvPicPr>
+          <p:cNvPr id="7" name="Content Placeholder 6" descr="hybridLBScheme.png"/>
+          <p:cNvPicPr>
+            <a:picLocks noGrp="1" noChangeAspect="1"/>
+          </p:cNvPicPr>
           <p:nvPr>
             <p:ph idx="1"/>
           </p:nvPr>
-        </p:nvSpPr>
+        </p:nvPicPr>
+        <p:blipFill>
+          <a:blip r:embed="rId2">
+            <a:extLst>
+              <a:ext uri="{28A0092B-C50C-407E-A947-70E740481C1C}">
+                <a14:useLocalDpi xmlns:a14="http://schemas.microsoft.com/office/drawing/2010/main" val="0"/>
+              </a:ext>
+            </a:extLst>
+          </a:blip>
+          <a:srcRect t="-8503" b="-8503"/>
+          <a:stretch>
+            <a:fillRect/>
+          </a:stretch>
+        </p:blipFill>
         <p:spPr/>
-        <p:txBody>
-          <a:bodyPr/>
-          <a:lstStyle/>
-          <a:p>
-            <a:r>
-              <a:rPr lang="en-US" dirty="0" smtClean="0"/>
-              <a:t>Difficult </a:t>
-            </a:r>
-            <a:r>
-              <a:rPr lang="en-US" dirty="0"/>
-              <a:t>to find the optimum load balancing period </a:t>
-            </a:r>
-          </a:p>
-          <a:p>
-            <a:pPr lvl="1"/>
-            <a:r>
-              <a:rPr lang="en-US" dirty="0" smtClean="0"/>
-              <a:t>Depends </a:t>
-            </a:r>
-            <a:r>
-              <a:rPr lang="en-US" dirty="0"/>
-              <a:t>on the application </a:t>
-            </a:r>
-            <a:r>
-              <a:rPr lang="en-US" dirty="0" smtClean="0"/>
-              <a:t>characteristics</a:t>
-            </a:r>
-            <a:endParaRPr lang="en-US" dirty="0"/>
-          </a:p>
-          <a:p>
-            <a:pPr lvl="1"/>
-            <a:r>
-              <a:rPr lang="en-US" dirty="0" smtClean="0"/>
-              <a:t>Depends </a:t>
-            </a:r>
-            <a:r>
-              <a:rPr lang="en-US" dirty="0"/>
-              <a:t>on the machine the application is run on </a:t>
-            </a:r>
-          </a:p>
-          <a:p>
-            <a:r>
-              <a:rPr lang="en-US" dirty="0"/>
-              <a:t>Monitors the application continuously and predicts </a:t>
-            </a:r>
-            <a:r>
-              <a:rPr lang="en-US" dirty="0" smtClean="0"/>
-              <a:t>behavior.</a:t>
-            </a:r>
-          </a:p>
-          <a:p>
-            <a:r>
-              <a:rPr lang="en-US" dirty="0" smtClean="0"/>
-              <a:t>Decides </a:t>
-            </a:r>
-            <a:r>
-              <a:rPr lang="en-US" dirty="0"/>
-              <a:t>when to invoke which load </a:t>
-            </a:r>
-            <a:r>
-              <a:rPr lang="en-US" dirty="0" smtClean="0"/>
-              <a:t>balancer.</a:t>
-            </a:r>
-          </a:p>
-          <a:p>
-            <a:r>
-              <a:rPr lang="en-US" dirty="0" smtClean="0"/>
-              <a:t>Command </a:t>
-            </a:r>
-            <a:r>
-              <a:rPr lang="en-US" dirty="0"/>
-              <a:t>line argument - +</a:t>
-            </a:r>
-            <a:r>
-              <a:rPr lang="en-US" dirty="0" err="1"/>
-              <a:t>MetaLB</a:t>
-            </a:r>
-            <a:r>
-              <a:rPr lang="en-US" dirty="0"/>
-              <a:t> </a:t>
-            </a:r>
-            <a:endParaRPr lang="en-US" dirty="0">
-              <a:effectLst/>
-            </a:endParaRPr>
-          </a:p>
-        </p:txBody>
-      </p:sp>
+      </p:pic>
       <p:sp>
         <p:nvSpPr>
           <p:cNvPr id="5" name="Footer Placeholder 4"/>
@@ -9836,7 +10288,7 @@
     </p:spTree>
     <p:extLst>
       <p:ext uri="{BB962C8B-B14F-4D97-AF65-F5344CB8AC3E}">
-        <p14:creationId xmlns:p14="http://schemas.microsoft.com/office/powerpoint/2010/main" val="3819061467"/>
+        <p14:creationId xmlns:p14="http://schemas.microsoft.com/office/powerpoint/2010/main" val="1948754625"/>
       </p:ext>
     </p:extLst>
   </p:cSld>
@@ -10401,6 +10853,217 @@
         <p:spPr/>
         <p:txBody>
           <a:bodyPr>
+            <a:normAutofit fontScale="90000"/>
+          </a:bodyPr>
+          <a:lstStyle/>
+          <a:p>
+            <a:r>
+              <a:rPr lang="en-US" dirty="0" err="1"/>
+              <a:t>MetaBalancer</a:t>
+            </a:r>
+            <a:r>
+              <a:rPr lang="en-US" dirty="0"/>
+              <a:t> - When and how to load balance?</a:t>
+            </a:r>
+          </a:p>
+        </p:txBody>
+      </p:sp>
+      <p:sp>
+        <p:nvSpPr>
+          <p:cNvPr id="3" name="Content Placeholder 2"/>
+          <p:cNvSpPr>
+            <a:spLocks noGrp="1"/>
+          </p:cNvSpPr>
+          <p:nvPr>
+            <p:ph idx="1"/>
+          </p:nvPr>
+        </p:nvSpPr>
+        <p:spPr/>
+        <p:txBody>
+          <a:bodyPr/>
+          <a:lstStyle/>
+          <a:p>
+            <a:r>
+              <a:rPr lang="en-US" dirty="0" smtClean="0"/>
+              <a:t>Difficult </a:t>
+            </a:r>
+            <a:r>
+              <a:rPr lang="en-US" dirty="0"/>
+              <a:t>to find the optimum load balancing period </a:t>
+            </a:r>
+          </a:p>
+          <a:p>
+            <a:pPr lvl="1"/>
+            <a:r>
+              <a:rPr lang="en-US" dirty="0" smtClean="0"/>
+              <a:t>Depends </a:t>
+            </a:r>
+            <a:r>
+              <a:rPr lang="en-US" dirty="0"/>
+              <a:t>on the application </a:t>
+            </a:r>
+            <a:r>
+              <a:rPr lang="en-US" dirty="0" smtClean="0"/>
+              <a:t>characteristics</a:t>
+            </a:r>
+            <a:endParaRPr lang="en-US" dirty="0"/>
+          </a:p>
+          <a:p>
+            <a:pPr lvl="1"/>
+            <a:r>
+              <a:rPr lang="en-US" dirty="0" smtClean="0"/>
+              <a:t>Depends </a:t>
+            </a:r>
+            <a:r>
+              <a:rPr lang="en-US" dirty="0"/>
+              <a:t>on the machine the application is run on </a:t>
+            </a:r>
+          </a:p>
+          <a:p>
+            <a:r>
+              <a:rPr lang="en-US" dirty="0"/>
+              <a:t>Monitors the application continuously and predicts </a:t>
+            </a:r>
+            <a:r>
+              <a:rPr lang="en-US" dirty="0" smtClean="0"/>
+              <a:t>behavior.</a:t>
+            </a:r>
+          </a:p>
+          <a:p>
+            <a:r>
+              <a:rPr lang="en-US" dirty="0" smtClean="0"/>
+              <a:t>Decides </a:t>
+            </a:r>
+            <a:r>
+              <a:rPr lang="en-US" dirty="0"/>
+              <a:t>when to invoke which load </a:t>
+            </a:r>
+            <a:r>
+              <a:rPr lang="en-US" dirty="0" smtClean="0"/>
+              <a:t>balancer.</a:t>
+            </a:r>
+          </a:p>
+          <a:p>
+            <a:r>
+              <a:rPr lang="en-US" dirty="0" smtClean="0"/>
+              <a:t>Command </a:t>
+            </a:r>
+            <a:r>
+              <a:rPr lang="en-US" dirty="0"/>
+              <a:t>line argument - +</a:t>
+            </a:r>
+            <a:r>
+              <a:rPr lang="en-US" dirty="0" err="1"/>
+              <a:t>MetaLB</a:t>
+            </a:r>
+            <a:r>
+              <a:rPr lang="en-US" dirty="0"/>
+              <a:t> </a:t>
+            </a:r>
+            <a:endParaRPr lang="en-US" dirty="0">
+              <a:effectLst/>
+            </a:endParaRPr>
+          </a:p>
+        </p:txBody>
+      </p:sp>
+      <p:sp>
+        <p:nvSpPr>
+          <p:cNvPr id="5" name="Footer Placeholder 4"/>
+          <p:cNvSpPr>
+            <a:spLocks noGrp="1"/>
+          </p:cNvSpPr>
+          <p:nvPr>
+            <p:ph type="ftr" sz="quarter" idx="11"/>
+          </p:nvPr>
+        </p:nvSpPr>
+        <p:spPr/>
+        <p:txBody>
+          <a:bodyPr/>
+          <a:lstStyle/>
+          <a:p>
+            <a:pPr algn="r"/>
+            <a:r>
+              <a:rPr lang="en-US" smtClean="0"/>
+              <a:t>Laxmikant Kalé and PPL (UIUC) – Parallel Migratable Objects </a:t>
+            </a:r>
+            <a:endParaRPr lang="en-US" dirty="0"/>
+          </a:p>
+        </p:txBody>
+      </p:sp>
+      <p:sp>
+        <p:nvSpPr>
+          <p:cNvPr id="6" name="Slide Number Placeholder 5"/>
+          <p:cNvSpPr>
+            <a:spLocks noGrp="1"/>
+          </p:cNvSpPr>
+          <p:nvPr>
+            <p:ph type="sldNum" sz="quarter" idx="12"/>
+          </p:nvPr>
+        </p:nvSpPr>
+        <p:spPr/>
+        <p:txBody>
+          <a:bodyPr/>
+          <a:lstStyle/>
+          <a:p>
+            <a:fld id="{0CFEC368-1D7A-4F81-ABF6-AE0E36BAF64C}" type="slidenum">
+              <a:rPr lang="en-US" smtClean="0"/>
+              <a:pPr/>
+              <a:t>20</a:t>
+            </a:fld>
+            <a:endParaRPr lang="en-US"/>
+          </a:p>
+        </p:txBody>
+      </p:sp>
+    </p:spTree>
+    <p:extLst>
+      <p:ext uri="{BB962C8B-B14F-4D97-AF65-F5344CB8AC3E}">
+        <p14:creationId xmlns:p14="http://schemas.microsoft.com/office/powerpoint/2010/main" val="3819061467"/>
+      </p:ext>
+    </p:extLst>
+  </p:cSld>
+  <p:clrMapOvr>
+    <a:masterClrMapping/>
+  </p:clrMapOvr>
+  <p:timing>
+    <p:tnLst>
+      <p:par>
+        <p:cTn xmlns:p14="http://schemas.microsoft.com/office/powerpoint/2010/main" id="1" dur="indefinite" restart="never" nodeType="tmRoot"/>
+      </p:par>
+    </p:tnLst>
+  </p:timing>
+</p:sld>
+</file>
+
+<file path=ppt/slides/slide21.xml><?xml version="1.0" encoding="utf-8"?>
+<p:sld xmlns:a="http://schemas.openxmlformats.org/drawingml/2006/main" xmlns:r="http://schemas.openxmlformats.org/officeDocument/2006/relationships" xmlns:p="http://schemas.openxmlformats.org/presentationml/2006/main">
+  <p:cSld>
+    <p:spTree>
+      <p:nvGrpSpPr>
+        <p:cNvPr id="1" name=""/>
+        <p:cNvGrpSpPr/>
+        <p:nvPr/>
+      </p:nvGrpSpPr>
+      <p:grpSpPr>
+        <a:xfrm>
+          <a:off x="0" y="0"/>
+          <a:ext cx="0" cy="0"/>
+          <a:chOff x="0" y="0"/>
+          <a:chExt cx="0" cy="0"/>
+        </a:xfrm>
+      </p:grpSpPr>
+      <p:sp>
+        <p:nvSpPr>
+          <p:cNvPr id="2" name="Title 1"/>
+          <p:cNvSpPr>
+            <a:spLocks noGrp="1"/>
+          </p:cNvSpPr>
+          <p:nvPr>
+            <p:ph type="title"/>
+          </p:nvPr>
+        </p:nvSpPr>
+        <p:spPr/>
+        <p:txBody>
+          <a:bodyPr>
             <a:normAutofit/>
           </a:bodyPr>
           <a:lstStyle/>
@@ -10496,7 +11159,7 @@
             <a:fld id="{0CFEC368-1D7A-4F81-ABF6-AE0E36BAF64C}" type="slidenum">
               <a:rPr lang="en-US" smtClean="0"/>
               <a:pPr/>
-              <a:t>20</a:t>
+              <a:t>21</a:t>
             </a:fld>
             <a:endParaRPr lang="en-US"/>
           </a:p>
@@ -10552,7 +11215,7 @@
 </p:sld>
 </file>
 
-<file path=ppt/slides/slide21.xml><?xml version="1.0" encoding="utf-8"?>
+<file path=ppt/slides/slide22.xml><?xml version="1.0" encoding="utf-8"?>
 <p:sld xmlns:a="http://schemas.openxmlformats.org/drawingml/2006/main" xmlns:r="http://schemas.openxmlformats.org/officeDocument/2006/relationships" xmlns:p="http://schemas.openxmlformats.org/presentationml/2006/main">
   <p:cSld>
     <p:spTree>
@@ -10674,7 +11337,7 @@
             <a:fld id="{0CFEC368-1D7A-4F81-ABF6-AE0E36BAF64C}" type="slidenum">
               <a:rPr lang="en-US" smtClean="0"/>
               <a:pPr/>
-              <a:t>21</a:t>
+              <a:t>22</a:t>
             </a:fld>
             <a:endParaRPr lang="en-US"/>
           </a:p>
@@ -13247,30 +13910,8 @@
           <a:lstStyle/>
           <a:p>
             <a:r>
-              <a:rPr lang="en-US" dirty="0"/>
-              <a:t>Performance</a:t>
-            </a:r>
-          </a:p>
-        </p:txBody>
-      </p:sp>
-      <p:sp>
-        <p:nvSpPr>
-          <p:cNvPr id="7" name="Text Placeholder 6"/>
-          <p:cNvSpPr>
-            <a:spLocks noGrp="1"/>
-          </p:cNvSpPr>
-          <p:nvPr>
-            <p:ph type="body" idx="1"/>
-          </p:nvPr>
-        </p:nvSpPr>
-        <p:spPr/>
-        <p:txBody>
-          <a:bodyPr/>
-          <a:lstStyle/>
-          <a:p>
-            <a:r>
               <a:rPr lang="en-US" dirty="0" smtClean="0"/>
-              <a:t>Before LB</a:t>
+              <a:t>Performance – Before LB</a:t>
             </a:r>
             <a:endParaRPr lang="en-US" dirty="0"/>
           </a:p>
@@ -13283,7 +13924,7 @@
             <a:picLocks noGrp="1" noChangeAspect="1"/>
           </p:cNvPicPr>
           <p:nvPr>
-            <p:ph sz="half" idx="2"/>
+            <p:ph idx="1"/>
           </p:nvPr>
         </p:nvPicPr>
         <p:blipFill>
@@ -13294,66 +13935,15 @@
               </a:ext>
             </a:extLst>
           </a:blip>
+          <a:srcRect t="-26477" b="-26477"/>
           <a:stretch>
             <a:fillRect/>
           </a:stretch>
         </p:blipFill>
         <p:spPr>
           <a:xfrm>
-            <a:off x="261865" y="3203435"/>
-            <a:ext cx="4114800" cy="1697317"/>
-          </a:xfrm>
-        </p:spPr>
-      </p:pic>
-      <p:sp>
-        <p:nvSpPr>
-          <p:cNvPr id="9" name="Text Placeholder 8"/>
-          <p:cNvSpPr>
-            <a:spLocks noGrp="1"/>
-          </p:cNvSpPr>
-          <p:nvPr>
-            <p:ph type="body" sz="quarter" idx="3"/>
-          </p:nvPr>
-        </p:nvSpPr>
-        <p:spPr/>
-        <p:txBody>
-          <a:bodyPr/>
-          <a:lstStyle/>
-          <a:p>
-            <a:r>
-              <a:rPr lang="en-US" dirty="0" smtClean="0"/>
-              <a:t>After LB</a:t>
-            </a:r>
-            <a:endParaRPr lang="en-US" dirty="0"/>
-          </a:p>
-        </p:txBody>
-      </p:sp>
-      <p:pic>
-        <p:nvPicPr>
-          <p:cNvPr id="12" name="Content Placeholder 11"/>
-          <p:cNvPicPr>
-            <a:picLocks noGrp="1" noChangeAspect="1"/>
-          </p:cNvPicPr>
-          <p:nvPr>
-            <p:ph sz="quarter" idx="4"/>
-          </p:nvPr>
-        </p:nvPicPr>
-        <p:blipFill>
-          <a:blip r:embed="rId3">
-            <a:extLst>
-              <a:ext uri="{28A0092B-C50C-407E-A947-70E740481C1C}">
-                <a14:useLocalDpi xmlns:a14="http://schemas.microsoft.com/office/drawing/2010/main" val="0"/>
-              </a:ext>
-            </a:extLst>
-          </a:blip>
-          <a:stretch>
-            <a:fillRect/>
-          </a:stretch>
-        </p:blipFill>
-        <p:spPr>
-          <a:xfrm>
-            <a:off x="4737100" y="3197687"/>
-            <a:ext cx="4140125" cy="1708813"/>
+            <a:off x="261938" y="942975"/>
+            <a:ext cx="8615362" cy="5435600"/>
           </a:xfrm>
         </p:spPr>
       </p:pic>
@@ -13461,19 +14051,134 @@
           <a:p>
             <a:r>
               <a:rPr lang="en-US" dirty="0"/>
-              <a:t>Golden Rule of Load Balancing</a:t>
-            </a:r>
-          </a:p>
-        </p:txBody>
-      </p:sp>
-      <p:sp>
-        <p:nvSpPr>
-          <p:cNvPr id="3" name="Content Placeholder 2"/>
-          <p:cNvSpPr>
-            <a:spLocks noGrp="1"/>
-          </p:cNvSpPr>
+              <a:t>Performance </a:t>
+            </a:r>
+            <a:r>
+              <a:rPr lang="en-US" dirty="0" smtClean="0"/>
+              <a:t>– After LB</a:t>
+            </a:r>
+            <a:endParaRPr lang="en-US" dirty="0"/>
+          </a:p>
+        </p:txBody>
+      </p:sp>
+      <p:pic>
+        <p:nvPicPr>
+          <p:cNvPr id="12" name="Content Placeholder 11"/>
+          <p:cNvPicPr>
+            <a:picLocks noGrp="1" noChangeAspect="1"/>
+          </p:cNvPicPr>
           <p:nvPr>
             <p:ph idx="1"/>
+          </p:nvPr>
+        </p:nvPicPr>
+        <p:blipFill>
+          <a:blip r:embed="rId2">
+            <a:extLst>
+              <a:ext uri="{28A0092B-C50C-407E-A947-70E740481C1C}">
+                <a14:useLocalDpi xmlns:a14="http://schemas.microsoft.com/office/drawing/2010/main" val="0"/>
+              </a:ext>
+            </a:extLst>
+          </a:blip>
+          <a:srcRect t="-26428" b="-26428"/>
+          <a:stretch>
+            <a:fillRect/>
+          </a:stretch>
+        </p:blipFill>
+        <p:spPr/>
+      </p:pic>
+      <p:sp>
+        <p:nvSpPr>
+          <p:cNvPr id="5" name="Footer Placeholder 4"/>
+          <p:cNvSpPr>
+            <a:spLocks noGrp="1"/>
+          </p:cNvSpPr>
+          <p:nvPr>
+            <p:ph type="ftr" sz="quarter" idx="11"/>
+          </p:nvPr>
+        </p:nvSpPr>
+        <p:spPr/>
+        <p:txBody>
+          <a:bodyPr/>
+          <a:lstStyle/>
+          <a:p>
+            <a:pPr algn="r"/>
+            <a:r>
+              <a:rPr lang="en-US" smtClean="0"/>
+              <a:t>Laxmikant Kalé and PPL (UIUC) – Parallel Migratable Objects </a:t>
+            </a:r>
+            <a:endParaRPr lang="en-US" dirty="0"/>
+          </a:p>
+        </p:txBody>
+      </p:sp>
+      <p:sp>
+        <p:nvSpPr>
+          <p:cNvPr id="6" name="Slide Number Placeholder 5"/>
+          <p:cNvSpPr>
+            <a:spLocks noGrp="1"/>
+          </p:cNvSpPr>
+          <p:nvPr>
+            <p:ph type="sldNum" sz="quarter" idx="12"/>
+          </p:nvPr>
+        </p:nvSpPr>
+        <p:spPr/>
+        <p:txBody>
+          <a:bodyPr/>
+          <a:lstStyle/>
+          <a:p>
+            <a:fld id="{0CFEC368-1D7A-4F81-ABF6-AE0E36BAF64C}" type="slidenum">
+              <a:rPr lang="en-US" smtClean="0"/>
+              <a:pPr/>
+              <a:t>8</a:t>
+            </a:fld>
+            <a:endParaRPr lang="en-US"/>
+          </a:p>
+        </p:txBody>
+      </p:sp>
+    </p:spTree>
+    <p:extLst>
+      <p:ext uri="{BB962C8B-B14F-4D97-AF65-F5344CB8AC3E}">
+        <p14:creationId xmlns:p14="http://schemas.microsoft.com/office/powerpoint/2010/main" val="4178834895"/>
+      </p:ext>
+    </p:extLst>
+  </p:cSld>
+  <p:clrMapOvr>
+    <a:masterClrMapping/>
+  </p:clrMapOvr>
+  <p:timing>
+    <p:tnLst>
+      <p:par>
+        <p:cTn xmlns:p14="http://schemas.microsoft.com/office/powerpoint/2010/main" id="1" dur="indefinite" restart="never" nodeType="tmRoot"/>
+      </p:par>
+    </p:tnLst>
+  </p:timing>
+</p:sld>
+</file>
+
+<file path=ppt/slides/slide9.xml><?xml version="1.0" encoding="utf-8"?>
+<p:sld xmlns:a="http://schemas.openxmlformats.org/drawingml/2006/main" xmlns:r="http://schemas.openxmlformats.org/officeDocument/2006/relationships" xmlns:p="http://schemas.openxmlformats.org/presentationml/2006/main">
+  <p:cSld>
+    <p:spTree>
+      <p:nvGrpSpPr>
+        <p:cNvPr id="1" name=""/>
+        <p:cNvGrpSpPr/>
+        <p:nvPr/>
+      </p:nvGrpSpPr>
+      <p:grpSpPr>
+        <a:xfrm>
+          <a:off x="0" y="0"/>
+          <a:ext cx="0" cy="0"/>
+          <a:chOff x="0" y="0"/>
+          <a:chExt cx="0" cy="0"/>
+        </a:xfrm>
+      </p:grpSpPr>
+      <p:sp>
+        <p:nvSpPr>
+          <p:cNvPr id="2" name="Title 1"/>
+          <p:cNvSpPr>
+            <a:spLocks noGrp="1"/>
+          </p:cNvSpPr>
+          <p:nvPr>
+            <p:ph type="title"/>
           </p:nvPr>
         </p:nvSpPr>
         <p:spPr/>
@@ -13483,6 +14188,30 @@
           </a:bodyPr>
           <a:lstStyle/>
           <a:p>
+            <a:r>
+              <a:rPr lang="en-US" dirty="0"/>
+              <a:t>Golden Rule of Load Balancing</a:t>
+            </a:r>
+          </a:p>
+        </p:txBody>
+      </p:sp>
+      <p:sp>
+        <p:nvSpPr>
+          <p:cNvPr id="3" name="Content Placeholder 2"/>
+          <p:cNvSpPr>
+            <a:spLocks noGrp="1"/>
+          </p:cNvSpPr>
+          <p:nvPr>
+            <p:ph idx="1"/>
+          </p:nvPr>
+        </p:nvSpPr>
+        <p:spPr/>
+        <p:txBody>
+          <a:bodyPr>
+            <a:normAutofit/>
+          </a:bodyPr>
+          <a:lstStyle/>
+          <a:p>
             <a:pPr marL="0" indent="0">
               <a:buNone/>
             </a:pPr>
@@ -13656,7 +14385,7 @@
             <a:fld id="{0CFEC368-1D7A-4F81-ABF6-AE0E36BAF64C}" type="slidenum">
               <a:rPr lang="en-US" smtClean="0"/>
               <a:pPr/>
-              <a:t>8</a:t>
+              <a:t>9</a:t>
             </a:fld>
             <a:endParaRPr lang="en-US"/>
           </a:p>
@@ -14050,668 +14779,6 @@
         </p:cTn>
       </p:par>
     </p:tnLst>
-  </p:timing>
-</p:sld>
-</file>
-
-<file path=ppt/slides/slide9.xml><?xml version="1.0" encoding="utf-8"?>
-<p:sld xmlns:a="http://schemas.openxmlformats.org/drawingml/2006/main" xmlns:r="http://schemas.openxmlformats.org/officeDocument/2006/relationships" xmlns:p="http://schemas.openxmlformats.org/presentationml/2006/main">
-  <p:cSld>
-    <p:spTree>
-      <p:nvGrpSpPr>
-        <p:cNvPr id="1" name=""/>
-        <p:cNvGrpSpPr/>
-        <p:nvPr/>
-      </p:nvGrpSpPr>
-      <p:grpSpPr>
-        <a:xfrm>
-          <a:off x="0" y="0"/>
-          <a:ext cx="0" cy="0"/>
-          <a:chOff x="0" y="0"/>
-          <a:chExt cx="0" cy="0"/>
-        </a:xfrm>
-      </p:grpSpPr>
-      <p:sp>
-        <p:nvSpPr>
-          <p:cNvPr id="2" name="Title 1"/>
-          <p:cNvSpPr>
-            <a:spLocks noGrp="1"/>
-          </p:cNvSpPr>
-          <p:nvPr>
-            <p:ph type="title"/>
-          </p:nvPr>
-        </p:nvSpPr>
-        <p:spPr/>
-        <p:txBody>
-          <a:bodyPr>
-            <a:normAutofit/>
-          </a:bodyPr>
-          <a:lstStyle/>
-          <a:p>
-            <a:r>
-              <a:rPr lang="en-US" dirty="0"/>
-              <a:t>Load Balancing Strategies</a:t>
-            </a:r>
-          </a:p>
-        </p:txBody>
-      </p:sp>
-      <p:sp>
-        <p:nvSpPr>
-          <p:cNvPr id="3" name="Content Placeholder 2"/>
-          <p:cNvSpPr>
-            <a:spLocks noGrp="1"/>
-          </p:cNvSpPr>
-          <p:nvPr>
-            <p:ph idx="1"/>
-          </p:nvPr>
-        </p:nvSpPr>
-        <p:spPr/>
-        <p:txBody>
-          <a:bodyPr>
-            <a:normAutofit/>
-          </a:bodyPr>
-          <a:lstStyle/>
-          <a:p>
-            <a:r>
-              <a:rPr lang="en-US" dirty="0"/>
-              <a:t>Classified by when it is done:</a:t>
-            </a:r>
-          </a:p>
-          <a:p>
-            <a:pPr lvl="1"/>
-            <a:r>
-              <a:rPr lang="en-US" dirty="0" smtClean="0"/>
-              <a:t>Initially</a:t>
-            </a:r>
-            <a:endParaRPr lang="en-US" dirty="0"/>
-          </a:p>
-          <a:p>
-            <a:pPr lvl="1"/>
-            <a:r>
-              <a:rPr lang="en-US" dirty="0" smtClean="0"/>
-              <a:t>Dynamic</a:t>
-            </a:r>
-            <a:r>
-              <a:rPr lang="en-US" dirty="0"/>
-              <a:t>: Periodically </a:t>
-            </a:r>
-            <a:endParaRPr lang="en-US" dirty="0" smtClean="0"/>
-          </a:p>
-          <a:p>
-            <a:pPr lvl="1"/>
-            <a:r>
-              <a:rPr lang="en-US" dirty="0" smtClean="0"/>
-              <a:t>Dynamic</a:t>
-            </a:r>
-            <a:r>
-              <a:rPr lang="en-US" dirty="0"/>
-              <a:t>: Continuously</a:t>
-            </a:r>
-          </a:p>
-          <a:p>
-            <a:r>
-              <a:rPr lang="en-US" dirty="0"/>
-              <a:t>Classified by whether decisions are taken with global information</a:t>
-            </a:r>
-          </a:p>
-          <a:p>
-            <a:pPr lvl="1"/>
-            <a:r>
-              <a:rPr lang="en-US" dirty="0" smtClean="0"/>
-              <a:t>Fully </a:t>
-            </a:r>
-            <a:r>
-              <a:rPr lang="en-US" dirty="0"/>
-              <a:t>centralized</a:t>
-            </a:r>
-          </a:p>
-          <a:p>
-            <a:pPr lvl="2"/>
-            <a:r>
-              <a:rPr lang="en-US" dirty="0" smtClean="0"/>
-              <a:t>Quite a good </a:t>
-            </a:r>
-            <a:r>
-              <a:rPr lang="en-US" dirty="0"/>
-              <a:t>choice when load balancing period is high</a:t>
-            </a:r>
-          </a:p>
-          <a:p>
-            <a:pPr lvl="1"/>
-            <a:r>
-              <a:rPr lang="en-US" dirty="0" smtClean="0"/>
-              <a:t>Fully </a:t>
-            </a:r>
-            <a:r>
-              <a:rPr lang="en-US" dirty="0"/>
-              <a:t>distributed</a:t>
-            </a:r>
-          </a:p>
-          <a:p>
-            <a:pPr lvl="2"/>
-            <a:r>
-              <a:rPr lang="en-US" dirty="0" smtClean="0"/>
-              <a:t>Each </a:t>
-            </a:r>
-            <a:r>
-              <a:rPr lang="en-US" dirty="0"/>
-              <a:t>processor knows only about a constant number of neighbors</a:t>
-            </a:r>
-          </a:p>
-          <a:p>
-            <a:pPr lvl="2"/>
-            <a:r>
-              <a:rPr lang="en-US" dirty="0" smtClean="0"/>
-              <a:t>Extreme </a:t>
-            </a:r>
-            <a:r>
-              <a:rPr lang="en-US" dirty="0"/>
-              <a:t>case: totally local decision (send work to a random </a:t>
-            </a:r>
-            <a:r>
-              <a:rPr lang="en-US" dirty="0" smtClean="0"/>
-              <a:t>destination processor</a:t>
-            </a:r>
-            <a:r>
-              <a:rPr lang="en-US" dirty="0"/>
-              <a:t>, with some probability).</a:t>
-            </a:r>
-          </a:p>
-          <a:p>
-            <a:pPr lvl="1"/>
-            <a:r>
-              <a:rPr lang="en-US" dirty="0" smtClean="0"/>
-              <a:t>Use </a:t>
-            </a:r>
-            <a:r>
-              <a:rPr lang="en-US" i="1" dirty="0"/>
-              <a:t>aggregated</a:t>
-            </a:r>
-            <a:r>
-              <a:rPr lang="en-US" dirty="0"/>
-              <a:t> global information, and </a:t>
-            </a:r>
-            <a:r>
-              <a:rPr lang="en-US" i="1" dirty="0"/>
-              <a:t>detailed </a:t>
-            </a:r>
-            <a:r>
-              <a:rPr lang="en-US" dirty="0"/>
-              <a:t>neighborhood info.</a:t>
-            </a:r>
-          </a:p>
-        </p:txBody>
-      </p:sp>
-      <p:sp>
-        <p:nvSpPr>
-          <p:cNvPr id="5" name="Footer Placeholder 4"/>
-          <p:cNvSpPr>
-            <a:spLocks noGrp="1"/>
-          </p:cNvSpPr>
-          <p:nvPr>
-            <p:ph type="ftr" sz="quarter" idx="11"/>
-          </p:nvPr>
-        </p:nvSpPr>
-        <p:spPr/>
-        <p:txBody>
-          <a:bodyPr/>
-          <a:lstStyle/>
-          <a:p>
-            <a:pPr algn="r"/>
-            <a:r>
-              <a:rPr lang="en-US" smtClean="0"/>
-              <a:t>Laxmikant Kalé and PPL (UIUC) – Parallel Migratable Objects </a:t>
-            </a:r>
-            <a:endParaRPr lang="en-US" dirty="0"/>
-          </a:p>
-        </p:txBody>
-      </p:sp>
-      <p:sp>
-        <p:nvSpPr>
-          <p:cNvPr id="6" name="Slide Number Placeholder 5"/>
-          <p:cNvSpPr>
-            <a:spLocks noGrp="1"/>
-          </p:cNvSpPr>
-          <p:nvPr>
-            <p:ph type="sldNum" sz="quarter" idx="12"/>
-          </p:nvPr>
-        </p:nvSpPr>
-        <p:spPr/>
-        <p:txBody>
-          <a:bodyPr/>
-          <a:lstStyle/>
-          <a:p>
-            <a:fld id="{0CFEC368-1D7A-4F81-ABF6-AE0E36BAF64C}" type="slidenum">
-              <a:rPr lang="en-US" smtClean="0"/>
-              <a:pPr/>
-              <a:t>9</a:t>
-            </a:fld>
-            <a:endParaRPr lang="en-US"/>
-          </a:p>
-        </p:txBody>
-      </p:sp>
-    </p:spTree>
-    <p:extLst>
-      <p:ext uri="{BB962C8B-B14F-4D97-AF65-F5344CB8AC3E}">
-        <p14:creationId xmlns:p14="http://schemas.microsoft.com/office/powerpoint/2010/main" val="582181170"/>
-      </p:ext>
-    </p:extLst>
-  </p:cSld>
-  <p:clrMapOvr>
-    <a:masterClrMapping/>
-  </p:clrMapOvr>
-  <p:timing>
-    <p:tnLst>
-      <p:par>
-        <p:cTn xmlns:p14="http://schemas.microsoft.com/office/powerpoint/2010/main" id="1" dur="indefinite" restart="never" nodeType="tmRoot">
-          <p:childTnLst>
-            <p:seq concurrent="1" nextAc="seek">
-              <p:cTn id="2" dur="indefinite" nodeType="mainSeq">
-                <p:childTnLst>
-                  <p:par>
-                    <p:cTn id="3" fill="hold">
-                      <p:stCondLst>
-                        <p:cond delay="indefinite"/>
-                        <p:cond evt="onBegin" delay="0">
-                          <p:tn val="2"/>
-                        </p:cond>
-                      </p:stCondLst>
-                      <p:childTnLst>
-                        <p:par>
-                          <p:cTn id="4" fill="hold">
-                            <p:stCondLst>
-                              <p:cond delay="0"/>
-                            </p:stCondLst>
-                            <p:childTnLst>
-                              <p:par>
-                                <p:cTn id="5" presetID="1" presetClass="entr" presetSubtype="0" fill="hold" grpId="0" nodeType="withEffect">
-                                  <p:stCondLst>
-                                    <p:cond delay="0"/>
-                                  </p:stCondLst>
-                                  <p:childTnLst>
-                                    <p:set>
-                                      <p:cBhvr>
-                                        <p:cTn id="6" dur="1" fill="hold">
-                                          <p:stCondLst>
-                                            <p:cond delay="0"/>
-                                          </p:stCondLst>
-                                        </p:cTn>
-                                        <p:tgtEl>
-                                          <p:spTgt spid="3">
-                                            <p:txEl>
-                                              <p:pRg st="0" end="0"/>
-                                            </p:txEl>
-                                          </p:spTgt>
-                                        </p:tgtEl>
-                                        <p:attrNameLst>
-                                          <p:attrName>style.visibility</p:attrName>
-                                        </p:attrNameLst>
-                                      </p:cBhvr>
-                                      <p:to>
-                                        <p:strVal val="visible"/>
-                                      </p:to>
-                                    </p:set>
-                                  </p:childTnLst>
-                                </p:cTn>
-                              </p:par>
-                              <p:par>
-                                <p:cTn id="7" presetID="1" presetClass="entr" presetSubtype="0" fill="hold" grpId="0" nodeType="withEffect">
-                                  <p:stCondLst>
-                                    <p:cond delay="0"/>
-                                  </p:stCondLst>
-                                  <p:childTnLst>
-                                    <p:set>
-                                      <p:cBhvr>
-                                        <p:cTn id="8" dur="1" fill="hold">
-                                          <p:stCondLst>
-                                            <p:cond delay="0"/>
-                                          </p:stCondLst>
-                                        </p:cTn>
-                                        <p:tgtEl>
-                                          <p:spTgt spid="3">
-                                            <p:txEl>
-                                              <p:pRg st="1" end="1"/>
-                                            </p:txEl>
-                                          </p:spTgt>
-                                        </p:tgtEl>
-                                        <p:attrNameLst>
-                                          <p:attrName>style.visibility</p:attrName>
-                                        </p:attrNameLst>
-                                      </p:cBhvr>
-                                      <p:to>
-                                        <p:strVal val="visible"/>
-                                      </p:to>
-                                    </p:set>
-                                  </p:childTnLst>
-                                </p:cTn>
-                              </p:par>
-                              <p:par>
-                                <p:cTn id="9" presetID="1" presetClass="entr" presetSubtype="0" fill="hold" grpId="0" nodeType="withEffect">
-                                  <p:stCondLst>
-                                    <p:cond delay="0"/>
-                                  </p:stCondLst>
-                                  <p:childTnLst>
-                                    <p:set>
-                                      <p:cBhvr>
-                                        <p:cTn id="10" dur="1" fill="hold">
-                                          <p:stCondLst>
-                                            <p:cond delay="0"/>
-                                          </p:stCondLst>
-                                        </p:cTn>
-                                        <p:tgtEl>
-                                          <p:spTgt spid="3">
-                                            <p:txEl>
-                                              <p:pRg st="2" end="2"/>
-                                            </p:txEl>
-                                          </p:spTgt>
-                                        </p:tgtEl>
-                                        <p:attrNameLst>
-                                          <p:attrName>style.visibility</p:attrName>
-                                        </p:attrNameLst>
-                                      </p:cBhvr>
-                                      <p:to>
-                                        <p:strVal val="visible"/>
-                                      </p:to>
-                                    </p:set>
-                                  </p:childTnLst>
-                                </p:cTn>
-                              </p:par>
-                              <p:par>
-                                <p:cTn id="11" presetID="1" presetClass="entr" presetSubtype="0" fill="hold" grpId="0" nodeType="withEffect">
-                                  <p:stCondLst>
-                                    <p:cond delay="0"/>
-                                  </p:stCondLst>
-                                  <p:childTnLst>
-                                    <p:set>
-                                      <p:cBhvr>
-                                        <p:cTn id="12" dur="1" fill="hold">
-                                          <p:stCondLst>
-                                            <p:cond delay="0"/>
-                                          </p:stCondLst>
-                                        </p:cTn>
-                                        <p:tgtEl>
-                                          <p:spTgt spid="3">
-                                            <p:txEl>
-                                              <p:pRg st="3" end="3"/>
-                                            </p:txEl>
-                                          </p:spTgt>
-                                        </p:tgtEl>
-                                        <p:attrNameLst>
-                                          <p:attrName>style.visibility</p:attrName>
-                                        </p:attrNameLst>
-                                      </p:cBhvr>
-                                      <p:to>
-                                        <p:strVal val="visible"/>
-                                      </p:to>
-                                    </p:set>
-                                  </p:childTnLst>
-                                </p:cTn>
-                              </p:par>
-                            </p:childTnLst>
-                          </p:cTn>
-                        </p:par>
-                      </p:childTnLst>
-                    </p:cTn>
-                  </p:par>
-                  <p:par>
-                    <p:cTn id="13" fill="hold">
-                      <p:stCondLst>
-                        <p:cond delay="indefinite"/>
-                      </p:stCondLst>
-                      <p:childTnLst>
-                        <p:par>
-                          <p:cTn id="14" fill="hold">
-                            <p:stCondLst>
-                              <p:cond delay="0"/>
-                            </p:stCondLst>
-                            <p:childTnLst>
-                              <p:par>
-                                <p:cTn id="15" presetID="1" presetClass="entr" presetSubtype="0" fill="hold" grpId="0" nodeType="clickEffect">
-                                  <p:stCondLst>
-                                    <p:cond delay="0"/>
-                                  </p:stCondLst>
-                                  <p:childTnLst>
-                                    <p:set>
-                                      <p:cBhvr>
-                                        <p:cTn id="16" dur="1" fill="hold">
-                                          <p:stCondLst>
-                                            <p:cond delay="0"/>
-                                          </p:stCondLst>
-                                        </p:cTn>
-                                        <p:tgtEl>
-                                          <p:spTgt spid="3">
-                                            <p:txEl>
-                                              <p:pRg st="4" end="4"/>
-                                            </p:txEl>
-                                          </p:spTgt>
-                                        </p:tgtEl>
-                                        <p:attrNameLst>
-                                          <p:attrName>style.visibility</p:attrName>
-                                        </p:attrNameLst>
-                                      </p:cBhvr>
-                                      <p:to>
-                                        <p:strVal val="visible"/>
-                                      </p:to>
-                                    </p:set>
-                                  </p:childTnLst>
-                                </p:cTn>
-                              </p:par>
-                              <p:par>
-                                <p:cTn id="17" presetID="1" presetClass="entr" presetSubtype="0" fill="hold" grpId="0" nodeType="withEffect">
-                                  <p:stCondLst>
-                                    <p:cond delay="0"/>
-                                  </p:stCondLst>
-                                  <p:childTnLst>
-                                    <p:set>
-                                      <p:cBhvr>
-                                        <p:cTn id="18" dur="1" fill="hold">
-                                          <p:stCondLst>
-                                            <p:cond delay="0"/>
-                                          </p:stCondLst>
-                                        </p:cTn>
-                                        <p:tgtEl>
-                                          <p:spTgt spid="3">
-                                            <p:txEl>
-                                              <p:pRg st="5" end="5"/>
-                                            </p:txEl>
-                                          </p:spTgt>
-                                        </p:tgtEl>
-                                        <p:attrNameLst>
-                                          <p:attrName>style.visibility</p:attrName>
-                                        </p:attrNameLst>
-                                      </p:cBhvr>
-                                      <p:to>
-                                        <p:strVal val="visible"/>
-                                      </p:to>
-                                    </p:set>
-                                  </p:childTnLst>
-                                </p:cTn>
-                              </p:par>
-                              <p:par>
-                                <p:cTn id="19" presetID="1" presetClass="entr" presetSubtype="0" fill="hold" grpId="0" nodeType="withEffect">
-                                  <p:stCondLst>
-                                    <p:cond delay="0"/>
-                                  </p:stCondLst>
-                                  <p:childTnLst>
-                                    <p:set>
-                                      <p:cBhvr>
-                                        <p:cTn id="20" dur="1" fill="hold">
-                                          <p:stCondLst>
-                                            <p:cond delay="0"/>
-                                          </p:stCondLst>
-                                        </p:cTn>
-                                        <p:tgtEl>
-                                          <p:spTgt spid="3">
-                                            <p:txEl>
-                                              <p:pRg st="6" end="6"/>
-                                            </p:txEl>
-                                          </p:spTgt>
-                                        </p:tgtEl>
-                                        <p:attrNameLst>
-                                          <p:attrName>style.visibility</p:attrName>
-                                        </p:attrNameLst>
-                                      </p:cBhvr>
-                                      <p:to>
-                                        <p:strVal val="visible"/>
-                                      </p:to>
-                                    </p:set>
-                                  </p:childTnLst>
-                                </p:cTn>
-                              </p:par>
-                              <p:par>
-                                <p:cTn id="21" presetID="1" presetClass="entr" presetSubtype="0" fill="hold" grpId="0" nodeType="withEffect">
-                                  <p:stCondLst>
-                                    <p:cond delay="0"/>
-                                  </p:stCondLst>
-                                  <p:childTnLst>
-                                    <p:set>
-                                      <p:cBhvr>
-                                        <p:cTn id="22" dur="1" fill="hold">
-                                          <p:stCondLst>
-                                            <p:cond delay="0"/>
-                                          </p:stCondLst>
-                                        </p:cTn>
-                                        <p:tgtEl>
-                                          <p:spTgt spid="3">
-                                            <p:txEl>
-                                              <p:pRg st="7" end="7"/>
-                                            </p:txEl>
-                                          </p:spTgt>
-                                        </p:tgtEl>
-                                        <p:attrNameLst>
-                                          <p:attrName>style.visibility</p:attrName>
-                                        </p:attrNameLst>
-                                      </p:cBhvr>
-                                      <p:to>
-                                        <p:strVal val="visible"/>
-                                      </p:to>
-                                    </p:set>
-                                  </p:childTnLst>
-                                </p:cTn>
-                              </p:par>
-                              <p:par>
-                                <p:cTn id="23" presetID="1" presetClass="entr" presetSubtype="0" fill="hold" grpId="0" nodeType="withEffect">
-                                  <p:stCondLst>
-                                    <p:cond delay="0"/>
-                                  </p:stCondLst>
-                                  <p:childTnLst>
-                                    <p:set>
-                                      <p:cBhvr>
-                                        <p:cTn id="24" dur="1" fill="hold">
-                                          <p:stCondLst>
-                                            <p:cond delay="0"/>
-                                          </p:stCondLst>
-                                        </p:cTn>
-                                        <p:tgtEl>
-                                          <p:spTgt spid="3">
-                                            <p:txEl>
-                                              <p:pRg st="8" end="8"/>
-                                            </p:txEl>
-                                          </p:spTgt>
-                                        </p:tgtEl>
-                                        <p:attrNameLst>
-                                          <p:attrName>style.visibility</p:attrName>
-                                        </p:attrNameLst>
-                                      </p:cBhvr>
-                                      <p:to>
-                                        <p:strVal val="visible"/>
-                                      </p:to>
-                                    </p:set>
-                                  </p:childTnLst>
-                                </p:cTn>
-                              </p:par>
-                              <p:par>
-                                <p:cTn id="25" presetID="1" presetClass="entr" presetSubtype="0" fill="hold" grpId="0" nodeType="withEffect">
-                                  <p:stCondLst>
-                                    <p:cond delay="0"/>
-                                  </p:stCondLst>
-                                  <p:childTnLst>
-                                    <p:set>
-                                      <p:cBhvr>
-                                        <p:cTn id="26" dur="1" fill="hold">
-                                          <p:stCondLst>
-                                            <p:cond delay="0"/>
-                                          </p:stCondLst>
-                                        </p:cTn>
-                                        <p:tgtEl>
-                                          <p:spTgt spid="3">
-                                            <p:txEl>
-                                              <p:pRg st="9" end="9"/>
-                                            </p:txEl>
-                                          </p:spTgt>
-                                        </p:tgtEl>
-                                        <p:attrNameLst>
-                                          <p:attrName>style.visibility</p:attrName>
-                                        </p:attrNameLst>
-                                      </p:cBhvr>
-                                      <p:to>
-                                        <p:strVal val="visible"/>
-                                      </p:to>
-                                    </p:set>
-                                  </p:childTnLst>
-                                </p:cTn>
-                              </p:par>
-                              <p:par>
-                                <p:cTn id="27" presetID="1" presetClass="entr" presetSubtype="0" fill="hold" grpId="0" nodeType="withEffect">
-                                  <p:stCondLst>
-                                    <p:cond delay="0"/>
-                                  </p:stCondLst>
-                                  <p:childTnLst>
-                                    <p:set>
-                                      <p:cBhvr>
-                                        <p:cTn id="28" dur="1" fill="hold">
-                                          <p:stCondLst>
-                                            <p:cond delay="0"/>
-                                          </p:stCondLst>
-                                        </p:cTn>
-                                        <p:tgtEl>
-                                          <p:spTgt spid="3">
-                                            <p:txEl>
-                                              <p:pRg st="10" end="10"/>
-                                            </p:txEl>
-                                          </p:spTgt>
-                                        </p:tgtEl>
-                                        <p:attrNameLst>
-                                          <p:attrName>style.visibility</p:attrName>
-                                        </p:attrNameLst>
-                                      </p:cBhvr>
-                                      <p:to>
-                                        <p:strVal val="visible"/>
-                                      </p:to>
-                                    </p:set>
-                                  </p:childTnLst>
-                                </p:cTn>
-                              </p:par>
-                            </p:childTnLst>
-                          </p:cTn>
-                        </p:par>
-                      </p:childTnLst>
-                    </p:cTn>
-                  </p:par>
-                </p:childTnLst>
-              </p:cTn>
-              <p:prevCondLst>
-                <p:cond evt="onPrev" delay="0">
-                  <p:tgtEl>
-                    <p:sldTgt/>
-                  </p:tgtEl>
-                </p:cond>
-              </p:prevCondLst>
-              <p:nextCondLst>
-                <p:cond evt="onNext" delay="0">
-                  <p:tgtEl>
-                    <p:sldTgt/>
-                  </p:tgtEl>
-                </p:cond>
-              </p:nextCondLst>
-            </p:seq>
-          </p:childTnLst>
-        </p:cTn>
-      </p:par>
-    </p:tnLst>
-    <p:bldLst>
-      <p:bldP spid="3" grpId="0" build="p"/>
-    </p:bldLst>
   </p:timing>
 </p:sld>
 </file>
